--- a/tex/figures/ChargesFields/Figures.pptx
+++ b/tex/figures/ChargesFields/Figures.pptx
@@ -200,7 +200,7 @@
           <a:p>
             <a:fld id="{FA15A6B2-55AC-CD4B-A1E6-BB01091FE9DC}" type="datetimeFigureOut">
               <a:rPr lang="en-US" smtClean="0"/>
-              <a:t>5/10/2019</a:t>
+              <a:t>5/13/2019</a:t>
             </a:fld>
             <a:endParaRPr lang="en-US"/>
           </a:p>
@@ -599,7 +599,7 @@
           <a:p>
             <a:fld id="{F7249F8D-641B-4CAF-BAE5-10524742F6F1}" type="datetimeFigureOut">
               <a:rPr lang="en-CA" smtClean="0"/>
-              <a:t>2019-05-10</a:t>
+              <a:t>2019-05-13</a:t>
             </a:fld>
             <a:endParaRPr lang="en-CA"/>
           </a:p>
@@ -769,7 +769,7 @@
           <a:p>
             <a:fld id="{F7249F8D-641B-4CAF-BAE5-10524742F6F1}" type="datetimeFigureOut">
               <a:rPr lang="en-CA" smtClean="0"/>
-              <a:t>2019-05-10</a:t>
+              <a:t>2019-05-13</a:t>
             </a:fld>
             <a:endParaRPr lang="en-CA"/>
           </a:p>
@@ -949,7 +949,7 @@
           <a:p>
             <a:fld id="{F7249F8D-641B-4CAF-BAE5-10524742F6F1}" type="datetimeFigureOut">
               <a:rPr lang="en-CA" smtClean="0"/>
-              <a:t>2019-05-10</a:t>
+              <a:t>2019-05-13</a:t>
             </a:fld>
             <a:endParaRPr lang="en-CA"/>
           </a:p>
@@ -1119,7 +1119,7 @@
           <a:p>
             <a:fld id="{F7249F8D-641B-4CAF-BAE5-10524742F6F1}" type="datetimeFigureOut">
               <a:rPr lang="en-CA" smtClean="0"/>
-              <a:t>2019-05-10</a:t>
+              <a:t>2019-05-13</a:t>
             </a:fld>
             <a:endParaRPr lang="en-CA"/>
           </a:p>
@@ -1365,7 +1365,7 @@
           <a:p>
             <a:fld id="{F7249F8D-641B-4CAF-BAE5-10524742F6F1}" type="datetimeFigureOut">
               <a:rPr lang="en-CA" smtClean="0"/>
-              <a:t>2019-05-10</a:t>
+              <a:t>2019-05-13</a:t>
             </a:fld>
             <a:endParaRPr lang="en-CA"/>
           </a:p>
@@ -1597,7 +1597,7 @@
           <a:p>
             <a:fld id="{F7249F8D-641B-4CAF-BAE5-10524742F6F1}" type="datetimeFigureOut">
               <a:rPr lang="en-CA" smtClean="0"/>
-              <a:t>2019-05-10</a:t>
+              <a:t>2019-05-13</a:t>
             </a:fld>
             <a:endParaRPr lang="en-CA"/>
           </a:p>
@@ -1964,7 +1964,7 @@
           <a:p>
             <a:fld id="{F7249F8D-641B-4CAF-BAE5-10524742F6F1}" type="datetimeFigureOut">
               <a:rPr lang="en-CA" smtClean="0"/>
-              <a:t>2019-05-10</a:t>
+              <a:t>2019-05-13</a:t>
             </a:fld>
             <a:endParaRPr lang="en-CA"/>
           </a:p>
@@ -2082,7 +2082,7 @@
           <a:p>
             <a:fld id="{F7249F8D-641B-4CAF-BAE5-10524742F6F1}" type="datetimeFigureOut">
               <a:rPr lang="en-CA" smtClean="0"/>
-              <a:t>2019-05-10</a:t>
+              <a:t>2019-05-13</a:t>
             </a:fld>
             <a:endParaRPr lang="en-CA"/>
           </a:p>
@@ -2177,7 +2177,7 @@
           <a:p>
             <a:fld id="{F7249F8D-641B-4CAF-BAE5-10524742F6F1}" type="datetimeFigureOut">
               <a:rPr lang="en-CA" smtClean="0"/>
-              <a:t>2019-05-10</a:t>
+              <a:t>2019-05-13</a:t>
             </a:fld>
             <a:endParaRPr lang="en-CA"/>
           </a:p>
@@ -2454,7 +2454,7 @@
           <a:p>
             <a:fld id="{F7249F8D-641B-4CAF-BAE5-10524742F6F1}" type="datetimeFigureOut">
               <a:rPr lang="en-CA" smtClean="0"/>
-              <a:t>2019-05-10</a:t>
+              <a:t>2019-05-13</a:t>
             </a:fld>
             <a:endParaRPr lang="en-CA"/>
           </a:p>
@@ -2707,7 +2707,7 @@
           <a:p>
             <a:fld id="{F7249F8D-641B-4CAF-BAE5-10524742F6F1}" type="datetimeFigureOut">
               <a:rPr lang="en-CA" smtClean="0"/>
-              <a:t>2019-05-10</a:t>
+              <a:t>2019-05-13</a:t>
             </a:fld>
             <a:endParaRPr lang="en-CA"/>
           </a:p>
@@ -2920,7 +2920,7 @@
           <a:p>
             <a:fld id="{F7249F8D-641B-4CAF-BAE5-10524742F6F1}" type="datetimeFigureOut">
               <a:rPr lang="en-CA" smtClean="0"/>
-              <a:t>2019-05-10</a:t>
+              <a:t>2019-05-13</a:t>
             </a:fld>
             <a:endParaRPr lang="en-CA"/>
           </a:p>
@@ -3700,9 +3700,9 @@
         <p:grpSpPr>
           <a:xfrm>
             <a:off x="5646605" y="2140517"/>
-            <a:ext cx="898789" cy="709995"/>
+            <a:ext cx="877523" cy="709995"/>
             <a:chOff x="758520" y="708040"/>
-            <a:chExt cx="2596102" cy="2135605"/>
+            <a:chExt cx="2534677" cy="2135605"/>
           </a:xfrm>
         </p:grpSpPr>
         <p:grpSp>
@@ -3714,9 +3714,9 @@
           <p:grpSpPr>
             <a:xfrm>
               <a:off x="758520" y="708040"/>
-              <a:ext cx="2596102" cy="2135605"/>
+              <a:ext cx="2534677" cy="2135605"/>
               <a:chOff x="785815" y="680744"/>
-              <a:chExt cx="2596102" cy="2135605"/>
+              <a:chExt cx="2534677" cy="2135605"/>
             </a:xfrm>
           </p:grpSpPr>
           <p:cxnSp>
@@ -3763,8 +3763,8 @@
             </p:nvCxnSpPr>
             <p:spPr>
               <a:xfrm flipV="1">
-                <a:off x="1507013" y="2535259"/>
-                <a:ext cx="1874904" cy="1"/>
+                <a:off x="1445588" y="2503276"/>
+                <a:ext cx="1874904" cy="0"/>
               </a:xfrm>
               <a:prstGeom prst="straightConnector1">
                 <a:avLst/>
@@ -5502,6 +5502,126 @@
           </p:txBody>
         </p:sp>
       </p:grpSp>
+      <p:grpSp>
+        <p:nvGrpSpPr>
+          <p:cNvPr id="59" name="Group 58"/>
+          <p:cNvGrpSpPr/>
+          <p:nvPr/>
+        </p:nvGrpSpPr>
+        <p:grpSpPr>
+          <a:xfrm>
+            <a:off x="8395056" y="4038138"/>
+            <a:ext cx="508381" cy="132983"/>
+            <a:chOff x="4711198" y="5280085"/>
+            <a:chExt cx="508381" cy="132983"/>
+          </a:xfrm>
+        </p:grpSpPr>
+        <p:cxnSp>
+          <p:nvCxnSpPr>
+            <p:cNvPr id="60" name="Straight Connector 59"/>
+            <p:cNvCxnSpPr/>
+            <p:nvPr/>
+          </p:nvCxnSpPr>
+          <p:spPr>
+            <a:xfrm>
+              <a:off x="4711198" y="5280085"/>
+              <a:ext cx="508381" cy="2125"/>
+            </a:xfrm>
+            <a:prstGeom prst="line">
+              <a:avLst/>
+            </a:prstGeom>
+            <a:ln w="38100">
+              <a:solidFill>
+                <a:schemeClr val="tx1"/>
+              </a:solidFill>
+            </a:ln>
+          </p:spPr>
+          <p:style>
+            <a:lnRef idx="1">
+              <a:schemeClr val="accent1"/>
+            </a:lnRef>
+            <a:fillRef idx="0">
+              <a:schemeClr val="accent1"/>
+            </a:fillRef>
+            <a:effectRef idx="0">
+              <a:schemeClr val="accent1"/>
+            </a:effectRef>
+            <a:fontRef idx="minor">
+              <a:schemeClr val="tx1"/>
+            </a:fontRef>
+          </p:style>
+        </p:cxnSp>
+        <p:cxnSp>
+          <p:nvCxnSpPr>
+            <p:cNvPr id="61" name="Straight Connector 60"/>
+            <p:cNvCxnSpPr/>
+            <p:nvPr/>
+          </p:nvCxnSpPr>
+          <p:spPr>
+            <a:xfrm>
+              <a:off x="4787398" y="5344331"/>
+              <a:ext cx="345934" cy="4871"/>
+            </a:xfrm>
+            <a:prstGeom prst="line">
+              <a:avLst/>
+            </a:prstGeom>
+            <a:ln w="38100">
+              <a:solidFill>
+                <a:schemeClr val="tx1"/>
+              </a:solidFill>
+            </a:ln>
+          </p:spPr>
+          <p:style>
+            <a:lnRef idx="1">
+              <a:schemeClr val="accent1"/>
+            </a:lnRef>
+            <a:fillRef idx="0">
+              <a:schemeClr val="accent1"/>
+            </a:fillRef>
+            <a:effectRef idx="0">
+              <a:schemeClr val="accent1"/>
+            </a:effectRef>
+            <a:fontRef idx="minor">
+              <a:schemeClr val="tx1"/>
+            </a:fontRef>
+          </p:style>
+        </p:cxnSp>
+        <p:cxnSp>
+          <p:nvCxnSpPr>
+            <p:cNvPr id="62" name="Straight Connector 61"/>
+            <p:cNvCxnSpPr/>
+            <p:nvPr/>
+          </p:nvCxnSpPr>
+          <p:spPr>
+            <a:xfrm flipV="1">
+              <a:off x="4874862" y="5412918"/>
+              <a:ext cx="171007" cy="150"/>
+            </a:xfrm>
+            <a:prstGeom prst="line">
+              <a:avLst/>
+            </a:prstGeom>
+            <a:ln w="38100">
+              <a:solidFill>
+                <a:schemeClr val="tx1"/>
+              </a:solidFill>
+            </a:ln>
+          </p:spPr>
+          <p:style>
+            <a:lnRef idx="1">
+              <a:schemeClr val="accent1"/>
+            </a:lnRef>
+            <a:fillRef idx="0">
+              <a:schemeClr val="accent1"/>
+            </a:fillRef>
+            <a:effectRef idx="0">
+              <a:schemeClr val="accent1"/>
+            </a:effectRef>
+            <a:fontRef idx="minor">
+              <a:schemeClr val="tx1"/>
+            </a:fontRef>
+          </p:style>
+        </p:cxnSp>
+      </p:grpSp>
     </p:spTree>
     <p:extLst>
       <p:ext uri="{BB962C8B-B14F-4D97-AF65-F5344CB8AC3E}">
@@ -5581,10 +5701,6 @@
                 </a:rPr>
                 <a:t>Air</a:t>
               </a:r>
-              <a:endParaRPr lang="en-US" dirty="0" smtClean="0">
-                <a:latin typeface="Arial" panose="020B0604020202020204" pitchFamily="34" charset="0"/>
-                <a:cs typeface="Arial" panose="020B0604020202020204" pitchFamily="34" charset="0"/>
-              </a:endParaRPr>
             </a:p>
           </p:txBody>
         </p:sp>
@@ -5623,10 +5739,6 @@
                 </a:rPr>
                 <a:t>Dry human skin</a:t>
               </a:r>
-              <a:endParaRPr lang="en-US" dirty="0" smtClean="0">
-                <a:latin typeface="Arial" panose="020B0604020202020204" pitchFamily="34" charset="0"/>
-                <a:cs typeface="Arial" panose="020B0604020202020204" pitchFamily="34" charset="0"/>
-              </a:endParaRPr>
             </a:p>
           </p:txBody>
         </p:sp>
@@ -5665,10 +5777,6 @@
                 </a:rPr>
                 <a:t>Glass</a:t>
               </a:r>
-              <a:endParaRPr lang="en-US" dirty="0" smtClean="0">
-                <a:latin typeface="Arial" panose="020B0604020202020204" pitchFamily="34" charset="0"/>
-                <a:cs typeface="Arial" panose="020B0604020202020204" pitchFamily="34" charset="0"/>
-              </a:endParaRPr>
             </a:p>
           </p:txBody>
         </p:sp>
@@ -5707,10 +5815,6 @@
                 </a:rPr>
                 <a:t>Human hair</a:t>
               </a:r>
-              <a:endParaRPr lang="en-US" dirty="0" smtClean="0">
-                <a:latin typeface="Arial" panose="020B0604020202020204" pitchFamily="34" charset="0"/>
-                <a:cs typeface="Arial" panose="020B0604020202020204" pitchFamily="34" charset="0"/>
-              </a:endParaRPr>
             </a:p>
           </p:txBody>
         </p:sp>
@@ -5749,10 +5853,6 @@
                 </a:rPr>
                 <a:t>Wool</a:t>
               </a:r>
-              <a:endParaRPr lang="en-US" dirty="0" smtClean="0">
-                <a:latin typeface="Arial" panose="020B0604020202020204" pitchFamily="34" charset="0"/>
-                <a:cs typeface="Arial" panose="020B0604020202020204" pitchFamily="34" charset="0"/>
-              </a:endParaRPr>
             </a:p>
           </p:txBody>
         </p:sp>
@@ -5791,10 +5891,6 @@
                 </a:rPr>
                 <a:t>Silk</a:t>
               </a:r>
-              <a:endParaRPr lang="en-US" dirty="0" smtClean="0">
-                <a:latin typeface="Arial" panose="020B0604020202020204" pitchFamily="34" charset="0"/>
-                <a:cs typeface="Arial" panose="020B0604020202020204" pitchFamily="34" charset="0"/>
-              </a:endParaRPr>
             </a:p>
           </p:txBody>
         </p:sp>
@@ -5833,10 +5929,6 @@
                 </a:rPr>
                 <a:t>Amber</a:t>
               </a:r>
-              <a:endParaRPr lang="en-US" dirty="0" smtClean="0">
-                <a:latin typeface="Arial" panose="020B0604020202020204" pitchFamily="34" charset="0"/>
-                <a:cs typeface="Arial" panose="020B0604020202020204" pitchFamily="34" charset="0"/>
-              </a:endParaRPr>
             </a:p>
           </p:txBody>
         </p:sp>
@@ -5875,10 +5967,6 @@
                 </a:rPr>
                 <a:t>Polyester</a:t>
               </a:r>
-              <a:endParaRPr lang="en-US" dirty="0" smtClean="0">
-                <a:latin typeface="Arial" panose="020B0604020202020204" pitchFamily="34" charset="0"/>
-                <a:cs typeface="Arial" panose="020B0604020202020204" pitchFamily="34" charset="0"/>
-              </a:endParaRPr>
             </a:p>
           </p:txBody>
         </p:sp>
@@ -5917,10 +6005,6 @@
                 </a:rPr>
                 <a:t>Styrofoam</a:t>
               </a:r>
-              <a:endParaRPr lang="en-US" dirty="0" smtClean="0">
-                <a:latin typeface="Arial" panose="020B0604020202020204" pitchFamily="34" charset="0"/>
-                <a:cs typeface="Arial" panose="020B0604020202020204" pitchFamily="34" charset="0"/>
-              </a:endParaRPr>
             </a:p>
           </p:txBody>
         </p:sp>
@@ -5951,19 +6035,8 @@
                   <a:latin typeface="Arial" panose="020B0604020202020204" pitchFamily="34" charset="0"/>
                   <a:cs typeface="Arial" panose="020B0604020202020204" pitchFamily="34" charset="0"/>
                 </a:rPr>
-                <a:t>Tends to becom</a:t>
+                <a:t>Tends to become positive</a:t>
               </a:r>
-              <a:r>
-                <a:rPr lang="en-US" sz="2000" dirty="0" smtClean="0">
-                  <a:latin typeface="Arial" panose="020B0604020202020204" pitchFamily="34" charset="0"/>
-                  <a:cs typeface="Arial" panose="020B0604020202020204" pitchFamily="34" charset="0"/>
-                </a:rPr>
-                <a:t>e positive</a:t>
-              </a:r>
-              <a:endParaRPr lang="en-US" sz="2000" dirty="0" smtClean="0">
-                <a:latin typeface="Arial" panose="020B0604020202020204" pitchFamily="34" charset="0"/>
-                <a:cs typeface="Arial" panose="020B0604020202020204" pitchFamily="34" charset="0"/>
-              </a:endParaRPr>
             </a:p>
           </p:txBody>
         </p:sp>
@@ -5994,19 +6067,8 @@
                   <a:latin typeface="Arial" panose="020B0604020202020204" pitchFamily="34" charset="0"/>
                   <a:cs typeface="Arial" panose="020B0604020202020204" pitchFamily="34" charset="0"/>
                 </a:rPr>
-                <a:t>Tends to becom</a:t>
+                <a:t>Tends to become negative</a:t>
               </a:r>
-              <a:r>
-                <a:rPr lang="en-US" sz="2000" dirty="0" smtClean="0">
-                  <a:latin typeface="Arial" panose="020B0604020202020204" pitchFamily="34" charset="0"/>
-                  <a:cs typeface="Arial" panose="020B0604020202020204" pitchFamily="34" charset="0"/>
-                </a:rPr>
-                <a:t>e negative</a:t>
-              </a:r>
-              <a:endParaRPr lang="en-US" sz="2000" dirty="0" smtClean="0">
-                <a:latin typeface="Arial" panose="020B0604020202020204" pitchFamily="34" charset="0"/>
-                <a:cs typeface="Arial" panose="020B0604020202020204" pitchFamily="34" charset="0"/>
-              </a:endParaRPr>
             </a:p>
           </p:txBody>
         </p:sp>
@@ -6083,6 +6145,2832 @@
           </p:style>
         </p:cxnSp>
       </p:grpSp>
+      <p:sp>
+        <p:nvSpPr>
+          <p:cNvPr id="22" name="Rounded Rectangle 21"/>
+          <p:cNvSpPr/>
+          <p:nvPr/>
+        </p:nvSpPr>
+        <p:spPr>
+          <a:xfrm>
+            <a:off x="1638471" y="3444658"/>
+            <a:ext cx="2214019" cy="279132"/>
+          </a:xfrm>
+          <a:prstGeom prst="roundRect">
+            <a:avLst/>
+          </a:prstGeom>
+          <a:solidFill>
+            <a:schemeClr val="bg2">
+              <a:lumMod val="90000"/>
+            </a:schemeClr>
+          </a:solidFill>
+          <a:ln w="38100">
+            <a:solidFill>
+              <a:schemeClr val="tx1"/>
+            </a:solidFill>
+          </a:ln>
+        </p:spPr>
+        <p:style>
+          <a:lnRef idx="2">
+            <a:schemeClr val="accent1">
+              <a:shade val="50000"/>
+            </a:schemeClr>
+          </a:lnRef>
+          <a:fillRef idx="1">
+            <a:schemeClr val="accent1"/>
+          </a:fillRef>
+          <a:effectRef idx="0">
+            <a:schemeClr val="accent1"/>
+          </a:effectRef>
+          <a:fontRef idx="minor">
+            <a:schemeClr val="lt1"/>
+          </a:fontRef>
+        </p:style>
+        <p:txBody>
+          <a:bodyPr rtlCol="0" anchor="ctr"/>
+          <a:lstStyle/>
+          <a:p>
+            <a:pPr algn="ctr"/>
+            <a:endParaRPr lang="en-US"/>
+          </a:p>
+        </p:txBody>
+      </p:sp>
+      <p:sp>
+        <p:nvSpPr>
+          <p:cNvPr id="3" name="TextBox 2"/>
+          <p:cNvSpPr txBox="1"/>
+          <p:nvPr/>
+        </p:nvSpPr>
+        <p:spPr>
+          <a:xfrm>
+            <a:off x="1652800" y="3373915"/>
+            <a:ext cx="3058425" cy="400110"/>
+          </a:xfrm>
+          <a:prstGeom prst="rect">
+            <a:avLst/>
+          </a:prstGeom>
+          <a:noFill/>
+        </p:spPr>
+        <p:txBody>
+          <a:bodyPr wrap="square" rtlCol="0">
+            <a:spAutoFit/>
+          </a:bodyPr>
+          <a:lstStyle/>
+          <a:p>
+            <a:r>
+              <a:rPr lang="en-US" sz="2000" dirty="0" smtClean="0">
+                <a:latin typeface="Arial" panose="020B0604020202020204" pitchFamily="34" charset="0"/>
+                <a:cs typeface="Arial" panose="020B0604020202020204" pitchFamily="34" charset="0"/>
+              </a:rPr>
+              <a:t>+ - + - + - + - + - +</a:t>
+            </a:r>
+            <a:endParaRPr lang="en-US" sz="2000" dirty="0" smtClean="0">
+              <a:latin typeface="Arial" panose="020B0604020202020204" pitchFamily="34" charset="0"/>
+              <a:cs typeface="Arial" panose="020B0604020202020204" pitchFamily="34" charset="0"/>
+            </a:endParaRPr>
+          </a:p>
+        </p:txBody>
+      </p:sp>
+      <p:sp>
+        <p:nvSpPr>
+          <p:cNvPr id="74" name="TextBox 73"/>
+          <p:cNvSpPr txBox="1"/>
+          <p:nvPr/>
+        </p:nvSpPr>
+        <p:spPr>
+          <a:xfrm>
+            <a:off x="5341095" y="3383945"/>
+            <a:ext cx="284517" cy="400110"/>
+          </a:xfrm>
+          <a:prstGeom prst="rect">
+            <a:avLst/>
+          </a:prstGeom>
+          <a:noFill/>
+        </p:spPr>
+        <p:txBody>
+          <a:bodyPr wrap="square" rtlCol="0">
+            <a:spAutoFit/>
+          </a:bodyPr>
+          <a:lstStyle/>
+          <a:p>
+            <a:r>
+              <a:rPr lang="en-US" sz="2000" dirty="0" smtClean="0">
+                <a:latin typeface="Arial" panose="020B0604020202020204" pitchFamily="34" charset="0"/>
+                <a:cs typeface="Arial" panose="020B0604020202020204" pitchFamily="34" charset="0"/>
+              </a:rPr>
+              <a:t>+ </a:t>
+            </a:r>
+            <a:endParaRPr lang="en-US" sz="2000" dirty="0" smtClean="0">
+              <a:latin typeface="Arial" panose="020B0604020202020204" pitchFamily="34" charset="0"/>
+              <a:cs typeface="Arial" panose="020B0604020202020204" pitchFamily="34" charset="0"/>
+            </a:endParaRPr>
+          </a:p>
+        </p:txBody>
+      </p:sp>
+      <p:grpSp>
+        <p:nvGrpSpPr>
+          <p:cNvPr id="101" name="Group 100"/>
+          <p:cNvGrpSpPr/>
+          <p:nvPr/>
+        </p:nvGrpSpPr>
+        <p:grpSpPr>
+          <a:xfrm>
+            <a:off x="5409494" y="3283727"/>
+            <a:ext cx="2303715" cy="574827"/>
+            <a:chOff x="4434614" y="3900416"/>
+            <a:chExt cx="2303715" cy="574827"/>
+          </a:xfrm>
+        </p:grpSpPr>
+        <p:sp>
+          <p:nvSpPr>
+            <p:cNvPr id="61" name="Rounded Rectangle 60"/>
+            <p:cNvSpPr/>
+            <p:nvPr/>
+          </p:nvSpPr>
+          <p:spPr>
+            <a:xfrm>
+              <a:off x="4472169" y="4061123"/>
+              <a:ext cx="2214019" cy="279132"/>
+            </a:xfrm>
+            <a:prstGeom prst="roundRect">
+              <a:avLst/>
+            </a:prstGeom>
+            <a:solidFill>
+              <a:schemeClr val="bg2">
+                <a:lumMod val="90000"/>
+              </a:schemeClr>
+            </a:solidFill>
+            <a:ln w="38100">
+              <a:solidFill>
+                <a:schemeClr val="tx1"/>
+              </a:solidFill>
+            </a:ln>
+          </p:spPr>
+          <p:style>
+            <a:lnRef idx="2">
+              <a:schemeClr val="accent1">
+                <a:shade val="50000"/>
+              </a:schemeClr>
+            </a:lnRef>
+            <a:fillRef idx="1">
+              <a:schemeClr val="accent1"/>
+            </a:fillRef>
+            <a:effectRef idx="0">
+              <a:schemeClr val="accent1"/>
+            </a:effectRef>
+            <a:fontRef idx="minor">
+              <a:schemeClr val="lt1"/>
+            </a:fontRef>
+          </p:style>
+          <p:txBody>
+            <a:bodyPr rtlCol="0" anchor="ctr"/>
+            <a:lstStyle/>
+            <a:p>
+              <a:pPr algn="ctr"/>
+              <a:endParaRPr lang="en-US"/>
+            </a:p>
+          </p:txBody>
+        </p:sp>
+        <p:sp>
+          <p:nvSpPr>
+            <p:cNvPr id="63" name="TextBox 62"/>
+            <p:cNvSpPr txBox="1"/>
+            <p:nvPr/>
+          </p:nvSpPr>
+          <p:spPr>
+            <a:xfrm>
+              <a:off x="4434614" y="3917273"/>
+              <a:ext cx="284517" cy="400110"/>
+            </a:xfrm>
+            <a:prstGeom prst="rect">
+              <a:avLst/>
+            </a:prstGeom>
+            <a:noFill/>
+          </p:spPr>
+          <p:txBody>
+            <a:bodyPr wrap="square" rtlCol="0">
+              <a:spAutoFit/>
+            </a:bodyPr>
+            <a:lstStyle/>
+            <a:p>
+              <a:r>
+                <a:rPr lang="en-US" sz="2000" dirty="0" smtClean="0">
+                  <a:latin typeface="Arial" panose="020B0604020202020204" pitchFamily="34" charset="0"/>
+                  <a:cs typeface="Arial" panose="020B0604020202020204" pitchFamily="34" charset="0"/>
+                </a:rPr>
+                <a:t>+ </a:t>
+              </a:r>
+              <a:endParaRPr lang="en-US" sz="2000" dirty="0" smtClean="0">
+                <a:latin typeface="Arial" panose="020B0604020202020204" pitchFamily="34" charset="0"/>
+                <a:cs typeface="Arial" panose="020B0604020202020204" pitchFamily="34" charset="0"/>
+              </a:endParaRPr>
+            </a:p>
+          </p:txBody>
+        </p:sp>
+        <p:sp>
+          <p:nvSpPr>
+            <p:cNvPr id="75" name="TextBox 74"/>
+            <p:cNvSpPr txBox="1"/>
+            <p:nvPr/>
+          </p:nvSpPr>
+          <p:spPr>
+            <a:xfrm>
+              <a:off x="4449970" y="4051052"/>
+              <a:ext cx="284517" cy="400110"/>
+            </a:xfrm>
+            <a:prstGeom prst="rect">
+              <a:avLst/>
+            </a:prstGeom>
+            <a:noFill/>
+          </p:spPr>
+          <p:txBody>
+            <a:bodyPr wrap="square" rtlCol="0">
+              <a:spAutoFit/>
+            </a:bodyPr>
+            <a:lstStyle/>
+            <a:p>
+              <a:r>
+                <a:rPr lang="en-US" sz="2000" dirty="0" smtClean="0">
+                  <a:latin typeface="Arial" panose="020B0604020202020204" pitchFamily="34" charset="0"/>
+                  <a:cs typeface="Arial" panose="020B0604020202020204" pitchFamily="34" charset="0"/>
+                </a:rPr>
+                <a:t>+ </a:t>
+              </a:r>
+              <a:endParaRPr lang="en-US" sz="2000" dirty="0" smtClean="0">
+                <a:latin typeface="Arial" panose="020B0604020202020204" pitchFamily="34" charset="0"/>
+                <a:cs typeface="Arial" panose="020B0604020202020204" pitchFamily="34" charset="0"/>
+              </a:endParaRPr>
+            </a:p>
+          </p:txBody>
+        </p:sp>
+        <p:sp>
+          <p:nvSpPr>
+            <p:cNvPr id="76" name="TextBox 75"/>
+            <p:cNvSpPr txBox="1"/>
+            <p:nvPr/>
+          </p:nvSpPr>
+          <p:spPr>
+            <a:xfrm>
+              <a:off x="4576796" y="4075133"/>
+              <a:ext cx="284517" cy="400110"/>
+            </a:xfrm>
+            <a:prstGeom prst="rect">
+              <a:avLst/>
+            </a:prstGeom>
+            <a:noFill/>
+          </p:spPr>
+          <p:txBody>
+            <a:bodyPr wrap="square" rtlCol="0">
+              <a:spAutoFit/>
+            </a:bodyPr>
+            <a:lstStyle/>
+            <a:p>
+              <a:r>
+                <a:rPr lang="en-US" sz="2000" dirty="0" smtClean="0">
+                  <a:latin typeface="Arial" panose="020B0604020202020204" pitchFamily="34" charset="0"/>
+                  <a:cs typeface="Arial" panose="020B0604020202020204" pitchFamily="34" charset="0"/>
+                </a:rPr>
+                <a:t>+ </a:t>
+              </a:r>
+              <a:endParaRPr lang="en-US" sz="2000" dirty="0" smtClean="0">
+                <a:latin typeface="Arial" panose="020B0604020202020204" pitchFamily="34" charset="0"/>
+                <a:cs typeface="Arial" panose="020B0604020202020204" pitchFamily="34" charset="0"/>
+              </a:endParaRPr>
+            </a:p>
+          </p:txBody>
+        </p:sp>
+        <p:sp>
+          <p:nvSpPr>
+            <p:cNvPr id="77" name="TextBox 76"/>
+            <p:cNvSpPr txBox="1"/>
+            <p:nvPr/>
+          </p:nvSpPr>
+          <p:spPr>
+            <a:xfrm>
+              <a:off x="4690329" y="4006648"/>
+              <a:ext cx="284517" cy="400110"/>
+            </a:xfrm>
+            <a:prstGeom prst="rect">
+              <a:avLst/>
+            </a:prstGeom>
+            <a:noFill/>
+          </p:spPr>
+          <p:txBody>
+            <a:bodyPr wrap="square" rtlCol="0">
+              <a:spAutoFit/>
+            </a:bodyPr>
+            <a:lstStyle/>
+            <a:p>
+              <a:r>
+                <a:rPr lang="en-US" sz="2000" dirty="0" smtClean="0">
+                  <a:latin typeface="Arial" panose="020B0604020202020204" pitchFamily="34" charset="0"/>
+                  <a:cs typeface="Arial" panose="020B0604020202020204" pitchFamily="34" charset="0"/>
+                </a:rPr>
+                <a:t>+ </a:t>
+              </a:r>
+              <a:endParaRPr lang="en-US" sz="2000" dirty="0" smtClean="0">
+                <a:latin typeface="Arial" panose="020B0604020202020204" pitchFamily="34" charset="0"/>
+                <a:cs typeface="Arial" panose="020B0604020202020204" pitchFamily="34" charset="0"/>
+              </a:endParaRPr>
+            </a:p>
+          </p:txBody>
+        </p:sp>
+        <p:sp>
+          <p:nvSpPr>
+            <p:cNvPr id="78" name="TextBox 77"/>
+            <p:cNvSpPr txBox="1"/>
+            <p:nvPr/>
+          </p:nvSpPr>
+          <p:spPr>
+            <a:xfrm>
+              <a:off x="4540171" y="3950066"/>
+              <a:ext cx="284517" cy="400110"/>
+            </a:xfrm>
+            <a:prstGeom prst="rect">
+              <a:avLst/>
+            </a:prstGeom>
+            <a:noFill/>
+          </p:spPr>
+          <p:txBody>
+            <a:bodyPr wrap="square" rtlCol="0">
+              <a:spAutoFit/>
+            </a:bodyPr>
+            <a:lstStyle/>
+            <a:p>
+              <a:r>
+                <a:rPr lang="en-US" sz="2000" dirty="0" smtClean="0">
+                  <a:latin typeface="Arial" panose="020B0604020202020204" pitchFamily="34" charset="0"/>
+                  <a:cs typeface="Arial" panose="020B0604020202020204" pitchFamily="34" charset="0"/>
+                </a:rPr>
+                <a:t>+ </a:t>
+              </a:r>
+              <a:endParaRPr lang="en-US" sz="2000" dirty="0" smtClean="0">
+                <a:latin typeface="Arial" panose="020B0604020202020204" pitchFamily="34" charset="0"/>
+                <a:cs typeface="Arial" panose="020B0604020202020204" pitchFamily="34" charset="0"/>
+              </a:endParaRPr>
+            </a:p>
+          </p:txBody>
+        </p:sp>
+        <p:sp>
+          <p:nvSpPr>
+            <p:cNvPr id="84" name="TextBox 83"/>
+            <p:cNvSpPr txBox="1"/>
+            <p:nvPr/>
+          </p:nvSpPr>
+          <p:spPr>
+            <a:xfrm>
+              <a:off x="6468703" y="3900416"/>
+              <a:ext cx="269626" cy="400110"/>
+            </a:xfrm>
+            <a:prstGeom prst="rect">
+              <a:avLst/>
+            </a:prstGeom>
+            <a:noFill/>
+          </p:spPr>
+          <p:txBody>
+            <a:bodyPr wrap="none" rtlCol="0">
+              <a:spAutoFit/>
+            </a:bodyPr>
+            <a:lstStyle/>
+            <a:p>
+              <a:r>
+                <a:rPr lang="en-US" sz="2000" dirty="0" smtClean="0">
+                  <a:latin typeface="Arial" panose="020B0604020202020204" pitchFamily="34" charset="0"/>
+                  <a:cs typeface="Arial" panose="020B0604020202020204" pitchFamily="34" charset="0"/>
+                </a:rPr>
+                <a:t>-</a:t>
+              </a:r>
+              <a:endParaRPr lang="en-US" sz="2000" dirty="0" smtClean="0">
+                <a:latin typeface="Arial" panose="020B0604020202020204" pitchFamily="34" charset="0"/>
+                <a:cs typeface="Arial" panose="020B0604020202020204" pitchFamily="34" charset="0"/>
+              </a:endParaRPr>
+            </a:p>
+          </p:txBody>
+        </p:sp>
+        <p:sp>
+          <p:nvSpPr>
+            <p:cNvPr id="85" name="TextBox 84"/>
+            <p:cNvSpPr txBox="1"/>
+            <p:nvPr/>
+          </p:nvSpPr>
+          <p:spPr>
+            <a:xfrm>
+              <a:off x="6466646" y="4068498"/>
+              <a:ext cx="269626" cy="400110"/>
+            </a:xfrm>
+            <a:prstGeom prst="rect">
+              <a:avLst/>
+            </a:prstGeom>
+            <a:noFill/>
+          </p:spPr>
+          <p:txBody>
+            <a:bodyPr wrap="none" rtlCol="0">
+              <a:spAutoFit/>
+            </a:bodyPr>
+            <a:lstStyle/>
+            <a:p>
+              <a:r>
+                <a:rPr lang="en-US" sz="2000" dirty="0" smtClean="0">
+                  <a:latin typeface="Arial" panose="020B0604020202020204" pitchFamily="34" charset="0"/>
+                  <a:cs typeface="Arial" panose="020B0604020202020204" pitchFamily="34" charset="0"/>
+                </a:rPr>
+                <a:t>-</a:t>
+              </a:r>
+              <a:endParaRPr lang="en-US" sz="2000" dirty="0" smtClean="0">
+                <a:latin typeface="Arial" panose="020B0604020202020204" pitchFamily="34" charset="0"/>
+                <a:cs typeface="Arial" panose="020B0604020202020204" pitchFamily="34" charset="0"/>
+              </a:endParaRPr>
+            </a:p>
+          </p:txBody>
+        </p:sp>
+        <p:sp>
+          <p:nvSpPr>
+            <p:cNvPr id="86" name="TextBox 85"/>
+            <p:cNvSpPr txBox="1"/>
+            <p:nvPr/>
+          </p:nvSpPr>
+          <p:spPr>
+            <a:xfrm>
+              <a:off x="6379026" y="3940934"/>
+              <a:ext cx="269626" cy="400110"/>
+            </a:xfrm>
+            <a:prstGeom prst="rect">
+              <a:avLst/>
+            </a:prstGeom>
+            <a:noFill/>
+          </p:spPr>
+          <p:txBody>
+            <a:bodyPr wrap="none" rtlCol="0">
+              <a:spAutoFit/>
+            </a:bodyPr>
+            <a:lstStyle/>
+            <a:p>
+              <a:r>
+                <a:rPr lang="en-US" sz="2000" dirty="0" smtClean="0">
+                  <a:latin typeface="Arial" panose="020B0604020202020204" pitchFamily="34" charset="0"/>
+                  <a:cs typeface="Arial" panose="020B0604020202020204" pitchFamily="34" charset="0"/>
+                </a:rPr>
+                <a:t>-</a:t>
+              </a:r>
+              <a:endParaRPr lang="en-US" sz="2000" dirty="0" smtClean="0">
+                <a:latin typeface="Arial" panose="020B0604020202020204" pitchFamily="34" charset="0"/>
+                <a:cs typeface="Arial" panose="020B0604020202020204" pitchFamily="34" charset="0"/>
+              </a:endParaRPr>
+            </a:p>
+          </p:txBody>
+        </p:sp>
+        <p:sp>
+          <p:nvSpPr>
+            <p:cNvPr id="87" name="TextBox 86"/>
+            <p:cNvSpPr txBox="1"/>
+            <p:nvPr/>
+          </p:nvSpPr>
+          <p:spPr>
+            <a:xfrm>
+              <a:off x="6466646" y="3977034"/>
+              <a:ext cx="269626" cy="400110"/>
+            </a:xfrm>
+            <a:prstGeom prst="rect">
+              <a:avLst/>
+            </a:prstGeom>
+            <a:noFill/>
+          </p:spPr>
+          <p:txBody>
+            <a:bodyPr wrap="none" rtlCol="0">
+              <a:spAutoFit/>
+            </a:bodyPr>
+            <a:lstStyle/>
+            <a:p>
+              <a:r>
+                <a:rPr lang="en-US" sz="2000" dirty="0" smtClean="0">
+                  <a:latin typeface="Arial" panose="020B0604020202020204" pitchFamily="34" charset="0"/>
+                  <a:cs typeface="Arial" panose="020B0604020202020204" pitchFamily="34" charset="0"/>
+                </a:rPr>
+                <a:t>-</a:t>
+              </a:r>
+              <a:endParaRPr lang="en-US" sz="2000" dirty="0" smtClean="0">
+                <a:latin typeface="Arial" panose="020B0604020202020204" pitchFamily="34" charset="0"/>
+                <a:cs typeface="Arial" panose="020B0604020202020204" pitchFamily="34" charset="0"/>
+              </a:endParaRPr>
+            </a:p>
+          </p:txBody>
+        </p:sp>
+        <p:sp>
+          <p:nvSpPr>
+            <p:cNvPr id="88" name="TextBox 87"/>
+            <p:cNvSpPr txBox="1"/>
+            <p:nvPr/>
+          </p:nvSpPr>
+          <p:spPr>
+            <a:xfrm>
+              <a:off x="6293007" y="3984264"/>
+              <a:ext cx="269626" cy="400110"/>
+            </a:xfrm>
+            <a:prstGeom prst="rect">
+              <a:avLst/>
+            </a:prstGeom>
+            <a:noFill/>
+          </p:spPr>
+          <p:txBody>
+            <a:bodyPr wrap="none" rtlCol="0">
+              <a:spAutoFit/>
+            </a:bodyPr>
+            <a:lstStyle/>
+            <a:p>
+              <a:r>
+                <a:rPr lang="en-US" sz="2000" dirty="0" smtClean="0">
+                  <a:latin typeface="Arial" panose="020B0604020202020204" pitchFamily="34" charset="0"/>
+                  <a:cs typeface="Arial" panose="020B0604020202020204" pitchFamily="34" charset="0"/>
+                </a:rPr>
+                <a:t>-</a:t>
+              </a:r>
+              <a:endParaRPr lang="en-US" sz="2000" dirty="0" smtClean="0">
+                <a:latin typeface="Arial" panose="020B0604020202020204" pitchFamily="34" charset="0"/>
+                <a:cs typeface="Arial" panose="020B0604020202020204" pitchFamily="34" charset="0"/>
+              </a:endParaRPr>
+            </a:p>
+          </p:txBody>
+        </p:sp>
+        <p:sp>
+          <p:nvSpPr>
+            <p:cNvPr id="89" name="TextBox 88"/>
+            <p:cNvSpPr txBox="1"/>
+            <p:nvPr/>
+          </p:nvSpPr>
+          <p:spPr>
+            <a:xfrm>
+              <a:off x="6384418" y="4025591"/>
+              <a:ext cx="269626" cy="400110"/>
+            </a:xfrm>
+            <a:prstGeom prst="rect">
+              <a:avLst/>
+            </a:prstGeom>
+            <a:noFill/>
+          </p:spPr>
+          <p:txBody>
+            <a:bodyPr wrap="none" rtlCol="0">
+              <a:spAutoFit/>
+            </a:bodyPr>
+            <a:lstStyle/>
+            <a:p>
+              <a:r>
+                <a:rPr lang="en-US" sz="2000" dirty="0" smtClean="0">
+                  <a:latin typeface="Arial" panose="020B0604020202020204" pitchFamily="34" charset="0"/>
+                  <a:cs typeface="Arial" panose="020B0604020202020204" pitchFamily="34" charset="0"/>
+                </a:rPr>
+                <a:t>-</a:t>
+              </a:r>
+              <a:endParaRPr lang="en-US" sz="2000" dirty="0" smtClean="0">
+                <a:latin typeface="Arial" panose="020B0604020202020204" pitchFamily="34" charset="0"/>
+                <a:cs typeface="Arial" panose="020B0604020202020204" pitchFamily="34" charset="0"/>
+              </a:endParaRPr>
+            </a:p>
+          </p:txBody>
+        </p:sp>
+      </p:grpSp>
+      <p:cxnSp>
+        <p:nvCxnSpPr>
+          <p:cNvPr id="91" name="Straight Connector 90"/>
+          <p:cNvCxnSpPr/>
+          <p:nvPr/>
+        </p:nvCxnSpPr>
+        <p:spPr>
+          <a:xfrm flipH="1">
+            <a:off x="4268461" y="2720331"/>
+            <a:ext cx="10632" cy="1727785"/>
+          </a:xfrm>
+          <a:prstGeom prst="line">
+            <a:avLst/>
+          </a:prstGeom>
+          <a:ln w="38100">
+            <a:solidFill>
+              <a:schemeClr val="tx1"/>
+            </a:solidFill>
+            <a:prstDash val="dash"/>
+          </a:ln>
+        </p:spPr>
+        <p:style>
+          <a:lnRef idx="1">
+            <a:schemeClr val="accent1"/>
+          </a:lnRef>
+          <a:fillRef idx="0">
+            <a:schemeClr val="accent1"/>
+          </a:fillRef>
+          <a:effectRef idx="0">
+            <a:schemeClr val="accent1"/>
+          </a:effectRef>
+          <a:fontRef idx="minor">
+            <a:schemeClr val="tx1"/>
+          </a:fontRef>
+        </p:style>
+      </p:cxnSp>
+      <mc:AlternateContent xmlns:mc="http://schemas.openxmlformats.org/markup-compatibility/2006">
+        <mc:Choice xmlns:a14="http://schemas.microsoft.com/office/drawing/2010/main" Requires="a14">
+          <p:sp>
+            <p:nvSpPr>
+              <p:cNvPr id="95" name="TextBox 94"/>
+              <p:cNvSpPr txBox="1"/>
+              <p:nvPr/>
+            </p:nvSpPr>
+            <p:spPr>
+              <a:xfrm>
+                <a:off x="2036022" y="3957182"/>
+                <a:ext cx="1418915" cy="307777"/>
+              </a:xfrm>
+              <a:prstGeom prst="rect">
+                <a:avLst/>
+              </a:prstGeom>
+              <a:noFill/>
+            </p:spPr>
+            <p:txBody>
+              <a:bodyPr wrap="none" lIns="0" tIns="0" rIns="0" bIns="0" rtlCol="0">
+                <a:spAutoFit/>
+              </a:bodyPr>
+              <a:lstStyle/>
+              <a:p>
+                <a14:m>
+                  <m:oMathPara xmlns:m="http://schemas.openxmlformats.org/officeDocument/2006/math">
+                    <m:oMathParaPr>
+                      <m:jc m:val="centerGroup"/>
+                    </m:oMathParaPr>
+                    <m:oMath xmlns:m="http://schemas.openxmlformats.org/officeDocument/2006/math">
+                      <m:r>
+                        <a:rPr lang="en-US" sz="2000" b="0" i="1" smtClean="0">
+                          <a:latin typeface="Cambria Math" panose="02040503050406030204" pitchFamily="18" charset="0"/>
+                          <a:cs typeface="Arial" panose="020B0604020202020204" pitchFamily="34" charset="0"/>
+                        </a:rPr>
+                        <m:t>𝑛𝑒𝑢𝑡𝑟𝑎𝑙</m:t>
+                      </m:r>
+                      <m:r>
+                        <a:rPr lang="en-US" sz="2000" b="0" i="1" smtClean="0">
+                          <a:latin typeface="Cambria Math" panose="02040503050406030204" pitchFamily="18" charset="0"/>
+                          <a:cs typeface="Arial" panose="020B0604020202020204" pitchFamily="34" charset="0"/>
+                        </a:rPr>
+                        <m:t> </m:t>
+                      </m:r>
+                      <m:r>
+                        <a:rPr lang="en-US" sz="2000" b="0" i="1" smtClean="0">
+                          <a:latin typeface="Cambria Math" panose="02040503050406030204" pitchFamily="18" charset="0"/>
+                          <a:cs typeface="Arial" panose="020B0604020202020204" pitchFamily="34" charset="0"/>
+                        </a:rPr>
+                        <m:t>𝑟𝑜𝑑</m:t>
+                      </m:r>
+                    </m:oMath>
+                  </m:oMathPara>
+                </a14:m>
+                <a:endParaRPr lang="en-US" sz="2000" dirty="0" smtClean="0">
+                  <a:latin typeface="Arial" panose="020B0604020202020204" pitchFamily="34" charset="0"/>
+                  <a:cs typeface="Arial" panose="020B0604020202020204" pitchFamily="34" charset="0"/>
+                </a:endParaRPr>
+              </a:p>
+            </p:txBody>
+          </p:sp>
+        </mc:Choice>
+        <mc:Fallback>
+          <p:sp>
+            <p:nvSpPr>
+              <p:cNvPr id="95" name="TextBox 94"/>
+              <p:cNvSpPr txBox="1">
+                <a:spLocks noRot="1" noChangeAspect="1" noMove="1" noResize="1" noEditPoints="1" noAdjustHandles="1" noChangeArrowheads="1" noChangeShapeType="1" noTextEdit="1"/>
+              </p:cNvSpPr>
+              <p:nvPr/>
+            </p:nvSpPr>
+            <p:spPr>
+              <a:xfrm>
+                <a:off x="2036022" y="3957182"/>
+                <a:ext cx="1418915" cy="307777"/>
+              </a:xfrm>
+              <a:prstGeom prst="rect">
+                <a:avLst/>
+              </a:prstGeom>
+              <a:blipFill>
+                <a:blip r:embed="rId2"/>
+                <a:stretch>
+                  <a:fillRect l="-3433" r="-2575" b="-9804"/>
+                </a:stretch>
+              </a:blipFill>
+            </p:spPr>
+            <p:txBody>
+              <a:bodyPr/>
+              <a:lstStyle/>
+              <a:p>
+                <a:r>
+                  <a:rPr lang="en-US">
+                    <a:noFill/>
+                  </a:rPr>
+                  <a:t> </a:t>
+                </a:r>
+              </a:p>
+            </p:txBody>
+          </p:sp>
+        </mc:Fallback>
+      </mc:AlternateContent>
+      <mc:AlternateContent xmlns:mc="http://schemas.openxmlformats.org/markup-compatibility/2006">
+        <mc:Choice xmlns:a14="http://schemas.microsoft.com/office/drawing/2010/main" Requires="a14">
+          <p:sp>
+            <p:nvSpPr>
+              <p:cNvPr id="96" name="TextBox 95"/>
+              <p:cNvSpPr txBox="1"/>
+              <p:nvPr/>
+            </p:nvSpPr>
+            <p:spPr>
+              <a:xfrm>
+                <a:off x="5290019" y="3983729"/>
+                <a:ext cx="2589235" cy="307777"/>
+              </a:xfrm>
+              <a:prstGeom prst="rect">
+                <a:avLst/>
+              </a:prstGeom>
+              <a:noFill/>
+            </p:spPr>
+            <p:txBody>
+              <a:bodyPr wrap="none" lIns="0" tIns="0" rIns="0" bIns="0" rtlCol="0">
+                <a:spAutoFit/>
+              </a:bodyPr>
+              <a:lstStyle/>
+              <a:p>
+                <a14:m>
+                  <m:oMathPara xmlns:m="http://schemas.openxmlformats.org/officeDocument/2006/math">
+                    <m:oMathParaPr>
+                      <m:jc m:val="centerGroup"/>
+                    </m:oMathParaPr>
+                    <m:oMath xmlns:m="http://schemas.openxmlformats.org/officeDocument/2006/math">
+                      <m:r>
+                        <a:rPr lang="en-US" sz="2000" b="0" i="1" smtClean="0">
+                          <a:latin typeface="Cambria Math" panose="02040503050406030204" pitchFamily="18" charset="0"/>
+                          <a:cs typeface="Arial" panose="020B0604020202020204" pitchFamily="34" charset="0"/>
+                        </a:rPr>
+                        <m:t>𝑛𝑒𝑢𝑡𝑟𝑎𝑙</m:t>
+                      </m:r>
+                      <m:r>
+                        <a:rPr lang="en-US" sz="2000" b="0" i="1" smtClean="0">
+                          <a:latin typeface="Cambria Math" panose="02040503050406030204" pitchFamily="18" charset="0"/>
+                          <a:cs typeface="Arial" panose="020B0604020202020204" pitchFamily="34" charset="0"/>
+                        </a:rPr>
+                        <m:t> </m:t>
+                      </m:r>
+                      <m:r>
+                        <a:rPr lang="en-US" sz="2000" b="0" i="1" smtClean="0">
+                          <a:latin typeface="Cambria Math" panose="02040503050406030204" pitchFamily="18" charset="0"/>
+                          <a:cs typeface="Arial" panose="020B0604020202020204" pitchFamily="34" charset="0"/>
+                        </a:rPr>
+                        <m:t>𝑝𝑜𝑙𝑎𝑟𝑖𝑧𝑒𝑑</m:t>
+                      </m:r>
+                      <m:r>
+                        <a:rPr lang="en-US" sz="2000" b="0" i="1" smtClean="0">
+                          <a:latin typeface="Cambria Math" panose="02040503050406030204" pitchFamily="18" charset="0"/>
+                          <a:cs typeface="Arial" panose="020B0604020202020204" pitchFamily="34" charset="0"/>
+                        </a:rPr>
+                        <m:t> </m:t>
+                      </m:r>
+                      <m:r>
+                        <a:rPr lang="en-US" sz="2000" b="0" i="1" smtClean="0">
+                          <a:latin typeface="Cambria Math" panose="02040503050406030204" pitchFamily="18" charset="0"/>
+                          <a:cs typeface="Arial" panose="020B0604020202020204" pitchFamily="34" charset="0"/>
+                        </a:rPr>
+                        <m:t>𝑟𝑜𝑑</m:t>
+                      </m:r>
+                    </m:oMath>
+                  </m:oMathPara>
+                </a14:m>
+                <a:endParaRPr lang="en-US" sz="2000" dirty="0" smtClean="0">
+                  <a:latin typeface="Arial" panose="020B0604020202020204" pitchFamily="34" charset="0"/>
+                  <a:cs typeface="Arial" panose="020B0604020202020204" pitchFamily="34" charset="0"/>
+                </a:endParaRPr>
+              </a:p>
+            </p:txBody>
+          </p:sp>
+        </mc:Choice>
+        <mc:Fallback>
+          <p:sp>
+            <p:nvSpPr>
+              <p:cNvPr id="96" name="TextBox 95"/>
+              <p:cNvSpPr txBox="1">
+                <a:spLocks noRot="1" noChangeAspect="1" noMove="1" noResize="1" noEditPoints="1" noAdjustHandles="1" noChangeArrowheads="1" noChangeShapeType="1" noTextEdit="1"/>
+              </p:cNvSpPr>
+              <p:nvPr/>
+            </p:nvSpPr>
+            <p:spPr>
+              <a:xfrm>
+                <a:off x="5290019" y="3983729"/>
+                <a:ext cx="2589235" cy="307777"/>
+              </a:xfrm>
+              <a:prstGeom prst="rect">
+                <a:avLst/>
+              </a:prstGeom>
+              <a:blipFill>
+                <a:blip r:embed="rId3"/>
+                <a:stretch>
+                  <a:fillRect l="-1647" r="-1176" b="-37255"/>
+                </a:stretch>
+              </a:blipFill>
+            </p:spPr>
+            <p:txBody>
+              <a:bodyPr/>
+              <a:lstStyle/>
+              <a:p>
+                <a:r>
+                  <a:rPr lang="en-US">
+                    <a:noFill/>
+                  </a:rPr>
+                  <a:t> </a:t>
+                </a:r>
+              </a:p>
+            </p:txBody>
+          </p:sp>
+        </mc:Fallback>
+      </mc:AlternateContent>
+      <p:grpSp>
+        <p:nvGrpSpPr>
+          <p:cNvPr id="100" name="Group 99"/>
+          <p:cNvGrpSpPr/>
+          <p:nvPr/>
+        </p:nvGrpSpPr>
+        <p:grpSpPr>
+          <a:xfrm>
+            <a:off x="4569580" y="3165702"/>
+            <a:ext cx="631524" cy="791480"/>
+            <a:chOff x="3525483" y="4270756"/>
+            <a:chExt cx="631524" cy="791480"/>
+          </a:xfrm>
+        </p:grpSpPr>
+        <p:sp>
+          <p:nvSpPr>
+            <p:cNvPr id="65" name="TextBox 64"/>
+            <p:cNvSpPr txBox="1"/>
+            <p:nvPr/>
+          </p:nvSpPr>
+          <p:spPr>
+            <a:xfrm>
+              <a:off x="3840559" y="4356808"/>
+              <a:ext cx="269626" cy="400110"/>
+            </a:xfrm>
+            <a:prstGeom prst="rect">
+              <a:avLst/>
+            </a:prstGeom>
+            <a:noFill/>
+          </p:spPr>
+          <p:txBody>
+            <a:bodyPr wrap="none" rtlCol="0">
+              <a:spAutoFit/>
+            </a:bodyPr>
+            <a:lstStyle/>
+            <a:p>
+              <a:r>
+                <a:rPr lang="en-US" sz="2000" dirty="0" smtClean="0">
+                  <a:latin typeface="Arial" panose="020B0604020202020204" pitchFamily="34" charset="0"/>
+                  <a:cs typeface="Arial" panose="020B0604020202020204" pitchFamily="34" charset="0"/>
+                </a:rPr>
+                <a:t>-</a:t>
+              </a:r>
+              <a:endParaRPr lang="en-US" sz="2000" dirty="0" smtClean="0">
+                <a:latin typeface="Arial" panose="020B0604020202020204" pitchFamily="34" charset="0"/>
+                <a:cs typeface="Arial" panose="020B0604020202020204" pitchFamily="34" charset="0"/>
+              </a:endParaRPr>
+            </a:p>
+          </p:txBody>
+        </p:sp>
+        <p:sp>
+          <p:nvSpPr>
+            <p:cNvPr id="5" name="TextBox 4"/>
+            <p:cNvSpPr txBox="1"/>
+            <p:nvPr/>
+          </p:nvSpPr>
+          <p:spPr>
+            <a:xfrm>
+              <a:off x="3718046" y="4270756"/>
+              <a:ext cx="256081" cy="400110"/>
+            </a:xfrm>
+            <a:prstGeom prst="rect">
+              <a:avLst/>
+            </a:prstGeom>
+            <a:noFill/>
+          </p:spPr>
+          <p:txBody>
+            <a:bodyPr wrap="square" rtlCol="0">
+              <a:spAutoFit/>
+            </a:bodyPr>
+            <a:lstStyle/>
+            <a:p>
+              <a:r>
+                <a:rPr lang="en-US" sz="2000" dirty="0" smtClean="0">
+                  <a:latin typeface="Arial" panose="020B0604020202020204" pitchFamily="34" charset="0"/>
+                  <a:cs typeface="Arial" panose="020B0604020202020204" pitchFamily="34" charset="0"/>
+                </a:rPr>
+                <a:t>-</a:t>
+              </a:r>
+              <a:endParaRPr lang="en-US" sz="2000" dirty="0" smtClean="0">
+                <a:latin typeface="Arial" panose="020B0604020202020204" pitchFamily="34" charset="0"/>
+                <a:cs typeface="Arial" panose="020B0604020202020204" pitchFamily="34" charset="0"/>
+              </a:endParaRPr>
+            </a:p>
+          </p:txBody>
+        </p:sp>
+        <p:sp>
+          <p:nvSpPr>
+            <p:cNvPr id="62" name="Oval 61"/>
+            <p:cNvSpPr/>
+            <p:nvPr/>
+          </p:nvSpPr>
+          <p:spPr>
+            <a:xfrm>
+              <a:off x="3587818" y="4419763"/>
+              <a:ext cx="500236" cy="519764"/>
+            </a:xfrm>
+            <a:prstGeom prst="ellipse">
+              <a:avLst/>
+            </a:prstGeom>
+            <a:noFill/>
+            <a:ln w="38100">
+              <a:solidFill>
+                <a:schemeClr val="tx1"/>
+              </a:solidFill>
+            </a:ln>
+          </p:spPr>
+          <p:style>
+            <a:lnRef idx="2">
+              <a:schemeClr val="accent1">
+                <a:shade val="50000"/>
+              </a:schemeClr>
+            </a:lnRef>
+            <a:fillRef idx="1">
+              <a:schemeClr val="accent1"/>
+            </a:fillRef>
+            <a:effectRef idx="0">
+              <a:schemeClr val="accent1"/>
+            </a:effectRef>
+            <a:fontRef idx="minor">
+              <a:schemeClr val="lt1"/>
+            </a:fontRef>
+          </p:style>
+          <p:txBody>
+            <a:bodyPr rtlCol="0" anchor="ctr"/>
+            <a:lstStyle/>
+            <a:p>
+              <a:pPr algn="ctr"/>
+              <a:endParaRPr lang="en-US"/>
+            </a:p>
+          </p:txBody>
+        </p:sp>
+        <p:sp>
+          <p:nvSpPr>
+            <p:cNvPr id="64" name="TextBox 63"/>
+            <p:cNvSpPr txBox="1"/>
+            <p:nvPr/>
+          </p:nvSpPr>
+          <p:spPr>
+            <a:xfrm>
+              <a:off x="3561139" y="4350508"/>
+              <a:ext cx="269626" cy="400110"/>
+            </a:xfrm>
+            <a:prstGeom prst="rect">
+              <a:avLst/>
+            </a:prstGeom>
+            <a:noFill/>
+          </p:spPr>
+          <p:txBody>
+            <a:bodyPr wrap="none" rtlCol="0">
+              <a:spAutoFit/>
+            </a:bodyPr>
+            <a:lstStyle/>
+            <a:p>
+              <a:r>
+                <a:rPr lang="en-US" sz="2000" dirty="0" smtClean="0">
+                  <a:latin typeface="Arial" panose="020B0604020202020204" pitchFamily="34" charset="0"/>
+                  <a:cs typeface="Arial" panose="020B0604020202020204" pitchFamily="34" charset="0"/>
+                </a:rPr>
+                <a:t>-</a:t>
+              </a:r>
+              <a:endParaRPr lang="en-US" sz="2000" dirty="0" smtClean="0">
+                <a:latin typeface="Arial" panose="020B0604020202020204" pitchFamily="34" charset="0"/>
+                <a:cs typeface="Arial" panose="020B0604020202020204" pitchFamily="34" charset="0"/>
+              </a:endParaRPr>
+            </a:p>
+          </p:txBody>
+        </p:sp>
+        <p:sp>
+          <p:nvSpPr>
+            <p:cNvPr id="66" name="TextBox 65"/>
+            <p:cNvSpPr txBox="1"/>
+            <p:nvPr/>
+          </p:nvSpPr>
+          <p:spPr>
+            <a:xfrm>
+              <a:off x="3815220" y="4602292"/>
+              <a:ext cx="269626" cy="400110"/>
+            </a:xfrm>
+            <a:prstGeom prst="rect">
+              <a:avLst/>
+            </a:prstGeom>
+            <a:noFill/>
+          </p:spPr>
+          <p:txBody>
+            <a:bodyPr wrap="none" rtlCol="0">
+              <a:spAutoFit/>
+            </a:bodyPr>
+            <a:lstStyle/>
+            <a:p>
+              <a:r>
+                <a:rPr lang="en-US" sz="2000" dirty="0" smtClean="0">
+                  <a:latin typeface="Arial" panose="020B0604020202020204" pitchFamily="34" charset="0"/>
+                  <a:cs typeface="Arial" panose="020B0604020202020204" pitchFamily="34" charset="0"/>
+                </a:rPr>
+                <a:t>-</a:t>
+              </a:r>
+              <a:endParaRPr lang="en-US" sz="2000" dirty="0" smtClean="0">
+                <a:latin typeface="Arial" panose="020B0604020202020204" pitchFamily="34" charset="0"/>
+                <a:cs typeface="Arial" panose="020B0604020202020204" pitchFamily="34" charset="0"/>
+              </a:endParaRPr>
+            </a:p>
+          </p:txBody>
+        </p:sp>
+        <p:sp>
+          <p:nvSpPr>
+            <p:cNvPr id="67" name="TextBox 66"/>
+            <p:cNvSpPr txBox="1"/>
+            <p:nvPr/>
+          </p:nvSpPr>
+          <p:spPr>
+            <a:xfrm>
+              <a:off x="3574142" y="4596865"/>
+              <a:ext cx="331569" cy="400110"/>
+            </a:xfrm>
+            <a:prstGeom prst="rect">
+              <a:avLst/>
+            </a:prstGeom>
+            <a:noFill/>
+          </p:spPr>
+          <p:txBody>
+            <a:bodyPr wrap="square" rtlCol="0">
+              <a:spAutoFit/>
+            </a:bodyPr>
+            <a:lstStyle/>
+            <a:p>
+              <a:r>
+                <a:rPr lang="en-US" sz="2000" dirty="0" smtClean="0">
+                  <a:latin typeface="Arial" panose="020B0604020202020204" pitchFamily="34" charset="0"/>
+                  <a:cs typeface="Arial" panose="020B0604020202020204" pitchFamily="34" charset="0"/>
+                </a:rPr>
+                <a:t>-</a:t>
+              </a:r>
+              <a:endParaRPr lang="en-US" sz="2000" dirty="0" smtClean="0">
+                <a:latin typeface="Arial" panose="020B0604020202020204" pitchFamily="34" charset="0"/>
+                <a:cs typeface="Arial" panose="020B0604020202020204" pitchFamily="34" charset="0"/>
+              </a:endParaRPr>
+            </a:p>
+          </p:txBody>
+        </p:sp>
+        <p:sp>
+          <p:nvSpPr>
+            <p:cNvPr id="68" name="TextBox 67"/>
+            <p:cNvSpPr txBox="1"/>
+            <p:nvPr/>
+          </p:nvSpPr>
+          <p:spPr>
+            <a:xfrm>
+              <a:off x="3670500" y="4438431"/>
+              <a:ext cx="334871" cy="400110"/>
+            </a:xfrm>
+            <a:prstGeom prst="rect">
+              <a:avLst/>
+            </a:prstGeom>
+            <a:noFill/>
+          </p:spPr>
+          <p:txBody>
+            <a:bodyPr wrap="square" rtlCol="0">
+              <a:spAutoFit/>
+            </a:bodyPr>
+            <a:lstStyle/>
+            <a:p>
+              <a:r>
+                <a:rPr lang="en-US" sz="2000" dirty="0" smtClean="0">
+                  <a:latin typeface="Arial" panose="020B0604020202020204" pitchFamily="34" charset="0"/>
+                  <a:cs typeface="Arial" panose="020B0604020202020204" pitchFamily="34" charset="0"/>
+                </a:rPr>
+                <a:t>-</a:t>
+              </a:r>
+              <a:endParaRPr lang="en-US" sz="2000" dirty="0" smtClean="0">
+                <a:latin typeface="Arial" panose="020B0604020202020204" pitchFamily="34" charset="0"/>
+                <a:cs typeface="Arial" panose="020B0604020202020204" pitchFamily="34" charset="0"/>
+              </a:endParaRPr>
+            </a:p>
+          </p:txBody>
+        </p:sp>
+        <p:sp>
+          <p:nvSpPr>
+            <p:cNvPr id="69" name="TextBox 68"/>
+            <p:cNvSpPr txBox="1"/>
+            <p:nvPr/>
+          </p:nvSpPr>
+          <p:spPr>
+            <a:xfrm>
+              <a:off x="3525483" y="4470811"/>
+              <a:ext cx="269626" cy="400110"/>
+            </a:xfrm>
+            <a:prstGeom prst="rect">
+              <a:avLst/>
+            </a:prstGeom>
+            <a:noFill/>
+          </p:spPr>
+          <p:txBody>
+            <a:bodyPr wrap="none" rtlCol="0">
+              <a:spAutoFit/>
+            </a:bodyPr>
+            <a:lstStyle/>
+            <a:p>
+              <a:r>
+                <a:rPr lang="en-US" sz="2000" dirty="0" smtClean="0">
+                  <a:latin typeface="Arial" panose="020B0604020202020204" pitchFamily="34" charset="0"/>
+                  <a:cs typeface="Arial" panose="020B0604020202020204" pitchFamily="34" charset="0"/>
+                </a:rPr>
+                <a:t>-</a:t>
+              </a:r>
+              <a:endParaRPr lang="en-US" sz="2000" dirty="0" smtClean="0">
+                <a:latin typeface="Arial" panose="020B0604020202020204" pitchFamily="34" charset="0"/>
+                <a:cs typeface="Arial" panose="020B0604020202020204" pitchFamily="34" charset="0"/>
+              </a:endParaRPr>
+            </a:p>
+          </p:txBody>
+        </p:sp>
+        <p:sp>
+          <p:nvSpPr>
+            <p:cNvPr id="71" name="TextBox 70"/>
+            <p:cNvSpPr txBox="1"/>
+            <p:nvPr/>
+          </p:nvSpPr>
+          <p:spPr>
+            <a:xfrm>
+              <a:off x="3694681" y="4662126"/>
+              <a:ext cx="269626" cy="400110"/>
+            </a:xfrm>
+            <a:prstGeom prst="rect">
+              <a:avLst/>
+            </a:prstGeom>
+            <a:noFill/>
+          </p:spPr>
+          <p:txBody>
+            <a:bodyPr wrap="none" rtlCol="0">
+              <a:spAutoFit/>
+            </a:bodyPr>
+            <a:lstStyle/>
+            <a:p>
+              <a:r>
+                <a:rPr lang="en-US" sz="2000" dirty="0" smtClean="0">
+                  <a:latin typeface="Arial" panose="020B0604020202020204" pitchFamily="34" charset="0"/>
+                  <a:cs typeface="Arial" panose="020B0604020202020204" pitchFamily="34" charset="0"/>
+                </a:rPr>
+                <a:t>-</a:t>
+              </a:r>
+              <a:endParaRPr lang="en-US" sz="2000" dirty="0" smtClean="0">
+                <a:latin typeface="Arial" panose="020B0604020202020204" pitchFamily="34" charset="0"/>
+                <a:cs typeface="Arial" panose="020B0604020202020204" pitchFamily="34" charset="0"/>
+              </a:endParaRPr>
+            </a:p>
+          </p:txBody>
+        </p:sp>
+        <p:sp>
+          <p:nvSpPr>
+            <p:cNvPr id="72" name="TextBox 71"/>
+            <p:cNvSpPr txBox="1"/>
+            <p:nvPr/>
+          </p:nvSpPr>
+          <p:spPr>
+            <a:xfrm>
+              <a:off x="3887381" y="4482638"/>
+              <a:ext cx="269626" cy="400110"/>
+            </a:xfrm>
+            <a:prstGeom prst="rect">
+              <a:avLst/>
+            </a:prstGeom>
+            <a:noFill/>
+          </p:spPr>
+          <p:txBody>
+            <a:bodyPr wrap="none" rtlCol="0">
+              <a:spAutoFit/>
+            </a:bodyPr>
+            <a:lstStyle/>
+            <a:p>
+              <a:r>
+                <a:rPr lang="en-US" sz="2000" dirty="0" smtClean="0">
+                  <a:latin typeface="Arial" panose="020B0604020202020204" pitchFamily="34" charset="0"/>
+                  <a:cs typeface="Arial" panose="020B0604020202020204" pitchFamily="34" charset="0"/>
+                </a:rPr>
+                <a:t>-</a:t>
+              </a:r>
+              <a:endParaRPr lang="en-US" sz="2000" dirty="0" smtClean="0">
+                <a:latin typeface="Arial" panose="020B0604020202020204" pitchFamily="34" charset="0"/>
+                <a:cs typeface="Arial" panose="020B0604020202020204" pitchFamily="34" charset="0"/>
+              </a:endParaRPr>
+            </a:p>
+          </p:txBody>
+        </p:sp>
+        <p:sp>
+          <p:nvSpPr>
+            <p:cNvPr id="99" name="TextBox 98"/>
+            <p:cNvSpPr txBox="1"/>
+            <p:nvPr/>
+          </p:nvSpPr>
+          <p:spPr>
+            <a:xfrm>
+              <a:off x="3743178" y="4533815"/>
+              <a:ext cx="334871" cy="400110"/>
+            </a:xfrm>
+            <a:prstGeom prst="rect">
+              <a:avLst/>
+            </a:prstGeom>
+            <a:noFill/>
+          </p:spPr>
+          <p:txBody>
+            <a:bodyPr wrap="square" rtlCol="0">
+              <a:spAutoFit/>
+            </a:bodyPr>
+            <a:lstStyle/>
+            <a:p>
+              <a:r>
+                <a:rPr lang="en-US" sz="2000" dirty="0" smtClean="0">
+                  <a:latin typeface="Arial" panose="020B0604020202020204" pitchFamily="34" charset="0"/>
+                  <a:cs typeface="Arial" panose="020B0604020202020204" pitchFamily="34" charset="0"/>
+                </a:rPr>
+                <a:t>-</a:t>
+              </a:r>
+              <a:endParaRPr lang="en-US" sz="2000" dirty="0" smtClean="0">
+                <a:latin typeface="Arial" panose="020B0604020202020204" pitchFamily="34" charset="0"/>
+                <a:cs typeface="Arial" panose="020B0604020202020204" pitchFamily="34" charset="0"/>
+              </a:endParaRPr>
+            </a:p>
+          </p:txBody>
+        </p:sp>
+      </p:grpSp>
+      <p:grpSp>
+        <p:nvGrpSpPr>
+          <p:cNvPr id="153" name="Group 152"/>
+          <p:cNvGrpSpPr/>
+          <p:nvPr/>
+        </p:nvGrpSpPr>
+        <p:grpSpPr>
+          <a:xfrm>
+            <a:off x="1266055" y="4907914"/>
+            <a:ext cx="7367506" cy="1727785"/>
+            <a:chOff x="153471" y="4829232"/>
+            <a:chExt cx="7367506" cy="1727785"/>
+          </a:xfrm>
+        </p:grpSpPr>
+        <p:grpSp>
+          <p:nvGrpSpPr>
+            <p:cNvPr id="146" name="Group 145"/>
+            <p:cNvGrpSpPr/>
+            <p:nvPr/>
+          </p:nvGrpSpPr>
+          <p:grpSpPr>
+            <a:xfrm>
+              <a:off x="153471" y="5081246"/>
+              <a:ext cx="4028951" cy="1223755"/>
+              <a:chOff x="688573" y="5061842"/>
+              <a:chExt cx="4028951" cy="1223755"/>
+            </a:xfrm>
+          </p:grpSpPr>
+          <p:sp>
+            <p:nvSpPr>
+              <p:cNvPr id="103" name="TextBox 102"/>
+              <p:cNvSpPr txBox="1"/>
+              <p:nvPr/>
+            </p:nvSpPr>
+            <p:spPr>
+              <a:xfrm>
+                <a:off x="1460088" y="5280085"/>
+                <a:ext cx="284517" cy="400110"/>
+              </a:xfrm>
+              <a:prstGeom prst="rect">
+                <a:avLst/>
+              </a:prstGeom>
+              <a:noFill/>
+            </p:spPr>
+            <p:txBody>
+              <a:bodyPr wrap="square" rtlCol="0">
+                <a:spAutoFit/>
+              </a:bodyPr>
+              <a:lstStyle/>
+              <a:p>
+                <a:r>
+                  <a:rPr lang="en-US" sz="2000" dirty="0" smtClean="0">
+                    <a:latin typeface="Arial" panose="020B0604020202020204" pitchFamily="34" charset="0"/>
+                    <a:cs typeface="Arial" panose="020B0604020202020204" pitchFamily="34" charset="0"/>
+                  </a:rPr>
+                  <a:t>+ </a:t>
+                </a:r>
+                <a:endParaRPr lang="en-US" sz="2000" dirty="0" smtClean="0">
+                  <a:latin typeface="Arial" panose="020B0604020202020204" pitchFamily="34" charset="0"/>
+                  <a:cs typeface="Arial" panose="020B0604020202020204" pitchFamily="34" charset="0"/>
+                </a:endParaRPr>
+              </a:p>
+            </p:txBody>
+          </p:sp>
+          <p:grpSp>
+            <p:nvGrpSpPr>
+              <p:cNvPr id="104" name="Group 103"/>
+              <p:cNvGrpSpPr/>
+              <p:nvPr/>
+            </p:nvGrpSpPr>
+            <p:grpSpPr>
+              <a:xfrm>
+                <a:off x="1528487" y="5148178"/>
+                <a:ext cx="2925831" cy="606516"/>
+                <a:chOff x="4434614" y="3868727"/>
+                <a:chExt cx="2925831" cy="606516"/>
+              </a:xfrm>
+            </p:grpSpPr>
+            <p:sp>
+              <p:nvSpPr>
+                <p:cNvPr id="105" name="Rounded Rectangle 104"/>
+                <p:cNvSpPr/>
+                <p:nvPr/>
+              </p:nvSpPr>
+              <p:spPr>
+                <a:xfrm>
+                  <a:off x="4472169" y="4061123"/>
+                  <a:ext cx="2214019" cy="279132"/>
+                </a:xfrm>
+                <a:prstGeom prst="roundRect">
+                  <a:avLst/>
+                </a:prstGeom>
+                <a:solidFill>
+                  <a:schemeClr val="bg2">
+                    <a:lumMod val="90000"/>
+                  </a:schemeClr>
+                </a:solidFill>
+                <a:ln w="38100">
+                  <a:solidFill>
+                    <a:schemeClr val="tx1"/>
+                  </a:solidFill>
+                </a:ln>
+              </p:spPr>
+              <p:style>
+                <a:lnRef idx="2">
+                  <a:schemeClr val="accent1">
+                    <a:shade val="50000"/>
+                  </a:schemeClr>
+                </a:lnRef>
+                <a:fillRef idx="1">
+                  <a:schemeClr val="accent1"/>
+                </a:fillRef>
+                <a:effectRef idx="0">
+                  <a:schemeClr val="accent1"/>
+                </a:effectRef>
+                <a:fontRef idx="minor">
+                  <a:schemeClr val="lt1"/>
+                </a:fontRef>
+              </p:style>
+              <p:txBody>
+                <a:bodyPr rtlCol="0" anchor="ctr"/>
+                <a:lstStyle/>
+                <a:p>
+                  <a:pPr algn="ctr"/>
+                  <a:endParaRPr lang="en-US"/>
+                </a:p>
+              </p:txBody>
+            </p:sp>
+            <p:sp>
+              <p:nvSpPr>
+                <p:cNvPr id="106" name="TextBox 105"/>
+                <p:cNvSpPr txBox="1"/>
+                <p:nvPr/>
+              </p:nvSpPr>
+              <p:spPr>
+                <a:xfrm>
+                  <a:off x="4434614" y="3917273"/>
+                  <a:ext cx="284517" cy="400110"/>
+                </a:xfrm>
+                <a:prstGeom prst="rect">
+                  <a:avLst/>
+                </a:prstGeom>
+                <a:noFill/>
+              </p:spPr>
+              <p:txBody>
+                <a:bodyPr wrap="square" rtlCol="0">
+                  <a:spAutoFit/>
+                </a:bodyPr>
+                <a:lstStyle/>
+                <a:p>
+                  <a:r>
+                    <a:rPr lang="en-US" sz="2000" dirty="0" smtClean="0">
+                      <a:latin typeface="Arial" panose="020B0604020202020204" pitchFamily="34" charset="0"/>
+                      <a:cs typeface="Arial" panose="020B0604020202020204" pitchFamily="34" charset="0"/>
+                    </a:rPr>
+                    <a:t>+ </a:t>
+                  </a:r>
+                  <a:endParaRPr lang="en-US" sz="2000" dirty="0" smtClean="0">
+                    <a:latin typeface="Arial" panose="020B0604020202020204" pitchFamily="34" charset="0"/>
+                    <a:cs typeface="Arial" panose="020B0604020202020204" pitchFamily="34" charset="0"/>
+                  </a:endParaRPr>
+                </a:p>
+              </p:txBody>
+            </p:sp>
+            <p:sp>
+              <p:nvSpPr>
+                <p:cNvPr id="107" name="TextBox 106"/>
+                <p:cNvSpPr txBox="1"/>
+                <p:nvPr/>
+              </p:nvSpPr>
+              <p:spPr>
+                <a:xfrm>
+                  <a:off x="4449970" y="4051052"/>
+                  <a:ext cx="284517" cy="400110"/>
+                </a:xfrm>
+                <a:prstGeom prst="rect">
+                  <a:avLst/>
+                </a:prstGeom>
+                <a:noFill/>
+              </p:spPr>
+              <p:txBody>
+                <a:bodyPr wrap="square" rtlCol="0">
+                  <a:spAutoFit/>
+                </a:bodyPr>
+                <a:lstStyle/>
+                <a:p>
+                  <a:r>
+                    <a:rPr lang="en-US" sz="2000" dirty="0" smtClean="0">
+                      <a:latin typeface="Arial" panose="020B0604020202020204" pitchFamily="34" charset="0"/>
+                      <a:cs typeface="Arial" panose="020B0604020202020204" pitchFamily="34" charset="0"/>
+                    </a:rPr>
+                    <a:t>+ </a:t>
+                  </a:r>
+                  <a:endParaRPr lang="en-US" sz="2000" dirty="0" smtClean="0">
+                    <a:latin typeface="Arial" panose="020B0604020202020204" pitchFamily="34" charset="0"/>
+                    <a:cs typeface="Arial" panose="020B0604020202020204" pitchFamily="34" charset="0"/>
+                  </a:endParaRPr>
+                </a:p>
+              </p:txBody>
+            </p:sp>
+            <p:sp>
+              <p:nvSpPr>
+                <p:cNvPr id="108" name="TextBox 107"/>
+                <p:cNvSpPr txBox="1"/>
+                <p:nvPr/>
+              </p:nvSpPr>
+              <p:spPr>
+                <a:xfrm>
+                  <a:off x="4576796" y="4075133"/>
+                  <a:ext cx="284517" cy="400110"/>
+                </a:xfrm>
+                <a:prstGeom prst="rect">
+                  <a:avLst/>
+                </a:prstGeom>
+                <a:noFill/>
+              </p:spPr>
+              <p:txBody>
+                <a:bodyPr wrap="square" rtlCol="0">
+                  <a:spAutoFit/>
+                </a:bodyPr>
+                <a:lstStyle/>
+                <a:p>
+                  <a:r>
+                    <a:rPr lang="en-US" sz="2000" dirty="0" smtClean="0">
+                      <a:latin typeface="Arial" panose="020B0604020202020204" pitchFamily="34" charset="0"/>
+                      <a:cs typeface="Arial" panose="020B0604020202020204" pitchFamily="34" charset="0"/>
+                    </a:rPr>
+                    <a:t>+ </a:t>
+                  </a:r>
+                  <a:endParaRPr lang="en-US" sz="2000" dirty="0" smtClean="0">
+                    <a:latin typeface="Arial" panose="020B0604020202020204" pitchFamily="34" charset="0"/>
+                    <a:cs typeface="Arial" panose="020B0604020202020204" pitchFamily="34" charset="0"/>
+                  </a:endParaRPr>
+                </a:p>
+              </p:txBody>
+            </p:sp>
+            <p:sp>
+              <p:nvSpPr>
+                <p:cNvPr id="109" name="TextBox 108"/>
+                <p:cNvSpPr txBox="1"/>
+                <p:nvPr/>
+              </p:nvSpPr>
+              <p:spPr>
+                <a:xfrm>
+                  <a:off x="4690329" y="4006648"/>
+                  <a:ext cx="284517" cy="400110"/>
+                </a:xfrm>
+                <a:prstGeom prst="rect">
+                  <a:avLst/>
+                </a:prstGeom>
+                <a:noFill/>
+              </p:spPr>
+              <p:txBody>
+                <a:bodyPr wrap="square" rtlCol="0">
+                  <a:spAutoFit/>
+                </a:bodyPr>
+                <a:lstStyle/>
+                <a:p>
+                  <a:r>
+                    <a:rPr lang="en-US" sz="2000" dirty="0" smtClean="0">
+                      <a:latin typeface="Arial" panose="020B0604020202020204" pitchFamily="34" charset="0"/>
+                      <a:cs typeface="Arial" panose="020B0604020202020204" pitchFamily="34" charset="0"/>
+                    </a:rPr>
+                    <a:t>+ </a:t>
+                  </a:r>
+                  <a:endParaRPr lang="en-US" sz="2000" dirty="0" smtClean="0">
+                    <a:latin typeface="Arial" panose="020B0604020202020204" pitchFamily="34" charset="0"/>
+                    <a:cs typeface="Arial" panose="020B0604020202020204" pitchFamily="34" charset="0"/>
+                  </a:endParaRPr>
+                </a:p>
+              </p:txBody>
+            </p:sp>
+            <p:sp>
+              <p:nvSpPr>
+                <p:cNvPr id="110" name="TextBox 109"/>
+                <p:cNvSpPr txBox="1"/>
+                <p:nvPr/>
+              </p:nvSpPr>
+              <p:spPr>
+                <a:xfrm>
+                  <a:off x="4540171" y="3950066"/>
+                  <a:ext cx="284517" cy="400110"/>
+                </a:xfrm>
+                <a:prstGeom prst="rect">
+                  <a:avLst/>
+                </a:prstGeom>
+                <a:noFill/>
+              </p:spPr>
+              <p:txBody>
+                <a:bodyPr wrap="square" rtlCol="0">
+                  <a:spAutoFit/>
+                </a:bodyPr>
+                <a:lstStyle/>
+                <a:p>
+                  <a:r>
+                    <a:rPr lang="en-US" sz="2000" dirty="0" smtClean="0">
+                      <a:latin typeface="Arial" panose="020B0604020202020204" pitchFamily="34" charset="0"/>
+                      <a:cs typeface="Arial" panose="020B0604020202020204" pitchFamily="34" charset="0"/>
+                    </a:rPr>
+                    <a:t>+ </a:t>
+                  </a:r>
+                  <a:endParaRPr lang="en-US" sz="2000" dirty="0" smtClean="0">
+                    <a:latin typeface="Arial" panose="020B0604020202020204" pitchFamily="34" charset="0"/>
+                    <a:cs typeface="Arial" panose="020B0604020202020204" pitchFamily="34" charset="0"/>
+                  </a:endParaRPr>
+                </a:p>
+              </p:txBody>
+            </p:sp>
+            <p:sp>
+              <p:nvSpPr>
+                <p:cNvPr id="111" name="TextBox 110"/>
+                <p:cNvSpPr txBox="1"/>
+                <p:nvPr/>
+              </p:nvSpPr>
+              <p:spPr>
+                <a:xfrm>
+                  <a:off x="6468703" y="3900416"/>
+                  <a:ext cx="269626" cy="400110"/>
+                </a:xfrm>
+                <a:prstGeom prst="rect">
+                  <a:avLst/>
+                </a:prstGeom>
+                <a:noFill/>
+              </p:spPr>
+              <p:txBody>
+                <a:bodyPr wrap="none" rtlCol="0">
+                  <a:spAutoFit/>
+                </a:bodyPr>
+                <a:lstStyle/>
+                <a:p>
+                  <a:r>
+                    <a:rPr lang="en-US" sz="2000" dirty="0" smtClean="0">
+                      <a:latin typeface="Arial" panose="020B0604020202020204" pitchFamily="34" charset="0"/>
+                      <a:cs typeface="Arial" panose="020B0604020202020204" pitchFamily="34" charset="0"/>
+                    </a:rPr>
+                    <a:t>-</a:t>
+                  </a:r>
+                  <a:endParaRPr lang="en-US" sz="2000" dirty="0" smtClean="0">
+                    <a:latin typeface="Arial" panose="020B0604020202020204" pitchFamily="34" charset="0"/>
+                    <a:cs typeface="Arial" panose="020B0604020202020204" pitchFamily="34" charset="0"/>
+                  </a:endParaRPr>
+                </a:p>
+              </p:txBody>
+            </p:sp>
+            <p:sp>
+              <p:nvSpPr>
+                <p:cNvPr id="112" name="TextBox 111"/>
+                <p:cNvSpPr txBox="1"/>
+                <p:nvPr/>
+              </p:nvSpPr>
+              <p:spPr>
+                <a:xfrm>
+                  <a:off x="6466646" y="4068498"/>
+                  <a:ext cx="269626" cy="400110"/>
+                </a:xfrm>
+                <a:prstGeom prst="rect">
+                  <a:avLst/>
+                </a:prstGeom>
+                <a:noFill/>
+              </p:spPr>
+              <p:txBody>
+                <a:bodyPr wrap="none" rtlCol="0">
+                  <a:spAutoFit/>
+                </a:bodyPr>
+                <a:lstStyle/>
+                <a:p>
+                  <a:r>
+                    <a:rPr lang="en-US" sz="2000" dirty="0" smtClean="0">
+                      <a:latin typeface="Arial" panose="020B0604020202020204" pitchFamily="34" charset="0"/>
+                      <a:cs typeface="Arial" panose="020B0604020202020204" pitchFamily="34" charset="0"/>
+                    </a:rPr>
+                    <a:t>-</a:t>
+                  </a:r>
+                  <a:endParaRPr lang="en-US" sz="2000" dirty="0" smtClean="0">
+                    <a:latin typeface="Arial" panose="020B0604020202020204" pitchFamily="34" charset="0"/>
+                    <a:cs typeface="Arial" panose="020B0604020202020204" pitchFamily="34" charset="0"/>
+                  </a:endParaRPr>
+                </a:p>
+              </p:txBody>
+            </p:sp>
+            <p:sp>
+              <p:nvSpPr>
+                <p:cNvPr id="113" name="TextBox 112"/>
+                <p:cNvSpPr txBox="1"/>
+                <p:nvPr/>
+              </p:nvSpPr>
+              <p:spPr>
+                <a:xfrm>
+                  <a:off x="6482077" y="3982446"/>
+                  <a:ext cx="269626" cy="400110"/>
+                </a:xfrm>
+                <a:prstGeom prst="rect">
+                  <a:avLst/>
+                </a:prstGeom>
+                <a:noFill/>
+              </p:spPr>
+              <p:txBody>
+                <a:bodyPr wrap="none" rtlCol="0">
+                  <a:spAutoFit/>
+                </a:bodyPr>
+                <a:lstStyle/>
+                <a:p>
+                  <a:r>
+                    <a:rPr lang="en-US" sz="2000" dirty="0" smtClean="0">
+                      <a:latin typeface="Arial" panose="020B0604020202020204" pitchFamily="34" charset="0"/>
+                      <a:cs typeface="Arial" panose="020B0604020202020204" pitchFamily="34" charset="0"/>
+                    </a:rPr>
+                    <a:t>-</a:t>
+                  </a:r>
+                  <a:endParaRPr lang="en-US" sz="2000" dirty="0" smtClean="0">
+                    <a:latin typeface="Arial" panose="020B0604020202020204" pitchFamily="34" charset="0"/>
+                    <a:cs typeface="Arial" panose="020B0604020202020204" pitchFamily="34" charset="0"/>
+                  </a:endParaRPr>
+                </a:p>
+              </p:txBody>
+            </p:sp>
+            <p:sp>
+              <p:nvSpPr>
+                <p:cNvPr id="114" name="TextBox 113"/>
+                <p:cNvSpPr txBox="1"/>
+                <p:nvPr/>
+              </p:nvSpPr>
+              <p:spPr>
+                <a:xfrm>
+                  <a:off x="7090819" y="4061123"/>
+                  <a:ext cx="269626" cy="400110"/>
+                </a:xfrm>
+                <a:prstGeom prst="rect">
+                  <a:avLst/>
+                </a:prstGeom>
+                <a:noFill/>
+              </p:spPr>
+              <p:txBody>
+                <a:bodyPr wrap="none" rtlCol="0">
+                  <a:spAutoFit/>
+                </a:bodyPr>
+                <a:lstStyle/>
+                <a:p>
+                  <a:r>
+                    <a:rPr lang="en-US" sz="2000" dirty="0" smtClean="0">
+                      <a:latin typeface="Arial" panose="020B0604020202020204" pitchFamily="34" charset="0"/>
+                      <a:cs typeface="Arial" panose="020B0604020202020204" pitchFamily="34" charset="0"/>
+                    </a:rPr>
+                    <a:t>-</a:t>
+                  </a:r>
+                  <a:endParaRPr lang="en-US" sz="2000" dirty="0" smtClean="0">
+                    <a:latin typeface="Arial" panose="020B0604020202020204" pitchFamily="34" charset="0"/>
+                    <a:cs typeface="Arial" panose="020B0604020202020204" pitchFamily="34" charset="0"/>
+                  </a:endParaRPr>
+                </a:p>
+              </p:txBody>
+            </p:sp>
+            <p:sp>
+              <p:nvSpPr>
+                <p:cNvPr id="115" name="TextBox 114"/>
+                <p:cNvSpPr txBox="1"/>
+                <p:nvPr/>
+              </p:nvSpPr>
+              <p:spPr>
+                <a:xfrm>
+                  <a:off x="6954617" y="3882146"/>
+                  <a:ext cx="269626" cy="400110"/>
+                </a:xfrm>
+                <a:prstGeom prst="rect">
+                  <a:avLst/>
+                </a:prstGeom>
+                <a:noFill/>
+              </p:spPr>
+              <p:txBody>
+                <a:bodyPr wrap="none" rtlCol="0">
+                  <a:spAutoFit/>
+                </a:bodyPr>
+                <a:lstStyle/>
+                <a:p>
+                  <a:r>
+                    <a:rPr lang="en-US" sz="2000" dirty="0" smtClean="0">
+                      <a:latin typeface="Arial" panose="020B0604020202020204" pitchFamily="34" charset="0"/>
+                      <a:cs typeface="Arial" panose="020B0604020202020204" pitchFamily="34" charset="0"/>
+                    </a:rPr>
+                    <a:t>-</a:t>
+                  </a:r>
+                  <a:endParaRPr lang="en-US" sz="2000" dirty="0" smtClean="0">
+                    <a:latin typeface="Arial" panose="020B0604020202020204" pitchFamily="34" charset="0"/>
+                    <a:cs typeface="Arial" panose="020B0604020202020204" pitchFamily="34" charset="0"/>
+                  </a:endParaRPr>
+                </a:p>
+              </p:txBody>
+            </p:sp>
+            <p:sp>
+              <p:nvSpPr>
+                <p:cNvPr id="116" name="TextBox 115"/>
+                <p:cNvSpPr txBox="1"/>
+                <p:nvPr/>
+              </p:nvSpPr>
+              <p:spPr>
+                <a:xfrm>
+                  <a:off x="6711660" y="3868727"/>
+                  <a:ext cx="269626" cy="400110"/>
+                </a:xfrm>
+                <a:prstGeom prst="rect">
+                  <a:avLst/>
+                </a:prstGeom>
+                <a:noFill/>
+              </p:spPr>
+              <p:txBody>
+                <a:bodyPr wrap="none" rtlCol="0">
+                  <a:spAutoFit/>
+                </a:bodyPr>
+                <a:lstStyle/>
+                <a:p>
+                  <a:r>
+                    <a:rPr lang="en-US" sz="2000" dirty="0" smtClean="0">
+                      <a:latin typeface="Arial" panose="020B0604020202020204" pitchFamily="34" charset="0"/>
+                      <a:cs typeface="Arial" panose="020B0604020202020204" pitchFamily="34" charset="0"/>
+                    </a:rPr>
+                    <a:t>-</a:t>
+                  </a:r>
+                  <a:endParaRPr lang="en-US" sz="2000" dirty="0" smtClean="0">
+                    <a:latin typeface="Arial" panose="020B0604020202020204" pitchFamily="34" charset="0"/>
+                    <a:cs typeface="Arial" panose="020B0604020202020204" pitchFamily="34" charset="0"/>
+                  </a:endParaRPr>
+                </a:p>
+              </p:txBody>
+            </p:sp>
+          </p:grpSp>
+          <mc:AlternateContent xmlns:mc="http://schemas.openxmlformats.org/markup-compatibility/2006">
+            <mc:Choice xmlns:a14="http://schemas.microsoft.com/office/drawing/2010/main" Requires="a14">
+              <p:sp>
+                <p:nvSpPr>
+                  <p:cNvPr id="117" name="TextBox 116"/>
+                  <p:cNvSpPr txBox="1"/>
+                  <p:nvPr/>
+                </p:nvSpPr>
+                <p:spPr>
+                  <a:xfrm>
+                    <a:off x="3779639" y="5977820"/>
+                    <a:ext cx="937885" cy="307777"/>
+                  </a:xfrm>
+                  <a:prstGeom prst="rect">
+                    <a:avLst/>
+                  </a:prstGeom>
+                  <a:noFill/>
+                </p:spPr>
+                <p:txBody>
+                  <a:bodyPr wrap="none" lIns="0" tIns="0" rIns="0" bIns="0" rtlCol="0">
+                    <a:spAutoFit/>
+                  </a:bodyPr>
+                  <a:lstStyle/>
+                  <a:p>
+                    <a14:m>
+                      <m:oMathPara xmlns:m="http://schemas.openxmlformats.org/officeDocument/2006/math">
+                        <m:oMathParaPr>
+                          <m:jc m:val="centerGroup"/>
+                        </m:oMathParaPr>
+                        <m:oMath xmlns:m="http://schemas.openxmlformats.org/officeDocument/2006/math">
+                          <m:r>
+                            <a:rPr lang="en-US" sz="2000" b="0" i="1" smtClean="0">
+                              <a:latin typeface="Cambria Math" panose="02040503050406030204" pitchFamily="18" charset="0"/>
+                              <a:cs typeface="Arial" panose="020B0604020202020204" pitchFamily="34" charset="0"/>
+                            </a:rPr>
+                            <m:t>𝑔𝑟𝑜𝑢𝑛𝑑</m:t>
+                          </m:r>
+                        </m:oMath>
+                      </m:oMathPara>
+                    </a14:m>
+                    <a:endParaRPr lang="en-US" sz="2000" dirty="0" smtClean="0">
+                      <a:latin typeface="Arial" panose="020B0604020202020204" pitchFamily="34" charset="0"/>
+                      <a:cs typeface="Arial" panose="020B0604020202020204" pitchFamily="34" charset="0"/>
+                    </a:endParaRPr>
+                  </a:p>
+                </p:txBody>
+              </p:sp>
+            </mc:Choice>
+            <mc:Fallback>
+              <p:sp>
+                <p:nvSpPr>
+                  <p:cNvPr id="117" name="TextBox 116"/>
+                  <p:cNvSpPr txBox="1">
+                    <a:spLocks noRot="1" noChangeAspect="1" noMove="1" noResize="1" noEditPoints="1" noAdjustHandles="1" noChangeArrowheads="1" noChangeShapeType="1" noTextEdit="1"/>
+                  </p:cNvSpPr>
+                  <p:nvPr/>
+                </p:nvSpPr>
+                <p:spPr>
+                  <a:xfrm>
+                    <a:off x="3779639" y="5977820"/>
+                    <a:ext cx="937885" cy="307777"/>
+                  </a:xfrm>
+                  <a:prstGeom prst="rect">
+                    <a:avLst/>
+                  </a:prstGeom>
+                  <a:blipFill>
+                    <a:blip r:embed="rId4"/>
+                    <a:stretch>
+                      <a:fillRect l="-9091" r="-7143" b="-38000"/>
+                    </a:stretch>
+                  </a:blipFill>
+                </p:spPr>
+                <p:txBody>
+                  <a:bodyPr/>
+                  <a:lstStyle/>
+                  <a:p>
+                    <a:r>
+                      <a:rPr lang="en-US">
+                        <a:noFill/>
+                      </a:rPr>
+                      <a:t> </a:t>
+                    </a:r>
+                  </a:p>
+                </p:txBody>
+              </p:sp>
+            </mc:Fallback>
+          </mc:AlternateContent>
+          <p:grpSp>
+            <p:nvGrpSpPr>
+              <p:cNvPr id="118" name="Group 117"/>
+              <p:cNvGrpSpPr/>
+              <p:nvPr/>
+            </p:nvGrpSpPr>
+            <p:grpSpPr>
+              <a:xfrm>
+                <a:off x="688573" y="5061842"/>
+                <a:ext cx="631524" cy="791480"/>
+                <a:chOff x="3525483" y="4270756"/>
+                <a:chExt cx="631524" cy="791480"/>
+              </a:xfrm>
+            </p:grpSpPr>
+            <p:sp>
+              <p:nvSpPr>
+                <p:cNvPr id="119" name="TextBox 118"/>
+                <p:cNvSpPr txBox="1"/>
+                <p:nvPr/>
+              </p:nvSpPr>
+              <p:spPr>
+                <a:xfrm>
+                  <a:off x="3840559" y="4356808"/>
+                  <a:ext cx="269626" cy="400110"/>
+                </a:xfrm>
+                <a:prstGeom prst="rect">
+                  <a:avLst/>
+                </a:prstGeom>
+                <a:noFill/>
+              </p:spPr>
+              <p:txBody>
+                <a:bodyPr wrap="none" rtlCol="0">
+                  <a:spAutoFit/>
+                </a:bodyPr>
+                <a:lstStyle/>
+                <a:p>
+                  <a:r>
+                    <a:rPr lang="en-US" sz="2000" dirty="0" smtClean="0">
+                      <a:latin typeface="Arial" panose="020B0604020202020204" pitchFamily="34" charset="0"/>
+                      <a:cs typeface="Arial" panose="020B0604020202020204" pitchFamily="34" charset="0"/>
+                    </a:rPr>
+                    <a:t>-</a:t>
+                  </a:r>
+                  <a:endParaRPr lang="en-US" sz="2000" dirty="0" smtClean="0">
+                    <a:latin typeface="Arial" panose="020B0604020202020204" pitchFamily="34" charset="0"/>
+                    <a:cs typeface="Arial" panose="020B0604020202020204" pitchFamily="34" charset="0"/>
+                  </a:endParaRPr>
+                </a:p>
+              </p:txBody>
+            </p:sp>
+            <p:sp>
+              <p:nvSpPr>
+                <p:cNvPr id="120" name="TextBox 119"/>
+                <p:cNvSpPr txBox="1"/>
+                <p:nvPr/>
+              </p:nvSpPr>
+              <p:spPr>
+                <a:xfrm>
+                  <a:off x="3718046" y="4270756"/>
+                  <a:ext cx="256081" cy="400110"/>
+                </a:xfrm>
+                <a:prstGeom prst="rect">
+                  <a:avLst/>
+                </a:prstGeom>
+                <a:noFill/>
+              </p:spPr>
+              <p:txBody>
+                <a:bodyPr wrap="square" rtlCol="0">
+                  <a:spAutoFit/>
+                </a:bodyPr>
+                <a:lstStyle/>
+                <a:p>
+                  <a:r>
+                    <a:rPr lang="en-US" sz="2000" dirty="0" smtClean="0">
+                      <a:latin typeface="Arial" panose="020B0604020202020204" pitchFamily="34" charset="0"/>
+                      <a:cs typeface="Arial" panose="020B0604020202020204" pitchFamily="34" charset="0"/>
+                    </a:rPr>
+                    <a:t>-</a:t>
+                  </a:r>
+                  <a:endParaRPr lang="en-US" sz="2000" dirty="0" smtClean="0">
+                    <a:latin typeface="Arial" panose="020B0604020202020204" pitchFamily="34" charset="0"/>
+                    <a:cs typeface="Arial" panose="020B0604020202020204" pitchFamily="34" charset="0"/>
+                  </a:endParaRPr>
+                </a:p>
+              </p:txBody>
+            </p:sp>
+            <p:sp>
+              <p:nvSpPr>
+                <p:cNvPr id="121" name="Oval 120"/>
+                <p:cNvSpPr/>
+                <p:nvPr/>
+              </p:nvSpPr>
+              <p:spPr>
+                <a:xfrm>
+                  <a:off x="3587818" y="4419763"/>
+                  <a:ext cx="500236" cy="519764"/>
+                </a:xfrm>
+                <a:prstGeom prst="ellipse">
+                  <a:avLst/>
+                </a:prstGeom>
+                <a:noFill/>
+                <a:ln w="38100">
+                  <a:solidFill>
+                    <a:schemeClr val="tx1"/>
+                  </a:solidFill>
+                </a:ln>
+              </p:spPr>
+              <p:style>
+                <a:lnRef idx="2">
+                  <a:schemeClr val="accent1">
+                    <a:shade val="50000"/>
+                  </a:schemeClr>
+                </a:lnRef>
+                <a:fillRef idx="1">
+                  <a:schemeClr val="accent1"/>
+                </a:fillRef>
+                <a:effectRef idx="0">
+                  <a:schemeClr val="accent1"/>
+                </a:effectRef>
+                <a:fontRef idx="minor">
+                  <a:schemeClr val="lt1"/>
+                </a:fontRef>
+              </p:style>
+              <p:txBody>
+                <a:bodyPr rtlCol="0" anchor="ctr"/>
+                <a:lstStyle/>
+                <a:p>
+                  <a:pPr algn="ctr"/>
+                  <a:endParaRPr lang="en-US"/>
+                </a:p>
+              </p:txBody>
+            </p:sp>
+            <p:sp>
+              <p:nvSpPr>
+                <p:cNvPr id="122" name="TextBox 121"/>
+                <p:cNvSpPr txBox="1"/>
+                <p:nvPr/>
+              </p:nvSpPr>
+              <p:spPr>
+                <a:xfrm>
+                  <a:off x="3561139" y="4350508"/>
+                  <a:ext cx="269626" cy="400110"/>
+                </a:xfrm>
+                <a:prstGeom prst="rect">
+                  <a:avLst/>
+                </a:prstGeom>
+                <a:noFill/>
+              </p:spPr>
+              <p:txBody>
+                <a:bodyPr wrap="none" rtlCol="0">
+                  <a:spAutoFit/>
+                </a:bodyPr>
+                <a:lstStyle/>
+                <a:p>
+                  <a:r>
+                    <a:rPr lang="en-US" sz="2000" dirty="0" smtClean="0">
+                      <a:latin typeface="Arial" panose="020B0604020202020204" pitchFamily="34" charset="0"/>
+                      <a:cs typeface="Arial" panose="020B0604020202020204" pitchFamily="34" charset="0"/>
+                    </a:rPr>
+                    <a:t>-</a:t>
+                  </a:r>
+                  <a:endParaRPr lang="en-US" sz="2000" dirty="0" smtClean="0">
+                    <a:latin typeface="Arial" panose="020B0604020202020204" pitchFamily="34" charset="0"/>
+                    <a:cs typeface="Arial" panose="020B0604020202020204" pitchFamily="34" charset="0"/>
+                  </a:endParaRPr>
+                </a:p>
+              </p:txBody>
+            </p:sp>
+            <p:sp>
+              <p:nvSpPr>
+                <p:cNvPr id="123" name="TextBox 122"/>
+                <p:cNvSpPr txBox="1"/>
+                <p:nvPr/>
+              </p:nvSpPr>
+              <p:spPr>
+                <a:xfrm>
+                  <a:off x="3815220" y="4602292"/>
+                  <a:ext cx="269626" cy="400110"/>
+                </a:xfrm>
+                <a:prstGeom prst="rect">
+                  <a:avLst/>
+                </a:prstGeom>
+                <a:noFill/>
+              </p:spPr>
+              <p:txBody>
+                <a:bodyPr wrap="none" rtlCol="0">
+                  <a:spAutoFit/>
+                </a:bodyPr>
+                <a:lstStyle/>
+                <a:p>
+                  <a:r>
+                    <a:rPr lang="en-US" sz="2000" dirty="0" smtClean="0">
+                      <a:latin typeface="Arial" panose="020B0604020202020204" pitchFamily="34" charset="0"/>
+                      <a:cs typeface="Arial" panose="020B0604020202020204" pitchFamily="34" charset="0"/>
+                    </a:rPr>
+                    <a:t>-</a:t>
+                  </a:r>
+                  <a:endParaRPr lang="en-US" sz="2000" dirty="0" smtClean="0">
+                    <a:latin typeface="Arial" panose="020B0604020202020204" pitchFamily="34" charset="0"/>
+                    <a:cs typeface="Arial" panose="020B0604020202020204" pitchFamily="34" charset="0"/>
+                  </a:endParaRPr>
+                </a:p>
+              </p:txBody>
+            </p:sp>
+            <p:sp>
+              <p:nvSpPr>
+                <p:cNvPr id="124" name="TextBox 123"/>
+                <p:cNvSpPr txBox="1"/>
+                <p:nvPr/>
+              </p:nvSpPr>
+              <p:spPr>
+                <a:xfrm>
+                  <a:off x="3574142" y="4596865"/>
+                  <a:ext cx="331569" cy="400110"/>
+                </a:xfrm>
+                <a:prstGeom prst="rect">
+                  <a:avLst/>
+                </a:prstGeom>
+                <a:noFill/>
+              </p:spPr>
+              <p:txBody>
+                <a:bodyPr wrap="square" rtlCol="0">
+                  <a:spAutoFit/>
+                </a:bodyPr>
+                <a:lstStyle/>
+                <a:p>
+                  <a:r>
+                    <a:rPr lang="en-US" sz="2000" dirty="0" smtClean="0">
+                      <a:latin typeface="Arial" panose="020B0604020202020204" pitchFamily="34" charset="0"/>
+                      <a:cs typeface="Arial" panose="020B0604020202020204" pitchFamily="34" charset="0"/>
+                    </a:rPr>
+                    <a:t>-</a:t>
+                  </a:r>
+                  <a:endParaRPr lang="en-US" sz="2000" dirty="0" smtClean="0">
+                    <a:latin typeface="Arial" panose="020B0604020202020204" pitchFamily="34" charset="0"/>
+                    <a:cs typeface="Arial" panose="020B0604020202020204" pitchFamily="34" charset="0"/>
+                  </a:endParaRPr>
+                </a:p>
+              </p:txBody>
+            </p:sp>
+            <p:sp>
+              <p:nvSpPr>
+                <p:cNvPr id="125" name="TextBox 124"/>
+                <p:cNvSpPr txBox="1"/>
+                <p:nvPr/>
+              </p:nvSpPr>
+              <p:spPr>
+                <a:xfrm>
+                  <a:off x="3670500" y="4438431"/>
+                  <a:ext cx="334871" cy="400110"/>
+                </a:xfrm>
+                <a:prstGeom prst="rect">
+                  <a:avLst/>
+                </a:prstGeom>
+                <a:noFill/>
+              </p:spPr>
+              <p:txBody>
+                <a:bodyPr wrap="square" rtlCol="0">
+                  <a:spAutoFit/>
+                </a:bodyPr>
+                <a:lstStyle/>
+                <a:p>
+                  <a:r>
+                    <a:rPr lang="en-US" sz="2000" dirty="0" smtClean="0">
+                      <a:latin typeface="Arial" panose="020B0604020202020204" pitchFamily="34" charset="0"/>
+                      <a:cs typeface="Arial" panose="020B0604020202020204" pitchFamily="34" charset="0"/>
+                    </a:rPr>
+                    <a:t>-</a:t>
+                  </a:r>
+                  <a:endParaRPr lang="en-US" sz="2000" dirty="0" smtClean="0">
+                    <a:latin typeface="Arial" panose="020B0604020202020204" pitchFamily="34" charset="0"/>
+                    <a:cs typeface="Arial" panose="020B0604020202020204" pitchFamily="34" charset="0"/>
+                  </a:endParaRPr>
+                </a:p>
+              </p:txBody>
+            </p:sp>
+            <p:sp>
+              <p:nvSpPr>
+                <p:cNvPr id="126" name="TextBox 125"/>
+                <p:cNvSpPr txBox="1"/>
+                <p:nvPr/>
+              </p:nvSpPr>
+              <p:spPr>
+                <a:xfrm>
+                  <a:off x="3525483" y="4470811"/>
+                  <a:ext cx="269626" cy="400110"/>
+                </a:xfrm>
+                <a:prstGeom prst="rect">
+                  <a:avLst/>
+                </a:prstGeom>
+                <a:noFill/>
+              </p:spPr>
+              <p:txBody>
+                <a:bodyPr wrap="none" rtlCol="0">
+                  <a:spAutoFit/>
+                </a:bodyPr>
+                <a:lstStyle/>
+                <a:p>
+                  <a:r>
+                    <a:rPr lang="en-US" sz="2000" dirty="0" smtClean="0">
+                      <a:latin typeface="Arial" panose="020B0604020202020204" pitchFamily="34" charset="0"/>
+                      <a:cs typeface="Arial" panose="020B0604020202020204" pitchFamily="34" charset="0"/>
+                    </a:rPr>
+                    <a:t>-</a:t>
+                  </a:r>
+                  <a:endParaRPr lang="en-US" sz="2000" dirty="0" smtClean="0">
+                    <a:latin typeface="Arial" panose="020B0604020202020204" pitchFamily="34" charset="0"/>
+                    <a:cs typeface="Arial" panose="020B0604020202020204" pitchFamily="34" charset="0"/>
+                  </a:endParaRPr>
+                </a:p>
+              </p:txBody>
+            </p:sp>
+            <p:sp>
+              <p:nvSpPr>
+                <p:cNvPr id="127" name="TextBox 126"/>
+                <p:cNvSpPr txBox="1"/>
+                <p:nvPr/>
+              </p:nvSpPr>
+              <p:spPr>
+                <a:xfrm>
+                  <a:off x="3694681" y="4662126"/>
+                  <a:ext cx="269626" cy="400110"/>
+                </a:xfrm>
+                <a:prstGeom prst="rect">
+                  <a:avLst/>
+                </a:prstGeom>
+                <a:noFill/>
+              </p:spPr>
+              <p:txBody>
+                <a:bodyPr wrap="none" rtlCol="0">
+                  <a:spAutoFit/>
+                </a:bodyPr>
+                <a:lstStyle/>
+                <a:p>
+                  <a:r>
+                    <a:rPr lang="en-US" sz="2000" dirty="0" smtClean="0">
+                      <a:latin typeface="Arial" panose="020B0604020202020204" pitchFamily="34" charset="0"/>
+                      <a:cs typeface="Arial" panose="020B0604020202020204" pitchFamily="34" charset="0"/>
+                    </a:rPr>
+                    <a:t>-</a:t>
+                  </a:r>
+                  <a:endParaRPr lang="en-US" sz="2000" dirty="0" smtClean="0">
+                    <a:latin typeface="Arial" panose="020B0604020202020204" pitchFamily="34" charset="0"/>
+                    <a:cs typeface="Arial" panose="020B0604020202020204" pitchFamily="34" charset="0"/>
+                  </a:endParaRPr>
+                </a:p>
+              </p:txBody>
+            </p:sp>
+            <p:sp>
+              <p:nvSpPr>
+                <p:cNvPr id="128" name="TextBox 127"/>
+                <p:cNvSpPr txBox="1"/>
+                <p:nvPr/>
+              </p:nvSpPr>
+              <p:spPr>
+                <a:xfrm>
+                  <a:off x="3887381" y="4482638"/>
+                  <a:ext cx="269626" cy="400110"/>
+                </a:xfrm>
+                <a:prstGeom prst="rect">
+                  <a:avLst/>
+                </a:prstGeom>
+                <a:noFill/>
+              </p:spPr>
+              <p:txBody>
+                <a:bodyPr wrap="none" rtlCol="0">
+                  <a:spAutoFit/>
+                </a:bodyPr>
+                <a:lstStyle/>
+                <a:p>
+                  <a:r>
+                    <a:rPr lang="en-US" sz="2000" dirty="0" smtClean="0">
+                      <a:latin typeface="Arial" panose="020B0604020202020204" pitchFamily="34" charset="0"/>
+                      <a:cs typeface="Arial" panose="020B0604020202020204" pitchFamily="34" charset="0"/>
+                    </a:rPr>
+                    <a:t>-</a:t>
+                  </a:r>
+                  <a:endParaRPr lang="en-US" sz="2000" dirty="0" smtClean="0">
+                    <a:latin typeface="Arial" panose="020B0604020202020204" pitchFamily="34" charset="0"/>
+                    <a:cs typeface="Arial" panose="020B0604020202020204" pitchFamily="34" charset="0"/>
+                  </a:endParaRPr>
+                </a:p>
+              </p:txBody>
+            </p:sp>
+            <p:sp>
+              <p:nvSpPr>
+                <p:cNvPr id="129" name="TextBox 128"/>
+                <p:cNvSpPr txBox="1"/>
+                <p:nvPr/>
+              </p:nvSpPr>
+              <p:spPr>
+                <a:xfrm>
+                  <a:off x="3743178" y="4533815"/>
+                  <a:ext cx="334871" cy="400110"/>
+                </a:xfrm>
+                <a:prstGeom prst="rect">
+                  <a:avLst/>
+                </a:prstGeom>
+                <a:noFill/>
+              </p:spPr>
+              <p:txBody>
+                <a:bodyPr wrap="square" rtlCol="0">
+                  <a:spAutoFit/>
+                </a:bodyPr>
+                <a:lstStyle/>
+                <a:p>
+                  <a:r>
+                    <a:rPr lang="en-US" sz="2000" dirty="0" smtClean="0">
+                      <a:latin typeface="Arial" panose="020B0604020202020204" pitchFamily="34" charset="0"/>
+                      <a:cs typeface="Arial" panose="020B0604020202020204" pitchFamily="34" charset="0"/>
+                    </a:rPr>
+                    <a:t>-</a:t>
+                  </a:r>
+                  <a:endParaRPr lang="en-US" sz="2000" dirty="0" smtClean="0">
+                    <a:latin typeface="Arial" panose="020B0604020202020204" pitchFamily="34" charset="0"/>
+                    <a:cs typeface="Arial" panose="020B0604020202020204" pitchFamily="34" charset="0"/>
+                  </a:endParaRPr>
+                </a:p>
+              </p:txBody>
+            </p:sp>
+          </p:grpSp>
+          <p:grpSp>
+            <p:nvGrpSpPr>
+              <p:cNvPr id="139" name="Group 138"/>
+              <p:cNvGrpSpPr/>
+              <p:nvPr/>
+            </p:nvGrpSpPr>
+            <p:grpSpPr>
+              <a:xfrm>
+                <a:off x="3957170" y="5801514"/>
+                <a:ext cx="508381" cy="143616"/>
+                <a:chOff x="4711198" y="5269452"/>
+                <a:chExt cx="508381" cy="143616"/>
+              </a:xfrm>
+            </p:grpSpPr>
+            <p:cxnSp>
+              <p:nvCxnSpPr>
+                <p:cNvPr id="131" name="Straight Connector 130"/>
+                <p:cNvCxnSpPr/>
+                <p:nvPr/>
+              </p:nvCxnSpPr>
+              <p:spPr>
+                <a:xfrm>
+                  <a:off x="4711198" y="5269452"/>
+                  <a:ext cx="508381" cy="2125"/>
+                </a:xfrm>
+                <a:prstGeom prst="line">
+                  <a:avLst/>
+                </a:prstGeom>
+                <a:ln w="38100">
+                  <a:solidFill>
+                    <a:schemeClr val="tx1"/>
+                  </a:solidFill>
+                </a:ln>
+              </p:spPr>
+              <p:style>
+                <a:lnRef idx="1">
+                  <a:schemeClr val="accent1"/>
+                </a:lnRef>
+                <a:fillRef idx="0">
+                  <a:schemeClr val="accent1"/>
+                </a:fillRef>
+                <a:effectRef idx="0">
+                  <a:schemeClr val="accent1"/>
+                </a:effectRef>
+                <a:fontRef idx="minor">
+                  <a:schemeClr val="tx1"/>
+                </a:fontRef>
+              </p:style>
+            </p:cxnSp>
+            <p:cxnSp>
+              <p:nvCxnSpPr>
+                <p:cNvPr id="132" name="Straight Connector 131"/>
+                <p:cNvCxnSpPr/>
+                <p:nvPr/>
+              </p:nvCxnSpPr>
+              <p:spPr>
+                <a:xfrm>
+                  <a:off x="4787398" y="5344331"/>
+                  <a:ext cx="345934" cy="4871"/>
+                </a:xfrm>
+                <a:prstGeom prst="line">
+                  <a:avLst/>
+                </a:prstGeom>
+                <a:ln w="38100">
+                  <a:solidFill>
+                    <a:schemeClr val="tx1"/>
+                  </a:solidFill>
+                </a:ln>
+              </p:spPr>
+              <p:style>
+                <a:lnRef idx="1">
+                  <a:schemeClr val="accent1"/>
+                </a:lnRef>
+                <a:fillRef idx="0">
+                  <a:schemeClr val="accent1"/>
+                </a:fillRef>
+                <a:effectRef idx="0">
+                  <a:schemeClr val="accent1"/>
+                </a:effectRef>
+                <a:fontRef idx="minor">
+                  <a:schemeClr val="tx1"/>
+                </a:fontRef>
+              </p:style>
+            </p:cxnSp>
+            <p:cxnSp>
+              <p:nvCxnSpPr>
+                <p:cNvPr id="135" name="Straight Connector 134"/>
+                <p:cNvCxnSpPr/>
+                <p:nvPr/>
+              </p:nvCxnSpPr>
+              <p:spPr>
+                <a:xfrm flipV="1">
+                  <a:off x="4874862" y="5412918"/>
+                  <a:ext cx="171007" cy="150"/>
+                </a:xfrm>
+                <a:prstGeom prst="line">
+                  <a:avLst/>
+                </a:prstGeom>
+                <a:ln w="38100">
+                  <a:solidFill>
+                    <a:schemeClr val="tx1"/>
+                  </a:solidFill>
+                </a:ln>
+              </p:spPr>
+              <p:style>
+                <a:lnRef idx="1">
+                  <a:schemeClr val="accent1"/>
+                </a:lnRef>
+                <a:fillRef idx="0">
+                  <a:schemeClr val="accent1"/>
+                </a:fillRef>
+                <a:effectRef idx="0">
+                  <a:schemeClr val="accent1"/>
+                </a:effectRef>
+                <a:fontRef idx="minor">
+                  <a:schemeClr val="tx1"/>
+                </a:fontRef>
+              </p:style>
+            </p:cxnSp>
+          </p:grpSp>
+          <p:cxnSp>
+            <p:nvCxnSpPr>
+              <p:cNvPr id="141" name="Straight Connector 140"/>
+              <p:cNvCxnSpPr/>
+              <p:nvPr/>
+            </p:nvCxnSpPr>
+            <p:spPr>
+              <a:xfrm>
+                <a:off x="3762413" y="5480140"/>
+                <a:ext cx="448948" cy="5412"/>
+              </a:xfrm>
+              <a:prstGeom prst="line">
+                <a:avLst/>
+              </a:prstGeom>
+              <a:ln w="38100">
+                <a:solidFill>
+                  <a:schemeClr val="tx1"/>
+                </a:solidFill>
+              </a:ln>
+            </p:spPr>
+            <p:style>
+              <a:lnRef idx="1">
+                <a:schemeClr val="accent1"/>
+              </a:lnRef>
+              <a:fillRef idx="0">
+                <a:schemeClr val="accent1"/>
+              </a:fillRef>
+              <a:effectRef idx="0">
+                <a:schemeClr val="accent1"/>
+              </a:effectRef>
+              <a:fontRef idx="minor">
+                <a:schemeClr val="tx1"/>
+              </a:fontRef>
+            </p:style>
+          </p:cxnSp>
+          <p:cxnSp>
+            <p:nvCxnSpPr>
+              <p:cNvPr id="142" name="Straight Connector 141"/>
+              <p:cNvCxnSpPr/>
+              <p:nvPr/>
+            </p:nvCxnSpPr>
+            <p:spPr>
+              <a:xfrm flipV="1">
+                <a:off x="4211361" y="5466572"/>
+                <a:ext cx="0" cy="326109"/>
+              </a:xfrm>
+              <a:prstGeom prst="line">
+                <a:avLst/>
+              </a:prstGeom>
+              <a:ln w="38100">
+                <a:solidFill>
+                  <a:schemeClr val="tx1"/>
+                </a:solidFill>
+              </a:ln>
+            </p:spPr>
+            <p:style>
+              <a:lnRef idx="1">
+                <a:schemeClr val="accent1"/>
+              </a:lnRef>
+              <a:fillRef idx="0">
+                <a:schemeClr val="accent1"/>
+              </a:fillRef>
+              <a:effectRef idx="0">
+                <a:schemeClr val="accent1"/>
+              </a:effectRef>
+              <a:fontRef idx="minor">
+                <a:schemeClr val="tx1"/>
+              </a:fontRef>
+            </p:style>
+          </p:cxnSp>
+          <p:sp>
+            <p:nvSpPr>
+              <p:cNvPr id="145" name="Arc 144"/>
+              <p:cNvSpPr/>
+              <p:nvPr/>
+            </p:nvSpPr>
+            <p:spPr>
+              <a:xfrm>
+                <a:off x="4213418" y="5236090"/>
+                <a:ext cx="320005" cy="328288"/>
+              </a:xfrm>
+              <a:custGeom>
+                <a:avLst/>
+                <a:gdLst>
+                  <a:gd name="connsiteX0" fmla="*/ 276087 w 552174"/>
+                  <a:gd name="connsiteY0" fmla="*/ 0 h 602669"/>
+                  <a:gd name="connsiteX1" fmla="*/ 552174 w 552174"/>
+                  <a:gd name="connsiteY1" fmla="*/ 301335 h 602669"/>
+                  <a:gd name="connsiteX2" fmla="*/ 276087 w 552174"/>
+                  <a:gd name="connsiteY2" fmla="*/ 301335 h 602669"/>
+                  <a:gd name="connsiteX3" fmla="*/ 276087 w 552174"/>
+                  <a:gd name="connsiteY3" fmla="*/ 0 h 602669"/>
+                  <a:gd name="connsiteX0" fmla="*/ 276087 w 552174"/>
+                  <a:gd name="connsiteY0" fmla="*/ 0 h 602669"/>
+                  <a:gd name="connsiteX1" fmla="*/ 552174 w 552174"/>
+                  <a:gd name="connsiteY1" fmla="*/ 301335 h 602669"/>
+                  <a:gd name="connsiteX0" fmla="*/ 0 w 310286"/>
+                  <a:gd name="connsiteY0" fmla="*/ 1852 h 303187"/>
+                  <a:gd name="connsiteX1" fmla="*/ 276087 w 310286"/>
+                  <a:gd name="connsiteY1" fmla="*/ 303187 h 303187"/>
+                  <a:gd name="connsiteX2" fmla="*/ 0 w 310286"/>
+                  <a:gd name="connsiteY2" fmla="*/ 303187 h 303187"/>
+                  <a:gd name="connsiteX3" fmla="*/ 0 w 310286"/>
+                  <a:gd name="connsiteY3" fmla="*/ 1852 h 303187"/>
+                  <a:gd name="connsiteX0" fmla="*/ 0 w 310286"/>
+                  <a:gd name="connsiteY0" fmla="*/ 1852 h 303187"/>
+                  <a:gd name="connsiteX1" fmla="*/ 276087 w 310286"/>
+                  <a:gd name="connsiteY1" fmla="*/ 303187 h 303187"/>
+                  <a:gd name="connsiteX0" fmla="*/ 0 w 320005"/>
+                  <a:gd name="connsiteY0" fmla="*/ 26953 h 328288"/>
+                  <a:gd name="connsiteX1" fmla="*/ 276087 w 320005"/>
+                  <a:gd name="connsiteY1" fmla="*/ 328288 h 328288"/>
+                  <a:gd name="connsiteX2" fmla="*/ 0 w 320005"/>
+                  <a:gd name="connsiteY2" fmla="*/ 328288 h 328288"/>
+                  <a:gd name="connsiteX3" fmla="*/ 0 w 320005"/>
+                  <a:gd name="connsiteY3" fmla="*/ 26953 h 328288"/>
+                  <a:gd name="connsiteX0" fmla="*/ 0 w 320005"/>
+                  <a:gd name="connsiteY0" fmla="*/ 26953 h 328288"/>
+                  <a:gd name="connsiteX1" fmla="*/ 276087 w 320005"/>
+                  <a:gd name="connsiteY1" fmla="*/ 328288 h 328288"/>
+                </a:gdLst>
+                <a:ahLst/>
+                <a:cxnLst>
+                  <a:cxn ang="0">
+                    <a:pos x="connsiteX0" y="connsiteY0"/>
+                  </a:cxn>
+                  <a:cxn ang="0">
+                    <a:pos x="connsiteX1" y="connsiteY1"/>
+                  </a:cxn>
+                </a:cxnLst>
+                <a:rect l="l" t="t" r="r" b="b"/>
+                <a:pathLst>
+                  <a:path w="320005" h="328288" stroke="0" extrusionOk="0">
+                    <a:moveTo>
+                      <a:pt x="0" y="26953"/>
+                    </a:moveTo>
+                    <a:cubicBezTo>
+                      <a:pt x="242126" y="-32812"/>
+                      <a:pt x="401593" y="-17429"/>
+                      <a:pt x="276087" y="328288"/>
+                    </a:cubicBezTo>
+                    <a:lnTo>
+                      <a:pt x="0" y="328288"/>
+                    </a:lnTo>
+                    <a:lnTo>
+                      <a:pt x="0" y="26953"/>
+                    </a:lnTo>
+                    <a:close/>
+                  </a:path>
+                  <a:path w="320005" h="328288" fill="none">
+                    <a:moveTo>
+                      <a:pt x="0" y="26953"/>
+                    </a:moveTo>
+                    <a:cubicBezTo>
+                      <a:pt x="152479" y="26953"/>
+                      <a:pt x="276087" y="161865"/>
+                      <a:pt x="276087" y="328288"/>
+                    </a:cubicBezTo>
+                  </a:path>
+                </a:pathLst>
+              </a:custGeom>
+              <a:ln w="38100">
+                <a:solidFill>
+                  <a:schemeClr val="tx1"/>
+                </a:solidFill>
+                <a:headEnd type="none" w="med" len="med"/>
+                <a:tailEnd type="triangle" w="med" len="med"/>
+              </a:ln>
+            </p:spPr>
+            <p:style>
+              <a:lnRef idx="1">
+                <a:schemeClr val="accent1"/>
+              </a:lnRef>
+              <a:fillRef idx="0">
+                <a:schemeClr val="accent1"/>
+              </a:fillRef>
+              <a:effectRef idx="0">
+                <a:schemeClr val="accent1"/>
+              </a:effectRef>
+              <a:fontRef idx="minor">
+                <a:schemeClr val="tx1"/>
+              </a:fontRef>
+            </p:style>
+            <p:txBody>
+              <a:bodyPr rtlCol="0" anchor="ctr"/>
+              <a:lstStyle/>
+              <a:p>
+                <a:pPr algn="ctr"/>
+                <a:endParaRPr lang="en-US"/>
+              </a:p>
+            </p:txBody>
+          </p:sp>
+        </p:grpSp>
+        <p:cxnSp>
+          <p:nvCxnSpPr>
+            <p:cNvPr id="147" name="Straight Connector 146"/>
+            <p:cNvCxnSpPr/>
+            <p:nvPr/>
+          </p:nvCxnSpPr>
+          <p:spPr>
+            <a:xfrm flipH="1">
+              <a:off x="4260829" y="4829232"/>
+              <a:ext cx="10632" cy="1727785"/>
+            </a:xfrm>
+            <a:prstGeom prst="line">
+              <a:avLst/>
+            </a:prstGeom>
+            <a:ln w="38100">
+              <a:solidFill>
+                <a:schemeClr val="tx1"/>
+              </a:solidFill>
+              <a:prstDash val="dash"/>
+            </a:ln>
+          </p:spPr>
+          <p:style>
+            <a:lnRef idx="1">
+              <a:schemeClr val="accent1"/>
+            </a:lnRef>
+            <a:fillRef idx="0">
+              <a:schemeClr val="accent1"/>
+            </a:fillRef>
+            <a:effectRef idx="0">
+              <a:schemeClr val="accent1"/>
+            </a:effectRef>
+            <a:fontRef idx="minor">
+              <a:schemeClr val="tx1"/>
+            </a:fontRef>
+          </p:style>
+        </p:cxnSp>
+        <p:sp>
+          <p:nvSpPr>
+            <p:cNvPr id="151" name="Rounded Rectangle 150"/>
+            <p:cNvSpPr/>
+            <p:nvPr/>
+          </p:nvSpPr>
+          <p:spPr>
+            <a:xfrm>
+              <a:off x="4505242" y="5352211"/>
+              <a:ext cx="2214019" cy="279132"/>
+            </a:xfrm>
+            <a:prstGeom prst="roundRect">
+              <a:avLst/>
+            </a:prstGeom>
+            <a:solidFill>
+              <a:schemeClr val="bg2">
+                <a:lumMod val="90000"/>
+              </a:schemeClr>
+            </a:solidFill>
+            <a:ln w="38100">
+              <a:solidFill>
+                <a:schemeClr val="tx1"/>
+              </a:solidFill>
+            </a:ln>
+          </p:spPr>
+          <p:style>
+            <a:lnRef idx="2">
+              <a:schemeClr val="accent1">
+                <a:shade val="50000"/>
+              </a:schemeClr>
+            </a:lnRef>
+            <a:fillRef idx="1">
+              <a:schemeClr val="accent1"/>
+            </a:fillRef>
+            <a:effectRef idx="0">
+              <a:schemeClr val="accent1"/>
+            </a:effectRef>
+            <a:fontRef idx="minor">
+              <a:schemeClr val="lt1"/>
+            </a:fontRef>
+          </p:style>
+          <p:txBody>
+            <a:bodyPr rtlCol="0" anchor="ctr"/>
+            <a:lstStyle/>
+            <a:p>
+              <a:pPr algn="ctr"/>
+              <a:endParaRPr lang="en-US"/>
+            </a:p>
+          </p:txBody>
+        </p:sp>
+        <p:sp>
+          <p:nvSpPr>
+            <p:cNvPr id="149" name="TextBox 148"/>
+            <p:cNvSpPr txBox="1"/>
+            <p:nvPr/>
+          </p:nvSpPr>
+          <p:spPr>
+            <a:xfrm>
+              <a:off x="4462552" y="5279065"/>
+              <a:ext cx="3058425" cy="400110"/>
+            </a:xfrm>
+            <a:prstGeom prst="rect">
+              <a:avLst/>
+            </a:prstGeom>
+            <a:noFill/>
+          </p:spPr>
+          <p:txBody>
+            <a:bodyPr wrap="square" rtlCol="0">
+              <a:spAutoFit/>
+            </a:bodyPr>
+            <a:lstStyle/>
+            <a:p>
+              <a:r>
+                <a:rPr lang="en-US" sz="2000" dirty="0" smtClean="0">
+                  <a:latin typeface="Arial" panose="020B0604020202020204" pitchFamily="34" charset="0"/>
+                  <a:cs typeface="Arial" panose="020B0604020202020204" pitchFamily="34" charset="0"/>
+                </a:rPr>
+                <a:t>+  +  +  +   +   +   + </a:t>
+              </a:r>
+              <a:endParaRPr lang="en-US" sz="2000" dirty="0" smtClean="0">
+                <a:latin typeface="Arial" panose="020B0604020202020204" pitchFamily="34" charset="0"/>
+                <a:cs typeface="Arial" panose="020B0604020202020204" pitchFamily="34" charset="0"/>
+              </a:endParaRPr>
+            </a:p>
+          </p:txBody>
+        </p:sp>
+        <mc:AlternateContent xmlns:mc="http://schemas.openxmlformats.org/markup-compatibility/2006">
+          <mc:Choice xmlns:a14="http://schemas.microsoft.com/office/drawing/2010/main" Requires="a14">
+            <p:sp>
+              <p:nvSpPr>
+                <p:cNvPr id="152" name="TextBox 151"/>
+                <p:cNvSpPr txBox="1"/>
+                <p:nvPr/>
+              </p:nvSpPr>
+              <p:spPr>
+                <a:xfrm>
+                  <a:off x="4873591" y="5961053"/>
+                  <a:ext cx="1475724" cy="307777"/>
+                </a:xfrm>
+                <a:prstGeom prst="rect">
+                  <a:avLst/>
+                </a:prstGeom>
+                <a:noFill/>
+              </p:spPr>
+              <p:txBody>
+                <a:bodyPr wrap="none" lIns="0" tIns="0" rIns="0" bIns="0" rtlCol="0">
+                  <a:spAutoFit/>
+                </a:bodyPr>
+                <a:lstStyle/>
+                <a:p>
+                  <a14:m>
+                    <m:oMathPara xmlns:m="http://schemas.openxmlformats.org/officeDocument/2006/math">
+                      <m:oMathParaPr>
+                        <m:jc m:val="centerGroup"/>
+                      </m:oMathParaPr>
+                      <m:oMath xmlns:m="http://schemas.openxmlformats.org/officeDocument/2006/math">
+                        <m:r>
+                          <a:rPr lang="en-US" sz="2000" b="0" i="1" smtClean="0">
+                            <a:latin typeface="Cambria Math" panose="02040503050406030204" pitchFamily="18" charset="0"/>
+                            <a:cs typeface="Arial" panose="020B0604020202020204" pitchFamily="34" charset="0"/>
+                          </a:rPr>
+                          <m:t>𝑝𝑜𝑠𝑖𝑡𝑖𝑣𝑒</m:t>
+                        </m:r>
+                        <m:r>
+                          <a:rPr lang="en-US" sz="2000" b="0" i="1" smtClean="0">
+                            <a:latin typeface="Cambria Math" panose="02040503050406030204" pitchFamily="18" charset="0"/>
+                            <a:cs typeface="Arial" panose="020B0604020202020204" pitchFamily="34" charset="0"/>
+                          </a:rPr>
+                          <m:t> </m:t>
+                        </m:r>
+                        <m:r>
+                          <a:rPr lang="en-US" sz="2000" b="0" i="1" smtClean="0">
+                            <a:latin typeface="Cambria Math" panose="02040503050406030204" pitchFamily="18" charset="0"/>
+                            <a:cs typeface="Arial" panose="020B0604020202020204" pitchFamily="34" charset="0"/>
+                          </a:rPr>
+                          <m:t>𝑟𝑜𝑑</m:t>
+                        </m:r>
+                      </m:oMath>
+                    </m:oMathPara>
+                  </a14:m>
+                  <a:endParaRPr lang="en-US" sz="2000" dirty="0" smtClean="0">
+                    <a:latin typeface="Arial" panose="020B0604020202020204" pitchFamily="34" charset="0"/>
+                    <a:cs typeface="Arial" panose="020B0604020202020204" pitchFamily="34" charset="0"/>
+                  </a:endParaRPr>
+                </a:p>
+              </p:txBody>
+            </p:sp>
+          </mc:Choice>
+          <mc:Fallback>
+            <p:sp>
+              <p:nvSpPr>
+                <p:cNvPr id="152" name="TextBox 151"/>
+                <p:cNvSpPr txBox="1">
+                  <a:spLocks noRot="1" noChangeAspect="1" noMove="1" noResize="1" noEditPoints="1" noAdjustHandles="1" noChangeArrowheads="1" noChangeShapeType="1" noTextEdit="1"/>
+                </p:cNvSpPr>
+                <p:nvPr/>
+              </p:nvSpPr>
+              <p:spPr>
+                <a:xfrm>
+                  <a:off x="4873591" y="5961053"/>
+                  <a:ext cx="1475724" cy="307777"/>
+                </a:xfrm>
+                <a:prstGeom prst="rect">
+                  <a:avLst/>
+                </a:prstGeom>
+                <a:blipFill>
+                  <a:blip r:embed="rId5"/>
+                  <a:stretch>
+                    <a:fillRect l="-4959" r="-2893" b="-38000"/>
+                  </a:stretch>
+                </a:blipFill>
+              </p:spPr>
+              <p:txBody>
+                <a:bodyPr/>
+                <a:lstStyle/>
+                <a:p>
+                  <a:r>
+                    <a:rPr lang="en-US">
+                      <a:noFill/>
+                    </a:rPr>
+                    <a:t> </a:t>
+                  </a:r>
+                </a:p>
+              </p:txBody>
+            </p:sp>
+          </mc:Fallback>
+        </mc:AlternateContent>
+      </p:grpSp>
     </p:spTree>
     <p:extLst>
       <p:ext uri="{BB962C8B-B14F-4D97-AF65-F5344CB8AC3E}">
@@ -6093,6 +8981,13 @@
   <p:clrMapOvr>
     <a:masterClrMapping/>
   </p:clrMapOvr>
+  <p:timing>
+    <p:tnLst>
+      <p:par>
+        <p:cTn id="1" dur="indefinite" restart="never" nodeType="tmRoot"/>
+      </p:par>
+    </p:tnLst>
+  </p:timing>
 </p:sld>
 </file>
 
@@ -6113,6 +9008,3207 @@
           <a:chExt cx="0" cy="0"/>
         </a:xfrm>
       </p:grpSpPr>
+      <p:grpSp>
+        <p:nvGrpSpPr>
+          <p:cNvPr id="144" name="Group 143"/>
+          <p:cNvGrpSpPr/>
+          <p:nvPr/>
+        </p:nvGrpSpPr>
+        <p:grpSpPr>
+          <a:xfrm>
+            <a:off x="81803" y="209786"/>
+            <a:ext cx="4644383" cy="1727785"/>
+            <a:chOff x="81803" y="209786"/>
+            <a:chExt cx="4644383" cy="1727785"/>
+          </a:xfrm>
+        </p:grpSpPr>
+        <p:grpSp>
+          <p:nvGrpSpPr>
+            <p:cNvPr id="66" name="Group 65"/>
+            <p:cNvGrpSpPr/>
+            <p:nvPr/>
+          </p:nvGrpSpPr>
+          <p:grpSpPr>
+            <a:xfrm>
+              <a:off x="180233" y="403175"/>
+              <a:ext cx="938842" cy="1040739"/>
+              <a:chOff x="2886710" y="1056842"/>
+              <a:chExt cx="938842" cy="1040739"/>
+            </a:xfrm>
+          </p:grpSpPr>
+          <p:sp>
+            <p:nvSpPr>
+              <p:cNvPr id="17" name="Oval 16"/>
+              <p:cNvSpPr/>
+              <p:nvPr/>
+            </p:nvSpPr>
+            <p:spPr>
+              <a:xfrm>
+                <a:off x="3091354" y="1325179"/>
+                <a:ext cx="529554" cy="550227"/>
+              </a:xfrm>
+              <a:prstGeom prst="ellipse">
+                <a:avLst/>
+              </a:prstGeom>
+              <a:noFill/>
+              <a:ln w="38100">
+                <a:solidFill>
+                  <a:schemeClr val="tx1"/>
+                </a:solidFill>
+              </a:ln>
+            </p:spPr>
+            <p:style>
+              <a:lnRef idx="2">
+                <a:schemeClr val="accent1">
+                  <a:shade val="50000"/>
+                </a:schemeClr>
+              </a:lnRef>
+              <a:fillRef idx="1">
+                <a:schemeClr val="accent1"/>
+              </a:fillRef>
+              <a:effectRef idx="0">
+                <a:schemeClr val="accent1"/>
+              </a:effectRef>
+              <a:fontRef idx="minor">
+                <a:schemeClr val="lt1"/>
+              </a:fontRef>
+            </p:style>
+            <p:txBody>
+              <a:bodyPr rtlCol="0" anchor="ctr"/>
+              <a:lstStyle/>
+              <a:p>
+                <a:pPr algn="ctr"/>
+                <a:endParaRPr lang="en-US"/>
+              </a:p>
+            </p:txBody>
+          </p:sp>
+          <p:sp>
+            <p:nvSpPr>
+              <p:cNvPr id="50" name="TextBox 49"/>
+              <p:cNvSpPr txBox="1"/>
+              <p:nvPr/>
+            </p:nvSpPr>
+            <p:spPr>
+              <a:xfrm>
+                <a:off x="3221318" y="1697471"/>
+                <a:ext cx="269626" cy="400110"/>
+              </a:xfrm>
+              <a:prstGeom prst="rect">
+                <a:avLst/>
+              </a:prstGeom>
+              <a:noFill/>
+            </p:spPr>
+            <p:txBody>
+              <a:bodyPr wrap="none" rtlCol="0">
+                <a:spAutoFit/>
+              </a:bodyPr>
+              <a:lstStyle/>
+              <a:p>
+                <a:r>
+                  <a:rPr lang="en-US" sz="2000" dirty="0" smtClean="0">
+                    <a:latin typeface="Arial" panose="020B0604020202020204" pitchFamily="34" charset="0"/>
+                    <a:cs typeface="Arial" panose="020B0604020202020204" pitchFamily="34" charset="0"/>
+                  </a:rPr>
+                  <a:t>-</a:t>
+                </a:r>
+                <a:endParaRPr lang="en-US" sz="2000" dirty="0" smtClean="0">
+                  <a:latin typeface="Arial" panose="020B0604020202020204" pitchFamily="34" charset="0"/>
+                  <a:cs typeface="Arial" panose="020B0604020202020204" pitchFamily="34" charset="0"/>
+                </a:endParaRPr>
+              </a:p>
+            </p:txBody>
+          </p:sp>
+          <p:sp>
+            <p:nvSpPr>
+              <p:cNvPr id="51" name="TextBox 50"/>
+              <p:cNvSpPr txBox="1"/>
+              <p:nvPr/>
+            </p:nvSpPr>
+            <p:spPr>
+              <a:xfrm>
+                <a:off x="2970609" y="1577160"/>
+                <a:ext cx="269626" cy="400110"/>
+              </a:xfrm>
+              <a:prstGeom prst="rect">
+                <a:avLst/>
+              </a:prstGeom>
+              <a:noFill/>
+            </p:spPr>
+            <p:txBody>
+              <a:bodyPr wrap="none" rtlCol="0">
+                <a:spAutoFit/>
+              </a:bodyPr>
+              <a:lstStyle/>
+              <a:p>
+                <a:r>
+                  <a:rPr lang="en-US" sz="2000" dirty="0" smtClean="0">
+                    <a:latin typeface="Arial" panose="020B0604020202020204" pitchFamily="34" charset="0"/>
+                    <a:cs typeface="Arial" panose="020B0604020202020204" pitchFamily="34" charset="0"/>
+                  </a:rPr>
+                  <a:t>-</a:t>
+                </a:r>
+                <a:endParaRPr lang="en-US" sz="2000" dirty="0" smtClean="0">
+                  <a:latin typeface="Arial" panose="020B0604020202020204" pitchFamily="34" charset="0"/>
+                  <a:cs typeface="Arial" panose="020B0604020202020204" pitchFamily="34" charset="0"/>
+                </a:endParaRPr>
+              </a:p>
+            </p:txBody>
+          </p:sp>
+          <p:sp>
+            <p:nvSpPr>
+              <p:cNvPr id="52" name="TextBox 51"/>
+              <p:cNvSpPr txBox="1"/>
+              <p:nvPr/>
+            </p:nvSpPr>
+            <p:spPr>
+              <a:xfrm>
+                <a:off x="3370230" y="1656991"/>
+                <a:ext cx="269626" cy="400110"/>
+              </a:xfrm>
+              <a:prstGeom prst="rect">
+                <a:avLst/>
+              </a:prstGeom>
+              <a:noFill/>
+            </p:spPr>
+            <p:txBody>
+              <a:bodyPr wrap="none" rtlCol="0">
+                <a:spAutoFit/>
+              </a:bodyPr>
+              <a:lstStyle/>
+              <a:p>
+                <a:r>
+                  <a:rPr lang="en-US" sz="2000" dirty="0" smtClean="0">
+                    <a:latin typeface="Arial" panose="020B0604020202020204" pitchFamily="34" charset="0"/>
+                    <a:cs typeface="Arial" panose="020B0604020202020204" pitchFamily="34" charset="0"/>
+                  </a:rPr>
+                  <a:t>-</a:t>
+                </a:r>
+                <a:endParaRPr lang="en-US" sz="2000" dirty="0" smtClean="0">
+                  <a:latin typeface="Arial" panose="020B0604020202020204" pitchFamily="34" charset="0"/>
+                  <a:cs typeface="Arial" panose="020B0604020202020204" pitchFamily="34" charset="0"/>
+                </a:endParaRPr>
+              </a:p>
+            </p:txBody>
+          </p:sp>
+          <p:sp>
+            <p:nvSpPr>
+              <p:cNvPr id="53" name="TextBox 52"/>
+              <p:cNvSpPr txBox="1"/>
+              <p:nvPr/>
+            </p:nvSpPr>
+            <p:spPr>
+              <a:xfrm>
+                <a:off x="3072931" y="1655106"/>
+                <a:ext cx="269626" cy="400110"/>
+              </a:xfrm>
+              <a:prstGeom prst="rect">
+                <a:avLst/>
+              </a:prstGeom>
+              <a:noFill/>
+            </p:spPr>
+            <p:txBody>
+              <a:bodyPr wrap="none" rtlCol="0">
+                <a:spAutoFit/>
+              </a:bodyPr>
+              <a:lstStyle/>
+              <a:p>
+                <a:r>
+                  <a:rPr lang="en-US" sz="2000" dirty="0" smtClean="0">
+                    <a:latin typeface="Arial" panose="020B0604020202020204" pitchFamily="34" charset="0"/>
+                    <a:cs typeface="Arial" panose="020B0604020202020204" pitchFamily="34" charset="0"/>
+                  </a:rPr>
+                  <a:t>-</a:t>
+                </a:r>
+                <a:endParaRPr lang="en-US" sz="2000" dirty="0" smtClean="0">
+                  <a:latin typeface="Arial" panose="020B0604020202020204" pitchFamily="34" charset="0"/>
+                  <a:cs typeface="Arial" panose="020B0604020202020204" pitchFamily="34" charset="0"/>
+                </a:endParaRPr>
+              </a:p>
+            </p:txBody>
+          </p:sp>
+          <p:sp>
+            <p:nvSpPr>
+              <p:cNvPr id="54" name="TextBox 53"/>
+              <p:cNvSpPr txBox="1"/>
+              <p:nvPr/>
+            </p:nvSpPr>
+            <p:spPr>
+              <a:xfrm>
+                <a:off x="3076518" y="1086290"/>
+                <a:ext cx="269626" cy="400110"/>
+              </a:xfrm>
+              <a:prstGeom prst="rect">
+                <a:avLst/>
+              </a:prstGeom>
+              <a:noFill/>
+            </p:spPr>
+            <p:txBody>
+              <a:bodyPr wrap="none" rtlCol="0">
+                <a:spAutoFit/>
+              </a:bodyPr>
+              <a:lstStyle/>
+              <a:p>
+                <a:r>
+                  <a:rPr lang="en-US" sz="2000" dirty="0" smtClean="0">
+                    <a:latin typeface="Arial" panose="020B0604020202020204" pitchFamily="34" charset="0"/>
+                    <a:cs typeface="Arial" panose="020B0604020202020204" pitchFamily="34" charset="0"/>
+                  </a:rPr>
+                  <a:t>-</a:t>
+                </a:r>
+                <a:endParaRPr lang="en-US" sz="2000" dirty="0" smtClean="0">
+                  <a:latin typeface="Arial" panose="020B0604020202020204" pitchFamily="34" charset="0"/>
+                  <a:cs typeface="Arial" panose="020B0604020202020204" pitchFamily="34" charset="0"/>
+                </a:endParaRPr>
+              </a:p>
+            </p:txBody>
+          </p:sp>
+          <p:sp>
+            <p:nvSpPr>
+              <p:cNvPr id="55" name="TextBox 54"/>
+              <p:cNvSpPr txBox="1"/>
+              <p:nvPr/>
+            </p:nvSpPr>
+            <p:spPr>
+              <a:xfrm>
+                <a:off x="2910957" y="1478083"/>
+                <a:ext cx="269626" cy="400110"/>
+              </a:xfrm>
+              <a:prstGeom prst="rect">
+                <a:avLst/>
+              </a:prstGeom>
+              <a:noFill/>
+            </p:spPr>
+            <p:txBody>
+              <a:bodyPr wrap="none" rtlCol="0">
+                <a:spAutoFit/>
+              </a:bodyPr>
+              <a:lstStyle/>
+              <a:p>
+                <a:r>
+                  <a:rPr lang="en-US" sz="2000" dirty="0" smtClean="0">
+                    <a:latin typeface="Arial" panose="020B0604020202020204" pitchFamily="34" charset="0"/>
+                    <a:cs typeface="Arial" panose="020B0604020202020204" pitchFamily="34" charset="0"/>
+                  </a:rPr>
+                  <a:t>-</a:t>
+                </a:r>
+                <a:endParaRPr lang="en-US" sz="2000" dirty="0" smtClean="0">
+                  <a:latin typeface="Arial" panose="020B0604020202020204" pitchFamily="34" charset="0"/>
+                  <a:cs typeface="Arial" panose="020B0604020202020204" pitchFamily="34" charset="0"/>
+                </a:endParaRPr>
+              </a:p>
+            </p:txBody>
+          </p:sp>
+          <p:sp>
+            <p:nvSpPr>
+              <p:cNvPr id="56" name="TextBox 55"/>
+              <p:cNvSpPr txBox="1"/>
+              <p:nvPr/>
+            </p:nvSpPr>
+            <p:spPr>
+              <a:xfrm>
+                <a:off x="2962973" y="1170643"/>
+                <a:ext cx="269626" cy="400110"/>
+              </a:xfrm>
+              <a:prstGeom prst="rect">
+                <a:avLst/>
+              </a:prstGeom>
+              <a:noFill/>
+            </p:spPr>
+            <p:txBody>
+              <a:bodyPr wrap="none" rtlCol="0">
+                <a:spAutoFit/>
+              </a:bodyPr>
+              <a:lstStyle/>
+              <a:p>
+                <a:r>
+                  <a:rPr lang="en-US" sz="2000" dirty="0" smtClean="0">
+                    <a:latin typeface="Arial" panose="020B0604020202020204" pitchFamily="34" charset="0"/>
+                    <a:cs typeface="Arial" panose="020B0604020202020204" pitchFamily="34" charset="0"/>
+                  </a:rPr>
+                  <a:t>-</a:t>
+                </a:r>
+                <a:endParaRPr lang="en-US" sz="2000" dirty="0" smtClean="0">
+                  <a:latin typeface="Arial" panose="020B0604020202020204" pitchFamily="34" charset="0"/>
+                  <a:cs typeface="Arial" panose="020B0604020202020204" pitchFamily="34" charset="0"/>
+                </a:endParaRPr>
+              </a:p>
+            </p:txBody>
+          </p:sp>
+          <p:sp>
+            <p:nvSpPr>
+              <p:cNvPr id="57" name="TextBox 56"/>
+              <p:cNvSpPr txBox="1"/>
+              <p:nvPr/>
+            </p:nvSpPr>
+            <p:spPr>
+              <a:xfrm>
+                <a:off x="3533479" y="1276635"/>
+                <a:ext cx="240053" cy="400110"/>
+              </a:xfrm>
+              <a:prstGeom prst="rect">
+                <a:avLst/>
+              </a:prstGeom>
+              <a:noFill/>
+            </p:spPr>
+            <p:txBody>
+              <a:bodyPr wrap="square" rtlCol="0">
+                <a:spAutoFit/>
+              </a:bodyPr>
+              <a:lstStyle/>
+              <a:p>
+                <a:r>
+                  <a:rPr lang="en-US" sz="2000" dirty="0" smtClean="0">
+                    <a:latin typeface="Arial" panose="020B0604020202020204" pitchFamily="34" charset="0"/>
+                    <a:cs typeface="Arial" panose="020B0604020202020204" pitchFamily="34" charset="0"/>
+                  </a:rPr>
+                  <a:t>-</a:t>
+                </a:r>
+                <a:endParaRPr lang="en-US" sz="2000" dirty="0" smtClean="0">
+                  <a:latin typeface="Arial" panose="020B0604020202020204" pitchFamily="34" charset="0"/>
+                  <a:cs typeface="Arial" panose="020B0604020202020204" pitchFamily="34" charset="0"/>
+                </a:endParaRPr>
+              </a:p>
+            </p:txBody>
+          </p:sp>
+          <p:sp>
+            <p:nvSpPr>
+              <p:cNvPr id="58" name="TextBox 57"/>
+              <p:cNvSpPr txBox="1"/>
+              <p:nvPr/>
+            </p:nvSpPr>
+            <p:spPr>
+              <a:xfrm>
+                <a:off x="3221318" y="1056842"/>
+                <a:ext cx="269626" cy="400110"/>
+              </a:xfrm>
+              <a:prstGeom prst="rect">
+                <a:avLst/>
+              </a:prstGeom>
+              <a:noFill/>
+            </p:spPr>
+            <p:txBody>
+              <a:bodyPr wrap="none" rtlCol="0">
+                <a:spAutoFit/>
+              </a:bodyPr>
+              <a:lstStyle/>
+              <a:p>
+                <a:r>
+                  <a:rPr lang="en-US" sz="2000" dirty="0" smtClean="0">
+                    <a:latin typeface="Arial" panose="020B0604020202020204" pitchFamily="34" charset="0"/>
+                    <a:cs typeface="Arial" panose="020B0604020202020204" pitchFamily="34" charset="0"/>
+                  </a:rPr>
+                  <a:t>-</a:t>
+                </a:r>
+                <a:endParaRPr lang="en-US" sz="2000" dirty="0" smtClean="0">
+                  <a:latin typeface="Arial" panose="020B0604020202020204" pitchFamily="34" charset="0"/>
+                  <a:cs typeface="Arial" panose="020B0604020202020204" pitchFamily="34" charset="0"/>
+                </a:endParaRPr>
+              </a:p>
+            </p:txBody>
+          </p:sp>
+          <p:sp>
+            <p:nvSpPr>
+              <p:cNvPr id="59" name="TextBox 58"/>
+              <p:cNvSpPr txBox="1"/>
+              <p:nvPr/>
+            </p:nvSpPr>
+            <p:spPr>
+              <a:xfrm>
+                <a:off x="3526601" y="1495536"/>
+                <a:ext cx="269626" cy="400110"/>
+              </a:xfrm>
+              <a:prstGeom prst="rect">
+                <a:avLst/>
+              </a:prstGeom>
+              <a:noFill/>
+            </p:spPr>
+            <p:txBody>
+              <a:bodyPr wrap="none" rtlCol="0">
+                <a:spAutoFit/>
+              </a:bodyPr>
+              <a:lstStyle/>
+              <a:p>
+                <a:r>
+                  <a:rPr lang="en-US" sz="2000" dirty="0" smtClean="0">
+                    <a:latin typeface="Arial" panose="020B0604020202020204" pitchFamily="34" charset="0"/>
+                    <a:cs typeface="Arial" panose="020B0604020202020204" pitchFamily="34" charset="0"/>
+                  </a:rPr>
+                  <a:t>-</a:t>
+                </a:r>
+                <a:endParaRPr lang="en-US" sz="2000" dirty="0" smtClean="0">
+                  <a:latin typeface="Arial" panose="020B0604020202020204" pitchFamily="34" charset="0"/>
+                  <a:cs typeface="Arial" panose="020B0604020202020204" pitchFamily="34" charset="0"/>
+                </a:endParaRPr>
+              </a:p>
+            </p:txBody>
+          </p:sp>
+          <p:sp>
+            <p:nvSpPr>
+              <p:cNvPr id="60" name="TextBox 59"/>
+              <p:cNvSpPr txBox="1"/>
+              <p:nvPr/>
+            </p:nvSpPr>
+            <p:spPr>
+              <a:xfrm>
+                <a:off x="3555926" y="1381609"/>
+                <a:ext cx="269626" cy="400110"/>
+              </a:xfrm>
+              <a:prstGeom prst="rect">
+                <a:avLst/>
+              </a:prstGeom>
+              <a:noFill/>
+            </p:spPr>
+            <p:txBody>
+              <a:bodyPr wrap="none" rtlCol="0">
+                <a:spAutoFit/>
+              </a:bodyPr>
+              <a:lstStyle/>
+              <a:p>
+                <a:r>
+                  <a:rPr lang="en-US" sz="2000" dirty="0" smtClean="0">
+                    <a:latin typeface="Arial" panose="020B0604020202020204" pitchFamily="34" charset="0"/>
+                    <a:cs typeface="Arial" panose="020B0604020202020204" pitchFamily="34" charset="0"/>
+                  </a:rPr>
+                  <a:t>-</a:t>
+                </a:r>
+                <a:endParaRPr lang="en-US" sz="2000" dirty="0" smtClean="0">
+                  <a:latin typeface="Arial" panose="020B0604020202020204" pitchFamily="34" charset="0"/>
+                  <a:cs typeface="Arial" panose="020B0604020202020204" pitchFamily="34" charset="0"/>
+                </a:endParaRPr>
+              </a:p>
+            </p:txBody>
+          </p:sp>
+          <p:sp>
+            <p:nvSpPr>
+              <p:cNvPr id="61" name="TextBox 60"/>
+              <p:cNvSpPr txBox="1"/>
+              <p:nvPr/>
+            </p:nvSpPr>
+            <p:spPr>
+              <a:xfrm>
+                <a:off x="2886710" y="1379006"/>
+                <a:ext cx="269626" cy="400110"/>
+              </a:xfrm>
+              <a:prstGeom prst="rect">
+                <a:avLst/>
+              </a:prstGeom>
+              <a:noFill/>
+            </p:spPr>
+            <p:txBody>
+              <a:bodyPr wrap="none" rtlCol="0">
+                <a:spAutoFit/>
+              </a:bodyPr>
+              <a:lstStyle/>
+              <a:p>
+                <a:r>
+                  <a:rPr lang="en-US" sz="2000" dirty="0" smtClean="0">
+                    <a:latin typeface="Arial" panose="020B0604020202020204" pitchFamily="34" charset="0"/>
+                    <a:cs typeface="Arial" panose="020B0604020202020204" pitchFamily="34" charset="0"/>
+                  </a:rPr>
+                  <a:t>-</a:t>
+                </a:r>
+                <a:endParaRPr lang="en-US" sz="2000" dirty="0" smtClean="0">
+                  <a:latin typeface="Arial" panose="020B0604020202020204" pitchFamily="34" charset="0"/>
+                  <a:cs typeface="Arial" panose="020B0604020202020204" pitchFamily="34" charset="0"/>
+                </a:endParaRPr>
+              </a:p>
+            </p:txBody>
+          </p:sp>
+          <p:sp>
+            <p:nvSpPr>
+              <p:cNvPr id="62" name="TextBox 61"/>
+              <p:cNvSpPr txBox="1"/>
+              <p:nvPr/>
+            </p:nvSpPr>
+            <p:spPr>
+              <a:xfrm>
+                <a:off x="3472027" y="1588184"/>
+                <a:ext cx="269626" cy="400110"/>
+              </a:xfrm>
+              <a:prstGeom prst="rect">
+                <a:avLst/>
+              </a:prstGeom>
+              <a:noFill/>
+            </p:spPr>
+            <p:txBody>
+              <a:bodyPr wrap="none" rtlCol="0">
+                <a:spAutoFit/>
+              </a:bodyPr>
+              <a:lstStyle/>
+              <a:p>
+                <a:r>
+                  <a:rPr lang="en-US" sz="2000" dirty="0" smtClean="0">
+                    <a:latin typeface="Arial" panose="020B0604020202020204" pitchFamily="34" charset="0"/>
+                    <a:cs typeface="Arial" panose="020B0604020202020204" pitchFamily="34" charset="0"/>
+                  </a:rPr>
+                  <a:t>-</a:t>
+                </a:r>
+                <a:endParaRPr lang="en-US" sz="2000" dirty="0" smtClean="0">
+                  <a:latin typeface="Arial" panose="020B0604020202020204" pitchFamily="34" charset="0"/>
+                  <a:cs typeface="Arial" panose="020B0604020202020204" pitchFamily="34" charset="0"/>
+                </a:endParaRPr>
+              </a:p>
+            </p:txBody>
+          </p:sp>
+          <p:sp>
+            <p:nvSpPr>
+              <p:cNvPr id="63" name="TextBox 62"/>
+              <p:cNvSpPr txBox="1"/>
+              <p:nvPr/>
+            </p:nvSpPr>
+            <p:spPr>
+              <a:xfrm>
+                <a:off x="3364627" y="1089962"/>
+                <a:ext cx="269626" cy="400110"/>
+              </a:xfrm>
+              <a:prstGeom prst="rect">
+                <a:avLst/>
+              </a:prstGeom>
+              <a:noFill/>
+            </p:spPr>
+            <p:txBody>
+              <a:bodyPr wrap="none" rtlCol="0">
+                <a:spAutoFit/>
+              </a:bodyPr>
+              <a:lstStyle/>
+              <a:p>
+                <a:r>
+                  <a:rPr lang="en-US" sz="2000" dirty="0" smtClean="0">
+                    <a:latin typeface="Arial" panose="020B0604020202020204" pitchFamily="34" charset="0"/>
+                    <a:cs typeface="Arial" panose="020B0604020202020204" pitchFamily="34" charset="0"/>
+                  </a:rPr>
+                  <a:t>-</a:t>
+                </a:r>
+                <a:endParaRPr lang="en-US" sz="2000" dirty="0" smtClean="0">
+                  <a:latin typeface="Arial" panose="020B0604020202020204" pitchFamily="34" charset="0"/>
+                  <a:cs typeface="Arial" panose="020B0604020202020204" pitchFamily="34" charset="0"/>
+                </a:endParaRPr>
+              </a:p>
+            </p:txBody>
+          </p:sp>
+          <p:sp>
+            <p:nvSpPr>
+              <p:cNvPr id="64" name="TextBox 63"/>
+              <p:cNvSpPr txBox="1"/>
+              <p:nvPr/>
+            </p:nvSpPr>
+            <p:spPr>
+              <a:xfrm>
+                <a:off x="2912023" y="1268856"/>
+                <a:ext cx="269626" cy="400110"/>
+              </a:xfrm>
+              <a:prstGeom prst="rect">
+                <a:avLst/>
+              </a:prstGeom>
+              <a:noFill/>
+            </p:spPr>
+            <p:txBody>
+              <a:bodyPr wrap="none" rtlCol="0">
+                <a:spAutoFit/>
+              </a:bodyPr>
+              <a:lstStyle/>
+              <a:p>
+                <a:r>
+                  <a:rPr lang="en-US" sz="2000" dirty="0" smtClean="0">
+                    <a:latin typeface="Arial" panose="020B0604020202020204" pitchFamily="34" charset="0"/>
+                    <a:cs typeface="Arial" panose="020B0604020202020204" pitchFamily="34" charset="0"/>
+                  </a:rPr>
+                  <a:t>-</a:t>
+                </a:r>
+                <a:endParaRPr lang="en-US" sz="2000" dirty="0" smtClean="0">
+                  <a:latin typeface="Arial" panose="020B0604020202020204" pitchFamily="34" charset="0"/>
+                  <a:cs typeface="Arial" panose="020B0604020202020204" pitchFamily="34" charset="0"/>
+                </a:endParaRPr>
+              </a:p>
+            </p:txBody>
+          </p:sp>
+          <p:sp>
+            <p:nvSpPr>
+              <p:cNvPr id="65" name="TextBox 64"/>
+              <p:cNvSpPr txBox="1"/>
+              <p:nvPr/>
+            </p:nvSpPr>
+            <p:spPr>
+              <a:xfrm>
+                <a:off x="3490907" y="1170643"/>
+                <a:ext cx="269626" cy="400110"/>
+              </a:xfrm>
+              <a:prstGeom prst="rect">
+                <a:avLst/>
+              </a:prstGeom>
+              <a:noFill/>
+            </p:spPr>
+            <p:txBody>
+              <a:bodyPr wrap="none" rtlCol="0">
+                <a:spAutoFit/>
+              </a:bodyPr>
+              <a:lstStyle/>
+              <a:p>
+                <a:r>
+                  <a:rPr lang="en-US" sz="2000" dirty="0" smtClean="0">
+                    <a:latin typeface="Arial" panose="020B0604020202020204" pitchFamily="34" charset="0"/>
+                    <a:cs typeface="Arial" panose="020B0604020202020204" pitchFamily="34" charset="0"/>
+                  </a:rPr>
+                  <a:t>-</a:t>
+                </a:r>
+                <a:endParaRPr lang="en-US" sz="2000" dirty="0" smtClean="0">
+                  <a:latin typeface="Arial" panose="020B0604020202020204" pitchFamily="34" charset="0"/>
+                  <a:cs typeface="Arial" panose="020B0604020202020204" pitchFamily="34" charset="0"/>
+                </a:endParaRPr>
+              </a:p>
+            </p:txBody>
+          </p:sp>
+        </p:grpSp>
+        <p:sp>
+          <p:nvSpPr>
+            <p:cNvPr id="67" name="Oval 66"/>
+            <p:cNvSpPr/>
+            <p:nvPr/>
+          </p:nvSpPr>
+          <p:spPr>
+            <a:xfrm>
+              <a:off x="1467735" y="671511"/>
+              <a:ext cx="529554" cy="550227"/>
+            </a:xfrm>
+            <a:prstGeom prst="ellipse">
+              <a:avLst/>
+            </a:prstGeom>
+            <a:noFill/>
+            <a:ln w="38100">
+              <a:solidFill>
+                <a:schemeClr val="tx1"/>
+              </a:solidFill>
+            </a:ln>
+          </p:spPr>
+          <p:style>
+            <a:lnRef idx="2">
+              <a:schemeClr val="accent1">
+                <a:shade val="50000"/>
+              </a:schemeClr>
+            </a:lnRef>
+            <a:fillRef idx="1">
+              <a:schemeClr val="accent1"/>
+            </a:fillRef>
+            <a:effectRef idx="0">
+              <a:schemeClr val="accent1"/>
+            </a:effectRef>
+            <a:fontRef idx="minor">
+              <a:schemeClr val="lt1"/>
+            </a:fontRef>
+          </p:style>
+          <p:txBody>
+            <a:bodyPr rtlCol="0" anchor="ctr"/>
+            <a:lstStyle/>
+            <a:p>
+              <a:pPr algn="ctr"/>
+              <a:endParaRPr lang="en-US"/>
+            </a:p>
+          </p:txBody>
+        </p:sp>
+        <p:grpSp>
+          <p:nvGrpSpPr>
+            <p:cNvPr id="84" name="Group 83"/>
+            <p:cNvGrpSpPr/>
+            <p:nvPr/>
+          </p:nvGrpSpPr>
+          <p:grpSpPr>
+            <a:xfrm>
+              <a:off x="2612611" y="420042"/>
+              <a:ext cx="1351184" cy="1040739"/>
+              <a:chOff x="2891320" y="1056842"/>
+              <a:chExt cx="1351184" cy="1040739"/>
+            </a:xfrm>
+          </p:grpSpPr>
+          <p:sp>
+            <p:nvSpPr>
+              <p:cNvPr id="85" name="Oval 84"/>
+              <p:cNvSpPr/>
+              <p:nvPr/>
+            </p:nvSpPr>
+            <p:spPr>
+              <a:xfrm>
+                <a:off x="3091354" y="1325179"/>
+                <a:ext cx="529554" cy="550227"/>
+              </a:xfrm>
+              <a:prstGeom prst="ellipse">
+                <a:avLst/>
+              </a:prstGeom>
+              <a:noFill/>
+              <a:ln w="38100">
+                <a:solidFill>
+                  <a:schemeClr val="tx1"/>
+                </a:solidFill>
+              </a:ln>
+            </p:spPr>
+            <p:style>
+              <a:lnRef idx="2">
+                <a:schemeClr val="accent1">
+                  <a:shade val="50000"/>
+                </a:schemeClr>
+              </a:lnRef>
+              <a:fillRef idx="1">
+                <a:schemeClr val="accent1"/>
+              </a:fillRef>
+              <a:effectRef idx="0">
+                <a:schemeClr val="accent1"/>
+              </a:effectRef>
+              <a:fontRef idx="minor">
+                <a:schemeClr val="lt1"/>
+              </a:fontRef>
+            </p:style>
+            <p:txBody>
+              <a:bodyPr rtlCol="0" anchor="ctr"/>
+              <a:lstStyle/>
+              <a:p>
+                <a:pPr algn="ctr"/>
+                <a:endParaRPr lang="en-US"/>
+              </a:p>
+            </p:txBody>
+          </p:sp>
+          <p:sp>
+            <p:nvSpPr>
+              <p:cNvPr id="86" name="TextBox 85"/>
+              <p:cNvSpPr txBox="1"/>
+              <p:nvPr/>
+            </p:nvSpPr>
+            <p:spPr>
+              <a:xfrm>
+                <a:off x="3221318" y="1697471"/>
+                <a:ext cx="269626" cy="400110"/>
+              </a:xfrm>
+              <a:prstGeom prst="rect">
+                <a:avLst/>
+              </a:prstGeom>
+              <a:noFill/>
+            </p:spPr>
+            <p:txBody>
+              <a:bodyPr wrap="none" rtlCol="0">
+                <a:spAutoFit/>
+              </a:bodyPr>
+              <a:lstStyle/>
+              <a:p>
+                <a:r>
+                  <a:rPr lang="en-US" sz="2000" dirty="0" smtClean="0">
+                    <a:latin typeface="Arial" panose="020B0604020202020204" pitchFamily="34" charset="0"/>
+                    <a:cs typeface="Arial" panose="020B0604020202020204" pitchFamily="34" charset="0"/>
+                  </a:rPr>
+                  <a:t>-</a:t>
+                </a:r>
+                <a:endParaRPr lang="en-US" sz="2000" dirty="0" smtClean="0">
+                  <a:latin typeface="Arial" panose="020B0604020202020204" pitchFamily="34" charset="0"/>
+                  <a:cs typeface="Arial" panose="020B0604020202020204" pitchFamily="34" charset="0"/>
+                </a:endParaRPr>
+              </a:p>
+            </p:txBody>
+          </p:sp>
+          <p:sp>
+            <p:nvSpPr>
+              <p:cNvPr id="87" name="TextBox 86"/>
+              <p:cNvSpPr txBox="1"/>
+              <p:nvPr/>
+            </p:nvSpPr>
+            <p:spPr>
+              <a:xfrm>
+                <a:off x="2970609" y="1577160"/>
+                <a:ext cx="269626" cy="400110"/>
+              </a:xfrm>
+              <a:prstGeom prst="rect">
+                <a:avLst/>
+              </a:prstGeom>
+              <a:noFill/>
+            </p:spPr>
+            <p:txBody>
+              <a:bodyPr wrap="none" rtlCol="0">
+                <a:spAutoFit/>
+              </a:bodyPr>
+              <a:lstStyle/>
+              <a:p>
+                <a:r>
+                  <a:rPr lang="en-US" sz="2000" dirty="0" smtClean="0">
+                    <a:latin typeface="Arial" panose="020B0604020202020204" pitchFamily="34" charset="0"/>
+                    <a:cs typeface="Arial" panose="020B0604020202020204" pitchFamily="34" charset="0"/>
+                  </a:rPr>
+                  <a:t>-</a:t>
+                </a:r>
+                <a:endParaRPr lang="en-US" sz="2000" dirty="0" smtClean="0">
+                  <a:latin typeface="Arial" panose="020B0604020202020204" pitchFamily="34" charset="0"/>
+                  <a:cs typeface="Arial" panose="020B0604020202020204" pitchFamily="34" charset="0"/>
+                </a:endParaRPr>
+              </a:p>
+            </p:txBody>
+          </p:sp>
+          <p:sp>
+            <p:nvSpPr>
+              <p:cNvPr id="88" name="TextBox 87"/>
+              <p:cNvSpPr txBox="1"/>
+              <p:nvPr/>
+            </p:nvSpPr>
+            <p:spPr>
+              <a:xfrm>
+                <a:off x="3972878" y="1584967"/>
+                <a:ext cx="269626" cy="400110"/>
+              </a:xfrm>
+              <a:prstGeom prst="rect">
+                <a:avLst/>
+              </a:prstGeom>
+              <a:noFill/>
+            </p:spPr>
+            <p:txBody>
+              <a:bodyPr wrap="none" rtlCol="0">
+                <a:spAutoFit/>
+              </a:bodyPr>
+              <a:lstStyle/>
+              <a:p>
+                <a:r>
+                  <a:rPr lang="en-US" sz="2000" dirty="0" smtClean="0">
+                    <a:latin typeface="Arial" panose="020B0604020202020204" pitchFamily="34" charset="0"/>
+                    <a:cs typeface="Arial" panose="020B0604020202020204" pitchFamily="34" charset="0"/>
+                  </a:rPr>
+                  <a:t>-</a:t>
+                </a:r>
+                <a:endParaRPr lang="en-US" sz="2000" dirty="0" smtClean="0">
+                  <a:latin typeface="Arial" panose="020B0604020202020204" pitchFamily="34" charset="0"/>
+                  <a:cs typeface="Arial" panose="020B0604020202020204" pitchFamily="34" charset="0"/>
+                </a:endParaRPr>
+              </a:p>
+            </p:txBody>
+          </p:sp>
+          <p:sp>
+            <p:nvSpPr>
+              <p:cNvPr id="89" name="TextBox 88"/>
+              <p:cNvSpPr txBox="1"/>
+              <p:nvPr/>
+            </p:nvSpPr>
+            <p:spPr>
+              <a:xfrm>
+                <a:off x="3495687" y="1595413"/>
+                <a:ext cx="269626" cy="400110"/>
+              </a:xfrm>
+              <a:prstGeom prst="rect">
+                <a:avLst/>
+              </a:prstGeom>
+              <a:noFill/>
+            </p:spPr>
+            <p:txBody>
+              <a:bodyPr wrap="none" rtlCol="0">
+                <a:spAutoFit/>
+              </a:bodyPr>
+              <a:lstStyle/>
+              <a:p>
+                <a:r>
+                  <a:rPr lang="en-US" sz="2000" dirty="0" smtClean="0">
+                    <a:latin typeface="Arial" panose="020B0604020202020204" pitchFamily="34" charset="0"/>
+                    <a:cs typeface="Arial" panose="020B0604020202020204" pitchFamily="34" charset="0"/>
+                  </a:rPr>
+                  <a:t>-</a:t>
+                </a:r>
+                <a:endParaRPr lang="en-US" sz="2000" dirty="0" smtClean="0">
+                  <a:latin typeface="Arial" panose="020B0604020202020204" pitchFamily="34" charset="0"/>
+                  <a:cs typeface="Arial" panose="020B0604020202020204" pitchFamily="34" charset="0"/>
+                </a:endParaRPr>
+              </a:p>
+            </p:txBody>
+          </p:sp>
+          <p:sp>
+            <p:nvSpPr>
+              <p:cNvPr id="90" name="TextBox 89"/>
+              <p:cNvSpPr txBox="1"/>
+              <p:nvPr/>
+            </p:nvSpPr>
+            <p:spPr>
+              <a:xfrm>
+                <a:off x="2962176" y="1180852"/>
+                <a:ext cx="269626" cy="400110"/>
+              </a:xfrm>
+              <a:prstGeom prst="rect">
+                <a:avLst/>
+              </a:prstGeom>
+              <a:noFill/>
+            </p:spPr>
+            <p:txBody>
+              <a:bodyPr wrap="none" rtlCol="0">
+                <a:spAutoFit/>
+              </a:bodyPr>
+              <a:lstStyle/>
+              <a:p>
+                <a:r>
+                  <a:rPr lang="en-US" sz="2000" dirty="0" smtClean="0">
+                    <a:latin typeface="Arial" panose="020B0604020202020204" pitchFamily="34" charset="0"/>
+                    <a:cs typeface="Arial" panose="020B0604020202020204" pitchFamily="34" charset="0"/>
+                  </a:rPr>
+                  <a:t>-</a:t>
+                </a:r>
+                <a:endParaRPr lang="en-US" sz="2000" dirty="0" smtClean="0">
+                  <a:latin typeface="Arial" panose="020B0604020202020204" pitchFamily="34" charset="0"/>
+                  <a:cs typeface="Arial" panose="020B0604020202020204" pitchFamily="34" charset="0"/>
+                </a:endParaRPr>
+              </a:p>
+            </p:txBody>
+          </p:sp>
+          <p:sp>
+            <p:nvSpPr>
+              <p:cNvPr id="94" name="TextBox 93"/>
+              <p:cNvSpPr txBox="1"/>
+              <p:nvPr/>
+            </p:nvSpPr>
+            <p:spPr>
+              <a:xfrm>
+                <a:off x="3221318" y="1056842"/>
+                <a:ext cx="269626" cy="400110"/>
+              </a:xfrm>
+              <a:prstGeom prst="rect">
+                <a:avLst/>
+              </a:prstGeom>
+              <a:noFill/>
+            </p:spPr>
+            <p:txBody>
+              <a:bodyPr wrap="none" rtlCol="0">
+                <a:spAutoFit/>
+              </a:bodyPr>
+              <a:lstStyle/>
+              <a:p>
+                <a:r>
+                  <a:rPr lang="en-US" sz="2000" dirty="0" smtClean="0">
+                    <a:latin typeface="Arial" panose="020B0604020202020204" pitchFamily="34" charset="0"/>
+                    <a:cs typeface="Arial" panose="020B0604020202020204" pitchFamily="34" charset="0"/>
+                  </a:rPr>
+                  <a:t>-</a:t>
+                </a:r>
+                <a:endParaRPr lang="en-US" sz="2000" dirty="0" smtClean="0">
+                  <a:latin typeface="Arial" panose="020B0604020202020204" pitchFamily="34" charset="0"/>
+                  <a:cs typeface="Arial" panose="020B0604020202020204" pitchFamily="34" charset="0"/>
+                </a:endParaRPr>
+              </a:p>
+            </p:txBody>
+          </p:sp>
+          <p:sp>
+            <p:nvSpPr>
+              <p:cNvPr id="97" name="TextBox 96"/>
+              <p:cNvSpPr txBox="1"/>
+              <p:nvPr/>
+            </p:nvSpPr>
+            <p:spPr>
+              <a:xfrm>
+                <a:off x="2891320" y="1367398"/>
+                <a:ext cx="269626" cy="400110"/>
+              </a:xfrm>
+              <a:prstGeom prst="rect">
+                <a:avLst/>
+              </a:prstGeom>
+              <a:noFill/>
+            </p:spPr>
+            <p:txBody>
+              <a:bodyPr wrap="none" rtlCol="0">
+                <a:spAutoFit/>
+              </a:bodyPr>
+              <a:lstStyle/>
+              <a:p>
+                <a:r>
+                  <a:rPr lang="en-US" sz="2000" dirty="0" smtClean="0">
+                    <a:latin typeface="Arial" panose="020B0604020202020204" pitchFamily="34" charset="0"/>
+                    <a:cs typeface="Arial" panose="020B0604020202020204" pitchFamily="34" charset="0"/>
+                  </a:rPr>
+                  <a:t>-</a:t>
+                </a:r>
+                <a:endParaRPr lang="en-US" sz="2000" dirty="0" smtClean="0">
+                  <a:latin typeface="Arial" panose="020B0604020202020204" pitchFamily="34" charset="0"/>
+                  <a:cs typeface="Arial" panose="020B0604020202020204" pitchFamily="34" charset="0"/>
+                </a:endParaRPr>
+              </a:p>
+            </p:txBody>
+          </p:sp>
+          <p:sp>
+            <p:nvSpPr>
+              <p:cNvPr id="99" name="TextBox 98"/>
+              <p:cNvSpPr txBox="1"/>
+              <p:nvPr/>
+            </p:nvSpPr>
+            <p:spPr>
+              <a:xfrm>
+                <a:off x="3571580" y="1325179"/>
+                <a:ext cx="269626" cy="400110"/>
+              </a:xfrm>
+              <a:prstGeom prst="rect">
+                <a:avLst/>
+              </a:prstGeom>
+              <a:noFill/>
+            </p:spPr>
+            <p:txBody>
+              <a:bodyPr wrap="none" rtlCol="0">
+                <a:spAutoFit/>
+              </a:bodyPr>
+              <a:lstStyle/>
+              <a:p>
+                <a:r>
+                  <a:rPr lang="en-US" sz="2000" dirty="0" smtClean="0">
+                    <a:latin typeface="Arial" panose="020B0604020202020204" pitchFamily="34" charset="0"/>
+                    <a:cs typeface="Arial" panose="020B0604020202020204" pitchFamily="34" charset="0"/>
+                  </a:rPr>
+                  <a:t>-</a:t>
+                </a:r>
+                <a:endParaRPr lang="en-US" sz="2000" dirty="0" smtClean="0">
+                  <a:latin typeface="Arial" panose="020B0604020202020204" pitchFamily="34" charset="0"/>
+                  <a:cs typeface="Arial" panose="020B0604020202020204" pitchFamily="34" charset="0"/>
+                </a:endParaRPr>
+              </a:p>
+            </p:txBody>
+          </p:sp>
+        </p:grpSp>
+        <p:cxnSp>
+          <p:nvCxnSpPr>
+            <p:cNvPr id="120" name="Straight Connector 119"/>
+            <p:cNvCxnSpPr/>
+            <p:nvPr/>
+          </p:nvCxnSpPr>
+          <p:spPr>
+            <a:xfrm flipH="1">
+              <a:off x="2409048" y="209786"/>
+              <a:ext cx="10632" cy="1727785"/>
+            </a:xfrm>
+            <a:prstGeom prst="line">
+              <a:avLst/>
+            </a:prstGeom>
+            <a:ln w="38100">
+              <a:solidFill>
+                <a:schemeClr val="tx1"/>
+              </a:solidFill>
+              <a:prstDash val="dash"/>
+            </a:ln>
+          </p:spPr>
+          <p:style>
+            <a:lnRef idx="1">
+              <a:schemeClr val="accent1"/>
+            </a:lnRef>
+            <a:fillRef idx="0">
+              <a:schemeClr val="accent1"/>
+            </a:fillRef>
+            <a:effectRef idx="0">
+              <a:schemeClr val="accent1"/>
+            </a:effectRef>
+            <a:fontRef idx="minor">
+              <a:schemeClr val="tx1"/>
+            </a:fontRef>
+          </p:style>
+        </p:cxnSp>
+        <p:grpSp>
+          <p:nvGrpSpPr>
+            <p:cNvPr id="121" name="Group 120"/>
+            <p:cNvGrpSpPr/>
+            <p:nvPr/>
+          </p:nvGrpSpPr>
+          <p:grpSpPr>
+            <a:xfrm>
+              <a:off x="3208935" y="410283"/>
+              <a:ext cx="1351792" cy="1040739"/>
+              <a:chOff x="2478650" y="1056842"/>
+              <a:chExt cx="1351792" cy="1040739"/>
+            </a:xfrm>
+          </p:grpSpPr>
+          <p:sp>
+            <p:nvSpPr>
+              <p:cNvPr id="122" name="Oval 121"/>
+              <p:cNvSpPr/>
+              <p:nvPr/>
+            </p:nvSpPr>
+            <p:spPr>
+              <a:xfrm>
+                <a:off x="3091354" y="1325179"/>
+                <a:ext cx="529554" cy="550227"/>
+              </a:xfrm>
+              <a:prstGeom prst="ellipse">
+                <a:avLst/>
+              </a:prstGeom>
+              <a:noFill/>
+              <a:ln w="38100">
+                <a:solidFill>
+                  <a:schemeClr val="tx1"/>
+                </a:solidFill>
+              </a:ln>
+            </p:spPr>
+            <p:style>
+              <a:lnRef idx="2">
+                <a:schemeClr val="accent1">
+                  <a:shade val="50000"/>
+                </a:schemeClr>
+              </a:lnRef>
+              <a:fillRef idx="1">
+                <a:schemeClr val="accent1"/>
+              </a:fillRef>
+              <a:effectRef idx="0">
+                <a:schemeClr val="accent1"/>
+              </a:effectRef>
+              <a:fontRef idx="minor">
+                <a:schemeClr val="lt1"/>
+              </a:fontRef>
+            </p:style>
+            <p:txBody>
+              <a:bodyPr rtlCol="0" anchor="ctr"/>
+              <a:lstStyle/>
+              <a:p>
+                <a:pPr algn="ctr"/>
+                <a:endParaRPr lang="en-US"/>
+              </a:p>
+            </p:txBody>
+          </p:sp>
+          <p:sp>
+            <p:nvSpPr>
+              <p:cNvPr id="123" name="TextBox 122"/>
+              <p:cNvSpPr txBox="1"/>
+              <p:nvPr/>
+            </p:nvSpPr>
+            <p:spPr>
+              <a:xfrm>
+                <a:off x="3221318" y="1697471"/>
+                <a:ext cx="269626" cy="400110"/>
+              </a:xfrm>
+              <a:prstGeom prst="rect">
+                <a:avLst/>
+              </a:prstGeom>
+              <a:noFill/>
+            </p:spPr>
+            <p:txBody>
+              <a:bodyPr wrap="none" rtlCol="0">
+                <a:spAutoFit/>
+              </a:bodyPr>
+              <a:lstStyle/>
+              <a:p>
+                <a:r>
+                  <a:rPr lang="en-US" sz="2000" dirty="0" smtClean="0">
+                    <a:latin typeface="Arial" panose="020B0604020202020204" pitchFamily="34" charset="0"/>
+                    <a:cs typeface="Arial" panose="020B0604020202020204" pitchFamily="34" charset="0"/>
+                  </a:rPr>
+                  <a:t>-</a:t>
+                </a:r>
+                <a:endParaRPr lang="en-US" sz="2000" dirty="0" smtClean="0">
+                  <a:latin typeface="Arial" panose="020B0604020202020204" pitchFamily="34" charset="0"/>
+                  <a:cs typeface="Arial" panose="020B0604020202020204" pitchFamily="34" charset="0"/>
+                </a:endParaRPr>
+              </a:p>
+            </p:txBody>
+          </p:sp>
+          <p:sp>
+            <p:nvSpPr>
+              <p:cNvPr id="124" name="TextBox 123"/>
+              <p:cNvSpPr txBox="1"/>
+              <p:nvPr/>
+            </p:nvSpPr>
+            <p:spPr>
+              <a:xfrm>
+                <a:off x="2982748" y="1141167"/>
+                <a:ext cx="269626" cy="400110"/>
+              </a:xfrm>
+              <a:prstGeom prst="rect">
+                <a:avLst/>
+              </a:prstGeom>
+              <a:noFill/>
+            </p:spPr>
+            <p:txBody>
+              <a:bodyPr wrap="none" rtlCol="0">
+                <a:spAutoFit/>
+              </a:bodyPr>
+              <a:lstStyle/>
+              <a:p>
+                <a:r>
+                  <a:rPr lang="en-US" sz="2000" dirty="0" smtClean="0">
+                    <a:latin typeface="Arial" panose="020B0604020202020204" pitchFamily="34" charset="0"/>
+                    <a:cs typeface="Arial" panose="020B0604020202020204" pitchFamily="34" charset="0"/>
+                  </a:rPr>
+                  <a:t>-</a:t>
+                </a:r>
+                <a:endParaRPr lang="en-US" sz="2000" dirty="0" smtClean="0">
+                  <a:latin typeface="Arial" panose="020B0604020202020204" pitchFamily="34" charset="0"/>
+                  <a:cs typeface="Arial" panose="020B0604020202020204" pitchFamily="34" charset="0"/>
+                </a:endParaRPr>
+              </a:p>
+            </p:txBody>
+          </p:sp>
+          <p:sp>
+            <p:nvSpPr>
+              <p:cNvPr id="125" name="TextBox 124"/>
+              <p:cNvSpPr txBox="1"/>
+              <p:nvPr/>
+            </p:nvSpPr>
+            <p:spPr>
+              <a:xfrm>
+                <a:off x="3560816" y="1363822"/>
+                <a:ext cx="269626" cy="400110"/>
+              </a:xfrm>
+              <a:prstGeom prst="rect">
+                <a:avLst/>
+              </a:prstGeom>
+              <a:noFill/>
+            </p:spPr>
+            <p:txBody>
+              <a:bodyPr wrap="none" rtlCol="0">
+                <a:spAutoFit/>
+              </a:bodyPr>
+              <a:lstStyle/>
+              <a:p>
+                <a:r>
+                  <a:rPr lang="en-US" sz="2000" dirty="0" smtClean="0">
+                    <a:latin typeface="Arial" panose="020B0604020202020204" pitchFamily="34" charset="0"/>
+                    <a:cs typeface="Arial" panose="020B0604020202020204" pitchFamily="34" charset="0"/>
+                  </a:rPr>
+                  <a:t>-</a:t>
+                </a:r>
+                <a:endParaRPr lang="en-US" sz="2000" dirty="0" smtClean="0">
+                  <a:latin typeface="Arial" panose="020B0604020202020204" pitchFamily="34" charset="0"/>
+                  <a:cs typeface="Arial" panose="020B0604020202020204" pitchFamily="34" charset="0"/>
+                </a:endParaRPr>
+              </a:p>
+            </p:txBody>
+          </p:sp>
+          <p:sp>
+            <p:nvSpPr>
+              <p:cNvPr id="126" name="TextBox 125"/>
+              <p:cNvSpPr txBox="1"/>
+              <p:nvPr/>
+            </p:nvSpPr>
+            <p:spPr>
+              <a:xfrm>
+                <a:off x="3457957" y="1607142"/>
+                <a:ext cx="269626" cy="400110"/>
+              </a:xfrm>
+              <a:prstGeom prst="rect">
+                <a:avLst/>
+              </a:prstGeom>
+              <a:noFill/>
+            </p:spPr>
+            <p:txBody>
+              <a:bodyPr wrap="none" rtlCol="0">
+                <a:spAutoFit/>
+              </a:bodyPr>
+              <a:lstStyle/>
+              <a:p>
+                <a:r>
+                  <a:rPr lang="en-US" sz="2000" dirty="0" smtClean="0">
+                    <a:latin typeface="Arial" panose="020B0604020202020204" pitchFamily="34" charset="0"/>
+                    <a:cs typeface="Arial" panose="020B0604020202020204" pitchFamily="34" charset="0"/>
+                  </a:rPr>
+                  <a:t>-</a:t>
+                </a:r>
+                <a:endParaRPr lang="en-US" sz="2000" dirty="0" smtClean="0">
+                  <a:latin typeface="Arial" panose="020B0604020202020204" pitchFamily="34" charset="0"/>
+                  <a:cs typeface="Arial" panose="020B0604020202020204" pitchFamily="34" charset="0"/>
+                </a:endParaRPr>
+              </a:p>
+            </p:txBody>
+          </p:sp>
+          <p:sp>
+            <p:nvSpPr>
+              <p:cNvPr id="127" name="TextBox 126"/>
+              <p:cNvSpPr txBox="1"/>
+              <p:nvPr/>
+            </p:nvSpPr>
+            <p:spPr>
+              <a:xfrm>
+                <a:off x="2881820" y="1327387"/>
+                <a:ext cx="269626" cy="400110"/>
+              </a:xfrm>
+              <a:prstGeom prst="rect">
+                <a:avLst/>
+              </a:prstGeom>
+              <a:noFill/>
+            </p:spPr>
+            <p:txBody>
+              <a:bodyPr wrap="none" rtlCol="0">
+                <a:spAutoFit/>
+              </a:bodyPr>
+              <a:lstStyle/>
+              <a:p>
+                <a:r>
+                  <a:rPr lang="en-US" sz="2000" dirty="0" smtClean="0">
+                    <a:latin typeface="Arial" panose="020B0604020202020204" pitchFamily="34" charset="0"/>
+                    <a:cs typeface="Arial" panose="020B0604020202020204" pitchFamily="34" charset="0"/>
+                  </a:rPr>
+                  <a:t>-</a:t>
+                </a:r>
+                <a:endParaRPr lang="en-US" sz="2000" dirty="0" smtClean="0">
+                  <a:latin typeface="Arial" panose="020B0604020202020204" pitchFamily="34" charset="0"/>
+                  <a:cs typeface="Arial" panose="020B0604020202020204" pitchFamily="34" charset="0"/>
+                </a:endParaRPr>
+              </a:p>
+            </p:txBody>
+          </p:sp>
+          <p:sp>
+            <p:nvSpPr>
+              <p:cNvPr id="128" name="TextBox 127"/>
+              <p:cNvSpPr txBox="1"/>
+              <p:nvPr/>
+            </p:nvSpPr>
+            <p:spPr>
+              <a:xfrm>
+                <a:off x="3221318" y="1056842"/>
+                <a:ext cx="269626" cy="400110"/>
+              </a:xfrm>
+              <a:prstGeom prst="rect">
+                <a:avLst/>
+              </a:prstGeom>
+              <a:noFill/>
+            </p:spPr>
+            <p:txBody>
+              <a:bodyPr wrap="none" rtlCol="0">
+                <a:spAutoFit/>
+              </a:bodyPr>
+              <a:lstStyle/>
+              <a:p>
+                <a:r>
+                  <a:rPr lang="en-US" sz="2000" dirty="0" smtClean="0">
+                    <a:latin typeface="Arial" panose="020B0604020202020204" pitchFamily="34" charset="0"/>
+                    <a:cs typeface="Arial" panose="020B0604020202020204" pitchFamily="34" charset="0"/>
+                  </a:rPr>
+                  <a:t>-</a:t>
+                </a:r>
+                <a:endParaRPr lang="en-US" sz="2000" dirty="0" smtClean="0">
+                  <a:latin typeface="Arial" panose="020B0604020202020204" pitchFamily="34" charset="0"/>
+                  <a:cs typeface="Arial" panose="020B0604020202020204" pitchFamily="34" charset="0"/>
+                </a:endParaRPr>
+              </a:p>
+            </p:txBody>
+          </p:sp>
+          <p:sp>
+            <p:nvSpPr>
+              <p:cNvPr id="129" name="TextBox 128"/>
+              <p:cNvSpPr txBox="1"/>
+              <p:nvPr/>
+            </p:nvSpPr>
+            <p:spPr>
+              <a:xfrm>
+                <a:off x="2478650" y="1132899"/>
+                <a:ext cx="269626" cy="400110"/>
+              </a:xfrm>
+              <a:prstGeom prst="rect">
+                <a:avLst/>
+              </a:prstGeom>
+              <a:noFill/>
+            </p:spPr>
+            <p:txBody>
+              <a:bodyPr wrap="none" rtlCol="0">
+                <a:spAutoFit/>
+              </a:bodyPr>
+              <a:lstStyle/>
+              <a:p>
+                <a:r>
+                  <a:rPr lang="en-US" sz="2000" dirty="0" smtClean="0">
+                    <a:latin typeface="Arial" panose="020B0604020202020204" pitchFamily="34" charset="0"/>
+                    <a:cs typeface="Arial" panose="020B0604020202020204" pitchFamily="34" charset="0"/>
+                  </a:rPr>
+                  <a:t>-</a:t>
+                </a:r>
+                <a:endParaRPr lang="en-US" sz="2000" dirty="0" smtClean="0">
+                  <a:latin typeface="Arial" panose="020B0604020202020204" pitchFamily="34" charset="0"/>
+                  <a:cs typeface="Arial" panose="020B0604020202020204" pitchFamily="34" charset="0"/>
+                </a:endParaRPr>
+              </a:p>
+            </p:txBody>
+          </p:sp>
+          <p:sp>
+            <p:nvSpPr>
+              <p:cNvPr id="130" name="TextBox 129"/>
+              <p:cNvSpPr txBox="1"/>
+              <p:nvPr/>
+            </p:nvSpPr>
+            <p:spPr>
+              <a:xfrm>
+                <a:off x="3457957" y="1141647"/>
+                <a:ext cx="269626" cy="400110"/>
+              </a:xfrm>
+              <a:prstGeom prst="rect">
+                <a:avLst/>
+              </a:prstGeom>
+              <a:noFill/>
+            </p:spPr>
+            <p:txBody>
+              <a:bodyPr wrap="none" rtlCol="0">
+                <a:spAutoFit/>
+              </a:bodyPr>
+              <a:lstStyle/>
+              <a:p>
+                <a:r>
+                  <a:rPr lang="en-US" sz="2000" dirty="0" smtClean="0">
+                    <a:latin typeface="Arial" panose="020B0604020202020204" pitchFamily="34" charset="0"/>
+                    <a:cs typeface="Arial" panose="020B0604020202020204" pitchFamily="34" charset="0"/>
+                  </a:rPr>
+                  <a:t>-</a:t>
+                </a:r>
+                <a:endParaRPr lang="en-US" sz="2000" dirty="0" smtClean="0">
+                  <a:latin typeface="Arial" panose="020B0604020202020204" pitchFamily="34" charset="0"/>
+                  <a:cs typeface="Arial" panose="020B0604020202020204" pitchFamily="34" charset="0"/>
+                </a:endParaRPr>
+              </a:p>
+            </p:txBody>
+          </p:sp>
+        </p:grpSp>
+        <p:cxnSp>
+          <p:nvCxnSpPr>
+            <p:cNvPr id="132" name="Straight Connector 131"/>
+            <p:cNvCxnSpPr>
+              <a:stCxn id="85" idx="6"/>
+              <a:endCxn id="122" idx="2"/>
+            </p:cNvCxnSpPr>
+            <p:nvPr/>
+          </p:nvCxnSpPr>
+          <p:spPr>
+            <a:xfrm flipV="1">
+              <a:off x="3342199" y="953734"/>
+              <a:ext cx="479440" cy="9759"/>
+            </a:xfrm>
+            <a:prstGeom prst="line">
+              <a:avLst/>
+            </a:prstGeom>
+            <a:ln w="38100">
+              <a:solidFill>
+                <a:schemeClr val="tx1"/>
+              </a:solidFill>
+            </a:ln>
+          </p:spPr>
+          <p:style>
+            <a:lnRef idx="1">
+              <a:schemeClr val="accent1"/>
+            </a:lnRef>
+            <a:fillRef idx="0">
+              <a:schemeClr val="accent1"/>
+            </a:fillRef>
+            <a:effectRef idx="0">
+              <a:schemeClr val="accent1"/>
+            </a:effectRef>
+            <a:fontRef idx="minor">
+              <a:schemeClr val="tx1"/>
+            </a:fontRef>
+          </p:style>
+        </p:cxnSp>
+        <p:cxnSp>
+          <p:nvCxnSpPr>
+            <p:cNvPr id="138" name="Straight Arrow Connector 137"/>
+            <p:cNvCxnSpPr/>
+            <p:nvPr/>
+          </p:nvCxnSpPr>
+          <p:spPr>
+            <a:xfrm>
+              <a:off x="3427684" y="1073678"/>
+              <a:ext cx="361242" cy="0"/>
+            </a:xfrm>
+            <a:prstGeom prst="straightConnector1">
+              <a:avLst/>
+            </a:prstGeom>
+            <a:ln w="38100">
+              <a:solidFill>
+                <a:schemeClr val="tx1"/>
+              </a:solidFill>
+              <a:tailEnd type="triangle"/>
+            </a:ln>
+          </p:spPr>
+          <p:style>
+            <a:lnRef idx="1">
+              <a:schemeClr val="accent1"/>
+            </a:lnRef>
+            <a:fillRef idx="0">
+              <a:schemeClr val="accent1"/>
+            </a:fillRef>
+            <a:effectRef idx="0">
+              <a:schemeClr val="accent1"/>
+            </a:effectRef>
+            <a:fontRef idx="minor">
+              <a:schemeClr val="tx1"/>
+            </a:fontRef>
+          </p:style>
+        </p:cxnSp>
+        <mc:AlternateContent xmlns:mc="http://schemas.openxmlformats.org/markup-compatibility/2006">
+          <mc:Choice xmlns:a14="http://schemas.microsoft.com/office/drawing/2010/main" Requires="a14">
+            <p:sp>
+              <p:nvSpPr>
+                <p:cNvPr id="140" name="TextBox 139"/>
+                <p:cNvSpPr txBox="1"/>
+                <p:nvPr/>
+              </p:nvSpPr>
+              <p:spPr>
+                <a:xfrm>
+                  <a:off x="81803" y="1326713"/>
+                  <a:ext cx="1037272" cy="307777"/>
+                </a:xfrm>
+                <a:prstGeom prst="rect">
+                  <a:avLst/>
+                </a:prstGeom>
+                <a:noFill/>
+              </p:spPr>
+              <p:txBody>
+                <a:bodyPr wrap="none" lIns="0" tIns="0" rIns="0" bIns="0" rtlCol="0">
+                  <a:spAutoFit/>
+                </a:bodyPr>
+                <a:lstStyle/>
+                <a:p>
+                  <a14:m>
+                    <m:oMathPara xmlns:m="http://schemas.openxmlformats.org/officeDocument/2006/math">
+                      <m:oMathParaPr>
+                        <m:jc m:val="centerGroup"/>
+                      </m:oMathParaPr>
+                      <m:oMath xmlns:m="http://schemas.openxmlformats.org/officeDocument/2006/math">
+                        <m:r>
+                          <a:rPr lang="en-US" sz="2000" b="0" i="1" smtClean="0">
+                            <a:latin typeface="Cambria Math" panose="02040503050406030204" pitchFamily="18" charset="0"/>
+                            <a:cs typeface="Arial" panose="020B0604020202020204" pitchFamily="34" charset="0"/>
+                          </a:rPr>
+                          <m:t>𝑐</m:t>
+                        </m:r>
+                        <m:r>
+                          <a:rPr lang="en-US" sz="2000" b="0" i="1" smtClean="0">
+                            <a:latin typeface="Cambria Math" panose="02040503050406030204" pitchFamily="18" charset="0"/>
+                            <a:cs typeface="Arial" panose="020B0604020202020204" pitchFamily="34" charset="0"/>
+                          </a:rPr>
+                          <m:t>h</m:t>
+                        </m:r>
+                        <m:r>
+                          <a:rPr lang="en-US" sz="2000" b="0" i="1" smtClean="0">
+                            <a:latin typeface="Cambria Math" panose="02040503050406030204" pitchFamily="18" charset="0"/>
+                            <a:cs typeface="Arial" panose="020B0604020202020204" pitchFamily="34" charset="0"/>
+                          </a:rPr>
+                          <m:t>𝑎𝑟𝑔𝑒𝑑</m:t>
+                        </m:r>
+                      </m:oMath>
+                    </m:oMathPara>
+                  </a14:m>
+                  <a:endParaRPr lang="en-US" sz="2000" dirty="0" smtClean="0">
+                    <a:latin typeface="Arial" panose="020B0604020202020204" pitchFamily="34" charset="0"/>
+                    <a:cs typeface="Arial" panose="020B0604020202020204" pitchFamily="34" charset="0"/>
+                  </a:endParaRPr>
+                </a:p>
+              </p:txBody>
+            </p:sp>
+          </mc:Choice>
+          <mc:Fallback>
+            <p:sp>
+              <p:nvSpPr>
+                <p:cNvPr id="140" name="TextBox 139"/>
+                <p:cNvSpPr txBox="1">
+                  <a:spLocks noRot="1" noChangeAspect="1" noMove="1" noResize="1" noEditPoints="1" noAdjustHandles="1" noChangeArrowheads="1" noChangeShapeType="1" noTextEdit="1"/>
+                </p:cNvSpPr>
+                <p:nvPr/>
+              </p:nvSpPr>
+              <p:spPr>
+                <a:xfrm>
+                  <a:off x="81803" y="1326713"/>
+                  <a:ext cx="1037272" cy="307777"/>
+                </a:xfrm>
+                <a:prstGeom prst="rect">
+                  <a:avLst/>
+                </a:prstGeom>
+                <a:blipFill>
+                  <a:blip r:embed="rId2"/>
+                  <a:stretch>
+                    <a:fillRect l="-7018" r="-7018" b="-38000"/>
+                  </a:stretch>
+                </a:blipFill>
+              </p:spPr>
+              <p:txBody>
+                <a:bodyPr/>
+                <a:lstStyle/>
+                <a:p>
+                  <a:r>
+                    <a:rPr lang="en-US">
+                      <a:noFill/>
+                    </a:rPr>
+                    <a:t> </a:t>
+                  </a:r>
+                </a:p>
+              </p:txBody>
+            </p:sp>
+          </mc:Fallback>
+        </mc:AlternateContent>
+        <mc:AlternateContent xmlns:mc="http://schemas.openxmlformats.org/markup-compatibility/2006">
+          <mc:Choice xmlns:a14="http://schemas.microsoft.com/office/drawing/2010/main" Requires="a14">
+            <p:sp>
+              <p:nvSpPr>
+                <p:cNvPr id="141" name="TextBox 140"/>
+                <p:cNvSpPr txBox="1"/>
+                <p:nvPr/>
+              </p:nvSpPr>
+              <p:spPr>
+                <a:xfrm>
+                  <a:off x="1266881" y="1323603"/>
+                  <a:ext cx="947503" cy="307777"/>
+                </a:xfrm>
+                <a:prstGeom prst="rect">
+                  <a:avLst/>
+                </a:prstGeom>
+                <a:noFill/>
+              </p:spPr>
+              <p:txBody>
+                <a:bodyPr wrap="none" lIns="0" tIns="0" rIns="0" bIns="0" rtlCol="0">
+                  <a:spAutoFit/>
+                </a:bodyPr>
+                <a:lstStyle/>
+                <a:p>
+                  <a14:m>
+                    <m:oMathPara xmlns:m="http://schemas.openxmlformats.org/officeDocument/2006/math">
+                      <m:oMathParaPr>
+                        <m:jc m:val="centerGroup"/>
+                      </m:oMathParaPr>
+                      <m:oMath xmlns:m="http://schemas.openxmlformats.org/officeDocument/2006/math">
+                        <m:r>
+                          <a:rPr lang="en-US" sz="2000" b="0" i="1" smtClean="0">
+                            <a:latin typeface="Cambria Math" panose="02040503050406030204" pitchFamily="18" charset="0"/>
+                            <a:cs typeface="Arial" panose="020B0604020202020204" pitchFamily="34" charset="0"/>
+                          </a:rPr>
+                          <m:t>𝑛𝑒𝑢𝑡𝑟𝑎𝑙</m:t>
+                        </m:r>
+                      </m:oMath>
+                    </m:oMathPara>
+                  </a14:m>
+                  <a:endParaRPr lang="en-US" sz="2000" dirty="0" smtClean="0">
+                    <a:latin typeface="Arial" panose="020B0604020202020204" pitchFamily="34" charset="0"/>
+                    <a:cs typeface="Arial" panose="020B0604020202020204" pitchFamily="34" charset="0"/>
+                  </a:endParaRPr>
+                </a:p>
+              </p:txBody>
+            </p:sp>
+          </mc:Choice>
+          <mc:Fallback>
+            <p:sp>
+              <p:nvSpPr>
+                <p:cNvPr id="141" name="TextBox 140"/>
+                <p:cNvSpPr txBox="1">
+                  <a:spLocks noRot="1" noChangeAspect="1" noMove="1" noResize="1" noEditPoints="1" noAdjustHandles="1" noChangeArrowheads="1" noChangeShapeType="1" noTextEdit="1"/>
+                </p:cNvSpPr>
+                <p:nvPr/>
+              </p:nvSpPr>
+              <p:spPr>
+                <a:xfrm>
+                  <a:off x="1266881" y="1323603"/>
+                  <a:ext cx="947503" cy="307777"/>
+                </a:xfrm>
+                <a:prstGeom prst="rect">
+                  <a:avLst/>
+                </a:prstGeom>
+                <a:blipFill>
+                  <a:blip r:embed="rId3"/>
+                  <a:stretch>
+                    <a:fillRect l="-5806" r="-5161" b="-9804"/>
+                  </a:stretch>
+                </a:blipFill>
+              </p:spPr>
+              <p:txBody>
+                <a:bodyPr/>
+                <a:lstStyle/>
+                <a:p>
+                  <a:r>
+                    <a:rPr lang="en-US">
+                      <a:noFill/>
+                    </a:rPr>
+                    <a:t> </a:t>
+                  </a:r>
+                </a:p>
+              </p:txBody>
+            </p:sp>
+          </mc:Fallback>
+        </mc:AlternateContent>
+        <mc:AlternateContent xmlns:mc="http://schemas.openxmlformats.org/markup-compatibility/2006">
+          <mc:Choice xmlns:a14="http://schemas.microsoft.com/office/drawing/2010/main" Requires="a14">
+            <p:sp>
+              <p:nvSpPr>
+                <p:cNvPr id="142" name="TextBox 141"/>
+                <p:cNvSpPr txBox="1"/>
+                <p:nvPr/>
+              </p:nvSpPr>
+              <p:spPr>
+                <a:xfrm>
+                  <a:off x="2615865" y="1340470"/>
+                  <a:ext cx="1037272" cy="307777"/>
+                </a:xfrm>
+                <a:prstGeom prst="rect">
+                  <a:avLst/>
+                </a:prstGeom>
+                <a:noFill/>
+              </p:spPr>
+              <p:txBody>
+                <a:bodyPr wrap="none" lIns="0" tIns="0" rIns="0" bIns="0" rtlCol="0">
+                  <a:spAutoFit/>
+                </a:bodyPr>
+                <a:lstStyle/>
+                <a:p>
+                  <a14:m>
+                    <m:oMathPara xmlns:m="http://schemas.openxmlformats.org/officeDocument/2006/math">
+                      <m:oMathParaPr>
+                        <m:jc m:val="centerGroup"/>
+                      </m:oMathParaPr>
+                      <m:oMath xmlns:m="http://schemas.openxmlformats.org/officeDocument/2006/math">
+                        <m:r>
+                          <a:rPr lang="en-US" sz="2000" b="0" i="1" smtClean="0">
+                            <a:latin typeface="Cambria Math" panose="02040503050406030204" pitchFamily="18" charset="0"/>
+                            <a:cs typeface="Arial" panose="020B0604020202020204" pitchFamily="34" charset="0"/>
+                          </a:rPr>
+                          <m:t>𝑐</m:t>
+                        </m:r>
+                        <m:r>
+                          <a:rPr lang="en-US" sz="2000" b="0" i="1" smtClean="0">
+                            <a:latin typeface="Cambria Math" panose="02040503050406030204" pitchFamily="18" charset="0"/>
+                            <a:cs typeface="Arial" panose="020B0604020202020204" pitchFamily="34" charset="0"/>
+                          </a:rPr>
+                          <m:t>h</m:t>
+                        </m:r>
+                        <m:r>
+                          <a:rPr lang="en-US" sz="2000" b="0" i="1" smtClean="0">
+                            <a:latin typeface="Cambria Math" panose="02040503050406030204" pitchFamily="18" charset="0"/>
+                            <a:cs typeface="Arial" panose="020B0604020202020204" pitchFamily="34" charset="0"/>
+                          </a:rPr>
+                          <m:t>𝑎𝑟𝑔𝑒𝑑</m:t>
+                        </m:r>
+                      </m:oMath>
+                    </m:oMathPara>
+                  </a14:m>
+                  <a:endParaRPr lang="en-US" sz="2000" dirty="0" smtClean="0">
+                    <a:latin typeface="Arial" panose="020B0604020202020204" pitchFamily="34" charset="0"/>
+                    <a:cs typeface="Arial" panose="020B0604020202020204" pitchFamily="34" charset="0"/>
+                  </a:endParaRPr>
+                </a:p>
+              </p:txBody>
+            </p:sp>
+          </mc:Choice>
+          <mc:Fallback>
+            <p:sp>
+              <p:nvSpPr>
+                <p:cNvPr id="142" name="TextBox 141"/>
+                <p:cNvSpPr txBox="1">
+                  <a:spLocks noRot="1" noChangeAspect="1" noMove="1" noResize="1" noEditPoints="1" noAdjustHandles="1" noChangeArrowheads="1" noChangeShapeType="1" noTextEdit="1"/>
+                </p:cNvSpPr>
+                <p:nvPr/>
+              </p:nvSpPr>
+              <p:spPr>
+                <a:xfrm>
+                  <a:off x="2615865" y="1340470"/>
+                  <a:ext cx="1037272" cy="307777"/>
+                </a:xfrm>
+                <a:prstGeom prst="rect">
+                  <a:avLst/>
+                </a:prstGeom>
+                <a:blipFill>
+                  <a:blip r:embed="rId4"/>
+                  <a:stretch>
+                    <a:fillRect l="-7059" r="-7647" b="-38000"/>
+                  </a:stretch>
+                </a:blipFill>
+              </p:spPr>
+              <p:txBody>
+                <a:bodyPr/>
+                <a:lstStyle/>
+                <a:p>
+                  <a:r>
+                    <a:rPr lang="en-US">
+                      <a:noFill/>
+                    </a:rPr>
+                    <a:t> </a:t>
+                  </a:r>
+                </a:p>
+              </p:txBody>
+            </p:sp>
+          </mc:Fallback>
+        </mc:AlternateContent>
+        <mc:AlternateContent xmlns:mc="http://schemas.openxmlformats.org/markup-compatibility/2006">
+          <mc:Choice xmlns:a14="http://schemas.microsoft.com/office/drawing/2010/main" Requires="a14">
+            <p:sp>
+              <p:nvSpPr>
+                <p:cNvPr id="143" name="TextBox 142"/>
+                <p:cNvSpPr txBox="1"/>
+                <p:nvPr/>
+              </p:nvSpPr>
+              <p:spPr>
+                <a:xfrm>
+                  <a:off x="3688914" y="1353844"/>
+                  <a:ext cx="1037272" cy="307777"/>
+                </a:xfrm>
+                <a:prstGeom prst="rect">
+                  <a:avLst/>
+                </a:prstGeom>
+                <a:noFill/>
+              </p:spPr>
+              <p:txBody>
+                <a:bodyPr wrap="none" lIns="0" tIns="0" rIns="0" bIns="0" rtlCol="0">
+                  <a:spAutoFit/>
+                </a:bodyPr>
+                <a:lstStyle/>
+                <a:p>
+                  <a14:m>
+                    <m:oMathPara xmlns:m="http://schemas.openxmlformats.org/officeDocument/2006/math">
+                      <m:oMathParaPr>
+                        <m:jc m:val="centerGroup"/>
+                      </m:oMathParaPr>
+                      <m:oMath xmlns:m="http://schemas.openxmlformats.org/officeDocument/2006/math">
+                        <m:r>
+                          <a:rPr lang="en-US" sz="2000" b="0" i="1" smtClean="0">
+                            <a:latin typeface="Cambria Math" panose="02040503050406030204" pitchFamily="18" charset="0"/>
+                            <a:cs typeface="Arial" panose="020B0604020202020204" pitchFamily="34" charset="0"/>
+                          </a:rPr>
+                          <m:t>𝑐</m:t>
+                        </m:r>
+                        <m:r>
+                          <a:rPr lang="en-US" sz="2000" b="0" i="1" smtClean="0">
+                            <a:latin typeface="Cambria Math" panose="02040503050406030204" pitchFamily="18" charset="0"/>
+                            <a:cs typeface="Arial" panose="020B0604020202020204" pitchFamily="34" charset="0"/>
+                          </a:rPr>
+                          <m:t>h</m:t>
+                        </m:r>
+                        <m:r>
+                          <a:rPr lang="en-US" sz="2000" b="0" i="1" smtClean="0">
+                            <a:latin typeface="Cambria Math" panose="02040503050406030204" pitchFamily="18" charset="0"/>
+                            <a:cs typeface="Arial" panose="020B0604020202020204" pitchFamily="34" charset="0"/>
+                          </a:rPr>
+                          <m:t>𝑎𝑟𝑔𝑒𝑑</m:t>
+                        </m:r>
+                      </m:oMath>
+                    </m:oMathPara>
+                  </a14:m>
+                  <a:endParaRPr lang="en-US" sz="2000" dirty="0" smtClean="0">
+                    <a:latin typeface="Arial" panose="020B0604020202020204" pitchFamily="34" charset="0"/>
+                    <a:cs typeface="Arial" panose="020B0604020202020204" pitchFamily="34" charset="0"/>
+                  </a:endParaRPr>
+                </a:p>
+              </p:txBody>
+            </p:sp>
+          </mc:Choice>
+          <mc:Fallback>
+            <p:sp>
+              <p:nvSpPr>
+                <p:cNvPr id="143" name="TextBox 142"/>
+                <p:cNvSpPr txBox="1">
+                  <a:spLocks noRot="1" noChangeAspect="1" noMove="1" noResize="1" noEditPoints="1" noAdjustHandles="1" noChangeArrowheads="1" noChangeShapeType="1" noTextEdit="1"/>
+                </p:cNvSpPr>
+                <p:nvPr/>
+              </p:nvSpPr>
+              <p:spPr>
+                <a:xfrm>
+                  <a:off x="3688914" y="1353844"/>
+                  <a:ext cx="1037272" cy="307777"/>
+                </a:xfrm>
+                <a:prstGeom prst="rect">
+                  <a:avLst/>
+                </a:prstGeom>
+                <a:blipFill>
+                  <a:blip r:embed="rId5"/>
+                  <a:stretch>
+                    <a:fillRect l="-1765" r="-7647" b="-37255"/>
+                  </a:stretch>
+                </a:blipFill>
+              </p:spPr>
+              <p:txBody>
+                <a:bodyPr/>
+                <a:lstStyle/>
+                <a:p>
+                  <a:r>
+                    <a:rPr lang="en-US">
+                      <a:noFill/>
+                    </a:rPr>
+                    <a:t> </a:t>
+                  </a:r>
+                </a:p>
+              </p:txBody>
+            </p:sp>
+          </mc:Fallback>
+        </mc:AlternateContent>
+      </p:grpSp>
+      <p:grpSp>
+        <p:nvGrpSpPr>
+          <p:cNvPr id="172" name="Group 171"/>
+          <p:cNvGrpSpPr/>
+          <p:nvPr/>
+        </p:nvGrpSpPr>
+        <p:grpSpPr>
+          <a:xfrm>
+            <a:off x="1089750" y="2891326"/>
+            <a:ext cx="3643941" cy="1692293"/>
+            <a:chOff x="1089750" y="2891326"/>
+            <a:chExt cx="3643941" cy="1692293"/>
+          </a:xfrm>
+        </p:grpSpPr>
+        <p:sp>
+          <p:nvSpPr>
+            <p:cNvPr id="145" name="Oval 144"/>
+            <p:cNvSpPr/>
+            <p:nvPr/>
+          </p:nvSpPr>
+          <p:spPr>
+            <a:xfrm>
+              <a:off x="2136535" y="3309907"/>
+              <a:ext cx="286439" cy="297455"/>
+            </a:xfrm>
+            <a:prstGeom prst="ellipse">
+              <a:avLst/>
+            </a:prstGeom>
+            <a:solidFill>
+              <a:schemeClr val="tx1"/>
+            </a:solidFill>
+            <a:ln w="38100">
+              <a:solidFill>
+                <a:schemeClr val="tx1"/>
+              </a:solidFill>
+            </a:ln>
+          </p:spPr>
+          <p:txBody>
+            <a:bodyPr rot="0" spcFirstLastPara="0" vertOverflow="overflow" horzOverflow="overflow" vert="horz" wrap="square" lIns="91440" tIns="45720" rIns="91440" bIns="45720" numCol="1" spcCol="0" rtlCol="0" fromWordArt="0" anchor="ctr" anchorCtr="0" forceAA="0" compatLnSpc="1">
+              <a:prstTxWarp prst="textNoShape">
+                <a:avLst/>
+              </a:prstTxWarp>
+              <a:spAutoFit/>
+            </a:bodyPr>
+            <a:lstStyle/>
+            <a:p>
+              <a:pPr marL="234950" indent="-234950" algn="ctr" fontAlgn="t">
+                <a:buFont typeface="Arial" panose="020B0604020202020204" pitchFamily="34" charset="0"/>
+                <a:buChar char="•"/>
+              </a:pPr>
+              <a:endParaRPr lang="en-CA">
+                <a:solidFill>
+                  <a:srgbClr val="353535"/>
+                </a:solidFill>
+                <a:latin typeface="arial" panose="020B0604020202020204" pitchFamily="34" charset="0"/>
+              </a:endParaRPr>
+            </a:p>
+          </p:txBody>
+        </p:sp>
+        <mc:AlternateContent xmlns:mc="http://schemas.openxmlformats.org/markup-compatibility/2006">
+          <mc:Choice xmlns:a14="http://schemas.microsoft.com/office/drawing/2010/main" Requires="a14">
+            <p:sp>
+              <p:nvSpPr>
+                <p:cNvPr id="146" name="Rectangle 145"/>
+                <p:cNvSpPr/>
+                <p:nvPr/>
+              </p:nvSpPr>
+              <p:spPr>
+                <a:xfrm>
+                  <a:off x="2025949" y="2910146"/>
+                  <a:ext cx="487762" cy="369332"/>
+                </a:xfrm>
+                <a:prstGeom prst="rect">
+                  <a:avLst/>
+                </a:prstGeom>
+              </p:spPr>
+              <p:txBody>
+                <a:bodyPr wrap="none">
+                  <a:spAutoFit/>
+                </a:bodyPr>
+                <a:lstStyle/>
+                <a:p>
+                  <a:pPr/>
+                  <a14:m>
+                    <m:oMathPara xmlns:m="http://schemas.openxmlformats.org/officeDocument/2006/math">
+                      <m:oMathParaPr>
+                        <m:jc m:val="centerGroup"/>
+                      </m:oMathParaPr>
+                      <m:oMath xmlns:m="http://schemas.openxmlformats.org/officeDocument/2006/math">
+                        <m:sSub>
+                          <m:sSubPr>
+                            <m:ctrlPr>
+                              <a:rPr lang="en-US" b="0" i="1" smtClean="0">
+                                <a:latin typeface="Cambria Math" panose="02040503050406030204" pitchFamily="18" charset="0"/>
+                                <a:cs typeface="Arial" panose="020B0604020202020204" pitchFamily="34" charset="0"/>
+                              </a:rPr>
+                            </m:ctrlPr>
+                          </m:sSubPr>
+                          <m:e>
+                            <m:r>
+                              <a:rPr lang="en-US" b="0" i="1" smtClean="0">
+                                <a:latin typeface="Cambria Math" panose="02040503050406030204" pitchFamily="18" charset="0"/>
+                                <a:cs typeface="Arial" panose="020B0604020202020204" pitchFamily="34" charset="0"/>
+                              </a:rPr>
+                              <m:t>𝑄</m:t>
+                            </m:r>
+                          </m:e>
+                          <m:sub>
+                            <m:r>
+                              <a:rPr lang="en-US" b="0" i="1" smtClean="0">
+                                <a:latin typeface="Cambria Math" panose="02040503050406030204" pitchFamily="18" charset="0"/>
+                                <a:cs typeface="Arial" panose="020B0604020202020204" pitchFamily="34" charset="0"/>
+                              </a:rPr>
+                              <m:t>1</m:t>
+                            </m:r>
+                          </m:sub>
+                        </m:sSub>
+                      </m:oMath>
+                    </m:oMathPara>
+                  </a14:m>
+                  <a:endParaRPr lang="en-CA" dirty="0"/>
+                </a:p>
+              </p:txBody>
+            </p:sp>
+          </mc:Choice>
+          <mc:Fallback>
+            <p:sp>
+              <p:nvSpPr>
+                <p:cNvPr id="146" name="Rectangle 145"/>
+                <p:cNvSpPr>
+                  <a:spLocks noRot="1" noChangeAspect="1" noMove="1" noResize="1" noEditPoints="1" noAdjustHandles="1" noChangeArrowheads="1" noChangeShapeType="1" noTextEdit="1"/>
+                </p:cNvSpPr>
+                <p:nvPr/>
+              </p:nvSpPr>
+              <p:spPr>
+                <a:xfrm>
+                  <a:off x="2025949" y="2910146"/>
+                  <a:ext cx="487762" cy="369332"/>
+                </a:xfrm>
+                <a:prstGeom prst="rect">
+                  <a:avLst/>
+                </a:prstGeom>
+                <a:blipFill>
+                  <a:blip r:embed="rId6"/>
+                  <a:stretch>
+                    <a:fillRect b="-9836"/>
+                  </a:stretch>
+                </a:blipFill>
+              </p:spPr>
+              <p:txBody>
+                <a:bodyPr/>
+                <a:lstStyle/>
+                <a:p>
+                  <a:r>
+                    <a:rPr lang="en-US">
+                      <a:noFill/>
+                    </a:rPr>
+                    <a:t> </a:t>
+                  </a:r>
+                </a:p>
+              </p:txBody>
+            </p:sp>
+          </mc:Fallback>
+        </mc:AlternateContent>
+        <p:sp>
+          <p:nvSpPr>
+            <p:cNvPr id="147" name="Oval 146"/>
+            <p:cNvSpPr/>
+            <p:nvPr/>
+          </p:nvSpPr>
+          <p:spPr>
+            <a:xfrm>
+              <a:off x="4351193" y="3309907"/>
+              <a:ext cx="286439" cy="297455"/>
+            </a:xfrm>
+            <a:prstGeom prst="ellipse">
+              <a:avLst/>
+            </a:prstGeom>
+            <a:solidFill>
+              <a:schemeClr val="tx1"/>
+            </a:solidFill>
+            <a:ln w="38100">
+              <a:solidFill>
+                <a:schemeClr val="tx1"/>
+              </a:solidFill>
+            </a:ln>
+          </p:spPr>
+          <p:txBody>
+            <a:bodyPr rot="0" spcFirstLastPara="0" vertOverflow="overflow" horzOverflow="overflow" vert="horz" wrap="square" lIns="91440" tIns="45720" rIns="91440" bIns="45720" numCol="1" spcCol="0" rtlCol="0" fromWordArt="0" anchor="ctr" anchorCtr="0" forceAA="0" compatLnSpc="1">
+              <a:prstTxWarp prst="textNoShape">
+                <a:avLst/>
+              </a:prstTxWarp>
+              <a:spAutoFit/>
+            </a:bodyPr>
+            <a:lstStyle/>
+            <a:p>
+              <a:pPr marL="234950" indent="-234950" algn="ctr" fontAlgn="t">
+                <a:buFont typeface="Arial" panose="020B0604020202020204" pitchFamily="34" charset="0"/>
+                <a:buChar char="•"/>
+              </a:pPr>
+              <a:endParaRPr lang="en-CA">
+                <a:solidFill>
+                  <a:srgbClr val="353535"/>
+                </a:solidFill>
+                <a:latin typeface="arial" panose="020B0604020202020204" pitchFamily="34" charset="0"/>
+              </a:endParaRPr>
+            </a:p>
+          </p:txBody>
+        </p:sp>
+        <mc:AlternateContent xmlns:mc="http://schemas.openxmlformats.org/markup-compatibility/2006">
+          <mc:Choice xmlns:a14="http://schemas.microsoft.com/office/drawing/2010/main" Requires="a14">
+            <p:sp>
+              <p:nvSpPr>
+                <p:cNvPr id="148" name="Rectangle 147"/>
+                <p:cNvSpPr/>
+                <p:nvPr/>
+              </p:nvSpPr>
+              <p:spPr>
+                <a:xfrm>
+                  <a:off x="4240607" y="2910146"/>
+                  <a:ext cx="493084" cy="369332"/>
+                </a:xfrm>
+                <a:prstGeom prst="rect">
+                  <a:avLst/>
+                </a:prstGeom>
+              </p:spPr>
+              <p:txBody>
+                <a:bodyPr wrap="none">
+                  <a:spAutoFit/>
+                </a:bodyPr>
+                <a:lstStyle/>
+                <a:p>
+                  <a:pPr/>
+                  <a14:m>
+                    <m:oMathPara xmlns:m="http://schemas.openxmlformats.org/officeDocument/2006/math">
+                      <m:oMathParaPr>
+                        <m:jc m:val="centerGroup"/>
+                      </m:oMathParaPr>
+                      <m:oMath xmlns:m="http://schemas.openxmlformats.org/officeDocument/2006/math">
+                        <m:sSub>
+                          <m:sSubPr>
+                            <m:ctrlPr>
+                              <a:rPr lang="en-US" b="0" i="1" smtClean="0">
+                                <a:latin typeface="Cambria Math" panose="02040503050406030204" pitchFamily="18" charset="0"/>
+                                <a:cs typeface="Arial" panose="020B0604020202020204" pitchFamily="34" charset="0"/>
+                              </a:rPr>
+                            </m:ctrlPr>
+                          </m:sSubPr>
+                          <m:e>
+                            <m:r>
+                              <a:rPr lang="en-US" b="0" i="1" smtClean="0">
+                                <a:latin typeface="Cambria Math" panose="02040503050406030204" pitchFamily="18" charset="0"/>
+                                <a:cs typeface="Arial" panose="020B0604020202020204" pitchFamily="34" charset="0"/>
+                              </a:rPr>
+                              <m:t>𝑄</m:t>
+                            </m:r>
+                          </m:e>
+                          <m:sub>
+                            <m:r>
+                              <a:rPr lang="en-US" b="0" i="1" smtClean="0">
+                                <a:latin typeface="Cambria Math" panose="02040503050406030204" pitchFamily="18" charset="0"/>
+                                <a:cs typeface="Arial" panose="020B0604020202020204" pitchFamily="34" charset="0"/>
+                              </a:rPr>
+                              <m:t>2</m:t>
+                            </m:r>
+                          </m:sub>
+                        </m:sSub>
+                      </m:oMath>
+                    </m:oMathPara>
+                  </a14:m>
+                  <a:endParaRPr lang="en-CA" dirty="0"/>
+                </a:p>
+              </p:txBody>
+            </p:sp>
+          </mc:Choice>
+          <mc:Fallback>
+            <p:sp>
+              <p:nvSpPr>
+                <p:cNvPr id="148" name="Rectangle 147"/>
+                <p:cNvSpPr>
+                  <a:spLocks noRot="1" noChangeAspect="1" noMove="1" noResize="1" noEditPoints="1" noAdjustHandles="1" noChangeArrowheads="1" noChangeShapeType="1" noTextEdit="1"/>
+                </p:cNvSpPr>
+                <p:nvPr/>
+              </p:nvSpPr>
+              <p:spPr>
+                <a:xfrm>
+                  <a:off x="4240607" y="2910146"/>
+                  <a:ext cx="493084" cy="369332"/>
+                </a:xfrm>
+                <a:prstGeom prst="rect">
+                  <a:avLst/>
+                </a:prstGeom>
+                <a:blipFill>
+                  <a:blip r:embed="rId7"/>
+                  <a:stretch>
+                    <a:fillRect b="-9836"/>
+                  </a:stretch>
+                </a:blipFill>
+              </p:spPr>
+              <p:txBody>
+                <a:bodyPr/>
+                <a:lstStyle/>
+                <a:p>
+                  <a:r>
+                    <a:rPr lang="en-US">
+                      <a:noFill/>
+                    </a:rPr>
+                    <a:t> </a:t>
+                  </a:r>
+                </a:p>
+              </p:txBody>
+            </p:sp>
+          </mc:Fallback>
+        </mc:AlternateContent>
+        <p:cxnSp>
+          <p:nvCxnSpPr>
+            <p:cNvPr id="149" name="Straight Arrow Connector 148"/>
+            <p:cNvCxnSpPr>
+              <a:stCxn id="147" idx="2"/>
+            </p:cNvCxnSpPr>
+            <p:nvPr/>
+          </p:nvCxnSpPr>
+          <p:spPr>
+            <a:xfrm flipH="1">
+              <a:off x="2422974" y="3458635"/>
+              <a:ext cx="1928219" cy="3326"/>
+            </a:xfrm>
+            <a:prstGeom prst="straightConnector1">
+              <a:avLst/>
+            </a:prstGeom>
+            <a:ln w="38100">
+              <a:solidFill>
+                <a:schemeClr val="tx1"/>
+              </a:solidFill>
+              <a:tailEnd type="triangle"/>
+            </a:ln>
+          </p:spPr>
+          <p:style>
+            <a:lnRef idx="1">
+              <a:schemeClr val="accent1"/>
+            </a:lnRef>
+            <a:fillRef idx="0">
+              <a:schemeClr val="accent1"/>
+            </a:fillRef>
+            <a:effectRef idx="0">
+              <a:schemeClr val="accent1"/>
+            </a:effectRef>
+            <a:fontRef idx="minor">
+              <a:schemeClr val="tx1"/>
+            </a:fontRef>
+          </p:style>
+        </p:cxnSp>
+        <mc:AlternateContent xmlns:mc="http://schemas.openxmlformats.org/markup-compatibility/2006">
+          <mc:Choice xmlns:a14="http://schemas.microsoft.com/office/drawing/2010/main" Requires="a14">
+            <p:sp>
+              <p:nvSpPr>
+                <p:cNvPr id="150" name="Rectangle 149"/>
+                <p:cNvSpPr/>
+                <p:nvPr/>
+              </p:nvSpPr>
+              <p:spPr>
+                <a:xfrm>
+                  <a:off x="2792194" y="3063129"/>
+                  <a:ext cx="526298" cy="369332"/>
+                </a:xfrm>
+                <a:prstGeom prst="rect">
+                  <a:avLst/>
+                </a:prstGeom>
+              </p:spPr>
+              <p:txBody>
+                <a:bodyPr wrap="none">
+                  <a:spAutoFit/>
+                </a:bodyPr>
+                <a:lstStyle/>
+                <a:p>
+                  <a:pPr/>
+                  <a14:m>
+                    <m:oMathPara xmlns:m="http://schemas.openxmlformats.org/officeDocument/2006/math">
+                      <m:oMathParaPr>
+                        <m:jc m:val="centerGroup"/>
+                      </m:oMathParaPr>
+                      <m:oMath xmlns:m="http://schemas.openxmlformats.org/officeDocument/2006/math">
+                        <m:sSub>
+                          <m:sSubPr>
+                            <m:ctrlPr>
+                              <a:rPr lang="en-US" i="1" smtClean="0">
+                                <a:latin typeface="Cambria Math" panose="02040503050406030204" pitchFamily="18" charset="0"/>
+                              </a:rPr>
+                            </m:ctrlPr>
+                          </m:sSubPr>
+                          <m:e>
+                            <m:acc>
+                              <m:accPr>
+                                <m:chr m:val="⃗"/>
+                                <m:ctrlPr>
+                                  <a:rPr lang="en-US" i="1">
+                                    <a:latin typeface="Cambria Math" panose="02040503050406030204" pitchFamily="18" charset="0"/>
+                                  </a:rPr>
+                                </m:ctrlPr>
+                              </m:accPr>
+                              <m:e>
+                                <m:r>
+                                  <a:rPr lang="en-US" i="1">
+                                    <a:latin typeface="Cambria Math" panose="02040503050406030204" pitchFamily="18" charset="0"/>
+                                  </a:rPr>
+                                  <m:t>𝑟</m:t>
+                                </m:r>
+                              </m:e>
+                            </m:acc>
+                          </m:e>
+                          <m:sub>
+                            <m:r>
+                              <a:rPr lang="en-US" b="0" i="1" smtClean="0">
+                                <a:latin typeface="Cambria Math" panose="02040503050406030204" pitchFamily="18" charset="0"/>
+                              </a:rPr>
+                              <m:t>21</m:t>
+                            </m:r>
+                          </m:sub>
+                        </m:sSub>
+                      </m:oMath>
+                    </m:oMathPara>
+                  </a14:m>
+                  <a:endParaRPr lang="en-CA" dirty="0"/>
+                </a:p>
+              </p:txBody>
+            </p:sp>
+          </mc:Choice>
+          <mc:Fallback>
+            <p:sp>
+              <p:nvSpPr>
+                <p:cNvPr id="150" name="Rectangle 149"/>
+                <p:cNvSpPr>
+                  <a:spLocks noRot="1" noChangeAspect="1" noMove="1" noResize="1" noEditPoints="1" noAdjustHandles="1" noChangeArrowheads="1" noChangeShapeType="1" noTextEdit="1"/>
+                </p:cNvSpPr>
+                <p:nvPr/>
+              </p:nvSpPr>
+              <p:spPr>
+                <a:xfrm>
+                  <a:off x="2792194" y="3063129"/>
+                  <a:ext cx="526298" cy="369332"/>
+                </a:xfrm>
+                <a:prstGeom prst="rect">
+                  <a:avLst/>
+                </a:prstGeom>
+                <a:blipFill>
+                  <a:blip r:embed="rId8"/>
+                  <a:stretch>
+                    <a:fillRect t="-22951" r="-18605"/>
+                  </a:stretch>
+                </a:blipFill>
+              </p:spPr>
+              <p:txBody>
+                <a:bodyPr/>
+                <a:lstStyle/>
+                <a:p>
+                  <a:r>
+                    <a:rPr lang="en-US">
+                      <a:noFill/>
+                    </a:rPr>
+                    <a:t> </a:t>
+                  </a:r>
+                </a:p>
+              </p:txBody>
+            </p:sp>
+          </mc:Fallback>
+        </mc:AlternateContent>
+        <p:grpSp>
+          <p:nvGrpSpPr>
+            <p:cNvPr id="151" name="Group 150"/>
+            <p:cNvGrpSpPr/>
+            <p:nvPr/>
+          </p:nvGrpSpPr>
+          <p:grpSpPr>
+            <a:xfrm>
+              <a:off x="1089750" y="3873624"/>
+              <a:ext cx="881499" cy="709995"/>
+              <a:chOff x="758520" y="708040"/>
+              <a:chExt cx="2546161" cy="2135605"/>
+            </a:xfrm>
+          </p:grpSpPr>
+          <p:grpSp>
+            <p:nvGrpSpPr>
+              <p:cNvPr id="152" name="Group 151"/>
+              <p:cNvGrpSpPr/>
+              <p:nvPr/>
+            </p:nvGrpSpPr>
+            <p:grpSpPr>
+              <a:xfrm>
+                <a:off x="758520" y="708040"/>
+                <a:ext cx="2546161" cy="2135605"/>
+                <a:chOff x="785815" y="680744"/>
+                <a:chExt cx="2546161" cy="2135605"/>
+              </a:xfrm>
+            </p:grpSpPr>
+            <p:cxnSp>
+              <p:nvCxnSpPr>
+                <p:cNvPr id="154" name="Straight Arrow Connector 153"/>
+                <p:cNvCxnSpPr/>
+                <p:nvPr/>
+              </p:nvCxnSpPr>
+              <p:spPr>
+                <a:xfrm flipV="1">
+                  <a:off x="1516583" y="680744"/>
+                  <a:ext cx="7683" cy="1859535"/>
+                </a:xfrm>
+                <a:prstGeom prst="straightConnector1">
+                  <a:avLst/>
+                </a:prstGeom>
+                <a:ln w="38100">
+                  <a:solidFill>
+                    <a:schemeClr val="tx1"/>
+                  </a:solidFill>
+                  <a:tailEnd type="triangle"/>
+                </a:ln>
+              </p:spPr>
+              <p:style>
+                <a:lnRef idx="1">
+                  <a:schemeClr val="accent1"/>
+                </a:lnRef>
+                <a:fillRef idx="0">
+                  <a:schemeClr val="accent1"/>
+                </a:fillRef>
+                <a:effectRef idx="0">
+                  <a:schemeClr val="accent1"/>
+                </a:effectRef>
+                <a:fontRef idx="minor">
+                  <a:schemeClr val="tx1"/>
+                </a:fontRef>
+              </p:style>
+            </p:cxnSp>
+            <p:cxnSp>
+              <p:nvCxnSpPr>
+                <p:cNvPr id="155" name="Straight Arrow Connector 154"/>
+                <p:cNvCxnSpPr/>
+                <p:nvPr/>
+              </p:nvCxnSpPr>
+              <p:spPr>
+                <a:xfrm flipV="1">
+                  <a:off x="1457072" y="2491317"/>
+                  <a:ext cx="1874904" cy="0"/>
+                </a:xfrm>
+                <a:prstGeom prst="straightConnector1">
+                  <a:avLst/>
+                </a:prstGeom>
+                <a:ln w="38100">
+                  <a:solidFill>
+                    <a:schemeClr val="tx1"/>
+                  </a:solidFill>
+                  <a:tailEnd type="triangle"/>
+                </a:ln>
+              </p:spPr>
+              <p:style>
+                <a:lnRef idx="1">
+                  <a:schemeClr val="accent1"/>
+                </a:lnRef>
+                <a:fillRef idx="0">
+                  <a:schemeClr val="accent1"/>
+                </a:fillRef>
+                <a:effectRef idx="0">
+                  <a:schemeClr val="accent1"/>
+                </a:effectRef>
+                <a:fontRef idx="minor">
+                  <a:schemeClr val="tx1"/>
+                </a:fontRef>
+              </p:style>
+            </p:cxnSp>
+            <mc:AlternateContent xmlns:mc="http://schemas.openxmlformats.org/markup-compatibility/2006" xmlns:a14="http://schemas.microsoft.com/office/drawing/2010/main">
+              <mc:Choice Requires="a14">
+                <p:sp>
+                  <p:nvSpPr>
+                    <p:cNvPr id="156" name="Rectangle 155"/>
+                    <p:cNvSpPr/>
+                    <p:nvPr/>
+                  </p:nvSpPr>
+                  <p:spPr>
+                    <a:xfrm>
+                      <a:off x="2697555" y="2447016"/>
+                      <a:ext cx="367985" cy="369333"/>
+                    </a:xfrm>
+                    <a:prstGeom prst="rect">
+                      <a:avLst/>
+                    </a:prstGeom>
+                  </p:spPr>
+                  <p:txBody>
+                    <a:bodyPr wrap="none">
+                      <a:spAutoFit/>
+                    </a:bodyPr>
+                    <a:lstStyle/>
+                    <a:p>
+                      <a:pPr/>
+                      <a14:m>
+                        <m:oMathPara xmlns:m="http://schemas.openxmlformats.org/officeDocument/2006/math">
+                          <m:oMathParaPr>
+                            <m:jc m:val="centerGroup"/>
+                          </m:oMathParaPr>
+                          <m:oMath xmlns:m="http://schemas.openxmlformats.org/officeDocument/2006/math">
+                            <m:r>
+                              <a:rPr lang="en-US" i="1">
+                                <a:latin typeface="Cambria Math" panose="02040503050406030204" pitchFamily="18" charset="0"/>
+                                <a:cs typeface="Arial" panose="020B0604020202020204" pitchFamily="34" charset="0"/>
+                              </a:rPr>
+                              <m:t>𝑥</m:t>
+                            </m:r>
+                          </m:oMath>
+                        </m:oMathPara>
+                      </a14:m>
+                      <a:endParaRPr lang="en-CA" dirty="0"/>
+                    </a:p>
+                  </p:txBody>
+                </p:sp>
+              </mc:Choice>
+              <mc:Fallback xmlns="">
+                <p:sp>
+                  <p:nvSpPr>
+                    <p:cNvPr id="107" name="Rectangle 106"/>
+                    <p:cNvSpPr>
+                      <a:spLocks noRot="1" noChangeAspect="1" noMove="1" noResize="1" noEditPoints="1" noAdjustHandles="1" noChangeArrowheads="1" noChangeShapeType="1" noTextEdit="1"/>
+                    </p:cNvSpPr>
+                    <p:nvPr/>
+                  </p:nvSpPr>
+                  <p:spPr>
+                    <a:xfrm>
+                      <a:off x="2697555" y="2447016"/>
+                      <a:ext cx="367985" cy="369333"/>
+                    </a:xfrm>
+                    <a:prstGeom prst="rect">
+                      <a:avLst/>
+                    </a:prstGeom>
+                    <a:blipFill>
+                      <a:blip r:embed="rId27"/>
+                      <a:stretch>
+                        <a:fillRect r="-95238" b="-160000"/>
+                      </a:stretch>
+                    </a:blipFill>
+                  </p:spPr>
+                  <p:txBody>
+                    <a:bodyPr/>
+                    <a:lstStyle/>
+                    <a:p>
+                      <a:r>
+                        <a:rPr lang="en-US">
+                          <a:noFill/>
+                        </a:rPr>
+                        <a:t> </a:t>
+                      </a:r>
+                    </a:p>
+                  </p:txBody>
+                </p:sp>
+              </mc:Fallback>
+            </mc:AlternateContent>
+            <mc:AlternateContent xmlns:mc="http://schemas.openxmlformats.org/markup-compatibility/2006" xmlns:a14="http://schemas.microsoft.com/office/drawing/2010/main">
+              <mc:Choice Requires="a14">
+                <p:sp>
+                  <p:nvSpPr>
+                    <p:cNvPr id="157" name="Rectangle 156"/>
+                    <p:cNvSpPr/>
+                    <p:nvPr/>
+                  </p:nvSpPr>
+                  <p:spPr>
+                    <a:xfrm>
+                      <a:off x="785815" y="912420"/>
+                      <a:ext cx="371385" cy="369333"/>
+                    </a:xfrm>
+                    <a:prstGeom prst="rect">
+                      <a:avLst/>
+                    </a:prstGeom>
+                  </p:spPr>
+                  <p:txBody>
+                    <a:bodyPr wrap="none">
+                      <a:spAutoFit/>
+                    </a:bodyPr>
+                    <a:lstStyle/>
+                    <a:p>
+                      <a:pPr/>
+                      <a14:m>
+                        <m:oMathPara xmlns:m="http://schemas.openxmlformats.org/officeDocument/2006/math">
+                          <m:oMathParaPr>
+                            <m:jc m:val="centerGroup"/>
+                          </m:oMathParaPr>
+                          <m:oMath xmlns:m="http://schemas.openxmlformats.org/officeDocument/2006/math">
+                            <m:r>
+                              <a:rPr lang="en-US" b="0" i="1" smtClean="0">
+                                <a:latin typeface="Cambria Math" panose="02040503050406030204" pitchFamily="18" charset="0"/>
+                              </a:rPr>
+                              <m:t>𝑦</m:t>
+                            </m:r>
+                          </m:oMath>
+                        </m:oMathPara>
+                      </a14:m>
+                      <a:endParaRPr lang="en-CA" dirty="0"/>
+                    </a:p>
+                  </p:txBody>
+                </p:sp>
+              </mc:Choice>
+              <mc:Fallback xmlns="">
+                <p:sp>
+                  <p:nvSpPr>
+                    <p:cNvPr id="108" name="Rectangle 107"/>
+                    <p:cNvSpPr>
+                      <a:spLocks noRot="1" noChangeAspect="1" noMove="1" noResize="1" noEditPoints="1" noAdjustHandles="1" noChangeArrowheads="1" noChangeShapeType="1" noTextEdit="1"/>
+                    </p:cNvSpPr>
+                    <p:nvPr/>
+                  </p:nvSpPr>
+                  <p:spPr>
+                    <a:xfrm>
+                      <a:off x="785815" y="912420"/>
+                      <a:ext cx="371385" cy="369333"/>
+                    </a:xfrm>
+                    <a:prstGeom prst="rect">
+                      <a:avLst/>
+                    </a:prstGeom>
+                    <a:blipFill>
+                      <a:blip r:embed="rId28"/>
+                      <a:stretch>
+                        <a:fillRect l="-19048" r="-114286" b="-220000"/>
+                      </a:stretch>
+                    </a:blipFill>
+                  </p:spPr>
+                  <p:txBody>
+                    <a:bodyPr/>
+                    <a:lstStyle/>
+                    <a:p>
+                      <a:r>
+                        <a:rPr lang="en-US">
+                          <a:noFill/>
+                        </a:rPr>
+                        <a:t> </a:t>
+                      </a:r>
+                    </a:p>
+                  </p:txBody>
+                </p:sp>
+              </mc:Fallback>
+            </mc:AlternateContent>
+            <mc:AlternateContent xmlns:mc="http://schemas.openxmlformats.org/markup-compatibility/2006" xmlns:a14="http://schemas.microsoft.com/office/drawing/2010/main">
+              <mc:Choice Requires="a14">
+                <p:sp>
+                  <p:nvSpPr>
+                    <p:cNvPr id="158" name="Rectangle 157"/>
+                    <p:cNvSpPr/>
+                    <p:nvPr/>
+                  </p:nvSpPr>
+                  <p:spPr>
+                    <a:xfrm>
+                      <a:off x="1006642" y="2350591"/>
+                      <a:ext cx="367985" cy="369333"/>
+                    </a:xfrm>
+                    <a:prstGeom prst="rect">
+                      <a:avLst/>
+                    </a:prstGeom>
+                  </p:spPr>
+                  <p:txBody>
+                    <a:bodyPr wrap="none">
+                      <a:spAutoFit/>
+                    </a:bodyPr>
+                    <a:lstStyle/>
+                    <a:p>
+                      <a:pPr/>
+                      <a14:m>
+                        <m:oMathPara xmlns:m="http://schemas.openxmlformats.org/officeDocument/2006/math">
+                          <m:oMathParaPr>
+                            <m:jc m:val="centerGroup"/>
+                          </m:oMathParaPr>
+                          <m:oMath xmlns:m="http://schemas.openxmlformats.org/officeDocument/2006/math">
+                            <m:r>
+                              <a:rPr lang="en-US" b="0" i="1" smtClean="0">
+                                <a:latin typeface="Cambria Math" panose="02040503050406030204" pitchFamily="18" charset="0"/>
+                                <a:cs typeface="Arial" panose="020B0604020202020204" pitchFamily="34" charset="0"/>
+                              </a:rPr>
+                              <m:t>0</m:t>
+                            </m:r>
+                          </m:oMath>
+                        </m:oMathPara>
+                      </a14:m>
+                      <a:endParaRPr lang="en-CA" dirty="0"/>
+                    </a:p>
+                  </p:txBody>
+                </p:sp>
+              </mc:Choice>
+              <mc:Fallback xmlns="">
+                <p:sp>
+                  <p:nvSpPr>
+                    <p:cNvPr id="109" name="Rectangle 108"/>
+                    <p:cNvSpPr>
+                      <a:spLocks noRot="1" noChangeAspect="1" noMove="1" noResize="1" noEditPoints="1" noAdjustHandles="1" noChangeArrowheads="1" noChangeShapeType="1" noTextEdit="1"/>
+                    </p:cNvSpPr>
+                    <p:nvPr/>
+                  </p:nvSpPr>
+                  <p:spPr>
+                    <a:xfrm>
+                      <a:off x="1006642" y="2350591"/>
+                      <a:ext cx="367985" cy="369333"/>
+                    </a:xfrm>
+                    <a:prstGeom prst="rect">
+                      <a:avLst/>
+                    </a:prstGeom>
+                    <a:blipFill>
+                      <a:blip r:embed="rId29"/>
+                      <a:stretch>
+                        <a:fillRect l="-14286" r="-114286" b="-180000"/>
+                      </a:stretch>
+                    </a:blipFill>
+                  </p:spPr>
+                  <p:txBody>
+                    <a:bodyPr/>
+                    <a:lstStyle/>
+                    <a:p>
+                      <a:r>
+                        <a:rPr lang="en-US">
+                          <a:noFill/>
+                        </a:rPr>
+                        <a:t> </a:t>
+                      </a:r>
+                    </a:p>
+                  </p:txBody>
+                </p:sp>
+              </mc:Fallback>
+            </mc:AlternateContent>
+          </p:grpSp>
+          <p:sp>
+            <p:nvSpPr>
+              <p:cNvPr id="153" name="Rectangle 152"/>
+              <p:cNvSpPr/>
+              <p:nvPr/>
+            </p:nvSpPr>
+            <p:spPr>
+              <a:xfrm>
+                <a:off x="1129904" y="1614682"/>
+                <a:ext cx="184731" cy="369332"/>
+              </a:xfrm>
+              <a:prstGeom prst="rect">
+                <a:avLst/>
+              </a:prstGeom>
+            </p:spPr>
+            <p:txBody>
+              <a:bodyPr wrap="none">
+                <a:spAutoFit/>
+              </a:bodyPr>
+              <a:lstStyle/>
+              <a:p>
+                <a:endParaRPr lang="en-CA" dirty="0"/>
+              </a:p>
+            </p:txBody>
+          </p:sp>
+        </p:grpSp>
+        <p:cxnSp>
+          <p:nvCxnSpPr>
+            <p:cNvPr id="160" name="Straight Arrow Connector 159"/>
+            <p:cNvCxnSpPr>
+              <a:endCxn id="145" idx="3"/>
+            </p:cNvCxnSpPr>
+            <p:nvPr/>
+          </p:nvCxnSpPr>
+          <p:spPr>
+            <a:xfrm flipV="1">
+              <a:off x="1344052" y="3563801"/>
+              <a:ext cx="834431" cy="906383"/>
+            </a:xfrm>
+            <a:prstGeom prst="straightConnector1">
+              <a:avLst/>
+            </a:prstGeom>
+            <a:ln w="19050">
+              <a:solidFill>
+                <a:schemeClr val="tx1"/>
+              </a:solidFill>
+              <a:tailEnd type="triangle"/>
+            </a:ln>
+          </p:spPr>
+          <p:style>
+            <a:lnRef idx="1">
+              <a:schemeClr val="accent1"/>
+            </a:lnRef>
+            <a:fillRef idx="0">
+              <a:schemeClr val="accent1"/>
+            </a:fillRef>
+            <a:effectRef idx="0">
+              <a:schemeClr val="accent1"/>
+            </a:effectRef>
+            <a:fontRef idx="minor">
+              <a:schemeClr val="tx1"/>
+            </a:fontRef>
+          </p:style>
+        </p:cxnSp>
+        <p:cxnSp>
+          <p:nvCxnSpPr>
+            <p:cNvPr id="162" name="Straight Arrow Connector 161"/>
+            <p:cNvCxnSpPr>
+              <a:endCxn id="147" idx="3"/>
+            </p:cNvCxnSpPr>
+            <p:nvPr/>
+          </p:nvCxnSpPr>
+          <p:spPr>
+            <a:xfrm flipV="1">
+              <a:off x="1342747" y="3563801"/>
+              <a:ext cx="3050394" cy="906383"/>
+            </a:xfrm>
+            <a:prstGeom prst="straightConnector1">
+              <a:avLst/>
+            </a:prstGeom>
+            <a:ln w="19050">
+              <a:solidFill>
+                <a:schemeClr val="tx1"/>
+              </a:solidFill>
+              <a:tailEnd type="triangle"/>
+            </a:ln>
+          </p:spPr>
+          <p:style>
+            <a:lnRef idx="1">
+              <a:schemeClr val="accent1"/>
+            </a:lnRef>
+            <a:fillRef idx="0">
+              <a:schemeClr val="accent1"/>
+            </a:fillRef>
+            <a:effectRef idx="0">
+              <a:schemeClr val="accent1"/>
+            </a:effectRef>
+            <a:fontRef idx="minor">
+              <a:schemeClr val="tx1"/>
+            </a:fontRef>
+          </p:style>
+        </p:cxnSp>
+        <p:cxnSp>
+          <p:nvCxnSpPr>
+            <p:cNvPr id="166" name="Straight Arrow Connector 165"/>
+            <p:cNvCxnSpPr/>
+            <p:nvPr/>
+          </p:nvCxnSpPr>
+          <p:spPr>
+            <a:xfrm flipH="1" flipV="1">
+              <a:off x="3581920" y="3288532"/>
+              <a:ext cx="400739" cy="2888"/>
+            </a:xfrm>
+            <a:prstGeom prst="straightConnector1">
+              <a:avLst/>
+            </a:prstGeom>
+            <a:ln w="38100">
+              <a:solidFill>
+                <a:schemeClr val="tx1"/>
+              </a:solidFill>
+              <a:tailEnd type="triangle"/>
+            </a:ln>
+          </p:spPr>
+          <p:style>
+            <a:lnRef idx="1">
+              <a:schemeClr val="accent1"/>
+            </a:lnRef>
+            <a:fillRef idx="0">
+              <a:schemeClr val="accent1"/>
+            </a:fillRef>
+            <a:effectRef idx="0">
+              <a:schemeClr val="accent1"/>
+            </a:effectRef>
+            <a:fontRef idx="minor">
+              <a:schemeClr val="tx1"/>
+            </a:fontRef>
+          </p:style>
+        </p:cxnSp>
+        <mc:AlternateContent xmlns:mc="http://schemas.openxmlformats.org/markup-compatibility/2006">
+          <mc:Choice xmlns:a14="http://schemas.microsoft.com/office/drawing/2010/main" Requires="a14">
+            <p:sp>
+              <p:nvSpPr>
+                <p:cNvPr id="169" name="Rectangle 168"/>
+                <p:cNvSpPr/>
+                <p:nvPr/>
+              </p:nvSpPr>
+              <p:spPr>
+                <a:xfrm>
+                  <a:off x="3584697" y="2891326"/>
+                  <a:ext cx="577594" cy="369332"/>
+                </a:xfrm>
+                <a:prstGeom prst="rect">
+                  <a:avLst/>
+                </a:prstGeom>
+              </p:spPr>
+              <p:txBody>
+                <a:bodyPr wrap="none">
+                  <a:spAutoFit/>
+                </a:bodyPr>
+                <a:lstStyle/>
+                <a:p>
+                  <a:pPr/>
+                  <a14:m>
+                    <m:oMathPara xmlns:m="http://schemas.openxmlformats.org/officeDocument/2006/math">
+                      <m:oMathParaPr>
+                        <m:jc m:val="centerGroup"/>
+                      </m:oMathParaPr>
+                      <m:oMath xmlns:m="http://schemas.openxmlformats.org/officeDocument/2006/math">
+                        <m:sSub>
+                          <m:sSubPr>
+                            <m:ctrlPr>
+                              <a:rPr lang="en-US" b="0" i="1" smtClean="0">
+                                <a:latin typeface="Cambria Math" panose="02040503050406030204" pitchFamily="18" charset="0"/>
+                              </a:rPr>
+                            </m:ctrlPr>
+                          </m:sSubPr>
+                          <m:e>
+                            <m:acc>
+                              <m:accPr>
+                                <m:chr m:val="̂"/>
+                                <m:ctrlPr>
+                                  <a:rPr lang="en-US" b="0" i="1" smtClean="0">
+                                    <a:latin typeface="Cambria Math" panose="02040503050406030204" pitchFamily="18" charset="0"/>
+                                  </a:rPr>
+                                </m:ctrlPr>
+                              </m:accPr>
+                              <m:e>
+                                <m:r>
+                                  <a:rPr lang="en-US" i="1" smtClean="0">
+                                    <a:latin typeface="Cambria Math" panose="02040503050406030204" pitchFamily="18" charset="0"/>
+                                  </a:rPr>
+                                  <m:t>𝑟</m:t>
+                                </m:r>
+                              </m:e>
+                            </m:acc>
+                          </m:e>
+                          <m:sub>
+                            <m:r>
+                              <a:rPr lang="en-US" b="0" i="1" smtClean="0">
+                                <a:latin typeface="Cambria Math" panose="02040503050406030204" pitchFamily="18" charset="0"/>
+                              </a:rPr>
+                              <m:t>21</m:t>
+                            </m:r>
+                          </m:sub>
+                        </m:sSub>
+                        <m:r>
+                          <a:rPr lang="en-US" b="0" i="1" smtClean="0">
+                            <a:latin typeface="Cambria Math" panose="02040503050406030204" pitchFamily="18" charset="0"/>
+                          </a:rPr>
+                          <m:t> </m:t>
+                        </m:r>
+                      </m:oMath>
+                    </m:oMathPara>
+                  </a14:m>
+                  <a:endParaRPr lang="en-CA" dirty="0"/>
+                </a:p>
+              </p:txBody>
+            </p:sp>
+          </mc:Choice>
+          <mc:Fallback>
+            <p:sp>
+              <p:nvSpPr>
+                <p:cNvPr id="169" name="Rectangle 168"/>
+                <p:cNvSpPr>
+                  <a:spLocks noRot="1" noChangeAspect="1" noMove="1" noResize="1" noEditPoints="1" noAdjustHandles="1" noChangeArrowheads="1" noChangeShapeType="1" noTextEdit="1"/>
+                </p:cNvSpPr>
+                <p:nvPr/>
+              </p:nvSpPr>
+              <p:spPr>
+                <a:xfrm>
+                  <a:off x="3584697" y="2891326"/>
+                  <a:ext cx="577594" cy="369332"/>
+                </a:xfrm>
+                <a:prstGeom prst="rect">
+                  <a:avLst/>
+                </a:prstGeom>
+                <a:blipFill>
+                  <a:blip r:embed="rId30"/>
+                  <a:stretch>
+                    <a:fillRect t="-6557"/>
+                  </a:stretch>
+                </a:blipFill>
+              </p:spPr>
+              <p:txBody>
+                <a:bodyPr/>
+                <a:lstStyle/>
+                <a:p>
+                  <a:r>
+                    <a:rPr lang="en-US">
+                      <a:noFill/>
+                    </a:rPr>
+                    <a:t> </a:t>
+                  </a:r>
+                </a:p>
+              </p:txBody>
+            </p:sp>
+          </mc:Fallback>
+        </mc:AlternateContent>
+        <mc:AlternateContent xmlns:mc="http://schemas.openxmlformats.org/markup-compatibility/2006">
+          <mc:Choice xmlns:a14="http://schemas.microsoft.com/office/drawing/2010/main" Requires="a14">
+            <p:sp>
+              <p:nvSpPr>
+                <p:cNvPr id="170" name="Rectangle 169"/>
+                <p:cNvSpPr/>
+                <p:nvPr/>
+              </p:nvSpPr>
+              <p:spPr>
+                <a:xfrm>
+                  <a:off x="1455814" y="3718376"/>
+                  <a:ext cx="423193" cy="369332"/>
+                </a:xfrm>
+                <a:prstGeom prst="rect">
+                  <a:avLst/>
+                </a:prstGeom>
+              </p:spPr>
+              <p:txBody>
+                <a:bodyPr wrap="none">
+                  <a:spAutoFit/>
+                </a:bodyPr>
+                <a:lstStyle/>
+                <a:p>
+                  <a:pPr/>
+                  <a14:m>
+                    <m:oMathPara xmlns:m="http://schemas.openxmlformats.org/officeDocument/2006/math">
+                      <m:oMathParaPr>
+                        <m:jc m:val="centerGroup"/>
+                      </m:oMathParaPr>
+                      <m:oMath xmlns:m="http://schemas.openxmlformats.org/officeDocument/2006/math">
+                        <m:sSub>
+                          <m:sSubPr>
+                            <m:ctrlPr>
+                              <a:rPr lang="en-US" i="1" smtClean="0">
+                                <a:latin typeface="Cambria Math" panose="02040503050406030204" pitchFamily="18" charset="0"/>
+                              </a:rPr>
+                            </m:ctrlPr>
+                          </m:sSubPr>
+                          <m:e>
+                            <m:acc>
+                              <m:accPr>
+                                <m:chr m:val="⃗"/>
+                                <m:ctrlPr>
+                                  <a:rPr lang="en-US" i="1">
+                                    <a:latin typeface="Cambria Math" panose="02040503050406030204" pitchFamily="18" charset="0"/>
+                                  </a:rPr>
+                                </m:ctrlPr>
+                              </m:accPr>
+                              <m:e>
+                                <m:r>
+                                  <a:rPr lang="en-US" i="1">
+                                    <a:latin typeface="Cambria Math" panose="02040503050406030204" pitchFamily="18" charset="0"/>
+                                  </a:rPr>
+                                  <m:t>𝑟</m:t>
+                                </m:r>
+                              </m:e>
+                            </m:acc>
+                          </m:e>
+                          <m:sub>
+                            <m:r>
+                              <a:rPr lang="en-US" b="0" i="1" smtClean="0">
+                                <a:latin typeface="Cambria Math" panose="02040503050406030204" pitchFamily="18" charset="0"/>
+                              </a:rPr>
+                              <m:t>1</m:t>
+                            </m:r>
+                          </m:sub>
+                        </m:sSub>
+                      </m:oMath>
+                    </m:oMathPara>
+                  </a14:m>
+                  <a:endParaRPr lang="en-CA" dirty="0"/>
+                </a:p>
+              </p:txBody>
+            </p:sp>
+          </mc:Choice>
+          <mc:Fallback>
+            <p:sp>
+              <p:nvSpPr>
+                <p:cNvPr id="170" name="Rectangle 169"/>
+                <p:cNvSpPr>
+                  <a:spLocks noRot="1" noChangeAspect="1" noMove="1" noResize="1" noEditPoints="1" noAdjustHandles="1" noChangeArrowheads="1" noChangeShapeType="1" noTextEdit="1"/>
+                </p:cNvSpPr>
+                <p:nvPr/>
+              </p:nvSpPr>
+              <p:spPr>
+                <a:xfrm>
+                  <a:off x="1455814" y="3718376"/>
+                  <a:ext cx="423193" cy="369332"/>
+                </a:xfrm>
+                <a:prstGeom prst="rect">
+                  <a:avLst/>
+                </a:prstGeom>
+                <a:blipFill>
+                  <a:blip r:embed="rId31"/>
+                  <a:stretch>
+                    <a:fillRect t="-22951" r="-21739"/>
+                  </a:stretch>
+                </a:blipFill>
+              </p:spPr>
+              <p:txBody>
+                <a:bodyPr/>
+                <a:lstStyle/>
+                <a:p>
+                  <a:r>
+                    <a:rPr lang="en-US">
+                      <a:noFill/>
+                    </a:rPr>
+                    <a:t> </a:t>
+                  </a:r>
+                </a:p>
+              </p:txBody>
+            </p:sp>
+          </mc:Fallback>
+        </mc:AlternateContent>
+        <mc:AlternateContent xmlns:mc="http://schemas.openxmlformats.org/markup-compatibility/2006">
+          <mc:Choice xmlns:a14="http://schemas.microsoft.com/office/drawing/2010/main" Requires="a14">
+            <p:sp>
+              <p:nvSpPr>
+                <p:cNvPr id="171" name="Rectangle 170"/>
+                <p:cNvSpPr/>
+                <p:nvPr/>
+              </p:nvSpPr>
+              <p:spPr>
+                <a:xfrm>
+                  <a:off x="3523592" y="3718376"/>
+                  <a:ext cx="428515" cy="369332"/>
+                </a:xfrm>
+                <a:prstGeom prst="rect">
+                  <a:avLst/>
+                </a:prstGeom>
+              </p:spPr>
+              <p:txBody>
+                <a:bodyPr wrap="none">
+                  <a:spAutoFit/>
+                </a:bodyPr>
+                <a:lstStyle/>
+                <a:p>
+                  <a:pPr/>
+                  <a14:m>
+                    <m:oMathPara xmlns:m="http://schemas.openxmlformats.org/officeDocument/2006/math">
+                      <m:oMathParaPr>
+                        <m:jc m:val="centerGroup"/>
+                      </m:oMathParaPr>
+                      <m:oMath xmlns:m="http://schemas.openxmlformats.org/officeDocument/2006/math">
+                        <m:sSub>
+                          <m:sSubPr>
+                            <m:ctrlPr>
+                              <a:rPr lang="en-US" i="1" smtClean="0">
+                                <a:latin typeface="Cambria Math" panose="02040503050406030204" pitchFamily="18" charset="0"/>
+                              </a:rPr>
+                            </m:ctrlPr>
+                          </m:sSubPr>
+                          <m:e>
+                            <m:acc>
+                              <m:accPr>
+                                <m:chr m:val="⃗"/>
+                                <m:ctrlPr>
+                                  <a:rPr lang="en-US" i="1">
+                                    <a:latin typeface="Cambria Math" panose="02040503050406030204" pitchFamily="18" charset="0"/>
+                                  </a:rPr>
+                                </m:ctrlPr>
+                              </m:accPr>
+                              <m:e>
+                                <m:r>
+                                  <a:rPr lang="en-US" i="1">
+                                    <a:latin typeface="Cambria Math" panose="02040503050406030204" pitchFamily="18" charset="0"/>
+                                  </a:rPr>
+                                  <m:t>𝑟</m:t>
+                                </m:r>
+                              </m:e>
+                            </m:acc>
+                          </m:e>
+                          <m:sub>
+                            <m:r>
+                              <a:rPr lang="en-US" b="0" i="1" smtClean="0">
+                                <a:latin typeface="Cambria Math" panose="02040503050406030204" pitchFamily="18" charset="0"/>
+                              </a:rPr>
+                              <m:t>2</m:t>
+                            </m:r>
+                          </m:sub>
+                        </m:sSub>
+                      </m:oMath>
+                    </m:oMathPara>
+                  </a14:m>
+                  <a:endParaRPr lang="en-CA" dirty="0"/>
+                </a:p>
+              </p:txBody>
+            </p:sp>
+          </mc:Choice>
+          <mc:Fallback>
+            <p:sp>
+              <p:nvSpPr>
+                <p:cNvPr id="171" name="Rectangle 170"/>
+                <p:cNvSpPr>
+                  <a:spLocks noRot="1" noChangeAspect="1" noMove="1" noResize="1" noEditPoints="1" noAdjustHandles="1" noChangeArrowheads="1" noChangeShapeType="1" noTextEdit="1"/>
+                </p:cNvSpPr>
+                <p:nvPr/>
+              </p:nvSpPr>
+              <p:spPr>
+                <a:xfrm>
+                  <a:off x="3523592" y="3718376"/>
+                  <a:ext cx="428515" cy="369332"/>
+                </a:xfrm>
+                <a:prstGeom prst="rect">
+                  <a:avLst/>
+                </a:prstGeom>
+                <a:blipFill>
+                  <a:blip r:embed="rId32"/>
+                  <a:stretch>
+                    <a:fillRect t="-22951" r="-22857"/>
+                  </a:stretch>
+                </a:blipFill>
+              </p:spPr>
+              <p:txBody>
+                <a:bodyPr/>
+                <a:lstStyle/>
+                <a:p>
+                  <a:r>
+                    <a:rPr lang="en-US">
+                      <a:noFill/>
+                    </a:rPr>
+                    <a:t> </a:t>
+                  </a:r>
+                </a:p>
+              </p:txBody>
+            </p:sp>
+          </mc:Fallback>
+        </mc:AlternateContent>
+      </p:grpSp>
     </p:spTree>
     <p:extLst>
       <p:ext uri="{BB962C8B-B14F-4D97-AF65-F5344CB8AC3E}">
@@ -6123,6 +12219,13 @@
   <p:clrMapOvr>
     <a:masterClrMapping/>
   </p:clrMapOvr>
+  <p:timing>
+    <p:tnLst>
+      <p:par>
+        <p:cTn id="1" dur="indefinite" restart="never" nodeType="tmRoot"/>
+      </p:par>
+    </p:tnLst>
+  </p:timing>
 </p:sld>
 </file>
 
@@ -6153,6 +12256,13 @@
   <p:clrMapOvr>
     <a:masterClrMapping/>
   </p:clrMapOvr>
+  <p:timing>
+    <p:tnLst>
+      <p:par>
+        <p:cTn id="1" dur="indefinite" restart="never" nodeType="tmRoot"/>
+      </p:par>
+    </p:tnLst>
+  </p:timing>
 </p:sld>
 </file>
 

--- a/tex/figures/ChargesFields/Figures.pptx
+++ b/tex/figures/ChargesFields/Figures.pptx
@@ -204,7 +204,7 @@
           <a:p>
             <a:fld id="{FA15A6B2-55AC-CD4B-A1E6-BB01091FE9DC}" type="datetimeFigureOut">
               <a:rPr lang="en-US" smtClean="0"/>
-              <a:t>5/13/2019</a:t>
+              <a:t>5/16/2019</a:t>
             </a:fld>
             <a:endParaRPr lang="en-US"/>
           </a:p>
@@ -603,7 +603,7 @@
           <a:p>
             <a:fld id="{F7249F8D-641B-4CAF-BAE5-10524742F6F1}" type="datetimeFigureOut">
               <a:rPr lang="en-CA" smtClean="0"/>
-              <a:t>2019-05-13</a:t>
+              <a:t>2019-05-16</a:t>
             </a:fld>
             <a:endParaRPr lang="en-CA"/>
           </a:p>
@@ -773,7 +773,7 @@
           <a:p>
             <a:fld id="{F7249F8D-641B-4CAF-BAE5-10524742F6F1}" type="datetimeFigureOut">
               <a:rPr lang="en-CA" smtClean="0"/>
-              <a:t>2019-05-13</a:t>
+              <a:t>2019-05-16</a:t>
             </a:fld>
             <a:endParaRPr lang="en-CA"/>
           </a:p>
@@ -953,7 +953,7 @@
           <a:p>
             <a:fld id="{F7249F8D-641B-4CAF-BAE5-10524742F6F1}" type="datetimeFigureOut">
               <a:rPr lang="en-CA" smtClean="0"/>
-              <a:t>2019-05-13</a:t>
+              <a:t>2019-05-16</a:t>
             </a:fld>
             <a:endParaRPr lang="en-CA"/>
           </a:p>
@@ -1123,7 +1123,7 @@
           <a:p>
             <a:fld id="{F7249F8D-641B-4CAF-BAE5-10524742F6F1}" type="datetimeFigureOut">
               <a:rPr lang="en-CA" smtClean="0"/>
-              <a:t>2019-05-13</a:t>
+              <a:t>2019-05-16</a:t>
             </a:fld>
             <a:endParaRPr lang="en-CA"/>
           </a:p>
@@ -1369,7 +1369,7 @@
           <a:p>
             <a:fld id="{F7249F8D-641B-4CAF-BAE5-10524742F6F1}" type="datetimeFigureOut">
               <a:rPr lang="en-CA" smtClean="0"/>
-              <a:t>2019-05-13</a:t>
+              <a:t>2019-05-16</a:t>
             </a:fld>
             <a:endParaRPr lang="en-CA"/>
           </a:p>
@@ -1601,7 +1601,7 @@
           <a:p>
             <a:fld id="{F7249F8D-641B-4CAF-BAE5-10524742F6F1}" type="datetimeFigureOut">
               <a:rPr lang="en-CA" smtClean="0"/>
-              <a:t>2019-05-13</a:t>
+              <a:t>2019-05-16</a:t>
             </a:fld>
             <a:endParaRPr lang="en-CA"/>
           </a:p>
@@ -1968,7 +1968,7 @@
           <a:p>
             <a:fld id="{F7249F8D-641B-4CAF-BAE5-10524742F6F1}" type="datetimeFigureOut">
               <a:rPr lang="en-CA" smtClean="0"/>
-              <a:t>2019-05-13</a:t>
+              <a:t>2019-05-16</a:t>
             </a:fld>
             <a:endParaRPr lang="en-CA"/>
           </a:p>
@@ -2086,7 +2086,7 @@
           <a:p>
             <a:fld id="{F7249F8D-641B-4CAF-BAE5-10524742F6F1}" type="datetimeFigureOut">
               <a:rPr lang="en-CA" smtClean="0"/>
-              <a:t>2019-05-13</a:t>
+              <a:t>2019-05-16</a:t>
             </a:fld>
             <a:endParaRPr lang="en-CA"/>
           </a:p>
@@ -2181,7 +2181,7 @@
           <a:p>
             <a:fld id="{F7249F8D-641B-4CAF-BAE5-10524742F6F1}" type="datetimeFigureOut">
               <a:rPr lang="en-CA" smtClean="0"/>
-              <a:t>2019-05-13</a:t>
+              <a:t>2019-05-16</a:t>
             </a:fld>
             <a:endParaRPr lang="en-CA"/>
           </a:p>
@@ -2458,7 +2458,7 @@
           <a:p>
             <a:fld id="{F7249F8D-641B-4CAF-BAE5-10524742F6F1}" type="datetimeFigureOut">
               <a:rPr lang="en-CA" smtClean="0"/>
-              <a:t>2019-05-13</a:t>
+              <a:t>2019-05-16</a:t>
             </a:fld>
             <a:endParaRPr lang="en-CA"/>
           </a:p>
@@ -2711,7 +2711,7 @@
           <a:p>
             <a:fld id="{F7249F8D-641B-4CAF-BAE5-10524742F6F1}" type="datetimeFigureOut">
               <a:rPr lang="en-CA" smtClean="0"/>
-              <a:t>2019-05-13</a:t>
+              <a:t>2019-05-16</a:t>
             </a:fld>
             <a:endParaRPr lang="en-CA"/>
           </a:p>
@@ -2924,7 +2924,7 @@
           <a:p>
             <a:fld id="{F7249F8D-641B-4CAF-BAE5-10524742F6F1}" type="datetimeFigureOut">
               <a:rPr lang="en-CA" smtClean="0"/>
-              <a:t>2019-05-13</a:t>
+              <a:t>2019-05-16</a:t>
             </a:fld>
             <a:endParaRPr lang="en-CA"/>
           </a:p>
@@ -4117,7 +4117,7 @@
         </p:nvGrpSpPr>
         <p:grpSpPr>
           <a:xfrm>
-            <a:off x="451002" y="5155798"/>
+            <a:off x="450089" y="4081952"/>
             <a:ext cx="4031829" cy="558534"/>
             <a:chOff x="919312" y="3331012"/>
             <a:chExt cx="4031829" cy="558534"/>
@@ -5734,6 +5734,515 @@
           </p:txBody>
         </p:sp>
       </p:grpSp>
+      <p:grpSp>
+        <p:nvGrpSpPr>
+          <p:cNvPr id="66" name="Group 65"/>
+          <p:cNvGrpSpPr/>
+          <p:nvPr/>
+        </p:nvGrpSpPr>
+        <p:grpSpPr>
+          <a:xfrm>
+            <a:off x="3351095" y="4805059"/>
+            <a:ext cx="2251013" cy="1846610"/>
+            <a:chOff x="1508612" y="3434316"/>
+            <a:chExt cx="2251013" cy="1846610"/>
+          </a:xfrm>
+        </p:grpSpPr>
+        <p:cxnSp>
+          <p:nvCxnSpPr>
+            <p:cNvPr id="67" name="Straight Arrow Connector 66"/>
+            <p:cNvCxnSpPr/>
+            <p:nvPr/>
+          </p:nvCxnSpPr>
+          <p:spPr>
+            <a:xfrm>
+              <a:off x="1517076" y="3434316"/>
+              <a:ext cx="2242549" cy="10633"/>
+            </a:xfrm>
+            <a:prstGeom prst="straightConnector1">
+              <a:avLst/>
+            </a:prstGeom>
+            <a:ln w="28575">
+              <a:solidFill>
+                <a:schemeClr val="bg1">
+                  <a:lumMod val="65000"/>
+                </a:schemeClr>
+              </a:solidFill>
+              <a:tailEnd type="triangle"/>
+            </a:ln>
+          </p:spPr>
+          <p:style>
+            <a:lnRef idx="1">
+              <a:schemeClr val="accent1"/>
+            </a:lnRef>
+            <a:fillRef idx="0">
+              <a:schemeClr val="accent1"/>
+            </a:fillRef>
+            <a:effectRef idx="0">
+              <a:schemeClr val="accent1"/>
+            </a:effectRef>
+            <a:fontRef idx="minor">
+              <a:schemeClr val="tx1"/>
+            </a:fontRef>
+          </p:style>
+        </p:cxnSp>
+        <p:cxnSp>
+          <p:nvCxnSpPr>
+            <p:cNvPr id="68" name="Straight Arrow Connector 67"/>
+            <p:cNvCxnSpPr/>
+            <p:nvPr/>
+          </p:nvCxnSpPr>
+          <p:spPr>
+            <a:xfrm>
+              <a:off x="1512845" y="3588392"/>
+              <a:ext cx="2242549" cy="10633"/>
+            </a:xfrm>
+            <a:prstGeom prst="straightConnector1">
+              <a:avLst/>
+            </a:prstGeom>
+            <a:ln w="28575">
+              <a:solidFill>
+                <a:schemeClr val="bg1">
+                  <a:lumMod val="65000"/>
+                </a:schemeClr>
+              </a:solidFill>
+              <a:tailEnd type="triangle"/>
+            </a:ln>
+          </p:spPr>
+          <p:style>
+            <a:lnRef idx="1">
+              <a:schemeClr val="accent1"/>
+            </a:lnRef>
+            <a:fillRef idx="0">
+              <a:schemeClr val="accent1"/>
+            </a:fillRef>
+            <a:effectRef idx="0">
+              <a:schemeClr val="accent1"/>
+            </a:effectRef>
+            <a:fontRef idx="minor">
+              <a:schemeClr val="tx1"/>
+            </a:fontRef>
+          </p:style>
+        </p:cxnSp>
+        <p:cxnSp>
+          <p:nvCxnSpPr>
+            <p:cNvPr id="69" name="Straight Arrow Connector 68"/>
+            <p:cNvCxnSpPr/>
+            <p:nvPr/>
+          </p:nvCxnSpPr>
+          <p:spPr>
+            <a:xfrm>
+              <a:off x="1512844" y="3737151"/>
+              <a:ext cx="2242549" cy="10633"/>
+            </a:xfrm>
+            <a:prstGeom prst="straightConnector1">
+              <a:avLst/>
+            </a:prstGeom>
+            <a:ln w="28575">
+              <a:solidFill>
+                <a:schemeClr val="bg1">
+                  <a:lumMod val="65000"/>
+                </a:schemeClr>
+              </a:solidFill>
+              <a:tailEnd type="triangle"/>
+            </a:ln>
+          </p:spPr>
+          <p:style>
+            <a:lnRef idx="1">
+              <a:schemeClr val="accent1"/>
+            </a:lnRef>
+            <a:fillRef idx="0">
+              <a:schemeClr val="accent1"/>
+            </a:fillRef>
+            <a:effectRef idx="0">
+              <a:schemeClr val="accent1"/>
+            </a:effectRef>
+            <a:fontRef idx="minor">
+              <a:schemeClr val="tx1"/>
+            </a:fontRef>
+          </p:style>
+        </p:cxnSp>
+        <p:cxnSp>
+          <p:nvCxnSpPr>
+            <p:cNvPr id="70" name="Straight Arrow Connector 69"/>
+            <p:cNvCxnSpPr/>
+            <p:nvPr/>
+          </p:nvCxnSpPr>
+          <p:spPr>
+            <a:xfrm>
+              <a:off x="1517076" y="3891141"/>
+              <a:ext cx="2242549" cy="10633"/>
+            </a:xfrm>
+            <a:prstGeom prst="straightConnector1">
+              <a:avLst/>
+            </a:prstGeom>
+            <a:ln w="28575">
+              <a:solidFill>
+                <a:schemeClr val="bg1">
+                  <a:lumMod val="65000"/>
+                </a:schemeClr>
+              </a:solidFill>
+              <a:tailEnd type="triangle"/>
+            </a:ln>
+          </p:spPr>
+          <p:style>
+            <a:lnRef idx="1">
+              <a:schemeClr val="accent1"/>
+            </a:lnRef>
+            <a:fillRef idx="0">
+              <a:schemeClr val="accent1"/>
+            </a:fillRef>
+            <a:effectRef idx="0">
+              <a:schemeClr val="accent1"/>
+            </a:effectRef>
+            <a:fontRef idx="minor">
+              <a:schemeClr val="tx1"/>
+            </a:fontRef>
+          </p:style>
+        </p:cxnSp>
+        <p:cxnSp>
+          <p:nvCxnSpPr>
+            <p:cNvPr id="71" name="Straight Arrow Connector 70"/>
+            <p:cNvCxnSpPr/>
+            <p:nvPr/>
+          </p:nvCxnSpPr>
+          <p:spPr>
+            <a:xfrm>
+              <a:off x="1512845" y="4045217"/>
+              <a:ext cx="2242549" cy="10633"/>
+            </a:xfrm>
+            <a:prstGeom prst="straightConnector1">
+              <a:avLst/>
+            </a:prstGeom>
+            <a:ln w="28575">
+              <a:solidFill>
+                <a:schemeClr val="bg1">
+                  <a:lumMod val="65000"/>
+                </a:schemeClr>
+              </a:solidFill>
+              <a:tailEnd type="triangle"/>
+            </a:ln>
+          </p:spPr>
+          <p:style>
+            <a:lnRef idx="1">
+              <a:schemeClr val="accent1"/>
+            </a:lnRef>
+            <a:fillRef idx="0">
+              <a:schemeClr val="accent1"/>
+            </a:fillRef>
+            <a:effectRef idx="0">
+              <a:schemeClr val="accent1"/>
+            </a:effectRef>
+            <a:fontRef idx="minor">
+              <a:schemeClr val="tx1"/>
+            </a:fontRef>
+          </p:style>
+        </p:cxnSp>
+        <p:cxnSp>
+          <p:nvCxnSpPr>
+            <p:cNvPr id="72" name="Straight Arrow Connector 71"/>
+            <p:cNvCxnSpPr/>
+            <p:nvPr/>
+          </p:nvCxnSpPr>
+          <p:spPr>
+            <a:xfrm>
+              <a:off x="1512844" y="4193976"/>
+              <a:ext cx="2242549" cy="10633"/>
+            </a:xfrm>
+            <a:prstGeom prst="straightConnector1">
+              <a:avLst/>
+            </a:prstGeom>
+            <a:ln w="28575">
+              <a:solidFill>
+                <a:schemeClr val="bg1">
+                  <a:lumMod val="65000"/>
+                </a:schemeClr>
+              </a:solidFill>
+              <a:tailEnd type="triangle"/>
+            </a:ln>
+          </p:spPr>
+          <p:style>
+            <a:lnRef idx="1">
+              <a:schemeClr val="accent1"/>
+            </a:lnRef>
+            <a:fillRef idx="0">
+              <a:schemeClr val="accent1"/>
+            </a:fillRef>
+            <a:effectRef idx="0">
+              <a:schemeClr val="accent1"/>
+            </a:effectRef>
+            <a:fontRef idx="minor">
+              <a:schemeClr val="tx1"/>
+            </a:fontRef>
+          </p:style>
+        </p:cxnSp>
+        <p:cxnSp>
+          <p:nvCxnSpPr>
+            <p:cNvPr id="73" name="Straight Arrow Connector 72"/>
+            <p:cNvCxnSpPr/>
+            <p:nvPr/>
+          </p:nvCxnSpPr>
+          <p:spPr>
+            <a:xfrm>
+              <a:off x="1517076" y="4352908"/>
+              <a:ext cx="2242549" cy="10633"/>
+            </a:xfrm>
+            <a:prstGeom prst="straightConnector1">
+              <a:avLst/>
+            </a:prstGeom>
+            <a:ln w="28575">
+              <a:solidFill>
+                <a:schemeClr val="bg1">
+                  <a:lumMod val="65000"/>
+                </a:schemeClr>
+              </a:solidFill>
+              <a:tailEnd type="triangle"/>
+            </a:ln>
+          </p:spPr>
+          <p:style>
+            <a:lnRef idx="1">
+              <a:schemeClr val="accent1"/>
+            </a:lnRef>
+            <a:fillRef idx="0">
+              <a:schemeClr val="accent1"/>
+            </a:fillRef>
+            <a:effectRef idx="0">
+              <a:schemeClr val="accent1"/>
+            </a:effectRef>
+            <a:fontRef idx="minor">
+              <a:schemeClr val="tx1"/>
+            </a:fontRef>
+          </p:style>
+        </p:cxnSp>
+        <p:cxnSp>
+          <p:nvCxnSpPr>
+            <p:cNvPr id="74" name="Straight Arrow Connector 73"/>
+            <p:cNvCxnSpPr/>
+            <p:nvPr/>
+          </p:nvCxnSpPr>
+          <p:spPr>
+            <a:xfrm>
+              <a:off x="1512845" y="4506984"/>
+              <a:ext cx="2242549" cy="10633"/>
+            </a:xfrm>
+            <a:prstGeom prst="straightConnector1">
+              <a:avLst/>
+            </a:prstGeom>
+            <a:ln w="28575">
+              <a:solidFill>
+                <a:schemeClr val="bg1">
+                  <a:lumMod val="65000"/>
+                </a:schemeClr>
+              </a:solidFill>
+              <a:tailEnd type="triangle"/>
+            </a:ln>
+          </p:spPr>
+          <p:style>
+            <a:lnRef idx="1">
+              <a:schemeClr val="accent1"/>
+            </a:lnRef>
+            <a:fillRef idx="0">
+              <a:schemeClr val="accent1"/>
+            </a:fillRef>
+            <a:effectRef idx="0">
+              <a:schemeClr val="accent1"/>
+            </a:effectRef>
+            <a:fontRef idx="minor">
+              <a:schemeClr val="tx1"/>
+            </a:fontRef>
+          </p:style>
+        </p:cxnSp>
+        <p:cxnSp>
+          <p:nvCxnSpPr>
+            <p:cNvPr id="75" name="Straight Arrow Connector 74"/>
+            <p:cNvCxnSpPr/>
+            <p:nvPr/>
+          </p:nvCxnSpPr>
+          <p:spPr>
+            <a:xfrm>
+              <a:off x="1512844" y="4655743"/>
+              <a:ext cx="2242549" cy="10633"/>
+            </a:xfrm>
+            <a:prstGeom prst="straightConnector1">
+              <a:avLst/>
+            </a:prstGeom>
+            <a:ln w="28575">
+              <a:solidFill>
+                <a:schemeClr val="bg1">
+                  <a:lumMod val="65000"/>
+                </a:schemeClr>
+              </a:solidFill>
+              <a:tailEnd type="triangle"/>
+            </a:ln>
+          </p:spPr>
+          <p:style>
+            <a:lnRef idx="1">
+              <a:schemeClr val="accent1"/>
+            </a:lnRef>
+            <a:fillRef idx="0">
+              <a:schemeClr val="accent1"/>
+            </a:fillRef>
+            <a:effectRef idx="0">
+              <a:schemeClr val="accent1"/>
+            </a:effectRef>
+            <a:fontRef idx="minor">
+              <a:schemeClr val="tx1"/>
+            </a:fontRef>
+          </p:style>
+        </p:cxnSp>
+        <p:cxnSp>
+          <p:nvCxnSpPr>
+            <p:cNvPr id="76" name="Straight Arrow Connector 75"/>
+            <p:cNvCxnSpPr/>
+            <p:nvPr/>
+          </p:nvCxnSpPr>
+          <p:spPr>
+            <a:xfrm>
+              <a:off x="1508612" y="4808526"/>
+              <a:ext cx="2242549" cy="10633"/>
+            </a:xfrm>
+            <a:prstGeom prst="straightConnector1">
+              <a:avLst/>
+            </a:prstGeom>
+            <a:ln w="28575">
+              <a:solidFill>
+                <a:schemeClr val="bg1">
+                  <a:lumMod val="65000"/>
+                </a:schemeClr>
+              </a:solidFill>
+              <a:tailEnd type="triangle"/>
+            </a:ln>
+          </p:spPr>
+          <p:style>
+            <a:lnRef idx="1">
+              <a:schemeClr val="accent1"/>
+            </a:lnRef>
+            <a:fillRef idx="0">
+              <a:schemeClr val="accent1"/>
+            </a:fillRef>
+            <a:effectRef idx="0">
+              <a:schemeClr val="accent1"/>
+            </a:effectRef>
+            <a:fontRef idx="minor">
+              <a:schemeClr val="tx1"/>
+            </a:fontRef>
+          </p:style>
+        </p:cxnSp>
+        <p:cxnSp>
+          <p:nvCxnSpPr>
+            <p:cNvPr id="77" name="Straight Arrow Connector 76"/>
+            <p:cNvCxnSpPr/>
+            <p:nvPr/>
+          </p:nvCxnSpPr>
+          <p:spPr>
+            <a:xfrm>
+              <a:off x="1512844" y="4967458"/>
+              <a:ext cx="2242549" cy="10633"/>
+            </a:xfrm>
+            <a:prstGeom prst="straightConnector1">
+              <a:avLst/>
+            </a:prstGeom>
+            <a:ln w="28575">
+              <a:solidFill>
+                <a:schemeClr val="bg1">
+                  <a:lumMod val="65000"/>
+                </a:schemeClr>
+              </a:solidFill>
+              <a:tailEnd type="triangle"/>
+            </a:ln>
+          </p:spPr>
+          <p:style>
+            <a:lnRef idx="1">
+              <a:schemeClr val="accent1"/>
+            </a:lnRef>
+            <a:fillRef idx="0">
+              <a:schemeClr val="accent1"/>
+            </a:fillRef>
+            <a:effectRef idx="0">
+              <a:schemeClr val="accent1"/>
+            </a:effectRef>
+            <a:fontRef idx="minor">
+              <a:schemeClr val="tx1"/>
+            </a:fontRef>
+          </p:style>
+        </p:cxnSp>
+        <p:cxnSp>
+          <p:nvCxnSpPr>
+            <p:cNvPr id="78" name="Straight Arrow Connector 77"/>
+            <p:cNvCxnSpPr/>
+            <p:nvPr/>
+          </p:nvCxnSpPr>
+          <p:spPr>
+            <a:xfrm>
+              <a:off x="1508613" y="5121534"/>
+              <a:ext cx="2242549" cy="10633"/>
+            </a:xfrm>
+            <a:prstGeom prst="straightConnector1">
+              <a:avLst/>
+            </a:prstGeom>
+            <a:ln w="28575">
+              <a:solidFill>
+                <a:schemeClr val="bg1">
+                  <a:lumMod val="65000"/>
+                </a:schemeClr>
+              </a:solidFill>
+              <a:tailEnd type="triangle"/>
+            </a:ln>
+          </p:spPr>
+          <p:style>
+            <a:lnRef idx="1">
+              <a:schemeClr val="accent1"/>
+            </a:lnRef>
+            <a:fillRef idx="0">
+              <a:schemeClr val="accent1"/>
+            </a:fillRef>
+            <a:effectRef idx="0">
+              <a:schemeClr val="accent1"/>
+            </a:effectRef>
+            <a:fontRef idx="minor">
+              <a:schemeClr val="tx1"/>
+            </a:fontRef>
+          </p:style>
+        </p:cxnSp>
+        <p:cxnSp>
+          <p:nvCxnSpPr>
+            <p:cNvPr id="79" name="Straight Arrow Connector 78"/>
+            <p:cNvCxnSpPr/>
+            <p:nvPr/>
+          </p:nvCxnSpPr>
+          <p:spPr>
+            <a:xfrm>
+              <a:off x="1508612" y="5270293"/>
+              <a:ext cx="2242549" cy="10633"/>
+            </a:xfrm>
+            <a:prstGeom prst="straightConnector1">
+              <a:avLst/>
+            </a:prstGeom>
+            <a:ln w="28575">
+              <a:solidFill>
+                <a:schemeClr val="bg1">
+                  <a:lumMod val="65000"/>
+                </a:schemeClr>
+              </a:solidFill>
+              <a:tailEnd type="triangle"/>
+            </a:ln>
+          </p:spPr>
+          <p:style>
+            <a:lnRef idx="1">
+              <a:schemeClr val="accent1"/>
+            </a:lnRef>
+            <a:fillRef idx="0">
+              <a:schemeClr val="accent1"/>
+            </a:fillRef>
+            <a:effectRef idx="0">
+              <a:schemeClr val="accent1"/>
+            </a:effectRef>
+            <a:fontRef idx="minor">
+              <a:schemeClr val="tx1"/>
+            </a:fontRef>
+          </p:style>
+        </p:cxnSp>
+      </p:grpSp>
     </p:spTree>
     <p:extLst>
       <p:ext uri="{BB962C8B-B14F-4D97-AF65-F5344CB8AC3E}">
@@ -6336,10 +6845,6 @@
               </a:rPr>
               <a:t>+ - + - + - + - + - +</a:t>
             </a:r>
-            <a:endParaRPr lang="en-US" sz="2000" dirty="0" smtClean="0">
-              <a:latin typeface="Arial" panose="020B0604020202020204" pitchFamily="34" charset="0"/>
-              <a:cs typeface="Arial" panose="020B0604020202020204" pitchFamily="34" charset="0"/>
-            </a:endParaRPr>
           </a:p>
         </p:txBody>
       </p:sp>
@@ -6372,10 +6877,6 @@
               </a:rPr>
               <a:t>+ </a:t>
             </a:r>
-            <a:endParaRPr lang="en-US" sz="2000" dirty="0" smtClean="0">
-              <a:latin typeface="Arial" panose="020B0604020202020204" pitchFamily="34" charset="0"/>
-              <a:cs typeface="Arial" panose="020B0604020202020204" pitchFamily="34" charset="0"/>
-            </a:endParaRPr>
           </a:p>
         </p:txBody>
       </p:sp>
@@ -6472,10 +6973,6 @@
                 </a:rPr>
                 <a:t>+ </a:t>
               </a:r>
-              <a:endParaRPr lang="en-US" sz="2000" dirty="0" smtClean="0">
-                <a:latin typeface="Arial" panose="020B0604020202020204" pitchFamily="34" charset="0"/>
-                <a:cs typeface="Arial" panose="020B0604020202020204" pitchFamily="34" charset="0"/>
-              </a:endParaRPr>
             </a:p>
           </p:txBody>
         </p:sp>
@@ -6508,10 +7005,6 @@
                 </a:rPr>
                 <a:t>+ </a:t>
               </a:r>
-              <a:endParaRPr lang="en-US" sz="2000" dirty="0" smtClean="0">
-                <a:latin typeface="Arial" panose="020B0604020202020204" pitchFamily="34" charset="0"/>
-                <a:cs typeface="Arial" panose="020B0604020202020204" pitchFamily="34" charset="0"/>
-              </a:endParaRPr>
             </a:p>
           </p:txBody>
         </p:sp>
@@ -6544,10 +7037,6 @@
                 </a:rPr>
                 <a:t>+ </a:t>
               </a:r>
-              <a:endParaRPr lang="en-US" sz="2000" dirty="0" smtClean="0">
-                <a:latin typeface="Arial" panose="020B0604020202020204" pitchFamily="34" charset="0"/>
-                <a:cs typeface="Arial" panose="020B0604020202020204" pitchFamily="34" charset="0"/>
-              </a:endParaRPr>
             </a:p>
           </p:txBody>
         </p:sp>
@@ -6580,10 +7069,6 @@
                 </a:rPr>
                 <a:t>+ </a:t>
               </a:r>
-              <a:endParaRPr lang="en-US" sz="2000" dirty="0" smtClean="0">
-                <a:latin typeface="Arial" panose="020B0604020202020204" pitchFamily="34" charset="0"/>
-                <a:cs typeface="Arial" panose="020B0604020202020204" pitchFamily="34" charset="0"/>
-              </a:endParaRPr>
             </a:p>
           </p:txBody>
         </p:sp>
@@ -6616,10 +7101,6 @@
                 </a:rPr>
                 <a:t>+ </a:t>
               </a:r>
-              <a:endParaRPr lang="en-US" sz="2000" dirty="0" smtClean="0">
-                <a:latin typeface="Arial" panose="020B0604020202020204" pitchFamily="34" charset="0"/>
-                <a:cs typeface="Arial" panose="020B0604020202020204" pitchFamily="34" charset="0"/>
-              </a:endParaRPr>
             </a:p>
           </p:txBody>
         </p:sp>
@@ -6652,10 +7133,6 @@
                 </a:rPr>
                 <a:t>-</a:t>
               </a:r>
-              <a:endParaRPr lang="en-US" sz="2000" dirty="0" smtClean="0">
-                <a:latin typeface="Arial" panose="020B0604020202020204" pitchFamily="34" charset="0"/>
-                <a:cs typeface="Arial" panose="020B0604020202020204" pitchFamily="34" charset="0"/>
-              </a:endParaRPr>
             </a:p>
           </p:txBody>
         </p:sp>
@@ -6688,10 +7165,6 @@
                 </a:rPr>
                 <a:t>-</a:t>
               </a:r>
-              <a:endParaRPr lang="en-US" sz="2000" dirty="0" smtClean="0">
-                <a:latin typeface="Arial" panose="020B0604020202020204" pitchFamily="34" charset="0"/>
-                <a:cs typeface="Arial" panose="020B0604020202020204" pitchFamily="34" charset="0"/>
-              </a:endParaRPr>
             </a:p>
           </p:txBody>
         </p:sp>
@@ -6724,10 +7197,6 @@
                 </a:rPr>
                 <a:t>-</a:t>
               </a:r>
-              <a:endParaRPr lang="en-US" sz="2000" dirty="0" smtClean="0">
-                <a:latin typeface="Arial" panose="020B0604020202020204" pitchFamily="34" charset="0"/>
-                <a:cs typeface="Arial" panose="020B0604020202020204" pitchFamily="34" charset="0"/>
-              </a:endParaRPr>
             </a:p>
           </p:txBody>
         </p:sp>
@@ -6760,10 +7229,6 @@
                 </a:rPr>
                 <a:t>-</a:t>
               </a:r>
-              <a:endParaRPr lang="en-US" sz="2000" dirty="0" smtClean="0">
-                <a:latin typeface="Arial" panose="020B0604020202020204" pitchFamily="34" charset="0"/>
-                <a:cs typeface="Arial" panose="020B0604020202020204" pitchFamily="34" charset="0"/>
-              </a:endParaRPr>
             </a:p>
           </p:txBody>
         </p:sp>
@@ -6796,10 +7261,6 @@
                 </a:rPr>
                 <a:t>-</a:t>
               </a:r>
-              <a:endParaRPr lang="en-US" sz="2000" dirty="0" smtClean="0">
-                <a:latin typeface="Arial" panose="020B0604020202020204" pitchFamily="34" charset="0"/>
-                <a:cs typeface="Arial" panose="020B0604020202020204" pitchFamily="34" charset="0"/>
-              </a:endParaRPr>
             </a:p>
           </p:txBody>
         </p:sp>
@@ -6832,10 +7293,6 @@
                 </a:rPr>
                 <a:t>-</a:t>
               </a:r>
-              <a:endParaRPr lang="en-US" sz="2000" dirty="0" smtClean="0">
-                <a:latin typeface="Arial" panose="020B0604020202020204" pitchFamily="34" charset="0"/>
-                <a:cs typeface="Arial" panose="020B0604020202020204" pitchFamily="34" charset="0"/>
-              </a:endParaRPr>
             </a:p>
           </p:txBody>
         </p:sp>
@@ -6876,8 +7333,8 @@
           </a:fontRef>
         </p:style>
       </p:cxnSp>
-      <mc:AlternateContent xmlns:mc="http://schemas.openxmlformats.org/markup-compatibility/2006">
-        <mc:Choice xmlns:a14="http://schemas.microsoft.com/office/drawing/2010/main" Requires="a14">
+      <mc:AlternateContent xmlns:mc="http://schemas.openxmlformats.org/markup-compatibility/2006" xmlns:a14="http://schemas.microsoft.com/office/drawing/2010/main">
+        <mc:Choice Requires="a14">
           <p:sp>
             <p:nvSpPr>
               <p:cNvPr id="95" name="TextBox 94"/>
@@ -6900,6 +7357,7 @@
               </a:bodyPr>
               <a:lstStyle/>
               <a:p>
+                <a:pPr/>
                 <a14:m>
                   <m:oMathPara xmlns:m="http://schemas.openxmlformats.org/officeDocument/2006/math">
                     <m:oMathParaPr>
@@ -6938,7 +7396,7 @@
             </p:txBody>
           </p:sp>
         </mc:Choice>
-        <mc:Fallback>
+        <mc:Fallback xmlns="">
           <p:sp>
             <p:nvSpPr>
               <p:cNvPr id="95" name="TextBox 94"/>
@@ -6977,8 +7435,8 @@
           </p:sp>
         </mc:Fallback>
       </mc:AlternateContent>
-      <mc:AlternateContent xmlns:mc="http://schemas.openxmlformats.org/markup-compatibility/2006">
-        <mc:Choice xmlns:a14="http://schemas.microsoft.com/office/drawing/2010/main" Requires="a14">
+      <mc:AlternateContent xmlns:mc="http://schemas.openxmlformats.org/markup-compatibility/2006" xmlns:a14="http://schemas.microsoft.com/office/drawing/2010/main">
+        <mc:Choice Requires="a14">
           <p:sp>
             <p:nvSpPr>
               <p:cNvPr id="96" name="TextBox 95"/>
@@ -7001,6 +7459,7 @@
               </a:bodyPr>
               <a:lstStyle/>
               <a:p>
+                <a:pPr/>
                 <a14:m>
                   <m:oMathPara xmlns:m="http://schemas.openxmlformats.org/officeDocument/2006/math">
                     <m:oMathParaPr>
@@ -7053,7 +7512,7 @@
             </p:txBody>
           </p:sp>
         </mc:Choice>
-        <mc:Fallback>
+        <mc:Fallback xmlns="">
           <p:sp>
             <p:nvSpPr>
               <p:cNvPr id="96" name="TextBox 95"/>
@@ -7135,10 +7594,6 @@
                 </a:rPr>
                 <a:t>-</a:t>
               </a:r>
-              <a:endParaRPr lang="en-US" sz="2000" dirty="0" smtClean="0">
-                <a:latin typeface="Arial" panose="020B0604020202020204" pitchFamily="34" charset="0"/>
-                <a:cs typeface="Arial" panose="020B0604020202020204" pitchFamily="34" charset="0"/>
-              </a:endParaRPr>
             </a:p>
           </p:txBody>
         </p:sp>
@@ -7171,10 +7626,6 @@
                 </a:rPr>
                 <a:t>-</a:t>
               </a:r>
-              <a:endParaRPr lang="en-US" sz="2000" dirty="0" smtClean="0">
-                <a:latin typeface="Arial" panose="020B0604020202020204" pitchFamily="34" charset="0"/>
-                <a:cs typeface="Arial" panose="020B0604020202020204" pitchFamily="34" charset="0"/>
-              </a:endParaRPr>
             </a:p>
           </p:txBody>
         </p:sp>
@@ -7253,10 +7704,6 @@
                 </a:rPr>
                 <a:t>-</a:t>
               </a:r>
-              <a:endParaRPr lang="en-US" sz="2000" dirty="0" smtClean="0">
-                <a:latin typeface="Arial" panose="020B0604020202020204" pitchFamily="34" charset="0"/>
-                <a:cs typeface="Arial" panose="020B0604020202020204" pitchFamily="34" charset="0"/>
-              </a:endParaRPr>
             </a:p>
           </p:txBody>
         </p:sp>
@@ -7289,10 +7736,6 @@
                 </a:rPr>
                 <a:t>-</a:t>
               </a:r>
-              <a:endParaRPr lang="en-US" sz="2000" dirty="0" smtClean="0">
-                <a:latin typeface="Arial" panose="020B0604020202020204" pitchFamily="34" charset="0"/>
-                <a:cs typeface="Arial" panose="020B0604020202020204" pitchFamily="34" charset="0"/>
-              </a:endParaRPr>
             </a:p>
           </p:txBody>
         </p:sp>
@@ -7325,10 +7768,6 @@
                 </a:rPr>
                 <a:t>-</a:t>
               </a:r>
-              <a:endParaRPr lang="en-US" sz="2000" dirty="0" smtClean="0">
-                <a:latin typeface="Arial" panose="020B0604020202020204" pitchFamily="34" charset="0"/>
-                <a:cs typeface="Arial" panose="020B0604020202020204" pitchFamily="34" charset="0"/>
-              </a:endParaRPr>
             </a:p>
           </p:txBody>
         </p:sp>
@@ -7361,10 +7800,6 @@
                 </a:rPr>
                 <a:t>-</a:t>
               </a:r>
-              <a:endParaRPr lang="en-US" sz="2000" dirty="0" smtClean="0">
-                <a:latin typeface="Arial" panose="020B0604020202020204" pitchFamily="34" charset="0"/>
-                <a:cs typeface="Arial" panose="020B0604020202020204" pitchFamily="34" charset="0"/>
-              </a:endParaRPr>
             </a:p>
           </p:txBody>
         </p:sp>
@@ -7397,10 +7832,6 @@
                 </a:rPr>
                 <a:t>-</a:t>
               </a:r>
-              <a:endParaRPr lang="en-US" sz="2000" dirty="0" smtClean="0">
-                <a:latin typeface="Arial" panose="020B0604020202020204" pitchFamily="34" charset="0"/>
-                <a:cs typeface="Arial" panose="020B0604020202020204" pitchFamily="34" charset="0"/>
-              </a:endParaRPr>
             </a:p>
           </p:txBody>
         </p:sp>
@@ -7433,10 +7864,6 @@
                 </a:rPr>
                 <a:t>-</a:t>
               </a:r>
-              <a:endParaRPr lang="en-US" sz="2000" dirty="0" smtClean="0">
-                <a:latin typeface="Arial" panose="020B0604020202020204" pitchFamily="34" charset="0"/>
-                <a:cs typeface="Arial" panose="020B0604020202020204" pitchFamily="34" charset="0"/>
-              </a:endParaRPr>
             </a:p>
           </p:txBody>
         </p:sp>
@@ -7469,10 +7896,6 @@
                 </a:rPr>
                 <a:t>-</a:t>
               </a:r>
-              <a:endParaRPr lang="en-US" sz="2000" dirty="0" smtClean="0">
-                <a:latin typeface="Arial" panose="020B0604020202020204" pitchFamily="34" charset="0"/>
-                <a:cs typeface="Arial" panose="020B0604020202020204" pitchFamily="34" charset="0"/>
-              </a:endParaRPr>
             </a:p>
           </p:txBody>
         </p:sp>
@@ -7505,10 +7928,6 @@
                 </a:rPr>
                 <a:t>-</a:t>
               </a:r>
-              <a:endParaRPr lang="en-US" sz="2000" dirty="0" smtClean="0">
-                <a:latin typeface="Arial" panose="020B0604020202020204" pitchFamily="34" charset="0"/>
-                <a:cs typeface="Arial" panose="020B0604020202020204" pitchFamily="34" charset="0"/>
-              </a:endParaRPr>
             </a:p>
           </p:txBody>
         </p:sp>
@@ -7570,10 +7989,6 @@
                   </a:rPr>
                   <a:t>+ </a:t>
                 </a:r>
-                <a:endParaRPr lang="en-US" sz="2000" dirty="0" smtClean="0">
-                  <a:latin typeface="Arial" panose="020B0604020202020204" pitchFamily="34" charset="0"/>
-                  <a:cs typeface="Arial" panose="020B0604020202020204" pitchFamily="34" charset="0"/>
-                </a:endParaRPr>
               </a:p>
             </p:txBody>
           </p:sp>
@@ -7670,10 +8085,6 @@
                     </a:rPr>
                     <a:t>+ </a:t>
                   </a:r>
-                  <a:endParaRPr lang="en-US" sz="2000" dirty="0" smtClean="0">
-                    <a:latin typeface="Arial" panose="020B0604020202020204" pitchFamily="34" charset="0"/>
-                    <a:cs typeface="Arial" panose="020B0604020202020204" pitchFamily="34" charset="0"/>
-                  </a:endParaRPr>
                 </a:p>
               </p:txBody>
             </p:sp>
@@ -7706,10 +8117,6 @@
                     </a:rPr>
                     <a:t>+ </a:t>
                   </a:r>
-                  <a:endParaRPr lang="en-US" sz="2000" dirty="0" smtClean="0">
-                    <a:latin typeface="Arial" panose="020B0604020202020204" pitchFamily="34" charset="0"/>
-                    <a:cs typeface="Arial" panose="020B0604020202020204" pitchFamily="34" charset="0"/>
-                  </a:endParaRPr>
                 </a:p>
               </p:txBody>
             </p:sp>
@@ -7742,10 +8149,6 @@
                     </a:rPr>
                     <a:t>+ </a:t>
                   </a:r>
-                  <a:endParaRPr lang="en-US" sz="2000" dirty="0" smtClean="0">
-                    <a:latin typeface="Arial" panose="020B0604020202020204" pitchFamily="34" charset="0"/>
-                    <a:cs typeface="Arial" panose="020B0604020202020204" pitchFamily="34" charset="0"/>
-                  </a:endParaRPr>
                 </a:p>
               </p:txBody>
             </p:sp>
@@ -7778,10 +8181,6 @@
                     </a:rPr>
                     <a:t>+ </a:t>
                   </a:r>
-                  <a:endParaRPr lang="en-US" sz="2000" dirty="0" smtClean="0">
-                    <a:latin typeface="Arial" panose="020B0604020202020204" pitchFamily="34" charset="0"/>
-                    <a:cs typeface="Arial" panose="020B0604020202020204" pitchFamily="34" charset="0"/>
-                  </a:endParaRPr>
                 </a:p>
               </p:txBody>
             </p:sp>
@@ -7814,10 +8213,6 @@
                     </a:rPr>
                     <a:t>+ </a:t>
                   </a:r>
-                  <a:endParaRPr lang="en-US" sz="2000" dirty="0" smtClean="0">
-                    <a:latin typeface="Arial" panose="020B0604020202020204" pitchFamily="34" charset="0"/>
-                    <a:cs typeface="Arial" panose="020B0604020202020204" pitchFamily="34" charset="0"/>
-                  </a:endParaRPr>
                 </a:p>
               </p:txBody>
             </p:sp>
@@ -7850,10 +8245,6 @@
                     </a:rPr>
                     <a:t>-</a:t>
                   </a:r>
-                  <a:endParaRPr lang="en-US" sz="2000" dirty="0" smtClean="0">
-                    <a:latin typeface="Arial" panose="020B0604020202020204" pitchFamily="34" charset="0"/>
-                    <a:cs typeface="Arial" panose="020B0604020202020204" pitchFamily="34" charset="0"/>
-                  </a:endParaRPr>
                 </a:p>
               </p:txBody>
             </p:sp>
@@ -7886,10 +8277,6 @@
                     </a:rPr>
                     <a:t>-</a:t>
                   </a:r>
-                  <a:endParaRPr lang="en-US" sz="2000" dirty="0" smtClean="0">
-                    <a:latin typeface="Arial" panose="020B0604020202020204" pitchFamily="34" charset="0"/>
-                    <a:cs typeface="Arial" panose="020B0604020202020204" pitchFamily="34" charset="0"/>
-                  </a:endParaRPr>
                 </a:p>
               </p:txBody>
             </p:sp>
@@ -7922,10 +8309,6 @@
                     </a:rPr>
                     <a:t>-</a:t>
                   </a:r>
-                  <a:endParaRPr lang="en-US" sz="2000" dirty="0" smtClean="0">
-                    <a:latin typeface="Arial" panose="020B0604020202020204" pitchFamily="34" charset="0"/>
-                    <a:cs typeface="Arial" panose="020B0604020202020204" pitchFamily="34" charset="0"/>
-                  </a:endParaRPr>
                 </a:p>
               </p:txBody>
             </p:sp>
@@ -7958,10 +8341,6 @@
                     </a:rPr>
                     <a:t>-</a:t>
                   </a:r>
-                  <a:endParaRPr lang="en-US" sz="2000" dirty="0" smtClean="0">
-                    <a:latin typeface="Arial" panose="020B0604020202020204" pitchFamily="34" charset="0"/>
-                    <a:cs typeface="Arial" panose="020B0604020202020204" pitchFamily="34" charset="0"/>
-                  </a:endParaRPr>
                 </a:p>
               </p:txBody>
             </p:sp>
@@ -7994,10 +8373,6 @@
                     </a:rPr>
                     <a:t>-</a:t>
                   </a:r>
-                  <a:endParaRPr lang="en-US" sz="2000" dirty="0" smtClean="0">
-                    <a:latin typeface="Arial" panose="020B0604020202020204" pitchFamily="34" charset="0"/>
-                    <a:cs typeface="Arial" panose="020B0604020202020204" pitchFamily="34" charset="0"/>
-                  </a:endParaRPr>
                 </a:p>
               </p:txBody>
             </p:sp>
@@ -8030,16 +8405,12 @@
                     </a:rPr>
                     <a:t>-</a:t>
                   </a:r>
-                  <a:endParaRPr lang="en-US" sz="2000" dirty="0" smtClean="0">
-                    <a:latin typeface="Arial" panose="020B0604020202020204" pitchFamily="34" charset="0"/>
-                    <a:cs typeface="Arial" panose="020B0604020202020204" pitchFamily="34" charset="0"/>
-                  </a:endParaRPr>
                 </a:p>
               </p:txBody>
             </p:sp>
           </p:grpSp>
-          <mc:AlternateContent xmlns:mc="http://schemas.openxmlformats.org/markup-compatibility/2006">
-            <mc:Choice xmlns:a14="http://schemas.microsoft.com/office/drawing/2010/main" Requires="a14">
+          <mc:AlternateContent xmlns:mc="http://schemas.openxmlformats.org/markup-compatibility/2006" xmlns:a14="http://schemas.microsoft.com/office/drawing/2010/main">
+            <mc:Choice Requires="a14">
               <p:sp>
                 <p:nvSpPr>
                   <p:cNvPr id="117" name="TextBox 116"/>
@@ -8062,6 +8433,7 @@
                   </a:bodyPr>
                   <a:lstStyle/>
                   <a:p>
+                    <a:pPr/>
                     <a14:m>
                       <m:oMathPara xmlns:m="http://schemas.openxmlformats.org/officeDocument/2006/math">
                         <m:oMathParaPr>
@@ -8086,7 +8458,7 @@
                 </p:txBody>
               </p:sp>
             </mc:Choice>
-            <mc:Fallback>
+            <mc:Fallback xmlns="">
               <p:sp>
                 <p:nvSpPr>
                   <p:cNvPr id="117" name="TextBox 116"/>
@@ -8168,10 +8540,6 @@
                     </a:rPr>
                     <a:t>-</a:t>
                   </a:r>
-                  <a:endParaRPr lang="en-US" sz="2000" dirty="0" smtClean="0">
-                    <a:latin typeface="Arial" panose="020B0604020202020204" pitchFamily="34" charset="0"/>
-                    <a:cs typeface="Arial" panose="020B0604020202020204" pitchFamily="34" charset="0"/>
-                  </a:endParaRPr>
                 </a:p>
               </p:txBody>
             </p:sp>
@@ -8204,10 +8572,6 @@
                     </a:rPr>
                     <a:t>-</a:t>
                   </a:r>
-                  <a:endParaRPr lang="en-US" sz="2000" dirty="0" smtClean="0">
-                    <a:latin typeface="Arial" panose="020B0604020202020204" pitchFamily="34" charset="0"/>
-                    <a:cs typeface="Arial" panose="020B0604020202020204" pitchFamily="34" charset="0"/>
-                  </a:endParaRPr>
                 </a:p>
               </p:txBody>
             </p:sp>
@@ -8286,10 +8650,6 @@
                     </a:rPr>
                     <a:t>-</a:t>
                   </a:r>
-                  <a:endParaRPr lang="en-US" sz="2000" dirty="0" smtClean="0">
-                    <a:latin typeface="Arial" panose="020B0604020202020204" pitchFamily="34" charset="0"/>
-                    <a:cs typeface="Arial" panose="020B0604020202020204" pitchFamily="34" charset="0"/>
-                  </a:endParaRPr>
                 </a:p>
               </p:txBody>
             </p:sp>
@@ -8322,10 +8682,6 @@
                     </a:rPr>
                     <a:t>-</a:t>
                   </a:r>
-                  <a:endParaRPr lang="en-US" sz="2000" dirty="0" smtClean="0">
-                    <a:latin typeface="Arial" panose="020B0604020202020204" pitchFamily="34" charset="0"/>
-                    <a:cs typeface="Arial" panose="020B0604020202020204" pitchFamily="34" charset="0"/>
-                  </a:endParaRPr>
                 </a:p>
               </p:txBody>
             </p:sp>
@@ -8358,10 +8714,6 @@
                     </a:rPr>
                     <a:t>-</a:t>
                   </a:r>
-                  <a:endParaRPr lang="en-US" sz="2000" dirty="0" smtClean="0">
-                    <a:latin typeface="Arial" panose="020B0604020202020204" pitchFamily="34" charset="0"/>
-                    <a:cs typeface="Arial" panose="020B0604020202020204" pitchFamily="34" charset="0"/>
-                  </a:endParaRPr>
                 </a:p>
               </p:txBody>
             </p:sp>
@@ -8394,10 +8746,6 @@
                     </a:rPr>
                     <a:t>-</a:t>
                   </a:r>
-                  <a:endParaRPr lang="en-US" sz="2000" dirty="0" smtClean="0">
-                    <a:latin typeface="Arial" panose="020B0604020202020204" pitchFamily="34" charset="0"/>
-                    <a:cs typeface="Arial" panose="020B0604020202020204" pitchFamily="34" charset="0"/>
-                  </a:endParaRPr>
                 </a:p>
               </p:txBody>
             </p:sp>
@@ -8430,10 +8778,6 @@
                     </a:rPr>
                     <a:t>-</a:t>
                   </a:r>
-                  <a:endParaRPr lang="en-US" sz="2000" dirty="0" smtClean="0">
-                    <a:latin typeface="Arial" panose="020B0604020202020204" pitchFamily="34" charset="0"/>
-                    <a:cs typeface="Arial" panose="020B0604020202020204" pitchFamily="34" charset="0"/>
-                  </a:endParaRPr>
                 </a:p>
               </p:txBody>
             </p:sp>
@@ -8466,10 +8810,6 @@
                     </a:rPr>
                     <a:t>-</a:t>
                   </a:r>
-                  <a:endParaRPr lang="en-US" sz="2000" dirty="0" smtClean="0">
-                    <a:latin typeface="Arial" panose="020B0604020202020204" pitchFamily="34" charset="0"/>
-                    <a:cs typeface="Arial" panose="020B0604020202020204" pitchFamily="34" charset="0"/>
-                  </a:endParaRPr>
                 </a:p>
               </p:txBody>
             </p:sp>
@@ -8502,10 +8842,6 @@
                     </a:rPr>
                     <a:t>-</a:t>
                   </a:r>
-                  <a:endParaRPr lang="en-US" sz="2000" dirty="0" smtClean="0">
-                    <a:latin typeface="Arial" panose="020B0604020202020204" pitchFamily="34" charset="0"/>
-                    <a:cs typeface="Arial" panose="020B0604020202020204" pitchFamily="34" charset="0"/>
-                  </a:endParaRPr>
                 </a:p>
               </p:txBody>
             </p:sp>
@@ -8538,10 +8874,6 @@
                     </a:rPr>
                     <a:t>-</a:t>
                   </a:r>
-                  <a:endParaRPr lang="en-US" sz="2000" dirty="0" smtClean="0">
-                    <a:latin typeface="Arial" panose="020B0604020202020204" pitchFamily="34" charset="0"/>
-                    <a:cs typeface="Arial" panose="020B0604020202020204" pitchFamily="34" charset="0"/>
-                  </a:endParaRPr>
                 </a:p>
               </p:txBody>
             </p:sp>
@@ -8974,15 +9306,11 @@
                 </a:rPr>
                 <a:t>+  +  +  +   +   +   + </a:t>
               </a:r>
-              <a:endParaRPr lang="en-US" sz="2000" dirty="0" smtClean="0">
-                <a:latin typeface="Arial" panose="020B0604020202020204" pitchFamily="34" charset="0"/>
-                <a:cs typeface="Arial" panose="020B0604020202020204" pitchFamily="34" charset="0"/>
-              </a:endParaRPr>
             </a:p>
           </p:txBody>
         </p:sp>
-        <mc:AlternateContent xmlns:mc="http://schemas.openxmlformats.org/markup-compatibility/2006">
-          <mc:Choice xmlns:a14="http://schemas.microsoft.com/office/drawing/2010/main" Requires="a14">
+        <mc:AlternateContent xmlns:mc="http://schemas.openxmlformats.org/markup-compatibility/2006" xmlns:a14="http://schemas.microsoft.com/office/drawing/2010/main">
+          <mc:Choice Requires="a14">
             <p:sp>
               <p:nvSpPr>
                 <p:cNvPr id="152" name="TextBox 151"/>
@@ -9005,6 +9333,7 @@
                 </a:bodyPr>
                 <a:lstStyle/>
                 <a:p>
+                  <a:pPr/>
                   <a14:m>
                     <m:oMathPara xmlns:m="http://schemas.openxmlformats.org/officeDocument/2006/math">
                       <m:oMathParaPr>
@@ -9043,7 +9372,7 @@
               </p:txBody>
             </p:sp>
           </mc:Choice>
-          <mc:Fallback>
+          <mc:Fallback xmlns="">
             <p:sp>
               <p:nvSpPr>
                 <p:cNvPr id="152" name="TextBox 151"/>
@@ -9223,10 +9552,6 @@
                   </a:rPr>
                   <a:t>-</a:t>
                 </a:r>
-                <a:endParaRPr lang="en-US" sz="2000" dirty="0" smtClean="0">
-                  <a:latin typeface="Arial" panose="020B0604020202020204" pitchFamily="34" charset="0"/>
-                  <a:cs typeface="Arial" panose="020B0604020202020204" pitchFamily="34" charset="0"/>
-                </a:endParaRPr>
               </a:p>
             </p:txBody>
           </p:sp>
@@ -9259,10 +9584,6 @@
                   </a:rPr>
                   <a:t>-</a:t>
                 </a:r>
-                <a:endParaRPr lang="en-US" sz="2000" dirty="0" smtClean="0">
-                  <a:latin typeface="Arial" panose="020B0604020202020204" pitchFamily="34" charset="0"/>
-                  <a:cs typeface="Arial" panose="020B0604020202020204" pitchFamily="34" charset="0"/>
-                </a:endParaRPr>
               </a:p>
             </p:txBody>
           </p:sp>
@@ -9295,10 +9616,6 @@
                   </a:rPr>
                   <a:t>-</a:t>
                 </a:r>
-                <a:endParaRPr lang="en-US" sz="2000" dirty="0" smtClean="0">
-                  <a:latin typeface="Arial" panose="020B0604020202020204" pitchFamily="34" charset="0"/>
-                  <a:cs typeface="Arial" panose="020B0604020202020204" pitchFamily="34" charset="0"/>
-                </a:endParaRPr>
               </a:p>
             </p:txBody>
           </p:sp>
@@ -9331,10 +9648,6 @@
                   </a:rPr>
                   <a:t>-</a:t>
                 </a:r>
-                <a:endParaRPr lang="en-US" sz="2000" dirty="0" smtClean="0">
-                  <a:latin typeface="Arial" panose="020B0604020202020204" pitchFamily="34" charset="0"/>
-                  <a:cs typeface="Arial" panose="020B0604020202020204" pitchFamily="34" charset="0"/>
-                </a:endParaRPr>
               </a:p>
             </p:txBody>
           </p:sp>
@@ -9367,10 +9680,6 @@
                   </a:rPr>
                   <a:t>-</a:t>
                 </a:r>
-                <a:endParaRPr lang="en-US" sz="2000" dirty="0" smtClean="0">
-                  <a:latin typeface="Arial" panose="020B0604020202020204" pitchFamily="34" charset="0"/>
-                  <a:cs typeface="Arial" panose="020B0604020202020204" pitchFamily="34" charset="0"/>
-                </a:endParaRPr>
               </a:p>
             </p:txBody>
           </p:sp>
@@ -9403,10 +9712,6 @@
                   </a:rPr>
                   <a:t>-</a:t>
                 </a:r>
-                <a:endParaRPr lang="en-US" sz="2000" dirty="0" smtClean="0">
-                  <a:latin typeface="Arial" panose="020B0604020202020204" pitchFamily="34" charset="0"/>
-                  <a:cs typeface="Arial" panose="020B0604020202020204" pitchFamily="34" charset="0"/>
-                </a:endParaRPr>
               </a:p>
             </p:txBody>
           </p:sp>
@@ -9439,10 +9744,6 @@
                   </a:rPr>
                   <a:t>-</a:t>
                 </a:r>
-                <a:endParaRPr lang="en-US" sz="2000" dirty="0" smtClean="0">
-                  <a:latin typeface="Arial" panose="020B0604020202020204" pitchFamily="34" charset="0"/>
-                  <a:cs typeface="Arial" panose="020B0604020202020204" pitchFamily="34" charset="0"/>
-                </a:endParaRPr>
               </a:p>
             </p:txBody>
           </p:sp>
@@ -9475,10 +9776,6 @@
                   </a:rPr>
                   <a:t>-</a:t>
                 </a:r>
-                <a:endParaRPr lang="en-US" sz="2000" dirty="0" smtClean="0">
-                  <a:latin typeface="Arial" panose="020B0604020202020204" pitchFamily="34" charset="0"/>
-                  <a:cs typeface="Arial" panose="020B0604020202020204" pitchFamily="34" charset="0"/>
-                </a:endParaRPr>
               </a:p>
             </p:txBody>
           </p:sp>
@@ -9511,10 +9808,6 @@
                   </a:rPr>
                   <a:t>-</a:t>
                 </a:r>
-                <a:endParaRPr lang="en-US" sz="2000" dirty="0" smtClean="0">
-                  <a:latin typeface="Arial" panose="020B0604020202020204" pitchFamily="34" charset="0"/>
-                  <a:cs typeface="Arial" panose="020B0604020202020204" pitchFamily="34" charset="0"/>
-                </a:endParaRPr>
               </a:p>
             </p:txBody>
           </p:sp>
@@ -9547,10 +9840,6 @@
                   </a:rPr>
                   <a:t>-</a:t>
                 </a:r>
-                <a:endParaRPr lang="en-US" sz="2000" dirty="0" smtClean="0">
-                  <a:latin typeface="Arial" panose="020B0604020202020204" pitchFamily="34" charset="0"/>
-                  <a:cs typeface="Arial" panose="020B0604020202020204" pitchFamily="34" charset="0"/>
-                </a:endParaRPr>
               </a:p>
             </p:txBody>
           </p:sp>
@@ -9583,10 +9872,6 @@
                   </a:rPr>
                   <a:t>-</a:t>
                 </a:r>
-                <a:endParaRPr lang="en-US" sz="2000" dirty="0" smtClean="0">
-                  <a:latin typeface="Arial" panose="020B0604020202020204" pitchFamily="34" charset="0"/>
-                  <a:cs typeface="Arial" panose="020B0604020202020204" pitchFamily="34" charset="0"/>
-                </a:endParaRPr>
               </a:p>
             </p:txBody>
           </p:sp>
@@ -9619,10 +9904,6 @@
                   </a:rPr>
                   <a:t>-</a:t>
                 </a:r>
-                <a:endParaRPr lang="en-US" sz="2000" dirty="0" smtClean="0">
-                  <a:latin typeface="Arial" panose="020B0604020202020204" pitchFamily="34" charset="0"/>
-                  <a:cs typeface="Arial" panose="020B0604020202020204" pitchFamily="34" charset="0"/>
-                </a:endParaRPr>
               </a:p>
             </p:txBody>
           </p:sp>
@@ -9655,10 +9936,6 @@
                   </a:rPr>
                   <a:t>-</a:t>
                 </a:r>
-                <a:endParaRPr lang="en-US" sz="2000" dirty="0" smtClean="0">
-                  <a:latin typeface="Arial" panose="020B0604020202020204" pitchFamily="34" charset="0"/>
-                  <a:cs typeface="Arial" panose="020B0604020202020204" pitchFamily="34" charset="0"/>
-                </a:endParaRPr>
               </a:p>
             </p:txBody>
           </p:sp>
@@ -9691,10 +9968,6 @@
                   </a:rPr>
                   <a:t>-</a:t>
                 </a:r>
-                <a:endParaRPr lang="en-US" sz="2000" dirty="0" smtClean="0">
-                  <a:latin typeface="Arial" panose="020B0604020202020204" pitchFamily="34" charset="0"/>
-                  <a:cs typeface="Arial" panose="020B0604020202020204" pitchFamily="34" charset="0"/>
-                </a:endParaRPr>
               </a:p>
             </p:txBody>
           </p:sp>
@@ -9727,10 +10000,6 @@
                   </a:rPr>
                   <a:t>-</a:t>
                 </a:r>
-                <a:endParaRPr lang="en-US" sz="2000" dirty="0" smtClean="0">
-                  <a:latin typeface="Arial" panose="020B0604020202020204" pitchFamily="34" charset="0"/>
-                  <a:cs typeface="Arial" panose="020B0604020202020204" pitchFamily="34" charset="0"/>
-                </a:endParaRPr>
               </a:p>
             </p:txBody>
           </p:sp>
@@ -9763,10 +10032,6 @@
                   </a:rPr>
                   <a:t>-</a:t>
                 </a:r>
-                <a:endParaRPr lang="en-US" sz="2000" dirty="0" smtClean="0">
-                  <a:latin typeface="Arial" panose="020B0604020202020204" pitchFamily="34" charset="0"/>
-                  <a:cs typeface="Arial" panose="020B0604020202020204" pitchFamily="34" charset="0"/>
-                </a:endParaRPr>
               </a:p>
             </p:txBody>
           </p:sp>
@@ -9906,10 +10171,6 @@
                   </a:rPr>
                   <a:t>-</a:t>
                 </a:r>
-                <a:endParaRPr lang="en-US" sz="2000" dirty="0" smtClean="0">
-                  <a:latin typeface="Arial" panose="020B0604020202020204" pitchFamily="34" charset="0"/>
-                  <a:cs typeface="Arial" panose="020B0604020202020204" pitchFamily="34" charset="0"/>
-                </a:endParaRPr>
               </a:p>
             </p:txBody>
           </p:sp>
@@ -9942,10 +10203,6 @@
                   </a:rPr>
                   <a:t>-</a:t>
                 </a:r>
-                <a:endParaRPr lang="en-US" sz="2000" dirty="0" smtClean="0">
-                  <a:latin typeface="Arial" panose="020B0604020202020204" pitchFamily="34" charset="0"/>
-                  <a:cs typeface="Arial" panose="020B0604020202020204" pitchFamily="34" charset="0"/>
-                </a:endParaRPr>
               </a:p>
             </p:txBody>
           </p:sp>
@@ -9978,10 +10235,6 @@
                   </a:rPr>
                   <a:t>-</a:t>
                 </a:r>
-                <a:endParaRPr lang="en-US" sz="2000" dirty="0" smtClean="0">
-                  <a:latin typeface="Arial" panose="020B0604020202020204" pitchFamily="34" charset="0"/>
-                  <a:cs typeface="Arial" panose="020B0604020202020204" pitchFamily="34" charset="0"/>
-                </a:endParaRPr>
               </a:p>
             </p:txBody>
           </p:sp>
@@ -10014,10 +10267,6 @@
                   </a:rPr>
                   <a:t>-</a:t>
                 </a:r>
-                <a:endParaRPr lang="en-US" sz="2000" dirty="0" smtClean="0">
-                  <a:latin typeface="Arial" panose="020B0604020202020204" pitchFamily="34" charset="0"/>
-                  <a:cs typeface="Arial" panose="020B0604020202020204" pitchFamily="34" charset="0"/>
-                </a:endParaRPr>
               </a:p>
             </p:txBody>
           </p:sp>
@@ -10050,10 +10299,6 @@
                   </a:rPr>
                   <a:t>-</a:t>
                 </a:r>
-                <a:endParaRPr lang="en-US" sz="2000" dirty="0" smtClean="0">
-                  <a:latin typeface="Arial" panose="020B0604020202020204" pitchFamily="34" charset="0"/>
-                  <a:cs typeface="Arial" panose="020B0604020202020204" pitchFamily="34" charset="0"/>
-                </a:endParaRPr>
               </a:p>
             </p:txBody>
           </p:sp>
@@ -10086,10 +10331,6 @@
                   </a:rPr>
                   <a:t>-</a:t>
                 </a:r>
-                <a:endParaRPr lang="en-US" sz="2000" dirty="0" smtClean="0">
-                  <a:latin typeface="Arial" panose="020B0604020202020204" pitchFamily="34" charset="0"/>
-                  <a:cs typeface="Arial" panose="020B0604020202020204" pitchFamily="34" charset="0"/>
-                </a:endParaRPr>
               </a:p>
             </p:txBody>
           </p:sp>
@@ -10122,10 +10363,6 @@
                   </a:rPr>
                   <a:t>-</a:t>
                 </a:r>
-                <a:endParaRPr lang="en-US" sz="2000" dirty="0" smtClean="0">
-                  <a:latin typeface="Arial" panose="020B0604020202020204" pitchFamily="34" charset="0"/>
-                  <a:cs typeface="Arial" panose="020B0604020202020204" pitchFamily="34" charset="0"/>
-                </a:endParaRPr>
               </a:p>
             </p:txBody>
           </p:sp>
@@ -10158,10 +10395,6 @@
                   </a:rPr>
                   <a:t>-</a:t>
                 </a:r>
-                <a:endParaRPr lang="en-US" sz="2000" dirty="0" smtClean="0">
-                  <a:latin typeface="Arial" panose="020B0604020202020204" pitchFamily="34" charset="0"/>
-                  <a:cs typeface="Arial" panose="020B0604020202020204" pitchFamily="34" charset="0"/>
-                </a:endParaRPr>
               </a:p>
             </p:txBody>
           </p:sp>
@@ -10291,10 +10524,6 @@
                   </a:rPr>
                   <a:t>-</a:t>
                 </a:r>
-                <a:endParaRPr lang="en-US" sz="2000" dirty="0" smtClean="0">
-                  <a:latin typeface="Arial" panose="020B0604020202020204" pitchFamily="34" charset="0"/>
-                  <a:cs typeface="Arial" panose="020B0604020202020204" pitchFamily="34" charset="0"/>
-                </a:endParaRPr>
               </a:p>
             </p:txBody>
           </p:sp>
@@ -10327,10 +10556,6 @@
                   </a:rPr>
                   <a:t>-</a:t>
                 </a:r>
-                <a:endParaRPr lang="en-US" sz="2000" dirty="0" smtClean="0">
-                  <a:latin typeface="Arial" panose="020B0604020202020204" pitchFamily="34" charset="0"/>
-                  <a:cs typeface="Arial" panose="020B0604020202020204" pitchFamily="34" charset="0"/>
-                </a:endParaRPr>
               </a:p>
             </p:txBody>
           </p:sp>
@@ -10363,10 +10588,6 @@
                   </a:rPr>
                   <a:t>-</a:t>
                 </a:r>
-                <a:endParaRPr lang="en-US" sz="2000" dirty="0" smtClean="0">
-                  <a:latin typeface="Arial" panose="020B0604020202020204" pitchFamily="34" charset="0"/>
-                  <a:cs typeface="Arial" panose="020B0604020202020204" pitchFamily="34" charset="0"/>
-                </a:endParaRPr>
               </a:p>
             </p:txBody>
           </p:sp>
@@ -10399,10 +10620,6 @@
                   </a:rPr>
                   <a:t>-</a:t>
                 </a:r>
-                <a:endParaRPr lang="en-US" sz="2000" dirty="0" smtClean="0">
-                  <a:latin typeface="Arial" panose="020B0604020202020204" pitchFamily="34" charset="0"/>
-                  <a:cs typeface="Arial" panose="020B0604020202020204" pitchFamily="34" charset="0"/>
-                </a:endParaRPr>
               </a:p>
             </p:txBody>
           </p:sp>
@@ -10435,10 +10652,6 @@
                   </a:rPr>
                   <a:t>-</a:t>
                 </a:r>
-                <a:endParaRPr lang="en-US" sz="2000" dirty="0" smtClean="0">
-                  <a:latin typeface="Arial" panose="020B0604020202020204" pitchFamily="34" charset="0"/>
-                  <a:cs typeface="Arial" panose="020B0604020202020204" pitchFamily="34" charset="0"/>
-                </a:endParaRPr>
               </a:p>
             </p:txBody>
           </p:sp>
@@ -10471,10 +10684,6 @@
                   </a:rPr>
                   <a:t>-</a:t>
                 </a:r>
-                <a:endParaRPr lang="en-US" sz="2000" dirty="0" smtClean="0">
-                  <a:latin typeface="Arial" panose="020B0604020202020204" pitchFamily="34" charset="0"/>
-                  <a:cs typeface="Arial" panose="020B0604020202020204" pitchFamily="34" charset="0"/>
-                </a:endParaRPr>
               </a:p>
             </p:txBody>
           </p:sp>
@@ -10507,10 +10716,6 @@
                   </a:rPr>
                   <a:t>-</a:t>
                 </a:r>
-                <a:endParaRPr lang="en-US" sz="2000" dirty="0" smtClean="0">
-                  <a:latin typeface="Arial" panose="020B0604020202020204" pitchFamily="34" charset="0"/>
-                  <a:cs typeface="Arial" panose="020B0604020202020204" pitchFamily="34" charset="0"/>
-                </a:endParaRPr>
               </a:p>
             </p:txBody>
           </p:sp>
@@ -10543,10 +10748,6 @@
                   </a:rPr>
                   <a:t>-</a:t>
                 </a:r>
-                <a:endParaRPr lang="en-US" sz="2000" dirty="0" smtClean="0">
-                  <a:latin typeface="Arial" panose="020B0604020202020204" pitchFamily="34" charset="0"/>
-                  <a:cs typeface="Arial" panose="020B0604020202020204" pitchFamily="34" charset="0"/>
-                </a:endParaRPr>
               </a:p>
             </p:txBody>
           </p:sp>
@@ -10625,8 +10826,8 @@
             </a:fontRef>
           </p:style>
         </p:cxnSp>
-        <mc:AlternateContent xmlns:mc="http://schemas.openxmlformats.org/markup-compatibility/2006">
-          <mc:Choice xmlns:a14="http://schemas.microsoft.com/office/drawing/2010/main" Requires="a14">
+        <mc:AlternateContent xmlns:mc="http://schemas.openxmlformats.org/markup-compatibility/2006" xmlns:a14="http://schemas.microsoft.com/office/drawing/2010/main">
+          <mc:Choice Requires="a14">
             <p:sp>
               <p:nvSpPr>
                 <p:cNvPr id="140" name="TextBox 139"/>
@@ -10649,6 +10850,7 @@
                 </a:bodyPr>
                 <a:lstStyle/>
                 <a:p>
+                  <a:pPr/>
                   <a14:m>
                     <m:oMathPara xmlns:m="http://schemas.openxmlformats.org/officeDocument/2006/math">
                       <m:oMathParaPr>
@@ -10673,7 +10875,7 @@
               </p:txBody>
             </p:sp>
           </mc:Choice>
-          <mc:Fallback>
+          <mc:Fallback xmlns="">
             <p:sp>
               <p:nvSpPr>
                 <p:cNvPr id="140" name="TextBox 139"/>
@@ -10712,8 +10914,8 @@
             </p:sp>
           </mc:Fallback>
         </mc:AlternateContent>
-        <mc:AlternateContent xmlns:mc="http://schemas.openxmlformats.org/markup-compatibility/2006">
-          <mc:Choice xmlns:a14="http://schemas.microsoft.com/office/drawing/2010/main" Requires="a14">
+        <mc:AlternateContent xmlns:mc="http://schemas.openxmlformats.org/markup-compatibility/2006" xmlns:a14="http://schemas.microsoft.com/office/drawing/2010/main">
+          <mc:Choice Requires="a14">
             <p:sp>
               <p:nvSpPr>
                 <p:cNvPr id="141" name="TextBox 140"/>
@@ -10736,6 +10938,7 @@
                 </a:bodyPr>
                 <a:lstStyle/>
                 <a:p>
+                  <a:pPr/>
                   <a14:m>
                     <m:oMathPara xmlns:m="http://schemas.openxmlformats.org/officeDocument/2006/math">
                       <m:oMathParaPr>
@@ -10760,7 +10963,7 @@
               </p:txBody>
             </p:sp>
           </mc:Choice>
-          <mc:Fallback>
+          <mc:Fallback xmlns="">
             <p:sp>
               <p:nvSpPr>
                 <p:cNvPr id="141" name="TextBox 140"/>
@@ -10799,8 +11002,8 @@
             </p:sp>
           </mc:Fallback>
         </mc:AlternateContent>
-        <mc:AlternateContent xmlns:mc="http://schemas.openxmlformats.org/markup-compatibility/2006">
-          <mc:Choice xmlns:a14="http://schemas.microsoft.com/office/drawing/2010/main" Requires="a14">
+        <mc:AlternateContent xmlns:mc="http://schemas.openxmlformats.org/markup-compatibility/2006" xmlns:a14="http://schemas.microsoft.com/office/drawing/2010/main">
+          <mc:Choice Requires="a14">
             <p:sp>
               <p:nvSpPr>
                 <p:cNvPr id="142" name="TextBox 141"/>
@@ -10823,6 +11026,7 @@
                 </a:bodyPr>
                 <a:lstStyle/>
                 <a:p>
+                  <a:pPr/>
                   <a14:m>
                     <m:oMathPara xmlns:m="http://schemas.openxmlformats.org/officeDocument/2006/math">
                       <m:oMathParaPr>
@@ -10847,7 +11051,7 @@
               </p:txBody>
             </p:sp>
           </mc:Choice>
-          <mc:Fallback>
+          <mc:Fallback xmlns="">
             <p:sp>
               <p:nvSpPr>
                 <p:cNvPr id="142" name="TextBox 141"/>
@@ -10886,8 +11090,8 @@
             </p:sp>
           </mc:Fallback>
         </mc:AlternateContent>
-        <mc:AlternateContent xmlns:mc="http://schemas.openxmlformats.org/markup-compatibility/2006">
-          <mc:Choice xmlns:a14="http://schemas.microsoft.com/office/drawing/2010/main" Requires="a14">
+        <mc:AlternateContent xmlns:mc="http://schemas.openxmlformats.org/markup-compatibility/2006" xmlns:a14="http://schemas.microsoft.com/office/drawing/2010/main">
+          <mc:Choice Requires="a14">
             <p:sp>
               <p:nvSpPr>
                 <p:cNvPr id="143" name="TextBox 142"/>
@@ -10910,6 +11114,7 @@
                 </a:bodyPr>
                 <a:lstStyle/>
                 <a:p>
+                  <a:pPr/>
                   <a14:m>
                     <m:oMathPara xmlns:m="http://schemas.openxmlformats.org/officeDocument/2006/math">
                       <m:oMathParaPr>
@@ -10934,7 +11139,7 @@
               </p:txBody>
             </p:sp>
           </mc:Choice>
-          <mc:Fallback>
+          <mc:Fallback xmlns="">
             <p:sp>
               <p:nvSpPr>
                 <p:cNvPr id="143" name="TextBox 142"/>
@@ -11033,8 +11238,8 @@
             </a:p>
           </p:txBody>
         </p:sp>
-        <mc:AlternateContent xmlns:mc="http://schemas.openxmlformats.org/markup-compatibility/2006">
-          <mc:Choice xmlns:a14="http://schemas.microsoft.com/office/drawing/2010/main" Requires="a14">
+        <mc:AlternateContent xmlns:mc="http://schemas.openxmlformats.org/markup-compatibility/2006" xmlns:a14="http://schemas.microsoft.com/office/drawing/2010/main">
+          <mc:Choice Requires="a14">
             <p:sp>
               <p:nvSpPr>
                 <p:cNvPr id="146" name="Rectangle 145"/>
@@ -11099,7 +11304,7 @@
               </p:txBody>
             </p:sp>
           </mc:Choice>
-          <mc:Fallback>
+          <mc:Fallback xmlns="">
             <p:sp>
               <p:nvSpPr>
                 <p:cNvPr id="146" name="Rectangle 145"/>
@@ -11183,8 +11388,8 @@
             </a:p>
           </p:txBody>
         </p:sp>
-        <mc:AlternateContent xmlns:mc="http://schemas.openxmlformats.org/markup-compatibility/2006">
-          <mc:Choice xmlns:a14="http://schemas.microsoft.com/office/drawing/2010/main" Requires="a14">
+        <mc:AlternateContent xmlns:mc="http://schemas.openxmlformats.org/markup-compatibility/2006" xmlns:a14="http://schemas.microsoft.com/office/drawing/2010/main">
+          <mc:Choice Requires="a14">
             <p:sp>
               <p:nvSpPr>
                 <p:cNvPr id="148" name="Rectangle 147"/>
@@ -11249,7 +11454,7 @@
               </p:txBody>
             </p:sp>
           </mc:Choice>
-          <mc:Fallback>
+          <mc:Fallback xmlns="">
             <p:sp>
               <p:nvSpPr>
                 <p:cNvPr id="148" name="Rectangle 147"/>
@@ -11326,8 +11531,8 @@
             </a:fontRef>
           </p:style>
         </p:cxnSp>
-        <mc:AlternateContent xmlns:mc="http://schemas.openxmlformats.org/markup-compatibility/2006">
-          <mc:Choice xmlns:a14="http://schemas.microsoft.com/office/drawing/2010/main" Requires="a14">
+        <mc:AlternateContent xmlns:mc="http://schemas.openxmlformats.org/markup-compatibility/2006" xmlns:a14="http://schemas.microsoft.com/office/drawing/2010/main">
+          <mc:Choice Requires="a14">
             <p:sp>
               <p:nvSpPr>
                 <p:cNvPr id="150" name="Rectangle 149"/>
@@ -11401,7 +11606,7 @@
               </p:txBody>
             </p:sp>
           </mc:Choice>
-          <mc:Fallback>
+          <mc:Fallback xmlns="">
             <p:sp>
               <p:nvSpPr>
                 <p:cNvPr id="150" name="Rectangle 149"/>
@@ -11930,8 +12135,8 @@
             </a:fontRef>
           </p:style>
         </p:cxnSp>
-        <mc:AlternateContent xmlns:mc="http://schemas.openxmlformats.org/markup-compatibility/2006">
-          <mc:Choice xmlns:a14="http://schemas.microsoft.com/office/drawing/2010/main" Requires="a14">
+        <mc:AlternateContent xmlns:mc="http://schemas.openxmlformats.org/markup-compatibility/2006" xmlns:a14="http://schemas.microsoft.com/office/drawing/2010/main">
+          <mc:Choice Requires="a14">
             <p:sp>
               <p:nvSpPr>
                 <p:cNvPr id="169" name="Rectangle 168"/>
@@ -12011,7 +12216,7 @@
               </p:txBody>
             </p:sp>
           </mc:Choice>
-          <mc:Fallback>
+          <mc:Fallback xmlns="">
             <p:sp>
               <p:nvSpPr>
                 <p:cNvPr id="169" name="Rectangle 168"/>
@@ -12050,8 +12255,8 @@
             </p:sp>
           </mc:Fallback>
         </mc:AlternateContent>
-        <mc:AlternateContent xmlns:mc="http://schemas.openxmlformats.org/markup-compatibility/2006">
-          <mc:Choice xmlns:a14="http://schemas.microsoft.com/office/drawing/2010/main" Requires="a14">
+        <mc:AlternateContent xmlns:mc="http://schemas.openxmlformats.org/markup-compatibility/2006" xmlns:a14="http://schemas.microsoft.com/office/drawing/2010/main">
+          <mc:Choice Requires="a14">
             <p:sp>
               <p:nvSpPr>
                 <p:cNvPr id="170" name="Rectangle 169"/>
@@ -12125,7 +12330,7 @@
               </p:txBody>
             </p:sp>
           </mc:Choice>
-          <mc:Fallback>
+          <mc:Fallback xmlns="">
             <p:sp>
               <p:nvSpPr>
                 <p:cNvPr id="170" name="Rectangle 169"/>
@@ -12164,8 +12369,8 @@
             </p:sp>
           </mc:Fallback>
         </mc:AlternateContent>
-        <mc:AlternateContent xmlns:mc="http://schemas.openxmlformats.org/markup-compatibility/2006">
-          <mc:Choice xmlns:a14="http://schemas.microsoft.com/office/drawing/2010/main" Requires="a14">
+        <mc:AlternateContent xmlns:mc="http://schemas.openxmlformats.org/markup-compatibility/2006" xmlns:a14="http://schemas.microsoft.com/office/drawing/2010/main">
+          <mc:Choice Requires="a14">
             <p:sp>
               <p:nvSpPr>
                 <p:cNvPr id="171" name="Rectangle 170"/>
@@ -12239,7 +12444,7 @@
               </p:txBody>
             </p:sp>
           </mc:Choice>
-          <mc:Fallback>
+          <mc:Fallback xmlns="">
             <p:sp>
               <p:nvSpPr>
                 <p:cNvPr id="171" name="Rectangle 170"/>
@@ -12442,8 +12647,8 @@
               </a:p>
             </p:txBody>
           </p:sp>
-          <mc:AlternateContent xmlns:mc="http://schemas.openxmlformats.org/markup-compatibility/2006">
-            <mc:Choice xmlns:a14="http://schemas.microsoft.com/office/drawing/2010/main" Requires="a14">
+          <mc:AlternateContent xmlns:mc="http://schemas.openxmlformats.org/markup-compatibility/2006" xmlns:a14="http://schemas.microsoft.com/office/drawing/2010/main">
+            <mc:Choice Requires="a14">
               <p:sp>
                 <p:nvSpPr>
                   <p:cNvPr id="176" name="Rectangle 175"/>
@@ -12522,7 +12727,7 @@
                 </p:txBody>
               </p:sp>
             </mc:Choice>
-            <mc:Fallback>
+            <mc:Fallback xmlns="">
               <p:sp>
                 <p:nvSpPr>
                   <p:cNvPr id="176" name="Rectangle 175"/>
@@ -12561,8 +12766,8 @@
               </p:sp>
             </mc:Fallback>
           </mc:AlternateContent>
-          <mc:AlternateContent xmlns:mc="http://schemas.openxmlformats.org/markup-compatibility/2006">
-            <mc:Choice xmlns:a14="http://schemas.microsoft.com/office/drawing/2010/main" Requires="a14">
+          <mc:AlternateContent xmlns:mc="http://schemas.openxmlformats.org/markup-compatibility/2006" xmlns:a14="http://schemas.microsoft.com/office/drawing/2010/main">
+            <mc:Choice Requires="a14">
               <p:sp>
                 <p:nvSpPr>
                   <p:cNvPr id="177" name="Rectangle 176"/>
@@ -12641,7 +12846,7 @@
                 </p:txBody>
               </p:sp>
             </mc:Choice>
-            <mc:Fallback>
+            <mc:Fallback xmlns="">
               <p:sp>
                 <p:nvSpPr>
                   <p:cNvPr id="177" name="Rectangle 176"/>
@@ -12680,8 +12885,8 @@
               </p:sp>
             </mc:Fallback>
           </mc:AlternateContent>
-          <mc:AlternateContent xmlns:mc="http://schemas.openxmlformats.org/markup-compatibility/2006">
-            <mc:Choice xmlns:a14="http://schemas.microsoft.com/office/drawing/2010/main" Requires="a14">
+          <mc:AlternateContent xmlns:mc="http://schemas.openxmlformats.org/markup-compatibility/2006" xmlns:a14="http://schemas.microsoft.com/office/drawing/2010/main">
+            <mc:Choice Requires="a14">
               <p:sp>
                 <p:nvSpPr>
                   <p:cNvPr id="178" name="Rectangle 177"/>
@@ -12739,7 +12944,7 @@
                 </p:txBody>
               </p:sp>
             </mc:Choice>
-            <mc:Fallback>
+            <mc:Fallback xmlns="">
               <p:sp>
                 <p:nvSpPr>
                   <p:cNvPr id="178" name="Rectangle 177"/>
@@ -12892,8 +13097,8 @@
               </a:fontRef>
             </p:style>
           </p:cxnSp>
-          <mc:AlternateContent xmlns:mc="http://schemas.openxmlformats.org/markup-compatibility/2006">
-            <mc:Choice xmlns:a14="http://schemas.microsoft.com/office/drawing/2010/main" Requires="a14">
+          <mc:AlternateContent xmlns:mc="http://schemas.openxmlformats.org/markup-compatibility/2006" xmlns:a14="http://schemas.microsoft.com/office/drawing/2010/main">
+            <mc:Choice Requires="a14">
               <p:sp>
                 <p:nvSpPr>
                   <p:cNvPr id="187" name="TextBox 186"/>
@@ -12916,6 +13121,7 @@
                   </a:bodyPr>
                   <a:lstStyle/>
                   <a:p>
+                    <a:pPr/>
                     <a14:m>
                       <m:oMathPara xmlns:m="http://schemas.openxmlformats.org/officeDocument/2006/math">
                         <m:oMathParaPr>
@@ -12954,7 +13160,7 @@
                 </p:txBody>
               </p:sp>
             </mc:Choice>
-            <mc:Fallback>
+            <mc:Fallback xmlns="">
               <p:sp>
                 <p:nvSpPr>
                   <p:cNvPr id="187" name="TextBox 186"/>
@@ -13564,8 +13770,8 @@
                   </a:p>
                 </p:txBody>
               </p:sp>
-              <mc:AlternateContent xmlns:mc="http://schemas.openxmlformats.org/markup-compatibility/2006">
-                <mc:Choice xmlns:a14="http://schemas.microsoft.com/office/drawing/2010/main" Requires="a14">
+              <mc:AlternateContent xmlns:mc="http://schemas.openxmlformats.org/markup-compatibility/2006" xmlns:a14="http://schemas.microsoft.com/office/drawing/2010/main">
+                <mc:Choice Requires="a14">
                   <p:sp>
                     <p:nvSpPr>
                       <p:cNvPr id="211" name="Rectangle 210"/>
@@ -13644,7 +13850,7 @@
                     </p:txBody>
                   </p:sp>
                 </mc:Choice>
-                <mc:Fallback>
+                <mc:Fallback xmlns="">
                   <p:sp>
                     <p:nvSpPr>
                       <p:cNvPr id="211" name="Rectangle 210"/>
@@ -13683,8 +13889,8 @@
                   </p:sp>
                 </mc:Fallback>
               </mc:AlternateContent>
-              <mc:AlternateContent xmlns:mc="http://schemas.openxmlformats.org/markup-compatibility/2006">
-                <mc:Choice xmlns:a14="http://schemas.microsoft.com/office/drawing/2010/main" Requires="a14">
+              <mc:AlternateContent xmlns:mc="http://schemas.openxmlformats.org/markup-compatibility/2006" xmlns:a14="http://schemas.microsoft.com/office/drawing/2010/main">
+                <mc:Choice Requires="a14">
                   <p:sp>
                     <p:nvSpPr>
                       <p:cNvPr id="212" name="Rectangle 211"/>
@@ -13763,7 +13969,7 @@
                     </p:txBody>
                   </p:sp>
                 </mc:Choice>
-                <mc:Fallback>
+                <mc:Fallback xmlns="">
                   <p:sp>
                     <p:nvSpPr>
                       <p:cNvPr id="212" name="Rectangle 211"/>
@@ -13802,8 +14008,8 @@
                   </p:sp>
                 </mc:Fallback>
               </mc:AlternateContent>
-              <mc:AlternateContent xmlns:mc="http://schemas.openxmlformats.org/markup-compatibility/2006">
-                <mc:Choice xmlns:a14="http://schemas.microsoft.com/office/drawing/2010/main" Requires="a14">
+              <mc:AlternateContent xmlns:mc="http://schemas.openxmlformats.org/markup-compatibility/2006" xmlns:a14="http://schemas.microsoft.com/office/drawing/2010/main">
+                <mc:Choice Requires="a14">
                   <p:sp>
                     <p:nvSpPr>
                       <p:cNvPr id="213" name="Rectangle 212"/>
@@ -13861,7 +14067,7 @@
                     </p:txBody>
                   </p:sp>
                 </mc:Choice>
-                <mc:Fallback>
+                <mc:Fallback xmlns="">
                   <p:sp>
                     <p:nvSpPr>
                       <p:cNvPr id="213" name="Rectangle 212"/>
@@ -14014,8 +14220,8 @@
                   </a:fontRef>
                 </p:style>
               </p:cxnSp>
-              <mc:AlternateContent xmlns:mc="http://schemas.openxmlformats.org/markup-compatibility/2006">
-                <mc:Choice xmlns:a14="http://schemas.microsoft.com/office/drawing/2010/main" Requires="a14">
+              <mc:AlternateContent xmlns:mc="http://schemas.openxmlformats.org/markup-compatibility/2006" xmlns:a14="http://schemas.microsoft.com/office/drawing/2010/main">
+                <mc:Choice Requires="a14">
                   <p:sp>
                     <p:nvSpPr>
                       <p:cNvPr id="217" name="TextBox 216"/>
@@ -14038,6 +14244,7 @@
                       </a:bodyPr>
                       <a:lstStyle/>
                       <a:p>
+                        <a:pPr/>
                         <a14:m>
                           <m:oMathPara xmlns:m="http://schemas.openxmlformats.org/officeDocument/2006/math">
                             <m:oMathParaPr>
@@ -14076,7 +14283,7 @@
                     </p:txBody>
                   </p:sp>
                 </mc:Choice>
-                <mc:Fallback>
+                <mc:Fallback xmlns="">
                   <p:sp>
                     <p:nvSpPr>
                       <p:cNvPr id="217" name="TextBox 216"/>
@@ -14567,8 +14774,8 @@
               </a:fontRef>
             </p:style>
           </p:cxnSp>
-          <mc:AlternateContent xmlns:mc="http://schemas.openxmlformats.org/markup-compatibility/2006">
-            <mc:Choice xmlns:a14="http://schemas.microsoft.com/office/drawing/2010/main" Requires="a14">
+          <mc:AlternateContent xmlns:mc="http://schemas.openxmlformats.org/markup-compatibility/2006" xmlns:a14="http://schemas.microsoft.com/office/drawing/2010/main">
+            <mc:Choice Requires="a14">
               <p:sp>
                 <p:nvSpPr>
                   <p:cNvPr id="230" name="TextBox 229"/>
@@ -14591,6 +14798,7 @@
                   </a:bodyPr>
                   <a:lstStyle/>
                   <a:p>
+                    <a:pPr/>
                     <a14:m>
                       <m:oMathPara xmlns:m="http://schemas.openxmlformats.org/officeDocument/2006/math">
                         <m:oMathParaPr>
@@ -14674,7 +14882,7 @@
                 </p:txBody>
               </p:sp>
             </mc:Choice>
-            <mc:Fallback>
+            <mc:Fallback xmlns="">
               <p:sp>
                 <p:nvSpPr>
                   <p:cNvPr id="230" name="TextBox 229"/>
@@ -14713,8 +14921,8 @@
               </p:sp>
             </mc:Fallback>
           </mc:AlternateContent>
-          <mc:AlternateContent xmlns:mc="http://schemas.openxmlformats.org/markup-compatibility/2006">
-            <mc:Choice xmlns:a14="http://schemas.microsoft.com/office/drawing/2010/main" Requires="a14">
+          <mc:AlternateContent xmlns:mc="http://schemas.openxmlformats.org/markup-compatibility/2006" xmlns:a14="http://schemas.microsoft.com/office/drawing/2010/main">
+            <mc:Choice Requires="a14">
               <p:sp>
                 <p:nvSpPr>
                   <p:cNvPr id="231" name="TextBox 230"/>
@@ -14737,6 +14945,7 @@
                   </a:bodyPr>
                   <a:lstStyle/>
                   <a:p>
+                    <a:pPr/>
                     <a14:m>
                       <m:oMathPara xmlns:m="http://schemas.openxmlformats.org/officeDocument/2006/math">
                         <m:oMathParaPr>
@@ -14820,7 +15029,7 @@
                 </p:txBody>
               </p:sp>
             </mc:Choice>
-            <mc:Fallback>
+            <mc:Fallback xmlns="">
               <p:sp>
                 <p:nvSpPr>
                   <p:cNvPr id="231" name="TextBox 230"/>
@@ -14990,8 +15199,8 @@
             </a:p>
           </p:txBody>
         </p:sp>
-        <mc:AlternateContent xmlns:mc="http://schemas.openxmlformats.org/markup-compatibility/2006">
-          <mc:Choice xmlns:a14="http://schemas.microsoft.com/office/drawing/2010/main" Requires="a14">
+        <mc:AlternateContent xmlns:mc="http://schemas.openxmlformats.org/markup-compatibility/2006" xmlns:a14="http://schemas.microsoft.com/office/drawing/2010/main">
+          <mc:Choice Requires="a14">
             <p:sp>
               <p:nvSpPr>
                 <p:cNvPr id="240" name="TextBox 239"/>
@@ -15014,6 +15223,7 @@
                 </a:bodyPr>
                 <a:lstStyle/>
                 <a:p>
+                  <a:pPr/>
                   <a14:m>
                     <m:oMathPara xmlns:m="http://schemas.openxmlformats.org/officeDocument/2006/math">
                       <m:oMathParaPr>
@@ -15038,7 +15248,7 @@
               </p:txBody>
             </p:sp>
           </mc:Choice>
-          <mc:Fallback>
+          <mc:Fallback xmlns="">
             <p:sp>
               <p:nvSpPr>
                 <p:cNvPr id="240" name="TextBox 239"/>
@@ -15077,8 +15287,8 @@
             </p:sp>
           </mc:Fallback>
         </mc:AlternateContent>
-        <mc:AlternateContent xmlns:mc="http://schemas.openxmlformats.org/markup-compatibility/2006">
-          <mc:Choice xmlns:a14="http://schemas.microsoft.com/office/drawing/2010/main" Requires="a14">
+        <mc:AlternateContent xmlns:mc="http://schemas.openxmlformats.org/markup-compatibility/2006" xmlns:a14="http://schemas.microsoft.com/office/drawing/2010/main">
+          <mc:Choice Requires="a14">
             <p:sp>
               <p:nvSpPr>
                 <p:cNvPr id="241" name="TextBox 240"/>
@@ -15101,6 +15311,7 @@
                 </a:bodyPr>
                 <a:lstStyle/>
                 <a:p>
+                  <a:pPr/>
                   <a14:m>
                     <m:oMathPara xmlns:m="http://schemas.openxmlformats.org/officeDocument/2006/math">
                       <m:oMathParaPr>
@@ -15125,7 +15336,7 @@
               </p:txBody>
             </p:sp>
           </mc:Choice>
-          <mc:Fallback>
+          <mc:Fallback xmlns="">
             <p:sp>
               <p:nvSpPr>
                 <p:cNvPr id="241" name="TextBox 240"/>
@@ -15320,8 +15531,8 @@
               </a:p>
             </p:txBody>
           </p:sp>
-          <mc:AlternateContent xmlns:mc="http://schemas.openxmlformats.org/markup-compatibility/2006">
-            <mc:Choice xmlns:a14="http://schemas.microsoft.com/office/drawing/2010/main" Requires="a14">
+          <mc:AlternateContent xmlns:mc="http://schemas.openxmlformats.org/markup-compatibility/2006" xmlns:a14="http://schemas.microsoft.com/office/drawing/2010/main">
+            <mc:Choice Requires="a14">
               <p:sp>
                 <p:nvSpPr>
                   <p:cNvPr id="15" name="Rectangle 14"/>
@@ -15400,7 +15611,7 @@
                 </p:txBody>
               </p:sp>
             </mc:Choice>
-            <mc:Fallback>
+            <mc:Fallback xmlns="">
               <p:sp>
                 <p:nvSpPr>
                   <p:cNvPr id="15" name="Rectangle 14"/>
@@ -15439,8 +15650,8 @@
               </p:sp>
             </mc:Fallback>
           </mc:AlternateContent>
-          <mc:AlternateContent xmlns:mc="http://schemas.openxmlformats.org/markup-compatibility/2006">
-            <mc:Choice xmlns:a14="http://schemas.microsoft.com/office/drawing/2010/main" Requires="a14">
+          <mc:AlternateContent xmlns:mc="http://schemas.openxmlformats.org/markup-compatibility/2006" xmlns:a14="http://schemas.microsoft.com/office/drawing/2010/main">
+            <mc:Choice Requires="a14">
               <p:sp>
                 <p:nvSpPr>
                   <p:cNvPr id="16" name="Rectangle 15"/>
@@ -15519,7 +15730,7 @@
                 </p:txBody>
               </p:sp>
             </mc:Choice>
-            <mc:Fallback>
+            <mc:Fallback xmlns="">
               <p:sp>
                 <p:nvSpPr>
                   <p:cNvPr id="16" name="Rectangle 15"/>
@@ -15673,8 +15884,8 @@
               </a:fontRef>
             </p:style>
           </p:cxnSp>
-          <mc:AlternateContent xmlns:mc="http://schemas.openxmlformats.org/markup-compatibility/2006">
-            <mc:Choice xmlns:a14="http://schemas.microsoft.com/office/drawing/2010/main" Requires="a14">
+          <mc:AlternateContent xmlns:mc="http://schemas.openxmlformats.org/markup-compatibility/2006" xmlns:a14="http://schemas.microsoft.com/office/drawing/2010/main">
+            <mc:Choice Requires="a14">
               <p:sp>
                 <p:nvSpPr>
                   <p:cNvPr id="21" name="TextBox 20"/>
@@ -15697,6 +15908,7 @@
                   </a:bodyPr>
                   <a:lstStyle/>
                   <a:p>
+                    <a:pPr/>
                     <a14:m>
                       <m:oMathPara xmlns:m="http://schemas.openxmlformats.org/officeDocument/2006/math">
                         <m:oMathParaPr>
@@ -15735,7 +15947,7 @@
                 </p:txBody>
               </p:sp>
             </mc:Choice>
-            <mc:Fallback>
+            <mc:Fallback xmlns="">
               <p:sp>
                 <p:nvSpPr>
                   <p:cNvPr id="21" name="TextBox 20"/>
@@ -16286,8 +16498,8 @@
                 </a:p>
               </p:txBody>
             </p:sp>
-            <mc:AlternateContent xmlns:mc="http://schemas.openxmlformats.org/markup-compatibility/2006">
-              <mc:Choice xmlns:a14="http://schemas.microsoft.com/office/drawing/2010/main" Requires="a14">
+            <mc:AlternateContent xmlns:mc="http://schemas.openxmlformats.org/markup-compatibility/2006" xmlns:a14="http://schemas.microsoft.com/office/drawing/2010/main">
+              <mc:Choice Requires="a14">
                 <p:sp>
                   <p:nvSpPr>
                     <p:cNvPr id="36" name="Rectangle 35"/>
@@ -16366,7 +16578,7 @@
                   </p:txBody>
                 </p:sp>
               </mc:Choice>
-              <mc:Fallback>
+              <mc:Fallback xmlns="">
                 <p:sp>
                   <p:nvSpPr>
                     <p:cNvPr id="36" name="Rectangle 35"/>
@@ -16405,8 +16617,8 @@
                 </p:sp>
               </mc:Fallback>
             </mc:AlternateContent>
-            <mc:AlternateContent xmlns:mc="http://schemas.openxmlformats.org/markup-compatibility/2006">
-              <mc:Choice xmlns:a14="http://schemas.microsoft.com/office/drawing/2010/main" Requires="a14">
+            <mc:AlternateContent xmlns:mc="http://schemas.openxmlformats.org/markup-compatibility/2006" xmlns:a14="http://schemas.microsoft.com/office/drawing/2010/main">
+              <mc:Choice Requires="a14">
                 <p:sp>
                   <p:nvSpPr>
                     <p:cNvPr id="37" name="Rectangle 36"/>
@@ -16485,7 +16697,7 @@
                   </p:txBody>
                 </p:sp>
               </mc:Choice>
-              <mc:Fallback>
+              <mc:Fallback xmlns="">
                 <p:sp>
                   <p:nvSpPr>
                     <p:cNvPr id="37" name="Rectangle 36"/>
@@ -16639,8 +16851,8 @@
                 </a:fontRef>
               </p:style>
             </p:cxnSp>
-            <mc:AlternateContent xmlns:mc="http://schemas.openxmlformats.org/markup-compatibility/2006">
-              <mc:Choice xmlns:a14="http://schemas.microsoft.com/office/drawing/2010/main" Requires="a14">
+            <mc:AlternateContent xmlns:mc="http://schemas.openxmlformats.org/markup-compatibility/2006" xmlns:a14="http://schemas.microsoft.com/office/drawing/2010/main">
+              <mc:Choice Requires="a14">
                 <p:sp>
                   <p:nvSpPr>
                     <p:cNvPr id="41" name="TextBox 40"/>
@@ -16663,6 +16875,7 @@
                     </a:bodyPr>
                     <a:lstStyle/>
                     <a:p>
+                      <a:pPr/>
                       <a14:m>
                         <m:oMathPara xmlns:m="http://schemas.openxmlformats.org/officeDocument/2006/math">
                           <m:oMathParaPr>
@@ -16701,7 +16914,7 @@
                   </p:txBody>
                 </p:sp>
               </mc:Choice>
-              <mc:Fallback>
+              <mc:Fallback xmlns="">
                 <p:sp>
                   <p:nvSpPr>
                     <p:cNvPr id="41" name="TextBox 40"/>
@@ -17248,8 +17461,8 @@
             </a:p>
           </p:txBody>
         </p:sp>
-        <mc:AlternateContent xmlns:mc="http://schemas.openxmlformats.org/markup-compatibility/2006">
-          <mc:Choice xmlns:a14="http://schemas.microsoft.com/office/drawing/2010/main" Requires="a14">
+        <mc:AlternateContent xmlns:mc="http://schemas.openxmlformats.org/markup-compatibility/2006" xmlns:a14="http://schemas.microsoft.com/office/drawing/2010/main">
+          <mc:Choice Requires="a14">
             <p:sp>
               <p:nvSpPr>
                 <p:cNvPr id="106" name="TextBox 105"/>
@@ -17272,6 +17485,7 @@
                 </a:bodyPr>
                 <a:lstStyle/>
                 <a:p>
+                  <a:pPr/>
                   <a14:m>
                     <m:oMathPara xmlns:m="http://schemas.openxmlformats.org/officeDocument/2006/math">
                       <m:oMathParaPr>
@@ -17296,7 +17510,7 @@
               </p:txBody>
             </p:sp>
           </mc:Choice>
-          <mc:Fallback>
+          <mc:Fallback xmlns="">
             <p:sp>
               <p:nvSpPr>
                 <p:cNvPr id="106" name="TextBox 105"/>
@@ -17335,8 +17549,8 @@
             </p:sp>
           </mc:Fallback>
         </mc:AlternateContent>
-        <mc:AlternateContent xmlns:mc="http://schemas.openxmlformats.org/markup-compatibility/2006">
-          <mc:Choice xmlns:a14="http://schemas.microsoft.com/office/drawing/2010/main" Requires="a14">
+        <mc:AlternateContent xmlns:mc="http://schemas.openxmlformats.org/markup-compatibility/2006" xmlns:a14="http://schemas.microsoft.com/office/drawing/2010/main">
+          <mc:Choice Requires="a14">
             <p:sp>
               <p:nvSpPr>
                 <p:cNvPr id="107" name="TextBox 106"/>
@@ -17359,6 +17573,7 @@
                 </a:bodyPr>
                 <a:lstStyle/>
                 <a:p>
+                  <a:pPr/>
                   <a14:m>
                     <m:oMathPara xmlns:m="http://schemas.openxmlformats.org/officeDocument/2006/math">
                       <m:oMathParaPr>
@@ -17383,7 +17598,7 @@
               </p:txBody>
             </p:sp>
           </mc:Choice>
-          <mc:Fallback>
+          <mc:Fallback xmlns="">
             <p:sp>
               <p:nvSpPr>
                 <p:cNvPr id="107" name="TextBox 106"/>
@@ -17494,8 +17709,8 @@
             </a:fontRef>
           </p:style>
         </p:cxnSp>
-        <mc:AlternateContent xmlns:mc="http://schemas.openxmlformats.org/markup-compatibility/2006">
-          <mc:Choice xmlns:a14="http://schemas.microsoft.com/office/drawing/2010/main" Requires="a14">
+        <mc:AlternateContent xmlns:mc="http://schemas.openxmlformats.org/markup-compatibility/2006" xmlns:a14="http://schemas.microsoft.com/office/drawing/2010/main">
+          <mc:Choice Requires="a14">
             <p:sp>
               <p:nvSpPr>
                 <p:cNvPr id="116" name="TextBox 115"/>
@@ -17518,6 +17733,7 @@
                 </a:bodyPr>
                 <a:lstStyle/>
                 <a:p>
+                  <a:pPr/>
                   <a14:m>
                     <m:oMathPara xmlns:m="http://schemas.openxmlformats.org/officeDocument/2006/math">
                       <m:oMathParaPr>
@@ -17591,7 +17807,7 @@
               </p:txBody>
             </p:sp>
           </mc:Choice>
-          <mc:Fallback>
+          <mc:Fallback xmlns="">
             <p:sp>
               <p:nvSpPr>
                 <p:cNvPr id="116" name="TextBox 115"/>
@@ -17630,8 +17846,8 @@
             </p:sp>
           </mc:Fallback>
         </mc:AlternateContent>
-        <mc:AlternateContent xmlns:mc="http://schemas.openxmlformats.org/markup-compatibility/2006">
-          <mc:Choice xmlns:a14="http://schemas.microsoft.com/office/drawing/2010/main" Requires="a14">
+        <mc:AlternateContent xmlns:mc="http://schemas.openxmlformats.org/markup-compatibility/2006" xmlns:a14="http://schemas.microsoft.com/office/drawing/2010/main">
+          <mc:Choice Requires="a14">
             <p:sp>
               <p:nvSpPr>
                 <p:cNvPr id="117" name="TextBox 116"/>
@@ -17654,6 +17870,7 @@
                 </a:bodyPr>
                 <a:lstStyle/>
                 <a:p>
+                  <a:pPr/>
                   <a14:m>
                     <m:oMathPara xmlns:m="http://schemas.openxmlformats.org/officeDocument/2006/math">
                       <m:oMathParaPr>
@@ -17727,7 +17944,7 @@
               </p:txBody>
             </p:sp>
           </mc:Choice>
-          <mc:Fallback>
+          <mc:Fallback xmlns="">
             <p:sp>
               <p:nvSpPr>
                 <p:cNvPr id="117" name="TextBox 116"/>
@@ -18340,8 +18557,8 @@
             </a:fontRef>
           </p:style>
         </p:cxnSp>
-        <mc:AlternateContent xmlns:mc="http://schemas.openxmlformats.org/markup-compatibility/2006">
-          <mc:Choice xmlns:a14="http://schemas.microsoft.com/office/drawing/2010/main" Requires="a14">
+        <mc:AlternateContent xmlns:mc="http://schemas.openxmlformats.org/markup-compatibility/2006" xmlns:a14="http://schemas.microsoft.com/office/drawing/2010/main">
+          <mc:Choice Requires="a14">
             <p:sp>
               <p:nvSpPr>
                 <p:cNvPr id="154" name="Rectangle 153"/>
@@ -18392,7 +18609,7 @@
               </p:txBody>
             </p:sp>
           </mc:Choice>
-          <mc:Fallback>
+          <mc:Fallback xmlns="">
             <p:sp>
               <p:nvSpPr>
                 <p:cNvPr id="154" name="Rectangle 153"/>
@@ -18983,8 +19200,8 @@
               </mc:Fallback>
             </mc:AlternateContent>
           </p:grpSp>
-          <mc:AlternateContent xmlns:mc="http://schemas.openxmlformats.org/markup-compatibility/2006">
-            <mc:Choice xmlns:a14="http://schemas.microsoft.com/office/drawing/2010/main" Requires="a14">
+          <mc:AlternateContent xmlns:mc="http://schemas.openxmlformats.org/markup-compatibility/2006" xmlns:a14="http://schemas.microsoft.com/office/drawing/2010/main">
+            <mc:Choice Requires="a14">
               <p:sp>
                 <p:nvSpPr>
                   <p:cNvPr id="122" name="Rectangle 121"/>
@@ -19035,7 +19252,7 @@
                 </p:txBody>
               </p:sp>
             </mc:Choice>
-            <mc:Fallback>
+            <mc:Fallback xmlns="">
               <p:sp>
                 <p:nvSpPr>
                   <p:cNvPr id="122" name="Rectangle 121"/>
@@ -19183,8 +19400,8 @@
               </a:fontRef>
             </p:style>
           </p:cxnSp>
-          <mc:AlternateContent xmlns:mc="http://schemas.openxmlformats.org/markup-compatibility/2006">
-            <mc:Choice xmlns:a14="http://schemas.microsoft.com/office/drawing/2010/main" Requires="a14">
+          <mc:AlternateContent xmlns:mc="http://schemas.openxmlformats.org/markup-compatibility/2006" xmlns:a14="http://schemas.microsoft.com/office/drawing/2010/main">
+            <mc:Choice Requires="a14">
               <p:sp>
                 <p:nvSpPr>
                   <p:cNvPr id="126" name="Rectangle 125"/>
@@ -19257,7 +19474,7 @@
                 </p:txBody>
               </p:sp>
             </mc:Choice>
-            <mc:Fallback>
+            <mc:Fallback xmlns="">
               <p:sp>
                 <p:nvSpPr>
                   <p:cNvPr id="126" name="Rectangle 125"/>
@@ -19296,8 +19513,8 @@
               </p:sp>
             </mc:Fallback>
           </mc:AlternateContent>
-          <mc:AlternateContent xmlns:mc="http://schemas.openxmlformats.org/markup-compatibility/2006">
-            <mc:Choice xmlns:a14="http://schemas.microsoft.com/office/drawing/2010/main" Requires="a14">
+          <mc:AlternateContent xmlns:mc="http://schemas.openxmlformats.org/markup-compatibility/2006" xmlns:a14="http://schemas.microsoft.com/office/drawing/2010/main">
+            <mc:Choice Requires="a14">
               <p:sp>
                 <p:nvSpPr>
                   <p:cNvPr id="127" name="Rectangle 126"/>
@@ -19348,7 +19565,7 @@
                 </p:txBody>
               </p:sp>
             </mc:Choice>
-            <mc:Fallback>
+            <mc:Fallback xmlns="">
               <p:sp>
                 <p:nvSpPr>
                   <p:cNvPr id="127" name="Rectangle 126"/>
@@ -19423,8 +19640,8 @@
               </a:fontRef>
             </p:style>
           </p:cxnSp>
-          <mc:AlternateContent xmlns:mc="http://schemas.openxmlformats.org/markup-compatibility/2006">
-            <mc:Choice xmlns:a14="http://schemas.microsoft.com/office/drawing/2010/main" Requires="a14">
+          <mc:AlternateContent xmlns:mc="http://schemas.openxmlformats.org/markup-compatibility/2006" xmlns:a14="http://schemas.microsoft.com/office/drawing/2010/main">
+            <mc:Choice Requires="a14">
               <p:sp>
                 <p:nvSpPr>
                   <p:cNvPr id="129" name="Rectangle 128"/>
@@ -19475,7 +19692,7 @@
                 </p:txBody>
               </p:sp>
             </mc:Choice>
-            <mc:Fallback>
+            <mc:Fallback xmlns="">
               <p:sp>
                 <p:nvSpPr>
                   <p:cNvPr id="129" name="Rectangle 128"/>
@@ -19514,8 +19731,8 @@
               </p:sp>
             </mc:Fallback>
           </mc:AlternateContent>
-          <mc:AlternateContent xmlns:mc="http://schemas.openxmlformats.org/markup-compatibility/2006">
-            <mc:Choice xmlns:a14="http://schemas.microsoft.com/office/drawing/2010/main" Requires="a14">
+          <mc:AlternateContent xmlns:mc="http://schemas.openxmlformats.org/markup-compatibility/2006" xmlns:a14="http://schemas.microsoft.com/office/drawing/2010/main">
+            <mc:Choice Requires="a14">
               <p:sp>
                 <p:nvSpPr>
                   <p:cNvPr id="130" name="Rectangle 129"/>
@@ -19576,7 +19793,7 @@
                 </p:txBody>
               </p:sp>
             </mc:Choice>
-            <mc:Fallback>
+            <mc:Fallback xmlns="">
               <p:sp>
                 <p:nvSpPr>
                   <p:cNvPr id="130" name="Rectangle 129"/>
@@ -19615,8 +19832,8 @@
               </p:sp>
             </mc:Fallback>
           </mc:AlternateContent>
-          <mc:AlternateContent xmlns:mc="http://schemas.openxmlformats.org/markup-compatibility/2006">
-            <mc:Choice xmlns:a14="http://schemas.microsoft.com/office/drawing/2010/main" Requires="a14">
+          <mc:AlternateContent xmlns:mc="http://schemas.openxmlformats.org/markup-compatibility/2006" xmlns:a14="http://schemas.microsoft.com/office/drawing/2010/main">
+            <mc:Choice Requires="a14">
               <p:sp>
                 <p:nvSpPr>
                   <p:cNvPr id="131" name="Rectangle 130"/>
@@ -19699,7 +19916,7 @@
                 </p:txBody>
               </p:sp>
             </mc:Choice>
-            <mc:Fallback>
+            <mc:Fallback xmlns="">
               <p:sp>
                 <p:nvSpPr>
                   <p:cNvPr id="131" name="Rectangle 130"/>
@@ -19832,6 +20049,926 @@
             </a:p>
           </p:txBody>
         </p:sp>
+      </p:grpSp>
+      <p:grpSp>
+        <p:nvGrpSpPr>
+          <p:cNvPr id="176" name="Group 175"/>
+          <p:cNvGrpSpPr/>
+          <p:nvPr/>
+        </p:nvGrpSpPr>
+        <p:grpSpPr>
+          <a:xfrm>
+            <a:off x="5368755" y="3537071"/>
+            <a:ext cx="3724224" cy="1927233"/>
+            <a:chOff x="5368755" y="3537071"/>
+            <a:chExt cx="3724224" cy="1927233"/>
+          </a:xfrm>
+        </p:grpSpPr>
+        <p:sp>
+          <p:nvSpPr>
+            <p:cNvPr id="162" name="Freeform 161"/>
+            <p:cNvSpPr/>
+            <p:nvPr/>
+          </p:nvSpPr>
+          <p:spPr>
+            <a:xfrm>
+              <a:off x="5368755" y="3537071"/>
+              <a:ext cx="3122639" cy="1338433"/>
+            </a:xfrm>
+            <a:custGeom>
+              <a:avLst/>
+              <a:gdLst>
+                <a:gd name="connsiteX0" fmla="*/ 0 w 3402418"/>
+                <a:gd name="connsiteY0" fmla="*/ 1031358 h 1031358"/>
+                <a:gd name="connsiteX1" fmla="*/ 850604 w 3402418"/>
+                <a:gd name="connsiteY1" fmla="*/ 414670 h 1031358"/>
+                <a:gd name="connsiteX2" fmla="*/ 2328530 w 3402418"/>
+                <a:gd name="connsiteY2" fmla="*/ 669851 h 1031358"/>
+                <a:gd name="connsiteX3" fmla="*/ 3402418 w 3402418"/>
+                <a:gd name="connsiteY3" fmla="*/ 0 h 1031358"/>
+                <a:gd name="connsiteX0" fmla="*/ 0 w 3354651"/>
+                <a:gd name="connsiteY0" fmla="*/ 1133716 h 1133716"/>
+                <a:gd name="connsiteX1" fmla="*/ 850604 w 3354651"/>
+                <a:gd name="connsiteY1" fmla="*/ 517028 h 1133716"/>
+                <a:gd name="connsiteX2" fmla="*/ 2328530 w 3354651"/>
+                <a:gd name="connsiteY2" fmla="*/ 772209 h 1133716"/>
+                <a:gd name="connsiteX3" fmla="*/ 3354651 w 3354651"/>
+                <a:gd name="connsiteY3" fmla="*/ 0 h 1133716"/>
+                <a:gd name="connsiteX0" fmla="*/ 0 w 3122639"/>
+                <a:gd name="connsiteY0" fmla="*/ 1338433 h 1338433"/>
+                <a:gd name="connsiteX1" fmla="*/ 850604 w 3122639"/>
+                <a:gd name="connsiteY1" fmla="*/ 721745 h 1338433"/>
+                <a:gd name="connsiteX2" fmla="*/ 2328530 w 3122639"/>
+                <a:gd name="connsiteY2" fmla="*/ 976926 h 1338433"/>
+                <a:gd name="connsiteX3" fmla="*/ 3122639 w 3122639"/>
+                <a:gd name="connsiteY3" fmla="*/ 0 h 1338433"/>
+                <a:gd name="connsiteX0" fmla="*/ 0 w 3122639"/>
+                <a:gd name="connsiteY0" fmla="*/ 1338433 h 1338433"/>
+                <a:gd name="connsiteX1" fmla="*/ 850604 w 3122639"/>
+                <a:gd name="connsiteY1" fmla="*/ 721745 h 1338433"/>
+                <a:gd name="connsiteX2" fmla="*/ 2328530 w 3122639"/>
+                <a:gd name="connsiteY2" fmla="*/ 976926 h 1338433"/>
+                <a:gd name="connsiteX3" fmla="*/ 3122639 w 3122639"/>
+                <a:gd name="connsiteY3" fmla="*/ 0 h 1338433"/>
+              </a:gdLst>
+              <a:ahLst/>
+              <a:cxnLst>
+                <a:cxn ang="0">
+                  <a:pos x="connsiteX0" y="connsiteY0"/>
+                </a:cxn>
+                <a:cxn ang="0">
+                  <a:pos x="connsiteX1" y="connsiteY1"/>
+                </a:cxn>
+                <a:cxn ang="0">
+                  <a:pos x="connsiteX2" y="connsiteY2"/>
+                </a:cxn>
+                <a:cxn ang="0">
+                  <a:pos x="connsiteX3" y="connsiteY3"/>
+                </a:cxn>
+              </a:cxnLst>
+              <a:rect l="l" t="t" r="r" b="b"/>
+              <a:pathLst>
+                <a:path w="3122639" h="1338433">
+                  <a:moveTo>
+                    <a:pt x="0" y="1338433"/>
+                  </a:moveTo>
+                  <a:cubicBezTo>
+                    <a:pt x="231258" y="1060214"/>
+                    <a:pt x="462516" y="781996"/>
+                    <a:pt x="850604" y="721745"/>
+                  </a:cubicBezTo>
+                  <a:cubicBezTo>
+                    <a:pt x="1238692" y="661494"/>
+                    <a:pt x="1949857" y="1097217"/>
+                    <a:pt x="2328530" y="976926"/>
+                  </a:cubicBezTo>
+                  <a:cubicBezTo>
+                    <a:pt x="2707203" y="856635"/>
+                    <a:pt x="2921176" y="354960"/>
+                    <a:pt x="3122639" y="0"/>
+                  </a:cubicBezTo>
+                </a:path>
+              </a:pathLst>
+            </a:custGeom>
+            <a:noFill/>
+            <a:ln w="19050">
+              <a:solidFill>
+                <a:schemeClr val="tx1"/>
+              </a:solidFill>
+              <a:headEnd type="none" w="med" len="med"/>
+              <a:tailEnd type="triangle" w="med" len="med"/>
+            </a:ln>
+          </p:spPr>
+          <p:style>
+            <a:lnRef idx="2">
+              <a:schemeClr val="accent1">
+                <a:shade val="50000"/>
+              </a:schemeClr>
+            </a:lnRef>
+            <a:fillRef idx="1">
+              <a:schemeClr val="accent1"/>
+            </a:fillRef>
+            <a:effectRef idx="0">
+              <a:schemeClr val="accent1"/>
+            </a:effectRef>
+            <a:fontRef idx="minor">
+              <a:schemeClr val="lt1"/>
+            </a:fontRef>
+          </p:style>
+          <p:txBody>
+            <a:bodyPr rtlCol="0" anchor="ctr"/>
+            <a:lstStyle/>
+            <a:p>
+              <a:pPr algn="ctr"/>
+              <a:endParaRPr lang="en-US"/>
+            </a:p>
+          </p:txBody>
+        </p:sp>
+        <p:sp>
+          <p:nvSpPr>
+            <p:cNvPr id="163" name="Freeform 162"/>
+            <p:cNvSpPr/>
+            <p:nvPr/>
+          </p:nvSpPr>
+          <p:spPr>
+            <a:xfrm>
+              <a:off x="5442530" y="3814709"/>
+              <a:ext cx="3361475" cy="1208779"/>
+            </a:xfrm>
+            <a:custGeom>
+              <a:avLst/>
+              <a:gdLst>
+                <a:gd name="connsiteX0" fmla="*/ 0 w 3402418"/>
+                <a:gd name="connsiteY0" fmla="*/ 1031358 h 1031358"/>
+                <a:gd name="connsiteX1" fmla="*/ 850604 w 3402418"/>
+                <a:gd name="connsiteY1" fmla="*/ 414670 h 1031358"/>
+                <a:gd name="connsiteX2" fmla="*/ 2328530 w 3402418"/>
+                <a:gd name="connsiteY2" fmla="*/ 669851 h 1031358"/>
+                <a:gd name="connsiteX3" fmla="*/ 3402418 w 3402418"/>
+                <a:gd name="connsiteY3" fmla="*/ 0 h 1031358"/>
+                <a:gd name="connsiteX0" fmla="*/ 0 w 3402418"/>
+                <a:gd name="connsiteY0" fmla="*/ 1120068 h 1120068"/>
+                <a:gd name="connsiteX1" fmla="*/ 850604 w 3402418"/>
+                <a:gd name="connsiteY1" fmla="*/ 503380 h 1120068"/>
+                <a:gd name="connsiteX2" fmla="*/ 2328530 w 3402418"/>
+                <a:gd name="connsiteY2" fmla="*/ 758561 h 1120068"/>
+                <a:gd name="connsiteX3" fmla="*/ 3402418 w 3402418"/>
+                <a:gd name="connsiteY3" fmla="*/ 0 h 1120068"/>
+                <a:gd name="connsiteX0" fmla="*/ 0 w 3361475"/>
+                <a:gd name="connsiteY0" fmla="*/ 1208779 h 1208779"/>
+                <a:gd name="connsiteX1" fmla="*/ 850604 w 3361475"/>
+                <a:gd name="connsiteY1" fmla="*/ 592091 h 1208779"/>
+                <a:gd name="connsiteX2" fmla="*/ 2328530 w 3361475"/>
+                <a:gd name="connsiteY2" fmla="*/ 847272 h 1208779"/>
+                <a:gd name="connsiteX3" fmla="*/ 3361475 w 3361475"/>
+                <a:gd name="connsiteY3" fmla="*/ 0 h 1208779"/>
+                <a:gd name="connsiteX0" fmla="*/ 0 w 3361475"/>
+                <a:gd name="connsiteY0" fmla="*/ 1208779 h 1208779"/>
+                <a:gd name="connsiteX1" fmla="*/ 850604 w 3361475"/>
+                <a:gd name="connsiteY1" fmla="*/ 592091 h 1208779"/>
+                <a:gd name="connsiteX2" fmla="*/ 2328530 w 3361475"/>
+                <a:gd name="connsiteY2" fmla="*/ 847272 h 1208779"/>
+                <a:gd name="connsiteX3" fmla="*/ 3361475 w 3361475"/>
+                <a:gd name="connsiteY3" fmla="*/ 0 h 1208779"/>
+              </a:gdLst>
+              <a:ahLst/>
+              <a:cxnLst>
+                <a:cxn ang="0">
+                  <a:pos x="connsiteX0" y="connsiteY0"/>
+                </a:cxn>
+                <a:cxn ang="0">
+                  <a:pos x="connsiteX1" y="connsiteY1"/>
+                </a:cxn>
+                <a:cxn ang="0">
+                  <a:pos x="connsiteX2" y="connsiteY2"/>
+                </a:cxn>
+                <a:cxn ang="0">
+                  <a:pos x="connsiteX3" y="connsiteY3"/>
+                </a:cxn>
+              </a:cxnLst>
+              <a:rect l="l" t="t" r="r" b="b"/>
+              <a:pathLst>
+                <a:path w="3361475" h="1208779">
+                  <a:moveTo>
+                    <a:pt x="0" y="1208779"/>
+                  </a:moveTo>
+                  <a:cubicBezTo>
+                    <a:pt x="231258" y="930560"/>
+                    <a:pt x="462516" y="652342"/>
+                    <a:pt x="850604" y="592091"/>
+                  </a:cubicBezTo>
+                  <a:cubicBezTo>
+                    <a:pt x="1238692" y="531840"/>
+                    <a:pt x="1910052" y="945954"/>
+                    <a:pt x="2328530" y="847272"/>
+                  </a:cubicBezTo>
+                  <a:cubicBezTo>
+                    <a:pt x="2747008" y="748590"/>
+                    <a:pt x="3071302" y="320841"/>
+                    <a:pt x="3361475" y="0"/>
+                  </a:cubicBezTo>
+                </a:path>
+              </a:pathLst>
+            </a:custGeom>
+            <a:noFill/>
+            <a:ln w="19050">
+              <a:solidFill>
+                <a:schemeClr val="tx1"/>
+              </a:solidFill>
+              <a:headEnd type="none" w="med" len="med"/>
+              <a:tailEnd type="triangle" w="med" len="med"/>
+            </a:ln>
+          </p:spPr>
+          <p:style>
+            <a:lnRef idx="2">
+              <a:schemeClr val="accent1">
+                <a:shade val="50000"/>
+              </a:schemeClr>
+            </a:lnRef>
+            <a:fillRef idx="1">
+              <a:schemeClr val="accent1"/>
+            </a:fillRef>
+            <a:effectRef idx="0">
+              <a:schemeClr val="accent1"/>
+            </a:effectRef>
+            <a:fontRef idx="minor">
+              <a:schemeClr val="lt1"/>
+            </a:fontRef>
+          </p:style>
+          <p:txBody>
+            <a:bodyPr rtlCol="0" anchor="ctr"/>
+            <a:lstStyle/>
+            <a:p>
+              <a:pPr algn="ctr"/>
+              <a:endParaRPr lang="en-US"/>
+            </a:p>
+          </p:txBody>
+        </p:sp>
+        <p:sp>
+          <p:nvSpPr>
+            <p:cNvPr id="164" name="Freeform 163"/>
+            <p:cNvSpPr/>
+            <p:nvPr/>
+          </p:nvSpPr>
+          <p:spPr>
+            <a:xfrm>
+              <a:off x="5481821" y="4187882"/>
+              <a:ext cx="3429713" cy="983591"/>
+            </a:xfrm>
+            <a:custGeom>
+              <a:avLst/>
+              <a:gdLst>
+                <a:gd name="connsiteX0" fmla="*/ 0 w 3402418"/>
+                <a:gd name="connsiteY0" fmla="*/ 1031358 h 1031358"/>
+                <a:gd name="connsiteX1" fmla="*/ 850604 w 3402418"/>
+                <a:gd name="connsiteY1" fmla="*/ 414670 h 1031358"/>
+                <a:gd name="connsiteX2" fmla="*/ 2328530 w 3402418"/>
+                <a:gd name="connsiteY2" fmla="*/ 669851 h 1031358"/>
+                <a:gd name="connsiteX3" fmla="*/ 3402418 w 3402418"/>
+                <a:gd name="connsiteY3" fmla="*/ 0 h 1031358"/>
+                <a:gd name="connsiteX0" fmla="*/ 0 w 3429713"/>
+                <a:gd name="connsiteY0" fmla="*/ 983591 h 983591"/>
+                <a:gd name="connsiteX1" fmla="*/ 850604 w 3429713"/>
+                <a:gd name="connsiteY1" fmla="*/ 366903 h 983591"/>
+                <a:gd name="connsiteX2" fmla="*/ 2328530 w 3429713"/>
+                <a:gd name="connsiteY2" fmla="*/ 622084 h 983591"/>
+                <a:gd name="connsiteX3" fmla="*/ 3429713 w 3429713"/>
+                <a:gd name="connsiteY3" fmla="*/ 0 h 983591"/>
+              </a:gdLst>
+              <a:ahLst/>
+              <a:cxnLst>
+                <a:cxn ang="0">
+                  <a:pos x="connsiteX0" y="connsiteY0"/>
+                </a:cxn>
+                <a:cxn ang="0">
+                  <a:pos x="connsiteX1" y="connsiteY1"/>
+                </a:cxn>
+                <a:cxn ang="0">
+                  <a:pos x="connsiteX2" y="connsiteY2"/>
+                </a:cxn>
+                <a:cxn ang="0">
+                  <a:pos x="connsiteX3" y="connsiteY3"/>
+                </a:cxn>
+              </a:cxnLst>
+              <a:rect l="l" t="t" r="r" b="b"/>
+              <a:pathLst>
+                <a:path w="3429713" h="983591">
+                  <a:moveTo>
+                    <a:pt x="0" y="983591"/>
+                  </a:moveTo>
+                  <a:cubicBezTo>
+                    <a:pt x="231258" y="705372"/>
+                    <a:pt x="462516" y="427154"/>
+                    <a:pt x="850604" y="366903"/>
+                  </a:cubicBezTo>
+                  <a:cubicBezTo>
+                    <a:pt x="1238692" y="306652"/>
+                    <a:pt x="1898679" y="683234"/>
+                    <a:pt x="2328530" y="622084"/>
+                  </a:cubicBezTo>
+                  <a:cubicBezTo>
+                    <a:pt x="2758381" y="560934"/>
+                    <a:pt x="3105420" y="300369"/>
+                    <a:pt x="3429713" y="0"/>
+                  </a:cubicBezTo>
+                </a:path>
+              </a:pathLst>
+            </a:custGeom>
+            <a:noFill/>
+            <a:ln w="19050">
+              <a:solidFill>
+                <a:schemeClr val="tx1"/>
+              </a:solidFill>
+              <a:headEnd type="none" w="med" len="med"/>
+              <a:tailEnd type="triangle" w="med" len="med"/>
+            </a:ln>
+          </p:spPr>
+          <p:style>
+            <a:lnRef idx="2">
+              <a:schemeClr val="accent1">
+                <a:shade val="50000"/>
+              </a:schemeClr>
+            </a:lnRef>
+            <a:fillRef idx="1">
+              <a:schemeClr val="accent1"/>
+            </a:fillRef>
+            <a:effectRef idx="0">
+              <a:schemeClr val="accent1"/>
+            </a:effectRef>
+            <a:fontRef idx="minor">
+              <a:schemeClr val="lt1"/>
+            </a:fontRef>
+          </p:style>
+          <p:txBody>
+            <a:bodyPr rtlCol="0" anchor="ctr"/>
+            <a:lstStyle/>
+            <a:p>
+              <a:pPr algn="ctr"/>
+              <a:endParaRPr lang="en-US"/>
+            </a:p>
+          </p:txBody>
+        </p:sp>
+        <p:sp>
+          <p:nvSpPr>
+            <p:cNvPr id="165" name="Freeform 164"/>
+            <p:cNvSpPr/>
+            <p:nvPr/>
+          </p:nvSpPr>
+          <p:spPr>
+            <a:xfrm>
+              <a:off x="5511975" y="4490233"/>
+              <a:ext cx="3559367" cy="847114"/>
+            </a:xfrm>
+            <a:custGeom>
+              <a:avLst/>
+              <a:gdLst>
+                <a:gd name="connsiteX0" fmla="*/ 0 w 3402418"/>
+                <a:gd name="connsiteY0" fmla="*/ 1031358 h 1031358"/>
+                <a:gd name="connsiteX1" fmla="*/ 850604 w 3402418"/>
+                <a:gd name="connsiteY1" fmla="*/ 414670 h 1031358"/>
+                <a:gd name="connsiteX2" fmla="*/ 2328530 w 3402418"/>
+                <a:gd name="connsiteY2" fmla="*/ 669851 h 1031358"/>
+                <a:gd name="connsiteX3" fmla="*/ 3402418 w 3402418"/>
+                <a:gd name="connsiteY3" fmla="*/ 0 h 1031358"/>
+                <a:gd name="connsiteX0" fmla="*/ 0 w 3497952"/>
+                <a:gd name="connsiteY0" fmla="*/ 901705 h 901705"/>
+                <a:gd name="connsiteX1" fmla="*/ 850604 w 3497952"/>
+                <a:gd name="connsiteY1" fmla="*/ 285017 h 901705"/>
+                <a:gd name="connsiteX2" fmla="*/ 2328530 w 3497952"/>
+                <a:gd name="connsiteY2" fmla="*/ 540198 h 901705"/>
+                <a:gd name="connsiteX3" fmla="*/ 3497952 w 3497952"/>
+                <a:gd name="connsiteY3" fmla="*/ 0 h 901705"/>
+                <a:gd name="connsiteX0" fmla="*/ 0 w 3559367"/>
+                <a:gd name="connsiteY0" fmla="*/ 847114 h 847114"/>
+                <a:gd name="connsiteX1" fmla="*/ 850604 w 3559367"/>
+                <a:gd name="connsiteY1" fmla="*/ 230426 h 847114"/>
+                <a:gd name="connsiteX2" fmla="*/ 2328530 w 3559367"/>
+                <a:gd name="connsiteY2" fmla="*/ 485607 h 847114"/>
+                <a:gd name="connsiteX3" fmla="*/ 3559367 w 3559367"/>
+                <a:gd name="connsiteY3" fmla="*/ 0 h 847114"/>
+              </a:gdLst>
+              <a:ahLst/>
+              <a:cxnLst>
+                <a:cxn ang="0">
+                  <a:pos x="connsiteX0" y="connsiteY0"/>
+                </a:cxn>
+                <a:cxn ang="0">
+                  <a:pos x="connsiteX1" y="connsiteY1"/>
+                </a:cxn>
+                <a:cxn ang="0">
+                  <a:pos x="connsiteX2" y="connsiteY2"/>
+                </a:cxn>
+                <a:cxn ang="0">
+                  <a:pos x="connsiteX3" y="connsiteY3"/>
+                </a:cxn>
+              </a:cxnLst>
+              <a:rect l="l" t="t" r="r" b="b"/>
+              <a:pathLst>
+                <a:path w="3559367" h="847114">
+                  <a:moveTo>
+                    <a:pt x="0" y="847114"/>
+                  </a:moveTo>
+                  <a:cubicBezTo>
+                    <a:pt x="231258" y="568895"/>
+                    <a:pt x="462516" y="290677"/>
+                    <a:pt x="850604" y="230426"/>
+                  </a:cubicBezTo>
+                  <a:cubicBezTo>
+                    <a:pt x="1238692" y="170175"/>
+                    <a:pt x="1877070" y="524011"/>
+                    <a:pt x="2328530" y="485607"/>
+                  </a:cubicBezTo>
+                  <a:cubicBezTo>
+                    <a:pt x="2779990" y="447203"/>
+                    <a:pt x="3235074" y="300369"/>
+                    <a:pt x="3559367" y="0"/>
+                  </a:cubicBezTo>
+                </a:path>
+              </a:pathLst>
+            </a:custGeom>
+            <a:noFill/>
+            <a:ln w="19050">
+              <a:solidFill>
+                <a:schemeClr val="tx1"/>
+              </a:solidFill>
+              <a:headEnd type="none" w="med" len="med"/>
+              <a:tailEnd type="triangle" w="med" len="med"/>
+            </a:ln>
+          </p:spPr>
+          <p:style>
+            <a:lnRef idx="2">
+              <a:schemeClr val="accent1">
+                <a:shade val="50000"/>
+              </a:schemeClr>
+            </a:lnRef>
+            <a:fillRef idx="1">
+              <a:schemeClr val="accent1"/>
+            </a:fillRef>
+            <a:effectRef idx="0">
+              <a:schemeClr val="accent1"/>
+            </a:effectRef>
+            <a:fontRef idx="minor">
+              <a:schemeClr val="lt1"/>
+            </a:fontRef>
+          </p:style>
+          <p:txBody>
+            <a:bodyPr rtlCol="0" anchor="ctr"/>
+            <a:lstStyle/>
+            <a:p>
+              <a:pPr algn="ctr"/>
+              <a:endParaRPr lang="en-US"/>
+            </a:p>
+          </p:txBody>
+        </p:sp>
+        <p:sp>
+          <p:nvSpPr>
+            <p:cNvPr id="166" name="Freeform 165"/>
+            <p:cNvSpPr/>
+            <p:nvPr/>
+          </p:nvSpPr>
+          <p:spPr>
+            <a:xfrm>
+              <a:off x="5552338" y="4730658"/>
+              <a:ext cx="3540641" cy="733646"/>
+            </a:xfrm>
+            <a:custGeom>
+              <a:avLst/>
+              <a:gdLst>
+                <a:gd name="connsiteX0" fmla="*/ 0 w 3402418"/>
+                <a:gd name="connsiteY0" fmla="*/ 1031358 h 1031358"/>
+                <a:gd name="connsiteX1" fmla="*/ 850604 w 3402418"/>
+                <a:gd name="connsiteY1" fmla="*/ 414670 h 1031358"/>
+                <a:gd name="connsiteX2" fmla="*/ 2328530 w 3402418"/>
+                <a:gd name="connsiteY2" fmla="*/ 669851 h 1031358"/>
+                <a:gd name="connsiteX3" fmla="*/ 3402418 w 3402418"/>
+                <a:gd name="connsiteY3" fmla="*/ 0 h 1031358"/>
+                <a:gd name="connsiteX0" fmla="*/ 0 w 3540641"/>
+                <a:gd name="connsiteY0" fmla="*/ 733646 h 733646"/>
+                <a:gd name="connsiteX1" fmla="*/ 850604 w 3540641"/>
+                <a:gd name="connsiteY1" fmla="*/ 116958 h 733646"/>
+                <a:gd name="connsiteX2" fmla="*/ 2328530 w 3540641"/>
+                <a:gd name="connsiteY2" fmla="*/ 372139 h 733646"/>
+                <a:gd name="connsiteX3" fmla="*/ 3540641 w 3540641"/>
+                <a:gd name="connsiteY3" fmla="*/ 0 h 733646"/>
+              </a:gdLst>
+              <a:ahLst/>
+              <a:cxnLst>
+                <a:cxn ang="0">
+                  <a:pos x="connsiteX0" y="connsiteY0"/>
+                </a:cxn>
+                <a:cxn ang="0">
+                  <a:pos x="connsiteX1" y="connsiteY1"/>
+                </a:cxn>
+                <a:cxn ang="0">
+                  <a:pos x="connsiteX2" y="connsiteY2"/>
+                </a:cxn>
+                <a:cxn ang="0">
+                  <a:pos x="connsiteX3" y="connsiteY3"/>
+                </a:cxn>
+              </a:cxnLst>
+              <a:rect l="l" t="t" r="r" b="b"/>
+              <a:pathLst>
+                <a:path w="3540641" h="733646">
+                  <a:moveTo>
+                    <a:pt x="0" y="733646"/>
+                  </a:moveTo>
+                  <a:cubicBezTo>
+                    <a:pt x="231258" y="455427"/>
+                    <a:pt x="462516" y="177209"/>
+                    <a:pt x="850604" y="116958"/>
+                  </a:cubicBezTo>
+                  <a:cubicBezTo>
+                    <a:pt x="1238692" y="56707"/>
+                    <a:pt x="1880191" y="391632"/>
+                    <a:pt x="2328530" y="372139"/>
+                  </a:cubicBezTo>
+                  <a:cubicBezTo>
+                    <a:pt x="2776870" y="352646"/>
+                    <a:pt x="3216348" y="300369"/>
+                    <a:pt x="3540641" y="0"/>
+                  </a:cubicBezTo>
+                </a:path>
+              </a:pathLst>
+            </a:custGeom>
+            <a:noFill/>
+            <a:ln w="19050">
+              <a:solidFill>
+                <a:schemeClr val="tx1"/>
+              </a:solidFill>
+              <a:round/>
+              <a:headEnd type="none" w="med" len="med"/>
+              <a:tailEnd type="triangle" w="med" len="med"/>
+            </a:ln>
+          </p:spPr>
+          <p:style>
+            <a:lnRef idx="2">
+              <a:schemeClr val="accent1">
+                <a:shade val="50000"/>
+              </a:schemeClr>
+            </a:lnRef>
+            <a:fillRef idx="1">
+              <a:schemeClr val="accent1"/>
+            </a:fillRef>
+            <a:effectRef idx="0">
+              <a:schemeClr val="accent1"/>
+            </a:effectRef>
+            <a:fontRef idx="minor">
+              <a:schemeClr val="lt1"/>
+            </a:fontRef>
+          </p:style>
+          <p:txBody>
+            <a:bodyPr rtlCol="0" anchor="ctr"/>
+            <a:lstStyle/>
+            <a:p>
+              <a:pPr algn="ctr"/>
+              <a:endParaRPr lang="en-US"/>
+            </a:p>
+          </p:txBody>
+        </p:sp>
+        <p:cxnSp>
+          <p:nvCxnSpPr>
+            <p:cNvPr id="168" name="Straight Arrow Connector 167"/>
+            <p:cNvCxnSpPr/>
+            <p:nvPr/>
+          </p:nvCxnSpPr>
+          <p:spPr>
+            <a:xfrm>
+              <a:off x="7322658" y="4631045"/>
+              <a:ext cx="656084" cy="156105"/>
+            </a:xfrm>
+            <a:prstGeom prst="straightConnector1">
+              <a:avLst/>
+            </a:prstGeom>
+            <a:ln w="38100">
+              <a:solidFill>
+                <a:srgbClr val="FF0000"/>
+              </a:solidFill>
+              <a:tailEnd type="triangle"/>
+            </a:ln>
+          </p:spPr>
+          <p:style>
+            <a:lnRef idx="1">
+              <a:schemeClr val="accent1"/>
+            </a:lnRef>
+            <a:fillRef idx="0">
+              <a:schemeClr val="accent1"/>
+            </a:fillRef>
+            <a:effectRef idx="0">
+              <a:schemeClr val="accent1"/>
+            </a:effectRef>
+            <a:fontRef idx="minor">
+              <a:schemeClr val="tx1"/>
+            </a:fontRef>
+          </p:style>
+        </p:cxnSp>
+        <p:cxnSp>
+          <p:nvCxnSpPr>
+            <p:cNvPr id="170" name="Straight Arrow Connector 169"/>
+            <p:cNvCxnSpPr/>
+            <p:nvPr/>
+          </p:nvCxnSpPr>
+          <p:spPr>
+            <a:xfrm flipV="1">
+              <a:off x="8436895" y="4022008"/>
+              <a:ext cx="226501" cy="221922"/>
+            </a:xfrm>
+            <a:prstGeom prst="straightConnector1">
+              <a:avLst/>
+            </a:prstGeom>
+            <a:ln w="38100">
+              <a:solidFill>
+                <a:srgbClr val="FF0000"/>
+              </a:solidFill>
+              <a:tailEnd type="triangle"/>
+            </a:ln>
+          </p:spPr>
+          <p:style>
+            <a:lnRef idx="1">
+              <a:schemeClr val="accent1"/>
+            </a:lnRef>
+            <a:fillRef idx="0">
+              <a:schemeClr val="accent1"/>
+            </a:fillRef>
+            <a:effectRef idx="0">
+              <a:schemeClr val="accent1"/>
+            </a:effectRef>
+            <a:fontRef idx="minor">
+              <a:schemeClr val="tx1"/>
+            </a:fontRef>
+          </p:style>
+        </p:cxnSp>
+        <p:sp>
+          <p:nvSpPr>
+            <p:cNvPr id="172" name="Oval 171"/>
+            <p:cNvSpPr/>
+            <p:nvPr/>
+          </p:nvSpPr>
+          <p:spPr>
+            <a:xfrm>
+              <a:off x="7279719" y="4583512"/>
+              <a:ext cx="96165" cy="96165"/>
+            </a:xfrm>
+            <a:prstGeom prst="ellipse">
+              <a:avLst/>
+            </a:prstGeom>
+            <a:solidFill>
+              <a:schemeClr val="tx1"/>
+            </a:solidFill>
+            <a:ln w="38100">
+              <a:solidFill>
+                <a:schemeClr val="tx1"/>
+              </a:solidFill>
+            </a:ln>
+          </p:spPr>
+          <p:style>
+            <a:lnRef idx="2">
+              <a:schemeClr val="accent1">
+                <a:shade val="50000"/>
+              </a:schemeClr>
+            </a:lnRef>
+            <a:fillRef idx="1">
+              <a:schemeClr val="accent1"/>
+            </a:fillRef>
+            <a:effectRef idx="0">
+              <a:schemeClr val="accent1"/>
+            </a:effectRef>
+            <a:fontRef idx="minor">
+              <a:schemeClr val="lt1"/>
+            </a:fontRef>
+          </p:style>
+          <p:txBody>
+            <a:bodyPr rtlCol="0" anchor="ctr"/>
+            <a:lstStyle/>
+            <a:p>
+              <a:pPr algn="ctr"/>
+              <a:endParaRPr lang="en-US"/>
+            </a:p>
+          </p:txBody>
+        </p:sp>
+        <p:sp>
+          <p:nvSpPr>
+            <p:cNvPr id="173" name="Oval 172"/>
+            <p:cNvSpPr/>
+            <p:nvPr/>
+          </p:nvSpPr>
+          <p:spPr>
+            <a:xfrm>
+              <a:off x="8388812" y="4204021"/>
+              <a:ext cx="96165" cy="96165"/>
+            </a:xfrm>
+            <a:prstGeom prst="ellipse">
+              <a:avLst/>
+            </a:prstGeom>
+            <a:solidFill>
+              <a:schemeClr val="tx1"/>
+            </a:solidFill>
+            <a:ln w="38100">
+              <a:solidFill>
+                <a:schemeClr val="tx1"/>
+              </a:solidFill>
+            </a:ln>
+          </p:spPr>
+          <p:style>
+            <a:lnRef idx="2">
+              <a:schemeClr val="accent1">
+                <a:shade val="50000"/>
+              </a:schemeClr>
+            </a:lnRef>
+            <a:fillRef idx="1">
+              <a:schemeClr val="accent1"/>
+            </a:fillRef>
+            <a:effectRef idx="0">
+              <a:schemeClr val="accent1"/>
+            </a:effectRef>
+            <a:fontRef idx="minor">
+              <a:schemeClr val="lt1"/>
+            </a:fontRef>
+          </p:style>
+          <p:txBody>
+            <a:bodyPr rtlCol="0" anchor="ctr"/>
+            <a:lstStyle/>
+            <a:p>
+              <a:pPr algn="ctr"/>
+              <a:endParaRPr lang="en-US"/>
+            </a:p>
+          </p:txBody>
+        </p:sp>
+        <mc:AlternateContent xmlns:mc="http://schemas.openxmlformats.org/markup-compatibility/2006" xmlns:a14="http://schemas.microsoft.com/office/drawing/2010/main">
+          <mc:Choice Requires="a14">
+            <p:sp>
+              <p:nvSpPr>
+                <p:cNvPr id="174" name="TextBox 173"/>
+                <p:cNvSpPr txBox="1"/>
+                <p:nvPr/>
+              </p:nvSpPr>
+              <p:spPr>
+                <a:xfrm>
+                  <a:off x="7258416" y="4170470"/>
+                  <a:ext cx="234936" cy="307777"/>
+                </a:xfrm>
+                <a:prstGeom prst="rect">
+                  <a:avLst/>
+                </a:prstGeom>
+                <a:noFill/>
+              </p:spPr>
+              <p:txBody>
+                <a:bodyPr wrap="none" lIns="0" tIns="0" rIns="0" bIns="0" rtlCol="0">
+                  <a:spAutoFit/>
+                </a:bodyPr>
+                <a:lstStyle/>
+                <a:p>
+                  <a:pPr/>
+                  <a14:m>
+                    <m:oMathPara xmlns:m="http://schemas.openxmlformats.org/officeDocument/2006/math">
+                      <m:oMathParaPr>
+                        <m:jc m:val="centerGroup"/>
+                      </m:oMathParaPr>
+                      <m:oMath xmlns:m="http://schemas.openxmlformats.org/officeDocument/2006/math">
+                        <m:r>
+                          <a:rPr lang="en-US" sz="2000" b="0" i="1" smtClean="0">
+                            <a:latin typeface="Cambria Math" panose="02040503050406030204" pitchFamily="18" charset="0"/>
+                            <a:cs typeface="Arial" panose="020B0604020202020204" pitchFamily="34" charset="0"/>
+                          </a:rPr>
+                          <m:t>𝐴</m:t>
+                        </m:r>
+                      </m:oMath>
+                    </m:oMathPara>
+                  </a14:m>
+                  <a:endParaRPr lang="en-US" sz="2000" dirty="0" smtClean="0">
+                    <a:latin typeface="Arial" panose="020B0604020202020204" pitchFamily="34" charset="0"/>
+                    <a:cs typeface="Arial" panose="020B0604020202020204" pitchFamily="34" charset="0"/>
+                  </a:endParaRPr>
+                </a:p>
+              </p:txBody>
+            </p:sp>
+          </mc:Choice>
+          <mc:Fallback xmlns="">
+            <p:sp>
+              <p:nvSpPr>
+                <p:cNvPr id="174" name="TextBox 173"/>
+                <p:cNvSpPr txBox="1">
+                  <a:spLocks noRot="1" noChangeAspect="1" noMove="1" noResize="1" noEditPoints="1" noAdjustHandles="1" noChangeArrowheads="1" noChangeShapeType="1" noTextEdit="1"/>
+                </p:cNvSpPr>
+                <p:nvPr/>
+              </p:nvSpPr>
+              <p:spPr>
+                <a:xfrm>
+                  <a:off x="7258416" y="4170470"/>
+                  <a:ext cx="234936" cy="307777"/>
+                </a:xfrm>
+                <a:prstGeom prst="rect">
+                  <a:avLst/>
+                </a:prstGeom>
+                <a:blipFill>
+                  <a:blip r:embed="rId48"/>
+                  <a:stretch>
+                    <a:fillRect l="-23684" r="-23684" b="-9804"/>
+                  </a:stretch>
+                </a:blipFill>
+              </p:spPr>
+              <p:txBody>
+                <a:bodyPr/>
+                <a:lstStyle/>
+                <a:p>
+                  <a:r>
+                    <a:rPr lang="en-US">
+                      <a:noFill/>
+                    </a:rPr>
+                    <a:t> </a:t>
+                  </a:r>
+                </a:p>
+              </p:txBody>
+            </p:sp>
+          </mc:Fallback>
+        </mc:AlternateContent>
+        <mc:AlternateContent xmlns:mc="http://schemas.openxmlformats.org/markup-compatibility/2006" xmlns:a14="http://schemas.microsoft.com/office/drawing/2010/main">
+          <mc:Choice Requires="a14">
+            <p:sp>
+              <p:nvSpPr>
+                <p:cNvPr id="175" name="TextBox 174"/>
+                <p:cNvSpPr txBox="1"/>
+                <p:nvPr/>
+              </p:nvSpPr>
+              <p:spPr>
+                <a:xfrm>
+                  <a:off x="8310223" y="3729301"/>
+                  <a:ext cx="245708" cy="307777"/>
+                </a:xfrm>
+                <a:prstGeom prst="rect">
+                  <a:avLst/>
+                </a:prstGeom>
+                <a:noFill/>
+              </p:spPr>
+              <p:txBody>
+                <a:bodyPr wrap="none" lIns="0" tIns="0" rIns="0" bIns="0" rtlCol="0">
+                  <a:spAutoFit/>
+                </a:bodyPr>
+                <a:lstStyle/>
+                <a:p>
+                  <a:pPr/>
+                  <a14:m>
+                    <m:oMathPara xmlns:m="http://schemas.openxmlformats.org/officeDocument/2006/math">
+                      <m:oMathParaPr>
+                        <m:jc m:val="centerGroup"/>
+                      </m:oMathParaPr>
+                      <m:oMath xmlns:m="http://schemas.openxmlformats.org/officeDocument/2006/math">
+                        <m:r>
+                          <a:rPr lang="en-US" sz="2000" b="0" i="1" smtClean="0">
+                            <a:latin typeface="Cambria Math" panose="02040503050406030204" pitchFamily="18" charset="0"/>
+                            <a:cs typeface="Arial" panose="020B0604020202020204" pitchFamily="34" charset="0"/>
+                          </a:rPr>
+                          <m:t>𝐵</m:t>
+                        </m:r>
+                      </m:oMath>
+                    </m:oMathPara>
+                  </a14:m>
+                  <a:endParaRPr lang="en-US" sz="2000" dirty="0" smtClean="0">
+                    <a:latin typeface="Arial" panose="020B0604020202020204" pitchFamily="34" charset="0"/>
+                    <a:cs typeface="Arial" panose="020B0604020202020204" pitchFamily="34" charset="0"/>
+                  </a:endParaRPr>
+                </a:p>
+              </p:txBody>
+            </p:sp>
+          </mc:Choice>
+          <mc:Fallback xmlns="">
+            <p:sp>
+              <p:nvSpPr>
+                <p:cNvPr id="175" name="TextBox 174"/>
+                <p:cNvSpPr txBox="1">
+                  <a:spLocks noRot="1" noChangeAspect="1" noMove="1" noResize="1" noEditPoints="1" noAdjustHandles="1" noChangeArrowheads="1" noChangeShapeType="1" noTextEdit="1"/>
+                </p:cNvSpPr>
+                <p:nvPr/>
+              </p:nvSpPr>
+              <p:spPr>
+                <a:xfrm>
+                  <a:off x="8310223" y="3729301"/>
+                  <a:ext cx="245708" cy="307777"/>
+                </a:xfrm>
+                <a:prstGeom prst="rect">
+                  <a:avLst/>
+                </a:prstGeom>
+                <a:blipFill>
+                  <a:blip r:embed="rId49"/>
+                  <a:stretch>
+                    <a:fillRect l="-19512" r="-19512" b="-10000"/>
+                  </a:stretch>
+                </a:blipFill>
+              </p:spPr>
+              <p:txBody>
+                <a:bodyPr/>
+                <a:lstStyle/>
+                <a:p>
+                  <a:r>
+                    <a:rPr lang="en-US">
+                      <a:noFill/>
+                    </a:rPr>
+                    <a:t> </a:t>
+                  </a:r>
+                </a:p>
+              </p:txBody>
+            </p:sp>
+          </mc:Fallback>
+        </mc:AlternateContent>
       </p:grpSp>
     </p:spTree>
     <p:extLst>
@@ -20988,8 +22125,8 @@
                 </p:style>
               </p:cxnSp>
             </p:grpSp>
-            <mc:AlternateContent xmlns:mc="http://schemas.openxmlformats.org/markup-compatibility/2006">
-              <mc:Choice xmlns:a14="http://schemas.microsoft.com/office/drawing/2010/main" Requires="a14">
+            <mc:AlternateContent xmlns:mc="http://schemas.openxmlformats.org/markup-compatibility/2006" xmlns:a14="http://schemas.microsoft.com/office/drawing/2010/main">
+              <mc:Choice Requires="a14">
                 <p:sp>
                   <p:nvSpPr>
                     <p:cNvPr id="8" name="Rectangle 7"/>
@@ -21040,7 +22177,7 @@
                   </p:txBody>
                 </p:sp>
               </mc:Choice>
-              <mc:Fallback>
+              <mc:Fallback xmlns="">
                 <p:sp>
                   <p:nvSpPr>
                     <p:cNvPr id="8" name="Rectangle 7"/>
@@ -21241,8 +22378,8 @@
             </a:fontRef>
           </p:style>
         </p:cxnSp>
-        <mc:AlternateContent xmlns:mc="http://schemas.openxmlformats.org/markup-compatibility/2006">
-          <mc:Choice xmlns:a14="http://schemas.microsoft.com/office/drawing/2010/main" Requires="a14">
+        <mc:AlternateContent xmlns:mc="http://schemas.openxmlformats.org/markup-compatibility/2006" xmlns:a14="http://schemas.microsoft.com/office/drawing/2010/main">
+          <mc:Choice Requires="a14">
             <p:sp>
               <p:nvSpPr>
                 <p:cNvPr id="31" name="TextBox 30"/>
@@ -21265,6 +22402,7 @@
                 </a:bodyPr>
                 <a:lstStyle/>
                 <a:p>
+                  <a:pPr/>
                   <a14:m>
                     <m:oMathPara xmlns:m="http://schemas.openxmlformats.org/officeDocument/2006/math">
                       <m:oMathParaPr>
@@ -21289,7 +22427,7 @@
               </p:txBody>
             </p:sp>
           </mc:Choice>
-          <mc:Fallback>
+          <mc:Fallback xmlns="">
             <p:sp>
               <p:nvSpPr>
                 <p:cNvPr id="31" name="TextBox 30"/>
@@ -21328,8 +22466,8 @@
             </p:sp>
           </mc:Fallback>
         </mc:AlternateContent>
-        <mc:AlternateContent xmlns:mc="http://schemas.openxmlformats.org/markup-compatibility/2006">
-          <mc:Choice xmlns:a14="http://schemas.microsoft.com/office/drawing/2010/main" Requires="a14">
+        <mc:AlternateContent xmlns:mc="http://schemas.openxmlformats.org/markup-compatibility/2006" xmlns:a14="http://schemas.microsoft.com/office/drawing/2010/main">
+          <mc:Choice Requires="a14">
             <p:sp>
               <p:nvSpPr>
                 <p:cNvPr id="32" name="Rectangle 31"/>
@@ -21390,7 +22528,7 @@
               </p:txBody>
             </p:sp>
           </mc:Choice>
-          <mc:Fallback>
+          <mc:Fallback xmlns="">
             <p:sp>
               <p:nvSpPr>
                 <p:cNvPr id="32" name="Rectangle 31"/>
@@ -21429,8 +22567,8 @@
             </p:sp>
           </mc:Fallback>
         </mc:AlternateContent>
-        <mc:AlternateContent xmlns:mc="http://schemas.openxmlformats.org/markup-compatibility/2006">
-          <mc:Choice xmlns:a14="http://schemas.microsoft.com/office/drawing/2010/main" Requires="a14">
+        <mc:AlternateContent xmlns:mc="http://schemas.openxmlformats.org/markup-compatibility/2006" xmlns:a14="http://schemas.microsoft.com/office/drawing/2010/main">
+          <mc:Choice Requires="a14">
             <p:sp>
               <p:nvSpPr>
                 <p:cNvPr id="33" name="Rectangle 32"/>
@@ -21513,7 +22651,7 @@
               </p:txBody>
             </p:sp>
           </mc:Choice>
-          <mc:Fallback>
+          <mc:Fallback xmlns="">
             <p:sp>
               <p:nvSpPr>
                 <p:cNvPr id="33" name="Rectangle 32"/>
@@ -21681,8 +22819,8 @@
                   </a:fontRef>
                 </p:style>
               </p:cxnSp>
-              <mc:AlternateContent xmlns:mc="http://schemas.openxmlformats.org/markup-compatibility/2006">
-                <mc:Choice xmlns:a14="http://schemas.microsoft.com/office/drawing/2010/main" Requires="a14">
+              <mc:AlternateContent xmlns:mc="http://schemas.openxmlformats.org/markup-compatibility/2006" xmlns:a14="http://schemas.microsoft.com/office/drawing/2010/main">
+                <mc:Choice Requires="a14">
                   <p:sp>
                     <p:nvSpPr>
                       <p:cNvPr id="41" name="Rectangle 40"/>
@@ -21726,7 +22864,7 @@
                     </p:txBody>
                   </p:sp>
                 </mc:Choice>
-                <mc:Fallback>
+                <mc:Fallback xmlns="">
                   <p:sp>
                     <p:nvSpPr>
                       <p:cNvPr id="41" name="Rectangle 40"/>
@@ -21765,8 +22903,8 @@
                   </p:sp>
                 </mc:Fallback>
               </mc:AlternateContent>
-              <mc:AlternateContent xmlns:mc="http://schemas.openxmlformats.org/markup-compatibility/2006">
-                <mc:Choice xmlns:a14="http://schemas.microsoft.com/office/drawing/2010/main" Requires="a14">
+              <mc:AlternateContent xmlns:mc="http://schemas.openxmlformats.org/markup-compatibility/2006" xmlns:a14="http://schemas.microsoft.com/office/drawing/2010/main">
+                <mc:Choice Requires="a14">
                   <p:sp>
                     <p:nvSpPr>
                       <p:cNvPr id="42" name="Rectangle 41"/>
@@ -21809,7 +22947,7 @@
                     </p:txBody>
                   </p:sp>
                 </mc:Choice>
-                <mc:Fallback>
+                <mc:Fallback xmlns="">
                   <p:sp>
                     <p:nvSpPr>
                       <p:cNvPr id="42" name="Rectangle 41"/>
@@ -21848,8 +22986,8 @@
                   </p:sp>
                 </mc:Fallback>
               </mc:AlternateContent>
-              <mc:AlternateContent xmlns:mc="http://schemas.openxmlformats.org/markup-compatibility/2006">
-                <mc:Choice xmlns:a14="http://schemas.microsoft.com/office/drawing/2010/main" Requires="a14">
+              <mc:AlternateContent xmlns:mc="http://schemas.openxmlformats.org/markup-compatibility/2006" xmlns:a14="http://schemas.microsoft.com/office/drawing/2010/main">
+                <mc:Choice Requires="a14">
                   <p:sp>
                     <p:nvSpPr>
                       <p:cNvPr id="43" name="Rectangle 42"/>
@@ -21893,7 +23031,7 @@
                     </p:txBody>
                   </p:sp>
                 </mc:Choice>
-                <mc:Fallback>
+                <mc:Fallback xmlns="">
                   <p:sp>
                     <p:nvSpPr>
                       <p:cNvPr id="43" name="Rectangle 42"/>
@@ -22195,8 +23333,8 @@
               </a:p>
             </p:txBody>
           </p:sp>
-          <mc:AlternateContent xmlns:mc="http://schemas.openxmlformats.org/markup-compatibility/2006">
-            <mc:Choice xmlns:a14="http://schemas.microsoft.com/office/drawing/2010/main" Requires="a14">
+          <mc:AlternateContent xmlns:mc="http://schemas.openxmlformats.org/markup-compatibility/2006" xmlns:a14="http://schemas.microsoft.com/office/drawing/2010/main">
+            <mc:Choice Requires="a14">
               <p:sp>
                 <p:nvSpPr>
                   <p:cNvPr id="59" name="Rectangle 58"/>
@@ -22247,7 +23385,7 @@
                 </p:txBody>
               </p:sp>
             </mc:Choice>
-            <mc:Fallback>
+            <mc:Fallback xmlns="">
               <p:sp>
                 <p:nvSpPr>
                   <p:cNvPr id="59" name="Rectangle 58"/>
@@ -22286,8 +23424,8 @@
               </p:sp>
             </mc:Fallback>
           </mc:AlternateContent>
-          <mc:AlternateContent xmlns:mc="http://schemas.openxmlformats.org/markup-compatibility/2006">
-            <mc:Choice xmlns:a14="http://schemas.microsoft.com/office/drawing/2010/main" Requires="a14">
+          <mc:AlternateContent xmlns:mc="http://schemas.openxmlformats.org/markup-compatibility/2006" xmlns:a14="http://schemas.microsoft.com/office/drawing/2010/main">
+            <mc:Choice Requires="a14">
               <p:sp>
                 <p:nvSpPr>
                   <p:cNvPr id="60" name="Rectangle 59"/>
@@ -22309,7 +23447,6 @@
                   </a:bodyPr>
                   <a:lstStyle/>
                   <a:p>
-                    <a:pPr/>
                     <a14:m>
                       <m:oMath xmlns:m="http://schemas.openxmlformats.org/officeDocument/2006/math">
                         <m:r>
@@ -22341,7 +23478,7 @@
                 </p:txBody>
               </p:sp>
             </mc:Choice>
-            <mc:Fallback>
+            <mc:Fallback xmlns="">
               <p:sp>
                 <p:nvSpPr>
                   <p:cNvPr id="60" name="Rectangle 59"/>
@@ -22416,8 +23553,8 @@
               </a:fontRef>
             </p:style>
           </p:cxnSp>
-          <mc:AlternateContent xmlns:mc="http://schemas.openxmlformats.org/markup-compatibility/2006">
-            <mc:Choice xmlns:a14="http://schemas.microsoft.com/office/drawing/2010/main" Requires="a14">
+          <mc:AlternateContent xmlns:mc="http://schemas.openxmlformats.org/markup-compatibility/2006" xmlns:a14="http://schemas.microsoft.com/office/drawing/2010/main">
+            <mc:Choice Requires="a14">
               <p:sp>
                 <p:nvSpPr>
                   <p:cNvPr id="63" name="Rectangle 62"/>
@@ -22464,7 +23601,7 @@
                 </p:txBody>
               </p:sp>
             </mc:Choice>
-            <mc:Fallback>
+            <mc:Fallback xmlns="">
               <p:sp>
                 <p:nvSpPr>
                   <p:cNvPr id="63" name="Rectangle 62"/>
@@ -22503,8 +23640,8 @@
               </p:sp>
             </mc:Fallback>
           </mc:AlternateContent>
-          <mc:AlternateContent xmlns:mc="http://schemas.openxmlformats.org/markup-compatibility/2006">
-            <mc:Choice xmlns:a14="http://schemas.microsoft.com/office/drawing/2010/main" Requires="a14">
+          <mc:AlternateContent xmlns:mc="http://schemas.openxmlformats.org/markup-compatibility/2006" xmlns:a14="http://schemas.microsoft.com/office/drawing/2010/main">
+            <mc:Choice Requires="a14">
               <p:sp>
                 <p:nvSpPr>
                   <p:cNvPr id="64" name="Rectangle 63"/>
@@ -22548,7 +23685,7 @@
                 </p:txBody>
               </p:sp>
             </mc:Choice>
-            <mc:Fallback>
+            <mc:Fallback xmlns="">
               <p:sp>
                 <p:nvSpPr>
                   <p:cNvPr id="64" name="Rectangle 63"/>
@@ -22587,8 +23724,8 @@
               </p:sp>
             </mc:Fallback>
           </mc:AlternateContent>
-          <mc:AlternateContent xmlns:mc="http://schemas.openxmlformats.org/markup-compatibility/2006">
-            <mc:Choice xmlns:a14="http://schemas.microsoft.com/office/drawing/2010/main" Requires="a14">
+          <mc:AlternateContent xmlns:mc="http://schemas.openxmlformats.org/markup-compatibility/2006" xmlns:a14="http://schemas.microsoft.com/office/drawing/2010/main">
+            <mc:Choice Requires="a14">
               <p:sp>
                 <p:nvSpPr>
                   <p:cNvPr id="66" name="Rectangle 65"/>
@@ -22639,7 +23776,7 @@
                 </p:txBody>
               </p:sp>
             </mc:Choice>
-            <mc:Fallback>
+            <mc:Fallback xmlns="">
               <p:sp>
                 <p:nvSpPr>
                   <p:cNvPr id="66" name="Rectangle 65"/>
@@ -22678,8 +23815,8 @@
               </p:sp>
             </mc:Fallback>
           </mc:AlternateContent>
-          <mc:AlternateContent xmlns:mc="http://schemas.openxmlformats.org/markup-compatibility/2006">
-            <mc:Choice xmlns:a14="http://schemas.microsoft.com/office/drawing/2010/main" Requires="a14">
+          <mc:AlternateContent xmlns:mc="http://schemas.openxmlformats.org/markup-compatibility/2006" xmlns:a14="http://schemas.microsoft.com/office/drawing/2010/main">
+            <mc:Choice Requires="a14">
               <p:sp>
                 <p:nvSpPr>
                   <p:cNvPr id="67" name="Rectangle 66"/>
@@ -22726,7 +23863,7 @@
                 </p:txBody>
               </p:sp>
             </mc:Choice>
-            <mc:Fallback>
+            <mc:Fallback xmlns="">
               <p:sp>
                 <p:nvSpPr>
                   <p:cNvPr id="67" name="Rectangle 66"/>
@@ -22838,8 +23975,8 @@
               </a:fontRef>
             </p:style>
           </p:cxnSp>
-          <mc:AlternateContent xmlns:mc="http://schemas.openxmlformats.org/markup-compatibility/2006">
-            <mc:Choice xmlns:a14="http://schemas.microsoft.com/office/drawing/2010/main" Requires="a14">
+          <mc:AlternateContent xmlns:mc="http://schemas.openxmlformats.org/markup-compatibility/2006" xmlns:a14="http://schemas.microsoft.com/office/drawing/2010/main">
+            <mc:Choice Requires="a14">
               <p:sp>
                 <p:nvSpPr>
                   <p:cNvPr id="75" name="Rectangle 74"/>
@@ -22912,7 +24049,7 @@
                 </p:txBody>
               </p:sp>
             </mc:Choice>
-            <mc:Fallback>
+            <mc:Fallback xmlns="">
               <p:sp>
                 <p:nvSpPr>
                   <p:cNvPr id="75" name="Rectangle 74"/>
@@ -22951,8 +24088,8 @@
               </p:sp>
             </mc:Fallback>
           </mc:AlternateContent>
-          <mc:AlternateContent xmlns:mc="http://schemas.openxmlformats.org/markup-compatibility/2006">
-            <mc:Choice xmlns:a14="http://schemas.microsoft.com/office/drawing/2010/main" Requires="a14">
+          <mc:AlternateContent xmlns:mc="http://schemas.openxmlformats.org/markup-compatibility/2006" xmlns:a14="http://schemas.microsoft.com/office/drawing/2010/main">
+            <mc:Choice Requires="a14">
               <p:sp>
                 <p:nvSpPr>
                   <p:cNvPr id="76" name="Rectangle 75"/>
@@ -23003,7 +24140,7 @@
                 </p:txBody>
               </p:sp>
             </mc:Choice>
-            <mc:Fallback>
+            <mc:Fallback xmlns="">
               <p:sp>
                 <p:nvSpPr>
                   <p:cNvPr id="76" name="Rectangle 75"/>
@@ -23042,8 +24179,8 @@
               </p:sp>
             </mc:Fallback>
           </mc:AlternateContent>
-          <mc:AlternateContent xmlns:mc="http://schemas.openxmlformats.org/markup-compatibility/2006">
-            <mc:Choice xmlns:a14="http://schemas.microsoft.com/office/drawing/2010/main" Requires="a14">
+          <mc:AlternateContent xmlns:mc="http://schemas.openxmlformats.org/markup-compatibility/2006" xmlns:a14="http://schemas.microsoft.com/office/drawing/2010/main">
+            <mc:Choice Requires="a14">
               <p:sp>
                 <p:nvSpPr>
                   <p:cNvPr id="77" name="Rectangle 76"/>
@@ -23126,7 +24263,7 @@
                 </p:txBody>
               </p:sp>
             </mc:Choice>
-            <mc:Fallback>
+            <mc:Fallback xmlns="">
               <p:sp>
                 <p:nvSpPr>
                   <p:cNvPr id="77" name="Rectangle 76"/>
@@ -23166,8 +24303,8 @@
             </mc:Fallback>
           </mc:AlternateContent>
         </p:grpSp>
-        <mc:AlternateContent xmlns:mc="http://schemas.openxmlformats.org/markup-compatibility/2006">
-          <mc:Choice xmlns:a14="http://schemas.microsoft.com/office/drawing/2010/main" Requires="a14">
+        <mc:AlternateContent xmlns:mc="http://schemas.openxmlformats.org/markup-compatibility/2006" xmlns:a14="http://schemas.microsoft.com/office/drawing/2010/main">
+          <mc:Choice Requires="a14">
             <p:sp>
               <p:nvSpPr>
                 <p:cNvPr id="79" name="Rectangle 78"/>
@@ -23218,7 +24355,7 @@
               </p:txBody>
             </p:sp>
           </mc:Choice>
-          <mc:Fallback>
+          <mc:Fallback xmlns="">
             <p:sp>
               <p:nvSpPr>
                 <p:cNvPr id="79" name="Rectangle 78"/>
@@ -23324,6 +24461,2760 @@
           <a:chExt cx="0" cy="0"/>
         </a:xfrm>
       </p:grpSpPr>
+      <p:grpSp>
+        <p:nvGrpSpPr>
+          <p:cNvPr id="29" name="Group 28"/>
+          <p:cNvGrpSpPr/>
+          <p:nvPr/>
+        </p:nvGrpSpPr>
+        <p:grpSpPr>
+          <a:xfrm>
+            <a:off x="0" y="557157"/>
+            <a:ext cx="7243174" cy="3071562"/>
+            <a:chOff x="1448142" y="1418394"/>
+            <a:chExt cx="7243174" cy="3071562"/>
+          </a:xfrm>
+        </p:grpSpPr>
+        <p:grpSp>
+          <p:nvGrpSpPr>
+            <p:cNvPr id="21" name="Group 20"/>
+            <p:cNvGrpSpPr/>
+            <p:nvPr/>
+          </p:nvGrpSpPr>
+          <p:grpSpPr>
+            <a:xfrm>
+              <a:off x="5732023" y="1418394"/>
+              <a:ext cx="2959293" cy="2959293"/>
+              <a:chOff x="6344197" y="1102058"/>
+              <a:chExt cx="2959293" cy="2959293"/>
+            </a:xfrm>
+          </p:grpSpPr>
+          <p:sp>
+            <p:nvSpPr>
+              <p:cNvPr id="8" name="Oval 7"/>
+              <p:cNvSpPr/>
+              <p:nvPr/>
+            </p:nvSpPr>
+            <p:spPr>
+              <a:xfrm>
+                <a:off x="6344197" y="1102058"/>
+                <a:ext cx="2959293" cy="2959293"/>
+              </a:xfrm>
+              <a:prstGeom prst="ellipse">
+                <a:avLst/>
+              </a:prstGeom>
+              <a:solidFill>
+                <a:schemeClr val="bg1">
+                  <a:lumMod val="85000"/>
+                </a:schemeClr>
+              </a:solidFill>
+              <a:ln w="38100">
+                <a:solidFill>
+                  <a:schemeClr val="tx1"/>
+                </a:solidFill>
+              </a:ln>
+            </p:spPr>
+            <p:style>
+              <a:lnRef idx="2">
+                <a:schemeClr val="accent1">
+                  <a:shade val="50000"/>
+                </a:schemeClr>
+              </a:lnRef>
+              <a:fillRef idx="1">
+                <a:schemeClr val="accent1"/>
+              </a:fillRef>
+              <a:effectRef idx="0">
+                <a:schemeClr val="accent1"/>
+              </a:effectRef>
+              <a:fontRef idx="minor">
+                <a:schemeClr val="lt1"/>
+              </a:fontRef>
+            </p:style>
+            <p:txBody>
+              <a:bodyPr rtlCol="0" anchor="ctr"/>
+              <a:lstStyle/>
+              <a:p>
+                <a:pPr algn="ctr"/>
+                <a:endParaRPr lang="en-US"/>
+              </a:p>
+            </p:txBody>
+          </p:sp>
+          <p:sp>
+            <p:nvSpPr>
+              <p:cNvPr id="10" name="Oval 9"/>
+              <p:cNvSpPr/>
+              <p:nvPr/>
+            </p:nvSpPr>
+            <p:spPr>
+              <a:xfrm>
+                <a:off x="6838604" y="1596465"/>
+                <a:ext cx="1970476" cy="1970476"/>
+              </a:xfrm>
+              <a:prstGeom prst="ellipse">
+                <a:avLst/>
+              </a:prstGeom>
+              <a:solidFill>
+                <a:schemeClr val="bg1">
+                  <a:lumMod val="75000"/>
+                </a:schemeClr>
+              </a:solidFill>
+              <a:ln w="38100">
+                <a:solidFill>
+                  <a:schemeClr val="tx1"/>
+                </a:solidFill>
+              </a:ln>
+            </p:spPr>
+            <p:style>
+              <a:lnRef idx="2">
+                <a:schemeClr val="accent1">
+                  <a:shade val="50000"/>
+                </a:schemeClr>
+              </a:lnRef>
+              <a:fillRef idx="1">
+                <a:schemeClr val="accent1"/>
+              </a:fillRef>
+              <a:effectRef idx="0">
+                <a:schemeClr val="accent1"/>
+              </a:effectRef>
+              <a:fontRef idx="minor">
+                <a:schemeClr val="lt1"/>
+              </a:fontRef>
+            </p:style>
+            <p:txBody>
+              <a:bodyPr rtlCol="0" anchor="ctr"/>
+              <a:lstStyle/>
+              <a:p>
+                <a:pPr algn="ctr"/>
+                <a:endParaRPr lang="en-US"/>
+              </a:p>
+            </p:txBody>
+          </p:sp>
+          <p:sp>
+            <p:nvSpPr>
+              <p:cNvPr id="9" name="Oval 8"/>
+              <p:cNvSpPr/>
+              <p:nvPr/>
+            </p:nvSpPr>
+            <p:spPr>
+              <a:xfrm>
+                <a:off x="7046037" y="1803898"/>
+                <a:ext cx="1555611" cy="1555611"/>
+              </a:xfrm>
+              <a:prstGeom prst="ellipse">
+                <a:avLst/>
+              </a:prstGeom>
+              <a:solidFill>
+                <a:schemeClr val="bg1">
+                  <a:lumMod val="85000"/>
+                </a:schemeClr>
+              </a:solidFill>
+              <a:ln w="38100">
+                <a:solidFill>
+                  <a:schemeClr val="tx1"/>
+                </a:solidFill>
+              </a:ln>
+            </p:spPr>
+            <p:style>
+              <a:lnRef idx="2">
+                <a:schemeClr val="accent1">
+                  <a:shade val="50000"/>
+                </a:schemeClr>
+              </a:lnRef>
+              <a:fillRef idx="1">
+                <a:schemeClr val="accent1"/>
+              </a:fillRef>
+              <a:effectRef idx="0">
+                <a:schemeClr val="accent1"/>
+              </a:effectRef>
+              <a:fontRef idx="minor">
+                <a:schemeClr val="lt1"/>
+              </a:fontRef>
+            </p:style>
+            <p:txBody>
+              <a:bodyPr rtlCol="0" anchor="ctr"/>
+              <a:lstStyle/>
+              <a:p>
+                <a:pPr algn="ctr"/>
+                <a:endParaRPr lang="en-US" dirty="0"/>
+              </a:p>
+            </p:txBody>
+          </p:sp>
+          <p:cxnSp>
+            <p:nvCxnSpPr>
+              <p:cNvPr id="11" name="Straight Arrow Connector 10"/>
+              <p:cNvCxnSpPr>
+                <a:stCxn id="10" idx="2"/>
+                <a:endCxn id="9" idx="2"/>
+              </p:cNvCxnSpPr>
+              <p:nvPr/>
+            </p:nvCxnSpPr>
+            <p:spPr>
+              <a:xfrm>
+                <a:off x="6838604" y="2581703"/>
+                <a:ext cx="207433" cy="1"/>
+              </a:xfrm>
+              <a:prstGeom prst="straightConnector1">
+                <a:avLst/>
+              </a:prstGeom>
+              <a:ln w="38100">
+                <a:solidFill>
+                  <a:schemeClr val="tx1"/>
+                </a:solidFill>
+                <a:headEnd type="triangle" w="sm" len="sm"/>
+                <a:tailEnd type="triangle" w="sm" len="sm"/>
+              </a:ln>
+            </p:spPr>
+            <p:style>
+              <a:lnRef idx="1">
+                <a:schemeClr val="accent1"/>
+              </a:lnRef>
+              <a:fillRef idx="0">
+                <a:schemeClr val="accent1"/>
+              </a:fillRef>
+              <a:effectRef idx="0">
+                <a:schemeClr val="accent1"/>
+              </a:effectRef>
+              <a:fontRef idx="minor">
+                <a:schemeClr val="tx1"/>
+              </a:fontRef>
+            </p:style>
+          </p:cxnSp>
+          <mc:AlternateContent xmlns:mc="http://schemas.openxmlformats.org/markup-compatibility/2006">
+            <mc:Choice xmlns:a14="http://schemas.microsoft.com/office/drawing/2010/main" Requires="a14">
+              <p:sp>
+                <p:nvSpPr>
+                  <p:cNvPr id="12" name="TextBox 11"/>
+                  <p:cNvSpPr txBox="1"/>
+                  <p:nvPr/>
+                </p:nvSpPr>
+                <p:spPr>
+                  <a:xfrm>
+                    <a:off x="6491496" y="2243471"/>
+                    <a:ext cx="388088" cy="307777"/>
+                  </a:xfrm>
+                  <a:prstGeom prst="rect">
+                    <a:avLst/>
+                  </a:prstGeom>
+                  <a:noFill/>
+                </p:spPr>
+                <p:txBody>
+                  <a:bodyPr wrap="square" lIns="0" tIns="0" rIns="0" bIns="0" rtlCol="0">
+                    <a:spAutoFit/>
+                  </a:bodyPr>
+                  <a:lstStyle/>
+                  <a:p>
+                    <a:pPr/>
+                    <a14:m>
+                      <m:oMathPara xmlns:m="http://schemas.openxmlformats.org/officeDocument/2006/math">
+                        <m:oMathParaPr>
+                          <m:jc m:val="centerGroup"/>
+                        </m:oMathParaPr>
+                        <m:oMath xmlns:m="http://schemas.openxmlformats.org/officeDocument/2006/math">
+                          <m:r>
+                            <a:rPr lang="en-US" sz="2000" b="0" i="1" smtClean="0">
+                              <a:latin typeface="Cambria Math" panose="02040503050406030204" pitchFamily="18" charset="0"/>
+                              <a:cs typeface="Arial" panose="020B0604020202020204" pitchFamily="34" charset="0"/>
+                            </a:rPr>
+                            <m:t>𝑑𝑟</m:t>
+                          </m:r>
+                        </m:oMath>
+                      </m:oMathPara>
+                    </a14:m>
+                    <a:endParaRPr lang="en-US" sz="2000" dirty="0" smtClean="0">
+                      <a:latin typeface="Arial" panose="020B0604020202020204" pitchFamily="34" charset="0"/>
+                      <a:cs typeface="Arial" panose="020B0604020202020204" pitchFamily="34" charset="0"/>
+                    </a:endParaRPr>
+                  </a:p>
+                </p:txBody>
+              </p:sp>
+            </mc:Choice>
+            <mc:Fallback>
+              <p:sp>
+                <p:nvSpPr>
+                  <p:cNvPr id="12" name="TextBox 11"/>
+                  <p:cNvSpPr txBox="1">
+                    <a:spLocks noRot="1" noChangeAspect="1" noMove="1" noResize="1" noEditPoints="1" noAdjustHandles="1" noChangeArrowheads="1" noChangeShapeType="1" noTextEdit="1"/>
+                  </p:cNvSpPr>
+                  <p:nvPr/>
+                </p:nvSpPr>
+                <p:spPr>
+                  <a:xfrm>
+                    <a:off x="6491496" y="2243471"/>
+                    <a:ext cx="388088" cy="307777"/>
+                  </a:xfrm>
+                  <a:prstGeom prst="rect">
+                    <a:avLst/>
+                  </a:prstGeom>
+                  <a:blipFill>
+                    <a:blip r:embed="rId2"/>
+                    <a:stretch>
+                      <a:fillRect l="-9375" r="-6250" b="-12000"/>
+                    </a:stretch>
+                  </a:blipFill>
+                </p:spPr>
+                <p:txBody>
+                  <a:bodyPr/>
+                  <a:lstStyle/>
+                  <a:p>
+                    <a:r>
+                      <a:rPr lang="en-US">
+                        <a:noFill/>
+                      </a:rPr>
+                      <a:t> </a:t>
+                    </a:r>
+                  </a:p>
+                </p:txBody>
+              </p:sp>
+            </mc:Fallback>
+          </mc:AlternateContent>
+          <p:cxnSp>
+            <p:nvCxnSpPr>
+              <p:cNvPr id="13" name="Straight Arrow Connector 12"/>
+              <p:cNvCxnSpPr/>
+              <p:nvPr/>
+            </p:nvCxnSpPr>
+            <p:spPr>
+              <a:xfrm flipV="1">
+                <a:off x="7082045" y="2528505"/>
+                <a:ext cx="741797" cy="563209"/>
+              </a:xfrm>
+              <a:prstGeom prst="straightConnector1">
+                <a:avLst/>
+              </a:prstGeom>
+              <a:ln w="38100">
+                <a:solidFill>
+                  <a:schemeClr val="tx1"/>
+                </a:solidFill>
+                <a:headEnd type="triangle"/>
+                <a:tailEnd type="triangle"/>
+              </a:ln>
+            </p:spPr>
+            <p:style>
+              <a:lnRef idx="1">
+                <a:schemeClr val="accent1"/>
+              </a:lnRef>
+              <a:fillRef idx="0">
+                <a:schemeClr val="accent1"/>
+              </a:fillRef>
+              <a:effectRef idx="0">
+                <a:schemeClr val="accent1"/>
+              </a:effectRef>
+              <a:fontRef idx="minor">
+                <a:schemeClr val="tx1"/>
+              </a:fontRef>
+            </p:style>
+          </p:cxnSp>
+          <mc:AlternateContent xmlns:mc="http://schemas.openxmlformats.org/markup-compatibility/2006" xmlns:a14="http://schemas.microsoft.com/office/drawing/2010/main">
+            <mc:Choice Requires="a14">
+              <p:sp>
+                <p:nvSpPr>
+                  <p:cNvPr id="16" name="TextBox 15"/>
+                  <p:cNvSpPr txBox="1"/>
+                  <p:nvPr/>
+                </p:nvSpPr>
+                <p:spPr>
+                  <a:xfrm>
+                    <a:off x="7548846" y="2783937"/>
+                    <a:ext cx="198003" cy="307777"/>
+                  </a:xfrm>
+                  <a:prstGeom prst="rect">
+                    <a:avLst/>
+                  </a:prstGeom>
+                  <a:noFill/>
+                </p:spPr>
+                <p:txBody>
+                  <a:bodyPr wrap="none" lIns="0" tIns="0" rIns="0" bIns="0" rtlCol="0">
+                    <a:spAutoFit/>
+                  </a:bodyPr>
+                  <a:lstStyle/>
+                  <a:p>
+                    <a:pPr/>
+                    <a14:m>
+                      <m:oMathPara xmlns:m="http://schemas.openxmlformats.org/officeDocument/2006/math">
+                        <m:oMathParaPr>
+                          <m:jc m:val="centerGroup"/>
+                        </m:oMathParaPr>
+                        <m:oMath xmlns:m="http://schemas.openxmlformats.org/officeDocument/2006/math">
+                          <m:r>
+                            <a:rPr lang="en-US" sz="2000" b="0" i="1" smtClean="0">
+                              <a:latin typeface="Cambria Math" panose="02040503050406030204" pitchFamily="18" charset="0"/>
+                              <a:cs typeface="Arial" panose="020B0604020202020204" pitchFamily="34" charset="0"/>
+                            </a:rPr>
+                            <m:t>𝑟</m:t>
+                          </m:r>
+                        </m:oMath>
+                      </m:oMathPara>
+                    </a14:m>
+                    <a:endParaRPr lang="en-US" sz="2000" dirty="0" smtClean="0">
+                      <a:latin typeface="Arial" panose="020B0604020202020204" pitchFamily="34" charset="0"/>
+                      <a:cs typeface="Arial" panose="020B0604020202020204" pitchFamily="34" charset="0"/>
+                    </a:endParaRPr>
+                  </a:p>
+                </p:txBody>
+              </p:sp>
+            </mc:Choice>
+            <mc:Fallback xmlns="">
+              <p:sp>
+                <p:nvSpPr>
+                  <p:cNvPr id="16" name="TextBox 15"/>
+                  <p:cNvSpPr txBox="1">
+                    <a:spLocks noRot="1" noChangeAspect="1" noMove="1" noResize="1" noEditPoints="1" noAdjustHandles="1" noChangeArrowheads="1" noChangeShapeType="1" noTextEdit="1"/>
+                  </p:cNvSpPr>
+                  <p:nvPr/>
+                </p:nvSpPr>
+                <p:spPr>
+                  <a:xfrm>
+                    <a:off x="7548846" y="2783937"/>
+                    <a:ext cx="198003" cy="307777"/>
+                  </a:xfrm>
+                  <a:prstGeom prst="rect">
+                    <a:avLst/>
+                  </a:prstGeom>
+                  <a:blipFill>
+                    <a:blip r:embed="rId3"/>
+                    <a:stretch>
+                      <a:fillRect l="-12121" r="-12121" b="-1961"/>
+                    </a:stretch>
+                  </a:blipFill>
+                </p:spPr>
+                <p:txBody>
+                  <a:bodyPr/>
+                  <a:lstStyle/>
+                  <a:p>
+                    <a:r>
+                      <a:rPr lang="en-US">
+                        <a:noFill/>
+                      </a:rPr>
+                      <a:t> </a:t>
+                    </a:r>
+                  </a:p>
+                </p:txBody>
+              </p:sp>
+            </mc:Fallback>
+          </mc:AlternateContent>
+        </p:grpSp>
+        <p:grpSp>
+          <p:nvGrpSpPr>
+            <p:cNvPr id="22" name="Group 21"/>
+            <p:cNvGrpSpPr/>
+            <p:nvPr/>
+          </p:nvGrpSpPr>
+          <p:grpSpPr>
+            <a:xfrm>
+              <a:off x="1448142" y="1930234"/>
+              <a:ext cx="3535617" cy="2559722"/>
+              <a:chOff x="930057" y="1453219"/>
+              <a:chExt cx="3535617" cy="2559722"/>
+            </a:xfrm>
+          </p:grpSpPr>
+          <p:sp>
+            <p:nvSpPr>
+              <p:cNvPr id="2" name="Rectangle 1"/>
+              <p:cNvSpPr/>
+              <p:nvPr/>
+            </p:nvSpPr>
+            <p:spPr>
+              <a:xfrm>
+                <a:off x="1339702" y="1453220"/>
+                <a:ext cx="3125972" cy="1949199"/>
+              </a:xfrm>
+              <a:prstGeom prst="rect">
+                <a:avLst/>
+              </a:prstGeom>
+              <a:solidFill>
+                <a:schemeClr val="bg1">
+                  <a:lumMod val="85000"/>
+                </a:schemeClr>
+              </a:solidFill>
+              <a:ln w="38100">
+                <a:solidFill>
+                  <a:schemeClr val="tx1"/>
+                </a:solidFill>
+              </a:ln>
+            </p:spPr>
+            <p:style>
+              <a:lnRef idx="2">
+                <a:schemeClr val="accent1">
+                  <a:shade val="50000"/>
+                </a:schemeClr>
+              </a:lnRef>
+              <a:fillRef idx="1">
+                <a:schemeClr val="accent1"/>
+              </a:fillRef>
+              <a:effectRef idx="0">
+                <a:schemeClr val="accent1"/>
+              </a:effectRef>
+              <a:fontRef idx="minor">
+                <a:schemeClr val="lt1"/>
+              </a:fontRef>
+            </p:style>
+            <p:txBody>
+              <a:bodyPr rtlCol="0" anchor="ctr"/>
+              <a:lstStyle/>
+              <a:p>
+                <a:pPr algn="ctr"/>
+                <a:endParaRPr lang="en-US"/>
+              </a:p>
+            </p:txBody>
+          </p:sp>
+          <p:sp>
+            <p:nvSpPr>
+              <p:cNvPr id="3" name="Rectangle 2"/>
+              <p:cNvSpPr/>
+              <p:nvPr/>
+            </p:nvSpPr>
+            <p:spPr>
+              <a:xfrm>
+                <a:off x="1719453" y="1453219"/>
+                <a:ext cx="178918" cy="1949199"/>
+              </a:xfrm>
+              <a:prstGeom prst="rect">
+                <a:avLst/>
+              </a:prstGeom>
+              <a:solidFill>
+                <a:schemeClr val="bg1">
+                  <a:lumMod val="75000"/>
+                </a:schemeClr>
+              </a:solidFill>
+              <a:ln w="38100">
+                <a:solidFill>
+                  <a:schemeClr val="tx1"/>
+                </a:solidFill>
+              </a:ln>
+            </p:spPr>
+            <p:style>
+              <a:lnRef idx="2">
+                <a:schemeClr val="accent1">
+                  <a:shade val="50000"/>
+                </a:schemeClr>
+              </a:lnRef>
+              <a:fillRef idx="1">
+                <a:schemeClr val="accent1"/>
+              </a:fillRef>
+              <a:effectRef idx="0">
+                <a:schemeClr val="accent1"/>
+              </a:effectRef>
+              <a:fontRef idx="minor">
+                <a:schemeClr val="lt1"/>
+              </a:fontRef>
+            </p:style>
+            <p:txBody>
+              <a:bodyPr rtlCol="0" anchor="ctr"/>
+              <a:lstStyle/>
+              <a:p>
+                <a:pPr algn="ctr"/>
+                <a:endParaRPr lang="en-US"/>
+              </a:p>
+            </p:txBody>
+          </p:sp>
+          <p:cxnSp>
+            <p:nvCxnSpPr>
+              <p:cNvPr id="4" name="Straight Arrow Connector 3"/>
+              <p:cNvCxnSpPr/>
+              <p:nvPr/>
+            </p:nvCxnSpPr>
+            <p:spPr>
+              <a:xfrm>
+                <a:off x="1719453" y="2188225"/>
+                <a:ext cx="178918" cy="0"/>
+              </a:xfrm>
+              <a:prstGeom prst="straightConnector1">
+                <a:avLst/>
+              </a:prstGeom>
+              <a:ln w="38100">
+                <a:solidFill>
+                  <a:schemeClr val="tx1"/>
+                </a:solidFill>
+                <a:headEnd type="triangle" w="sm" len="sm"/>
+                <a:tailEnd type="triangle" w="sm" len="sm"/>
+              </a:ln>
+            </p:spPr>
+            <p:style>
+              <a:lnRef idx="1">
+                <a:schemeClr val="accent1"/>
+              </a:lnRef>
+              <a:fillRef idx="0">
+                <a:schemeClr val="accent1"/>
+              </a:fillRef>
+              <a:effectRef idx="0">
+                <a:schemeClr val="accent1"/>
+              </a:effectRef>
+              <a:fontRef idx="minor">
+                <a:schemeClr val="tx1"/>
+              </a:fontRef>
+            </p:style>
+          </p:cxnSp>
+          <mc:AlternateContent xmlns:mc="http://schemas.openxmlformats.org/markup-compatibility/2006">
+            <mc:Choice xmlns:a14="http://schemas.microsoft.com/office/drawing/2010/main" Requires="a14">
+              <p:sp>
+                <p:nvSpPr>
+                  <p:cNvPr id="5" name="TextBox 4"/>
+                  <p:cNvSpPr txBox="1"/>
+                  <p:nvPr/>
+                </p:nvSpPr>
+                <p:spPr>
+                  <a:xfrm>
+                    <a:off x="1961455" y="1880448"/>
+                    <a:ext cx="368242" cy="307777"/>
+                  </a:xfrm>
+                  <a:prstGeom prst="rect">
+                    <a:avLst/>
+                  </a:prstGeom>
+                  <a:noFill/>
+                </p:spPr>
+                <p:txBody>
+                  <a:bodyPr wrap="none" lIns="0" tIns="0" rIns="0" bIns="0" rtlCol="0">
+                    <a:spAutoFit/>
+                  </a:bodyPr>
+                  <a:lstStyle/>
+                  <a:p>
+                    <a:pPr/>
+                    <a14:m>
+                      <m:oMathPara xmlns:m="http://schemas.openxmlformats.org/officeDocument/2006/math">
+                        <m:oMathParaPr>
+                          <m:jc m:val="centerGroup"/>
+                        </m:oMathParaPr>
+                        <m:oMath xmlns:m="http://schemas.openxmlformats.org/officeDocument/2006/math">
+                          <m:r>
+                            <a:rPr lang="en-US" sz="2000" b="0" i="1" smtClean="0">
+                              <a:latin typeface="Cambria Math" panose="02040503050406030204" pitchFamily="18" charset="0"/>
+                              <a:cs typeface="Arial" panose="020B0604020202020204" pitchFamily="34" charset="0"/>
+                            </a:rPr>
+                            <m:t>𝑑𝑥</m:t>
+                          </m:r>
+                        </m:oMath>
+                      </m:oMathPara>
+                    </a14:m>
+                    <a:endParaRPr lang="en-US" sz="2000" dirty="0" smtClean="0">
+                      <a:latin typeface="Arial" panose="020B0604020202020204" pitchFamily="34" charset="0"/>
+                      <a:cs typeface="Arial" panose="020B0604020202020204" pitchFamily="34" charset="0"/>
+                    </a:endParaRPr>
+                  </a:p>
+                </p:txBody>
+              </p:sp>
+            </mc:Choice>
+            <mc:Fallback>
+              <p:sp>
+                <p:nvSpPr>
+                  <p:cNvPr id="5" name="TextBox 4"/>
+                  <p:cNvSpPr txBox="1">
+                    <a:spLocks noRot="1" noChangeAspect="1" noMove="1" noResize="1" noEditPoints="1" noAdjustHandles="1" noChangeArrowheads="1" noChangeShapeType="1" noTextEdit="1"/>
+                  </p:cNvSpPr>
+                  <p:nvPr/>
+                </p:nvSpPr>
+                <p:spPr>
+                  <a:xfrm>
+                    <a:off x="1961455" y="1880448"/>
+                    <a:ext cx="368242" cy="307777"/>
+                  </a:xfrm>
+                  <a:prstGeom prst="rect">
+                    <a:avLst/>
+                  </a:prstGeom>
+                  <a:blipFill>
+                    <a:blip r:embed="rId4"/>
+                    <a:stretch>
+                      <a:fillRect l="-14754" r="-9836" b="-9804"/>
+                    </a:stretch>
+                  </a:blipFill>
+                </p:spPr>
+                <p:txBody>
+                  <a:bodyPr/>
+                  <a:lstStyle/>
+                  <a:p>
+                    <a:r>
+                      <a:rPr lang="en-US">
+                        <a:noFill/>
+                      </a:rPr>
+                      <a:t> </a:t>
+                    </a:r>
+                  </a:p>
+                </p:txBody>
+              </p:sp>
+            </mc:Fallback>
+          </mc:AlternateContent>
+          <p:cxnSp>
+            <p:nvCxnSpPr>
+              <p:cNvPr id="6" name="Straight Arrow Connector 5"/>
+              <p:cNvCxnSpPr/>
+              <p:nvPr/>
+            </p:nvCxnSpPr>
+            <p:spPr>
+              <a:xfrm flipH="1">
+                <a:off x="1204425" y="1464145"/>
+                <a:ext cx="10632" cy="1927345"/>
+              </a:xfrm>
+              <a:prstGeom prst="straightConnector1">
+                <a:avLst/>
+              </a:prstGeom>
+              <a:ln w="38100">
+                <a:solidFill>
+                  <a:schemeClr val="tx1"/>
+                </a:solidFill>
+                <a:headEnd type="triangle"/>
+                <a:tailEnd type="triangle"/>
+              </a:ln>
+            </p:spPr>
+            <p:style>
+              <a:lnRef idx="1">
+                <a:schemeClr val="accent1"/>
+              </a:lnRef>
+              <a:fillRef idx="0">
+                <a:schemeClr val="accent1"/>
+              </a:fillRef>
+              <a:effectRef idx="0">
+                <a:schemeClr val="accent1"/>
+              </a:effectRef>
+              <a:fontRef idx="minor">
+                <a:schemeClr val="tx1"/>
+              </a:fontRef>
+            </p:style>
+          </p:cxnSp>
+          <mc:AlternateContent xmlns:mc="http://schemas.openxmlformats.org/markup-compatibility/2006" xmlns:a14="http://schemas.microsoft.com/office/drawing/2010/main">
+            <mc:Choice Requires="a14">
+              <p:sp>
+                <p:nvSpPr>
+                  <p:cNvPr id="7" name="TextBox 6"/>
+                  <p:cNvSpPr txBox="1"/>
+                  <p:nvPr/>
+                </p:nvSpPr>
+                <p:spPr>
+                  <a:xfrm>
+                    <a:off x="930057" y="2427817"/>
+                    <a:ext cx="212045" cy="307777"/>
+                  </a:xfrm>
+                  <a:prstGeom prst="rect">
+                    <a:avLst/>
+                  </a:prstGeom>
+                  <a:noFill/>
+                </p:spPr>
+                <p:txBody>
+                  <a:bodyPr wrap="none" lIns="0" tIns="0" rIns="0" bIns="0" rtlCol="0">
+                    <a:spAutoFit/>
+                  </a:bodyPr>
+                  <a:lstStyle/>
+                  <a:p>
+                    <a:pPr/>
+                    <a14:m>
+                      <m:oMathPara xmlns:m="http://schemas.openxmlformats.org/officeDocument/2006/math">
+                        <m:oMathParaPr>
+                          <m:jc m:val="centerGroup"/>
+                        </m:oMathParaPr>
+                        <m:oMath xmlns:m="http://schemas.openxmlformats.org/officeDocument/2006/math">
+                          <m:r>
+                            <a:rPr lang="en-US" sz="2000" b="0" i="1" smtClean="0">
+                              <a:latin typeface="Cambria Math" panose="02040503050406030204" pitchFamily="18" charset="0"/>
+                              <a:cs typeface="Arial" panose="020B0604020202020204" pitchFamily="34" charset="0"/>
+                            </a:rPr>
+                            <m:t>𝐿</m:t>
+                          </m:r>
+                        </m:oMath>
+                      </m:oMathPara>
+                    </a14:m>
+                    <a:endParaRPr lang="en-US" sz="2000" dirty="0" smtClean="0">
+                      <a:latin typeface="Arial" panose="020B0604020202020204" pitchFamily="34" charset="0"/>
+                      <a:cs typeface="Arial" panose="020B0604020202020204" pitchFamily="34" charset="0"/>
+                    </a:endParaRPr>
+                  </a:p>
+                </p:txBody>
+              </p:sp>
+            </mc:Choice>
+            <mc:Fallback xmlns="">
+              <p:sp>
+                <p:nvSpPr>
+                  <p:cNvPr id="7" name="TextBox 6"/>
+                  <p:cNvSpPr txBox="1">
+                    <a:spLocks noRot="1" noChangeAspect="1" noMove="1" noResize="1" noEditPoints="1" noAdjustHandles="1" noChangeArrowheads="1" noChangeShapeType="1" noTextEdit="1"/>
+                  </p:cNvSpPr>
+                  <p:nvPr/>
+                </p:nvSpPr>
+                <p:spPr>
+                  <a:xfrm>
+                    <a:off x="930057" y="2427817"/>
+                    <a:ext cx="212045" cy="307777"/>
+                  </a:xfrm>
+                  <a:prstGeom prst="rect">
+                    <a:avLst/>
+                  </a:prstGeom>
+                  <a:blipFill>
+                    <a:blip r:embed="rId5"/>
+                    <a:stretch>
+                      <a:fillRect l="-25714" r="-20000" b="-10000"/>
+                    </a:stretch>
+                  </a:blipFill>
+                </p:spPr>
+                <p:txBody>
+                  <a:bodyPr/>
+                  <a:lstStyle/>
+                  <a:p>
+                    <a:r>
+                      <a:rPr lang="en-US">
+                        <a:noFill/>
+                      </a:rPr>
+                      <a:t> </a:t>
+                    </a:r>
+                  </a:p>
+                </p:txBody>
+              </p:sp>
+            </mc:Fallback>
+          </mc:AlternateContent>
+          <p:cxnSp>
+            <p:nvCxnSpPr>
+              <p:cNvPr id="18" name="Straight Arrow Connector 17"/>
+              <p:cNvCxnSpPr/>
+              <p:nvPr/>
+            </p:nvCxnSpPr>
+            <p:spPr>
+              <a:xfrm>
+                <a:off x="1339702" y="3705164"/>
+                <a:ext cx="3125972" cy="0"/>
+              </a:xfrm>
+              <a:prstGeom prst="straightConnector1">
+                <a:avLst/>
+              </a:prstGeom>
+              <a:ln w="38100">
+                <a:solidFill>
+                  <a:schemeClr val="tx1"/>
+                </a:solidFill>
+                <a:tailEnd type="triangle"/>
+              </a:ln>
+            </p:spPr>
+            <p:style>
+              <a:lnRef idx="1">
+                <a:schemeClr val="accent1"/>
+              </a:lnRef>
+              <a:fillRef idx="0">
+                <a:schemeClr val="accent1"/>
+              </a:fillRef>
+              <a:effectRef idx="0">
+                <a:schemeClr val="accent1"/>
+              </a:effectRef>
+              <a:fontRef idx="minor">
+                <a:schemeClr val="tx1"/>
+              </a:fontRef>
+            </p:style>
+          </p:cxnSp>
+          <mc:AlternateContent xmlns:mc="http://schemas.openxmlformats.org/markup-compatibility/2006" xmlns:a14="http://schemas.microsoft.com/office/drawing/2010/main">
+            <mc:Choice Requires="a14">
+              <p:sp>
+                <p:nvSpPr>
+                  <p:cNvPr id="19" name="TextBox 18"/>
+                  <p:cNvSpPr txBox="1"/>
+                  <p:nvPr/>
+                </p:nvSpPr>
+                <p:spPr>
+                  <a:xfrm>
+                    <a:off x="1097825" y="3676505"/>
+                    <a:ext cx="213200" cy="307777"/>
+                  </a:xfrm>
+                  <a:prstGeom prst="rect">
+                    <a:avLst/>
+                  </a:prstGeom>
+                  <a:noFill/>
+                </p:spPr>
+                <p:txBody>
+                  <a:bodyPr wrap="none" lIns="0" tIns="0" rIns="0" bIns="0" rtlCol="0">
+                    <a:spAutoFit/>
+                  </a:bodyPr>
+                  <a:lstStyle/>
+                  <a:p>
+                    <a:pPr/>
+                    <a14:m>
+                      <m:oMathPara xmlns:m="http://schemas.openxmlformats.org/officeDocument/2006/math">
+                        <m:oMathParaPr>
+                          <m:jc m:val="centerGroup"/>
+                        </m:oMathParaPr>
+                        <m:oMath xmlns:m="http://schemas.openxmlformats.org/officeDocument/2006/math">
+                          <m:r>
+                            <a:rPr lang="en-US" sz="2000" b="0" i="1" smtClean="0">
+                              <a:latin typeface="Cambria Math" panose="02040503050406030204" pitchFamily="18" charset="0"/>
+                              <a:cs typeface="Arial" panose="020B0604020202020204" pitchFamily="34" charset="0"/>
+                            </a:rPr>
+                            <m:t>0</m:t>
+                          </m:r>
+                        </m:oMath>
+                      </m:oMathPara>
+                    </a14:m>
+                    <a:endParaRPr lang="en-US" sz="2000" dirty="0" smtClean="0">
+                      <a:latin typeface="Arial" panose="020B0604020202020204" pitchFamily="34" charset="0"/>
+                      <a:cs typeface="Arial" panose="020B0604020202020204" pitchFamily="34" charset="0"/>
+                    </a:endParaRPr>
+                  </a:p>
+                </p:txBody>
+              </p:sp>
+            </mc:Choice>
+            <mc:Fallback xmlns="">
+              <p:sp>
+                <p:nvSpPr>
+                  <p:cNvPr id="19" name="TextBox 18"/>
+                  <p:cNvSpPr txBox="1">
+                    <a:spLocks noRot="1" noChangeAspect="1" noMove="1" noResize="1" noEditPoints="1" noAdjustHandles="1" noChangeArrowheads="1" noChangeShapeType="1" noTextEdit="1"/>
+                  </p:cNvSpPr>
+                  <p:nvPr/>
+                </p:nvSpPr>
+                <p:spPr>
+                  <a:xfrm>
+                    <a:off x="1097825" y="3676505"/>
+                    <a:ext cx="213200" cy="307777"/>
+                  </a:xfrm>
+                  <a:prstGeom prst="rect">
+                    <a:avLst/>
+                  </a:prstGeom>
+                  <a:blipFill>
+                    <a:blip r:embed="rId6"/>
+                    <a:stretch>
+                      <a:fillRect l="-22857" r="-25714" b="-10000"/>
+                    </a:stretch>
+                  </a:blipFill>
+                </p:spPr>
+                <p:txBody>
+                  <a:bodyPr/>
+                  <a:lstStyle/>
+                  <a:p>
+                    <a:r>
+                      <a:rPr lang="en-US">
+                        <a:noFill/>
+                      </a:rPr>
+                      <a:t> </a:t>
+                    </a:r>
+                  </a:p>
+                </p:txBody>
+              </p:sp>
+            </mc:Fallback>
+          </mc:AlternateContent>
+          <mc:AlternateContent xmlns:mc="http://schemas.openxmlformats.org/markup-compatibility/2006" xmlns:a14="http://schemas.microsoft.com/office/drawing/2010/main">
+            <mc:Choice Requires="a14">
+              <p:sp>
+                <p:nvSpPr>
+                  <p:cNvPr id="20" name="TextBox 19"/>
+                  <p:cNvSpPr txBox="1"/>
+                  <p:nvPr/>
+                </p:nvSpPr>
+                <p:spPr>
+                  <a:xfrm>
+                    <a:off x="4075065" y="3705164"/>
+                    <a:ext cx="213200" cy="307777"/>
+                  </a:xfrm>
+                  <a:prstGeom prst="rect">
+                    <a:avLst/>
+                  </a:prstGeom>
+                  <a:noFill/>
+                </p:spPr>
+                <p:txBody>
+                  <a:bodyPr wrap="none" lIns="0" tIns="0" rIns="0" bIns="0" rtlCol="0">
+                    <a:spAutoFit/>
+                  </a:bodyPr>
+                  <a:lstStyle/>
+                  <a:p>
+                    <a:pPr/>
+                    <a14:m>
+                      <m:oMathPara xmlns:m="http://schemas.openxmlformats.org/officeDocument/2006/math">
+                        <m:oMathParaPr>
+                          <m:jc m:val="centerGroup"/>
+                        </m:oMathParaPr>
+                        <m:oMath xmlns:m="http://schemas.openxmlformats.org/officeDocument/2006/math">
+                          <m:r>
+                            <a:rPr lang="en-US" sz="2000" b="0" i="1" smtClean="0">
+                              <a:latin typeface="Cambria Math" panose="02040503050406030204" pitchFamily="18" charset="0"/>
+                              <a:cs typeface="Arial" panose="020B0604020202020204" pitchFamily="34" charset="0"/>
+                            </a:rPr>
+                            <m:t>𝑥</m:t>
+                          </m:r>
+                        </m:oMath>
+                      </m:oMathPara>
+                    </a14:m>
+                    <a:endParaRPr lang="en-US" sz="2000" dirty="0" smtClean="0">
+                      <a:latin typeface="Arial" panose="020B0604020202020204" pitchFamily="34" charset="0"/>
+                      <a:cs typeface="Arial" panose="020B0604020202020204" pitchFamily="34" charset="0"/>
+                    </a:endParaRPr>
+                  </a:p>
+                </p:txBody>
+              </p:sp>
+            </mc:Choice>
+            <mc:Fallback xmlns="">
+              <p:sp>
+                <p:nvSpPr>
+                  <p:cNvPr id="20" name="TextBox 19"/>
+                  <p:cNvSpPr txBox="1">
+                    <a:spLocks noRot="1" noChangeAspect="1" noMove="1" noResize="1" noEditPoints="1" noAdjustHandles="1" noChangeArrowheads="1" noChangeShapeType="1" noTextEdit="1"/>
+                  </p:cNvSpPr>
+                  <p:nvPr/>
+                </p:nvSpPr>
+                <p:spPr>
+                  <a:xfrm>
+                    <a:off x="4075065" y="3705164"/>
+                    <a:ext cx="213200" cy="307777"/>
+                  </a:xfrm>
+                  <a:prstGeom prst="rect">
+                    <a:avLst/>
+                  </a:prstGeom>
+                  <a:blipFill>
+                    <a:blip r:embed="rId7"/>
+                    <a:stretch>
+                      <a:fillRect l="-14286" r="-8571" b="-2000"/>
+                    </a:stretch>
+                  </a:blipFill>
+                </p:spPr>
+                <p:txBody>
+                  <a:bodyPr/>
+                  <a:lstStyle/>
+                  <a:p>
+                    <a:r>
+                      <a:rPr lang="en-US">
+                        <a:noFill/>
+                      </a:rPr>
+                      <a:t> </a:t>
+                    </a:r>
+                  </a:p>
+                </p:txBody>
+              </p:sp>
+            </mc:Fallback>
+          </mc:AlternateContent>
+        </p:grpSp>
+        <p:cxnSp>
+          <p:nvCxnSpPr>
+            <p:cNvPr id="24" name="Straight Arrow Connector 23"/>
+            <p:cNvCxnSpPr/>
+            <p:nvPr/>
+          </p:nvCxnSpPr>
+          <p:spPr>
+            <a:xfrm flipV="1">
+              <a:off x="1793432" y="1778860"/>
+              <a:ext cx="3190327" cy="1"/>
+            </a:xfrm>
+            <a:prstGeom prst="straightConnector1">
+              <a:avLst/>
+            </a:prstGeom>
+            <a:ln w="38100">
+              <a:solidFill>
+                <a:schemeClr val="tx1"/>
+              </a:solidFill>
+              <a:headEnd type="triangle"/>
+              <a:tailEnd type="triangle"/>
+            </a:ln>
+          </p:spPr>
+          <p:style>
+            <a:lnRef idx="1">
+              <a:schemeClr val="accent1"/>
+            </a:lnRef>
+            <a:fillRef idx="0">
+              <a:schemeClr val="accent1"/>
+            </a:fillRef>
+            <a:effectRef idx="0">
+              <a:schemeClr val="accent1"/>
+            </a:effectRef>
+            <a:fontRef idx="minor">
+              <a:schemeClr val="tx1"/>
+            </a:fontRef>
+          </p:style>
+        </p:cxnSp>
+        <mc:AlternateContent xmlns:mc="http://schemas.openxmlformats.org/markup-compatibility/2006">
+          <mc:Choice xmlns:a14="http://schemas.microsoft.com/office/drawing/2010/main" Requires="a14">
+            <p:sp>
+              <p:nvSpPr>
+                <p:cNvPr id="25" name="TextBox 24"/>
+                <p:cNvSpPr txBox="1"/>
+                <p:nvPr/>
+              </p:nvSpPr>
+              <p:spPr>
+                <a:xfrm>
+                  <a:off x="3218226" y="1457467"/>
+                  <a:ext cx="324191" cy="307777"/>
+                </a:xfrm>
+                <a:prstGeom prst="rect">
+                  <a:avLst/>
+                </a:prstGeom>
+                <a:noFill/>
+              </p:spPr>
+              <p:txBody>
+                <a:bodyPr wrap="none" lIns="0" tIns="0" rIns="0" bIns="0" rtlCol="0">
+                  <a:spAutoFit/>
+                </a:bodyPr>
+                <a:lstStyle/>
+                <a:p>
+                  <a:pPr/>
+                  <a14:m>
+                    <m:oMathPara xmlns:m="http://schemas.openxmlformats.org/officeDocument/2006/math">
+                      <m:oMathParaPr>
+                        <m:jc m:val="centerGroup"/>
+                      </m:oMathParaPr>
+                      <m:oMath xmlns:m="http://schemas.openxmlformats.org/officeDocument/2006/math">
+                        <m:r>
+                          <a:rPr lang="en-US" sz="2000" b="0" i="1" smtClean="0">
+                            <a:latin typeface="Cambria Math" panose="02040503050406030204" pitchFamily="18" charset="0"/>
+                            <a:cs typeface="Arial" panose="020B0604020202020204" pitchFamily="34" charset="0"/>
+                          </a:rPr>
+                          <m:t>𝑊</m:t>
+                        </m:r>
+                      </m:oMath>
+                    </m:oMathPara>
+                  </a14:m>
+                  <a:endParaRPr lang="en-US" sz="2000" dirty="0" smtClean="0">
+                    <a:latin typeface="Arial" panose="020B0604020202020204" pitchFamily="34" charset="0"/>
+                    <a:cs typeface="Arial" panose="020B0604020202020204" pitchFamily="34" charset="0"/>
+                  </a:endParaRPr>
+                </a:p>
+              </p:txBody>
+            </p:sp>
+          </mc:Choice>
+          <mc:Fallback>
+            <p:sp>
+              <p:nvSpPr>
+                <p:cNvPr id="25" name="TextBox 24"/>
+                <p:cNvSpPr txBox="1">
+                  <a:spLocks noRot="1" noChangeAspect="1" noMove="1" noResize="1" noEditPoints="1" noAdjustHandles="1" noChangeArrowheads="1" noChangeShapeType="1" noTextEdit="1"/>
+                </p:cNvSpPr>
+                <p:nvPr/>
+              </p:nvSpPr>
+              <p:spPr>
+                <a:xfrm>
+                  <a:off x="3218226" y="1457467"/>
+                  <a:ext cx="324191" cy="307777"/>
+                </a:xfrm>
+                <a:prstGeom prst="rect">
+                  <a:avLst/>
+                </a:prstGeom>
+                <a:blipFill>
+                  <a:blip r:embed="rId8"/>
+                  <a:stretch>
+                    <a:fillRect l="-14815" r="-12963" b="-10000"/>
+                  </a:stretch>
+                </a:blipFill>
+              </p:spPr>
+              <p:txBody>
+                <a:bodyPr/>
+                <a:lstStyle/>
+                <a:p>
+                  <a:r>
+                    <a:rPr lang="en-US">
+                      <a:noFill/>
+                    </a:rPr>
+                    <a:t> </a:t>
+                  </a:r>
+                </a:p>
+              </p:txBody>
+            </p:sp>
+          </mc:Fallback>
+        </mc:AlternateContent>
+        <p:cxnSp>
+          <p:nvCxnSpPr>
+            <p:cNvPr id="26" name="Straight Arrow Connector 25"/>
+            <p:cNvCxnSpPr>
+              <a:endCxn id="8" idx="0"/>
+            </p:cNvCxnSpPr>
+            <p:nvPr/>
+          </p:nvCxnSpPr>
+          <p:spPr>
+            <a:xfrm flipV="1">
+              <a:off x="7196130" y="1418394"/>
+              <a:ext cx="15540" cy="1426447"/>
+            </a:xfrm>
+            <a:prstGeom prst="straightConnector1">
+              <a:avLst/>
+            </a:prstGeom>
+            <a:ln w="38100">
+              <a:solidFill>
+                <a:schemeClr val="tx1"/>
+              </a:solidFill>
+              <a:headEnd type="triangle"/>
+              <a:tailEnd type="triangle"/>
+            </a:ln>
+          </p:spPr>
+          <p:style>
+            <a:lnRef idx="1">
+              <a:schemeClr val="accent1"/>
+            </a:lnRef>
+            <a:fillRef idx="0">
+              <a:schemeClr val="accent1"/>
+            </a:fillRef>
+            <a:effectRef idx="0">
+              <a:schemeClr val="accent1"/>
+            </a:effectRef>
+            <a:fontRef idx="minor">
+              <a:schemeClr val="tx1"/>
+            </a:fontRef>
+          </p:style>
+        </p:cxnSp>
+        <mc:AlternateContent xmlns:mc="http://schemas.openxmlformats.org/markup-compatibility/2006">
+          <mc:Choice xmlns:a14="http://schemas.microsoft.com/office/drawing/2010/main" Requires="a14">
+            <p:sp>
+              <p:nvSpPr>
+                <p:cNvPr id="28" name="TextBox 27"/>
+                <p:cNvSpPr txBox="1"/>
+                <p:nvPr/>
+              </p:nvSpPr>
+              <p:spPr>
+                <a:xfrm>
+                  <a:off x="7346328" y="1511709"/>
+                  <a:ext cx="241541" cy="307777"/>
+                </a:xfrm>
+                <a:prstGeom prst="rect">
+                  <a:avLst/>
+                </a:prstGeom>
+                <a:noFill/>
+              </p:spPr>
+              <p:txBody>
+                <a:bodyPr wrap="none" lIns="0" tIns="0" rIns="0" bIns="0" rtlCol="0">
+                  <a:spAutoFit/>
+                </a:bodyPr>
+                <a:lstStyle/>
+                <a:p>
+                  <a:pPr/>
+                  <a14:m>
+                    <m:oMathPara xmlns:m="http://schemas.openxmlformats.org/officeDocument/2006/math">
+                      <m:oMathParaPr>
+                        <m:jc m:val="centerGroup"/>
+                      </m:oMathParaPr>
+                      <m:oMath xmlns:m="http://schemas.openxmlformats.org/officeDocument/2006/math">
+                        <m:r>
+                          <a:rPr lang="en-US" sz="2000" b="0" i="1" smtClean="0">
+                            <a:latin typeface="Cambria Math" panose="02040503050406030204" pitchFamily="18" charset="0"/>
+                            <a:cs typeface="Arial" panose="020B0604020202020204" pitchFamily="34" charset="0"/>
+                          </a:rPr>
+                          <m:t>𝑅</m:t>
+                        </m:r>
+                      </m:oMath>
+                    </m:oMathPara>
+                  </a14:m>
+                  <a:endParaRPr lang="en-US" sz="2000" dirty="0" smtClean="0">
+                    <a:latin typeface="Arial" panose="020B0604020202020204" pitchFamily="34" charset="0"/>
+                    <a:cs typeface="Arial" panose="020B0604020202020204" pitchFamily="34" charset="0"/>
+                  </a:endParaRPr>
+                </a:p>
+              </p:txBody>
+            </p:sp>
+          </mc:Choice>
+          <mc:Fallback>
+            <p:sp>
+              <p:nvSpPr>
+                <p:cNvPr id="28" name="TextBox 27"/>
+                <p:cNvSpPr txBox="1">
+                  <a:spLocks noRot="1" noChangeAspect="1" noMove="1" noResize="1" noEditPoints="1" noAdjustHandles="1" noChangeArrowheads="1" noChangeShapeType="1" noTextEdit="1"/>
+                </p:cNvSpPr>
+                <p:nvPr/>
+              </p:nvSpPr>
+              <p:spPr>
+                <a:xfrm>
+                  <a:off x="7346328" y="1511709"/>
+                  <a:ext cx="241541" cy="307777"/>
+                </a:xfrm>
+                <a:prstGeom prst="rect">
+                  <a:avLst/>
+                </a:prstGeom>
+                <a:blipFill>
+                  <a:blip r:embed="rId9"/>
+                  <a:stretch>
+                    <a:fillRect l="-23077" r="-20513" b="-10000"/>
+                  </a:stretch>
+                </a:blipFill>
+              </p:spPr>
+              <p:txBody>
+                <a:bodyPr/>
+                <a:lstStyle/>
+                <a:p>
+                  <a:r>
+                    <a:rPr lang="en-US">
+                      <a:noFill/>
+                    </a:rPr>
+                    <a:t> </a:t>
+                  </a:r>
+                </a:p>
+              </p:txBody>
+            </p:sp>
+          </mc:Fallback>
+        </mc:AlternateContent>
+      </p:grpSp>
+      <p:grpSp>
+        <p:nvGrpSpPr>
+          <p:cNvPr id="91" name="Group 90"/>
+          <p:cNvGrpSpPr/>
+          <p:nvPr/>
+        </p:nvGrpSpPr>
+        <p:grpSpPr>
+          <a:xfrm>
+            <a:off x="8323951" y="596230"/>
+            <a:ext cx="3134976" cy="2964729"/>
+            <a:chOff x="8111299" y="1681447"/>
+            <a:chExt cx="3134976" cy="2964729"/>
+          </a:xfrm>
+        </p:grpSpPr>
+        <p:sp>
+          <p:nvSpPr>
+            <p:cNvPr id="47" name="Oval 46"/>
+            <p:cNvSpPr/>
+            <p:nvPr/>
+          </p:nvSpPr>
+          <p:spPr>
+            <a:xfrm>
+              <a:off x="8286982" y="2928457"/>
+              <a:ext cx="2959293" cy="1028071"/>
+            </a:xfrm>
+            <a:prstGeom prst="ellipse">
+              <a:avLst/>
+            </a:prstGeom>
+            <a:solidFill>
+              <a:schemeClr val="bg1">
+                <a:lumMod val="85000"/>
+              </a:schemeClr>
+            </a:solidFill>
+            <a:ln w="38100">
+              <a:solidFill>
+                <a:schemeClr val="tx1"/>
+              </a:solidFill>
+            </a:ln>
+          </p:spPr>
+          <p:style>
+            <a:lnRef idx="2">
+              <a:schemeClr val="accent1">
+                <a:shade val="50000"/>
+              </a:schemeClr>
+            </a:lnRef>
+            <a:fillRef idx="1">
+              <a:schemeClr val="accent1"/>
+            </a:fillRef>
+            <a:effectRef idx="0">
+              <a:schemeClr val="accent1"/>
+            </a:effectRef>
+            <a:fontRef idx="minor">
+              <a:schemeClr val="lt1"/>
+            </a:fontRef>
+          </p:style>
+          <p:txBody>
+            <a:bodyPr rtlCol="0" anchor="ctr"/>
+            <a:lstStyle/>
+            <a:p>
+              <a:pPr algn="ctr"/>
+              <a:endParaRPr lang="en-US"/>
+            </a:p>
+          </p:txBody>
+        </p:sp>
+        <p:sp>
+          <p:nvSpPr>
+            <p:cNvPr id="48" name="Oval 47"/>
+            <p:cNvSpPr/>
+            <p:nvPr/>
+          </p:nvSpPr>
+          <p:spPr>
+            <a:xfrm>
+              <a:off x="8773617" y="3133258"/>
+              <a:ext cx="1970476" cy="584763"/>
+            </a:xfrm>
+            <a:prstGeom prst="ellipse">
+              <a:avLst/>
+            </a:prstGeom>
+            <a:solidFill>
+              <a:srgbClr val="FF0000"/>
+            </a:solidFill>
+            <a:ln w="38100">
+              <a:noFill/>
+            </a:ln>
+          </p:spPr>
+          <p:style>
+            <a:lnRef idx="2">
+              <a:schemeClr val="accent1">
+                <a:shade val="50000"/>
+              </a:schemeClr>
+            </a:lnRef>
+            <a:fillRef idx="1">
+              <a:schemeClr val="accent1"/>
+            </a:fillRef>
+            <a:effectRef idx="0">
+              <a:schemeClr val="accent1"/>
+            </a:effectRef>
+            <a:fontRef idx="minor">
+              <a:schemeClr val="lt1"/>
+            </a:fontRef>
+          </p:style>
+          <p:txBody>
+            <a:bodyPr rtlCol="0" anchor="ctr"/>
+            <a:lstStyle/>
+            <a:p>
+              <a:pPr algn="ctr"/>
+              <a:endParaRPr lang="en-US" dirty="0"/>
+            </a:p>
+          </p:txBody>
+        </p:sp>
+        <p:sp>
+          <p:nvSpPr>
+            <p:cNvPr id="49" name="Oval 48"/>
+            <p:cNvSpPr/>
+            <p:nvPr/>
+          </p:nvSpPr>
+          <p:spPr>
+            <a:xfrm>
+              <a:off x="8988822" y="3249751"/>
+              <a:ext cx="1555611" cy="356406"/>
+            </a:xfrm>
+            <a:prstGeom prst="ellipse">
+              <a:avLst/>
+            </a:prstGeom>
+            <a:solidFill>
+              <a:schemeClr val="bg1">
+                <a:lumMod val="85000"/>
+              </a:schemeClr>
+            </a:solidFill>
+            <a:ln w="38100">
+              <a:noFill/>
+            </a:ln>
+          </p:spPr>
+          <p:style>
+            <a:lnRef idx="2">
+              <a:schemeClr val="accent1">
+                <a:shade val="50000"/>
+              </a:schemeClr>
+            </a:lnRef>
+            <a:fillRef idx="1">
+              <a:schemeClr val="accent1"/>
+            </a:fillRef>
+            <a:effectRef idx="0">
+              <a:schemeClr val="accent1"/>
+            </a:effectRef>
+            <a:fontRef idx="minor">
+              <a:schemeClr val="lt1"/>
+            </a:fontRef>
+          </p:style>
+          <p:txBody>
+            <a:bodyPr rtlCol="0" anchor="ctr"/>
+            <a:lstStyle/>
+            <a:p>
+              <a:pPr algn="ctr"/>
+              <a:endParaRPr lang="en-US" dirty="0"/>
+            </a:p>
+          </p:txBody>
+        </p:sp>
+        <p:cxnSp>
+          <p:nvCxnSpPr>
+            <p:cNvPr id="50" name="Straight Arrow Connector 49"/>
+            <p:cNvCxnSpPr>
+              <a:endCxn id="49" idx="1"/>
+            </p:cNvCxnSpPr>
+            <p:nvPr/>
+          </p:nvCxnSpPr>
+          <p:spPr>
+            <a:xfrm>
+              <a:off x="8976153" y="3216405"/>
+              <a:ext cx="240483" cy="85540"/>
+            </a:xfrm>
+            <a:prstGeom prst="straightConnector1">
+              <a:avLst/>
+            </a:prstGeom>
+            <a:ln w="38100">
+              <a:solidFill>
+                <a:schemeClr val="tx1"/>
+              </a:solidFill>
+              <a:headEnd type="triangle" w="sm" len="sm"/>
+              <a:tailEnd type="triangle" w="sm" len="sm"/>
+            </a:ln>
+          </p:spPr>
+          <p:style>
+            <a:lnRef idx="1">
+              <a:schemeClr val="accent1"/>
+            </a:lnRef>
+            <a:fillRef idx="0">
+              <a:schemeClr val="accent1"/>
+            </a:fillRef>
+            <a:effectRef idx="0">
+              <a:schemeClr val="accent1"/>
+            </a:effectRef>
+            <a:fontRef idx="minor">
+              <a:schemeClr val="tx1"/>
+            </a:fontRef>
+          </p:style>
+        </p:cxnSp>
+        <p:cxnSp>
+          <p:nvCxnSpPr>
+            <p:cNvPr id="52" name="Straight Arrow Connector 51"/>
+            <p:cNvCxnSpPr/>
+            <p:nvPr/>
+          </p:nvCxnSpPr>
+          <p:spPr>
+            <a:xfrm>
+              <a:off x="9766627" y="3442492"/>
+              <a:ext cx="790475" cy="14562"/>
+            </a:xfrm>
+            <a:prstGeom prst="straightConnector1">
+              <a:avLst/>
+            </a:prstGeom>
+            <a:ln w="38100">
+              <a:solidFill>
+                <a:schemeClr val="tx1"/>
+              </a:solidFill>
+              <a:headEnd type="triangle"/>
+              <a:tailEnd type="triangle"/>
+            </a:ln>
+          </p:spPr>
+          <p:style>
+            <a:lnRef idx="1">
+              <a:schemeClr val="accent1"/>
+            </a:lnRef>
+            <a:fillRef idx="0">
+              <a:schemeClr val="accent1"/>
+            </a:fillRef>
+            <a:effectRef idx="0">
+              <a:schemeClr val="accent1"/>
+            </a:effectRef>
+            <a:fontRef idx="minor">
+              <a:schemeClr val="tx1"/>
+            </a:fontRef>
+          </p:style>
+        </p:cxnSp>
+        <mc:AlternateContent xmlns:mc="http://schemas.openxmlformats.org/markup-compatibility/2006">
+          <mc:Choice xmlns:a14="http://schemas.microsoft.com/office/drawing/2010/main" Requires="a14">
+            <p:sp>
+              <p:nvSpPr>
+                <p:cNvPr id="53" name="TextBox 52"/>
+                <p:cNvSpPr txBox="1"/>
+                <p:nvPr/>
+              </p:nvSpPr>
+              <p:spPr>
+                <a:xfrm>
+                  <a:off x="8988822" y="2935504"/>
+                  <a:ext cx="543966" cy="307777"/>
+                </a:xfrm>
+                <a:prstGeom prst="rect">
+                  <a:avLst/>
+                </a:prstGeom>
+                <a:noFill/>
+              </p:spPr>
+              <p:txBody>
+                <a:bodyPr wrap="square" lIns="0" tIns="0" rIns="0" bIns="0" rtlCol="0">
+                  <a:spAutoFit/>
+                </a:bodyPr>
+                <a:lstStyle/>
+                <a:p>
+                  <a:pPr/>
+                  <a14:m>
+                    <m:oMathPara xmlns:m="http://schemas.openxmlformats.org/officeDocument/2006/math">
+                      <m:oMathParaPr>
+                        <m:jc m:val="centerGroup"/>
+                      </m:oMathParaPr>
+                      <m:oMath xmlns:m="http://schemas.openxmlformats.org/officeDocument/2006/math">
+                        <m:r>
+                          <a:rPr lang="en-US" sz="2000" b="0" i="1" smtClean="0">
+                            <a:latin typeface="Cambria Math" panose="02040503050406030204" pitchFamily="18" charset="0"/>
+                            <a:cs typeface="Arial" panose="020B0604020202020204" pitchFamily="34" charset="0"/>
+                          </a:rPr>
+                          <m:t>𝑑</m:t>
+                        </m:r>
+                        <m:r>
+                          <a:rPr lang="en-US" sz="2000" b="0" i="1" smtClean="0">
+                            <a:latin typeface="Cambria Math" panose="02040503050406030204" pitchFamily="18" charset="0"/>
+                            <a:cs typeface="Arial" panose="020B0604020202020204" pitchFamily="34" charset="0"/>
+                          </a:rPr>
+                          <m:t>𝑟</m:t>
+                        </m:r>
+                      </m:oMath>
+                    </m:oMathPara>
+                  </a14:m>
+                  <a:endParaRPr lang="en-US" sz="2000" dirty="0" smtClean="0">
+                    <a:latin typeface="Arial" panose="020B0604020202020204" pitchFamily="34" charset="0"/>
+                    <a:cs typeface="Arial" panose="020B0604020202020204" pitchFamily="34" charset="0"/>
+                  </a:endParaRPr>
+                </a:p>
+              </p:txBody>
+            </p:sp>
+          </mc:Choice>
+          <mc:Fallback>
+            <p:sp>
+              <p:nvSpPr>
+                <p:cNvPr id="53" name="TextBox 52"/>
+                <p:cNvSpPr txBox="1">
+                  <a:spLocks noRot="1" noChangeAspect="1" noMove="1" noResize="1" noEditPoints="1" noAdjustHandles="1" noChangeArrowheads="1" noChangeShapeType="1" noTextEdit="1"/>
+                </p:cNvSpPr>
+                <p:nvPr/>
+              </p:nvSpPr>
+              <p:spPr>
+                <a:xfrm>
+                  <a:off x="8988822" y="2935504"/>
+                  <a:ext cx="543966" cy="307777"/>
+                </a:xfrm>
+                <a:prstGeom prst="rect">
+                  <a:avLst/>
+                </a:prstGeom>
+                <a:blipFill>
+                  <a:blip r:embed="rId10"/>
+                  <a:stretch>
+                    <a:fillRect b="-12000"/>
+                  </a:stretch>
+                </a:blipFill>
+              </p:spPr>
+              <p:txBody>
+                <a:bodyPr/>
+                <a:lstStyle/>
+                <a:p>
+                  <a:r>
+                    <a:rPr lang="en-US">
+                      <a:noFill/>
+                    </a:rPr>
+                    <a:t> </a:t>
+                  </a:r>
+                </a:p>
+              </p:txBody>
+            </p:sp>
+          </mc:Fallback>
+        </mc:AlternateContent>
+        <mc:AlternateContent xmlns:mc="http://schemas.openxmlformats.org/markup-compatibility/2006">
+          <mc:Choice xmlns:a14="http://schemas.microsoft.com/office/drawing/2010/main" Requires="a14">
+            <p:sp>
+              <p:nvSpPr>
+                <p:cNvPr id="37" name="TextBox 36"/>
+                <p:cNvSpPr txBox="1"/>
+                <p:nvPr/>
+              </p:nvSpPr>
+              <p:spPr>
+                <a:xfrm>
+                  <a:off x="9203857" y="3631094"/>
+                  <a:ext cx="241541" cy="307777"/>
+                </a:xfrm>
+                <a:prstGeom prst="rect">
+                  <a:avLst/>
+                </a:prstGeom>
+                <a:noFill/>
+              </p:spPr>
+              <p:txBody>
+                <a:bodyPr wrap="none" lIns="0" tIns="0" rIns="0" bIns="0" rtlCol="0">
+                  <a:spAutoFit/>
+                </a:bodyPr>
+                <a:lstStyle/>
+                <a:p>
+                  <a:pPr/>
+                  <a14:m>
+                    <m:oMathPara xmlns:m="http://schemas.openxmlformats.org/officeDocument/2006/math">
+                      <m:oMathParaPr>
+                        <m:jc m:val="centerGroup"/>
+                      </m:oMathParaPr>
+                      <m:oMath xmlns:m="http://schemas.openxmlformats.org/officeDocument/2006/math">
+                        <m:r>
+                          <a:rPr lang="en-US" sz="2000" b="0" i="1" smtClean="0">
+                            <a:latin typeface="Cambria Math" panose="02040503050406030204" pitchFamily="18" charset="0"/>
+                            <a:cs typeface="Arial" panose="020B0604020202020204" pitchFamily="34" charset="0"/>
+                          </a:rPr>
+                          <m:t>𝑅</m:t>
+                        </m:r>
+                      </m:oMath>
+                    </m:oMathPara>
+                  </a14:m>
+                  <a:endParaRPr lang="en-US" sz="2000" dirty="0" smtClean="0">
+                    <a:latin typeface="Arial" panose="020B0604020202020204" pitchFamily="34" charset="0"/>
+                    <a:cs typeface="Arial" panose="020B0604020202020204" pitchFamily="34" charset="0"/>
+                  </a:endParaRPr>
+                </a:p>
+              </p:txBody>
+            </p:sp>
+          </mc:Choice>
+          <mc:Fallback>
+            <p:sp>
+              <p:nvSpPr>
+                <p:cNvPr id="37" name="TextBox 36"/>
+                <p:cNvSpPr txBox="1">
+                  <a:spLocks noRot="1" noChangeAspect="1" noMove="1" noResize="1" noEditPoints="1" noAdjustHandles="1" noChangeArrowheads="1" noChangeShapeType="1" noTextEdit="1"/>
+                </p:cNvSpPr>
+                <p:nvPr/>
+              </p:nvSpPr>
+              <p:spPr>
+                <a:xfrm>
+                  <a:off x="9203857" y="3631094"/>
+                  <a:ext cx="241541" cy="307777"/>
+                </a:xfrm>
+                <a:prstGeom prst="rect">
+                  <a:avLst/>
+                </a:prstGeom>
+                <a:blipFill>
+                  <a:blip r:embed="rId11"/>
+                  <a:stretch>
+                    <a:fillRect l="-23077" r="-20513" b="-10000"/>
+                  </a:stretch>
+                </a:blipFill>
+              </p:spPr>
+              <p:txBody>
+                <a:bodyPr/>
+                <a:lstStyle/>
+                <a:p>
+                  <a:r>
+                    <a:rPr lang="en-US">
+                      <a:noFill/>
+                    </a:rPr>
+                    <a:t> </a:t>
+                  </a:r>
+                </a:p>
+              </p:txBody>
+            </p:sp>
+          </mc:Fallback>
+        </mc:AlternateContent>
+        <p:cxnSp>
+          <p:nvCxnSpPr>
+            <p:cNvPr id="56" name="Straight Connector 55"/>
+            <p:cNvCxnSpPr/>
+            <p:nvPr/>
+          </p:nvCxnSpPr>
+          <p:spPr>
+            <a:xfrm flipV="1">
+              <a:off x="9766627" y="2286011"/>
+              <a:ext cx="1673" cy="1156481"/>
+            </a:xfrm>
+            <a:prstGeom prst="line">
+              <a:avLst/>
+            </a:prstGeom>
+            <a:ln w="38100">
+              <a:solidFill>
+                <a:schemeClr val="tx1"/>
+              </a:solidFill>
+              <a:prstDash val="sysDot"/>
+            </a:ln>
+          </p:spPr>
+          <p:style>
+            <a:lnRef idx="1">
+              <a:schemeClr val="accent1"/>
+            </a:lnRef>
+            <a:fillRef idx="0">
+              <a:schemeClr val="accent1"/>
+            </a:fillRef>
+            <a:effectRef idx="0">
+              <a:schemeClr val="accent1"/>
+            </a:effectRef>
+            <a:fontRef idx="minor">
+              <a:schemeClr val="tx1"/>
+            </a:fontRef>
+          </p:style>
+        </p:cxnSp>
+        <mc:AlternateContent xmlns:mc="http://schemas.openxmlformats.org/markup-compatibility/2006">
+          <mc:Choice xmlns:a14="http://schemas.microsoft.com/office/drawing/2010/main" Requires="a14">
+            <p:sp>
+              <p:nvSpPr>
+                <p:cNvPr id="58" name="TextBox 57"/>
+                <p:cNvSpPr txBox="1"/>
+                <p:nvPr/>
+              </p:nvSpPr>
+              <p:spPr>
+                <a:xfrm>
+                  <a:off x="9936883" y="2506831"/>
+                  <a:ext cx="219483" cy="307777"/>
+                </a:xfrm>
+                <a:prstGeom prst="rect">
+                  <a:avLst/>
+                </a:prstGeom>
+                <a:noFill/>
+              </p:spPr>
+              <p:txBody>
+                <a:bodyPr wrap="none" lIns="0" tIns="0" rIns="0" bIns="0" rtlCol="0">
+                  <a:spAutoFit/>
+                </a:bodyPr>
+                <a:lstStyle/>
+                <a:p>
+                  <a14:m>
+                    <m:oMathPara xmlns:m="http://schemas.openxmlformats.org/officeDocument/2006/math">
+                      <m:oMathParaPr>
+                        <m:jc m:val="centerGroup"/>
+                      </m:oMathParaPr>
+                      <m:oMath xmlns:m="http://schemas.openxmlformats.org/officeDocument/2006/math">
+                        <m:r>
+                          <a:rPr lang="en-US" sz="2000" b="0" i="1" smtClean="0">
+                            <a:latin typeface="Cambria Math" panose="02040503050406030204" pitchFamily="18" charset="0"/>
+                            <a:cs typeface="Arial" panose="020B0604020202020204" pitchFamily="34" charset="0"/>
+                          </a:rPr>
+                          <m:t>𝑎</m:t>
+                        </m:r>
+                      </m:oMath>
+                    </m:oMathPara>
+                  </a14:m>
+                  <a:endParaRPr lang="en-US" sz="2000" dirty="0" smtClean="0">
+                    <a:latin typeface="Arial" panose="020B0604020202020204" pitchFamily="34" charset="0"/>
+                    <a:cs typeface="Arial" panose="020B0604020202020204" pitchFamily="34" charset="0"/>
+                  </a:endParaRPr>
+                </a:p>
+              </p:txBody>
+            </p:sp>
+          </mc:Choice>
+          <mc:Fallback>
+            <p:sp>
+              <p:nvSpPr>
+                <p:cNvPr id="58" name="TextBox 57"/>
+                <p:cNvSpPr txBox="1">
+                  <a:spLocks noRot="1" noChangeAspect="1" noMove="1" noResize="1" noEditPoints="1" noAdjustHandles="1" noChangeArrowheads="1" noChangeShapeType="1" noTextEdit="1"/>
+                </p:cNvSpPr>
+                <p:nvPr/>
+              </p:nvSpPr>
+              <p:spPr>
+                <a:xfrm>
+                  <a:off x="9936883" y="2506831"/>
+                  <a:ext cx="219483" cy="307777"/>
+                </a:xfrm>
+                <a:prstGeom prst="rect">
+                  <a:avLst/>
+                </a:prstGeom>
+                <a:blipFill>
+                  <a:blip r:embed="rId12"/>
+                  <a:stretch>
+                    <a:fillRect l="-13889" r="-8333" b="-1961"/>
+                  </a:stretch>
+                </a:blipFill>
+              </p:spPr>
+              <p:txBody>
+                <a:bodyPr/>
+                <a:lstStyle/>
+                <a:p>
+                  <a:r>
+                    <a:rPr lang="en-US">
+                      <a:noFill/>
+                    </a:rPr>
+                    <a:t> </a:t>
+                  </a:r>
+                </a:p>
+              </p:txBody>
+            </p:sp>
+          </mc:Fallback>
+        </mc:AlternateContent>
+        <mc:AlternateContent xmlns:mc="http://schemas.openxmlformats.org/markup-compatibility/2006">
+          <mc:Choice xmlns:a14="http://schemas.microsoft.com/office/drawing/2010/main" Requires="a14">
+            <p:sp>
+              <p:nvSpPr>
+                <p:cNvPr id="59" name="TextBox 58"/>
+                <p:cNvSpPr txBox="1"/>
+                <p:nvPr/>
+              </p:nvSpPr>
+              <p:spPr>
+                <a:xfrm>
+                  <a:off x="8441217" y="3208673"/>
+                  <a:ext cx="365228" cy="307777"/>
+                </a:xfrm>
+                <a:prstGeom prst="rect">
+                  <a:avLst/>
+                </a:prstGeom>
+                <a:noFill/>
+              </p:spPr>
+              <p:txBody>
+                <a:bodyPr wrap="none" lIns="0" tIns="0" rIns="0" bIns="0" rtlCol="0">
+                  <a:spAutoFit/>
+                </a:bodyPr>
+                <a:lstStyle/>
+                <a:p>
+                  <a14:m>
+                    <m:oMathPara xmlns:m="http://schemas.openxmlformats.org/officeDocument/2006/math">
+                      <m:oMathParaPr>
+                        <m:jc m:val="centerGroup"/>
+                      </m:oMathParaPr>
+                      <m:oMath xmlns:m="http://schemas.openxmlformats.org/officeDocument/2006/math">
+                        <m:r>
+                          <a:rPr lang="en-US" sz="2000" b="0" i="1" smtClean="0">
+                            <a:solidFill>
+                              <a:srgbClr val="FF0000"/>
+                            </a:solidFill>
+                            <a:latin typeface="Cambria Math" panose="02040503050406030204" pitchFamily="18" charset="0"/>
+                            <a:cs typeface="Arial" panose="020B0604020202020204" pitchFamily="34" charset="0"/>
+                          </a:rPr>
+                          <m:t>𝑑𝑞</m:t>
+                        </m:r>
+                      </m:oMath>
+                    </m:oMathPara>
+                  </a14:m>
+                  <a:endParaRPr lang="en-US" sz="2000" dirty="0" smtClean="0">
+                    <a:solidFill>
+                      <a:srgbClr val="FF0000"/>
+                    </a:solidFill>
+                    <a:latin typeface="Arial" panose="020B0604020202020204" pitchFamily="34" charset="0"/>
+                    <a:cs typeface="Arial" panose="020B0604020202020204" pitchFamily="34" charset="0"/>
+                  </a:endParaRPr>
+                </a:p>
+              </p:txBody>
+            </p:sp>
+          </mc:Choice>
+          <mc:Fallback>
+            <p:sp>
+              <p:nvSpPr>
+                <p:cNvPr id="59" name="TextBox 58"/>
+                <p:cNvSpPr txBox="1">
+                  <a:spLocks noRot="1" noChangeAspect="1" noMove="1" noResize="1" noEditPoints="1" noAdjustHandles="1" noChangeArrowheads="1" noChangeShapeType="1" noTextEdit="1"/>
+                </p:cNvSpPr>
+                <p:nvPr/>
+              </p:nvSpPr>
+              <p:spPr>
+                <a:xfrm>
+                  <a:off x="8441217" y="3208673"/>
+                  <a:ext cx="365228" cy="307777"/>
+                </a:xfrm>
+                <a:prstGeom prst="rect">
+                  <a:avLst/>
+                </a:prstGeom>
+                <a:blipFill>
+                  <a:blip r:embed="rId13"/>
+                  <a:stretch>
+                    <a:fillRect l="-23333" r="-20000" b="-37255"/>
+                  </a:stretch>
+                </a:blipFill>
+              </p:spPr>
+              <p:txBody>
+                <a:bodyPr/>
+                <a:lstStyle/>
+                <a:p>
+                  <a:r>
+                    <a:rPr lang="en-US">
+                      <a:noFill/>
+                    </a:rPr>
+                    <a:t> </a:t>
+                  </a:r>
+                </a:p>
+              </p:txBody>
+            </p:sp>
+          </mc:Fallback>
+        </mc:AlternateContent>
+        <mc:AlternateContent xmlns:mc="http://schemas.openxmlformats.org/markup-compatibility/2006">
+          <mc:Choice xmlns:a14="http://schemas.microsoft.com/office/drawing/2010/main" Requires="a14">
+            <p:sp>
+              <p:nvSpPr>
+                <p:cNvPr id="65" name="TextBox 64"/>
+                <p:cNvSpPr txBox="1"/>
+                <p:nvPr/>
+              </p:nvSpPr>
+              <p:spPr>
+                <a:xfrm>
+                  <a:off x="10073772" y="3167651"/>
+                  <a:ext cx="198003" cy="307777"/>
+                </a:xfrm>
+                <a:prstGeom prst="rect">
+                  <a:avLst/>
+                </a:prstGeom>
+                <a:noFill/>
+              </p:spPr>
+              <p:txBody>
+                <a:bodyPr wrap="none" lIns="0" tIns="0" rIns="0" bIns="0" rtlCol="0">
+                  <a:spAutoFit/>
+                </a:bodyPr>
+                <a:lstStyle/>
+                <a:p>
+                  <a:pPr/>
+                  <a14:m>
+                    <m:oMathPara xmlns:m="http://schemas.openxmlformats.org/officeDocument/2006/math">
+                      <m:oMathParaPr>
+                        <m:jc m:val="centerGroup"/>
+                      </m:oMathParaPr>
+                      <m:oMath xmlns:m="http://schemas.openxmlformats.org/officeDocument/2006/math">
+                        <m:r>
+                          <a:rPr lang="en-US" sz="2000" b="0" i="1" smtClean="0">
+                            <a:latin typeface="Cambria Math" panose="02040503050406030204" pitchFamily="18" charset="0"/>
+                            <a:cs typeface="Arial" panose="020B0604020202020204" pitchFamily="34" charset="0"/>
+                          </a:rPr>
+                          <m:t>𝑟</m:t>
+                        </m:r>
+                      </m:oMath>
+                    </m:oMathPara>
+                  </a14:m>
+                  <a:endParaRPr lang="en-US" sz="2000" dirty="0" smtClean="0">
+                    <a:latin typeface="Arial" panose="020B0604020202020204" pitchFamily="34" charset="0"/>
+                    <a:cs typeface="Arial" panose="020B0604020202020204" pitchFamily="34" charset="0"/>
+                  </a:endParaRPr>
+                </a:p>
+              </p:txBody>
+            </p:sp>
+          </mc:Choice>
+          <mc:Fallback>
+            <p:sp>
+              <p:nvSpPr>
+                <p:cNvPr id="65" name="TextBox 64"/>
+                <p:cNvSpPr txBox="1">
+                  <a:spLocks noRot="1" noChangeAspect="1" noMove="1" noResize="1" noEditPoints="1" noAdjustHandles="1" noChangeArrowheads="1" noChangeShapeType="1" noTextEdit="1"/>
+                </p:cNvSpPr>
+                <p:nvPr/>
+              </p:nvSpPr>
+              <p:spPr>
+                <a:xfrm>
+                  <a:off x="10073772" y="3167651"/>
+                  <a:ext cx="198003" cy="307777"/>
+                </a:xfrm>
+                <a:prstGeom prst="rect">
+                  <a:avLst/>
+                </a:prstGeom>
+                <a:blipFill>
+                  <a:blip r:embed="rId14"/>
+                  <a:stretch>
+                    <a:fillRect l="-12121" r="-12121" b="-2000"/>
+                  </a:stretch>
+                </a:blipFill>
+              </p:spPr>
+              <p:txBody>
+                <a:bodyPr/>
+                <a:lstStyle/>
+                <a:p>
+                  <a:r>
+                    <a:rPr lang="en-US">
+                      <a:noFill/>
+                    </a:rPr>
+                    <a:t> </a:t>
+                  </a:r>
+                </a:p>
+              </p:txBody>
+            </p:sp>
+          </mc:Fallback>
+        </mc:AlternateContent>
+        <p:cxnSp>
+          <p:nvCxnSpPr>
+            <p:cNvPr id="66" name="Straight Arrow Connector 65"/>
+            <p:cNvCxnSpPr/>
+            <p:nvPr/>
+          </p:nvCxnSpPr>
+          <p:spPr>
+            <a:xfrm flipV="1">
+              <a:off x="9766471" y="1690206"/>
+              <a:ext cx="156" cy="586795"/>
+            </a:xfrm>
+            <a:prstGeom prst="straightConnector1">
+              <a:avLst/>
+            </a:prstGeom>
+            <a:ln w="57150">
+              <a:solidFill>
+                <a:srgbClr val="FF0000"/>
+              </a:solidFill>
+              <a:tailEnd type="triangle"/>
+            </a:ln>
+          </p:spPr>
+          <p:style>
+            <a:lnRef idx="1">
+              <a:schemeClr val="accent1"/>
+            </a:lnRef>
+            <a:fillRef idx="0">
+              <a:schemeClr val="accent1"/>
+            </a:fillRef>
+            <a:effectRef idx="0">
+              <a:schemeClr val="accent1"/>
+            </a:effectRef>
+            <a:fontRef idx="minor">
+              <a:schemeClr val="tx1"/>
+            </a:fontRef>
+          </p:style>
+        </p:cxnSp>
+        <mc:AlternateContent xmlns:mc="http://schemas.openxmlformats.org/markup-compatibility/2006">
+          <mc:Choice xmlns:a14="http://schemas.microsoft.com/office/drawing/2010/main" Requires="a14">
+            <p:sp>
+              <p:nvSpPr>
+                <p:cNvPr id="67" name="Rectangle 66"/>
+                <p:cNvSpPr/>
+                <p:nvPr/>
+              </p:nvSpPr>
+              <p:spPr>
+                <a:xfrm>
+                  <a:off x="9096394" y="1681447"/>
+                  <a:ext cx="531235" cy="402931"/>
+                </a:xfrm>
+                <a:prstGeom prst="rect">
+                  <a:avLst/>
+                </a:prstGeom>
+              </p:spPr>
+              <p:txBody>
+                <a:bodyPr wrap="none">
+                  <a:spAutoFit/>
+                </a:bodyPr>
+                <a:lstStyle/>
+                <a:p>
+                  <a:pPr/>
+                  <a14:m>
+                    <m:oMathPara xmlns:m="http://schemas.openxmlformats.org/officeDocument/2006/math">
+                      <m:oMathParaPr>
+                        <m:jc m:val="centerGroup"/>
+                      </m:oMathParaPr>
+                      <m:oMath xmlns:m="http://schemas.openxmlformats.org/officeDocument/2006/math">
+                        <m:r>
+                          <a:rPr lang="en-US" i="1" smtClean="0">
+                            <a:solidFill>
+                              <a:srgbClr val="FF0000"/>
+                            </a:solidFill>
+                            <a:latin typeface="Cambria Math" panose="02040503050406030204" pitchFamily="18" charset="0"/>
+                            <a:cs typeface="Arial" panose="020B0604020202020204" pitchFamily="34" charset="0"/>
+                          </a:rPr>
+                          <m:t>𝑑</m:t>
+                        </m:r>
+                        <m:acc>
+                          <m:accPr>
+                            <m:chr m:val="⃗"/>
+                            <m:ctrlPr>
+                              <a:rPr lang="en-US" b="0" i="1" smtClean="0">
+                                <a:solidFill>
+                                  <a:srgbClr val="FF0000"/>
+                                </a:solidFill>
+                                <a:latin typeface="Cambria Math" panose="02040503050406030204" pitchFamily="18" charset="0"/>
+                                <a:cs typeface="Arial" panose="020B0604020202020204" pitchFamily="34" charset="0"/>
+                              </a:rPr>
+                            </m:ctrlPr>
+                          </m:accPr>
+                          <m:e>
+                            <m:r>
+                              <a:rPr lang="en-US" i="1" smtClean="0">
+                                <a:solidFill>
+                                  <a:srgbClr val="FF0000"/>
+                                </a:solidFill>
+                                <a:latin typeface="Cambria Math" panose="02040503050406030204" pitchFamily="18" charset="0"/>
+                                <a:cs typeface="Arial" panose="020B0604020202020204" pitchFamily="34" charset="0"/>
+                              </a:rPr>
+                              <m:t>𝐸</m:t>
+                            </m:r>
+                          </m:e>
+                        </m:acc>
+                      </m:oMath>
+                    </m:oMathPara>
+                  </a14:m>
+                  <a:endParaRPr lang="en-CA" dirty="0"/>
+                </a:p>
+              </p:txBody>
+            </p:sp>
+          </mc:Choice>
+          <mc:Fallback>
+            <p:sp>
+              <p:nvSpPr>
+                <p:cNvPr id="67" name="Rectangle 66"/>
+                <p:cNvSpPr>
+                  <a:spLocks noRot="1" noChangeAspect="1" noMove="1" noResize="1" noEditPoints="1" noAdjustHandles="1" noChangeArrowheads="1" noChangeShapeType="1" noTextEdit="1"/>
+                </p:cNvSpPr>
+                <p:nvPr/>
+              </p:nvSpPr>
+              <p:spPr>
+                <a:xfrm>
+                  <a:off x="9096394" y="1681447"/>
+                  <a:ext cx="531235" cy="402931"/>
+                </a:xfrm>
+                <a:prstGeom prst="rect">
+                  <a:avLst/>
+                </a:prstGeom>
+                <a:blipFill>
+                  <a:blip r:embed="rId15"/>
+                  <a:stretch>
+                    <a:fillRect/>
+                  </a:stretch>
+                </a:blipFill>
+              </p:spPr>
+              <p:txBody>
+                <a:bodyPr/>
+                <a:lstStyle/>
+                <a:p>
+                  <a:r>
+                    <a:rPr lang="en-US">
+                      <a:noFill/>
+                    </a:rPr>
+                    <a:t> </a:t>
+                  </a:r>
+                </a:p>
+              </p:txBody>
+            </p:sp>
+          </mc:Fallback>
+        </mc:AlternateContent>
+        <p:cxnSp>
+          <p:nvCxnSpPr>
+            <p:cNvPr id="69" name="Straight Connector 68"/>
+            <p:cNvCxnSpPr/>
+            <p:nvPr/>
+          </p:nvCxnSpPr>
+          <p:spPr>
+            <a:xfrm flipV="1">
+              <a:off x="8896797" y="3436708"/>
+              <a:ext cx="855663" cy="397806"/>
+            </a:xfrm>
+            <a:prstGeom prst="line">
+              <a:avLst/>
+            </a:prstGeom>
+            <a:ln w="28575">
+              <a:solidFill>
+                <a:schemeClr val="tx1"/>
+              </a:solidFill>
+              <a:prstDash val="sysDot"/>
+            </a:ln>
+          </p:spPr>
+          <p:style>
+            <a:lnRef idx="1">
+              <a:schemeClr val="accent1"/>
+            </a:lnRef>
+            <a:fillRef idx="0">
+              <a:schemeClr val="accent1"/>
+            </a:fillRef>
+            <a:effectRef idx="0">
+              <a:schemeClr val="accent1"/>
+            </a:effectRef>
+            <a:fontRef idx="minor">
+              <a:schemeClr val="tx1"/>
+            </a:fontRef>
+          </p:style>
+        </p:cxnSp>
+        <mc:AlternateContent xmlns:mc="http://schemas.openxmlformats.org/markup-compatibility/2006">
+          <mc:Choice xmlns:a14="http://schemas.microsoft.com/office/drawing/2010/main" Requires="a14">
+            <p:sp>
+              <p:nvSpPr>
+                <p:cNvPr id="71" name="TextBox 70"/>
+                <p:cNvSpPr txBox="1"/>
+                <p:nvPr/>
+              </p:nvSpPr>
+              <p:spPr>
+                <a:xfrm>
+                  <a:off x="10877576" y="3282819"/>
+                  <a:ext cx="227498" cy="307777"/>
+                </a:xfrm>
+                <a:prstGeom prst="rect">
+                  <a:avLst/>
+                </a:prstGeom>
+                <a:noFill/>
+              </p:spPr>
+              <p:txBody>
+                <a:bodyPr wrap="none" lIns="0" tIns="0" rIns="0" bIns="0" rtlCol="0">
+                  <a:spAutoFit/>
+                </a:bodyPr>
+                <a:lstStyle/>
+                <a:p>
+                  <a14:m>
+                    <m:oMathPara xmlns:m="http://schemas.openxmlformats.org/officeDocument/2006/math">
+                      <m:oMathParaPr>
+                        <m:jc m:val="centerGroup"/>
+                      </m:oMathParaPr>
+                      <m:oMath xmlns:m="http://schemas.openxmlformats.org/officeDocument/2006/math">
+                        <m:r>
+                          <a:rPr lang="en-US" sz="2000" b="0" i="1" smtClean="0">
+                            <a:latin typeface="Cambria Math" panose="02040503050406030204" pitchFamily="18" charset="0"/>
+                            <a:cs typeface="Arial" panose="020B0604020202020204" pitchFamily="34" charset="0"/>
+                          </a:rPr>
+                          <m:t>𝜎</m:t>
+                        </m:r>
+                      </m:oMath>
+                    </m:oMathPara>
+                  </a14:m>
+                  <a:endParaRPr lang="en-US" sz="2000" dirty="0" smtClean="0">
+                    <a:latin typeface="Arial" panose="020B0604020202020204" pitchFamily="34" charset="0"/>
+                    <a:cs typeface="Arial" panose="020B0604020202020204" pitchFamily="34" charset="0"/>
+                  </a:endParaRPr>
+                </a:p>
+              </p:txBody>
+            </p:sp>
+          </mc:Choice>
+          <mc:Fallback>
+            <p:sp>
+              <p:nvSpPr>
+                <p:cNvPr id="71" name="TextBox 70"/>
+                <p:cNvSpPr txBox="1">
+                  <a:spLocks noRot="1" noChangeAspect="1" noMove="1" noResize="1" noEditPoints="1" noAdjustHandles="1" noChangeArrowheads="1" noChangeShapeType="1" noTextEdit="1"/>
+                </p:cNvSpPr>
+                <p:nvPr/>
+              </p:nvSpPr>
+              <p:spPr>
+                <a:xfrm>
+                  <a:off x="10877576" y="3282819"/>
+                  <a:ext cx="227498" cy="307777"/>
+                </a:xfrm>
+                <a:prstGeom prst="rect">
+                  <a:avLst/>
+                </a:prstGeom>
+                <a:blipFill>
+                  <a:blip r:embed="rId16"/>
+                  <a:stretch>
+                    <a:fillRect l="-10526" r="-10526" b="-1961"/>
+                  </a:stretch>
+                </a:blipFill>
+              </p:spPr>
+              <p:txBody>
+                <a:bodyPr/>
+                <a:lstStyle/>
+                <a:p>
+                  <a:r>
+                    <a:rPr lang="en-US">
+                      <a:noFill/>
+                    </a:rPr>
+                    <a:t> </a:t>
+                  </a:r>
+                </a:p>
+              </p:txBody>
+            </p:sp>
+          </mc:Fallback>
+        </mc:AlternateContent>
+        <p:grpSp>
+          <p:nvGrpSpPr>
+            <p:cNvPr id="72" name="Group 71"/>
+            <p:cNvGrpSpPr/>
+            <p:nvPr/>
+          </p:nvGrpSpPr>
+          <p:grpSpPr>
+            <a:xfrm>
+              <a:off x="8111299" y="3936181"/>
+              <a:ext cx="888156" cy="709995"/>
+              <a:chOff x="758520" y="708040"/>
+              <a:chExt cx="2565390" cy="2135605"/>
+            </a:xfrm>
+          </p:grpSpPr>
+          <p:grpSp>
+            <p:nvGrpSpPr>
+              <p:cNvPr id="73" name="Group 72"/>
+              <p:cNvGrpSpPr/>
+              <p:nvPr/>
+            </p:nvGrpSpPr>
+            <p:grpSpPr>
+              <a:xfrm>
+                <a:off x="758520" y="708040"/>
+                <a:ext cx="2565390" cy="2135605"/>
+                <a:chOff x="785815" y="680744"/>
+                <a:chExt cx="2565390" cy="2135605"/>
+              </a:xfrm>
+            </p:grpSpPr>
+            <p:cxnSp>
+              <p:nvCxnSpPr>
+                <p:cNvPr id="75" name="Straight Arrow Connector 74"/>
+                <p:cNvCxnSpPr/>
+                <p:nvPr/>
+              </p:nvCxnSpPr>
+              <p:spPr>
+                <a:xfrm flipV="1">
+                  <a:off x="1516583" y="680744"/>
+                  <a:ext cx="7683" cy="1859535"/>
+                </a:xfrm>
+                <a:prstGeom prst="straightConnector1">
+                  <a:avLst/>
+                </a:prstGeom>
+                <a:ln w="38100">
+                  <a:solidFill>
+                    <a:schemeClr val="tx1"/>
+                  </a:solidFill>
+                  <a:tailEnd type="triangle"/>
+                </a:ln>
+              </p:spPr>
+              <p:style>
+                <a:lnRef idx="1">
+                  <a:schemeClr val="accent1"/>
+                </a:lnRef>
+                <a:fillRef idx="0">
+                  <a:schemeClr val="accent1"/>
+                </a:fillRef>
+                <a:effectRef idx="0">
+                  <a:schemeClr val="accent1"/>
+                </a:effectRef>
+                <a:fontRef idx="minor">
+                  <a:schemeClr val="tx1"/>
+                </a:fontRef>
+              </p:style>
+            </p:cxnSp>
+            <p:cxnSp>
+              <p:nvCxnSpPr>
+                <p:cNvPr id="76" name="Straight Arrow Connector 75"/>
+                <p:cNvCxnSpPr/>
+                <p:nvPr/>
+              </p:nvCxnSpPr>
+              <p:spPr>
+                <a:xfrm flipV="1">
+                  <a:off x="1476301" y="2503276"/>
+                  <a:ext cx="1874904" cy="0"/>
+                </a:xfrm>
+                <a:prstGeom prst="straightConnector1">
+                  <a:avLst/>
+                </a:prstGeom>
+                <a:ln w="38100">
+                  <a:solidFill>
+                    <a:schemeClr val="tx1"/>
+                  </a:solidFill>
+                  <a:tailEnd type="triangle"/>
+                </a:ln>
+              </p:spPr>
+              <p:style>
+                <a:lnRef idx="1">
+                  <a:schemeClr val="accent1"/>
+                </a:lnRef>
+                <a:fillRef idx="0">
+                  <a:schemeClr val="accent1"/>
+                </a:fillRef>
+                <a:effectRef idx="0">
+                  <a:schemeClr val="accent1"/>
+                </a:effectRef>
+                <a:fontRef idx="minor">
+                  <a:schemeClr val="tx1"/>
+                </a:fontRef>
+              </p:style>
+            </p:cxnSp>
+            <mc:AlternateContent xmlns:mc="http://schemas.openxmlformats.org/markup-compatibility/2006" xmlns:a14="http://schemas.microsoft.com/office/drawing/2010/main">
+              <mc:Choice Requires="a14">
+                <p:sp>
+                  <p:nvSpPr>
+                    <p:cNvPr id="77" name="Rectangle 76"/>
+                    <p:cNvSpPr/>
+                    <p:nvPr/>
+                  </p:nvSpPr>
+                  <p:spPr>
+                    <a:xfrm>
+                      <a:off x="2697555" y="2447016"/>
+                      <a:ext cx="367985" cy="369333"/>
+                    </a:xfrm>
+                    <a:prstGeom prst="rect">
+                      <a:avLst/>
+                    </a:prstGeom>
+                  </p:spPr>
+                  <p:txBody>
+                    <a:bodyPr wrap="none">
+                      <a:spAutoFit/>
+                    </a:bodyPr>
+                    <a:lstStyle/>
+                    <a:p>
+                      <a:pPr/>
+                      <a14:m>
+                        <m:oMathPara xmlns:m="http://schemas.openxmlformats.org/officeDocument/2006/math">
+                          <m:oMathParaPr>
+                            <m:jc m:val="centerGroup"/>
+                          </m:oMathParaPr>
+                          <m:oMath xmlns:m="http://schemas.openxmlformats.org/officeDocument/2006/math">
+                            <m:r>
+                              <a:rPr lang="en-US" i="1">
+                                <a:latin typeface="Cambria Math" panose="02040503050406030204" pitchFamily="18" charset="0"/>
+                                <a:cs typeface="Arial" panose="020B0604020202020204" pitchFamily="34" charset="0"/>
+                              </a:rPr>
+                              <m:t>𝑥</m:t>
+                            </m:r>
+                          </m:oMath>
+                        </m:oMathPara>
+                      </a14:m>
+                      <a:endParaRPr lang="en-CA" dirty="0"/>
+                    </a:p>
+                  </p:txBody>
+                </p:sp>
+              </mc:Choice>
+              <mc:Fallback xmlns="">
+                <p:sp>
+                  <p:nvSpPr>
+                    <p:cNvPr id="107" name="Rectangle 106"/>
+                    <p:cNvSpPr>
+                      <a:spLocks noRot="1" noChangeAspect="1" noMove="1" noResize="1" noEditPoints="1" noAdjustHandles="1" noChangeArrowheads="1" noChangeShapeType="1" noTextEdit="1"/>
+                    </p:cNvSpPr>
+                    <p:nvPr/>
+                  </p:nvSpPr>
+                  <p:spPr>
+                    <a:xfrm>
+                      <a:off x="2697555" y="2447016"/>
+                      <a:ext cx="367985" cy="369333"/>
+                    </a:xfrm>
+                    <a:prstGeom prst="rect">
+                      <a:avLst/>
+                    </a:prstGeom>
+                    <a:blipFill>
+                      <a:blip r:embed="rId27"/>
+                      <a:stretch>
+                        <a:fillRect r="-95238" b="-160000"/>
+                      </a:stretch>
+                    </a:blipFill>
+                  </p:spPr>
+                  <p:txBody>
+                    <a:bodyPr/>
+                    <a:lstStyle/>
+                    <a:p>
+                      <a:r>
+                        <a:rPr lang="en-US">
+                          <a:noFill/>
+                        </a:rPr>
+                        <a:t> </a:t>
+                      </a:r>
+                    </a:p>
+                  </p:txBody>
+                </p:sp>
+              </mc:Fallback>
+            </mc:AlternateContent>
+            <mc:AlternateContent xmlns:mc="http://schemas.openxmlformats.org/markup-compatibility/2006">
+              <mc:Choice xmlns:a14="http://schemas.microsoft.com/office/drawing/2010/main" Requires="a14">
+                <p:sp>
+                  <p:nvSpPr>
+                    <p:cNvPr id="78" name="Rectangle 77"/>
+                    <p:cNvSpPr/>
+                    <p:nvPr/>
+                  </p:nvSpPr>
+                  <p:spPr>
+                    <a:xfrm>
+                      <a:off x="785815" y="912420"/>
+                      <a:ext cx="1021790" cy="1110919"/>
+                    </a:xfrm>
+                    <a:prstGeom prst="rect">
+                      <a:avLst/>
+                    </a:prstGeom>
+                  </p:spPr>
+                  <p:txBody>
+                    <a:bodyPr wrap="none">
+                      <a:spAutoFit/>
+                    </a:bodyPr>
+                    <a:lstStyle/>
+                    <a:p>
+                      <a:pPr/>
+                      <a14:m>
+                        <m:oMathPara xmlns:m="http://schemas.openxmlformats.org/officeDocument/2006/math">
+                          <m:oMathParaPr>
+                            <m:jc m:val="centerGroup"/>
+                          </m:oMathParaPr>
+                          <m:oMath xmlns:m="http://schemas.openxmlformats.org/officeDocument/2006/math">
+                            <m:r>
+                              <a:rPr lang="en-US" b="0" i="1" smtClean="0">
+                                <a:latin typeface="Cambria Math" panose="02040503050406030204" pitchFamily="18" charset="0"/>
+                              </a:rPr>
+                              <m:t>𝑧</m:t>
+                            </m:r>
+                          </m:oMath>
+                        </m:oMathPara>
+                      </a14:m>
+                      <a:endParaRPr lang="en-CA" dirty="0"/>
+                    </a:p>
+                  </p:txBody>
+                </p:sp>
+              </mc:Choice>
+              <mc:Fallback>
+                <p:sp>
+                  <p:nvSpPr>
+                    <p:cNvPr id="78" name="Rectangle 77"/>
+                    <p:cNvSpPr>
+                      <a:spLocks noRot="1" noChangeAspect="1" noMove="1" noResize="1" noEditPoints="1" noAdjustHandles="1" noChangeArrowheads="1" noChangeShapeType="1" noTextEdit="1"/>
+                    </p:cNvSpPr>
+                    <p:nvPr/>
+                  </p:nvSpPr>
+                  <p:spPr>
+                    <a:xfrm>
+                      <a:off x="785815" y="912420"/>
+                      <a:ext cx="1021790" cy="1110919"/>
+                    </a:xfrm>
+                    <a:prstGeom prst="rect">
+                      <a:avLst/>
+                    </a:prstGeom>
+                    <a:blipFill>
+                      <a:blip r:embed="rId28"/>
+                      <a:stretch>
+                        <a:fillRect/>
+                      </a:stretch>
+                    </a:blipFill>
+                  </p:spPr>
+                  <p:txBody>
+                    <a:bodyPr/>
+                    <a:lstStyle/>
+                    <a:p>
+                      <a:r>
+                        <a:rPr lang="en-US">
+                          <a:noFill/>
+                        </a:rPr>
+                        <a:t> </a:t>
+                      </a:r>
+                    </a:p>
+                  </p:txBody>
+                </p:sp>
+              </mc:Fallback>
+            </mc:AlternateContent>
+            <mc:AlternateContent xmlns:mc="http://schemas.openxmlformats.org/markup-compatibility/2006" xmlns:a14="http://schemas.microsoft.com/office/drawing/2010/main">
+              <mc:Choice Requires="a14">
+                <p:sp>
+                  <p:nvSpPr>
+                    <p:cNvPr id="79" name="Rectangle 78"/>
+                    <p:cNvSpPr/>
+                    <p:nvPr/>
+                  </p:nvSpPr>
+                  <p:spPr>
+                    <a:xfrm>
+                      <a:off x="1006642" y="2350591"/>
+                      <a:ext cx="367985" cy="369333"/>
+                    </a:xfrm>
+                    <a:prstGeom prst="rect">
+                      <a:avLst/>
+                    </a:prstGeom>
+                  </p:spPr>
+                  <p:txBody>
+                    <a:bodyPr wrap="none">
+                      <a:spAutoFit/>
+                    </a:bodyPr>
+                    <a:lstStyle/>
+                    <a:p>
+                      <a:pPr/>
+                      <a14:m>
+                        <m:oMathPara xmlns:m="http://schemas.openxmlformats.org/officeDocument/2006/math">
+                          <m:oMathParaPr>
+                            <m:jc m:val="centerGroup"/>
+                          </m:oMathParaPr>
+                          <m:oMath xmlns:m="http://schemas.openxmlformats.org/officeDocument/2006/math">
+                            <m:r>
+                              <a:rPr lang="en-US" b="0" i="1" smtClean="0">
+                                <a:latin typeface="Cambria Math" panose="02040503050406030204" pitchFamily="18" charset="0"/>
+                                <a:cs typeface="Arial" panose="020B0604020202020204" pitchFamily="34" charset="0"/>
+                              </a:rPr>
+                              <m:t>0</m:t>
+                            </m:r>
+                          </m:oMath>
+                        </m:oMathPara>
+                      </a14:m>
+                      <a:endParaRPr lang="en-CA" dirty="0"/>
+                    </a:p>
+                  </p:txBody>
+                </p:sp>
+              </mc:Choice>
+              <mc:Fallback xmlns="">
+                <p:sp>
+                  <p:nvSpPr>
+                    <p:cNvPr id="109" name="Rectangle 108"/>
+                    <p:cNvSpPr>
+                      <a:spLocks noRot="1" noChangeAspect="1" noMove="1" noResize="1" noEditPoints="1" noAdjustHandles="1" noChangeArrowheads="1" noChangeShapeType="1" noTextEdit="1"/>
+                    </p:cNvSpPr>
+                    <p:nvPr/>
+                  </p:nvSpPr>
+                  <p:spPr>
+                    <a:xfrm>
+                      <a:off x="1006642" y="2350591"/>
+                      <a:ext cx="367985" cy="369333"/>
+                    </a:xfrm>
+                    <a:prstGeom prst="rect">
+                      <a:avLst/>
+                    </a:prstGeom>
+                    <a:blipFill>
+                      <a:blip r:embed="rId29"/>
+                      <a:stretch>
+                        <a:fillRect l="-14286" r="-114286" b="-180000"/>
+                      </a:stretch>
+                    </a:blipFill>
+                  </p:spPr>
+                  <p:txBody>
+                    <a:bodyPr/>
+                    <a:lstStyle/>
+                    <a:p>
+                      <a:r>
+                        <a:rPr lang="en-US">
+                          <a:noFill/>
+                        </a:rPr>
+                        <a:t> </a:t>
+                      </a:r>
+                    </a:p>
+                  </p:txBody>
+                </p:sp>
+              </mc:Fallback>
+            </mc:AlternateContent>
+          </p:grpSp>
+          <p:sp>
+            <p:nvSpPr>
+              <p:cNvPr id="74" name="Rectangle 73"/>
+              <p:cNvSpPr/>
+              <p:nvPr/>
+            </p:nvSpPr>
+            <p:spPr>
+              <a:xfrm>
+                <a:off x="1129904" y="1614682"/>
+                <a:ext cx="184731" cy="369332"/>
+              </a:xfrm>
+              <a:prstGeom prst="rect">
+                <a:avLst/>
+              </a:prstGeom>
+            </p:spPr>
+            <p:txBody>
+              <a:bodyPr wrap="none">
+                <a:spAutoFit/>
+              </a:bodyPr>
+              <a:lstStyle/>
+              <a:p>
+                <a:endParaRPr lang="en-CA" dirty="0"/>
+              </a:p>
+            </p:txBody>
+          </p:sp>
+        </p:grpSp>
+        <p:cxnSp>
+          <p:nvCxnSpPr>
+            <p:cNvPr id="81" name="Straight Arrow Connector 80"/>
+            <p:cNvCxnSpPr/>
+            <p:nvPr/>
+          </p:nvCxnSpPr>
+          <p:spPr>
+            <a:xfrm flipV="1">
+              <a:off x="8363645" y="4219934"/>
+              <a:ext cx="361017" cy="315126"/>
+            </a:xfrm>
+            <a:prstGeom prst="straightConnector1">
+              <a:avLst/>
+            </a:prstGeom>
+            <a:ln w="38100">
+              <a:solidFill>
+                <a:schemeClr val="tx1"/>
+              </a:solidFill>
+              <a:prstDash val="sysDot"/>
+              <a:tailEnd type="triangle"/>
+            </a:ln>
+          </p:spPr>
+          <p:style>
+            <a:lnRef idx="1">
+              <a:schemeClr val="accent1"/>
+            </a:lnRef>
+            <a:fillRef idx="0">
+              <a:schemeClr val="accent1"/>
+            </a:fillRef>
+            <a:effectRef idx="0">
+              <a:schemeClr val="accent1"/>
+            </a:effectRef>
+            <a:fontRef idx="minor">
+              <a:schemeClr val="tx1"/>
+            </a:fontRef>
+          </p:style>
+        </p:cxnSp>
+        <mc:AlternateContent xmlns:mc="http://schemas.openxmlformats.org/markup-compatibility/2006">
+          <mc:Choice xmlns:a14="http://schemas.microsoft.com/office/drawing/2010/main" Requires="a14">
+            <p:sp>
+              <p:nvSpPr>
+                <p:cNvPr id="90" name="Rectangle 89"/>
+                <p:cNvSpPr/>
+                <p:nvPr/>
+              </p:nvSpPr>
+              <p:spPr>
+                <a:xfrm>
+                  <a:off x="8625100" y="4039675"/>
+                  <a:ext cx="371384" cy="369332"/>
+                </a:xfrm>
+                <a:prstGeom prst="rect">
+                  <a:avLst/>
+                </a:prstGeom>
+              </p:spPr>
+              <p:txBody>
+                <a:bodyPr wrap="none">
+                  <a:spAutoFit/>
+                </a:bodyPr>
+                <a:lstStyle/>
+                <a:p>
+                  <a:pPr/>
+                  <a14:m>
+                    <m:oMathPara xmlns:m="http://schemas.openxmlformats.org/officeDocument/2006/math">
+                      <m:oMathParaPr>
+                        <m:jc m:val="centerGroup"/>
+                      </m:oMathParaPr>
+                      <m:oMath xmlns:m="http://schemas.openxmlformats.org/officeDocument/2006/math">
+                        <m:r>
+                          <a:rPr lang="en-US" b="0" i="1" smtClean="0">
+                            <a:latin typeface="Cambria Math" panose="02040503050406030204" pitchFamily="18" charset="0"/>
+                          </a:rPr>
+                          <m:t>𝑦</m:t>
+                        </m:r>
+                      </m:oMath>
+                    </m:oMathPara>
+                  </a14:m>
+                  <a:endParaRPr lang="en-CA" dirty="0"/>
+                </a:p>
+              </p:txBody>
+            </p:sp>
+          </mc:Choice>
+          <mc:Fallback>
+            <p:sp>
+              <p:nvSpPr>
+                <p:cNvPr id="90" name="Rectangle 89"/>
+                <p:cNvSpPr>
+                  <a:spLocks noRot="1" noChangeAspect="1" noMove="1" noResize="1" noEditPoints="1" noAdjustHandles="1" noChangeArrowheads="1" noChangeShapeType="1" noTextEdit="1"/>
+                </p:cNvSpPr>
+                <p:nvPr/>
+              </p:nvSpPr>
+              <p:spPr>
+                <a:xfrm>
+                  <a:off x="8625100" y="4039675"/>
+                  <a:ext cx="371384" cy="369332"/>
+                </a:xfrm>
+                <a:prstGeom prst="rect">
+                  <a:avLst/>
+                </a:prstGeom>
+                <a:blipFill>
+                  <a:blip r:embed="rId30"/>
+                  <a:stretch>
+                    <a:fillRect b="-6667"/>
+                  </a:stretch>
+                </a:blipFill>
+              </p:spPr>
+              <p:txBody>
+                <a:bodyPr/>
+                <a:lstStyle/>
+                <a:p>
+                  <a:r>
+                    <a:rPr lang="en-US">
+                      <a:noFill/>
+                    </a:rPr>
+                    <a:t> </a:t>
+                  </a:r>
+                </a:p>
+              </p:txBody>
+            </p:sp>
+          </mc:Fallback>
+        </mc:AlternateContent>
+      </p:grpSp>
     </p:spTree>
     <p:extLst>
       <p:ext uri="{BB962C8B-B14F-4D97-AF65-F5344CB8AC3E}">
@@ -23354,6 +27245,2980 @@
           <a:chExt cx="0" cy="0"/>
         </a:xfrm>
       </p:grpSpPr>
+      <p:grpSp>
+        <p:nvGrpSpPr>
+          <p:cNvPr id="29" name="Group 28"/>
+          <p:cNvGrpSpPr/>
+          <p:nvPr/>
+        </p:nvGrpSpPr>
+        <p:grpSpPr>
+          <a:xfrm>
+            <a:off x="1331622" y="844010"/>
+            <a:ext cx="2725093" cy="1258600"/>
+            <a:chOff x="1331622" y="844010"/>
+            <a:chExt cx="2725093" cy="1258600"/>
+          </a:xfrm>
+        </p:grpSpPr>
+        <p:sp>
+          <p:nvSpPr>
+            <p:cNvPr id="12" name="Oval 11"/>
+            <p:cNvSpPr/>
+            <p:nvPr/>
+          </p:nvSpPr>
+          <p:spPr>
+            <a:xfrm>
+              <a:off x="1787606" y="1356183"/>
+              <a:ext cx="286439" cy="308156"/>
+            </a:xfrm>
+            <a:prstGeom prst="ellipse">
+              <a:avLst/>
+            </a:prstGeom>
+            <a:solidFill>
+              <a:schemeClr val="tx1"/>
+            </a:solidFill>
+            <a:ln w="38100">
+              <a:solidFill>
+                <a:schemeClr val="tx1"/>
+              </a:solidFill>
+            </a:ln>
+          </p:spPr>
+          <p:txBody>
+            <a:bodyPr rot="0" spcFirstLastPara="0" vertOverflow="overflow" horzOverflow="overflow" vert="horz" wrap="square" lIns="91440" tIns="45720" rIns="91440" bIns="45720" numCol="1" spcCol="0" rtlCol="0" fromWordArt="0" anchor="ctr" anchorCtr="0" forceAA="0" compatLnSpc="1">
+              <a:prstTxWarp prst="textNoShape">
+                <a:avLst/>
+              </a:prstTxWarp>
+              <a:spAutoFit/>
+            </a:bodyPr>
+            <a:lstStyle/>
+            <a:p>
+              <a:pPr marL="234950" indent="-234950" algn="ctr" fontAlgn="t">
+                <a:buFont typeface="Arial" panose="020B0604020202020204" pitchFamily="34" charset="0"/>
+                <a:buChar char="•"/>
+              </a:pPr>
+              <a:endParaRPr lang="en-CA">
+                <a:solidFill>
+                  <a:srgbClr val="353535"/>
+                </a:solidFill>
+                <a:latin typeface="arial" panose="020B0604020202020204" pitchFamily="34" charset="0"/>
+              </a:endParaRPr>
+            </a:p>
+          </p:txBody>
+        </p:sp>
+        <p:sp>
+          <p:nvSpPr>
+            <p:cNvPr id="13" name="Oval 12"/>
+            <p:cNvSpPr/>
+            <p:nvPr/>
+          </p:nvSpPr>
+          <p:spPr>
+            <a:xfrm>
+              <a:off x="3627039" y="1336642"/>
+              <a:ext cx="286439" cy="308156"/>
+            </a:xfrm>
+            <a:prstGeom prst="ellipse">
+              <a:avLst/>
+            </a:prstGeom>
+            <a:solidFill>
+              <a:schemeClr val="tx1"/>
+            </a:solidFill>
+            <a:ln w="38100">
+              <a:solidFill>
+                <a:schemeClr val="tx1"/>
+              </a:solidFill>
+            </a:ln>
+          </p:spPr>
+          <p:txBody>
+            <a:bodyPr rot="0" spcFirstLastPara="0" vertOverflow="overflow" horzOverflow="overflow" vert="horz" wrap="square" lIns="91440" tIns="45720" rIns="91440" bIns="45720" numCol="1" spcCol="0" rtlCol="0" fromWordArt="0" anchor="ctr" anchorCtr="0" forceAA="0" compatLnSpc="1">
+              <a:prstTxWarp prst="textNoShape">
+                <a:avLst/>
+              </a:prstTxWarp>
+              <a:spAutoFit/>
+            </a:bodyPr>
+            <a:lstStyle/>
+            <a:p>
+              <a:pPr marL="234950" indent="-234950" algn="ctr" fontAlgn="t">
+                <a:buFont typeface="Arial" panose="020B0604020202020204" pitchFamily="34" charset="0"/>
+                <a:buChar char="•"/>
+              </a:pPr>
+              <a:endParaRPr lang="en-CA">
+                <a:solidFill>
+                  <a:srgbClr val="353535"/>
+                </a:solidFill>
+                <a:latin typeface="arial" panose="020B0604020202020204" pitchFamily="34" charset="0"/>
+              </a:endParaRPr>
+            </a:p>
+          </p:txBody>
+        </p:sp>
+        <p:sp>
+          <p:nvSpPr>
+            <p:cNvPr id="14" name="Rectangle 13"/>
+            <p:cNvSpPr/>
+            <p:nvPr/>
+          </p:nvSpPr>
+          <p:spPr>
+            <a:xfrm>
+              <a:off x="1331622" y="1733278"/>
+              <a:ext cx="184731" cy="369332"/>
+            </a:xfrm>
+            <a:prstGeom prst="rect">
+              <a:avLst/>
+            </a:prstGeom>
+          </p:spPr>
+          <p:txBody>
+            <a:bodyPr wrap="none">
+              <a:spAutoFit/>
+            </a:bodyPr>
+            <a:lstStyle/>
+            <a:p>
+              <a:pPr/>
+              <a:endParaRPr lang="en-CA" dirty="0"/>
+            </a:p>
+          </p:txBody>
+        </p:sp>
+        <mc:AlternateContent xmlns:mc="http://schemas.openxmlformats.org/markup-compatibility/2006">
+          <mc:Choice xmlns:a14="http://schemas.microsoft.com/office/drawing/2010/main" Requires="a14">
+            <p:sp>
+              <p:nvSpPr>
+                <p:cNvPr id="15" name="Rectangle 14"/>
+                <p:cNvSpPr/>
+                <p:nvPr/>
+              </p:nvSpPr>
+              <p:spPr>
+                <a:xfrm>
+                  <a:off x="3483801" y="1674933"/>
+                  <a:ext cx="572914" cy="369332"/>
+                </a:xfrm>
+                <a:prstGeom prst="rect">
+                  <a:avLst/>
+                </a:prstGeom>
+              </p:spPr>
+              <p:txBody>
+                <a:bodyPr wrap="none">
+                  <a:spAutoFit/>
+                </a:bodyPr>
+                <a:lstStyle/>
+                <a:p>
+                  <a:pPr/>
+                  <a14:m>
+                    <m:oMathPara xmlns:m="http://schemas.openxmlformats.org/officeDocument/2006/math">
+                      <m:oMathParaPr>
+                        <m:jc m:val="centerGroup"/>
+                      </m:oMathParaPr>
+                      <m:oMath xmlns:m="http://schemas.openxmlformats.org/officeDocument/2006/math">
+                        <m:r>
+                          <a:rPr lang="en-US" b="0" i="1" smtClean="0">
+                            <a:latin typeface="Cambria Math" panose="02040503050406030204" pitchFamily="18" charset="0"/>
+                            <a:cs typeface="Arial" panose="020B0604020202020204" pitchFamily="34" charset="0"/>
+                          </a:rPr>
+                          <m:t>+</m:t>
+                        </m:r>
+                        <m:r>
+                          <a:rPr lang="en-US" b="0" i="1" smtClean="0">
+                            <a:latin typeface="Cambria Math" panose="02040503050406030204" pitchFamily="18" charset="0"/>
+                            <a:cs typeface="Arial" panose="020B0604020202020204" pitchFamily="34" charset="0"/>
+                          </a:rPr>
+                          <m:t>𝑄</m:t>
+                        </m:r>
+                      </m:oMath>
+                    </m:oMathPara>
+                  </a14:m>
+                  <a:endParaRPr lang="en-CA" dirty="0"/>
+                </a:p>
+              </p:txBody>
+            </p:sp>
+          </mc:Choice>
+          <mc:Fallback>
+            <p:sp>
+              <p:nvSpPr>
+                <p:cNvPr id="15" name="Rectangle 14"/>
+                <p:cNvSpPr>
+                  <a:spLocks noRot="1" noChangeAspect="1" noMove="1" noResize="1" noEditPoints="1" noAdjustHandles="1" noChangeArrowheads="1" noChangeShapeType="1" noTextEdit="1"/>
+                </p:cNvSpPr>
+                <p:nvPr/>
+              </p:nvSpPr>
+              <p:spPr>
+                <a:xfrm>
+                  <a:off x="3483801" y="1674933"/>
+                  <a:ext cx="572914" cy="369332"/>
+                </a:xfrm>
+                <a:prstGeom prst="rect">
+                  <a:avLst/>
+                </a:prstGeom>
+                <a:blipFill>
+                  <a:blip r:embed="rId2"/>
+                  <a:stretch>
+                    <a:fillRect b="-10000"/>
+                  </a:stretch>
+                </a:blipFill>
+              </p:spPr>
+              <p:txBody>
+                <a:bodyPr/>
+                <a:lstStyle/>
+                <a:p>
+                  <a:r>
+                    <a:rPr lang="en-US">
+                      <a:noFill/>
+                    </a:rPr>
+                    <a:t> </a:t>
+                  </a:r>
+                </a:p>
+              </p:txBody>
+            </p:sp>
+          </mc:Fallback>
+        </mc:AlternateContent>
+        <p:cxnSp>
+          <p:nvCxnSpPr>
+            <p:cNvPr id="18" name="Straight Connector 17"/>
+            <p:cNvCxnSpPr>
+              <a:stCxn id="12" idx="6"/>
+              <a:endCxn id="13" idx="2"/>
+            </p:cNvCxnSpPr>
+            <p:nvPr/>
+          </p:nvCxnSpPr>
+          <p:spPr>
+            <a:xfrm flipV="1">
+              <a:off x="2074045" y="1490721"/>
+              <a:ext cx="1552994" cy="19542"/>
+            </a:xfrm>
+            <a:prstGeom prst="line">
+              <a:avLst/>
+            </a:prstGeom>
+            <a:ln w="38100">
+              <a:solidFill>
+                <a:schemeClr val="tx1"/>
+              </a:solidFill>
+              <a:prstDash val="solid"/>
+            </a:ln>
+          </p:spPr>
+          <p:style>
+            <a:lnRef idx="1">
+              <a:schemeClr val="accent1"/>
+            </a:lnRef>
+            <a:fillRef idx="0">
+              <a:schemeClr val="accent1"/>
+            </a:fillRef>
+            <a:effectRef idx="0">
+              <a:schemeClr val="accent1"/>
+            </a:effectRef>
+            <a:fontRef idx="minor">
+              <a:schemeClr val="tx1"/>
+            </a:fontRef>
+          </p:style>
+        </p:cxnSp>
+        <mc:AlternateContent xmlns:mc="http://schemas.openxmlformats.org/markup-compatibility/2006">
+          <mc:Choice xmlns:a14="http://schemas.microsoft.com/office/drawing/2010/main" Requires="a14">
+            <p:sp>
+              <p:nvSpPr>
+                <p:cNvPr id="19" name="TextBox 18"/>
+                <p:cNvSpPr txBox="1"/>
+                <p:nvPr/>
+              </p:nvSpPr>
+              <p:spPr>
+                <a:xfrm>
+                  <a:off x="2794399" y="844010"/>
+                  <a:ext cx="384736" cy="308754"/>
+                </a:xfrm>
+                <a:prstGeom prst="rect">
+                  <a:avLst/>
+                </a:prstGeom>
+                <a:noFill/>
+              </p:spPr>
+              <p:txBody>
+                <a:bodyPr wrap="square" lIns="0" tIns="0" rIns="0" bIns="0" rtlCol="0">
+                  <a:spAutoFit/>
+                </a:bodyPr>
+                <a:lstStyle/>
+                <a:p>
+                  <a:pPr/>
+                  <a14:m>
+                    <m:oMathPara xmlns:m="http://schemas.openxmlformats.org/officeDocument/2006/math">
+                      <m:oMathParaPr>
+                        <m:jc m:val="centerGroup"/>
+                      </m:oMathParaPr>
+                      <m:oMath xmlns:m="http://schemas.openxmlformats.org/officeDocument/2006/math">
+                        <m:r>
+                          <a:rPr lang="en-US" sz="2000" b="0" i="1" smtClean="0">
+                            <a:latin typeface="Cambria Math" panose="02040503050406030204" pitchFamily="18" charset="0"/>
+                            <a:cs typeface="Arial" panose="020B0604020202020204" pitchFamily="34" charset="0"/>
+                          </a:rPr>
+                          <m:t>𝑙</m:t>
+                        </m:r>
+                      </m:oMath>
+                    </m:oMathPara>
+                  </a14:m>
+                  <a:endParaRPr lang="en-US" sz="2000" dirty="0" smtClean="0">
+                    <a:latin typeface="Arial" panose="020B0604020202020204" pitchFamily="34" charset="0"/>
+                    <a:cs typeface="Arial" panose="020B0604020202020204" pitchFamily="34" charset="0"/>
+                  </a:endParaRPr>
+                </a:p>
+              </p:txBody>
+            </p:sp>
+          </mc:Choice>
+          <mc:Fallback>
+            <p:sp>
+              <p:nvSpPr>
+                <p:cNvPr id="19" name="TextBox 18"/>
+                <p:cNvSpPr txBox="1">
+                  <a:spLocks noRot="1" noChangeAspect="1" noMove="1" noResize="1" noEditPoints="1" noAdjustHandles="1" noChangeArrowheads="1" noChangeShapeType="1" noTextEdit="1"/>
+                </p:cNvSpPr>
+                <p:nvPr/>
+              </p:nvSpPr>
+              <p:spPr>
+                <a:xfrm>
+                  <a:off x="2794399" y="844010"/>
+                  <a:ext cx="384736" cy="308754"/>
+                </a:xfrm>
+                <a:prstGeom prst="rect">
+                  <a:avLst/>
+                </a:prstGeom>
+                <a:blipFill>
+                  <a:blip r:embed="rId3"/>
+                  <a:stretch>
+                    <a:fillRect b="-9804"/>
+                  </a:stretch>
+                </a:blipFill>
+              </p:spPr>
+              <p:txBody>
+                <a:bodyPr/>
+                <a:lstStyle/>
+                <a:p>
+                  <a:r>
+                    <a:rPr lang="en-US">
+                      <a:noFill/>
+                    </a:rPr>
+                    <a:t> </a:t>
+                  </a:r>
+                </a:p>
+              </p:txBody>
+            </p:sp>
+          </mc:Fallback>
+        </mc:AlternateContent>
+        <mc:AlternateContent xmlns:mc="http://schemas.openxmlformats.org/markup-compatibility/2006">
+          <mc:Choice xmlns:a14="http://schemas.microsoft.com/office/drawing/2010/main" Requires="a14">
+            <p:sp>
+              <p:nvSpPr>
+                <p:cNvPr id="20" name="Rectangle 19"/>
+                <p:cNvSpPr/>
+                <p:nvPr/>
+              </p:nvSpPr>
+              <p:spPr>
+                <a:xfrm>
+                  <a:off x="1512845" y="1709226"/>
+                  <a:ext cx="572914" cy="369332"/>
+                </a:xfrm>
+                <a:prstGeom prst="rect">
+                  <a:avLst/>
+                </a:prstGeom>
+              </p:spPr>
+              <p:txBody>
+                <a:bodyPr wrap="none">
+                  <a:spAutoFit/>
+                </a:bodyPr>
+                <a:lstStyle/>
+                <a:p>
+                  <a:pPr/>
+                  <a14:m>
+                    <m:oMathPara xmlns:m="http://schemas.openxmlformats.org/officeDocument/2006/math">
+                      <m:oMathParaPr>
+                        <m:jc m:val="centerGroup"/>
+                      </m:oMathParaPr>
+                      <m:oMath xmlns:m="http://schemas.openxmlformats.org/officeDocument/2006/math">
+                        <m:r>
+                          <a:rPr lang="en-US" b="0" i="1" smtClean="0">
+                            <a:latin typeface="Cambria Math" panose="02040503050406030204" pitchFamily="18" charset="0"/>
+                            <a:cs typeface="Arial" panose="020B0604020202020204" pitchFamily="34" charset="0"/>
+                          </a:rPr>
+                          <m:t>−</m:t>
+                        </m:r>
+                        <m:r>
+                          <a:rPr lang="en-US" b="0" i="1" smtClean="0">
+                            <a:latin typeface="Cambria Math" panose="02040503050406030204" pitchFamily="18" charset="0"/>
+                            <a:cs typeface="Arial" panose="020B0604020202020204" pitchFamily="34" charset="0"/>
+                          </a:rPr>
+                          <m:t>𝑄</m:t>
+                        </m:r>
+                      </m:oMath>
+                    </m:oMathPara>
+                  </a14:m>
+                  <a:endParaRPr lang="en-CA" dirty="0"/>
+                </a:p>
+              </p:txBody>
+            </p:sp>
+          </mc:Choice>
+          <mc:Fallback>
+            <p:sp>
+              <p:nvSpPr>
+                <p:cNvPr id="20" name="Rectangle 19"/>
+                <p:cNvSpPr>
+                  <a:spLocks noRot="1" noChangeAspect="1" noMove="1" noResize="1" noEditPoints="1" noAdjustHandles="1" noChangeArrowheads="1" noChangeShapeType="1" noTextEdit="1"/>
+                </p:cNvSpPr>
+                <p:nvPr/>
+              </p:nvSpPr>
+              <p:spPr>
+                <a:xfrm>
+                  <a:off x="1512845" y="1709226"/>
+                  <a:ext cx="572914" cy="369332"/>
+                </a:xfrm>
+                <a:prstGeom prst="rect">
+                  <a:avLst/>
+                </a:prstGeom>
+                <a:blipFill>
+                  <a:blip r:embed="rId4"/>
+                  <a:stretch>
+                    <a:fillRect b="-9836"/>
+                  </a:stretch>
+                </a:blipFill>
+              </p:spPr>
+              <p:txBody>
+                <a:bodyPr/>
+                <a:lstStyle/>
+                <a:p>
+                  <a:r>
+                    <a:rPr lang="en-US">
+                      <a:noFill/>
+                    </a:rPr>
+                    <a:t> </a:t>
+                  </a:r>
+                </a:p>
+              </p:txBody>
+            </p:sp>
+          </mc:Fallback>
+        </mc:AlternateContent>
+        <p:cxnSp>
+          <p:nvCxnSpPr>
+            <p:cNvPr id="22" name="Straight Arrow Connector 21"/>
+            <p:cNvCxnSpPr/>
+            <p:nvPr/>
+          </p:nvCxnSpPr>
+          <p:spPr>
+            <a:xfrm>
+              <a:off x="1930825" y="1152764"/>
+              <a:ext cx="1839433" cy="0"/>
+            </a:xfrm>
+            <a:prstGeom prst="straightConnector1">
+              <a:avLst/>
+            </a:prstGeom>
+            <a:ln w="38100">
+              <a:solidFill>
+                <a:schemeClr val="tx1"/>
+              </a:solidFill>
+              <a:headEnd type="triangle"/>
+              <a:tailEnd type="triangle"/>
+            </a:ln>
+          </p:spPr>
+          <p:style>
+            <a:lnRef idx="1">
+              <a:schemeClr val="accent1"/>
+            </a:lnRef>
+            <a:fillRef idx="0">
+              <a:schemeClr val="accent1"/>
+            </a:fillRef>
+            <a:effectRef idx="0">
+              <a:schemeClr val="accent1"/>
+            </a:effectRef>
+            <a:fontRef idx="minor">
+              <a:schemeClr val="tx1"/>
+            </a:fontRef>
+          </p:style>
+        </p:cxnSp>
+        <p:cxnSp>
+          <p:nvCxnSpPr>
+            <p:cNvPr id="25" name="Straight Arrow Connector 24"/>
+            <p:cNvCxnSpPr/>
+            <p:nvPr/>
+          </p:nvCxnSpPr>
+          <p:spPr>
+            <a:xfrm>
+              <a:off x="2130829" y="1684691"/>
+              <a:ext cx="1439424" cy="0"/>
+            </a:xfrm>
+            <a:prstGeom prst="straightConnector1">
+              <a:avLst/>
+            </a:prstGeom>
+            <a:ln w="38100">
+              <a:solidFill>
+                <a:srgbClr val="FF0000"/>
+              </a:solidFill>
+              <a:tailEnd type="triangle"/>
+            </a:ln>
+          </p:spPr>
+          <p:style>
+            <a:lnRef idx="1">
+              <a:schemeClr val="accent1"/>
+            </a:lnRef>
+            <a:fillRef idx="0">
+              <a:schemeClr val="accent1"/>
+            </a:fillRef>
+            <a:effectRef idx="0">
+              <a:schemeClr val="accent1"/>
+            </a:effectRef>
+            <a:fontRef idx="minor">
+              <a:schemeClr val="tx1"/>
+            </a:fontRef>
+          </p:style>
+        </p:cxnSp>
+        <mc:AlternateContent xmlns:mc="http://schemas.openxmlformats.org/markup-compatibility/2006">
+          <mc:Choice xmlns:a14="http://schemas.microsoft.com/office/drawing/2010/main" Requires="a14">
+            <p:sp>
+              <p:nvSpPr>
+                <p:cNvPr id="28" name="TextBox 27"/>
+                <p:cNvSpPr txBox="1"/>
+                <p:nvPr/>
+              </p:nvSpPr>
+              <p:spPr>
+                <a:xfrm>
+                  <a:off x="2794399" y="1733278"/>
+                  <a:ext cx="216341" cy="307777"/>
+                </a:xfrm>
+                <a:prstGeom prst="rect">
+                  <a:avLst/>
+                </a:prstGeom>
+                <a:noFill/>
+              </p:spPr>
+              <p:txBody>
+                <a:bodyPr wrap="none" lIns="0" tIns="0" rIns="0" bIns="0" rtlCol="0">
+                  <a:spAutoFit/>
+                </a:bodyPr>
+                <a:lstStyle/>
+                <a:p>
+                  <a14:m>
+                    <m:oMathPara xmlns:m="http://schemas.openxmlformats.org/officeDocument/2006/math">
+                      <m:oMathParaPr>
+                        <m:jc m:val="centerGroup"/>
+                      </m:oMathParaPr>
+                      <m:oMath xmlns:m="http://schemas.openxmlformats.org/officeDocument/2006/math">
+                        <m:acc>
+                          <m:accPr>
+                            <m:chr m:val="⃗"/>
+                            <m:ctrlPr>
+                              <a:rPr lang="en-US" sz="2000" b="0" i="1" smtClean="0">
+                                <a:solidFill>
+                                  <a:srgbClr val="FF0000"/>
+                                </a:solidFill>
+                                <a:latin typeface="Cambria Math" panose="02040503050406030204" pitchFamily="18" charset="0"/>
+                                <a:cs typeface="Arial" panose="020B0604020202020204" pitchFamily="34" charset="0"/>
+                              </a:rPr>
+                            </m:ctrlPr>
+                          </m:accPr>
+                          <m:e>
+                            <m:r>
+                              <a:rPr lang="en-US" sz="2000" b="0" i="1" smtClean="0">
+                                <a:solidFill>
+                                  <a:srgbClr val="FF0000"/>
+                                </a:solidFill>
+                                <a:latin typeface="Cambria Math" panose="02040503050406030204" pitchFamily="18" charset="0"/>
+                                <a:cs typeface="Arial" panose="020B0604020202020204" pitchFamily="34" charset="0"/>
+                              </a:rPr>
+                              <m:t>𝑝</m:t>
+                            </m:r>
+                          </m:e>
+                        </m:acc>
+                      </m:oMath>
+                    </m:oMathPara>
+                  </a14:m>
+                  <a:endParaRPr lang="en-US" sz="2000" dirty="0" smtClean="0">
+                    <a:solidFill>
+                      <a:srgbClr val="FF0000"/>
+                    </a:solidFill>
+                    <a:latin typeface="Arial" panose="020B0604020202020204" pitchFamily="34" charset="0"/>
+                    <a:cs typeface="Arial" panose="020B0604020202020204" pitchFamily="34" charset="0"/>
+                  </a:endParaRPr>
+                </a:p>
+              </p:txBody>
+            </p:sp>
+          </mc:Choice>
+          <mc:Fallback>
+            <p:sp>
+              <p:nvSpPr>
+                <p:cNvPr id="28" name="TextBox 27"/>
+                <p:cNvSpPr txBox="1">
+                  <a:spLocks noRot="1" noChangeAspect="1" noMove="1" noResize="1" noEditPoints="1" noAdjustHandles="1" noChangeArrowheads="1" noChangeShapeType="1" noTextEdit="1"/>
+                </p:cNvSpPr>
+                <p:nvPr/>
+              </p:nvSpPr>
+              <p:spPr>
+                <a:xfrm>
+                  <a:off x="2794399" y="1733278"/>
+                  <a:ext cx="216341" cy="307777"/>
+                </a:xfrm>
+                <a:prstGeom prst="rect">
+                  <a:avLst/>
+                </a:prstGeom>
+                <a:blipFill>
+                  <a:blip r:embed="rId5"/>
+                  <a:stretch>
+                    <a:fillRect l="-25000" t="-33333" r="-94444" b="-27451"/>
+                  </a:stretch>
+                </a:blipFill>
+              </p:spPr>
+              <p:txBody>
+                <a:bodyPr/>
+                <a:lstStyle/>
+                <a:p>
+                  <a:r>
+                    <a:rPr lang="en-US">
+                      <a:noFill/>
+                    </a:rPr>
+                    <a:t> </a:t>
+                  </a:r>
+                </a:p>
+              </p:txBody>
+            </p:sp>
+          </mc:Fallback>
+        </mc:AlternateContent>
+      </p:grpSp>
+      <p:grpSp>
+        <p:nvGrpSpPr>
+          <p:cNvPr id="41" name="Group 40"/>
+          <p:cNvGrpSpPr/>
+          <p:nvPr/>
+        </p:nvGrpSpPr>
+        <p:grpSpPr>
+          <a:xfrm>
+            <a:off x="6636349" y="1633133"/>
+            <a:ext cx="685928" cy="1273963"/>
+            <a:chOff x="6636349" y="1633133"/>
+            <a:chExt cx="685928" cy="1273963"/>
+          </a:xfrm>
+        </p:grpSpPr>
+        <p:sp>
+          <p:nvSpPr>
+            <p:cNvPr id="30" name="Oval 29"/>
+            <p:cNvSpPr/>
+            <p:nvPr/>
+          </p:nvSpPr>
+          <p:spPr>
+            <a:xfrm>
+              <a:off x="6655981" y="1850065"/>
+              <a:ext cx="467833" cy="467833"/>
+            </a:xfrm>
+            <a:prstGeom prst="ellipse">
+              <a:avLst/>
+            </a:prstGeom>
+            <a:solidFill>
+              <a:schemeClr val="accent1"/>
+            </a:solidFill>
+            <a:ln w="38100">
+              <a:noFill/>
+            </a:ln>
+          </p:spPr>
+          <p:style>
+            <a:lnRef idx="2">
+              <a:schemeClr val="accent1">
+                <a:shade val="50000"/>
+              </a:schemeClr>
+            </a:lnRef>
+            <a:fillRef idx="1">
+              <a:schemeClr val="accent1"/>
+            </a:fillRef>
+            <a:effectRef idx="0">
+              <a:schemeClr val="accent1"/>
+            </a:effectRef>
+            <a:fontRef idx="minor">
+              <a:schemeClr val="lt1"/>
+            </a:fontRef>
+          </p:style>
+          <p:txBody>
+            <a:bodyPr rtlCol="0" anchor="ctr"/>
+            <a:lstStyle/>
+            <a:p>
+              <a:pPr algn="ctr"/>
+              <a:endParaRPr lang="en-US" sz="4800"/>
+            </a:p>
+          </p:txBody>
+        </p:sp>
+        <p:sp>
+          <p:nvSpPr>
+            <p:cNvPr id="31" name="Oval 30"/>
+            <p:cNvSpPr/>
+            <p:nvPr/>
+          </p:nvSpPr>
+          <p:spPr>
+            <a:xfrm>
+              <a:off x="6898240" y="1664339"/>
+              <a:ext cx="315433" cy="315433"/>
+            </a:xfrm>
+            <a:prstGeom prst="ellipse">
+              <a:avLst/>
+            </a:prstGeom>
+            <a:solidFill>
+              <a:srgbClr val="FF0000"/>
+            </a:solidFill>
+            <a:ln w="38100">
+              <a:noFill/>
+            </a:ln>
+          </p:spPr>
+          <p:style>
+            <a:lnRef idx="2">
+              <a:schemeClr val="accent1">
+                <a:shade val="50000"/>
+              </a:schemeClr>
+            </a:lnRef>
+            <a:fillRef idx="1">
+              <a:schemeClr val="accent1"/>
+            </a:fillRef>
+            <a:effectRef idx="0">
+              <a:schemeClr val="accent1"/>
+            </a:effectRef>
+            <a:fontRef idx="minor">
+              <a:schemeClr val="lt1"/>
+            </a:fontRef>
+          </p:style>
+          <p:txBody>
+            <a:bodyPr rtlCol="0" anchor="ctr"/>
+            <a:lstStyle/>
+            <a:p>
+              <a:pPr algn="ctr"/>
+              <a:endParaRPr lang="en-US"/>
+            </a:p>
+          </p:txBody>
+        </p:sp>
+        <p:sp>
+          <p:nvSpPr>
+            <p:cNvPr id="32" name="Oval 31"/>
+            <p:cNvSpPr/>
+            <p:nvPr/>
+          </p:nvSpPr>
+          <p:spPr>
+            <a:xfrm>
+              <a:off x="6898240" y="2115359"/>
+              <a:ext cx="315433" cy="315433"/>
+            </a:xfrm>
+            <a:prstGeom prst="ellipse">
+              <a:avLst/>
+            </a:prstGeom>
+            <a:solidFill>
+              <a:srgbClr val="FF0000"/>
+            </a:solidFill>
+            <a:ln w="38100">
+              <a:noFill/>
+            </a:ln>
+          </p:spPr>
+          <p:style>
+            <a:lnRef idx="2">
+              <a:schemeClr val="accent1">
+                <a:shade val="50000"/>
+              </a:schemeClr>
+            </a:lnRef>
+            <a:fillRef idx="1">
+              <a:schemeClr val="accent1"/>
+            </a:fillRef>
+            <a:effectRef idx="0">
+              <a:schemeClr val="accent1"/>
+            </a:effectRef>
+            <a:fontRef idx="minor">
+              <a:schemeClr val="lt1"/>
+            </a:fontRef>
+          </p:style>
+          <p:txBody>
+            <a:bodyPr rtlCol="0" anchor="ctr"/>
+            <a:lstStyle/>
+            <a:p>
+              <a:pPr algn="ctr"/>
+              <a:endParaRPr lang="en-US"/>
+            </a:p>
+          </p:txBody>
+        </p:sp>
+        <p:sp>
+          <p:nvSpPr>
+            <p:cNvPr id="33" name="TextBox 32"/>
+            <p:cNvSpPr txBox="1"/>
+            <p:nvPr/>
+          </p:nvSpPr>
+          <p:spPr>
+            <a:xfrm>
+              <a:off x="6726889" y="1684691"/>
+              <a:ext cx="326015" cy="492443"/>
+            </a:xfrm>
+            <a:prstGeom prst="rect">
+              <a:avLst/>
+            </a:prstGeom>
+            <a:noFill/>
+          </p:spPr>
+          <p:txBody>
+            <a:bodyPr wrap="square" lIns="0" tIns="0" rIns="0" bIns="0" rtlCol="0">
+              <a:spAutoFit/>
+            </a:bodyPr>
+            <a:lstStyle/>
+            <a:p>
+              <a:r>
+                <a:rPr lang="en-US" sz="3200" b="0" dirty="0" smtClean="0">
+                  <a:latin typeface="Arial" panose="020B0604020202020204" pitchFamily="34" charset="0"/>
+                  <a:cs typeface="Arial" panose="020B0604020202020204" pitchFamily="34" charset="0"/>
+                </a:rPr>
+                <a:t>-</a:t>
+              </a:r>
+            </a:p>
+          </p:txBody>
+        </p:sp>
+        <p:sp>
+          <p:nvSpPr>
+            <p:cNvPr id="34" name="TextBox 33"/>
+            <p:cNvSpPr txBox="1"/>
+            <p:nvPr/>
+          </p:nvSpPr>
+          <p:spPr>
+            <a:xfrm>
+              <a:off x="6726889" y="1890438"/>
+              <a:ext cx="326015" cy="492443"/>
+            </a:xfrm>
+            <a:prstGeom prst="rect">
+              <a:avLst/>
+            </a:prstGeom>
+            <a:noFill/>
+          </p:spPr>
+          <p:txBody>
+            <a:bodyPr wrap="square" lIns="0" tIns="0" rIns="0" bIns="0" rtlCol="0">
+              <a:spAutoFit/>
+            </a:bodyPr>
+            <a:lstStyle/>
+            <a:p>
+              <a:r>
+                <a:rPr lang="en-US" sz="3200" b="0" dirty="0" smtClean="0">
+                  <a:latin typeface="Arial" panose="020B0604020202020204" pitchFamily="34" charset="0"/>
+                  <a:cs typeface="Arial" panose="020B0604020202020204" pitchFamily="34" charset="0"/>
+                </a:rPr>
+                <a:t>-</a:t>
+              </a:r>
+            </a:p>
+          </p:txBody>
+        </p:sp>
+        <p:sp>
+          <p:nvSpPr>
+            <p:cNvPr id="35" name="TextBox 34"/>
+            <p:cNvSpPr txBox="1"/>
+            <p:nvPr/>
+          </p:nvSpPr>
+          <p:spPr>
+            <a:xfrm>
+              <a:off x="6996262" y="1633133"/>
+              <a:ext cx="326015" cy="369332"/>
+            </a:xfrm>
+            <a:prstGeom prst="rect">
+              <a:avLst/>
+            </a:prstGeom>
+            <a:noFill/>
+          </p:spPr>
+          <p:txBody>
+            <a:bodyPr wrap="square" lIns="0" tIns="0" rIns="0" bIns="0" rtlCol="0">
+              <a:spAutoFit/>
+            </a:bodyPr>
+            <a:lstStyle/>
+            <a:p>
+              <a:r>
+                <a:rPr lang="en-US" sz="2400" b="0" dirty="0" smtClean="0">
+                  <a:latin typeface="Arial" panose="020B0604020202020204" pitchFamily="34" charset="0"/>
+                  <a:cs typeface="Arial" panose="020B0604020202020204" pitchFamily="34" charset="0"/>
+                </a:rPr>
+                <a:t>+</a:t>
+              </a:r>
+            </a:p>
+          </p:txBody>
+        </p:sp>
+        <p:sp>
+          <p:nvSpPr>
+            <p:cNvPr id="36" name="TextBox 35"/>
+            <p:cNvSpPr txBox="1"/>
+            <p:nvPr/>
+          </p:nvSpPr>
+          <p:spPr>
+            <a:xfrm>
+              <a:off x="6996261" y="2094400"/>
+              <a:ext cx="326015" cy="369332"/>
+            </a:xfrm>
+            <a:prstGeom prst="rect">
+              <a:avLst/>
+            </a:prstGeom>
+            <a:noFill/>
+          </p:spPr>
+          <p:txBody>
+            <a:bodyPr wrap="square" lIns="0" tIns="0" rIns="0" bIns="0" rtlCol="0">
+              <a:spAutoFit/>
+            </a:bodyPr>
+            <a:lstStyle/>
+            <a:p>
+              <a:r>
+                <a:rPr lang="en-US" sz="2400" b="0" dirty="0" smtClean="0">
+                  <a:latin typeface="Arial" panose="020B0604020202020204" pitchFamily="34" charset="0"/>
+                  <a:cs typeface="Arial" panose="020B0604020202020204" pitchFamily="34" charset="0"/>
+                </a:rPr>
+                <a:t>+</a:t>
+              </a:r>
+            </a:p>
+          </p:txBody>
+        </p:sp>
+        <p:cxnSp>
+          <p:nvCxnSpPr>
+            <p:cNvPr id="37" name="Straight Arrow Connector 36"/>
+            <p:cNvCxnSpPr/>
+            <p:nvPr/>
+          </p:nvCxnSpPr>
+          <p:spPr>
+            <a:xfrm>
+              <a:off x="6636349" y="2599319"/>
+              <a:ext cx="651750" cy="2861"/>
+            </a:xfrm>
+            <a:prstGeom prst="straightConnector1">
+              <a:avLst/>
+            </a:prstGeom>
+            <a:ln w="38100">
+              <a:solidFill>
+                <a:schemeClr val="tx1"/>
+              </a:solidFill>
+              <a:tailEnd type="triangle"/>
+            </a:ln>
+          </p:spPr>
+          <p:style>
+            <a:lnRef idx="1">
+              <a:schemeClr val="accent1"/>
+            </a:lnRef>
+            <a:fillRef idx="0">
+              <a:schemeClr val="accent1"/>
+            </a:fillRef>
+            <a:effectRef idx="0">
+              <a:schemeClr val="accent1"/>
+            </a:effectRef>
+            <a:fontRef idx="minor">
+              <a:schemeClr val="tx1"/>
+            </a:fontRef>
+          </p:style>
+        </p:cxnSp>
+        <mc:AlternateContent xmlns:mc="http://schemas.openxmlformats.org/markup-compatibility/2006">
+          <mc:Choice xmlns:a14="http://schemas.microsoft.com/office/drawing/2010/main" Requires="a14">
+            <p:sp>
+              <p:nvSpPr>
+                <p:cNvPr id="40" name="TextBox 39"/>
+                <p:cNvSpPr txBox="1"/>
+                <p:nvPr/>
+              </p:nvSpPr>
+              <p:spPr>
+                <a:xfrm>
+                  <a:off x="6889896" y="2599319"/>
+                  <a:ext cx="216341" cy="307777"/>
+                </a:xfrm>
+                <a:prstGeom prst="rect">
+                  <a:avLst/>
+                </a:prstGeom>
+                <a:noFill/>
+              </p:spPr>
+              <p:txBody>
+                <a:bodyPr wrap="none" lIns="0" tIns="0" rIns="0" bIns="0" rtlCol="0">
+                  <a:spAutoFit/>
+                </a:bodyPr>
+                <a:lstStyle/>
+                <a:p>
+                  <a14:m>
+                    <m:oMathPara xmlns:m="http://schemas.openxmlformats.org/officeDocument/2006/math">
+                      <m:oMathParaPr>
+                        <m:jc m:val="centerGroup"/>
+                      </m:oMathParaPr>
+                      <m:oMath xmlns:m="http://schemas.openxmlformats.org/officeDocument/2006/math">
+                        <m:acc>
+                          <m:accPr>
+                            <m:chr m:val="⃗"/>
+                            <m:ctrlPr>
+                              <a:rPr lang="en-US" sz="2000" b="0" i="1" smtClean="0">
+                                <a:latin typeface="Cambria Math" panose="02040503050406030204" pitchFamily="18" charset="0"/>
+                                <a:cs typeface="Arial" panose="020B0604020202020204" pitchFamily="34" charset="0"/>
+                              </a:rPr>
+                            </m:ctrlPr>
+                          </m:accPr>
+                          <m:e>
+                            <m:r>
+                              <a:rPr lang="en-US" sz="2000" b="0" i="1" smtClean="0">
+                                <a:latin typeface="Cambria Math" panose="02040503050406030204" pitchFamily="18" charset="0"/>
+                                <a:cs typeface="Arial" panose="020B0604020202020204" pitchFamily="34" charset="0"/>
+                              </a:rPr>
+                              <m:t>𝑝</m:t>
+                            </m:r>
+                          </m:e>
+                        </m:acc>
+                      </m:oMath>
+                    </m:oMathPara>
+                  </a14:m>
+                  <a:endParaRPr lang="en-US" sz="2000" dirty="0" smtClean="0">
+                    <a:latin typeface="Arial" panose="020B0604020202020204" pitchFamily="34" charset="0"/>
+                    <a:cs typeface="Arial" panose="020B0604020202020204" pitchFamily="34" charset="0"/>
+                  </a:endParaRPr>
+                </a:p>
+              </p:txBody>
+            </p:sp>
+          </mc:Choice>
+          <mc:Fallback>
+            <p:sp>
+              <p:nvSpPr>
+                <p:cNvPr id="40" name="TextBox 39"/>
+                <p:cNvSpPr txBox="1">
+                  <a:spLocks noRot="1" noChangeAspect="1" noMove="1" noResize="1" noEditPoints="1" noAdjustHandles="1" noChangeArrowheads="1" noChangeShapeType="1" noTextEdit="1"/>
+                </p:cNvSpPr>
+                <p:nvPr/>
+              </p:nvSpPr>
+              <p:spPr>
+                <a:xfrm>
+                  <a:off x="6889896" y="2599319"/>
+                  <a:ext cx="216341" cy="307777"/>
+                </a:xfrm>
+                <a:prstGeom prst="rect">
+                  <a:avLst/>
+                </a:prstGeom>
+                <a:blipFill>
+                  <a:blip r:embed="rId6"/>
+                  <a:stretch>
+                    <a:fillRect l="-25000" t="-33333" r="-94444" b="-27451"/>
+                  </a:stretch>
+                </a:blipFill>
+              </p:spPr>
+              <p:txBody>
+                <a:bodyPr/>
+                <a:lstStyle/>
+                <a:p>
+                  <a:r>
+                    <a:rPr lang="en-US">
+                      <a:noFill/>
+                    </a:rPr>
+                    <a:t> </a:t>
+                  </a:r>
+                </a:p>
+              </p:txBody>
+            </p:sp>
+          </mc:Fallback>
+        </mc:AlternateContent>
+      </p:grpSp>
+      <p:grpSp>
+        <p:nvGrpSpPr>
+          <p:cNvPr id="94" name="Group 93"/>
+          <p:cNvGrpSpPr/>
+          <p:nvPr/>
+        </p:nvGrpSpPr>
+        <p:grpSpPr>
+          <a:xfrm>
+            <a:off x="879295" y="3073473"/>
+            <a:ext cx="4553031" cy="1973537"/>
+            <a:chOff x="879295" y="3073473"/>
+            <a:chExt cx="4553031" cy="1973537"/>
+          </a:xfrm>
+        </p:grpSpPr>
+        <p:grpSp>
+          <p:nvGrpSpPr>
+            <p:cNvPr id="86" name="Group 85"/>
+            <p:cNvGrpSpPr/>
+            <p:nvPr/>
+          </p:nvGrpSpPr>
+          <p:grpSpPr>
+            <a:xfrm>
+              <a:off x="879295" y="3122670"/>
+              <a:ext cx="4553031" cy="1924340"/>
+              <a:chOff x="135016" y="3356586"/>
+              <a:chExt cx="4553031" cy="1924340"/>
+            </a:xfrm>
+          </p:grpSpPr>
+          <p:grpSp>
+            <p:nvGrpSpPr>
+              <p:cNvPr id="56" name="Group 55"/>
+              <p:cNvGrpSpPr/>
+              <p:nvPr/>
+            </p:nvGrpSpPr>
+            <p:grpSpPr>
+              <a:xfrm>
+                <a:off x="478463" y="3434316"/>
+                <a:ext cx="3206732" cy="1846610"/>
+                <a:chOff x="1508612" y="3434316"/>
+                <a:chExt cx="2251013" cy="1846610"/>
+              </a:xfrm>
+            </p:grpSpPr>
+            <p:cxnSp>
+              <p:nvCxnSpPr>
+                <p:cNvPr id="43" name="Straight Arrow Connector 42"/>
+                <p:cNvCxnSpPr/>
+                <p:nvPr/>
+              </p:nvCxnSpPr>
+              <p:spPr>
+                <a:xfrm>
+                  <a:off x="1517076" y="3434316"/>
+                  <a:ext cx="2242549" cy="10633"/>
+                </a:xfrm>
+                <a:prstGeom prst="straightConnector1">
+                  <a:avLst/>
+                </a:prstGeom>
+                <a:ln w="28575">
+                  <a:solidFill>
+                    <a:schemeClr val="bg1">
+                      <a:lumMod val="65000"/>
+                    </a:schemeClr>
+                  </a:solidFill>
+                  <a:tailEnd type="triangle"/>
+                </a:ln>
+              </p:spPr>
+              <p:style>
+                <a:lnRef idx="1">
+                  <a:schemeClr val="accent1"/>
+                </a:lnRef>
+                <a:fillRef idx="0">
+                  <a:schemeClr val="accent1"/>
+                </a:fillRef>
+                <a:effectRef idx="0">
+                  <a:schemeClr val="accent1"/>
+                </a:effectRef>
+                <a:fontRef idx="minor">
+                  <a:schemeClr val="tx1"/>
+                </a:fontRef>
+              </p:style>
+            </p:cxnSp>
+            <p:cxnSp>
+              <p:nvCxnSpPr>
+                <p:cNvPr id="44" name="Straight Arrow Connector 43"/>
+                <p:cNvCxnSpPr/>
+                <p:nvPr/>
+              </p:nvCxnSpPr>
+              <p:spPr>
+                <a:xfrm>
+                  <a:off x="1512845" y="3588392"/>
+                  <a:ext cx="2242549" cy="10633"/>
+                </a:xfrm>
+                <a:prstGeom prst="straightConnector1">
+                  <a:avLst/>
+                </a:prstGeom>
+                <a:ln w="28575">
+                  <a:solidFill>
+                    <a:schemeClr val="bg1">
+                      <a:lumMod val="65000"/>
+                    </a:schemeClr>
+                  </a:solidFill>
+                  <a:tailEnd type="triangle"/>
+                </a:ln>
+              </p:spPr>
+              <p:style>
+                <a:lnRef idx="1">
+                  <a:schemeClr val="accent1"/>
+                </a:lnRef>
+                <a:fillRef idx="0">
+                  <a:schemeClr val="accent1"/>
+                </a:fillRef>
+                <a:effectRef idx="0">
+                  <a:schemeClr val="accent1"/>
+                </a:effectRef>
+                <a:fontRef idx="minor">
+                  <a:schemeClr val="tx1"/>
+                </a:fontRef>
+              </p:style>
+            </p:cxnSp>
+            <p:cxnSp>
+              <p:nvCxnSpPr>
+                <p:cNvPr id="45" name="Straight Arrow Connector 44"/>
+                <p:cNvCxnSpPr/>
+                <p:nvPr/>
+              </p:nvCxnSpPr>
+              <p:spPr>
+                <a:xfrm>
+                  <a:off x="1512844" y="3737151"/>
+                  <a:ext cx="2242549" cy="10633"/>
+                </a:xfrm>
+                <a:prstGeom prst="straightConnector1">
+                  <a:avLst/>
+                </a:prstGeom>
+                <a:ln w="28575">
+                  <a:solidFill>
+                    <a:schemeClr val="bg1">
+                      <a:lumMod val="65000"/>
+                    </a:schemeClr>
+                  </a:solidFill>
+                  <a:tailEnd type="triangle"/>
+                </a:ln>
+              </p:spPr>
+              <p:style>
+                <a:lnRef idx="1">
+                  <a:schemeClr val="accent1"/>
+                </a:lnRef>
+                <a:fillRef idx="0">
+                  <a:schemeClr val="accent1"/>
+                </a:fillRef>
+                <a:effectRef idx="0">
+                  <a:schemeClr val="accent1"/>
+                </a:effectRef>
+                <a:fontRef idx="minor">
+                  <a:schemeClr val="tx1"/>
+                </a:fontRef>
+              </p:style>
+            </p:cxnSp>
+            <p:cxnSp>
+              <p:nvCxnSpPr>
+                <p:cNvPr id="46" name="Straight Arrow Connector 45"/>
+                <p:cNvCxnSpPr/>
+                <p:nvPr/>
+              </p:nvCxnSpPr>
+              <p:spPr>
+                <a:xfrm>
+                  <a:off x="1517076" y="3891141"/>
+                  <a:ext cx="2242549" cy="10633"/>
+                </a:xfrm>
+                <a:prstGeom prst="straightConnector1">
+                  <a:avLst/>
+                </a:prstGeom>
+                <a:ln w="28575">
+                  <a:solidFill>
+                    <a:schemeClr val="bg1">
+                      <a:lumMod val="65000"/>
+                    </a:schemeClr>
+                  </a:solidFill>
+                  <a:tailEnd type="triangle"/>
+                </a:ln>
+              </p:spPr>
+              <p:style>
+                <a:lnRef idx="1">
+                  <a:schemeClr val="accent1"/>
+                </a:lnRef>
+                <a:fillRef idx="0">
+                  <a:schemeClr val="accent1"/>
+                </a:fillRef>
+                <a:effectRef idx="0">
+                  <a:schemeClr val="accent1"/>
+                </a:effectRef>
+                <a:fontRef idx="minor">
+                  <a:schemeClr val="tx1"/>
+                </a:fontRef>
+              </p:style>
+            </p:cxnSp>
+            <p:cxnSp>
+              <p:nvCxnSpPr>
+                <p:cNvPr id="47" name="Straight Arrow Connector 46"/>
+                <p:cNvCxnSpPr/>
+                <p:nvPr/>
+              </p:nvCxnSpPr>
+              <p:spPr>
+                <a:xfrm>
+                  <a:off x="1512845" y="4045217"/>
+                  <a:ext cx="2242549" cy="10633"/>
+                </a:xfrm>
+                <a:prstGeom prst="straightConnector1">
+                  <a:avLst/>
+                </a:prstGeom>
+                <a:ln w="28575">
+                  <a:solidFill>
+                    <a:schemeClr val="bg1">
+                      <a:lumMod val="65000"/>
+                    </a:schemeClr>
+                  </a:solidFill>
+                  <a:tailEnd type="triangle"/>
+                </a:ln>
+              </p:spPr>
+              <p:style>
+                <a:lnRef idx="1">
+                  <a:schemeClr val="accent1"/>
+                </a:lnRef>
+                <a:fillRef idx="0">
+                  <a:schemeClr val="accent1"/>
+                </a:fillRef>
+                <a:effectRef idx="0">
+                  <a:schemeClr val="accent1"/>
+                </a:effectRef>
+                <a:fontRef idx="minor">
+                  <a:schemeClr val="tx1"/>
+                </a:fontRef>
+              </p:style>
+            </p:cxnSp>
+            <p:cxnSp>
+              <p:nvCxnSpPr>
+                <p:cNvPr id="48" name="Straight Arrow Connector 47"/>
+                <p:cNvCxnSpPr/>
+                <p:nvPr/>
+              </p:nvCxnSpPr>
+              <p:spPr>
+                <a:xfrm>
+                  <a:off x="1512844" y="4193976"/>
+                  <a:ext cx="2242549" cy="10633"/>
+                </a:xfrm>
+                <a:prstGeom prst="straightConnector1">
+                  <a:avLst/>
+                </a:prstGeom>
+                <a:ln w="28575">
+                  <a:solidFill>
+                    <a:schemeClr val="bg1">
+                      <a:lumMod val="65000"/>
+                    </a:schemeClr>
+                  </a:solidFill>
+                  <a:tailEnd type="triangle"/>
+                </a:ln>
+              </p:spPr>
+              <p:style>
+                <a:lnRef idx="1">
+                  <a:schemeClr val="accent1"/>
+                </a:lnRef>
+                <a:fillRef idx="0">
+                  <a:schemeClr val="accent1"/>
+                </a:fillRef>
+                <a:effectRef idx="0">
+                  <a:schemeClr val="accent1"/>
+                </a:effectRef>
+                <a:fontRef idx="minor">
+                  <a:schemeClr val="tx1"/>
+                </a:fontRef>
+              </p:style>
+            </p:cxnSp>
+            <p:cxnSp>
+              <p:nvCxnSpPr>
+                <p:cNvPr id="49" name="Straight Arrow Connector 48"/>
+                <p:cNvCxnSpPr/>
+                <p:nvPr/>
+              </p:nvCxnSpPr>
+              <p:spPr>
+                <a:xfrm>
+                  <a:off x="1517076" y="4352908"/>
+                  <a:ext cx="2242549" cy="10633"/>
+                </a:xfrm>
+                <a:prstGeom prst="straightConnector1">
+                  <a:avLst/>
+                </a:prstGeom>
+                <a:ln w="28575">
+                  <a:solidFill>
+                    <a:schemeClr val="bg1">
+                      <a:lumMod val="65000"/>
+                    </a:schemeClr>
+                  </a:solidFill>
+                  <a:tailEnd type="triangle"/>
+                </a:ln>
+              </p:spPr>
+              <p:style>
+                <a:lnRef idx="1">
+                  <a:schemeClr val="accent1"/>
+                </a:lnRef>
+                <a:fillRef idx="0">
+                  <a:schemeClr val="accent1"/>
+                </a:fillRef>
+                <a:effectRef idx="0">
+                  <a:schemeClr val="accent1"/>
+                </a:effectRef>
+                <a:fontRef idx="minor">
+                  <a:schemeClr val="tx1"/>
+                </a:fontRef>
+              </p:style>
+            </p:cxnSp>
+            <p:cxnSp>
+              <p:nvCxnSpPr>
+                <p:cNvPr id="50" name="Straight Arrow Connector 49"/>
+                <p:cNvCxnSpPr/>
+                <p:nvPr/>
+              </p:nvCxnSpPr>
+              <p:spPr>
+                <a:xfrm>
+                  <a:off x="1512845" y="4506984"/>
+                  <a:ext cx="2242549" cy="10633"/>
+                </a:xfrm>
+                <a:prstGeom prst="straightConnector1">
+                  <a:avLst/>
+                </a:prstGeom>
+                <a:ln w="28575">
+                  <a:solidFill>
+                    <a:schemeClr val="bg1">
+                      <a:lumMod val="65000"/>
+                    </a:schemeClr>
+                  </a:solidFill>
+                  <a:tailEnd type="triangle"/>
+                </a:ln>
+              </p:spPr>
+              <p:style>
+                <a:lnRef idx="1">
+                  <a:schemeClr val="accent1"/>
+                </a:lnRef>
+                <a:fillRef idx="0">
+                  <a:schemeClr val="accent1"/>
+                </a:fillRef>
+                <a:effectRef idx="0">
+                  <a:schemeClr val="accent1"/>
+                </a:effectRef>
+                <a:fontRef idx="minor">
+                  <a:schemeClr val="tx1"/>
+                </a:fontRef>
+              </p:style>
+            </p:cxnSp>
+            <p:cxnSp>
+              <p:nvCxnSpPr>
+                <p:cNvPr id="51" name="Straight Arrow Connector 50"/>
+                <p:cNvCxnSpPr/>
+                <p:nvPr/>
+              </p:nvCxnSpPr>
+              <p:spPr>
+                <a:xfrm>
+                  <a:off x="1512844" y="4655743"/>
+                  <a:ext cx="2242549" cy="10633"/>
+                </a:xfrm>
+                <a:prstGeom prst="straightConnector1">
+                  <a:avLst/>
+                </a:prstGeom>
+                <a:ln w="28575">
+                  <a:solidFill>
+                    <a:schemeClr val="bg1">
+                      <a:lumMod val="65000"/>
+                    </a:schemeClr>
+                  </a:solidFill>
+                  <a:tailEnd type="triangle"/>
+                </a:ln>
+              </p:spPr>
+              <p:style>
+                <a:lnRef idx="1">
+                  <a:schemeClr val="accent1"/>
+                </a:lnRef>
+                <a:fillRef idx="0">
+                  <a:schemeClr val="accent1"/>
+                </a:fillRef>
+                <a:effectRef idx="0">
+                  <a:schemeClr val="accent1"/>
+                </a:effectRef>
+                <a:fontRef idx="minor">
+                  <a:schemeClr val="tx1"/>
+                </a:fontRef>
+              </p:style>
+            </p:cxnSp>
+            <p:cxnSp>
+              <p:nvCxnSpPr>
+                <p:cNvPr id="52" name="Straight Arrow Connector 51"/>
+                <p:cNvCxnSpPr/>
+                <p:nvPr/>
+              </p:nvCxnSpPr>
+              <p:spPr>
+                <a:xfrm>
+                  <a:off x="1508612" y="4808526"/>
+                  <a:ext cx="2242549" cy="10633"/>
+                </a:xfrm>
+                <a:prstGeom prst="straightConnector1">
+                  <a:avLst/>
+                </a:prstGeom>
+                <a:ln w="28575">
+                  <a:solidFill>
+                    <a:schemeClr val="bg1">
+                      <a:lumMod val="65000"/>
+                    </a:schemeClr>
+                  </a:solidFill>
+                  <a:tailEnd type="triangle"/>
+                </a:ln>
+              </p:spPr>
+              <p:style>
+                <a:lnRef idx="1">
+                  <a:schemeClr val="accent1"/>
+                </a:lnRef>
+                <a:fillRef idx="0">
+                  <a:schemeClr val="accent1"/>
+                </a:fillRef>
+                <a:effectRef idx="0">
+                  <a:schemeClr val="accent1"/>
+                </a:effectRef>
+                <a:fontRef idx="minor">
+                  <a:schemeClr val="tx1"/>
+                </a:fontRef>
+              </p:style>
+            </p:cxnSp>
+            <p:cxnSp>
+              <p:nvCxnSpPr>
+                <p:cNvPr id="53" name="Straight Arrow Connector 52"/>
+                <p:cNvCxnSpPr/>
+                <p:nvPr/>
+              </p:nvCxnSpPr>
+              <p:spPr>
+                <a:xfrm>
+                  <a:off x="1512844" y="4967458"/>
+                  <a:ext cx="2242549" cy="10633"/>
+                </a:xfrm>
+                <a:prstGeom prst="straightConnector1">
+                  <a:avLst/>
+                </a:prstGeom>
+                <a:ln w="28575">
+                  <a:solidFill>
+                    <a:schemeClr val="bg1">
+                      <a:lumMod val="65000"/>
+                    </a:schemeClr>
+                  </a:solidFill>
+                  <a:tailEnd type="triangle"/>
+                </a:ln>
+              </p:spPr>
+              <p:style>
+                <a:lnRef idx="1">
+                  <a:schemeClr val="accent1"/>
+                </a:lnRef>
+                <a:fillRef idx="0">
+                  <a:schemeClr val="accent1"/>
+                </a:fillRef>
+                <a:effectRef idx="0">
+                  <a:schemeClr val="accent1"/>
+                </a:effectRef>
+                <a:fontRef idx="minor">
+                  <a:schemeClr val="tx1"/>
+                </a:fontRef>
+              </p:style>
+            </p:cxnSp>
+            <p:cxnSp>
+              <p:nvCxnSpPr>
+                <p:cNvPr id="54" name="Straight Arrow Connector 53"/>
+                <p:cNvCxnSpPr/>
+                <p:nvPr/>
+              </p:nvCxnSpPr>
+              <p:spPr>
+                <a:xfrm>
+                  <a:off x="1508613" y="5121534"/>
+                  <a:ext cx="2242549" cy="10633"/>
+                </a:xfrm>
+                <a:prstGeom prst="straightConnector1">
+                  <a:avLst/>
+                </a:prstGeom>
+                <a:ln w="28575">
+                  <a:solidFill>
+                    <a:schemeClr val="bg1">
+                      <a:lumMod val="65000"/>
+                    </a:schemeClr>
+                  </a:solidFill>
+                  <a:tailEnd type="triangle"/>
+                </a:ln>
+              </p:spPr>
+              <p:style>
+                <a:lnRef idx="1">
+                  <a:schemeClr val="accent1"/>
+                </a:lnRef>
+                <a:fillRef idx="0">
+                  <a:schemeClr val="accent1"/>
+                </a:fillRef>
+                <a:effectRef idx="0">
+                  <a:schemeClr val="accent1"/>
+                </a:effectRef>
+                <a:fontRef idx="minor">
+                  <a:schemeClr val="tx1"/>
+                </a:fontRef>
+              </p:style>
+            </p:cxnSp>
+            <p:cxnSp>
+              <p:nvCxnSpPr>
+                <p:cNvPr id="55" name="Straight Arrow Connector 54"/>
+                <p:cNvCxnSpPr/>
+                <p:nvPr/>
+              </p:nvCxnSpPr>
+              <p:spPr>
+                <a:xfrm>
+                  <a:off x="1508612" y="5270293"/>
+                  <a:ext cx="2242549" cy="10633"/>
+                </a:xfrm>
+                <a:prstGeom prst="straightConnector1">
+                  <a:avLst/>
+                </a:prstGeom>
+                <a:ln w="28575">
+                  <a:solidFill>
+                    <a:schemeClr val="bg1">
+                      <a:lumMod val="65000"/>
+                    </a:schemeClr>
+                  </a:solidFill>
+                  <a:tailEnd type="triangle"/>
+                </a:ln>
+              </p:spPr>
+              <p:style>
+                <a:lnRef idx="1">
+                  <a:schemeClr val="accent1"/>
+                </a:lnRef>
+                <a:fillRef idx="0">
+                  <a:schemeClr val="accent1"/>
+                </a:fillRef>
+                <a:effectRef idx="0">
+                  <a:schemeClr val="accent1"/>
+                </a:effectRef>
+                <a:fontRef idx="minor">
+                  <a:schemeClr val="tx1"/>
+                </a:fontRef>
+              </p:style>
+            </p:cxnSp>
+          </p:grpSp>
+          <p:sp>
+            <p:nvSpPr>
+              <p:cNvPr id="61" name="Rectangle 60"/>
+              <p:cNvSpPr/>
+              <p:nvPr/>
+            </p:nvSpPr>
+            <p:spPr>
+              <a:xfrm>
+                <a:off x="4503316" y="4436496"/>
+                <a:ext cx="184731" cy="369332"/>
+              </a:xfrm>
+              <a:prstGeom prst="rect">
+                <a:avLst/>
+              </a:prstGeom>
+            </p:spPr>
+            <p:txBody>
+              <a:bodyPr wrap="none">
+                <a:spAutoFit/>
+              </a:bodyPr>
+              <a:lstStyle/>
+              <a:p>
+                <a:pPr/>
+                <a:endParaRPr lang="en-CA" dirty="0"/>
+              </a:p>
+            </p:txBody>
+          </p:sp>
+          <mc:AlternateContent xmlns:mc="http://schemas.openxmlformats.org/markup-compatibility/2006">
+            <mc:Choice xmlns:a14="http://schemas.microsoft.com/office/drawing/2010/main" Requires="a14">
+              <p:sp>
+                <p:nvSpPr>
+                  <p:cNvPr id="62" name="Rectangle 61"/>
+                  <p:cNvSpPr/>
+                  <p:nvPr/>
+                </p:nvSpPr>
+                <p:spPr>
+                  <a:xfrm>
+                    <a:off x="2737955" y="3356586"/>
+                    <a:ext cx="572914" cy="369332"/>
+                  </a:xfrm>
+                  <a:prstGeom prst="rect">
+                    <a:avLst/>
+                  </a:prstGeom>
+                </p:spPr>
+                <p:txBody>
+                  <a:bodyPr wrap="none">
+                    <a:spAutoFit/>
+                  </a:bodyPr>
+                  <a:lstStyle/>
+                  <a:p>
+                    <a:pPr/>
+                    <a14:m>
+                      <m:oMathPara xmlns:m="http://schemas.openxmlformats.org/officeDocument/2006/math">
+                        <m:oMathParaPr>
+                          <m:jc m:val="centerGroup"/>
+                        </m:oMathParaPr>
+                        <m:oMath xmlns:m="http://schemas.openxmlformats.org/officeDocument/2006/math">
+                          <m:r>
+                            <a:rPr lang="en-US" b="0" i="1" smtClean="0">
+                              <a:latin typeface="Cambria Math" panose="02040503050406030204" pitchFamily="18" charset="0"/>
+                              <a:cs typeface="Arial" panose="020B0604020202020204" pitchFamily="34" charset="0"/>
+                            </a:rPr>
+                            <m:t>+</m:t>
+                          </m:r>
+                          <m:r>
+                            <a:rPr lang="en-US" b="0" i="1" smtClean="0">
+                              <a:latin typeface="Cambria Math" panose="02040503050406030204" pitchFamily="18" charset="0"/>
+                              <a:cs typeface="Arial" panose="020B0604020202020204" pitchFamily="34" charset="0"/>
+                            </a:rPr>
+                            <m:t>𝑄</m:t>
+                          </m:r>
+                        </m:oMath>
+                      </m:oMathPara>
+                    </a14:m>
+                    <a:endParaRPr lang="en-CA" dirty="0"/>
+                  </a:p>
+                </p:txBody>
+              </p:sp>
+            </mc:Choice>
+            <mc:Fallback>
+              <p:sp>
+                <p:nvSpPr>
+                  <p:cNvPr id="62" name="Rectangle 61"/>
+                  <p:cNvSpPr>
+                    <a:spLocks noRot="1" noChangeAspect="1" noMove="1" noResize="1" noEditPoints="1" noAdjustHandles="1" noChangeArrowheads="1" noChangeShapeType="1" noTextEdit="1"/>
+                  </p:cNvSpPr>
+                  <p:nvPr/>
+                </p:nvSpPr>
+                <p:spPr>
+                  <a:xfrm>
+                    <a:off x="2737955" y="3356586"/>
+                    <a:ext cx="572914" cy="369332"/>
+                  </a:xfrm>
+                  <a:prstGeom prst="rect">
+                    <a:avLst/>
+                  </a:prstGeom>
+                  <a:blipFill>
+                    <a:blip r:embed="rId7"/>
+                    <a:stretch>
+                      <a:fillRect b="-9836"/>
+                    </a:stretch>
+                  </a:blipFill>
+                </p:spPr>
+                <p:txBody>
+                  <a:bodyPr/>
+                  <a:lstStyle/>
+                  <a:p>
+                    <a:r>
+                      <a:rPr lang="en-US">
+                        <a:noFill/>
+                      </a:rPr>
+                      <a:t> </a:t>
+                    </a:r>
+                  </a:p>
+                </p:txBody>
+              </p:sp>
+            </mc:Fallback>
+          </mc:AlternateContent>
+          <p:grpSp>
+            <p:nvGrpSpPr>
+              <p:cNvPr id="69" name="Group 68"/>
+              <p:cNvGrpSpPr/>
+              <p:nvPr/>
+            </p:nvGrpSpPr>
+            <p:grpSpPr>
+              <a:xfrm rot="19873084">
+                <a:off x="960375" y="4064778"/>
+                <a:ext cx="2125872" cy="327697"/>
+                <a:chOff x="4959300" y="4039860"/>
+                <a:chExt cx="2125872" cy="327697"/>
+              </a:xfrm>
+            </p:grpSpPr>
+            <p:sp>
+              <p:nvSpPr>
+                <p:cNvPr id="59" name="Oval 58"/>
+                <p:cNvSpPr/>
+                <p:nvPr/>
+              </p:nvSpPr>
+              <p:spPr>
+                <a:xfrm>
+                  <a:off x="4959300" y="4059401"/>
+                  <a:ext cx="286439" cy="308156"/>
+                </a:xfrm>
+                <a:prstGeom prst="ellipse">
+                  <a:avLst/>
+                </a:prstGeom>
+                <a:solidFill>
+                  <a:schemeClr val="tx1"/>
+                </a:solidFill>
+                <a:ln w="38100">
+                  <a:solidFill>
+                    <a:schemeClr val="tx1"/>
+                  </a:solidFill>
+                </a:ln>
+              </p:spPr>
+              <p:txBody>
+                <a:bodyPr rot="0" spcFirstLastPara="0" vertOverflow="overflow" horzOverflow="overflow" vert="horz" wrap="square" lIns="91440" tIns="45720" rIns="91440" bIns="45720" numCol="1" spcCol="0" rtlCol="0" fromWordArt="0" anchor="ctr" anchorCtr="0" forceAA="0" compatLnSpc="1">
+                  <a:prstTxWarp prst="textNoShape">
+                    <a:avLst/>
+                  </a:prstTxWarp>
+                  <a:spAutoFit/>
+                </a:bodyPr>
+                <a:lstStyle/>
+                <a:p>
+                  <a:pPr marL="234950" indent="-234950" algn="ctr" fontAlgn="t">
+                    <a:buFont typeface="Arial" panose="020B0604020202020204" pitchFamily="34" charset="0"/>
+                    <a:buChar char="•"/>
+                  </a:pPr>
+                  <a:endParaRPr lang="en-CA">
+                    <a:solidFill>
+                      <a:srgbClr val="353535"/>
+                    </a:solidFill>
+                    <a:latin typeface="arial" panose="020B0604020202020204" pitchFamily="34" charset="0"/>
+                  </a:endParaRPr>
+                </a:p>
+              </p:txBody>
+            </p:sp>
+            <p:sp>
+              <p:nvSpPr>
+                <p:cNvPr id="60" name="Oval 59"/>
+                <p:cNvSpPr/>
+                <p:nvPr/>
+              </p:nvSpPr>
+              <p:spPr>
+                <a:xfrm>
+                  <a:off x="6798733" y="4039860"/>
+                  <a:ext cx="286439" cy="308156"/>
+                </a:xfrm>
+                <a:prstGeom prst="ellipse">
+                  <a:avLst/>
+                </a:prstGeom>
+                <a:solidFill>
+                  <a:schemeClr val="tx1"/>
+                </a:solidFill>
+                <a:ln w="38100">
+                  <a:solidFill>
+                    <a:schemeClr val="tx1"/>
+                  </a:solidFill>
+                </a:ln>
+              </p:spPr>
+              <p:txBody>
+                <a:bodyPr rot="0" spcFirstLastPara="0" vertOverflow="overflow" horzOverflow="overflow" vert="horz" wrap="square" lIns="91440" tIns="45720" rIns="91440" bIns="45720" numCol="1" spcCol="0" rtlCol="0" fromWordArt="0" anchor="ctr" anchorCtr="0" forceAA="0" compatLnSpc="1">
+                  <a:prstTxWarp prst="textNoShape">
+                    <a:avLst/>
+                  </a:prstTxWarp>
+                  <a:spAutoFit/>
+                </a:bodyPr>
+                <a:lstStyle/>
+                <a:p>
+                  <a:pPr marL="234950" indent="-234950" algn="ctr" fontAlgn="t">
+                    <a:buFont typeface="Arial" panose="020B0604020202020204" pitchFamily="34" charset="0"/>
+                    <a:buChar char="•"/>
+                  </a:pPr>
+                  <a:endParaRPr lang="en-CA">
+                    <a:solidFill>
+                      <a:srgbClr val="353535"/>
+                    </a:solidFill>
+                    <a:latin typeface="arial" panose="020B0604020202020204" pitchFamily="34" charset="0"/>
+                  </a:endParaRPr>
+                </a:p>
+              </p:txBody>
+            </p:sp>
+            <p:cxnSp>
+              <p:nvCxnSpPr>
+                <p:cNvPr id="63" name="Straight Connector 62"/>
+                <p:cNvCxnSpPr>
+                  <a:stCxn id="59" idx="6"/>
+                  <a:endCxn id="60" idx="2"/>
+                </p:cNvCxnSpPr>
+                <p:nvPr/>
+              </p:nvCxnSpPr>
+              <p:spPr>
+                <a:xfrm flipV="1">
+                  <a:off x="5245739" y="4193939"/>
+                  <a:ext cx="1552994" cy="19542"/>
+                </a:xfrm>
+                <a:prstGeom prst="line">
+                  <a:avLst/>
+                </a:prstGeom>
+                <a:ln w="38100">
+                  <a:solidFill>
+                    <a:schemeClr val="tx1"/>
+                  </a:solidFill>
+                  <a:prstDash val="solid"/>
+                </a:ln>
+              </p:spPr>
+              <p:style>
+                <a:lnRef idx="1">
+                  <a:schemeClr val="accent1"/>
+                </a:lnRef>
+                <a:fillRef idx="0">
+                  <a:schemeClr val="accent1"/>
+                </a:fillRef>
+                <a:effectRef idx="0">
+                  <a:schemeClr val="accent1"/>
+                </a:effectRef>
+                <a:fontRef idx="minor">
+                  <a:schemeClr val="tx1"/>
+                </a:fontRef>
+              </p:style>
+            </p:cxnSp>
+          </p:grpSp>
+          <mc:AlternateContent xmlns:mc="http://schemas.openxmlformats.org/markup-compatibility/2006">
+            <mc:Choice xmlns:a14="http://schemas.microsoft.com/office/drawing/2010/main" Requires="a14">
+              <p:sp>
+                <p:nvSpPr>
+                  <p:cNvPr id="65" name="Rectangle 64"/>
+                  <p:cNvSpPr/>
+                  <p:nvPr/>
+                </p:nvSpPr>
+                <p:spPr>
+                  <a:xfrm>
+                    <a:off x="778657" y="4826641"/>
+                    <a:ext cx="572914" cy="369332"/>
+                  </a:xfrm>
+                  <a:prstGeom prst="rect">
+                    <a:avLst/>
+                  </a:prstGeom>
+                </p:spPr>
+                <p:txBody>
+                  <a:bodyPr wrap="none">
+                    <a:spAutoFit/>
+                  </a:bodyPr>
+                  <a:lstStyle/>
+                  <a:p>
+                    <a:pPr/>
+                    <a14:m>
+                      <m:oMathPara xmlns:m="http://schemas.openxmlformats.org/officeDocument/2006/math">
+                        <m:oMathParaPr>
+                          <m:jc m:val="centerGroup"/>
+                        </m:oMathParaPr>
+                        <m:oMath xmlns:m="http://schemas.openxmlformats.org/officeDocument/2006/math">
+                          <m:r>
+                            <a:rPr lang="en-US" b="0" i="1" smtClean="0">
+                              <a:latin typeface="Cambria Math" panose="02040503050406030204" pitchFamily="18" charset="0"/>
+                              <a:cs typeface="Arial" panose="020B0604020202020204" pitchFamily="34" charset="0"/>
+                            </a:rPr>
+                            <m:t>−</m:t>
+                          </m:r>
+                          <m:r>
+                            <a:rPr lang="en-US" b="0" i="1" smtClean="0">
+                              <a:latin typeface="Cambria Math" panose="02040503050406030204" pitchFamily="18" charset="0"/>
+                              <a:cs typeface="Arial" panose="020B0604020202020204" pitchFamily="34" charset="0"/>
+                            </a:rPr>
+                            <m:t>𝑄</m:t>
+                          </m:r>
+                        </m:oMath>
+                      </m:oMathPara>
+                    </a14:m>
+                    <a:endParaRPr lang="en-CA" dirty="0"/>
+                  </a:p>
+                </p:txBody>
+              </p:sp>
+            </mc:Choice>
+            <mc:Fallback>
+              <p:sp>
+                <p:nvSpPr>
+                  <p:cNvPr id="65" name="Rectangle 64"/>
+                  <p:cNvSpPr>
+                    <a:spLocks noRot="1" noChangeAspect="1" noMove="1" noResize="1" noEditPoints="1" noAdjustHandles="1" noChangeArrowheads="1" noChangeShapeType="1" noTextEdit="1"/>
+                  </p:cNvSpPr>
+                  <p:nvPr/>
+                </p:nvSpPr>
+                <p:spPr>
+                  <a:xfrm>
+                    <a:off x="778657" y="4826641"/>
+                    <a:ext cx="572914" cy="369332"/>
+                  </a:xfrm>
+                  <a:prstGeom prst="rect">
+                    <a:avLst/>
+                  </a:prstGeom>
+                  <a:blipFill>
+                    <a:blip r:embed="rId8"/>
+                    <a:stretch>
+                      <a:fillRect b="-9836"/>
+                    </a:stretch>
+                  </a:blipFill>
+                </p:spPr>
+                <p:txBody>
+                  <a:bodyPr/>
+                  <a:lstStyle/>
+                  <a:p>
+                    <a:r>
+                      <a:rPr lang="en-US">
+                        <a:noFill/>
+                      </a:rPr>
+                      <a:t> </a:t>
+                    </a:r>
+                  </a:p>
+                </p:txBody>
+              </p:sp>
+            </mc:Fallback>
+          </mc:AlternateContent>
+          <p:cxnSp>
+            <p:nvCxnSpPr>
+              <p:cNvPr id="67" name="Straight Arrow Connector 66"/>
+              <p:cNvCxnSpPr/>
+              <p:nvPr/>
+            </p:nvCxnSpPr>
+            <p:spPr>
+              <a:xfrm flipV="1">
+                <a:off x="1550586" y="3954263"/>
+                <a:ext cx="961854" cy="535413"/>
+              </a:xfrm>
+              <a:prstGeom prst="straightConnector1">
+                <a:avLst/>
+              </a:prstGeom>
+              <a:ln w="38100">
+                <a:solidFill>
+                  <a:srgbClr val="FF0000"/>
+                </a:solidFill>
+                <a:tailEnd type="triangle"/>
+              </a:ln>
+            </p:spPr>
+            <p:style>
+              <a:lnRef idx="1">
+                <a:schemeClr val="accent1"/>
+              </a:lnRef>
+              <a:fillRef idx="0">
+                <a:schemeClr val="accent1"/>
+              </a:fillRef>
+              <a:effectRef idx="0">
+                <a:schemeClr val="accent1"/>
+              </a:effectRef>
+              <a:fontRef idx="minor">
+                <a:schemeClr val="tx1"/>
+              </a:fontRef>
+            </p:style>
+          </p:cxnSp>
+          <mc:AlternateContent xmlns:mc="http://schemas.openxmlformats.org/markup-compatibility/2006">
+            <mc:Choice xmlns:a14="http://schemas.microsoft.com/office/drawing/2010/main" Requires="a14">
+              <p:sp>
+                <p:nvSpPr>
+                  <p:cNvPr id="68" name="TextBox 67"/>
+                  <p:cNvSpPr txBox="1"/>
+                  <p:nvPr/>
+                </p:nvSpPr>
+                <p:spPr>
+                  <a:xfrm>
+                    <a:off x="2753452" y="3896331"/>
+                    <a:ext cx="304121" cy="430887"/>
+                  </a:xfrm>
+                  <a:prstGeom prst="rect">
+                    <a:avLst/>
+                  </a:prstGeom>
+                  <a:noFill/>
+                </p:spPr>
+                <p:txBody>
+                  <a:bodyPr wrap="none" lIns="0" tIns="0" rIns="0" bIns="0" rtlCol="0">
+                    <a:spAutoFit/>
+                  </a:bodyPr>
+                  <a:lstStyle/>
+                  <a:p>
+                    <a14:m>
+                      <m:oMathPara xmlns:m="http://schemas.openxmlformats.org/officeDocument/2006/math">
+                        <m:oMathParaPr>
+                          <m:jc m:val="centerGroup"/>
+                        </m:oMathParaPr>
+                        <m:oMath xmlns:m="http://schemas.openxmlformats.org/officeDocument/2006/math">
+                          <m:acc>
+                            <m:accPr>
+                              <m:chr m:val="⃗"/>
+                              <m:ctrlPr>
+                                <a:rPr lang="en-US" sz="2800" b="0" i="1" smtClean="0">
+                                  <a:solidFill>
+                                    <a:srgbClr val="FF0000"/>
+                                  </a:solidFill>
+                                  <a:latin typeface="Cambria Math" panose="02040503050406030204" pitchFamily="18" charset="0"/>
+                                  <a:cs typeface="Arial" panose="020B0604020202020204" pitchFamily="34" charset="0"/>
+                                </a:rPr>
+                              </m:ctrlPr>
+                            </m:accPr>
+                            <m:e>
+                              <m:r>
+                                <a:rPr lang="en-US" sz="2800" b="0" i="1" smtClean="0">
+                                  <a:solidFill>
+                                    <a:srgbClr val="FF0000"/>
+                                  </a:solidFill>
+                                  <a:latin typeface="Cambria Math" panose="02040503050406030204" pitchFamily="18" charset="0"/>
+                                  <a:cs typeface="Arial" panose="020B0604020202020204" pitchFamily="34" charset="0"/>
+                                </a:rPr>
+                                <m:t>𝑝</m:t>
+                              </m:r>
+                            </m:e>
+                          </m:acc>
+                        </m:oMath>
+                      </m:oMathPara>
+                    </a14:m>
+                    <a:endParaRPr lang="en-US" sz="2800" dirty="0" smtClean="0">
+                      <a:solidFill>
+                        <a:srgbClr val="FF0000"/>
+                      </a:solidFill>
+                      <a:latin typeface="Arial" panose="020B0604020202020204" pitchFamily="34" charset="0"/>
+                      <a:cs typeface="Arial" panose="020B0604020202020204" pitchFamily="34" charset="0"/>
+                    </a:endParaRPr>
+                  </a:p>
+                </p:txBody>
+              </p:sp>
+            </mc:Choice>
+            <mc:Fallback>
+              <p:sp>
+                <p:nvSpPr>
+                  <p:cNvPr id="68" name="TextBox 67"/>
+                  <p:cNvSpPr txBox="1">
+                    <a:spLocks noRot="1" noChangeAspect="1" noMove="1" noResize="1" noEditPoints="1" noAdjustHandles="1" noChangeArrowheads="1" noChangeShapeType="1" noTextEdit="1"/>
+                  </p:cNvSpPr>
+                  <p:nvPr/>
+                </p:nvSpPr>
+                <p:spPr>
+                  <a:xfrm>
+                    <a:off x="2753452" y="3896331"/>
+                    <a:ext cx="304121" cy="430887"/>
+                  </a:xfrm>
+                  <a:prstGeom prst="rect">
+                    <a:avLst/>
+                  </a:prstGeom>
+                  <a:blipFill>
+                    <a:blip r:embed="rId9"/>
+                    <a:stretch>
+                      <a:fillRect/>
+                    </a:stretch>
+                  </a:blipFill>
+                </p:spPr>
+                <p:txBody>
+                  <a:bodyPr/>
+                  <a:lstStyle/>
+                  <a:p>
+                    <a:r>
+                      <a:rPr lang="en-US">
+                        <a:noFill/>
+                      </a:rPr>
+                      <a:t> </a:t>
+                    </a:r>
+                  </a:p>
+                </p:txBody>
+              </p:sp>
+            </mc:Fallback>
+          </mc:AlternateContent>
+          <p:sp>
+            <p:nvSpPr>
+              <p:cNvPr id="73" name="Right Arrow 72"/>
+              <p:cNvSpPr/>
+              <p:nvPr/>
+            </p:nvSpPr>
+            <p:spPr>
+              <a:xfrm>
+                <a:off x="2984061" y="3721534"/>
+                <a:ext cx="882502" cy="113656"/>
+              </a:xfrm>
+              <a:prstGeom prst="rightArrow">
+                <a:avLst/>
+              </a:prstGeom>
+              <a:solidFill>
+                <a:schemeClr val="tx1"/>
+              </a:solidFill>
+              <a:ln w="38100">
+                <a:solidFill>
+                  <a:schemeClr val="tx1"/>
+                </a:solidFill>
+              </a:ln>
+            </p:spPr>
+            <p:style>
+              <a:lnRef idx="2">
+                <a:schemeClr val="accent1">
+                  <a:shade val="50000"/>
+                </a:schemeClr>
+              </a:lnRef>
+              <a:fillRef idx="1">
+                <a:schemeClr val="accent1"/>
+              </a:fillRef>
+              <a:effectRef idx="0">
+                <a:schemeClr val="accent1"/>
+              </a:effectRef>
+              <a:fontRef idx="minor">
+                <a:schemeClr val="lt1"/>
+              </a:fontRef>
+            </p:style>
+            <p:txBody>
+              <a:bodyPr rtlCol="0" anchor="ctr"/>
+              <a:lstStyle/>
+              <a:p>
+                <a:pPr algn="ctr"/>
+                <a:endParaRPr lang="en-US"/>
+              </a:p>
+            </p:txBody>
+          </p:sp>
+          <p:sp>
+            <p:nvSpPr>
+              <p:cNvPr id="74" name="Right Arrow 73"/>
+              <p:cNvSpPr/>
+              <p:nvPr/>
+            </p:nvSpPr>
+            <p:spPr>
+              <a:xfrm rot="10800000">
+                <a:off x="271933" y="4629540"/>
+                <a:ext cx="882502" cy="113656"/>
+              </a:xfrm>
+              <a:prstGeom prst="rightArrow">
+                <a:avLst/>
+              </a:prstGeom>
+              <a:solidFill>
+                <a:schemeClr val="tx1"/>
+              </a:solidFill>
+              <a:ln w="38100">
+                <a:solidFill>
+                  <a:schemeClr val="tx1"/>
+                </a:solidFill>
+              </a:ln>
+            </p:spPr>
+            <p:style>
+              <a:lnRef idx="2">
+                <a:schemeClr val="accent1">
+                  <a:shade val="50000"/>
+                </a:schemeClr>
+              </a:lnRef>
+              <a:fillRef idx="1">
+                <a:schemeClr val="accent1"/>
+              </a:fillRef>
+              <a:effectRef idx="0">
+                <a:schemeClr val="accent1"/>
+              </a:effectRef>
+              <a:fontRef idx="minor">
+                <a:schemeClr val="lt1"/>
+              </a:fontRef>
+            </p:style>
+            <p:txBody>
+              <a:bodyPr rtlCol="0" anchor="ctr"/>
+              <a:lstStyle/>
+              <a:p>
+                <a:pPr algn="ctr"/>
+                <a:endParaRPr lang="en-US"/>
+              </a:p>
+            </p:txBody>
+          </p:sp>
+          <mc:AlternateContent xmlns:mc="http://schemas.openxmlformats.org/markup-compatibility/2006">
+            <mc:Choice xmlns:a14="http://schemas.microsoft.com/office/drawing/2010/main" Requires="a14">
+              <p:sp>
+                <p:nvSpPr>
+                  <p:cNvPr id="77" name="TextBox 76"/>
+                  <p:cNvSpPr txBox="1"/>
+                  <p:nvPr/>
+                </p:nvSpPr>
+                <p:spPr>
+                  <a:xfrm>
+                    <a:off x="3913478" y="3415812"/>
+                    <a:ext cx="384528" cy="345159"/>
+                  </a:xfrm>
+                  <a:prstGeom prst="rect">
+                    <a:avLst/>
+                  </a:prstGeom>
+                  <a:noFill/>
+                </p:spPr>
+                <p:txBody>
+                  <a:bodyPr wrap="none" lIns="0" tIns="0" rIns="0" bIns="0" rtlCol="0">
+                    <a:spAutoFit/>
+                  </a:bodyPr>
+                  <a:lstStyle/>
+                  <a:p>
+                    <a14:m>
+                      <m:oMathPara xmlns:m="http://schemas.openxmlformats.org/officeDocument/2006/math">
+                        <m:oMathParaPr>
+                          <m:jc m:val="centerGroup"/>
+                        </m:oMathParaPr>
+                        <m:oMath xmlns:m="http://schemas.openxmlformats.org/officeDocument/2006/math">
+                          <m:sSup>
+                            <m:sSupPr>
+                              <m:ctrlPr>
+                                <a:rPr lang="en-US" sz="2000" b="0" i="1" smtClean="0">
+                                  <a:latin typeface="Cambria Math" panose="02040503050406030204" pitchFamily="18" charset="0"/>
+                                  <a:cs typeface="Arial" panose="020B0604020202020204" pitchFamily="34" charset="0"/>
+                                </a:rPr>
+                              </m:ctrlPr>
+                            </m:sSupPr>
+                            <m:e>
+                              <m:acc>
+                                <m:accPr>
+                                  <m:chr m:val="⃗"/>
+                                  <m:ctrlPr>
+                                    <a:rPr lang="en-US" sz="2000" b="0" i="1" smtClean="0">
+                                      <a:latin typeface="Cambria Math" panose="02040503050406030204" pitchFamily="18" charset="0"/>
+                                      <a:cs typeface="Arial" panose="020B0604020202020204" pitchFamily="34" charset="0"/>
+                                    </a:rPr>
+                                  </m:ctrlPr>
+                                </m:accPr>
+                                <m:e>
+                                  <m:r>
+                                    <a:rPr lang="en-US" sz="2000" b="0" i="1" smtClean="0">
+                                      <a:latin typeface="Cambria Math" panose="02040503050406030204" pitchFamily="18" charset="0"/>
+                                      <a:cs typeface="Arial" panose="020B0604020202020204" pitchFamily="34" charset="0"/>
+                                    </a:rPr>
+                                    <m:t>𝐹</m:t>
+                                  </m:r>
+                                </m:e>
+                              </m:acc>
+                            </m:e>
+                            <m:sup>
+                              <m:r>
+                                <a:rPr lang="en-US" sz="2000" b="0" i="1" smtClean="0">
+                                  <a:latin typeface="Cambria Math" panose="02040503050406030204" pitchFamily="18" charset="0"/>
+                                  <a:cs typeface="Arial" panose="020B0604020202020204" pitchFamily="34" charset="0"/>
+                                </a:rPr>
+                                <m:t>+</m:t>
+                              </m:r>
+                            </m:sup>
+                          </m:sSup>
+                        </m:oMath>
+                      </m:oMathPara>
+                    </a14:m>
+                    <a:endParaRPr lang="en-US" sz="2000" dirty="0" smtClean="0">
+                      <a:latin typeface="Arial" panose="020B0604020202020204" pitchFamily="34" charset="0"/>
+                      <a:cs typeface="Arial" panose="020B0604020202020204" pitchFamily="34" charset="0"/>
+                    </a:endParaRPr>
+                  </a:p>
+                </p:txBody>
+              </p:sp>
+            </mc:Choice>
+            <mc:Fallback>
+              <p:sp>
+                <p:nvSpPr>
+                  <p:cNvPr id="77" name="TextBox 76"/>
+                  <p:cNvSpPr txBox="1">
+                    <a:spLocks noRot="1" noChangeAspect="1" noMove="1" noResize="1" noEditPoints="1" noAdjustHandles="1" noChangeArrowheads="1" noChangeShapeType="1" noTextEdit="1"/>
+                  </p:cNvSpPr>
+                  <p:nvPr/>
+                </p:nvSpPr>
+                <p:spPr>
+                  <a:xfrm>
+                    <a:off x="3913478" y="3415812"/>
+                    <a:ext cx="384528" cy="345159"/>
+                  </a:xfrm>
+                  <a:prstGeom prst="rect">
+                    <a:avLst/>
+                  </a:prstGeom>
+                  <a:blipFill>
+                    <a:blip r:embed="rId10"/>
+                    <a:stretch>
+                      <a:fillRect l="-12698" t="-35088" r="-57143" b="-7018"/>
+                    </a:stretch>
+                  </a:blipFill>
+                </p:spPr>
+                <p:txBody>
+                  <a:bodyPr/>
+                  <a:lstStyle/>
+                  <a:p>
+                    <a:r>
+                      <a:rPr lang="en-US">
+                        <a:noFill/>
+                      </a:rPr>
+                      <a:t> </a:t>
+                    </a:r>
+                  </a:p>
+                </p:txBody>
+              </p:sp>
+            </mc:Fallback>
+          </mc:AlternateContent>
+          <mc:AlternateContent xmlns:mc="http://schemas.openxmlformats.org/markup-compatibility/2006">
+            <mc:Choice xmlns:a14="http://schemas.microsoft.com/office/drawing/2010/main" Requires="a14">
+              <p:sp>
+                <p:nvSpPr>
+                  <p:cNvPr id="78" name="TextBox 77"/>
+                  <p:cNvSpPr txBox="1"/>
+                  <p:nvPr/>
+                </p:nvSpPr>
+                <p:spPr>
+                  <a:xfrm>
+                    <a:off x="135016" y="4776375"/>
+                    <a:ext cx="384528" cy="345159"/>
+                  </a:xfrm>
+                  <a:prstGeom prst="rect">
+                    <a:avLst/>
+                  </a:prstGeom>
+                  <a:noFill/>
+                </p:spPr>
+                <p:txBody>
+                  <a:bodyPr wrap="none" lIns="0" tIns="0" rIns="0" bIns="0" rtlCol="0">
+                    <a:spAutoFit/>
+                  </a:bodyPr>
+                  <a:lstStyle/>
+                  <a:p>
+                    <a14:m>
+                      <m:oMathPara xmlns:m="http://schemas.openxmlformats.org/officeDocument/2006/math">
+                        <m:oMathParaPr>
+                          <m:jc m:val="centerGroup"/>
+                        </m:oMathParaPr>
+                        <m:oMath xmlns:m="http://schemas.openxmlformats.org/officeDocument/2006/math">
+                          <m:sSup>
+                            <m:sSupPr>
+                              <m:ctrlPr>
+                                <a:rPr lang="en-US" sz="2000" b="0" i="1" smtClean="0">
+                                  <a:latin typeface="Cambria Math" panose="02040503050406030204" pitchFamily="18" charset="0"/>
+                                  <a:cs typeface="Arial" panose="020B0604020202020204" pitchFamily="34" charset="0"/>
+                                </a:rPr>
+                              </m:ctrlPr>
+                            </m:sSupPr>
+                            <m:e>
+                              <m:acc>
+                                <m:accPr>
+                                  <m:chr m:val="⃗"/>
+                                  <m:ctrlPr>
+                                    <a:rPr lang="en-US" sz="2000" b="0" i="1" smtClean="0">
+                                      <a:latin typeface="Cambria Math" panose="02040503050406030204" pitchFamily="18" charset="0"/>
+                                      <a:cs typeface="Arial" panose="020B0604020202020204" pitchFamily="34" charset="0"/>
+                                    </a:rPr>
+                                  </m:ctrlPr>
+                                </m:accPr>
+                                <m:e>
+                                  <m:r>
+                                    <a:rPr lang="en-US" sz="2000" b="0" i="1" smtClean="0">
+                                      <a:latin typeface="Cambria Math" panose="02040503050406030204" pitchFamily="18" charset="0"/>
+                                      <a:cs typeface="Arial" panose="020B0604020202020204" pitchFamily="34" charset="0"/>
+                                    </a:rPr>
+                                    <m:t>𝐹</m:t>
+                                  </m:r>
+                                </m:e>
+                              </m:acc>
+                            </m:e>
+                            <m:sup>
+                              <m:r>
+                                <a:rPr lang="en-US" sz="2000" b="0" i="1" smtClean="0">
+                                  <a:latin typeface="Cambria Math" panose="02040503050406030204" pitchFamily="18" charset="0"/>
+                                  <a:cs typeface="Arial" panose="020B0604020202020204" pitchFamily="34" charset="0"/>
+                                </a:rPr>
+                                <m:t>−</m:t>
+                              </m:r>
+                            </m:sup>
+                          </m:sSup>
+                        </m:oMath>
+                      </m:oMathPara>
+                    </a14:m>
+                    <a:endParaRPr lang="en-US" sz="2000" dirty="0" smtClean="0">
+                      <a:latin typeface="Arial" panose="020B0604020202020204" pitchFamily="34" charset="0"/>
+                      <a:cs typeface="Arial" panose="020B0604020202020204" pitchFamily="34" charset="0"/>
+                    </a:endParaRPr>
+                  </a:p>
+                </p:txBody>
+              </p:sp>
+            </mc:Choice>
+            <mc:Fallback>
+              <p:sp>
+                <p:nvSpPr>
+                  <p:cNvPr id="78" name="TextBox 77"/>
+                  <p:cNvSpPr txBox="1">
+                    <a:spLocks noRot="1" noChangeAspect="1" noMove="1" noResize="1" noEditPoints="1" noAdjustHandles="1" noChangeArrowheads="1" noChangeShapeType="1" noTextEdit="1"/>
+                  </p:cNvSpPr>
+                  <p:nvPr/>
+                </p:nvSpPr>
+                <p:spPr>
+                  <a:xfrm>
+                    <a:off x="135016" y="4776375"/>
+                    <a:ext cx="384528" cy="345159"/>
+                  </a:xfrm>
+                  <a:prstGeom prst="rect">
+                    <a:avLst/>
+                  </a:prstGeom>
+                  <a:blipFill>
+                    <a:blip r:embed="rId11"/>
+                    <a:stretch>
+                      <a:fillRect l="-12698" t="-33333" r="-57143" b="-8772"/>
+                    </a:stretch>
+                  </a:blipFill>
+                </p:spPr>
+                <p:txBody>
+                  <a:bodyPr/>
+                  <a:lstStyle/>
+                  <a:p>
+                    <a:r>
+                      <a:rPr lang="en-US">
+                        <a:noFill/>
+                      </a:rPr>
+                      <a:t> </a:t>
+                    </a:r>
+                  </a:p>
+                </p:txBody>
+              </p:sp>
+            </mc:Fallback>
+          </mc:AlternateContent>
+          <p:cxnSp>
+            <p:nvCxnSpPr>
+              <p:cNvPr id="82" name="Straight Arrow Connector 81"/>
+              <p:cNvCxnSpPr/>
+              <p:nvPr/>
+            </p:nvCxnSpPr>
+            <p:spPr>
+              <a:xfrm>
+                <a:off x="1550586" y="4511223"/>
+                <a:ext cx="1176694" cy="20270"/>
+              </a:xfrm>
+              <a:prstGeom prst="straightConnector1">
+                <a:avLst/>
+              </a:prstGeom>
+              <a:ln w="38100">
+                <a:solidFill>
+                  <a:schemeClr val="tx1"/>
+                </a:solidFill>
+                <a:tailEnd type="triangle"/>
+              </a:ln>
+            </p:spPr>
+            <p:style>
+              <a:lnRef idx="1">
+                <a:schemeClr val="accent1"/>
+              </a:lnRef>
+              <a:fillRef idx="0">
+                <a:schemeClr val="accent1"/>
+              </a:fillRef>
+              <a:effectRef idx="0">
+                <a:schemeClr val="accent1"/>
+              </a:effectRef>
+              <a:fontRef idx="minor">
+                <a:schemeClr val="tx1"/>
+              </a:fontRef>
+            </p:style>
+          </p:cxnSp>
+          <mc:AlternateContent xmlns:mc="http://schemas.openxmlformats.org/markup-compatibility/2006">
+            <mc:Choice xmlns:a14="http://schemas.microsoft.com/office/drawing/2010/main" Requires="a14">
+              <p:sp>
+                <p:nvSpPr>
+                  <p:cNvPr id="83" name="TextBox 82"/>
+                  <p:cNvSpPr txBox="1"/>
+                  <p:nvPr/>
+                </p:nvSpPr>
+                <p:spPr>
+                  <a:xfrm>
+                    <a:off x="2588166" y="4596731"/>
+                    <a:ext cx="337848" cy="483146"/>
+                  </a:xfrm>
+                  <a:prstGeom prst="rect">
+                    <a:avLst/>
+                  </a:prstGeom>
+                  <a:noFill/>
+                </p:spPr>
+                <p:txBody>
+                  <a:bodyPr wrap="none" lIns="0" tIns="0" rIns="0" bIns="0" rtlCol="0">
+                    <a:spAutoFit/>
+                  </a:bodyPr>
+                  <a:lstStyle/>
+                  <a:p>
+                    <a14:m>
+                      <m:oMathPara xmlns:m="http://schemas.openxmlformats.org/officeDocument/2006/math">
+                        <m:oMathParaPr>
+                          <m:jc m:val="centerGroup"/>
+                        </m:oMathParaPr>
+                        <m:oMath xmlns:m="http://schemas.openxmlformats.org/officeDocument/2006/math">
+                          <m:acc>
+                            <m:accPr>
+                              <m:chr m:val="⃗"/>
+                              <m:ctrlPr>
+                                <a:rPr lang="en-US" sz="2800" b="0" i="1" smtClean="0">
+                                  <a:latin typeface="Cambria Math" panose="02040503050406030204" pitchFamily="18" charset="0"/>
+                                  <a:cs typeface="Arial" panose="020B0604020202020204" pitchFamily="34" charset="0"/>
+                                </a:rPr>
+                              </m:ctrlPr>
+                            </m:accPr>
+                            <m:e>
+                              <m:r>
+                                <a:rPr lang="en-US" sz="2800" b="0" i="1" smtClean="0">
+                                  <a:latin typeface="Cambria Math" panose="02040503050406030204" pitchFamily="18" charset="0"/>
+                                  <a:cs typeface="Arial" panose="020B0604020202020204" pitchFamily="34" charset="0"/>
+                                </a:rPr>
+                                <m:t>𝐸</m:t>
+                              </m:r>
+                            </m:e>
+                          </m:acc>
+                        </m:oMath>
+                      </m:oMathPara>
+                    </a14:m>
+                    <a:endParaRPr lang="en-US" sz="2800" dirty="0" smtClean="0">
+                      <a:latin typeface="Arial" panose="020B0604020202020204" pitchFamily="34" charset="0"/>
+                      <a:cs typeface="Arial" panose="020B0604020202020204" pitchFamily="34" charset="0"/>
+                    </a:endParaRPr>
+                  </a:p>
+                </p:txBody>
+              </p:sp>
+            </mc:Choice>
+            <mc:Fallback>
+              <p:sp>
+                <p:nvSpPr>
+                  <p:cNvPr id="83" name="TextBox 82"/>
+                  <p:cNvSpPr txBox="1">
+                    <a:spLocks noRot="1" noChangeAspect="1" noMove="1" noResize="1" noEditPoints="1" noAdjustHandles="1" noChangeArrowheads="1" noChangeShapeType="1" noTextEdit="1"/>
+                  </p:cNvSpPr>
+                  <p:nvPr/>
+                </p:nvSpPr>
+                <p:spPr>
+                  <a:xfrm>
+                    <a:off x="2588166" y="4596731"/>
+                    <a:ext cx="337848" cy="483146"/>
+                  </a:xfrm>
+                  <a:prstGeom prst="rect">
+                    <a:avLst/>
+                  </a:prstGeom>
+                  <a:blipFill>
+                    <a:blip r:embed="rId12"/>
+                    <a:stretch>
+                      <a:fillRect/>
+                    </a:stretch>
+                  </a:blipFill>
+                </p:spPr>
+                <p:txBody>
+                  <a:bodyPr/>
+                  <a:lstStyle/>
+                  <a:p>
+                    <a:r>
+                      <a:rPr lang="en-US">
+                        <a:noFill/>
+                      </a:rPr>
+                      <a:t> </a:t>
+                    </a:r>
+                  </a:p>
+                </p:txBody>
+              </p:sp>
+            </mc:Fallback>
+          </mc:AlternateContent>
+          <p:sp>
+            <p:nvSpPr>
+              <p:cNvPr id="84" name="Arc 83"/>
+              <p:cNvSpPr/>
+              <p:nvPr/>
+            </p:nvSpPr>
+            <p:spPr>
+              <a:xfrm>
+                <a:off x="1543730" y="4170203"/>
+                <a:ext cx="691116" cy="691116"/>
+              </a:xfrm>
+              <a:prstGeom prst="arc">
+                <a:avLst>
+                  <a:gd name="adj1" fmla="val 17847057"/>
+                  <a:gd name="adj2" fmla="val 0"/>
+                </a:avLst>
+              </a:prstGeom>
+              <a:ln w="38100">
+                <a:solidFill>
+                  <a:schemeClr val="tx1"/>
+                </a:solidFill>
+              </a:ln>
+            </p:spPr>
+            <p:style>
+              <a:lnRef idx="1">
+                <a:schemeClr val="accent1"/>
+              </a:lnRef>
+              <a:fillRef idx="0">
+                <a:schemeClr val="accent1"/>
+              </a:fillRef>
+              <a:effectRef idx="0">
+                <a:schemeClr val="accent1"/>
+              </a:effectRef>
+              <a:fontRef idx="minor">
+                <a:schemeClr val="tx1"/>
+              </a:fontRef>
+            </p:style>
+            <p:txBody>
+              <a:bodyPr rtlCol="0" anchor="ctr"/>
+              <a:lstStyle/>
+              <a:p>
+                <a:pPr algn="ctr"/>
+                <a:endParaRPr lang="en-US"/>
+              </a:p>
+            </p:txBody>
+          </p:sp>
+          <mc:AlternateContent xmlns:mc="http://schemas.openxmlformats.org/markup-compatibility/2006">
+            <mc:Choice xmlns:a14="http://schemas.microsoft.com/office/drawing/2010/main" Requires="a14">
+              <p:sp>
+                <p:nvSpPr>
+                  <p:cNvPr id="85" name="TextBox 84"/>
+                  <p:cNvSpPr txBox="1"/>
+                  <p:nvPr/>
+                </p:nvSpPr>
+                <p:spPr>
+                  <a:xfrm>
+                    <a:off x="2273218" y="4036923"/>
+                    <a:ext cx="311880" cy="430887"/>
+                  </a:xfrm>
+                  <a:prstGeom prst="rect">
+                    <a:avLst/>
+                  </a:prstGeom>
+                  <a:noFill/>
+                </p:spPr>
+                <p:txBody>
+                  <a:bodyPr wrap="none" lIns="0" tIns="0" rIns="0" bIns="0" rtlCol="0">
+                    <a:spAutoFit/>
+                  </a:bodyPr>
+                  <a:lstStyle/>
+                  <a:p>
+                    <a14:m>
+                      <m:oMathPara xmlns:m="http://schemas.openxmlformats.org/officeDocument/2006/math">
+                        <m:oMathParaPr>
+                          <m:jc m:val="centerGroup"/>
+                        </m:oMathParaPr>
+                        <m:oMath xmlns:m="http://schemas.openxmlformats.org/officeDocument/2006/math">
+                          <m:r>
+                            <a:rPr lang="en-US" sz="2800" b="0" i="1" smtClean="0">
+                              <a:latin typeface="Cambria Math" panose="02040503050406030204" pitchFamily="18" charset="0"/>
+                              <a:cs typeface="Arial" panose="020B0604020202020204" pitchFamily="34" charset="0"/>
+                            </a:rPr>
+                            <m:t>𝜃</m:t>
+                          </m:r>
+                        </m:oMath>
+                      </m:oMathPara>
+                    </a14:m>
+                    <a:endParaRPr lang="en-US" sz="2800" dirty="0" smtClean="0">
+                      <a:latin typeface="Arial" panose="020B0604020202020204" pitchFamily="34" charset="0"/>
+                      <a:cs typeface="Arial" panose="020B0604020202020204" pitchFamily="34" charset="0"/>
+                    </a:endParaRPr>
+                  </a:p>
+                </p:txBody>
+              </p:sp>
+            </mc:Choice>
+            <mc:Fallback>
+              <p:sp>
+                <p:nvSpPr>
+                  <p:cNvPr id="85" name="TextBox 84"/>
+                  <p:cNvSpPr txBox="1">
+                    <a:spLocks noRot="1" noChangeAspect="1" noMove="1" noResize="1" noEditPoints="1" noAdjustHandles="1" noChangeArrowheads="1" noChangeShapeType="1" noTextEdit="1"/>
+                  </p:cNvSpPr>
+                  <p:nvPr/>
+                </p:nvSpPr>
+                <p:spPr>
+                  <a:xfrm>
+                    <a:off x="2273218" y="4036923"/>
+                    <a:ext cx="311880" cy="430887"/>
+                  </a:xfrm>
+                  <a:prstGeom prst="rect">
+                    <a:avLst/>
+                  </a:prstGeom>
+                  <a:blipFill>
+                    <a:blip r:embed="rId13"/>
+                    <a:stretch>
+                      <a:fillRect/>
+                    </a:stretch>
+                  </a:blipFill>
+                </p:spPr>
+                <p:txBody>
+                  <a:bodyPr/>
+                  <a:lstStyle/>
+                  <a:p>
+                    <a:r>
+                      <a:rPr lang="en-US">
+                        <a:noFill/>
+                      </a:rPr>
+                      <a:t> </a:t>
+                    </a:r>
+                  </a:p>
+                </p:txBody>
+              </p:sp>
+            </mc:Fallback>
+          </mc:AlternateContent>
+        </p:grpSp>
+        <p:cxnSp>
+          <p:nvCxnSpPr>
+            <p:cNvPr id="89" name="Straight Arrow Connector 88"/>
+            <p:cNvCxnSpPr/>
+            <p:nvPr/>
+          </p:nvCxnSpPr>
+          <p:spPr>
+            <a:xfrm flipV="1">
+              <a:off x="2679558" y="3498404"/>
+              <a:ext cx="630776" cy="370544"/>
+            </a:xfrm>
+            <a:prstGeom prst="straightConnector1">
+              <a:avLst/>
+            </a:prstGeom>
+            <a:ln w="38100">
+              <a:solidFill>
+                <a:schemeClr val="tx1"/>
+              </a:solidFill>
+              <a:headEnd type="triangle"/>
+              <a:tailEnd type="triangle"/>
+            </a:ln>
+          </p:spPr>
+          <p:style>
+            <a:lnRef idx="1">
+              <a:schemeClr val="accent1"/>
+            </a:lnRef>
+            <a:fillRef idx="0">
+              <a:schemeClr val="accent1"/>
+            </a:fillRef>
+            <a:effectRef idx="0">
+              <a:schemeClr val="accent1"/>
+            </a:effectRef>
+            <a:fontRef idx="minor">
+              <a:schemeClr val="tx1"/>
+            </a:fontRef>
+          </p:style>
+        </p:cxnSp>
+        <p:cxnSp>
+          <p:nvCxnSpPr>
+            <p:cNvPr id="91" name="Straight Arrow Connector 90"/>
+            <p:cNvCxnSpPr/>
+            <p:nvPr/>
+          </p:nvCxnSpPr>
+          <p:spPr>
+            <a:xfrm flipV="1">
+              <a:off x="2055395" y="3895151"/>
+              <a:ext cx="630776" cy="370544"/>
+            </a:xfrm>
+            <a:prstGeom prst="straightConnector1">
+              <a:avLst/>
+            </a:prstGeom>
+            <a:ln w="38100">
+              <a:solidFill>
+                <a:schemeClr val="tx1"/>
+              </a:solidFill>
+              <a:headEnd type="triangle"/>
+              <a:tailEnd type="triangle"/>
+            </a:ln>
+          </p:spPr>
+          <p:style>
+            <a:lnRef idx="1">
+              <a:schemeClr val="accent1"/>
+            </a:lnRef>
+            <a:fillRef idx="0">
+              <a:schemeClr val="accent1"/>
+            </a:fillRef>
+            <a:effectRef idx="0">
+              <a:schemeClr val="accent1"/>
+            </a:effectRef>
+            <a:fontRef idx="minor">
+              <a:schemeClr val="tx1"/>
+            </a:fontRef>
+          </p:style>
+        </p:cxnSp>
+        <mc:AlternateContent xmlns:mc="http://schemas.openxmlformats.org/markup-compatibility/2006">
+          <mc:Choice xmlns:a14="http://schemas.microsoft.com/office/drawing/2010/main" Requires="a14">
+            <p:sp>
+              <p:nvSpPr>
+                <p:cNvPr id="92" name="TextBox 91"/>
+                <p:cNvSpPr txBox="1"/>
+                <p:nvPr/>
+              </p:nvSpPr>
+              <p:spPr>
+                <a:xfrm>
+                  <a:off x="2029826" y="3484342"/>
+                  <a:ext cx="384736" cy="582339"/>
+                </a:xfrm>
+                <a:prstGeom prst="rect">
+                  <a:avLst/>
+                </a:prstGeom>
+                <a:noFill/>
+              </p:spPr>
+              <p:txBody>
+                <a:bodyPr wrap="square" lIns="0" tIns="0" rIns="0" bIns="0" rtlCol="0">
+                  <a:spAutoFit/>
+                </a:bodyPr>
+                <a:lstStyle/>
+                <a:p>
+                  <a:pPr/>
+                  <a14:m>
+                    <m:oMathPara xmlns:m="http://schemas.openxmlformats.org/officeDocument/2006/math">
+                      <m:oMathParaPr>
+                        <m:jc m:val="centerGroup"/>
+                      </m:oMathParaPr>
+                      <m:oMath xmlns:m="http://schemas.openxmlformats.org/officeDocument/2006/math">
+                        <m:f>
+                          <m:fPr>
+                            <m:ctrlPr>
+                              <a:rPr lang="en-US" sz="2000" b="0" i="0" smtClean="0">
+                                <a:latin typeface="Cambria Math" panose="02040503050406030204" pitchFamily="18" charset="0"/>
+                                <a:cs typeface="Arial" panose="020B0604020202020204" pitchFamily="34" charset="0"/>
+                              </a:rPr>
+                            </m:ctrlPr>
+                          </m:fPr>
+                          <m:num>
+                            <m:r>
+                              <a:rPr lang="en-US" sz="2000" b="0" i="1" smtClean="0">
+                                <a:latin typeface="Cambria Math" panose="02040503050406030204" pitchFamily="18" charset="0"/>
+                                <a:cs typeface="Arial" panose="020B0604020202020204" pitchFamily="34" charset="0"/>
+                              </a:rPr>
+                              <m:t>𝑙</m:t>
+                            </m:r>
+                          </m:num>
+                          <m:den>
+                            <m:r>
+                              <a:rPr lang="en-US" sz="2000" b="0" i="0" smtClean="0">
+                                <a:latin typeface="Cambria Math" panose="02040503050406030204" pitchFamily="18" charset="0"/>
+                                <a:cs typeface="Arial" panose="020B0604020202020204" pitchFamily="34" charset="0"/>
+                              </a:rPr>
+                              <m:t>2</m:t>
+                            </m:r>
+                          </m:den>
+                        </m:f>
+                      </m:oMath>
+                    </m:oMathPara>
+                  </a14:m>
+                  <a:endParaRPr lang="en-US" sz="2000" dirty="0" smtClean="0">
+                    <a:latin typeface="Arial" panose="020B0604020202020204" pitchFamily="34" charset="0"/>
+                    <a:cs typeface="Arial" panose="020B0604020202020204" pitchFamily="34" charset="0"/>
+                  </a:endParaRPr>
+                </a:p>
+              </p:txBody>
+            </p:sp>
+          </mc:Choice>
+          <mc:Fallback>
+            <p:sp>
+              <p:nvSpPr>
+                <p:cNvPr id="92" name="TextBox 91"/>
+                <p:cNvSpPr txBox="1">
+                  <a:spLocks noRot="1" noChangeAspect="1" noMove="1" noResize="1" noEditPoints="1" noAdjustHandles="1" noChangeArrowheads="1" noChangeShapeType="1" noTextEdit="1"/>
+                </p:cNvSpPr>
+                <p:nvPr/>
+              </p:nvSpPr>
+              <p:spPr>
+                <a:xfrm>
+                  <a:off x="2029826" y="3484342"/>
+                  <a:ext cx="384736" cy="582339"/>
+                </a:xfrm>
+                <a:prstGeom prst="rect">
+                  <a:avLst/>
+                </a:prstGeom>
+                <a:blipFill>
+                  <a:blip r:embed="rId14"/>
+                  <a:stretch>
+                    <a:fillRect/>
+                  </a:stretch>
+                </a:blipFill>
+              </p:spPr>
+              <p:txBody>
+                <a:bodyPr/>
+                <a:lstStyle/>
+                <a:p>
+                  <a:r>
+                    <a:rPr lang="en-US">
+                      <a:noFill/>
+                    </a:rPr>
+                    <a:t> </a:t>
+                  </a:r>
+                </a:p>
+              </p:txBody>
+            </p:sp>
+          </mc:Fallback>
+        </mc:AlternateContent>
+        <mc:AlternateContent xmlns:mc="http://schemas.openxmlformats.org/markup-compatibility/2006">
+          <mc:Choice xmlns:a14="http://schemas.microsoft.com/office/drawing/2010/main" Requires="a14">
+            <p:sp>
+              <p:nvSpPr>
+                <p:cNvPr id="93" name="TextBox 92"/>
+                <p:cNvSpPr txBox="1"/>
+                <p:nvPr/>
+              </p:nvSpPr>
+              <p:spPr>
+                <a:xfrm>
+                  <a:off x="2734824" y="3073473"/>
+                  <a:ext cx="384736" cy="582339"/>
+                </a:xfrm>
+                <a:prstGeom prst="rect">
+                  <a:avLst/>
+                </a:prstGeom>
+                <a:noFill/>
+              </p:spPr>
+              <p:txBody>
+                <a:bodyPr wrap="square" lIns="0" tIns="0" rIns="0" bIns="0" rtlCol="0">
+                  <a:spAutoFit/>
+                </a:bodyPr>
+                <a:lstStyle/>
+                <a:p>
+                  <a:pPr/>
+                  <a14:m>
+                    <m:oMathPara xmlns:m="http://schemas.openxmlformats.org/officeDocument/2006/math">
+                      <m:oMathParaPr>
+                        <m:jc m:val="centerGroup"/>
+                      </m:oMathParaPr>
+                      <m:oMath xmlns:m="http://schemas.openxmlformats.org/officeDocument/2006/math">
+                        <m:f>
+                          <m:fPr>
+                            <m:ctrlPr>
+                              <a:rPr lang="en-US" sz="2000" b="0" i="0" smtClean="0">
+                                <a:latin typeface="Cambria Math" panose="02040503050406030204" pitchFamily="18" charset="0"/>
+                                <a:cs typeface="Arial" panose="020B0604020202020204" pitchFamily="34" charset="0"/>
+                              </a:rPr>
+                            </m:ctrlPr>
+                          </m:fPr>
+                          <m:num>
+                            <m:r>
+                              <a:rPr lang="en-US" sz="2000" b="0" i="1" smtClean="0">
+                                <a:latin typeface="Cambria Math" panose="02040503050406030204" pitchFamily="18" charset="0"/>
+                                <a:cs typeface="Arial" panose="020B0604020202020204" pitchFamily="34" charset="0"/>
+                              </a:rPr>
+                              <m:t>𝑙</m:t>
+                            </m:r>
+                          </m:num>
+                          <m:den>
+                            <m:r>
+                              <a:rPr lang="en-US" sz="2000" b="0" i="0" smtClean="0">
+                                <a:latin typeface="Cambria Math" panose="02040503050406030204" pitchFamily="18" charset="0"/>
+                                <a:cs typeface="Arial" panose="020B0604020202020204" pitchFamily="34" charset="0"/>
+                              </a:rPr>
+                              <m:t>2</m:t>
+                            </m:r>
+                          </m:den>
+                        </m:f>
+                      </m:oMath>
+                    </m:oMathPara>
+                  </a14:m>
+                  <a:endParaRPr lang="en-US" sz="2000" dirty="0" smtClean="0">
+                    <a:latin typeface="Arial" panose="020B0604020202020204" pitchFamily="34" charset="0"/>
+                    <a:cs typeface="Arial" panose="020B0604020202020204" pitchFamily="34" charset="0"/>
+                  </a:endParaRPr>
+                </a:p>
+              </p:txBody>
+            </p:sp>
+          </mc:Choice>
+          <mc:Fallback>
+            <p:sp>
+              <p:nvSpPr>
+                <p:cNvPr id="93" name="TextBox 92"/>
+                <p:cNvSpPr txBox="1">
+                  <a:spLocks noRot="1" noChangeAspect="1" noMove="1" noResize="1" noEditPoints="1" noAdjustHandles="1" noChangeArrowheads="1" noChangeShapeType="1" noTextEdit="1"/>
+                </p:cNvSpPr>
+                <p:nvPr/>
+              </p:nvSpPr>
+              <p:spPr>
+                <a:xfrm>
+                  <a:off x="2734824" y="3073473"/>
+                  <a:ext cx="384736" cy="582339"/>
+                </a:xfrm>
+                <a:prstGeom prst="rect">
+                  <a:avLst/>
+                </a:prstGeom>
+                <a:blipFill>
+                  <a:blip r:embed="rId15"/>
+                  <a:stretch>
+                    <a:fillRect/>
+                  </a:stretch>
+                </a:blipFill>
+              </p:spPr>
+              <p:txBody>
+                <a:bodyPr/>
+                <a:lstStyle/>
+                <a:p>
+                  <a:r>
+                    <a:rPr lang="en-US">
+                      <a:noFill/>
+                    </a:rPr>
+                    <a:t> </a:t>
+                  </a:r>
+                </a:p>
+              </p:txBody>
+            </p:sp>
+          </mc:Fallback>
+        </mc:AlternateContent>
+      </p:grpSp>
     </p:spTree>
     <p:extLst>
       <p:ext uri="{BB962C8B-B14F-4D97-AF65-F5344CB8AC3E}">

--- a/tex/figures/ChargesFields/Figures.pptx
+++ b/tex/figures/ChargesFields/Figures.pptx
@@ -6242,6 +6242,519 @@
             </a:fontRef>
           </p:style>
         </p:cxnSp>
+      </p:grpSp>
+      <p:grpSp>
+        <p:nvGrpSpPr>
+          <p:cNvPr id="80" name="Group 79"/>
+          <p:cNvGrpSpPr/>
+          <p:nvPr/>
+        </p:nvGrpSpPr>
+        <p:grpSpPr>
+          <a:xfrm>
+            <a:off x="6303462" y="1500637"/>
+            <a:ext cx="983624" cy="709995"/>
+            <a:chOff x="8248391" y="2564515"/>
+            <a:chExt cx="983624" cy="709995"/>
+          </a:xfrm>
+        </p:grpSpPr>
+        <p:grpSp>
+          <p:nvGrpSpPr>
+            <p:cNvPr id="81" name="Group 80"/>
+            <p:cNvGrpSpPr/>
+            <p:nvPr/>
+          </p:nvGrpSpPr>
+          <p:grpSpPr>
+            <a:xfrm>
+              <a:off x="8248391" y="2564515"/>
+              <a:ext cx="888156" cy="709995"/>
+              <a:chOff x="758520" y="708040"/>
+              <a:chExt cx="2565390" cy="2135605"/>
+            </a:xfrm>
+          </p:grpSpPr>
+          <p:grpSp>
+            <p:nvGrpSpPr>
+              <p:cNvPr id="84" name="Group 83"/>
+              <p:cNvGrpSpPr/>
+              <p:nvPr/>
+            </p:nvGrpSpPr>
+            <p:grpSpPr>
+              <a:xfrm>
+                <a:off x="758520" y="708040"/>
+                <a:ext cx="2565390" cy="2135605"/>
+                <a:chOff x="785815" y="680744"/>
+                <a:chExt cx="2565390" cy="2135605"/>
+              </a:xfrm>
+            </p:grpSpPr>
+            <p:cxnSp>
+              <p:nvCxnSpPr>
+                <p:cNvPr id="86" name="Straight Arrow Connector 85"/>
+                <p:cNvCxnSpPr/>
+                <p:nvPr/>
+              </p:nvCxnSpPr>
+              <p:spPr>
+                <a:xfrm flipV="1">
+                  <a:off x="1516583" y="680744"/>
+                  <a:ext cx="7683" cy="1859535"/>
+                </a:xfrm>
+                <a:prstGeom prst="straightConnector1">
+                  <a:avLst/>
+                </a:prstGeom>
+                <a:ln w="38100">
+                  <a:solidFill>
+                    <a:schemeClr val="tx1"/>
+                  </a:solidFill>
+                  <a:tailEnd type="triangle"/>
+                </a:ln>
+              </p:spPr>
+              <p:style>
+                <a:lnRef idx="1">
+                  <a:schemeClr val="accent1"/>
+                </a:lnRef>
+                <a:fillRef idx="0">
+                  <a:schemeClr val="accent1"/>
+                </a:fillRef>
+                <a:effectRef idx="0">
+                  <a:schemeClr val="accent1"/>
+                </a:effectRef>
+                <a:fontRef idx="minor">
+                  <a:schemeClr val="tx1"/>
+                </a:fontRef>
+              </p:style>
+            </p:cxnSp>
+            <p:cxnSp>
+              <p:nvCxnSpPr>
+                <p:cNvPr id="87" name="Straight Arrow Connector 86"/>
+                <p:cNvCxnSpPr/>
+                <p:nvPr/>
+              </p:nvCxnSpPr>
+              <p:spPr>
+                <a:xfrm flipV="1">
+                  <a:off x="1476301" y="2503276"/>
+                  <a:ext cx="1874904" cy="0"/>
+                </a:xfrm>
+                <a:prstGeom prst="straightConnector1">
+                  <a:avLst/>
+                </a:prstGeom>
+                <a:ln w="38100">
+                  <a:solidFill>
+                    <a:schemeClr val="tx1"/>
+                  </a:solidFill>
+                  <a:tailEnd type="triangle"/>
+                </a:ln>
+              </p:spPr>
+              <p:style>
+                <a:lnRef idx="1">
+                  <a:schemeClr val="accent1"/>
+                </a:lnRef>
+                <a:fillRef idx="0">
+                  <a:schemeClr val="accent1"/>
+                </a:fillRef>
+                <a:effectRef idx="0">
+                  <a:schemeClr val="accent1"/>
+                </a:effectRef>
+                <a:fontRef idx="minor">
+                  <a:schemeClr val="tx1"/>
+                </a:fontRef>
+              </p:style>
+            </p:cxnSp>
+            <mc:AlternateContent xmlns:mc="http://schemas.openxmlformats.org/markup-compatibility/2006" xmlns:a14="http://schemas.microsoft.com/office/drawing/2010/main">
+              <mc:Choice Requires="a14">
+                <p:sp>
+                  <p:nvSpPr>
+                    <p:cNvPr id="88" name="Rectangle 87"/>
+                    <p:cNvSpPr/>
+                    <p:nvPr/>
+                  </p:nvSpPr>
+                  <p:spPr>
+                    <a:xfrm>
+                      <a:off x="2697555" y="2447016"/>
+                      <a:ext cx="367985" cy="369333"/>
+                    </a:xfrm>
+                    <a:prstGeom prst="rect">
+                      <a:avLst/>
+                    </a:prstGeom>
+                  </p:spPr>
+                  <p:txBody>
+                    <a:bodyPr wrap="none">
+                      <a:spAutoFit/>
+                    </a:bodyPr>
+                    <a:lstStyle/>
+                    <a:p>
+                      <a:pPr/>
+                      <a14:m>
+                        <m:oMathPara xmlns:m="http://schemas.openxmlformats.org/officeDocument/2006/math">
+                          <m:oMathParaPr>
+                            <m:jc m:val="centerGroup"/>
+                          </m:oMathParaPr>
+                          <m:oMath xmlns:m="http://schemas.openxmlformats.org/officeDocument/2006/math">
+                            <m:r>
+                              <a:rPr lang="en-US" i="1">
+                                <a:latin typeface="Cambria Math" panose="02040503050406030204" pitchFamily="18" charset="0"/>
+                                <a:cs typeface="Arial" panose="020B0604020202020204" pitchFamily="34" charset="0"/>
+                              </a:rPr>
+                              <m:t>𝑥</m:t>
+                            </m:r>
+                          </m:oMath>
+                        </m:oMathPara>
+                      </a14:m>
+                      <a:endParaRPr lang="en-CA" dirty="0"/>
+                    </a:p>
+                  </p:txBody>
+                </p:sp>
+              </mc:Choice>
+              <mc:Fallback xmlns="">
+                <p:sp>
+                  <p:nvSpPr>
+                    <p:cNvPr id="107" name="Rectangle 106"/>
+                    <p:cNvSpPr>
+                      <a:spLocks noRot="1" noChangeAspect="1" noMove="1" noResize="1" noEditPoints="1" noAdjustHandles="1" noChangeArrowheads="1" noChangeShapeType="1" noTextEdit="1"/>
+                    </p:cNvSpPr>
+                    <p:nvPr/>
+                  </p:nvSpPr>
+                  <p:spPr>
+                    <a:xfrm>
+                      <a:off x="2697555" y="2447016"/>
+                      <a:ext cx="367985" cy="369333"/>
+                    </a:xfrm>
+                    <a:prstGeom prst="rect">
+                      <a:avLst/>
+                    </a:prstGeom>
+                    <a:blipFill>
+                      <a:blip r:embed="rId27"/>
+                      <a:stretch>
+                        <a:fillRect r="-95238" b="-160000"/>
+                      </a:stretch>
+                    </a:blipFill>
+                  </p:spPr>
+                  <p:txBody>
+                    <a:bodyPr/>
+                    <a:lstStyle/>
+                    <a:p>
+                      <a:r>
+                        <a:rPr lang="en-US">
+                          <a:noFill/>
+                        </a:rPr>
+                        <a:t> </a:t>
+                      </a:r>
+                    </a:p>
+                  </p:txBody>
+                </p:sp>
+              </mc:Fallback>
+            </mc:AlternateContent>
+            <mc:AlternateContent xmlns:mc="http://schemas.openxmlformats.org/markup-compatibility/2006">
+              <mc:Choice xmlns:a14="http://schemas.microsoft.com/office/drawing/2010/main" Requires="a14">
+                <p:sp>
+                  <p:nvSpPr>
+                    <p:cNvPr id="89" name="Rectangle 88"/>
+                    <p:cNvSpPr/>
+                    <p:nvPr/>
+                  </p:nvSpPr>
+                  <p:spPr>
+                    <a:xfrm>
+                      <a:off x="785815" y="912420"/>
+                      <a:ext cx="1021790" cy="1110919"/>
+                    </a:xfrm>
+                    <a:prstGeom prst="rect">
+                      <a:avLst/>
+                    </a:prstGeom>
+                  </p:spPr>
+                  <p:txBody>
+                    <a:bodyPr wrap="none">
+                      <a:spAutoFit/>
+                    </a:bodyPr>
+                    <a:lstStyle/>
+                    <a:p>
+                      <a:pPr/>
+                      <a14:m>
+                        <m:oMathPara xmlns:m="http://schemas.openxmlformats.org/officeDocument/2006/math">
+                          <m:oMathParaPr>
+                            <m:jc m:val="centerGroup"/>
+                          </m:oMathParaPr>
+                          <m:oMath xmlns:m="http://schemas.openxmlformats.org/officeDocument/2006/math">
+                            <m:r>
+                              <a:rPr lang="en-US" b="0" i="1" smtClean="0">
+                                <a:latin typeface="Cambria Math" panose="02040503050406030204" pitchFamily="18" charset="0"/>
+                              </a:rPr>
+                              <m:t>𝑧</m:t>
+                            </m:r>
+                          </m:oMath>
+                        </m:oMathPara>
+                      </a14:m>
+                      <a:endParaRPr lang="en-CA" dirty="0"/>
+                    </a:p>
+                  </p:txBody>
+                </p:sp>
+              </mc:Choice>
+              <mc:Fallback>
+                <p:sp>
+                  <p:nvSpPr>
+                    <p:cNvPr id="89" name="Rectangle 88"/>
+                    <p:cNvSpPr>
+                      <a:spLocks noRot="1" noChangeAspect="1" noMove="1" noResize="1" noEditPoints="1" noAdjustHandles="1" noChangeArrowheads="1" noChangeShapeType="1" noTextEdit="1"/>
+                    </p:cNvSpPr>
+                    <p:nvPr/>
+                  </p:nvSpPr>
+                  <p:spPr>
+                    <a:xfrm>
+                      <a:off x="785815" y="912420"/>
+                      <a:ext cx="1021790" cy="1110919"/>
+                    </a:xfrm>
+                    <a:prstGeom prst="rect">
+                      <a:avLst/>
+                    </a:prstGeom>
+                    <a:blipFill>
+                      <a:blip r:embed="rId32"/>
+                      <a:stretch>
+                        <a:fillRect/>
+                      </a:stretch>
+                    </a:blipFill>
+                  </p:spPr>
+                  <p:txBody>
+                    <a:bodyPr/>
+                    <a:lstStyle/>
+                    <a:p>
+                      <a:r>
+                        <a:rPr lang="en-US">
+                          <a:noFill/>
+                        </a:rPr>
+                        <a:t> </a:t>
+                      </a:r>
+                    </a:p>
+                  </p:txBody>
+                </p:sp>
+              </mc:Fallback>
+            </mc:AlternateContent>
+            <mc:AlternateContent xmlns:mc="http://schemas.openxmlformats.org/markup-compatibility/2006" xmlns:a14="http://schemas.microsoft.com/office/drawing/2010/main">
+              <mc:Choice Requires="a14">
+                <p:sp>
+                  <p:nvSpPr>
+                    <p:cNvPr id="90" name="Rectangle 89"/>
+                    <p:cNvSpPr/>
+                    <p:nvPr/>
+                  </p:nvSpPr>
+                  <p:spPr>
+                    <a:xfrm>
+                      <a:off x="1006642" y="2350591"/>
+                      <a:ext cx="367985" cy="369333"/>
+                    </a:xfrm>
+                    <a:prstGeom prst="rect">
+                      <a:avLst/>
+                    </a:prstGeom>
+                  </p:spPr>
+                  <p:txBody>
+                    <a:bodyPr wrap="none">
+                      <a:spAutoFit/>
+                    </a:bodyPr>
+                    <a:lstStyle/>
+                    <a:p>
+                      <a:pPr/>
+                      <a14:m>
+                        <m:oMathPara xmlns:m="http://schemas.openxmlformats.org/officeDocument/2006/math">
+                          <m:oMathParaPr>
+                            <m:jc m:val="centerGroup"/>
+                          </m:oMathParaPr>
+                          <m:oMath xmlns:m="http://schemas.openxmlformats.org/officeDocument/2006/math">
+                            <m:r>
+                              <a:rPr lang="en-US" b="0" i="1" smtClean="0">
+                                <a:latin typeface="Cambria Math" panose="02040503050406030204" pitchFamily="18" charset="0"/>
+                                <a:cs typeface="Arial" panose="020B0604020202020204" pitchFamily="34" charset="0"/>
+                              </a:rPr>
+                              <m:t>0</m:t>
+                            </m:r>
+                          </m:oMath>
+                        </m:oMathPara>
+                      </a14:m>
+                      <a:endParaRPr lang="en-CA" dirty="0"/>
+                    </a:p>
+                  </p:txBody>
+                </p:sp>
+              </mc:Choice>
+              <mc:Fallback xmlns="">
+                <p:sp>
+                  <p:nvSpPr>
+                    <p:cNvPr id="109" name="Rectangle 108"/>
+                    <p:cNvSpPr>
+                      <a:spLocks noRot="1" noChangeAspect="1" noMove="1" noResize="1" noEditPoints="1" noAdjustHandles="1" noChangeArrowheads="1" noChangeShapeType="1" noTextEdit="1"/>
+                    </p:cNvSpPr>
+                    <p:nvPr/>
+                  </p:nvSpPr>
+                  <p:spPr>
+                    <a:xfrm>
+                      <a:off x="1006642" y="2350591"/>
+                      <a:ext cx="367985" cy="369333"/>
+                    </a:xfrm>
+                    <a:prstGeom prst="rect">
+                      <a:avLst/>
+                    </a:prstGeom>
+                    <a:blipFill>
+                      <a:blip r:embed="rId29"/>
+                      <a:stretch>
+                        <a:fillRect l="-14286" r="-114286" b="-180000"/>
+                      </a:stretch>
+                    </a:blipFill>
+                  </p:spPr>
+                  <p:txBody>
+                    <a:bodyPr/>
+                    <a:lstStyle/>
+                    <a:p>
+                      <a:r>
+                        <a:rPr lang="en-US">
+                          <a:noFill/>
+                        </a:rPr>
+                        <a:t> </a:t>
+                      </a:r>
+                    </a:p>
+                  </p:txBody>
+                </p:sp>
+              </mc:Fallback>
+            </mc:AlternateContent>
+          </p:grpSp>
+          <p:sp>
+            <p:nvSpPr>
+              <p:cNvPr id="85" name="Rectangle 84"/>
+              <p:cNvSpPr/>
+              <p:nvPr/>
+            </p:nvSpPr>
+            <p:spPr>
+              <a:xfrm>
+                <a:off x="1129904" y="1614682"/>
+                <a:ext cx="184731" cy="369332"/>
+              </a:xfrm>
+              <a:prstGeom prst="rect">
+                <a:avLst/>
+              </a:prstGeom>
+            </p:spPr>
+            <p:txBody>
+              <a:bodyPr wrap="none">
+                <a:spAutoFit/>
+              </a:bodyPr>
+              <a:lstStyle/>
+              <a:p>
+                <a:endParaRPr lang="en-CA" dirty="0"/>
+              </a:p>
+            </p:txBody>
+          </p:sp>
+        </p:grpSp>
+        <p:cxnSp>
+          <p:nvCxnSpPr>
+            <p:cNvPr id="82" name="Straight Arrow Connector 81"/>
+            <p:cNvCxnSpPr/>
+            <p:nvPr/>
+          </p:nvCxnSpPr>
+          <p:spPr>
+            <a:xfrm flipV="1">
+              <a:off x="8499634" y="2899233"/>
+              <a:ext cx="474314" cy="273145"/>
+            </a:xfrm>
+            <a:prstGeom prst="straightConnector1">
+              <a:avLst/>
+            </a:prstGeom>
+            <a:ln w="38100">
+              <a:solidFill>
+                <a:schemeClr val="tx1"/>
+              </a:solidFill>
+              <a:prstDash val="sysDot"/>
+              <a:tailEnd type="triangle"/>
+            </a:ln>
+          </p:spPr>
+          <p:style>
+            <a:lnRef idx="1">
+              <a:schemeClr val="accent1"/>
+            </a:lnRef>
+            <a:fillRef idx="0">
+              <a:schemeClr val="accent1"/>
+            </a:fillRef>
+            <a:effectRef idx="0">
+              <a:schemeClr val="accent1"/>
+            </a:effectRef>
+            <a:fontRef idx="minor">
+              <a:schemeClr val="tx1"/>
+            </a:fontRef>
+          </p:style>
+        </p:cxnSp>
+        <mc:AlternateContent xmlns:mc="http://schemas.openxmlformats.org/markup-compatibility/2006">
+          <mc:Choice xmlns:a14="http://schemas.microsoft.com/office/drawing/2010/main" Requires="a14">
+            <p:sp>
+              <p:nvSpPr>
+                <p:cNvPr id="83" name="Rectangle 82"/>
+                <p:cNvSpPr/>
+                <p:nvPr/>
+              </p:nvSpPr>
+              <p:spPr>
+                <a:xfrm>
+                  <a:off x="8860631" y="2742661"/>
+                  <a:ext cx="371384" cy="369332"/>
+                </a:xfrm>
+                <a:prstGeom prst="rect">
+                  <a:avLst/>
+                </a:prstGeom>
+              </p:spPr>
+              <p:txBody>
+                <a:bodyPr wrap="none">
+                  <a:spAutoFit/>
+                </a:bodyPr>
+                <a:lstStyle/>
+                <a:p>
+                  <a:pPr/>
+                  <a14:m>
+                    <m:oMathPara xmlns:m="http://schemas.openxmlformats.org/officeDocument/2006/math">
+                      <m:oMathParaPr>
+                        <m:jc m:val="centerGroup"/>
+                      </m:oMathParaPr>
+                      <m:oMath xmlns:m="http://schemas.openxmlformats.org/officeDocument/2006/math">
+                        <m:r>
+                          <a:rPr lang="en-US" b="0" i="1" smtClean="0">
+                            <a:latin typeface="Cambria Math" panose="02040503050406030204" pitchFamily="18" charset="0"/>
+                          </a:rPr>
+                          <m:t>𝑦</m:t>
+                        </m:r>
+                      </m:oMath>
+                    </m:oMathPara>
+                  </a14:m>
+                  <a:endParaRPr lang="en-CA" dirty="0"/>
+                </a:p>
+              </p:txBody>
+            </p:sp>
+          </mc:Choice>
+          <mc:Fallback>
+            <p:sp>
+              <p:nvSpPr>
+                <p:cNvPr id="83" name="Rectangle 82"/>
+                <p:cNvSpPr>
+                  <a:spLocks noRot="1" noChangeAspect="1" noMove="1" noResize="1" noEditPoints="1" noAdjustHandles="1" noChangeArrowheads="1" noChangeShapeType="1" noTextEdit="1"/>
+                </p:cNvSpPr>
+                <p:nvPr/>
+              </p:nvSpPr>
+              <p:spPr>
+                <a:xfrm>
+                  <a:off x="8860631" y="2742661"/>
+                  <a:ext cx="371384" cy="369332"/>
+                </a:xfrm>
+                <a:prstGeom prst="rect">
+                  <a:avLst/>
+                </a:prstGeom>
+                <a:blipFill>
+                  <a:blip r:embed="rId33"/>
+                  <a:stretch>
+                    <a:fillRect b="-6557"/>
+                  </a:stretch>
+                </a:blipFill>
+              </p:spPr>
+              <p:txBody>
+                <a:bodyPr/>
+                <a:lstStyle/>
+                <a:p>
+                  <a:r>
+                    <a:rPr lang="en-US">
+                      <a:noFill/>
+                    </a:rPr>
+                    <a:t> </a:t>
+                  </a:r>
+                </a:p>
+              </p:txBody>
+            </p:sp>
+          </mc:Fallback>
+        </mc:AlternateContent>
       </p:grpSp>
     </p:spTree>
     <p:extLst>
@@ -25725,16 +26238,16 @@
       </p:grpSp>
       <p:grpSp>
         <p:nvGrpSpPr>
-          <p:cNvPr id="91" name="Group 90"/>
+          <p:cNvPr id="99" name="Group 98"/>
           <p:cNvGrpSpPr/>
           <p:nvPr/>
         </p:nvGrpSpPr>
         <p:grpSpPr>
           <a:xfrm>
-            <a:off x="8323951" y="596230"/>
-            <a:ext cx="3134976" cy="2964729"/>
-            <a:chOff x="8111299" y="1681447"/>
-            <a:chExt cx="3134976" cy="2964729"/>
+            <a:off x="8248391" y="596230"/>
+            <a:ext cx="3210536" cy="2678280"/>
+            <a:chOff x="8248391" y="596230"/>
+            <a:chExt cx="3210536" cy="2678280"/>
           </a:xfrm>
         </p:grpSpPr>
         <p:sp>
@@ -25745,7 +26258,7 @@
           </p:nvSpPr>
           <p:spPr>
             <a:xfrm>
-              <a:off x="8286982" y="2928457"/>
+              <a:off x="8499634" y="1843240"/>
               <a:ext cx="2959293" cy="1028071"/>
             </a:xfrm>
             <a:prstGeom prst="ellipse">
@@ -25795,7 +26308,7 @@
           </p:nvSpPr>
           <p:spPr>
             <a:xfrm>
-              <a:off x="8773617" y="3133258"/>
+              <a:off x="8986269" y="2048041"/>
               <a:ext cx="1970476" cy="584763"/>
             </a:xfrm>
             <a:prstGeom prst="ellipse">
@@ -25841,7 +26354,7 @@
           </p:nvSpPr>
           <p:spPr>
             <a:xfrm>
-              <a:off x="8988822" y="3249751"/>
+              <a:off x="9201474" y="2164534"/>
               <a:ext cx="1555611" cy="356406"/>
             </a:xfrm>
             <a:prstGeom prst="ellipse">
@@ -25891,7 +26404,7 @@
           </p:nvCxnSpPr>
           <p:spPr>
             <a:xfrm>
-              <a:off x="8976153" y="3216405"/>
+              <a:off x="9188805" y="2131188"/>
               <a:ext cx="240483" cy="85540"/>
             </a:xfrm>
             <a:prstGeom prst="straightConnector1">
@@ -25928,7 +26441,7 @@
           </p:nvCxnSpPr>
           <p:spPr>
             <a:xfrm>
-              <a:off x="9766627" y="3442492"/>
+              <a:off x="9979279" y="2357275"/>
               <a:ext cx="790475" cy="14562"/>
             </a:xfrm>
             <a:prstGeom prst="straightConnector1">
@@ -25967,7 +26480,7 @@
               </p:nvSpPr>
               <p:spPr>
                 <a:xfrm>
-                  <a:off x="8988822" y="2935504"/>
+                  <a:off x="9201474" y="1850287"/>
                   <a:ext cx="543966" cy="307777"/>
                 </a:xfrm>
                 <a:prstGeom prst="rect">
@@ -26024,7 +26537,7 @@
               </p:nvSpPr>
               <p:spPr>
                 <a:xfrm>
-                  <a:off x="8988822" y="2935504"/>
+                  <a:off x="9201474" y="1850287"/>
                   <a:ext cx="543966" cy="307777"/>
                 </a:xfrm>
                 <a:prstGeom prst="rect">
@@ -26062,7 +26575,7 @@
               </p:nvSpPr>
               <p:spPr>
                 <a:xfrm>
-                  <a:off x="9203857" y="3631094"/>
+                  <a:off x="9416509" y="2545877"/>
                   <a:ext cx="241541" cy="307777"/>
                 </a:xfrm>
                 <a:prstGeom prst="rect">
@@ -26112,7 +26625,7 @@
               </p:nvSpPr>
               <p:spPr>
                 <a:xfrm>
-                  <a:off x="9203857" y="3631094"/>
+                  <a:off x="9416509" y="2545877"/>
                   <a:ext cx="241541" cy="307777"/>
                 </a:xfrm>
                 <a:prstGeom prst="rect">
@@ -26148,7 +26661,7 @@
           </p:nvCxnSpPr>
           <p:spPr>
             <a:xfrm flipV="1">
-              <a:off x="9766627" y="2286011"/>
+              <a:off x="9979279" y="1200794"/>
               <a:ext cx="1673" cy="1156481"/>
             </a:xfrm>
             <a:prstGeom prst="line">
@@ -26186,7 +26699,7 @@
               </p:nvSpPr>
               <p:spPr>
                 <a:xfrm>
-                  <a:off x="9936883" y="2506831"/>
+                  <a:off x="10149535" y="1421614"/>
                   <a:ext cx="219483" cy="307777"/>
                 </a:xfrm>
                 <a:prstGeom prst="rect">
@@ -26235,7 +26748,7 @@
               </p:nvSpPr>
               <p:spPr>
                 <a:xfrm>
-                  <a:off x="9936883" y="2506831"/>
+                  <a:off x="10149535" y="1421614"/>
                   <a:ext cx="219483" cy="307777"/>
                 </a:xfrm>
                 <a:prstGeom prst="rect">
@@ -26273,7 +26786,7 @@
               </p:nvSpPr>
               <p:spPr>
                 <a:xfrm>
-                  <a:off x="8441217" y="3208673"/>
+                  <a:off x="8653869" y="2123456"/>
                   <a:ext cx="365228" cy="307777"/>
                 </a:xfrm>
                 <a:prstGeom prst="rect">
@@ -26328,7 +26841,7 @@
               </p:nvSpPr>
               <p:spPr>
                 <a:xfrm>
-                  <a:off x="8441217" y="3208673"/>
+                  <a:off x="8653869" y="2123456"/>
                   <a:ext cx="365228" cy="307777"/>
                 </a:xfrm>
                 <a:prstGeom prst="rect">
@@ -26366,7 +26879,7 @@
               </p:nvSpPr>
               <p:spPr>
                 <a:xfrm>
-                  <a:off x="10073772" y="3167651"/>
+                  <a:off x="10286424" y="2082434"/>
                   <a:ext cx="198003" cy="307777"/>
                 </a:xfrm>
                 <a:prstGeom prst="rect">
@@ -26416,7 +26929,7 @@
               </p:nvSpPr>
               <p:spPr>
                 <a:xfrm>
-                  <a:off x="10073772" y="3167651"/>
+                  <a:off x="10286424" y="2082434"/>
                   <a:ext cx="198003" cy="307777"/>
                 </a:xfrm>
                 <a:prstGeom prst="rect">
@@ -26452,7 +26965,7 @@
           </p:nvCxnSpPr>
           <p:spPr>
             <a:xfrm flipV="1">
-              <a:off x="9766471" y="1690206"/>
+              <a:off x="9979123" y="604989"/>
               <a:ext cx="156" cy="586795"/>
             </a:xfrm>
             <a:prstGeom prst="straightConnector1">
@@ -26490,7 +27003,7 @@
               </p:nvSpPr>
               <p:spPr>
                 <a:xfrm>
-                  <a:off x="9096394" y="1681447"/>
+                  <a:off x="9309046" y="596230"/>
                   <a:ext cx="531235" cy="402931"/>
                 </a:xfrm>
                 <a:prstGeom prst="rect">
@@ -26565,7 +27078,7 @@
               </p:nvSpPr>
               <p:spPr>
                 <a:xfrm>
-                  <a:off x="9096394" y="1681447"/>
+                  <a:off x="9309046" y="596230"/>
                   <a:ext cx="531235" cy="402931"/>
                 </a:xfrm>
                 <a:prstGeom prst="rect">
@@ -26601,7 +27114,7 @@
           </p:nvCxnSpPr>
           <p:spPr>
             <a:xfrm flipV="1">
-              <a:off x="8896797" y="3436708"/>
+              <a:off x="9109449" y="2351491"/>
               <a:ext cx="855663" cy="397806"/>
             </a:xfrm>
             <a:prstGeom prst="line">
@@ -26639,7 +27152,7 @@
               </p:nvSpPr>
               <p:spPr>
                 <a:xfrm>
-                  <a:off x="10877576" y="3282819"/>
+                  <a:off x="11090228" y="2197602"/>
                   <a:ext cx="227498" cy="307777"/>
                 </a:xfrm>
                 <a:prstGeom prst="rect">
@@ -26688,7 +27201,7 @@
               </p:nvSpPr>
               <p:spPr>
                 <a:xfrm>
-                  <a:off x="10877576" y="3282819"/>
+                  <a:off x="11090228" y="2197602"/>
                   <a:ext cx="227498" cy="307777"/>
                 </a:xfrm>
                 <a:prstGeom prst="rect">
@@ -26718,431 +27231,380 @@
         </mc:AlternateContent>
         <p:grpSp>
           <p:nvGrpSpPr>
-            <p:cNvPr id="72" name="Group 71"/>
+            <p:cNvPr id="98" name="Group 97"/>
             <p:cNvGrpSpPr/>
             <p:nvPr/>
           </p:nvGrpSpPr>
           <p:grpSpPr>
             <a:xfrm>
-              <a:off x="8111299" y="3936181"/>
-              <a:ext cx="888156" cy="709995"/>
-              <a:chOff x="758520" y="708040"/>
-              <a:chExt cx="2565390" cy="2135605"/>
+              <a:off x="8248391" y="2564515"/>
+              <a:ext cx="983624" cy="709995"/>
+              <a:chOff x="8248391" y="2564515"/>
+              <a:chExt cx="983624" cy="709995"/>
             </a:xfrm>
           </p:grpSpPr>
           <p:grpSp>
             <p:nvGrpSpPr>
-              <p:cNvPr id="73" name="Group 72"/>
+              <p:cNvPr id="72" name="Group 71"/>
               <p:cNvGrpSpPr/>
               <p:nvPr/>
             </p:nvGrpSpPr>
             <p:grpSpPr>
               <a:xfrm>
-                <a:off x="758520" y="708040"/>
-                <a:ext cx="2565390" cy="2135605"/>
-                <a:chOff x="785815" y="680744"/>
+                <a:off x="8248391" y="2564515"/>
+                <a:ext cx="888156" cy="709995"/>
+                <a:chOff x="758520" y="708040"/>
                 <a:chExt cx="2565390" cy="2135605"/>
               </a:xfrm>
             </p:grpSpPr>
-            <p:cxnSp>
-              <p:nvCxnSpPr>
-                <p:cNvPr id="75" name="Straight Arrow Connector 74"/>
-                <p:cNvCxnSpPr/>
+            <p:grpSp>
+              <p:nvGrpSpPr>
+                <p:cNvPr id="73" name="Group 72"/>
+                <p:cNvGrpSpPr/>
                 <p:nvPr/>
-              </p:nvCxnSpPr>
-              <p:spPr>
-                <a:xfrm flipV="1">
-                  <a:off x="1516583" y="680744"/>
-                  <a:ext cx="7683" cy="1859535"/>
+              </p:nvGrpSpPr>
+              <p:grpSpPr>
+                <a:xfrm>
+                  <a:off x="758520" y="708040"/>
+                  <a:ext cx="2565390" cy="2135605"/>
+                  <a:chOff x="785815" y="680744"/>
+                  <a:chExt cx="2565390" cy="2135605"/>
                 </a:xfrm>
-                <a:prstGeom prst="straightConnector1">
-                  <a:avLst/>
-                </a:prstGeom>
-                <a:ln w="38100">
-                  <a:solidFill>
+              </p:grpSpPr>
+              <p:cxnSp>
+                <p:nvCxnSpPr>
+                  <p:cNvPr id="75" name="Straight Arrow Connector 74"/>
+                  <p:cNvCxnSpPr/>
+                  <p:nvPr/>
+                </p:nvCxnSpPr>
+                <p:spPr>
+                  <a:xfrm flipV="1">
+                    <a:off x="1516583" y="680744"/>
+                    <a:ext cx="7683" cy="1859535"/>
+                  </a:xfrm>
+                  <a:prstGeom prst="straightConnector1">
+                    <a:avLst/>
+                  </a:prstGeom>
+                  <a:ln w="38100">
+                    <a:solidFill>
+                      <a:schemeClr val="tx1"/>
+                    </a:solidFill>
+                    <a:tailEnd type="triangle"/>
+                  </a:ln>
+                </p:spPr>
+                <p:style>
+                  <a:lnRef idx="1">
+                    <a:schemeClr val="accent1"/>
+                  </a:lnRef>
+                  <a:fillRef idx="0">
+                    <a:schemeClr val="accent1"/>
+                  </a:fillRef>
+                  <a:effectRef idx="0">
+                    <a:schemeClr val="accent1"/>
+                  </a:effectRef>
+                  <a:fontRef idx="minor">
                     <a:schemeClr val="tx1"/>
-                  </a:solidFill>
-                  <a:tailEnd type="triangle"/>
-                </a:ln>
-              </p:spPr>
-              <p:style>
-                <a:lnRef idx="1">
-                  <a:schemeClr val="accent1"/>
-                </a:lnRef>
-                <a:fillRef idx="0">
-                  <a:schemeClr val="accent1"/>
-                </a:fillRef>
-                <a:effectRef idx="0">
-                  <a:schemeClr val="accent1"/>
-                </a:effectRef>
-                <a:fontRef idx="minor">
-                  <a:schemeClr val="tx1"/>
-                </a:fontRef>
-              </p:style>
-            </p:cxnSp>
-            <p:cxnSp>
-              <p:nvCxnSpPr>
-                <p:cNvPr id="76" name="Straight Arrow Connector 75"/>
-                <p:cNvCxnSpPr/>
-                <p:nvPr/>
-              </p:nvCxnSpPr>
-              <p:spPr>
-                <a:xfrm flipV="1">
-                  <a:off x="1476301" y="2503276"/>
-                  <a:ext cx="1874904" cy="0"/>
-                </a:xfrm>
-                <a:prstGeom prst="straightConnector1">
-                  <a:avLst/>
-                </a:prstGeom>
-                <a:ln w="38100">
-                  <a:solidFill>
+                  </a:fontRef>
+                </p:style>
+              </p:cxnSp>
+              <p:cxnSp>
+                <p:nvCxnSpPr>
+                  <p:cNvPr id="76" name="Straight Arrow Connector 75"/>
+                  <p:cNvCxnSpPr/>
+                  <p:nvPr/>
+                </p:nvCxnSpPr>
+                <p:spPr>
+                  <a:xfrm flipV="1">
+                    <a:off x="1476301" y="2503276"/>
+                    <a:ext cx="1874904" cy="0"/>
+                  </a:xfrm>
+                  <a:prstGeom prst="straightConnector1">
+                    <a:avLst/>
+                  </a:prstGeom>
+                  <a:ln w="38100">
+                    <a:solidFill>
+                      <a:schemeClr val="tx1"/>
+                    </a:solidFill>
+                    <a:tailEnd type="triangle"/>
+                  </a:ln>
+                </p:spPr>
+                <p:style>
+                  <a:lnRef idx="1">
+                    <a:schemeClr val="accent1"/>
+                  </a:lnRef>
+                  <a:fillRef idx="0">
+                    <a:schemeClr val="accent1"/>
+                  </a:fillRef>
+                  <a:effectRef idx="0">
+                    <a:schemeClr val="accent1"/>
+                  </a:effectRef>
+                  <a:fontRef idx="minor">
                     <a:schemeClr val="tx1"/>
-                  </a:solidFill>
-                  <a:tailEnd type="triangle"/>
-                </a:ln>
-              </p:spPr>
-              <p:style>
-                <a:lnRef idx="1">
-                  <a:schemeClr val="accent1"/>
-                </a:lnRef>
-                <a:fillRef idx="0">
-                  <a:schemeClr val="accent1"/>
-                </a:fillRef>
-                <a:effectRef idx="0">
-                  <a:schemeClr val="accent1"/>
-                </a:effectRef>
-                <a:fontRef idx="minor">
-                  <a:schemeClr val="tx1"/>
-                </a:fontRef>
-              </p:style>
-            </p:cxnSp>
-            <mc:AlternateContent xmlns:mc="http://schemas.openxmlformats.org/markup-compatibility/2006" xmlns:a14="http://schemas.microsoft.com/office/drawing/2010/main">
-              <mc:Choice Requires="a14">
-                <p:sp>
-                  <p:nvSpPr>
-                    <p:cNvPr id="77" name="Rectangle 76"/>
-                    <p:cNvSpPr/>
-                    <p:nvPr/>
-                  </p:nvSpPr>
-                  <p:spPr>
-                    <a:xfrm>
-                      <a:off x="2697555" y="2447016"/>
-                      <a:ext cx="367985" cy="369333"/>
-                    </a:xfrm>
-                    <a:prstGeom prst="rect">
-                      <a:avLst/>
-                    </a:prstGeom>
-                  </p:spPr>
-                  <p:txBody>
-                    <a:bodyPr wrap="none">
-                      <a:spAutoFit/>
-                    </a:bodyPr>
-                    <a:lstStyle/>
-                    <a:p>
-                      <a:pPr/>
-                      <a14:m>
-                        <m:oMathPara xmlns:m="http://schemas.openxmlformats.org/officeDocument/2006/math">
-                          <m:oMathParaPr>
-                            <m:jc m:val="centerGroup"/>
-                          </m:oMathParaPr>
-                          <m:oMath xmlns:m="http://schemas.openxmlformats.org/officeDocument/2006/math">
-                            <m:r>
-                              <a:rPr lang="en-US" i="1">
-                                <a:latin typeface="Cambria Math" panose="02040503050406030204" pitchFamily="18" charset="0"/>
-                                <a:cs typeface="Arial" panose="020B0604020202020204" pitchFamily="34" charset="0"/>
-                              </a:rPr>
-                              <m:t>𝑥</m:t>
-                            </m:r>
-                          </m:oMath>
-                        </m:oMathPara>
-                      </a14:m>
-                      <a:endParaRPr lang="en-CA" dirty="0"/>
-                    </a:p>
-                  </p:txBody>
-                </p:sp>
-              </mc:Choice>
-              <mc:Fallback xmlns="">
-                <p:sp>
-                  <p:nvSpPr>
-                    <p:cNvPr id="107" name="Rectangle 106"/>
-                    <p:cNvSpPr>
-                      <a:spLocks noRot="1" noChangeAspect="1" noMove="1" noResize="1" noEditPoints="1" noAdjustHandles="1" noChangeArrowheads="1" noChangeShapeType="1" noTextEdit="1"/>
-                    </p:cNvSpPr>
-                    <p:nvPr/>
-                  </p:nvSpPr>
-                  <p:spPr>
-                    <a:xfrm>
-                      <a:off x="2697555" y="2447016"/>
-                      <a:ext cx="367985" cy="369333"/>
-                    </a:xfrm>
-                    <a:prstGeom prst="rect">
-                      <a:avLst/>
-                    </a:prstGeom>
-                    <a:blipFill>
-                      <a:blip r:embed="rId27"/>
-                      <a:stretch>
-                        <a:fillRect r="-95238" b="-160000"/>
-                      </a:stretch>
-                    </a:blipFill>
-                  </p:spPr>
-                  <p:txBody>
-                    <a:bodyPr/>
-                    <a:lstStyle/>
-                    <a:p>
-                      <a:r>
-                        <a:rPr lang="en-US">
-                          <a:noFill/>
-                        </a:rPr>
-                        <a:t> </a:t>
-                      </a:r>
-                    </a:p>
-                  </p:txBody>
-                </p:sp>
-              </mc:Fallback>
-            </mc:AlternateContent>
-            <mc:AlternateContent xmlns:mc="http://schemas.openxmlformats.org/markup-compatibility/2006">
-              <mc:Choice xmlns:a14="http://schemas.microsoft.com/office/drawing/2010/main" Requires="a14">
-                <p:sp>
-                  <p:nvSpPr>
-                    <p:cNvPr id="78" name="Rectangle 77"/>
-                    <p:cNvSpPr/>
-                    <p:nvPr/>
-                  </p:nvSpPr>
-                  <p:spPr>
-                    <a:xfrm>
-                      <a:off x="785815" y="912420"/>
-                      <a:ext cx="1021790" cy="1110919"/>
-                    </a:xfrm>
-                    <a:prstGeom prst="rect">
-                      <a:avLst/>
-                    </a:prstGeom>
-                  </p:spPr>
-                  <p:txBody>
-                    <a:bodyPr wrap="none">
-                      <a:spAutoFit/>
-                    </a:bodyPr>
-                    <a:lstStyle/>
-                    <a:p>
-                      <a:pPr/>
-                      <a14:m>
-                        <m:oMathPara xmlns:m="http://schemas.openxmlformats.org/officeDocument/2006/math">
-                          <m:oMathParaPr>
-                            <m:jc m:val="centerGroup"/>
-                          </m:oMathParaPr>
-                          <m:oMath xmlns:m="http://schemas.openxmlformats.org/officeDocument/2006/math">
-                            <m:r>
-                              <a:rPr lang="en-US" b="0" i="1" smtClean="0">
-                                <a:latin typeface="Cambria Math" panose="02040503050406030204" pitchFamily="18" charset="0"/>
-                              </a:rPr>
-                              <m:t>𝑧</m:t>
-                            </m:r>
-                          </m:oMath>
-                        </m:oMathPara>
-                      </a14:m>
-                      <a:endParaRPr lang="en-CA" dirty="0"/>
-                    </a:p>
-                  </p:txBody>
-                </p:sp>
-              </mc:Choice>
-              <mc:Fallback>
-                <p:sp>
-                  <p:nvSpPr>
-                    <p:cNvPr id="78" name="Rectangle 77"/>
-                    <p:cNvSpPr>
-                      <a:spLocks noRot="1" noChangeAspect="1" noMove="1" noResize="1" noEditPoints="1" noAdjustHandles="1" noChangeArrowheads="1" noChangeShapeType="1" noTextEdit="1"/>
-                    </p:cNvSpPr>
-                    <p:nvPr/>
-                  </p:nvSpPr>
-                  <p:spPr>
-                    <a:xfrm>
-                      <a:off x="785815" y="912420"/>
-                      <a:ext cx="1021790" cy="1110919"/>
-                    </a:xfrm>
-                    <a:prstGeom prst="rect">
-                      <a:avLst/>
-                    </a:prstGeom>
-                    <a:blipFill>
-                      <a:blip r:embed="rId28"/>
-                      <a:stretch>
-                        <a:fillRect/>
-                      </a:stretch>
-                    </a:blipFill>
-                  </p:spPr>
-                  <p:txBody>
-                    <a:bodyPr/>
-                    <a:lstStyle/>
-                    <a:p>
-                      <a:r>
-                        <a:rPr lang="en-US">
-                          <a:noFill/>
-                        </a:rPr>
-                        <a:t> </a:t>
-                      </a:r>
-                    </a:p>
-                  </p:txBody>
-                </p:sp>
-              </mc:Fallback>
-            </mc:AlternateContent>
-            <mc:AlternateContent xmlns:mc="http://schemas.openxmlformats.org/markup-compatibility/2006" xmlns:a14="http://schemas.microsoft.com/office/drawing/2010/main">
-              <mc:Choice Requires="a14">
-                <p:sp>
-                  <p:nvSpPr>
-                    <p:cNvPr id="79" name="Rectangle 78"/>
-                    <p:cNvSpPr/>
-                    <p:nvPr/>
-                  </p:nvSpPr>
-                  <p:spPr>
-                    <a:xfrm>
-                      <a:off x="1006642" y="2350591"/>
-                      <a:ext cx="367985" cy="369333"/>
-                    </a:xfrm>
-                    <a:prstGeom prst="rect">
-                      <a:avLst/>
-                    </a:prstGeom>
-                  </p:spPr>
-                  <p:txBody>
-                    <a:bodyPr wrap="none">
-                      <a:spAutoFit/>
-                    </a:bodyPr>
-                    <a:lstStyle/>
-                    <a:p>
-                      <a:pPr/>
-                      <a14:m>
-                        <m:oMathPara xmlns:m="http://schemas.openxmlformats.org/officeDocument/2006/math">
-                          <m:oMathParaPr>
-                            <m:jc m:val="centerGroup"/>
-                          </m:oMathParaPr>
-                          <m:oMath xmlns:m="http://schemas.openxmlformats.org/officeDocument/2006/math">
-                            <m:r>
-                              <a:rPr lang="en-US" b="0" i="1" smtClean="0">
-                                <a:latin typeface="Cambria Math" panose="02040503050406030204" pitchFamily="18" charset="0"/>
-                                <a:cs typeface="Arial" panose="020B0604020202020204" pitchFamily="34" charset="0"/>
-                              </a:rPr>
-                              <m:t>0</m:t>
-                            </m:r>
-                          </m:oMath>
-                        </m:oMathPara>
-                      </a14:m>
-                      <a:endParaRPr lang="en-CA" dirty="0"/>
-                    </a:p>
-                  </p:txBody>
-                </p:sp>
-              </mc:Choice>
-              <mc:Fallback xmlns="">
-                <p:sp>
-                  <p:nvSpPr>
-                    <p:cNvPr id="109" name="Rectangle 108"/>
-                    <p:cNvSpPr>
-                      <a:spLocks noRot="1" noChangeAspect="1" noMove="1" noResize="1" noEditPoints="1" noAdjustHandles="1" noChangeArrowheads="1" noChangeShapeType="1" noTextEdit="1"/>
-                    </p:cNvSpPr>
-                    <p:nvPr/>
-                  </p:nvSpPr>
-                  <p:spPr>
-                    <a:xfrm>
-                      <a:off x="1006642" y="2350591"/>
-                      <a:ext cx="367985" cy="369333"/>
-                    </a:xfrm>
-                    <a:prstGeom prst="rect">
-                      <a:avLst/>
-                    </a:prstGeom>
-                    <a:blipFill>
-                      <a:blip r:embed="rId29"/>
-                      <a:stretch>
-                        <a:fillRect l="-14286" r="-114286" b="-180000"/>
-                      </a:stretch>
-                    </a:blipFill>
-                  </p:spPr>
-                  <p:txBody>
-                    <a:bodyPr/>
-                    <a:lstStyle/>
-                    <a:p>
-                      <a:r>
-                        <a:rPr lang="en-US">
-                          <a:noFill/>
-                        </a:rPr>
-                        <a:t> </a:t>
-                      </a:r>
-                    </a:p>
-                  </p:txBody>
-                </p:sp>
-              </mc:Fallback>
-            </mc:AlternateContent>
-          </p:grpSp>
-          <p:sp>
-            <p:nvSpPr>
-              <p:cNvPr id="74" name="Rectangle 73"/>
-              <p:cNvSpPr/>
-              <p:nvPr/>
-            </p:nvSpPr>
-            <p:spPr>
-              <a:xfrm>
-                <a:off x="1129904" y="1614682"/>
-                <a:ext cx="184731" cy="369332"/>
-              </a:xfrm>
-              <a:prstGeom prst="rect">
-                <a:avLst/>
-              </a:prstGeom>
-            </p:spPr>
-            <p:txBody>
-              <a:bodyPr wrap="none">
-                <a:spAutoFit/>
-              </a:bodyPr>
-              <a:lstStyle/>
-              <a:p>
-                <a:endParaRPr lang="en-CA" dirty="0"/>
-              </a:p>
-            </p:txBody>
-          </p:sp>
-        </p:grpSp>
-        <p:cxnSp>
-          <p:nvCxnSpPr>
-            <p:cNvPr id="81" name="Straight Arrow Connector 80"/>
-            <p:cNvCxnSpPr/>
-            <p:nvPr/>
-          </p:nvCxnSpPr>
-          <p:spPr>
-            <a:xfrm flipV="1">
-              <a:off x="8363645" y="4219934"/>
-              <a:ext cx="361017" cy="315126"/>
-            </a:xfrm>
-            <a:prstGeom prst="straightConnector1">
-              <a:avLst/>
-            </a:prstGeom>
-            <a:ln w="38100">
-              <a:solidFill>
-                <a:schemeClr val="tx1"/>
-              </a:solidFill>
-              <a:prstDash val="sysDot"/>
-              <a:tailEnd type="triangle"/>
-            </a:ln>
-          </p:spPr>
-          <p:style>
-            <a:lnRef idx="1">
-              <a:schemeClr val="accent1"/>
-            </a:lnRef>
-            <a:fillRef idx="0">
-              <a:schemeClr val="accent1"/>
-            </a:fillRef>
-            <a:effectRef idx="0">
-              <a:schemeClr val="accent1"/>
-            </a:effectRef>
-            <a:fontRef idx="minor">
-              <a:schemeClr val="tx1"/>
-            </a:fontRef>
-          </p:style>
-        </p:cxnSp>
-        <mc:AlternateContent xmlns:mc="http://schemas.openxmlformats.org/markup-compatibility/2006">
-          <mc:Choice xmlns:a14="http://schemas.microsoft.com/office/drawing/2010/main" Requires="a14">
+                  </a:fontRef>
+                </p:style>
+              </p:cxnSp>
+              <mc:AlternateContent xmlns:mc="http://schemas.openxmlformats.org/markup-compatibility/2006" xmlns:a14="http://schemas.microsoft.com/office/drawing/2010/main">
+                <mc:Choice Requires="a14">
+                  <p:sp>
+                    <p:nvSpPr>
+                      <p:cNvPr id="77" name="Rectangle 76"/>
+                      <p:cNvSpPr/>
+                      <p:nvPr/>
+                    </p:nvSpPr>
+                    <p:spPr>
+                      <a:xfrm>
+                        <a:off x="2697555" y="2447016"/>
+                        <a:ext cx="367985" cy="369333"/>
+                      </a:xfrm>
+                      <a:prstGeom prst="rect">
+                        <a:avLst/>
+                      </a:prstGeom>
+                    </p:spPr>
+                    <p:txBody>
+                      <a:bodyPr wrap="none">
+                        <a:spAutoFit/>
+                      </a:bodyPr>
+                      <a:lstStyle/>
+                      <a:p>
+                        <a:pPr/>
+                        <a14:m>
+                          <m:oMathPara xmlns:m="http://schemas.openxmlformats.org/officeDocument/2006/math">
+                            <m:oMathParaPr>
+                              <m:jc m:val="centerGroup"/>
+                            </m:oMathParaPr>
+                            <m:oMath xmlns:m="http://schemas.openxmlformats.org/officeDocument/2006/math">
+                              <m:r>
+                                <a:rPr lang="en-US" i="1">
+                                  <a:latin typeface="Cambria Math" panose="02040503050406030204" pitchFamily="18" charset="0"/>
+                                  <a:cs typeface="Arial" panose="020B0604020202020204" pitchFamily="34" charset="0"/>
+                                </a:rPr>
+                                <m:t>𝑥</m:t>
+                              </m:r>
+                            </m:oMath>
+                          </m:oMathPara>
+                        </a14:m>
+                        <a:endParaRPr lang="en-CA" dirty="0"/>
+                      </a:p>
+                    </p:txBody>
+                  </p:sp>
+                </mc:Choice>
+                <mc:Fallback xmlns="">
+                  <p:sp>
+                    <p:nvSpPr>
+                      <p:cNvPr id="107" name="Rectangle 106"/>
+                      <p:cNvSpPr>
+                        <a:spLocks noRot="1" noChangeAspect="1" noMove="1" noResize="1" noEditPoints="1" noAdjustHandles="1" noChangeArrowheads="1" noChangeShapeType="1" noTextEdit="1"/>
+                      </p:cNvSpPr>
+                      <p:nvPr/>
+                    </p:nvSpPr>
+                    <p:spPr>
+                      <a:xfrm>
+                        <a:off x="2697555" y="2447016"/>
+                        <a:ext cx="367985" cy="369333"/>
+                      </a:xfrm>
+                      <a:prstGeom prst="rect">
+                        <a:avLst/>
+                      </a:prstGeom>
+                      <a:blipFill>
+                        <a:blip r:embed="rId27"/>
+                        <a:stretch>
+                          <a:fillRect r="-95238" b="-160000"/>
+                        </a:stretch>
+                      </a:blipFill>
+                    </p:spPr>
+                    <p:txBody>
+                      <a:bodyPr/>
+                      <a:lstStyle/>
+                      <a:p>
+                        <a:r>
+                          <a:rPr lang="en-US">
+                            <a:noFill/>
+                          </a:rPr>
+                          <a:t> </a:t>
+                        </a:r>
+                      </a:p>
+                    </p:txBody>
+                  </p:sp>
+                </mc:Fallback>
+              </mc:AlternateContent>
+              <mc:AlternateContent xmlns:mc="http://schemas.openxmlformats.org/markup-compatibility/2006">
+                <mc:Choice xmlns:a14="http://schemas.microsoft.com/office/drawing/2010/main" Requires="a14">
+                  <p:sp>
+                    <p:nvSpPr>
+                      <p:cNvPr id="78" name="Rectangle 77"/>
+                      <p:cNvSpPr/>
+                      <p:nvPr/>
+                    </p:nvSpPr>
+                    <p:spPr>
+                      <a:xfrm>
+                        <a:off x="785815" y="912420"/>
+                        <a:ext cx="1021790" cy="1110919"/>
+                      </a:xfrm>
+                      <a:prstGeom prst="rect">
+                        <a:avLst/>
+                      </a:prstGeom>
+                    </p:spPr>
+                    <p:txBody>
+                      <a:bodyPr wrap="none">
+                        <a:spAutoFit/>
+                      </a:bodyPr>
+                      <a:lstStyle/>
+                      <a:p>
+                        <a:pPr/>
+                        <a14:m>
+                          <m:oMathPara xmlns:m="http://schemas.openxmlformats.org/officeDocument/2006/math">
+                            <m:oMathParaPr>
+                              <m:jc m:val="centerGroup"/>
+                            </m:oMathParaPr>
+                            <m:oMath xmlns:m="http://schemas.openxmlformats.org/officeDocument/2006/math">
+                              <m:r>
+                                <a:rPr lang="en-US" b="0" i="1" smtClean="0">
+                                  <a:latin typeface="Cambria Math" panose="02040503050406030204" pitchFamily="18" charset="0"/>
+                                </a:rPr>
+                                <m:t>𝑧</m:t>
+                              </m:r>
+                            </m:oMath>
+                          </m:oMathPara>
+                        </a14:m>
+                        <a:endParaRPr lang="en-CA" dirty="0"/>
+                      </a:p>
+                    </p:txBody>
+                  </p:sp>
+                </mc:Choice>
+                <mc:Fallback>
+                  <p:sp>
+                    <p:nvSpPr>
+                      <p:cNvPr id="78" name="Rectangle 77"/>
+                      <p:cNvSpPr>
+                        <a:spLocks noRot="1" noChangeAspect="1" noMove="1" noResize="1" noEditPoints="1" noAdjustHandles="1" noChangeArrowheads="1" noChangeShapeType="1" noTextEdit="1"/>
+                      </p:cNvSpPr>
+                      <p:nvPr/>
+                    </p:nvSpPr>
+                    <p:spPr>
+                      <a:xfrm>
+                        <a:off x="785815" y="912420"/>
+                        <a:ext cx="1021790" cy="1110919"/>
+                      </a:xfrm>
+                      <a:prstGeom prst="rect">
+                        <a:avLst/>
+                      </a:prstGeom>
+                      <a:blipFill>
+                        <a:blip r:embed="rId28"/>
+                        <a:stretch>
+                          <a:fillRect/>
+                        </a:stretch>
+                      </a:blipFill>
+                    </p:spPr>
+                    <p:txBody>
+                      <a:bodyPr/>
+                      <a:lstStyle/>
+                      <a:p>
+                        <a:r>
+                          <a:rPr lang="en-US">
+                            <a:noFill/>
+                          </a:rPr>
+                          <a:t> </a:t>
+                        </a:r>
+                      </a:p>
+                    </p:txBody>
+                  </p:sp>
+                </mc:Fallback>
+              </mc:AlternateContent>
+              <mc:AlternateContent xmlns:mc="http://schemas.openxmlformats.org/markup-compatibility/2006" xmlns:a14="http://schemas.microsoft.com/office/drawing/2010/main">
+                <mc:Choice Requires="a14">
+                  <p:sp>
+                    <p:nvSpPr>
+                      <p:cNvPr id="79" name="Rectangle 78"/>
+                      <p:cNvSpPr/>
+                      <p:nvPr/>
+                    </p:nvSpPr>
+                    <p:spPr>
+                      <a:xfrm>
+                        <a:off x="1006642" y="2350591"/>
+                        <a:ext cx="367985" cy="369333"/>
+                      </a:xfrm>
+                      <a:prstGeom prst="rect">
+                        <a:avLst/>
+                      </a:prstGeom>
+                    </p:spPr>
+                    <p:txBody>
+                      <a:bodyPr wrap="none">
+                        <a:spAutoFit/>
+                      </a:bodyPr>
+                      <a:lstStyle/>
+                      <a:p>
+                        <a:pPr/>
+                        <a14:m>
+                          <m:oMathPara xmlns:m="http://schemas.openxmlformats.org/officeDocument/2006/math">
+                            <m:oMathParaPr>
+                              <m:jc m:val="centerGroup"/>
+                            </m:oMathParaPr>
+                            <m:oMath xmlns:m="http://schemas.openxmlformats.org/officeDocument/2006/math">
+                              <m:r>
+                                <a:rPr lang="en-US" b="0" i="1" smtClean="0">
+                                  <a:latin typeface="Cambria Math" panose="02040503050406030204" pitchFamily="18" charset="0"/>
+                                  <a:cs typeface="Arial" panose="020B0604020202020204" pitchFamily="34" charset="0"/>
+                                </a:rPr>
+                                <m:t>0</m:t>
+                              </m:r>
+                            </m:oMath>
+                          </m:oMathPara>
+                        </a14:m>
+                        <a:endParaRPr lang="en-CA" dirty="0"/>
+                      </a:p>
+                    </p:txBody>
+                  </p:sp>
+                </mc:Choice>
+                <mc:Fallback xmlns="">
+                  <p:sp>
+                    <p:nvSpPr>
+                      <p:cNvPr id="109" name="Rectangle 108"/>
+                      <p:cNvSpPr>
+                        <a:spLocks noRot="1" noChangeAspect="1" noMove="1" noResize="1" noEditPoints="1" noAdjustHandles="1" noChangeArrowheads="1" noChangeShapeType="1" noTextEdit="1"/>
+                      </p:cNvSpPr>
+                      <p:nvPr/>
+                    </p:nvSpPr>
+                    <p:spPr>
+                      <a:xfrm>
+                        <a:off x="1006642" y="2350591"/>
+                        <a:ext cx="367985" cy="369333"/>
+                      </a:xfrm>
+                      <a:prstGeom prst="rect">
+                        <a:avLst/>
+                      </a:prstGeom>
+                      <a:blipFill>
+                        <a:blip r:embed="rId29"/>
+                        <a:stretch>
+                          <a:fillRect l="-14286" r="-114286" b="-180000"/>
+                        </a:stretch>
+                      </a:blipFill>
+                    </p:spPr>
+                    <p:txBody>
+                      <a:bodyPr/>
+                      <a:lstStyle/>
+                      <a:p>
+                        <a:r>
+                          <a:rPr lang="en-US">
+                            <a:noFill/>
+                          </a:rPr>
+                          <a:t> </a:t>
+                        </a:r>
+                      </a:p>
+                    </p:txBody>
+                  </p:sp>
+                </mc:Fallback>
+              </mc:AlternateContent>
+            </p:grpSp>
             <p:sp>
               <p:nvSpPr>
-                <p:cNvPr id="90" name="Rectangle 89"/>
+                <p:cNvPr id="74" name="Rectangle 73"/>
                 <p:cNvSpPr/>
                 <p:nvPr/>
               </p:nvSpPr>
               <p:spPr>
                 <a:xfrm>
-                  <a:off x="8625100" y="4039675"/>
-                  <a:ext cx="371384" cy="369332"/>
+                  <a:off x="1129904" y="1614682"/>
+                  <a:ext cx="184731" cy="369332"/>
                 </a:xfrm>
                 <a:prstGeom prst="rect">
                   <a:avLst/>
@@ -27154,66 +27616,132 @@
                 </a:bodyPr>
                 <a:lstStyle/>
                 <a:p>
-                  <a:pPr/>
-                  <a14:m>
-                    <m:oMathPara xmlns:m="http://schemas.openxmlformats.org/officeDocument/2006/math">
-                      <m:oMathParaPr>
-                        <m:jc m:val="centerGroup"/>
-                      </m:oMathParaPr>
-                      <m:oMath xmlns:m="http://schemas.openxmlformats.org/officeDocument/2006/math">
-                        <m:r>
-                          <a:rPr lang="en-US" b="0" i="1" smtClean="0">
-                            <a:latin typeface="Cambria Math" panose="02040503050406030204" pitchFamily="18" charset="0"/>
-                          </a:rPr>
-                          <m:t>𝑦</m:t>
-                        </m:r>
-                      </m:oMath>
-                    </m:oMathPara>
-                  </a14:m>
                   <a:endParaRPr lang="en-CA" dirty="0"/>
                 </a:p>
               </p:txBody>
             </p:sp>
-          </mc:Choice>
-          <mc:Fallback>
-            <p:sp>
-              <p:nvSpPr>
-                <p:cNvPr id="90" name="Rectangle 89"/>
-                <p:cNvSpPr>
-                  <a:spLocks noRot="1" noChangeAspect="1" noMove="1" noResize="1" noEditPoints="1" noAdjustHandles="1" noChangeArrowheads="1" noChangeShapeType="1" noTextEdit="1"/>
-                </p:cNvSpPr>
-                <p:nvPr/>
-              </p:nvSpPr>
-              <p:spPr>
-                <a:xfrm>
-                  <a:off x="8625100" y="4039675"/>
-                  <a:ext cx="371384" cy="369332"/>
-                </a:xfrm>
-                <a:prstGeom prst="rect">
-                  <a:avLst/>
-                </a:prstGeom>
-                <a:blipFill>
-                  <a:blip r:embed="rId30"/>
-                  <a:stretch>
-                    <a:fillRect b="-6667"/>
-                  </a:stretch>
-                </a:blipFill>
-              </p:spPr>
-              <p:txBody>
-                <a:bodyPr/>
-                <a:lstStyle/>
-                <a:p>
-                  <a:r>
-                    <a:rPr lang="en-US">
-                      <a:noFill/>
-                    </a:rPr>
-                    <a:t> </a:t>
-                  </a:r>
-                </a:p>
-              </p:txBody>
-            </p:sp>
-          </mc:Fallback>
-        </mc:AlternateContent>
+          </p:grpSp>
+          <p:cxnSp>
+            <p:nvCxnSpPr>
+              <p:cNvPr id="81" name="Straight Arrow Connector 80"/>
+              <p:cNvCxnSpPr/>
+              <p:nvPr/>
+            </p:nvCxnSpPr>
+            <p:spPr>
+              <a:xfrm flipV="1">
+                <a:off x="8499634" y="2899233"/>
+                <a:ext cx="474314" cy="273145"/>
+              </a:xfrm>
+              <a:prstGeom prst="straightConnector1">
+                <a:avLst/>
+              </a:prstGeom>
+              <a:ln w="38100">
+                <a:solidFill>
+                  <a:schemeClr val="tx1"/>
+                </a:solidFill>
+                <a:prstDash val="sysDot"/>
+                <a:tailEnd type="triangle"/>
+              </a:ln>
+            </p:spPr>
+            <p:style>
+              <a:lnRef idx="1">
+                <a:schemeClr val="accent1"/>
+              </a:lnRef>
+              <a:fillRef idx="0">
+                <a:schemeClr val="accent1"/>
+              </a:fillRef>
+              <a:effectRef idx="0">
+                <a:schemeClr val="accent1"/>
+              </a:effectRef>
+              <a:fontRef idx="minor">
+                <a:schemeClr val="tx1"/>
+              </a:fontRef>
+            </p:style>
+          </p:cxnSp>
+          <mc:AlternateContent xmlns:mc="http://schemas.openxmlformats.org/markup-compatibility/2006">
+            <mc:Choice xmlns:a14="http://schemas.microsoft.com/office/drawing/2010/main" Requires="a14">
+              <p:sp>
+                <p:nvSpPr>
+                  <p:cNvPr id="90" name="Rectangle 89"/>
+                  <p:cNvSpPr/>
+                  <p:nvPr/>
+                </p:nvSpPr>
+                <p:spPr>
+                  <a:xfrm>
+                    <a:off x="8860631" y="2742661"/>
+                    <a:ext cx="371384" cy="369332"/>
+                  </a:xfrm>
+                  <a:prstGeom prst="rect">
+                    <a:avLst/>
+                  </a:prstGeom>
+                </p:spPr>
+                <p:txBody>
+                  <a:bodyPr wrap="none">
+                    <a:spAutoFit/>
+                  </a:bodyPr>
+                  <a:lstStyle/>
+                  <a:p>
+                    <a:pPr/>
+                    <a14:m>
+                      <m:oMathPara xmlns:m="http://schemas.openxmlformats.org/officeDocument/2006/math">
+                        <m:oMathParaPr>
+                          <m:jc m:val="centerGroup"/>
+                        </m:oMathParaPr>
+                        <m:oMath xmlns:m="http://schemas.openxmlformats.org/officeDocument/2006/math">
+                          <m:r>
+                            <a:rPr lang="en-US" b="0" i="1" smtClean="0">
+                              <a:latin typeface="Cambria Math" panose="02040503050406030204" pitchFamily="18" charset="0"/>
+                            </a:rPr>
+                            <m:t>𝑦</m:t>
+                          </m:r>
+                        </m:oMath>
+                      </m:oMathPara>
+                    </a14:m>
+                    <a:endParaRPr lang="en-CA" dirty="0"/>
+                  </a:p>
+                </p:txBody>
+              </p:sp>
+            </mc:Choice>
+            <mc:Fallback>
+              <p:sp>
+                <p:nvSpPr>
+                  <p:cNvPr id="90" name="Rectangle 89"/>
+                  <p:cNvSpPr>
+                    <a:spLocks noRot="1" noChangeAspect="1" noMove="1" noResize="1" noEditPoints="1" noAdjustHandles="1" noChangeArrowheads="1" noChangeShapeType="1" noTextEdit="1"/>
+                  </p:cNvSpPr>
+                  <p:nvPr/>
+                </p:nvSpPr>
+                <p:spPr>
+                  <a:xfrm>
+                    <a:off x="8860631" y="2742661"/>
+                    <a:ext cx="371384" cy="369332"/>
+                  </a:xfrm>
+                  <a:prstGeom prst="rect">
+                    <a:avLst/>
+                  </a:prstGeom>
+                  <a:blipFill>
+                    <a:blip r:embed="rId30"/>
+                    <a:stretch>
+                      <a:fillRect b="-6667"/>
+                    </a:stretch>
+                  </a:blipFill>
+                </p:spPr>
+                <p:txBody>
+                  <a:bodyPr/>
+                  <a:lstStyle/>
+                  <a:p>
+                    <a:r>
+                      <a:rPr lang="en-US">
+                        <a:noFill/>
+                      </a:rPr>
+                      <a:t> </a:t>
+                    </a:r>
+                  </a:p>
+                </p:txBody>
+              </p:sp>
+            </mc:Fallback>
+          </mc:AlternateContent>
+        </p:grpSp>
       </p:grpSp>
     </p:spTree>
     <p:extLst>
@@ -29187,7 +29715,7 @@
               <a:prstGeom prst="straightConnector1">
                 <a:avLst/>
               </a:prstGeom>
-              <a:ln w="38100">
+              <a:ln w="57150">
                 <a:solidFill>
                   <a:srgbClr val="FF0000"/>
                 </a:solidFill>

--- a/tex/figures/ChargesFields/Figures.pptx
+++ b/tex/figures/ChargesFields/Figures.pptx
@@ -4743,7 +4743,7 @@
           <a:p>
             <a:fld id="{FA15A6B2-55AC-CD4B-A1E6-BB01091FE9DC}" type="datetimeFigureOut">
               <a:rPr lang="en-US" smtClean="0"/>
-              <a:t>7/10/2019</a:t>
+              <a:t>8/14/2019</a:t>
             </a:fld>
             <a:endParaRPr lang="en-US"/>
           </a:p>
@@ -5225,7 +5225,7 @@
           <a:p>
             <a:fld id="{F7249F8D-641B-4CAF-BAE5-10524742F6F1}" type="datetimeFigureOut">
               <a:rPr lang="en-CA" smtClean="0"/>
-              <a:t>2019-07-10</a:t>
+              <a:t>2019-08-14</a:t>
             </a:fld>
             <a:endParaRPr lang="en-CA"/>
           </a:p>
@@ -5395,7 +5395,7 @@
           <a:p>
             <a:fld id="{F7249F8D-641B-4CAF-BAE5-10524742F6F1}" type="datetimeFigureOut">
               <a:rPr lang="en-CA" smtClean="0"/>
-              <a:t>2019-07-10</a:t>
+              <a:t>2019-08-14</a:t>
             </a:fld>
             <a:endParaRPr lang="en-CA"/>
           </a:p>
@@ -5575,7 +5575,7 @@
           <a:p>
             <a:fld id="{F7249F8D-641B-4CAF-BAE5-10524742F6F1}" type="datetimeFigureOut">
               <a:rPr lang="en-CA" smtClean="0"/>
-              <a:t>2019-07-10</a:t>
+              <a:t>2019-08-14</a:t>
             </a:fld>
             <a:endParaRPr lang="en-CA"/>
           </a:p>
@@ -5745,7 +5745,7 @@
           <a:p>
             <a:fld id="{F7249F8D-641B-4CAF-BAE5-10524742F6F1}" type="datetimeFigureOut">
               <a:rPr lang="en-CA" smtClean="0"/>
-              <a:t>2019-07-10</a:t>
+              <a:t>2019-08-14</a:t>
             </a:fld>
             <a:endParaRPr lang="en-CA"/>
           </a:p>
@@ -5991,7 +5991,7 @@
           <a:p>
             <a:fld id="{F7249F8D-641B-4CAF-BAE5-10524742F6F1}" type="datetimeFigureOut">
               <a:rPr lang="en-CA" smtClean="0"/>
-              <a:t>2019-07-10</a:t>
+              <a:t>2019-08-14</a:t>
             </a:fld>
             <a:endParaRPr lang="en-CA"/>
           </a:p>
@@ -6223,7 +6223,7 @@
           <a:p>
             <a:fld id="{F7249F8D-641B-4CAF-BAE5-10524742F6F1}" type="datetimeFigureOut">
               <a:rPr lang="en-CA" smtClean="0"/>
-              <a:t>2019-07-10</a:t>
+              <a:t>2019-08-14</a:t>
             </a:fld>
             <a:endParaRPr lang="en-CA"/>
           </a:p>
@@ -6590,7 +6590,7 @@
           <a:p>
             <a:fld id="{F7249F8D-641B-4CAF-BAE5-10524742F6F1}" type="datetimeFigureOut">
               <a:rPr lang="en-CA" smtClean="0"/>
-              <a:t>2019-07-10</a:t>
+              <a:t>2019-08-14</a:t>
             </a:fld>
             <a:endParaRPr lang="en-CA"/>
           </a:p>
@@ -6708,7 +6708,7 @@
           <a:p>
             <a:fld id="{F7249F8D-641B-4CAF-BAE5-10524742F6F1}" type="datetimeFigureOut">
               <a:rPr lang="en-CA" smtClean="0"/>
-              <a:t>2019-07-10</a:t>
+              <a:t>2019-08-14</a:t>
             </a:fld>
             <a:endParaRPr lang="en-CA"/>
           </a:p>
@@ -6803,7 +6803,7 @@
           <a:p>
             <a:fld id="{F7249F8D-641B-4CAF-BAE5-10524742F6F1}" type="datetimeFigureOut">
               <a:rPr lang="en-CA" smtClean="0"/>
-              <a:t>2019-07-10</a:t>
+              <a:t>2019-08-14</a:t>
             </a:fld>
             <a:endParaRPr lang="en-CA"/>
           </a:p>
@@ -7080,7 +7080,7 @@
           <a:p>
             <a:fld id="{F7249F8D-641B-4CAF-BAE5-10524742F6F1}" type="datetimeFigureOut">
               <a:rPr lang="en-CA" smtClean="0"/>
-              <a:t>2019-07-10</a:t>
+              <a:t>2019-08-14</a:t>
             </a:fld>
             <a:endParaRPr lang="en-CA"/>
           </a:p>
@@ -7333,7 +7333,7 @@
           <a:p>
             <a:fld id="{F7249F8D-641B-4CAF-BAE5-10524742F6F1}" type="datetimeFigureOut">
               <a:rPr lang="en-CA" smtClean="0"/>
-              <a:t>2019-07-10</a:t>
+              <a:t>2019-08-14</a:t>
             </a:fld>
             <a:endParaRPr lang="en-CA"/>
           </a:p>
@@ -7546,7 +7546,7 @@
           <a:p>
             <a:fld id="{F7249F8D-641B-4CAF-BAE5-10524742F6F1}" type="datetimeFigureOut">
               <a:rPr lang="en-CA" smtClean="0"/>
-              <a:t>2019-07-10</a:t>
+              <a:t>2019-08-14</a:t>
             </a:fld>
             <a:endParaRPr lang="en-CA"/>
           </a:p>
@@ -25694,7 +25694,7 @@
                 <p:spPr>
                   <a:xfrm>
                     <a:off x="5866297" y="1679903"/>
-                    <a:ext cx="399788" cy="369332"/>
+                    <a:ext cx="572914" cy="369332"/>
                   </a:xfrm>
                   <a:prstGeom prst="rect">
                     <a:avLst/>
@@ -25714,6 +25714,13 @@
                         </m:oMathParaPr>
                         <m:oMath xmlns:m="http://schemas.openxmlformats.org/officeDocument/2006/math">
                           <m:r>
+                            <a:rPr lang="en-US" b="0" i="1" smtClean="0">
+                              <a:latin typeface="Cambria Math" panose="02040503050406030204" pitchFamily="18" charset="0"/>
+                              <a:cs typeface="Arial" panose="020B0604020202020204" pitchFamily="34" charset="0"/>
+                            </a:rPr>
+                            <m:t>+</m:t>
+                          </m:r>
+                          <m:r>
                             <a:rPr lang="en-CA" b="0" i="1" smtClean="0">
                               <a:latin typeface="Cambria Math" panose="02040503050406030204" pitchFamily="18" charset="0"/>
                               <a:cs typeface="Arial" panose="020B0604020202020204" pitchFamily="34" charset="0"/>
@@ -25731,7 +25738,7 @@
             <mc:Fallback xmlns="">
               <p:sp>
                 <p:nvSpPr>
-                  <p:cNvPr id="11" name="Rectangle 10"/>
+                  <p:cNvPr id="145" name="Rectangle 144"/>
                   <p:cNvSpPr>
                     <a:spLocks noRot="1" noChangeAspect="1" noMove="1" noResize="1" noEditPoints="1" noAdjustHandles="1" noChangeArrowheads="1" noChangeShapeType="1" noTextEdit="1"/>
                   </p:cNvSpPr>
@@ -25740,15 +25747,15 @@
                 <p:spPr>
                   <a:xfrm>
                     <a:off x="5866297" y="1679903"/>
-                    <a:ext cx="399788" cy="369332"/>
+                    <a:ext cx="572914" cy="369332"/>
                   </a:xfrm>
                   <a:prstGeom prst="rect">
                     <a:avLst/>
                   </a:prstGeom>
-                  <a:blipFill rotWithShape="0">
-                    <a:blip r:embed="rId12"/>
+                  <a:blipFill>
+                    <a:blip r:embed="rId37"/>
                     <a:stretch>
-                      <a:fillRect b="-8197"/>
+                      <a:fillRect b="-10000"/>
                     </a:stretch>
                   </a:blipFill>
                 </p:spPr>
@@ -25757,7 +25764,7 @@
                   <a:lstStyle/>
                   <a:p>
                     <a:r>
-                      <a:rPr lang="en-CA">
+                      <a:rPr lang="en-US">
                         <a:noFill/>
                       </a:rPr>
                       <a:t> </a:t>
@@ -25874,7 +25881,7 @@
                   <a:avLst/>
                 </a:prstGeom>
                 <a:blipFill>
-                  <a:blip r:embed="rId37"/>
+                  <a:blip r:embed="rId38"/>
                   <a:stretch>
                     <a:fillRect/>
                   </a:stretch>
@@ -26147,7 +26154,7 @@
                           <a:avLst/>
                         </a:prstGeom>
                         <a:blipFill rotWithShape="0">
-                          <a:blip r:embed="rId38"/>
+                          <a:blip r:embed="rId39"/>
                           <a:stretch>
                             <a:fillRect/>
                           </a:stretch>
@@ -26230,7 +26237,7 @@
                           <a:avLst/>
                         </a:prstGeom>
                         <a:blipFill rotWithShape="0">
-                          <a:blip r:embed="rId39"/>
+                          <a:blip r:embed="rId40"/>
                           <a:stretch>
                             <a:fillRect b="-6667"/>
                           </a:stretch>
@@ -26314,7 +26321,7 @@
                           <a:avLst/>
                         </a:prstGeom>
                         <a:blipFill rotWithShape="0">
-                          <a:blip r:embed="rId40"/>
+                          <a:blip r:embed="rId41"/>
                           <a:stretch>
                             <a:fillRect/>
                           </a:stretch>
@@ -26373,7 +26380,7 @@
                   <p:spPr>
                     <a:xfrm>
                       <a:off x="5866297" y="1679903"/>
-                      <a:ext cx="399788" cy="369332"/>
+                      <a:ext cx="572914" cy="369332"/>
                     </a:xfrm>
                     <a:prstGeom prst="rect">
                       <a:avLst/>
@@ -26393,6 +26400,13 @@
                           </m:oMathParaPr>
                           <m:oMath xmlns:m="http://schemas.openxmlformats.org/officeDocument/2006/math">
                             <m:r>
+                              <a:rPr lang="en-US" b="0" i="1" smtClean="0">
+                                <a:latin typeface="Cambria Math" panose="02040503050406030204" pitchFamily="18" charset="0"/>
+                                <a:cs typeface="Arial" panose="020B0604020202020204" pitchFamily="34" charset="0"/>
+                              </a:rPr>
+                              <m:t>+</m:t>
+                            </m:r>
+                            <m:r>
                               <a:rPr lang="en-CA" b="0" i="1" smtClean="0">
                                 <a:latin typeface="Cambria Math" panose="02040503050406030204" pitchFamily="18" charset="0"/>
                                 <a:cs typeface="Arial" panose="020B0604020202020204" pitchFamily="34" charset="0"/>
@@ -26410,7 +26424,7 @@
               <mc:Fallback xmlns="">
                 <p:sp>
                   <p:nvSpPr>
-                    <p:cNvPr id="11" name="Rectangle 10"/>
+                    <p:cNvPr id="134" name="Rectangle 133"/>
                     <p:cNvSpPr>
                       <a:spLocks noRot="1" noChangeAspect="1" noMove="1" noResize="1" noEditPoints="1" noAdjustHandles="1" noChangeArrowheads="1" noChangeShapeType="1" noTextEdit="1"/>
                     </p:cNvSpPr>
@@ -26419,15 +26433,15 @@
                   <p:spPr>
                     <a:xfrm>
                       <a:off x="5866297" y="1679903"/>
-                      <a:ext cx="399788" cy="369332"/>
+                      <a:ext cx="572914" cy="369332"/>
                     </a:xfrm>
                     <a:prstGeom prst="rect">
                       <a:avLst/>
                     </a:prstGeom>
-                    <a:blipFill rotWithShape="0">
-                      <a:blip r:embed="rId41"/>
+                    <a:blipFill>
+                      <a:blip r:embed="rId42"/>
                       <a:stretch>
-                        <a:fillRect b="-8197"/>
+                        <a:fillRect b="-10000"/>
                       </a:stretch>
                     </a:blipFill>
                   </p:spPr>
@@ -26436,7 +26450,7 @@
                     <a:lstStyle/>
                     <a:p>
                       <a:r>
-                        <a:rPr lang="en-CA">
+                        <a:rPr lang="en-US">
                           <a:noFill/>
                         </a:rPr>
                         <a:t> </a:t>
@@ -26517,7 +26531,7 @@
                     <a:avLst/>
                   </a:prstGeom>
                   <a:blipFill>
-                    <a:blip r:embed="rId42"/>
+                    <a:blip r:embed="rId43"/>
                     <a:stretch>
                       <a:fillRect b="-13333"/>
                     </a:stretch>
@@ -26739,7 +26753,7 @@
                     <a:avLst/>
                   </a:prstGeom>
                   <a:blipFill>
-                    <a:blip r:embed="rId43"/>
+                    <a:blip r:embed="rId44"/>
                     <a:stretch>
                       <a:fillRect/>
                     </a:stretch>
@@ -26830,7 +26844,7 @@
                     <a:avLst/>
                   </a:prstGeom>
                   <a:blipFill>
-                    <a:blip r:embed="rId44"/>
+                    <a:blip r:embed="rId45"/>
                     <a:stretch>
                       <a:fillRect/>
                     </a:stretch>
@@ -26957,7 +26971,7 @@
                     <a:avLst/>
                   </a:prstGeom>
                   <a:blipFill>
-                    <a:blip r:embed="rId45"/>
+                    <a:blip r:embed="rId46"/>
                     <a:stretch>
                       <a:fillRect/>
                     </a:stretch>
@@ -27058,7 +27072,7 @@
                     <a:avLst/>
                   </a:prstGeom>
                   <a:blipFill>
-                    <a:blip r:embed="rId46"/>
+                    <a:blip r:embed="rId47"/>
                     <a:stretch>
                       <a:fillRect b="-14754"/>
                     </a:stretch>
@@ -27181,7 +27195,7 @@
                     <a:avLst/>
                   </a:prstGeom>
                   <a:blipFill>
-                    <a:blip r:embed="rId47"/>
+                    <a:blip r:embed="rId48"/>
                     <a:stretch>
                       <a:fillRect/>
                     </a:stretch>
@@ -28107,7 +28121,7 @@
                   <a:avLst/>
                 </a:prstGeom>
                 <a:blipFill>
-                  <a:blip r:embed="rId48"/>
+                  <a:blip r:embed="rId49"/>
                   <a:stretch>
                     <a:fillRect l="-23684" r="-23684" b="-9804"/>
                   </a:stretch>
@@ -28195,7 +28209,7 @@
                   <a:avLst/>
                 </a:prstGeom>
                 <a:blipFill>
-                  <a:blip r:embed="rId49"/>
+                  <a:blip r:embed="rId50"/>
                   <a:stretch>
                     <a:fillRect l="-19512" r="-19512" b="-10000"/>
                   </a:stretch>
@@ -36733,7 +36747,7 @@
               <a:prstGeom prst="straightConnector1">
                 <a:avLst/>
               </a:prstGeom>
-              <a:ln w="38100">
+              <a:ln w="57150">
                 <a:solidFill>
                   <a:schemeClr val="tx1"/>
                 </a:solidFill>
@@ -37624,8 +37638,8 @@
           </p:sp>
         </mc:Fallback>
       </mc:AlternateContent>
-      <mc:AlternateContent xmlns:mc="http://schemas.openxmlformats.org/markup-compatibility/2006">
-        <mc:Choice xmlns:a14="http://schemas.microsoft.com/office/drawing/2010/main" Requires="a14">
+      <mc:AlternateContent xmlns:mc="http://schemas.openxmlformats.org/markup-compatibility/2006" xmlns:a14="http://schemas.microsoft.com/office/drawing/2010/main">
+        <mc:Choice Requires="a14">
           <p:sp>
             <p:nvSpPr>
               <p:cNvPr id="81" name="Rectangle 80">
@@ -37685,7 +37699,7 @@
             </p:txBody>
           </p:sp>
         </mc:Choice>
-        <mc:Fallback>
+        <mc:Fallback xmlns="">
           <p:sp>
             <p:nvSpPr>
               <p:cNvPr id="81" name="Rectangle 80">
@@ -37730,8 +37744,8 @@
           </p:sp>
         </mc:Fallback>
       </mc:AlternateContent>
-      <mc:AlternateContent xmlns:mc="http://schemas.openxmlformats.org/markup-compatibility/2006">
-        <mc:Choice xmlns:a14="http://schemas.microsoft.com/office/drawing/2010/main" Requires="a14">
+      <mc:AlternateContent xmlns:mc="http://schemas.openxmlformats.org/markup-compatibility/2006" xmlns:a14="http://schemas.microsoft.com/office/drawing/2010/main">
+        <mc:Choice Requires="a14">
           <p:sp>
             <p:nvSpPr>
               <p:cNvPr id="66" name="Rectangle 65">
@@ -37791,7 +37805,7 @@
             </p:txBody>
           </p:sp>
         </mc:Choice>
-        <mc:Fallback>
+        <mc:Fallback xmlns="">
           <p:sp>
             <p:nvSpPr>
               <p:cNvPr id="66" name="Rectangle 65">
@@ -37836,8 +37850,8 @@
           </p:sp>
         </mc:Fallback>
       </mc:AlternateContent>
-      <mc:AlternateContent xmlns:mc="http://schemas.openxmlformats.org/markup-compatibility/2006">
-        <mc:Choice xmlns:a14="http://schemas.microsoft.com/office/drawing/2010/main" Requires="a14">
+      <mc:AlternateContent xmlns:mc="http://schemas.openxmlformats.org/markup-compatibility/2006" xmlns:a14="http://schemas.microsoft.com/office/drawing/2010/main">
+        <mc:Choice Requires="a14">
           <p:sp>
             <p:nvSpPr>
               <p:cNvPr id="70" name="Rectangle 69">
@@ -37897,7 +37911,7 @@
             </p:txBody>
           </p:sp>
         </mc:Choice>
-        <mc:Fallback>
+        <mc:Fallback xmlns="">
           <p:sp>
             <p:nvSpPr>
               <p:cNvPr id="70" name="Rectangle 69">

--- a/tex/figures/ChargesFields/Figures.pptx
+++ b/tex/figures/ChargesFields/Figures.pptx
@@ -5,7 +5,7 @@
     <p:sldMasterId id="2147483648" r:id="rId1"/>
   </p:sldMasterIdLst>
   <p:notesMasterIdLst>
-    <p:notesMasterId r:id="rId12"/>
+    <p:notesMasterId r:id="rId13"/>
   </p:notesMasterIdLst>
   <p:sldIdLst>
     <p:sldId id="271" r:id="rId2"/>
@@ -18,6 +18,7 @@
     <p:sldId id="278" r:id="rId9"/>
     <p:sldId id="279" r:id="rId10"/>
     <p:sldId id="280" r:id="rId11"/>
+    <p:sldId id="281" r:id="rId12"/>
   </p:sldIdLst>
   <p:sldSz cx="12192000" cy="6858000"/>
   <p:notesSz cx="6858000" cy="9144000"/>
@@ -139,13 +140,61 @@
 <file path=ppt/revisionInfo.xml><?xml version="1.0" encoding="utf-8"?>
 <p1510:revInfo xmlns:a="http://schemas.openxmlformats.org/drawingml/2006/main" xmlns:r="http://schemas.openxmlformats.org/officeDocument/2006/relationships" xmlns:p1510="http://schemas.microsoft.com/office/powerpoint/2015/10/main">
   <p1510:revLst>
-    <p1510:client id="{B1EA9506-D332-4B63-AD1B-F03AA899AA18}" v="327" dt="2019-07-10T15:22:24.585"/>
+    <p1510:client id="{DAF5B6D8-91BD-400B-A4D5-187E1A57CCF2}" v="19" dt="2019-08-21T20:37:08.372"/>
   </p1510:revLst>
 </p1510:revInfo>
 </file>
 
 <file path=ppt/changesInfos/changesInfo1.xml><?xml version="1.0" encoding="utf-8"?>
 <pc:chgInfo xmlns:a="http://schemas.openxmlformats.org/drawingml/2006/main" xmlns:r="http://schemas.openxmlformats.org/officeDocument/2006/relationships" xmlns:ac="http://schemas.microsoft.com/office/drawing/2013/main/command" xmlns:pc="http://schemas.microsoft.com/office/powerpoint/2013/main/command">
+  <pc:docChgLst>
+    <pc:chgData name="Joshua Rinaldo" userId="eeaa994f99e4e508" providerId="LiveId" clId="{DAF5B6D8-91BD-400B-A4D5-187E1A57CCF2}"/>
+    <pc:docChg chg="custSel addSld modSld">
+      <pc:chgData name="Joshua Rinaldo" userId="eeaa994f99e4e508" providerId="LiveId" clId="{DAF5B6D8-91BD-400B-A4D5-187E1A57CCF2}" dt="2019-08-21T20:37:16.397" v="28" actId="1076"/>
+      <pc:docMkLst>
+        <pc:docMk/>
+      </pc:docMkLst>
+      <pc:sldChg chg="addSp delSp modSp add">
+        <pc:chgData name="Joshua Rinaldo" userId="eeaa994f99e4e508" providerId="LiveId" clId="{DAF5B6D8-91BD-400B-A4D5-187E1A57CCF2}" dt="2019-08-21T20:37:16.397" v="28" actId="1076"/>
+        <pc:sldMkLst>
+          <pc:docMk/>
+          <pc:sldMk cId="2294809351" sldId="281"/>
+        </pc:sldMkLst>
+        <pc:spChg chg="del">
+          <ac:chgData name="Joshua Rinaldo" userId="eeaa994f99e4e508" providerId="LiveId" clId="{DAF5B6D8-91BD-400B-A4D5-187E1A57CCF2}" dt="2019-08-21T20:36:26.007" v="1" actId="478"/>
+          <ac:spMkLst>
+            <pc:docMk/>
+            <pc:sldMk cId="2294809351" sldId="281"/>
+            <ac:spMk id="2" creationId="{1A39243C-CBB8-4B81-965A-0F4C2218B672}"/>
+          </ac:spMkLst>
+        </pc:spChg>
+        <pc:spChg chg="del">
+          <ac:chgData name="Joshua Rinaldo" userId="eeaa994f99e4e508" providerId="LiveId" clId="{DAF5B6D8-91BD-400B-A4D5-187E1A57CCF2}" dt="2019-08-21T20:36:27.539" v="2" actId="478"/>
+          <ac:spMkLst>
+            <pc:docMk/>
+            <pc:sldMk cId="2294809351" sldId="281"/>
+            <ac:spMk id="3" creationId="{60AD6C14-DB72-4D90-B8F7-55D12FEDA8AE}"/>
+          </ac:spMkLst>
+        </pc:spChg>
+        <pc:spChg chg="add mod">
+          <ac:chgData name="Joshua Rinaldo" userId="eeaa994f99e4e508" providerId="LiveId" clId="{DAF5B6D8-91BD-400B-A4D5-187E1A57CCF2}" dt="2019-08-21T20:37:16.397" v="28" actId="1076"/>
+          <ac:spMkLst>
+            <pc:docMk/>
+            <pc:sldMk cId="2294809351" sldId="281"/>
+            <ac:spMk id="6" creationId="{FFF79954-1D8D-4070-8D6E-0CF242104214}"/>
+          </ac:spMkLst>
+        </pc:spChg>
+        <pc:picChg chg="add mod">
+          <ac:chgData name="Joshua Rinaldo" userId="eeaa994f99e4e508" providerId="LiveId" clId="{DAF5B6D8-91BD-400B-A4D5-187E1A57CCF2}" dt="2019-08-21T20:36:39.902" v="9" actId="1076"/>
+          <ac:picMkLst>
+            <pc:docMk/>
+            <pc:sldMk cId="2294809351" sldId="281"/>
+            <ac:picMk id="5" creationId="{E76313F2-1DB6-4383-A748-7E9B1667D523}"/>
+          </ac:picMkLst>
+        </pc:picChg>
+      </pc:sldChg>
+    </pc:docChg>
+  </pc:docChgLst>
   <pc:docChgLst>
     <pc:chgData name="Joshua Rinaldo" userId="eeaa994f99e4e508" providerId="LiveId" clId="{B1EA9506-D332-4B63-AD1B-F03AA899AA18}"/>
     <pc:docChg chg="undo custSel addSld modSld">
@@ -4743,7 +4792,7 @@
           <a:p>
             <a:fld id="{FA15A6B2-55AC-CD4B-A1E6-BB01091FE9DC}" type="datetimeFigureOut">
               <a:rPr lang="en-US" smtClean="0"/>
-              <a:t>8/14/2019</a:t>
+              <a:t>8/21/2019</a:t>
             </a:fld>
             <a:endParaRPr lang="en-US"/>
           </a:p>
@@ -5225,7 +5274,7 @@
           <a:p>
             <a:fld id="{F7249F8D-641B-4CAF-BAE5-10524742F6F1}" type="datetimeFigureOut">
               <a:rPr lang="en-CA" smtClean="0"/>
-              <a:t>2019-08-14</a:t>
+              <a:t>2019-08-21</a:t>
             </a:fld>
             <a:endParaRPr lang="en-CA"/>
           </a:p>
@@ -5395,7 +5444,7 @@
           <a:p>
             <a:fld id="{F7249F8D-641B-4CAF-BAE5-10524742F6F1}" type="datetimeFigureOut">
               <a:rPr lang="en-CA" smtClean="0"/>
-              <a:t>2019-08-14</a:t>
+              <a:t>2019-08-21</a:t>
             </a:fld>
             <a:endParaRPr lang="en-CA"/>
           </a:p>
@@ -5575,7 +5624,7 @@
           <a:p>
             <a:fld id="{F7249F8D-641B-4CAF-BAE5-10524742F6F1}" type="datetimeFigureOut">
               <a:rPr lang="en-CA" smtClean="0"/>
-              <a:t>2019-08-14</a:t>
+              <a:t>2019-08-21</a:t>
             </a:fld>
             <a:endParaRPr lang="en-CA"/>
           </a:p>
@@ -5745,7 +5794,7 @@
           <a:p>
             <a:fld id="{F7249F8D-641B-4CAF-BAE5-10524742F6F1}" type="datetimeFigureOut">
               <a:rPr lang="en-CA" smtClean="0"/>
-              <a:t>2019-08-14</a:t>
+              <a:t>2019-08-21</a:t>
             </a:fld>
             <a:endParaRPr lang="en-CA"/>
           </a:p>
@@ -5991,7 +6040,7 @@
           <a:p>
             <a:fld id="{F7249F8D-641B-4CAF-BAE5-10524742F6F1}" type="datetimeFigureOut">
               <a:rPr lang="en-CA" smtClean="0"/>
-              <a:t>2019-08-14</a:t>
+              <a:t>2019-08-21</a:t>
             </a:fld>
             <a:endParaRPr lang="en-CA"/>
           </a:p>
@@ -6223,7 +6272,7 @@
           <a:p>
             <a:fld id="{F7249F8D-641B-4CAF-BAE5-10524742F6F1}" type="datetimeFigureOut">
               <a:rPr lang="en-CA" smtClean="0"/>
-              <a:t>2019-08-14</a:t>
+              <a:t>2019-08-21</a:t>
             </a:fld>
             <a:endParaRPr lang="en-CA"/>
           </a:p>
@@ -6590,7 +6639,7 @@
           <a:p>
             <a:fld id="{F7249F8D-641B-4CAF-BAE5-10524742F6F1}" type="datetimeFigureOut">
               <a:rPr lang="en-CA" smtClean="0"/>
-              <a:t>2019-08-14</a:t>
+              <a:t>2019-08-21</a:t>
             </a:fld>
             <a:endParaRPr lang="en-CA"/>
           </a:p>
@@ -6708,7 +6757,7 @@
           <a:p>
             <a:fld id="{F7249F8D-641B-4CAF-BAE5-10524742F6F1}" type="datetimeFigureOut">
               <a:rPr lang="en-CA" smtClean="0"/>
-              <a:t>2019-08-14</a:t>
+              <a:t>2019-08-21</a:t>
             </a:fld>
             <a:endParaRPr lang="en-CA"/>
           </a:p>
@@ -6803,7 +6852,7 @@
           <a:p>
             <a:fld id="{F7249F8D-641B-4CAF-BAE5-10524742F6F1}" type="datetimeFigureOut">
               <a:rPr lang="en-CA" smtClean="0"/>
-              <a:t>2019-08-14</a:t>
+              <a:t>2019-08-21</a:t>
             </a:fld>
             <a:endParaRPr lang="en-CA"/>
           </a:p>
@@ -7080,7 +7129,7 @@
           <a:p>
             <a:fld id="{F7249F8D-641B-4CAF-BAE5-10524742F6F1}" type="datetimeFigureOut">
               <a:rPr lang="en-CA" smtClean="0"/>
-              <a:t>2019-08-14</a:t>
+              <a:t>2019-08-21</a:t>
             </a:fld>
             <a:endParaRPr lang="en-CA"/>
           </a:p>
@@ -7333,7 +7382,7 @@
           <a:p>
             <a:fld id="{F7249F8D-641B-4CAF-BAE5-10524742F6F1}" type="datetimeFigureOut">
               <a:rPr lang="en-CA" smtClean="0"/>
-              <a:t>2019-08-14</a:t>
+              <a:t>2019-08-21</a:t>
             </a:fld>
             <a:endParaRPr lang="en-CA"/>
           </a:p>
@@ -7546,7 +7595,7 @@
           <a:p>
             <a:fld id="{F7249F8D-641B-4CAF-BAE5-10524742F6F1}" type="datetimeFigureOut">
               <a:rPr lang="en-CA" smtClean="0"/>
-              <a:t>2019-08-14</a:t>
+              <a:t>2019-08-21</a:t>
             </a:fld>
             <a:endParaRPr lang="en-CA"/>
           </a:p>
@@ -12837,6 +12886,184 @@
     <p:extLst>
       <p:ext uri="{BB962C8B-B14F-4D97-AF65-F5344CB8AC3E}">
         <p14:creationId xmlns:p14="http://schemas.microsoft.com/office/powerpoint/2010/main" val="2047872917"/>
+      </p:ext>
+    </p:extLst>
+  </p:cSld>
+  <p:clrMapOvr>
+    <a:masterClrMapping/>
+  </p:clrMapOvr>
+</p:sld>
+</file>
+
+<file path=ppt/slides/slide11.xml><?xml version="1.0" encoding="utf-8"?>
+<p:sld xmlns:a="http://schemas.openxmlformats.org/drawingml/2006/main" xmlns:r="http://schemas.openxmlformats.org/officeDocument/2006/relationships" xmlns:p="http://schemas.openxmlformats.org/presentationml/2006/main">
+  <p:cSld>
+    <p:spTree>
+      <p:nvGrpSpPr>
+        <p:cNvPr id="1" name=""/>
+        <p:cNvGrpSpPr/>
+        <p:nvPr/>
+      </p:nvGrpSpPr>
+      <p:grpSpPr>
+        <a:xfrm>
+          <a:off x="0" y="0"/>
+          <a:ext cx="0" cy="0"/>
+          <a:chOff x="0" y="0"/>
+          <a:chExt cx="0" cy="0"/>
+        </a:xfrm>
+      </p:grpSpPr>
+      <p:pic>
+        <p:nvPicPr>
+          <p:cNvPr id="5" name="Picture 4" descr="A picture containing object, watch&#10;&#10;Description automatically generated">
+            <a:extLst>
+              <a:ext uri="{FF2B5EF4-FFF2-40B4-BE49-F238E27FC236}">
+                <a16:creationId xmlns:a16="http://schemas.microsoft.com/office/drawing/2014/main" id="{E76313F2-1DB6-4383-A748-7E9B1667D523}"/>
+              </a:ext>
+            </a:extLst>
+          </p:cNvPr>
+          <p:cNvPicPr>
+            <a:picLocks noChangeAspect="1"/>
+          </p:cNvPicPr>
+          <p:nvPr/>
+        </p:nvPicPr>
+        <p:blipFill>
+          <a:blip r:embed="rId2">
+            <a:extLst>
+              <a:ext uri="{28A0092B-C50C-407E-A947-70E740481C1C}">
+                <a14:useLocalDpi xmlns:a14="http://schemas.microsoft.com/office/drawing/2010/main" val="0"/>
+              </a:ext>
+            </a:extLst>
+          </a:blip>
+          <a:stretch>
+            <a:fillRect/>
+          </a:stretch>
+        </p:blipFill>
+        <p:spPr>
+          <a:xfrm>
+            <a:off x="1692497" y="-255868"/>
+            <a:ext cx="7560206" cy="7369736"/>
+          </a:xfrm>
+          <a:prstGeom prst="rect">
+            <a:avLst/>
+          </a:prstGeom>
+        </p:spPr>
+      </p:pic>
+      <mc:AlternateContent xmlns:mc="http://schemas.openxmlformats.org/markup-compatibility/2006">
+        <mc:Choice xmlns:a14="http://schemas.microsoft.com/office/drawing/2010/main" Requires="a14">
+          <p:sp>
+            <p:nvSpPr>
+              <p:cNvPr id="6" name="TextBox 5">
+                <a:extLst>
+                  <a:ext uri="{FF2B5EF4-FFF2-40B4-BE49-F238E27FC236}">
+                    <a16:creationId xmlns:a16="http://schemas.microsoft.com/office/drawing/2014/main" id="{FFF79954-1D8D-4070-8D6E-0CF242104214}"/>
+                  </a:ext>
+                </a:extLst>
+              </p:cNvPr>
+              <p:cNvSpPr txBox="1"/>
+              <p:nvPr/>
+            </p:nvSpPr>
+            <p:spPr>
+              <a:xfrm>
+                <a:off x="4533609" y="1443789"/>
+                <a:ext cx="615873" cy="713657"/>
+              </a:xfrm>
+              <a:prstGeom prst="rect">
+                <a:avLst/>
+              </a:prstGeom>
+              <a:noFill/>
+            </p:spPr>
+            <p:txBody>
+              <a:bodyPr wrap="none" rtlCol="0">
+                <a:spAutoFit/>
+              </a:bodyPr>
+              <a:lstStyle/>
+              <a:p>
+                <a14:m>
+                  <m:oMathPara xmlns:m="http://schemas.openxmlformats.org/officeDocument/2006/math">
+                    <m:oMathParaPr>
+                      <m:jc m:val="centerGroup"/>
+                    </m:oMathParaPr>
+                    <m:oMath xmlns:m="http://schemas.openxmlformats.org/officeDocument/2006/math">
+                      <m:acc>
+                        <m:accPr>
+                          <m:chr m:val="⃗"/>
+                          <m:ctrlPr>
+                            <a:rPr lang="en-CA" sz="3600" b="1" i="1" smtClean="0">
+                              <a:latin typeface="Cambria Math" panose="02040503050406030204" pitchFamily="18" charset="0"/>
+                              <a:cs typeface="Arial" panose="020B0604020202020204" pitchFamily="34" charset="0"/>
+                            </a:rPr>
+                          </m:ctrlPr>
+                        </m:accPr>
+                        <m:e>
+                          <m:r>
+                            <a:rPr lang="en-CA" sz="3600" b="1" i="1" smtClean="0">
+                              <a:latin typeface="Cambria Math" panose="02040503050406030204" pitchFamily="18" charset="0"/>
+                              <a:cs typeface="Arial" panose="020B0604020202020204" pitchFamily="34" charset="0"/>
+                            </a:rPr>
+                            <m:t>𝑬</m:t>
+                          </m:r>
+                        </m:e>
+                      </m:acc>
+                    </m:oMath>
+                  </m:oMathPara>
+                </a14:m>
+                <a:endParaRPr lang="en-CA" sz="3600" b="1" dirty="0">
+                  <a:latin typeface="Arial" panose="020B0604020202020204" pitchFamily="34" charset="0"/>
+                  <a:cs typeface="Arial" panose="020B0604020202020204" pitchFamily="34" charset="0"/>
+                </a:endParaRPr>
+              </a:p>
+            </p:txBody>
+          </p:sp>
+        </mc:Choice>
+        <mc:Fallback>
+          <p:sp>
+            <p:nvSpPr>
+              <p:cNvPr id="6" name="TextBox 5">
+                <a:extLst>
+                  <a:ext uri="{FF2B5EF4-FFF2-40B4-BE49-F238E27FC236}">
+                    <a16:creationId xmlns:a16="http://schemas.microsoft.com/office/drawing/2014/main" id="{FFF79954-1D8D-4070-8D6E-0CF242104214}"/>
+                  </a:ext>
+                </a:extLst>
+              </p:cNvPr>
+              <p:cNvSpPr txBox="1">
+                <a:spLocks noRot="1" noChangeAspect="1" noMove="1" noResize="1" noEditPoints="1" noAdjustHandles="1" noChangeArrowheads="1" noChangeShapeType="1" noTextEdit="1"/>
+              </p:cNvSpPr>
+              <p:nvPr/>
+            </p:nvSpPr>
+            <p:spPr>
+              <a:xfrm>
+                <a:off x="4533609" y="1443789"/>
+                <a:ext cx="615873" cy="713657"/>
+              </a:xfrm>
+              <a:prstGeom prst="rect">
+                <a:avLst/>
+              </a:prstGeom>
+              <a:blipFill>
+                <a:blip r:embed="rId3"/>
+                <a:stretch>
+                  <a:fillRect/>
+                </a:stretch>
+              </a:blipFill>
+            </p:spPr>
+            <p:txBody>
+              <a:bodyPr/>
+              <a:lstStyle/>
+              <a:p>
+                <a:r>
+                  <a:rPr lang="en-CA">
+                    <a:noFill/>
+                  </a:rPr>
+                  <a:t> </a:t>
+                </a:r>
+              </a:p>
+            </p:txBody>
+          </p:sp>
+        </mc:Fallback>
+      </mc:AlternateContent>
+    </p:spTree>
+    <p:extLst>
+      <p:ext uri="{BB962C8B-B14F-4D97-AF65-F5344CB8AC3E}">
+        <p14:creationId xmlns:p14="http://schemas.microsoft.com/office/powerpoint/2010/main" val="2294809351"/>
       </p:ext>
     </p:extLst>
   </p:cSld>

--- a/tex/figures/ChargesFields/Figures.pptx
+++ b/tex/figures/ChargesFields/Figures.pptx
@@ -4792,7 +4792,7 @@
           <a:p>
             <a:fld id="{FA15A6B2-55AC-CD4B-A1E6-BB01091FE9DC}" type="datetimeFigureOut">
               <a:rPr lang="en-US" smtClean="0"/>
-              <a:t>8/21/2019</a:t>
+              <a:t>5/25/2020</a:t>
             </a:fld>
             <a:endParaRPr lang="en-US"/>
           </a:p>
@@ -5274,7 +5274,7 @@
           <a:p>
             <a:fld id="{F7249F8D-641B-4CAF-BAE5-10524742F6F1}" type="datetimeFigureOut">
               <a:rPr lang="en-CA" smtClean="0"/>
-              <a:t>2019-08-21</a:t>
+              <a:t>2020-05-25</a:t>
             </a:fld>
             <a:endParaRPr lang="en-CA"/>
           </a:p>
@@ -5444,7 +5444,7 @@
           <a:p>
             <a:fld id="{F7249F8D-641B-4CAF-BAE5-10524742F6F1}" type="datetimeFigureOut">
               <a:rPr lang="en-CA" smtClean="0"/>
-              <a:t>2019-08-21</a:t>
+              <a:t>2020-05-25</a:t>
             </a:fld>
             <a:endParaRPr lang="en-CA"/>
           </a:p>
@@ -5624,7 +5624,7 @@
           <a:p>
             <a:fld id="{F7249F8D-641B-4CAF-BAE5-10524742F6F1}" type="datetimeFigureOut">
               <a:rPr lang="en-CA" smtClean="0"/>
-              <a:t>2019-08-21</a:t>
+              <a:t>2020-05-25</a:t>
             </a:fld>
             <a:endParaRPr lang="en-CA"/>
           </a:p>
@@ -5794,7 +5794,7 @@
           <a:p>
             <a:fld id="{F7249F8D-641B-4CAF-BAE5-10524742F6F1}" type="datetimeFigureOut">
               <a:rPr lang="en-CA" smtClean="0"/>
-              <a:t>2019-08-21</a:t>
+              <a:t>2020-05-25</a:t>
             </a:fld>
             <a:endParaRPr lang="en-CA"/>
           </a:p>
@@ -6040,7 +6040,7 @@
           <a:p>
             <a:fld id="{F7249F8D-641B-4CAF-BAE5-10524742F6F1}" type="datetimeFigureOut">
               <a:rPr lang="en-CA" smtClean="0"/>
-              <a:t>2019-08-21</a:t>
+              <a:t>2020-05-25</a:t>
             </a:fld>
             <a:endParaRPr lang="en-CA"/>
           </a:p>
@@ -6272,7 +6272,7 @@
           <a:p>
             <a:fld id="{F7249F8D-641B-4CAF-BAE5-10524742F6F1}" type="datetimeFigureOut">
               <a:rPr lang="en-CA" smtClean="0"/>
-              <a:t>2019-08-21</a:t>
+              <a:t>2020-05-25</a:t>
             </a:fld>
             <a:endParaRPr lang="en-CA"/>
           </a:p>
@@ -6639,7 +6639,7 @@
           <a:p>
             <a:fld id="{F7249F8D-641B-4CAF-BAE5-10524742F6F1}" type="datetimeFigureOut">
               <a:rPr lang="en-CA" smtClean="0"/>
-              <a:t>2019-08-21</a:t>
+              <a:t>2020-05-25</a:t>
             </a:fld>
             <a:endParaRPr lang="en-CA"/>
           </a:p>
@@ -6757,7 +6757,7 @@
           <a:p>
             <a:fld id="{F7249F8D-641B-4CAF-BAE5-10524742F6F1}" type="datetimeFigureOut">
               <a:rPr lang="en-CA" smtClean="0"/>
-              <a:t>2019-08-21</a:t>
+              <a:t>2020-05-25</a:t>
             </a:fld>
             <a:endParaRPr lang="en-CA"/>
           </a:p>
@@ -6852,7 +6852,7 @@
           <a:p>
             <a:fld id="{F7249F8D-641B-4CAF-BAE5-10524742F6F1}" type="datetimeFigureOut">
               <a:rPr lang="en-CA" smtClean="0"/>
-              <a:t>2019-08-21</a:t>
+              <a:t>2020-05-25</a:t>
             </a:fld>
             <a:endParaRPr lang="en-CA"/>
           </a:p>
@@ -7129,7 +7129,7 @@
           <a:p>
             <a:fld id="{F7249F8D-641B-4CAF-BAE5-10524742F6F1}" type="datetimeFigureOut">
               <a:rPr lang="en-CA" smtClean="0"/>
-              <a:t>2019-08-21</a:t>
+              <a:t>2020-05-25</a:t>
             </a:fld>
             <a:endParaRPr lang="en-CA"/>
           </a:p>
@@ -7382,7 +7382,7 @@
           <a:p>
             <a:fld id="{F7249F8D-641B-4CAF-BAE5-10524742F6F1}" type="datetimeFigureOut">
               <a:rPr lang="en-CA" smtClean="0"/>
-              <a:t>2019-08-21</a:t>
+              <a:t>2020-05-25</a:t>
             </a:fld>
             <a:endParaRPr lang="en-CA"/>
           </a:p>
@@ -7595,7 +7595,7 @@
           <a:p>
             <a:fld id="{F7249F8D-641B-4CAF-BAE5-10524742F6F1}" type="datetimeFigureOut">
               <a:rPr lang="en-CA" smtClean="0"/>
-              <a:t>2019-08-21</a:t>
+              <a:t>2020-05-25</a:t>
             </a:fld>
             <a:endParaRPr lang="en-CA"/>
           </a:p>
@@ -12948,8 +12948,8 @@
           </a:prstGeom>
         </p:spPr>
       </p:pic>
-      <mc:AlternateContent xmlns:mc="http://schemas.openxmlformats.org/markup-compatibility/2006">
-        <mc:Choice xmlns:a14="http://schemas.microsoft.com/office/drawing/2010/main" Requires="a14">
+      <mc:AlternateContent xmlns:mc="http://schemas.openxmlformats.org/markup-compatibility/2006" xmlns:a14="http://schemas.microsoft.com/office/drawing/2010/main">
+        <mc:Choice Requires="a14">
           <p:sp>
             <p:nvSpPr>
               <p:cNvPr id="6" name="TextBox 5">
@@ -12978,6 +12978,7 @@
               </a:bodyPr>
               <a:lstStyle/>
               <a:p>
+                <a:pPr/>
                 <a14:m>
                   <m:oMathPara xmlns:m="http://schemas.openxmlformats.org/officeDocument/2006/math">
                     <m:oMathParaPr>
@@ -13015,7 +13016,7 @@
             </p:txBody>
           </p:sp>
         </mc:Choice>
-        <mc:Fallback>
+        <mc:Fallback xmlns="">
           <p:sp>
             <p:nvSpPr>
               <p:cNvPr id="6" name="TextBox 5">
@@ -38215,180 +38216,6 @@
       </p:grpSpPr>
       <p:sp>
         <p:nvSpPr>
-          <p:cNvPr id="112" name="Isosceles Triangle 111">
-            <a:extLst>
-              <a:ext uri="{FF2B5EF4-FFF2-40B4-BE49-F238E27FC236}">
-                <a16:creationId xmlns:a16="http://schemas.microsoft.com/office/drawing/2014/main" id="{CE0D49C3-1534-4E86-B45E-AF89581350B9}"/>
-              </a:ext>
-            </a:extLst>
-          </p:cNvPr>
-          <p:cNvSpPr/>
-          <p:nvPr/>
-        </p:nvSpPr>
-        <p:spPr>
-          <a:xfrm rot="5400000">
-            <a:off x="10018623" y="604281"/>
-            <a:ext cx="385452" cy="134985"/>
-          </a:xfrm>
-          <a:prstGeom prst="triangle">
-            <a:avLst/>
-          </a:prstGeom>
-          <a:solidFill>
-            <a:schemeClr val="bg2">
-              <a:lumMod val="90000"/>
-            </a:schemeClr>
-          </a:solidFill>
-          <a:ln w="38100">
-            <a:solidFill>
-              <a:schemeClr val="bg2">
-                <a:lumMod val="90000"/>
-              </a:schemeClr>
-            </a:solidFill>
-          </a:ln>
-        </p:spPr>
-        <p:style>
-          <a:lnRef idx="2">
-            <a:schemeClr val="accent1">
-              <a:shade val="50000"/>
-            </a:schemeClr>
-          </a:lnRef>
-          <a:fillRef idx="1">
-            <a:schemeClr val="accent1"/>
-          </a:fillRef>
-          <a:effectRef idx="0">
-            <a:schemeClr val="accent1"/>
-          </a:effectRef>
-          <a:fontRef idx="minor">
-            <a:schemeClr val="lt1"/>
-          </a:fontRef>
-        </p:style>
-        <p:txBody>
-          <a:bodyPr rtlCol="0" anchor="ctr"/>
-          <a:lstStyle/>
-          <a:p>
-            <a:pPr algn="ctr"/>
-            <a:endParaRPr lang="en-CA"/>
-          </a:p>
-        </p:txBody>
-      </p:sp>
-      <p:sp>
-        <p:nvSpPr>
-          <p:cNvPr id="110" name="Isosceles Triangle 109">
-            <a:extLst>
-              <a:ext uri="{FF2B5EF4-FFF2-40B4-BE49-F238E27FC236}">
-                <a16:creationId xmlns:a16="http://schemas.microsoft.com/office/drawing/2014/main" id="{0220EC51-D2AB-445B-AC1D-FC226B621533}"/>
-              </a:ext>
-            </a:extLst>
-          </p:cNvPr>
-          <p:cNvSpPr/>
-          <p:nvPr/>
-        </p:nvSpPr>
-        <p:spPr>
-          <a:xfrm rot="5692767">
-            <a:off x="10163859" y="695150"/>
-            <a:ext cx="189919" cy="92007"/>
-          </a:xfrm>
-          <a:prstGeom prst="triangle">
-            <a:avLst/>
-          </a:prstGeom>
-          <a:solidFill>
-            <a:schemeClr val="bg2">
-              <a:lumMod val="90000"/>
-            </a:schemeClr>
-          </a:solidFill>
-          <a:ln w="38100">
-            <a:solidFill>
-              <a:schemeClr val="bg2">
-                <a:lumMod val="90000"/>
-              </a:schemeClr>
-            </a:solidFill>
-          </a:ln>
-        </p:spPr>
-        <p:style>
-          <a:lnRef idx="2">
-            <a:schemeClr val="accent1">
-              <a:shade val="50000"/>
-            </a:schemeClr>
-          </a:lnRef>
-          <a:fillRef idx="1">
-            <a:schemeClr val="accent1"/>
-          </a:fillRef>
-          <a:effectRef idx="0">
-            <a:schemeClr val="accent1"/>
-          </a:effectRef>
-          <a:fontRef idx="minor">
-            <a:schemeClr val="lt1"/>
-          </a:fontRef>
-        </p:style>
-        <p:txBody>
-          <a:bodyPr rtlCol="0" anchor="ctr"/>
-          <a:lstStyle/>
-          <a:p>
-            <a:pPr algn="ctr"/>
-            <a:endParaRPr lang="en-CA"/>
-          </a:p>
-        </p:txBody>
-      </p:sp>
-      <p:sp>
-        <p:nvSpPr>
-          <p:cNvPr id="85" name="Rectangle 84">
-            <a:extLst>
-              <a:ext uri="{FF2B5EF4-FFF2-40B4-BE49-F238E27FC236}">
-                <a16:creationId xmlns:a16="http://schemas.microsoft.com/office/drawing/2014/main" id="{D4BC4560-DAE4-48A4-9912-27F58D2394DB}"/>
-              </a:ext>
-            </a:extLst>
-          </p:cNvPr>
-          <p:cNvSpPr/>
-          <p:nvPr/>
-        </p:nvSpPr>
-        <p:spPr>
-          <a:xfrm rot="3672346">
-            <a:off x="9598851" y="1811686"/>
-            <a:ext cx="2462509" cy="180000"/>
-          </a:xfrm>
-          <a:prstGeom prst="rect">
-            <a:avLst/>
-          </a:prstGeom>
-          <a:solidFill>
-            <a:schemeClr val="bg2">
-              <a:lumMod val="90000"/>
-            </a:schemeClr>
-          </a:solidFill>
-          <a:ln w="38100">
-            <a:solidFill>
-              <a:schemeClr val="bg2">
-                <a:lumMod val="90000"/>
-              </a:schemeClr>
-            </a:solidFill>
-          </a:ln>
-        </p:spPr>
-        <p:style>
-          <a:lnRef idx="2">
-            <a:schemeClr val="accent1">
-              <a:shade val="50000"/>
-            </a:schemeClr>
-          </a:lnRef>
-          <a:fillRef idx="1">
-            <a:schemeClr val="accent1"/>
-          </a:fillRef>
-          <a:effectRef idx="0">
-            <a:schemeClr val="accent1"/>
-          </a:effectRef>
-          <a:fontRef idx="minor">
-            <a:schemeClr val="lt1"/>
-          </a:fontRef>
-        </p:style>
-        <p:txBody>
-          <a:bodyPr rtlCol="0" anchor="ctr"/>
-          <a:lstStyle/>
-          <a:p>
-            <a:pPr algn="ctr"/>
-            <a:endParaRPr lang="en-CA"/>
-          </a:p>
-        </p:txBody>
-      </p:sp>
-      <p:sp>
-        <p:nvSpPr>
           <p:cNvPr id="21" name="Isosceles Triangle 20">
             <a:extLst>
               <a:ext uri="{FF2B5EF4-FFF2-40B4-BE49-F238E27FC236}">
@@ -38558,408 +38385,6 @@
           <a:p>
             <a:pPr algn="ctr"/>
             <a:endParaRPr lang="en-CA"/>
-          </a:p>
-        </p:txBody>
-      </p:sp>
-      <p:cxnSp>
-        <p:nvCxnSpPr>
-          <p:cNvPr id="7" name="Straight Arrow Connector 6">
-            <a:extLst>
-              <a:ext uri="{FF2B5EF4-FFF2-40B4-BE49-F238E27FC236}">
-                <a16:creationId xmlns:a16="http://schemas.microsoft.com/office/drawing/2014/main" id="{46C2B726-0077-4C8B-9CD3-83A724AB945F}"/>
-              </a:ext>
-            </a:extLst>
-          </p:cNvPr>
-          <p:cNvCxnSpPr/>
-          <p:nvPr/>
-        </p:nvCxnSpPr>
-        <p:spPr>
-          <a:xfrm flipV="1">
-            <a:off x="5187894" y="3101478"/>
-            <a:ext cx="6616" cy="628374"/>
-          </a:xfrm>
-          <a:prstGeom prst="straightConnector1">
-            <a:avLst/>
-          </a:prstGeom>
-          <a:ln w="38100">
-            <a:solidFill>
-              <a:schemeClr val="tx1"/>
-            </a:solidFill>
-            <a:tailEnd type="triangle"/>
-          </a:ln>
-        </p:spPr>
-        <p:style>
-          <a:lnRef idx="1">
-            <a:schemeClr val="accent1"/>
-          </a:lnRef>
-          <a:fillRef idx="0">
-            <a:schemeClr val="accent1"/>
-          </a:fillRef>
-          <a:effectRef idx="0">
-            <a:schemeClr val="accent1"/>
-          </a:effectRef>
-          <a:fontRef idx="minor">
-            <a:schemeClr val="tx1"/>
-          </a:fontRef>
-        </p:style>
-      </p:cxnSp>
-      <p:cxnSp>
-        <p:nvCxnSpPr>
-          <p:cNvPr id="8" name="Straight Arrow Connector 7">
-            <a:extLst>
-              <a:ext uri="{FF2B5EF4-FFF2-40B4-BE49-F238E27FC236}">
-                <a16:creationId xmlns:a16="http://schemas.microsoft.com/office/drawing/2014/main" id="{4DAAB046-6393-4359-9301-8640CB84D991}"/>
-              </a:ext>
-            </a:extLst>
-          </p:cNvPr>
-          <p:cNvCxnSpPr/>
-          <p:nvPr/>
-        </p:nvCxnSpPr>
-        <p:spPr>
-          <a:xfrm>
-            <a:off x="5181800" y="3717165"/>
-            <a:ext cx="641746" cy="2124"/>
-          </a:xfrm>
-          <a:prstGeom prst="straightConnector1">
-            <a:avLst/>
-          </a:prstGeom>
-          <a:ln w="38100">
-            <a:solidFill>
-              <a:schemeClr val="tx1"/>
-            </a:solidFill>
-            <a:tailEnd type="triangle"/>
-          </a:ln>
-        </p:spPr>
-        <p:style>
-          <a:lnRef idx="1">
-            <a:schemeClr val="accent1"/>
-          </a:lnRef>
-          <a:fillRef idx="0">
-            <a:schemeClr val="accent1"/>
-          </a:fillRef>
-          <a:effectRef idx="0">
-            <a:schemeClr val="accent1"/>
-          </a:effectRef>
-          <a:fontRef idx="minor">
-            <a:schemeClr val="tx1"/>
-          </a:fontRef>
-        </p:style>
-      </p:cxnSp>
-      <mc:AlternateContent xmlns:mc="http://schemas.openxmlformats.org/markup-compatibility/2006" xmlns:a14="http://schemas.microsoft.com/office/drawing/2010/main">
-        <mc:Choice Requires="a14">
-          <p:sp>
-            <p:nvSpPr>
-              <p:cNvPr id="9" name="Rectangle 8">
-                <a:extLst>
-                  <a:ext uri="{FF2B5EF4-FFF2-40B4-BE49-F238E27FC236}">
-                    <a16:creationId xmlns:a16="http://schemas.microsoft.com/office/drawing/2014/main" id="{54FFE5C7-A59D-4426-B20D-A95CE2B860AD}"/>
-                  </a:ext>
-                </a:extLst>
-              </p:cNvPr>
-              <p:cNvSpPr/>
-              <p:nvPr/>
-            </p:nvSpPr>
-            <p:spPr>
-              <a:xfrm>
-                <a:off x="5572451" y="3701910"/>
-                <a:ext cx="331428" cy="354113"/>
-              </a:xfrm>
-              <a:prstGeom prst="rect">
-                <a:avLst/>
-              </a:prstGeom>
-            </p:spPr>
-            <p:txBody>
-              <a:bodyPr wrap="none">
-                <a:spAutoFit/>
-              </a:bodyPr>
-              <a:lstStyle/>
-              <a:p>
-                <a:pPr/>
-                <a14:m>
-                  <m:oMathPara xmlns:m="http://schemas.openxmlformats.org/officeDocument/2006/math">
-                    <m:oMathParaPr>
-                      <m:jc m:val="centerGroup"/>
-                    </m:oMathParaPr>
-                    <m:oMath xmlns:m="http://schemas.openxmlformats.org/officeDocument/2006/math">
-                      <m:r>
-                        <a:rPr lang="en-US" i="1">
-                          <a:latin typeface="Cambria Math" panose="02040503050406030204" pitchFamily="18" charset="0"/>
-                          <a:cs typeface="Arial" panose="020B0604020202020204" pitchFamily="34" charset="0"/>
-                        </a:rPr>
-                        <m:t>𝑥</m:t>
-                      </m:r>
-                    </m:oMath>
-                  </m:oMathPara>
-                </a14:m>
-                <a:endParaRPr lang="en-CA" dirty="0"/>
-              </a:p>
-            </p:txBody>
-          </p:sp>
-        </mc:Choice>
-        <mc:Fallback xmlns="">
-          <p:sp>
-            <p:nvSpPr>
-              <p:cNvPr id="9" name="Rectangle 8">
-                <a:extLst>
-                  <a:ext uri="{FF2B5EF4-FFF2-40B4-BE49-F238E27FC236}">
-                    <a16:creationId xmlns:a16="http://schemas.microsoft.com/office/drawing/2014/main" id="{54FFE5C7-A59D-4426-B20D-A95CE2B860AD}"/>
-                  </a:ext>
-                </a:extLst>
-              </p:cNvPr>
-              <p:cNvSpPr>
-                <a:spLocks noRot="1" noChangeAspect="1" noMove="1" noResize="1" noEditPoints="1" noAdjustHandles="1" noChangeArrowheads="1" noChangeShapeType="1" noTextEdit="1"/>
-              </p:cNvSpPr>
-              <p:nvPr/>
-            </p:nvSpPr>
-            <p:spPr>
-              <a:xfrm>
-                <a:off x="5572451" y="3701910"/>
-                <a:ext cx="331428" cy="354113"/>
-              </a:xfrm>
-              <a:prstGeom prst="rect">
-                <a:avLst/>
-              </a:prstGeom>
-              <a:blipFill>
-                <a:blip r:embed="rId2"/>
-                <a:stretch>
-                  <a:fillRect/>
-                </a:stretch>
-              </a:blipFill>
-            </p:spPr>
-            <p:txBody>
-              <a:bodyPr/>
-              <a:lstStyle/>
-              <a:p>
-                <a:r>
-                  <a:rPr lang="en-CA">
-                    <a:noFill/>
-                  </a:rPr>
-                  <a:t> </a:t>
-                </a:r>
-              </a:p>
-            </p:txBody>
-          </p:sp>
-        </mc:Fallback>
-      </mc:AlternateContent>
-      <mc:AlternateContent xmlns:mc="http://schemas.openxmlformats.org/markup-compatibility/2006" xmlns:a14="http://schemas.microsoft.com/office/drawing/2010/main">
-        <mc:Choice Requires="a14">
-          <p:sp>
-            <p:nvSpPr>
-              <p:cNvPr id="10" name="Rectangle 9">
-                <a:extLst>
-                  <a:ext uri="{FF2B5EF4-FFF2-40B4-BE49-F238E27FC236}">
-                    <a16:creationId xmlns:a16="http://schemas.microsoft.com/office/drawing/2014/main" id="{5876853C-2ED3-43F7-806E-73113A2714B6}"/>
-                  </a:ext>
-                </a:extLst>
-              </p:cNvPr>
-              <p:cNvSpPr/>
-              <p:nvPr/>
-            </p:nvSpPr>
-            <p:spPr>
-              <a:xfrm>
-                <a:off x="4870514" y="3186087"/>
-                <a:ext cx="334490" cy="354113"/>
-              </a:xfrm>
-              <a:prstGeom prst="rect">
-                <a:avLst/>
-              </a:prstGeom>
-            </p:spPr>
-            <p:txBody>
-              <a:bodyPr wrap="none">
-                <a:spAutoFit/>
-              </a:bodyPr>
-              <a:lstStyle/>
-              <a:p>
-                <a:pPr/>
-                <a14:m>
-                  <m:oMathPara xmlns:m="http://schemas.openxmlformats.org/officeDocument/2006/math">
-                    <m:oMathParaPr>
-                      <m:jc m:val="centerGroup"/>
-                    </m:oMathParaPr>
-                    <m:oMath xmlns:m="http://schemas.openxmlformats.org/officeDocument/2006/math">
-                      <m:r>
-                        <a:rPr lang="en-US" b="0" i="1" smtClean="0">
-                          <a:latin typeface="Cambria Math" panose="02040503050406030204" pitchFamily="18" charset="0"/>
-                        </a:rPr>
-                        <m:t>𝑦</m:t>
-                      </m:r>
-                    </m:oMath>
-                  </m:oMathPara>
-                </a14:m>
-                <a:endParaRPr lang="en-CA" dirty="0"/>
-              </a:p>
-            </p:txBody>
-          </p:sp>
-        </mc:Choice>
-        <mc:Fallback xmlns="">
-          <p:sp>
-            <p:nvSpPr>
-              <p:cNvPr id="10" name="Rectangle 9">
-                <a:extLst>
-                  <a:ext uri="{FF2B5EF4-FFF2-40B4-BE49-F238E27FC236}">
-                    <a16:creationId xmlns:a16="http://schemas.microsoft.com/office/drawing/2014/main" id="{5876853C-2ED3-43F7-806E-73113A2714B6}"/>
-                  </a:ext>
-                </a:extLst>
-              </p:cNvPr>
-              <p:cNvSpPr>
-                <a:spLocks noRot="1" noChangeAspect="1" noMove="1" noResize="1" noEditPoints="1" noAdjustHandles="1" noChangeArrowheads="1" noChangeShapeType="1" noTextEdit="1"/>
-              </p:cNvSpPr>
-              <p:nvPr/>
-            </p:nvSpPr>
-            <p:spPr>
-              <a:xfrm>
-                <a:off x="4870514" y="3186087"/>
-                <a:ext cx="334490" cy="354113"/>
-              </a:xfrm>
-              <a:prstGeom prst="rect">
-                <a:avLst/>
-              </a:prstGeom>
-              <a:blipFill>
-                <a:blip r:embed="rId3"/>
-                <a:stretch>
-                  <a:fillRect b="-10345"/>
-                </a:stretch>
-              </a:blipFill>
-            </p:spPr>
-            <p:txBody>
-              <a:bodyPr/>
-              <a:lstStyle/>
-              <a:p>
-                <a:r>
-                  <a:rPr lang="en-CA">
-                    <a:noFill/>
-                  </a:rPr>
-                  <a:t> </a:t>
-                </a:r>
-              </a:p>
-            </p:txBody>
-          </p:sp>
-        </mc:Fallback>
-      </mc:AlternateContent>
-      <mc:AlternateContent xmlns:mc="http://schemas.openxmlformats.org/markup-compatibility/2006" xmlns:a14="http://schemas.microsoft.com/office/drawing/2010/main">
-        <mc:Choice Requires="a14">
-          <p:sp>
-            <p:nvSpPr>
-              <p:cNvPr id="11" name="Rectangle 10">
-                <a:extLst>
-                  <a:ext uri="{FF2B5EF4-FFF2-40B4-BE49-F238E27FC236}">
-                    <a16:creationId xmlns:a16="http://schemas.microsoft.com/office/drawing/2014/main" id="{B1F5AFBE-D8BC-415B-9C2C-0A3F88696274}"/>
-                  </a:ext>
-                </a:extLst>
-              </p:cNvPr>
-              <p:cNvSpPr/>
-              <p:nvPr/>
-            </p:nvSpPr>
-            <p:spPr>
-              <a:xfrm>
-                <a:off x="4942015" y="3640435"/>
-                <a:ext cx="331428" cy="354113"/>
-              </a:xfrm>
-              <a:prstGeom prst="rect">
-                <a:avLst/>
-              </a:prstGeom>
-            </p:spPr>
-            <p:txBody>
-              <a:bodyPr wrap="none">
-                <a:spAutoFit/>
-              </a:bodyPr>
-              <a:lstStyle/>
-              <a:p>
-                <a:pPr/>
-                <a14:m>
-                  <m:oMathPara xmlns:m="http://schemas.openxmlformats.org/officeDocument/2006/math">
-                    <m:oMathParaPr>
-                      <m:jc m:val="centerGroup"/>
-                    </m:oMathParaPr>
-                    <m:oMath xmlns:m="http://schemas.openxmlformats.org/officeDocument/2006/math">
-                      <m:r>
-                        <a:rPr lang="en-US" b="0" i="1" smtClean="0">
-                          <a:latin typeface="Cambria Math" panose="02040503050406030204" pitchFamily="18" charset="0"/>
-                          <a:cs typeface="Arial" panose="020B0604020202020204" pitchFamily="34" charset="0"/>
-                        </a:rPr>
-                        <m:t>0</m:t>
-                      </m:r>
-                    </m:oMath>
-                  </m:oMathPara>
-                </a14:m>
-                <a:endParaRPr lang="en-CA" dirty="0"/>
-              </a:p>
-            </p:txBody>
-          </p:sp>
-        </mc:Choice>
-        <mc:Fallback xmlns="">
-          <p:sp>
-            <p:nvSpPr>
-              <p:cNvPr id="11" name="Rectangle 10">
-                <a:extLst>
-                  <a:ext uri="{FF2B5EF4-FFF2-40B4-BE49-F238E27FC236}">
-                    <a16:creationId xmlns:a16="http://schemas.microsoft.com/office/drawing/2014/main" id="{B1F5AFBE-D8BC-415B-9C2C-0A3F88696274}"/>
-                  </a:ext>
-                </a:extLst>
-              </p:cNvPr>
-              <p:cNvSpPr>
-                <a:spLocks noRot="1" noChangeAspect="1" noMove="1" noResize="1" noEditPoints="1" noAdjustHandles="1" noChangeArrowheads="1" noChangeShapeType="1" noTextEdit="1"/>
-              </p:cNvSpPr>
-              <p:nvPr/>
-            </p:nvSpPr>
-            <p:spPr>
-              <a:xfrm>
-                <a:off x="4942015" y="3640435"/>
-                <a:ext cx="331428" cy="354113"/>
-              </a:xfrm>
-              <a:prstGeom prst="rect">
-                <a:avLst/>
-              </a:prstGeom>
-              <a:blipFill>
-                <a:blip r:embed="rId4"/>
-                <a:stretch>
-                  <a:fillRect/>
-                </a:stretch>
-              </a:blipFill>
-            </p:spPr>
-            <p:txBody>
-              <a:bodyPr/>
-              <a:lstStyle/>
-              <a:p>
-                <a:r>
-                  <a:rPr lang="en-CA">
-                    <a:noFill/>
-                  </a:rPr>
-                  <a:t> </a:t>
-                </a:r>
-              </a:p>
-            </p:txBody>
-          </p:sp>
-        </mc:Fallback>
-      </mc:AlternateContent>
-      <p:sp>
-        <p:nvSpPr>
-          <p:cNvPr id="6" name="Rectangle 5">
-            <a:extLst>
-              <a:ext uri="{FF2B5EF4-FFF2-40B4-BE49-F238E27FC236}">
-                <a16:creationId xmlns:a16="http://schemas.microsoft.com/office/drawing/2014/main" id="{5D1FA766-BA5F-4D25-A7F2-A64CE1337007}"/>
-              </a:ext>
-            </a:extLst>
-          </p:cNvPr>
-          <p:cNvSpPr/>
-          <p:nvPr/>
-        </p:nvSpPr>
-        <p:spPr>
-          <a:xfrm>
-            <a:off x="5033595" y="2830925"/>
-            <a:ext cx="166379" cy="354113"/>
-          </a:xfrm>
-          <a:prstGeom prst="rect">
-            <a:avLst/>
-          </a:prstGeom>
-        </p:spPr>
-        <p:txBody>
-          <a:bodyPr wrap="none">
-            <a:spAutoFit/>
-          </a:bodyPr>
-          <a:lstStyle/>
-          <a:p>
-            <a:endParaRPr lang="en-CA" dirty="0"/>
           </a:p>
         </p:txBody>
       </p:sp>
@@ -39231,294 +38656,6 @@
               </a:prstGeom>
               <a:blipFill>
                 <a:blip r:embed="rId7"/>
-                <a:stretch>
-                  <a:fillRect l="-7143" r="-4762"/>
-                </a:stretch>
-              </a:blipFill>
-            </p:spPr>
-            <p:txBody>
-              <a:bodyPr/>
-              <a:lstStyle/>
-              <a:p>
-                <a:r>
-                  <a:rPr lang="en-CA">
-                    <a:noFill/>
-                  </a:rPr>
-                  <a:t> </a:t>
-                </a:r>
-              </a:p>
-            </p:txBody>
-          </p:sp>
-        </mc:Fallback>
-      </mc:AlternateContent>
-      <mc:AlternateContent xmlns:mc="http://schemas.openxmlformats.org/markup-compatibility/2006" xmlns:a14="http://schemas.microsoft.com/office/drawing/2010/main">
-        <mc:Choice Requires="a14">
-          <p:sp>
-            <p:nvSpPr>
-              <p:cNvPr id="105" name="TextBox 104">
-                <a:extLst>
-                  <a:ext uri="{FF2B5EF4-FFF2-40B4-BE49-F238E27FC236}">
-                    <a16:creationId xmlns:a16="http://schemas.microsoft.com/office/drawing/2014/main" id="{B5C734B4-36D2-4E72-844D-B059B8365526}"/>
-                  </a:ext>
-                </a:extLst>
-              </p:cNvPr>
-              <p:cNvSpPr txBox="1"/>
-              <p:nvPr/>
-            </p:nvSpPr>
-            <p:spPr>
-              <a:xfrm>
-                <a:off x="8857918" y="2037526"/>
-                <a:ext cx="256191" cy="391907"/>
-              </a:xfrm>
-              <a:prstGeom prst="rect">
-                <a:avLst/>
-              </a:prstGeom>
-              <a:noFill/>
-            </p:spPr>
-            <p:txBody>
-              <a:bodyPr wrap="none" lIns="0" tIns="0" rIns="0" bIns="0" rtlCol="0">
-                <a:spAutoFit/>
-              </a:bodyPr>
-              <a:lstStyle/>
-              <a:p>
-                <a:pPr/>
-                <a14:m>
-                  <m:oMathPara xmlns:m="http://schemas.openxmlformats.org/officeDocument/2006/math">
-                    <m:oMathParaPr>
-                      <m:jc m:val="centerGroup"/>
-                    </m:oMathParaPr>
-                    <m:oMath xmlns:m="http://schemas.openxmlformats.org/officeDocument/2006/math">
-                      <m:r>
-                        <a:rPr lang="en-CA" b="0" i="1" smtClean="0">
-                          <a:latin typeface="Cambria Math" panose="02040503050406030204" pitchFamily="18" charset="0"/>
-                        </a:rPr>
-                        <m:t>𝐿</m:t>
-                      </m:r>
-                    </m:oMath>
-                  </m:oMathPara>
-                </a14:m>
-                <a:endParaRPr lang="en-US" dirty="0"/>
-              </a:p>
-            </p:txBody>
-          </p:sp>
-        </mc:Choice>
-        <mc:Fallback xmlns="">
-          <p:sp>
-            <p:nvSpPr>
-              <p:cNvPr id="105" name="TextBox 104">
-                <a:extLst>
-                  <a:ext uri="{FF2B5EF4-FFF2-40B4-BE49-F238E27FC236}">
-                    <a16:creationId xmlns:a16="http://schemas.microsoft.com/office/drawing/2014/main" id="{B5C734B4-36D2-4E72-844D-B059B8365526}"/>
-                  </a:ext>
-                </a:extLst>
-              </p:cNvPr>
-              <p:cNvSpPr txBox="1">
-                <a:spLocks noRot="1" noChangeAspect="1" noMove="1" noResize="1" noEditPoints="1" noAdjustHandles="1" noChangeArrowheads="1" noChangeShapeType="1" noTextEdit="1"/>
-              </p:cNvSpPr>
-              <p:nvPr/>
-            </p:nvSpPr>
-            <p:spPr>
-              <a:xfrm>
-                <a:off x="8857918" y="2037526"/>
-                <a:ext cx="256191" cy="391907"/>
-              </a:xfrm>
-              <a:prstGeom prst="rect">
-                <a:avLst/>
-              </a:prstGeom>
-              <a:blipFill>
-                <a:blip r:embed="rId8"/>
-                <a:stretch>
-                  <a:fillRect l="-4762" r="-7143"/>
-                </a:stretch>
-              </a:blipFill>
-            </p:spPr>
-            <p:txBody>
-              <a:bodyPr/>
-              <a:lstStyle/>
-              <a:p>
-                <a:r>
-                  <a:rPr lang="en-CA">
-                    <a:noFill/>
-                  </a:rPr>
-                  <a:t> </a:t>
-                </a:r>
-              </a:p>
-            </p:txBody>
-          </p:sp>
-        </mc:Fallback>
-      </mc:AlternateContent>
-      <mc:AlternateContent xmlns:mc="http://schemas.openxmlformats.org/markup-compatibility/2006" xmlns:a14="http://schemas.microsoft.com/office/drawing/2010/main">
-        <mc:Choice Requires="a14">
-          <p:sp>
-            <p:nvSpPr>
-              <p:cNvPr id="106" name="TextBox 105">
-                <a:extLst>
-                  <a:ext uri="{FF2B5EF4-FFF2-40B4-BE49-F238E27FC236}">
-                    <a16:creationId xmlns:a16="http://schemas.microsoft.com/office/drawing/2014/main" id="{31667992-C4D7-495C-BAAD-74C14E657198}"/>
-                  </a:ext>
-                </a:extLst>
-              </p:cNvPr>
-              <p:cNvSpPr txBox="1"/>
-              <p:nvPr/>
-            </p:nvSpPr>
-            <p:spPr>
-              <a:xfrm>
-                <a:off x="6630003" y="2033346"/>
-                <a:ext cx="256191" cy="391907"/>
-              </a:xfrm>
-              <a:prstGeom prst="rect">
-                <a:avLst/>
-              </a:prstGeom>
-              <a:noFill/>
-            </p:spPr>
-            <p:txBody>
-              <a:bodyPr wrap="none" lIns="0" tIns="0" rIns="0" bIns="0" rtlCol="0">
-                <a:spAutoFit/>
-              </a:bodyPr>
-              <a:lstStyle/>
-              <a:p>
-                <a:pPr/>
-                <a14:m>
-                  <m:oMathPara xmlns:m="http://schemas.openxmlformats.org/officeDocument/2006/math">
-                    <m:oMathParaPr>
-                      <m:jc m:val="centerGroup"/>
-                    </m:oMathParaPr>
-                    <m:oMath xmlns:m="http://schemas.openxmlformats.org/officeDocument/2006/math">
-                      <m:r>
-                        <a:rPr lang="en-CA" b="0" i="1" smtClean="0">
-                          <a:latin typeface="Cambria Math" panose="02040503050406030204" pitchFamily="18" charset="0"/>
-                        </a:rPr>
-                        <m:t>𝐿</m:t>
-                      </m:r>
-                    </m:oMath>
-                  </m:oMathPara>
-                </a14:m>
-                <a:endParaRPr lang="en-US" dirty="0"/>
-              </a:p>
-            </p:txBody>
-          </p:sp>
-        </mc:Choice>
-        <mc:Fallback xmlns="">
-          <p:sp>
-            <p:nvSpPr>
-              <p:cNvPr id="106" name="TextBox 105">
-                <a:extLst>
-                  <a:ext uri="{FF2B5EF4-FFF2-40B4-BE49-F238E27FC236}">
-                    <a16:creationId xmlns:a16="http://schemas.microsoft.com/office/drawing/2014/main" id="{31667992-C4D7-495C-BAAD-74C14E657198}"/>
-                  </a:ext>
-                </a:extLst>
-              </p:cNvPr>
-              <p:cNvSpPr txBox="1">
-                <a:spLocks noRot="1" noChangeAspect="1" noMove="1" noResize="1" noEditPoints="1" noAdjustHandles="1" noChangeArrowheads="1" noChangeShapeType="1" noTextEdit="1"/>
-              </p:cNvSpPr>
-              <p:nvPr/>
-            </p:nvSpPr>
-            <p:spPr>
-              <a:xfrm>
-                <a:off x="6630003" y="2033346"/>
-                <a:ext cx="256191" cy="391907"/>
-              </a:xfrm>
-              <a:prstGeom prst="rect">
-                <a:avLst/>
-              </a:prstGeom>
-              <a:blipFill>
-                <a:blip r:embed="rId9"/>
-                <a:stretch>
-                  <a:fillRect l="-7143" r="-4762"/>
-                </a:stretch>
-              </a:blipFill>
-            </p:spPr>
-            <p:txBody>
-              <a:bodyPr/>
-              <a:lstStyle/>
-              <a:p>
-                <a:r>
-                  <a:rPr lang="en-CA">
-                    <a:noFill/>
-                  </a:rPr>
-                  <a:t> </a:t>
-                </a:r>
-              </a:p>
-            </p:txBody>
-          </p:sp>
-        </mc:Fallback>
-      </mc:AlternateContent>
-      <mc:AlternateContent xmlns:mc="http://schemas.openxmlformats.org/markup-compatibility/2006" xmlns:a14="http://schemas.microsoft.com/office/drawing/2010/main">
-        <mc:Choice Requires="a14">
-          <p:sp>
-            <p:nvSpPr>
-              <p:cNvPr id="107" name="TextBox 106">
-                <a:extLst>
-                  <a:ext uri="{FF2B5EF4-FFF2-40B4-BE49-F238E27FC236}">
-                    <a16:creationId xmlns:a16="http://schemas.microsoft.com/office/drawing/2014/main" id="{7CD4256F-AAEE-4818-A5B7-510D74D9683B}"/>
-                  </a:ext>
-                </a:extLst>
-              </p:cNvPr>
-              <p:cNvSpPr txBox="1"/>
-              <p:nvPr/>
-            </p:nvSpPr>
-            <p:spPr>
-              <a:xfrm>
-                <a:off x="7709454" y="4090027"/>
-                <a:ext cx="256191" cy="391907"/>
-              </a:xfrm>
-              <a:prstGeom prst="rect">
-                <a:avLst/>
-              </a:prstGeom>
-              <a:noFill/>
-            </p:spPr>
-            <p:txBody>
-              <a:bodyPr wrap="none" lIns="0" tIns="0" rIns="0" bIns="0" rtlCol="0">
-                <a:spAutoFit/>
-              </a:bodyPr>
-              <a:lstStyle/>
-              <a:p>
-                <a:pPr/>
-                <a14:m>
-                  <m:oMathPara xmlns:m="http://schemas.openxmlformats.org/officeDocument/2006/math">
-                    <m:oMathParaPr>
-                      <m:jc m:val="centerGroup"/>
-                    </m:oMathParaPr>
-                    <m:oMath xmlns:m="http://schemas.openxmlformats.org/officeDocument/2006/math">
-                      <m:r>
-                        <a:rPr lang="en-CA" b="0" i="1" smtClean="0">
-                          <a:latin typeface="Cambria Math" panose="02040503050406030204" pitchFamily="18" charset="0"/>
-                        </a:rPr>
-                        <m:t>𝐿</m:t>
-                      </m:r>
-                    </m:oMath>
-                  </m:oMathPara>
-                </a14:m>
-                <a:endParaRPr lang="en-US" dirty="0"/>
-              </a:p>
-            </p:txBody>
-          </p:sp>
-        </mc:Choice>
-        <mc:Fallback xmlns="">
-          <p:sp>
-            <p:nvSpPr>
-              <p:cNvPr id="107" name="TextBox 106">
-                <a:extLst>
-                  <a:ext uri="{FF2B5EF4-FFF2-40B4-BE49-F238E27FC236}">
-                    <a16:creationId xmlns:a16="http://schemas.microsoft.com/office/drawing/2014/main" id="{7CD4256F-AAEE-4818-A5B7-510D74D9683B}"/>
-                  </a:ext>
-                </a:extLst>
-              </p:cNvPr>
-              <p:cNvSpPr txBox="1">
-                <a:spLocks noRot="1" noChangeAspect="1" noMove="1" noResize="1" noEditPoints="1" noAdjustHandles="1" noChangeArrowheads="1" noChangeShapeType="1" noTextEdit="1"/>
-              </p:cNvSpPr>
-              <p:nvPr/>
-            </p:nvSpPr>
-            <p:spPr>
-              <a:xfrm>
-                <a:off x="7709454" y="4090027"/>
-                <a:ext cx="256191" cy="391907"/>
-              </a:xfrm>
-              <a:prstGeom prst="rect">
-                <a:avLst/>
-              </a:prstGeom>
-              <a:blipFill>
-                <a:blip r:embed="rId10"/>
                 <a:stretch>
                   <a:fillRect l="-7143" r="-4762"/>
                 </a:stretch>
@@ -39818,1007 +38955,6 @@
           </p:sp>
         </mc:Fallback>
       </mc:AlternateContent>
-      <p:cxnSp>
-        <p:nvCxnSpPr>
-          <p:cNvPr id="116" name="Straight Connector 115">
-            <a:extLst>
-              <a:ext uri="{FF2B5EF4-FFF2-40B4-BE49-F238E27FC236}">
-                <a16:creationId xmlns:a16="http://schemas.microsoft.com/office/drawing/2014/main" id="{2414D0A8-7C32-485B-BF42-67873343ACB5}"/>
-              </a:ext>
-            </a:extLst>
-          </p:cNvPr>
-          <p:cNvCxnSpPr>
-            <a:cxnSpLocks/>
-            <a:endCxn id="75" idx="5"/>
-          </p:cNvCxnSpPr>
-          <p:nvPr/>
-        </p:nvCxnSpPr>
-        <p:spPr>
-          <a:xfrm flipV="1">
-            <a:off x="7895120" y="2283509"/>
-            <a:ext cx="759938" cy="542800"/>
-          </a:xfrm>
-          <a:prstGeom prst="line">
-            <a:avLst/>
-          </a:prstGeom>
-          <a:ln w="38100">
-            <a:solidFill>
-              <a:schemeClr val="tx1"/>
-            </a:solidFill>
-          </a:ln>
-        </p:spPr>
-        <p:style>
-          <a:lnRef idx="1">
-            <a:schemeClr val="accent1"/>
-          </a:lnRef>
-          <a:fillRef idx="0">
-            <a:schemeClr val="accent1"/>
-          </a:fillRef>
-          <a:effectRef idx="0">
-            <a:schemeClr val="accent1"/>
-          </a:effectRef>
-          <a:fontRef idx="minor">
-            <a:schemeClr val="tx1"/>
-          </a:fontRef>
-        </p:style>
-      </p:cxnSp>
-      <p:cxnSp>
-        <p:nvCxnSpPr>
-          <p:cNvPr id="119" name="Straight Connector 118">
-            <a:extLst>
-              <a:ext uri="{FF2B5EF4-FFF2-40B4-BE49-F238E27FC236}">
-                <a16:creationId xmlns:a16="http://schemas.microsoft.com/office/drawing/2014/main" id="{6485B17C-5001-45E9-81DB-9BDAADD91F27}"/>
-              </a:ext>
-            </a:extLst>
-          </p:cNvPr>
-          <p:cNvCxnSpPr/>
-          <p:nvPr/>
-        </p:nvCxnSpPr>
-        <p:spPr>
-          <a:xfrm flipV="1">
-            <a:off x="7895120" y="994609"/>
-            <a:ext cx="0" cy="1828404"/>
-          </a:xfrm>
-          <a:prstGeom prst="line">
-            <a:avLst/>
-          </a:prstGeom>
-          <a:ln w="38100">
-            <a:solidFill>
-              <a:schemeClr val="tx1"/>
-            </a:solidFill>
-          </a:ln>
-        </p:spPr>
-        <p:style>
-          <a:lnRef idx="1">
-            <a:schemeClr val="accent1"/>
-          </a:lnRef>
-          <a:fillRef idx="0">
-            <a:schemeClr val="accent1"/>
-          </a:fillRef>
-          <a:effectRef idx="0">
-            <a:schemeClr val="accent1"/>
-          </a:effectRef>
-          <a:fontRef idx="minor">
-            <a:schemeClr val="tx1"/>
-          </a:fontRef>
-        </p:style>
-      </p:cxnSp>
-      <p:cxnSp>
-        <p:nvCxnSpPr>
-          <p:cNvPr id="121" name="Straight Connector 120">
-            <a:extLst>
-              <a:ext uri="{FF2B5EF4-FFF2-40B4-BE49-F238E27FC236}">
-                <a16:creationId xmlns:a16="http://schemas.microsoft.com/office/drawing/2014/main" id="{DB59CCA2-B844-4307-8DE7-E8794AF82037}"/>
-              </a:ext>
-            </a:extLst>
-          </p:cNvPr>
-          <p:cNvCxnSpPr>
-            <a:cxnSpLocks/>
-          </p:cNvCxnSpPr>
-          <p:nvPr/>
-        </p:nvCxnSpPr>
-        <p:spPr>
-          <a:xfrm>
-            <a:off x="7895120" y="2823013"/>
-            <a:ext cx="1531672" cy="802556"/>
-          </a:xfrm>
-          <a:prstGeom prst="line">
-            <a:avLst/>
-          </a:prstGeom>
-          <a:ln w="38100">
-            <a:solidFill>
-              <a:schemeClr val="tx1"/>
-            </a:solidFill>
-          </a:ln>
-        </p:spPr>
-        <p:style>
-          <a:lnRef idx="1">
-            <a:schemeClr val="accent1"/>
-          </a:lnRef>
-          <a:fillRef idx="0">
-            <a:schemeClr val="accent1"/>
-          </a:fillRef>
-          <a:effectRef idx="0">
-            <a:schemeClr val="accent1"/>
-          </a:effectRef>
-          <a:fontRef idx="minor">
-            <a:schemeClr val="tx1"/>
-          </a:fontRef>
-        </p:style>
-      </p:cxnSp>
-      <p:cxnSp>
-        <p:nvCxnSpPr>
-          <p:cNvPr id="122" name="Straight Connector 121">
-            <a:extLst>
-              <a:ext uri="{FF2B5EF4-FFF2-40B4-BE49-F238E27FC236}">
-                <a16:creationId xmlns:a16="http://schemas.microsoft.com/office/drawing/2014/main" id="{6B522297-CF4A-4FD2-8672-C403C021616A}"/>
-              </a:ext>
-            </a:extLst>
-          </p:cNvPr>
-          <p:cNvCxnSpPr>
-            <a:cxnSpLocks/>
-          </p:cNvCxnSpPr>
-          <p:nvPr/>
-        </p:nvCxnSpPr>
-        <p:spPr>
-          <a:xfrm flipV="1">
-            <a:off x="6277797" y="2832248"/>
-            <a:ext cx="1617322" cy="822792"/>
-          </a:xfrm>
-          <a:prstGeom prst="line">
-            <a:avLst/>
-          </a:prstGeom>
-          <a:ln w="38100">
-            <a:solidFill>
-              <a:schemeClr val="tx1"/>
-            </a:solidFill>
-          </a:ln>
-        </p:spPr>
-        <p:style>
-          <a:lnRef idx="1">
-            <a:schemeClr val="accent1"/>
-          </a:lnRef>
-          <a:fillRef idx="0">
-            <a:schemeClr val="accent1"/>
-          </a:fillRef>
-          <a:effectRef idx="0">
-            <a:schemeClr val="accent1"/>
-          </a:effectRef>
-          <a:fontRef idx="minor">
-            <a:schemeClr val="tx1"/>
-          </a:fontRef>
-        </p:style>
-      </p:cxnSp>
-      <p:sp>
-        <p:nvSpPr>
-          <p:cNvPr id="124" name="Arc 123">
-            <a:extLst>
-              <a:ext uri="{FF2B5EF4-FFF2-40B4-BE49-F238E27FC236}">
-                <a16:creationId xmlns:a16="http://schemas.microsoft.com/office/drawing/2014/main" id="{65D1A517-7B74-452D-81AF-5B9F3426DB34}"/>
-              </a:ext>
-            </a:extLst>
-          </p:cNvPr>
-          <p:cNvSpPr/>
-          <p:nvPr/>
-        </p:nvSpPr>
-        <p:spPr>
-          <a:xfrm rot="7957126">
-            <a:off x="7663716" y="2541926"/>
-            <a:ext cx="462805" cy="464414"/>
-          </a:xfrm>
-          <a:prstGeom prst="arc">
-            <a:avLst>
-              <a:gd name="adj1" fmla="val 16200000"/>
-              <a:gd name="adj2" fmla="val 472363"/>
-            </a:avLst>
-          </a:prstGeom>
-          <a:ln w="38100">
-            <a:solidFill>
-              <a:schemeClr val="tx1"/>
-            </a:solidFill>
-          </a:ln>
-        </p:spPr>
-        <p:style>
-          <a:lnRef idx="1">
-            <a:schemeClr val="accent1"/>
-          </a:lnRef>
-          <a:fillRef idx="0">
-            <a:schemeClr val="accent1"/>
-          </a:fillRef>
-          <a:effectRef idx="0">
-            <a:schemeClr val="accent1"/>
-          </a:effectRef>
-          <a:fontRef idx="minor">
-            <a:schemeClr val="tx1"/>
-          </a:fontRef>
-        </p:style>
-        <p:txBody>
-          <a:bodyPr rtlCol="0" anchor="ctr"/>
-          <a:lstStyle/>
-          <a:p>
-            <a:pPr algn="ctr"/>
-            <a:endParaRPr lang="en-CA"/>
-          </a:p>
-        </p:txBody>
-      </p:sp>
-      <p:sp>
-        <p:nvSpPr>
-          <p:cNvPr id="126" name="Arc 125">
-            <a:extLst>
-              <a:ext uri="{FF2B5EF4-FFF2-40B4-BE49-F238E27FC236}">
-                <a16:creationId xmlns:a16="http://schemas.microsoft.com/office/drawing/2014/main" id="{E38011B5-A22C-44D6-B75E-AF6C517658A8}"/>
-              </a:ext>
-            </a:extLst>
-          </p:cNvPr>
-          <p:cNvSpPr/>
-          <p:nvPr/>
-        </p:nvSpPr>
-        <p:spPr>
-          <a:xfrm rot="7744290">
-            <a:off x="7838366" y="1158602"/>
-            <a:ext cx="324141" cy="228672"/>
-          </a:xfrm>
-          <a:prstGeom prst="arc">
-            <a:avLst/>
-          </a:prstGeom>
-          <a:ln w="38100">
-            <a:solidFill>
-              <a:schemeClr val="tx1"/>
-            </a:solidFill>
-          </a:ln>
-        </p:spPr>
-        <p:style>
-          <a:lnRef idx="1">
-            <a:schemeClr val="accent1"/>
-          </a:lnRef>
-          <a:fillRef idx="0">
-            <a:schemeClr val="accent1"/>
-          </a:fillRef>
-          <a:effectRef idx="0">
-            <a:schemeClr val="accent1"/>
-          </a:effectRef>
-          <a:fontRef idx="minor">
-            <a:schemeClr val="tx1"/>
-          </a:fontRef>
-        </p:style>
-        <p:txBody>
-          <a:bodyPr rtlCol="0" anchor="ctr"/>
-          <a:lstStyle/>
-          <a:p>
-            <a:pPr algn="ctr"/>
-            <a:endParaRPr lang="en-CA"/>
-          </a:p>
-        </p:txBody>
-      </p:sp>
-      <mc:AlternateContent xmlns:mc="http://schemas.openxmlformats.org/markup-compatibility/2006" xmlns:a14="http://schemas.microsoft.com/office/drawing/2010/main">
-        <mc:Choice Requires="a14">
-          <p:sp>
-            <p:nvSpPr>
-              <p:cNvPr id="128" name="TextBox 127">
-                <a:extLst>
-                  <a:ext uri="{FF2B5EF4-FFF2-40B4-BE49-F238E27FC236}">
-                    <a16:creationId xmlns:a16="http://schemas.microsoft.com/office/drawing/2014/main" id="{88DD39CD-C25B-483B-90E5-63A9605CA27D}"/>
-                  </a:ext>
-                </a:extLst>
-              </p:cNvPr>
-              <p:cNvSpPr txBox="1"/>
-              <p:nvPr/>
-            </p:nvSpPr>
-            <p:spPr>
-              <a:xfrm>
-                <a:off x="7786583" y="3059893"/>
-                <a:ext cx="194092" cy="472437"/>
-              </a:xfrm>
-              <a:prstGeom prst="rect">
-                <a:avLst/>
-              </a:prstGeom>
-              <a:noFill/>
-            </p:spPr>
-            <p:txBody>
-              <a:bodyPr wrap="none" lIns="0" tIns="0" rIns="0" bIns="0" rtlCol="0">
-                <a:spAutoFit/>
-              </a:bodyPr>
-              <a:lstStyle/>
-              <a:p>
-                <a:pPr/>
-                <a14:m>
-                  <m:oMathPara xmlns:m="http://schemas.openxmlformats.org/officeDocument/2006/math">
-                    <m:oMathParaPr>
-                      <m:jc m:val="centerGroup"/>
-                    </m:oMathParaPr>
-                    <m:oMath xmlns:m="http://schemas.openxmlformats.org/officeDocument/2006/math">
-                      <m:f>
-                        <m:fPr>
-                          <m:ctrlPr>
-                            <a:rPr lang="el-GR" i="1" smtClean="0">
-                              <a:latin typeface="Cambria Math" panose="02040503050406030204" pitchFamily="18" charset="0"/>
-                            </a:rPr>
-                          </m:ctrlPr>
-                        </m:fPr>
-                        <m:num>
-                          <m:r>
-                            <a:rPr lang="el-GR" i="1" smtClean="0">
-                              <a:latin typeface="Cambria Math" panose="02040503050406030204" pitchFamily="18" charset="0"/>
-                            </a:rPr>
-                            <m:t>𝜋</m:t>
-                          </m:r>
-                        </m:num>
-                        <m:den>
-                          <m:r>
-                            <a:rPr lang="en-CA" b="0" i="1" smtClean="0">
-                              <a:latin typeface="Cambria Math" panose="02040503050406030204" pitchFamily="18" charset="0"/>
-                            </a:rPr>
-                            <m:t>3</m:t>
-                          </m:r>
-                        </m:den>
-                      </m:f>
-                    </m:oMath>
-                  </m:oMathPara>
-                </a14:m>
-                <a:endParaRPr lang="en-US" dirty="0"/>
-              </a:p>
-            </p:txBody>
-          </p:sp>
-        </mc:Choice>
-        <mc:Fallback xmlns="">
-          <p:sp>
-            <p:nvSpPr>
-              <p:cNvPr id="128" name="TextBox 127">
-                <a:extLst>
-                  <a:ext uri="{FF2B5EF4-FFF2-40B4-BE49-F238E27FC236}">
-                    <a16:creationId xmlns:a16="http://schemas.microsoft.com/office/drawing/2014/main" id="{88DD39CD-C25B-483B-90E5-63A9605CA27D}"/>
-                  </a:ext>
-                </a:extLst>
-              </p:cNvPr>
-              <p:cNvSpPr txBox="1">
-                <a:spLocks noRot="1" noChangeAspect="1" noMove="1" noResize="1" noEditPoints="1" noAdjustHandles="1" noChangeArrowheads="1" noChangeShapeType="1" noTextEdit="1"/>
-              </p:cNvSpPr>
-              <p:nvPr/>
-            </p:nvSpPr>
-            <p:spPr>
-              <a:xfrm>
-                <a:off x="7786583" y="3059893"/>
-                <a:ext cx="194092" cy="472437"/>
-              </a:xfrm>
-              <a:prstGeom prst="rect">
-                <a:avLst/>
-              </a:prstGeom>
-              <a:blipFill>
-                <a:blip r:embed="rId14"/>
-                <a:stretch>
-                  <a:fillRect/>
-                </a:stretch>
-              </a:blipFill>
-            </p:spPr>
-            <p:txBody>
-              <a:bodyPr/>
-              <a:lstStyle/>
-              <a:p>
-                <a:r>
-                  <a:rPr lang="en-CA">
-                    <a:noFill/>
-                  </a:rPr>
-                  <a:t> </a:t>
-                </a:r>
-              </a:p>
-            </p:txBody>
-          </p:sp>
-        </mc:Fallback>
-      </mc:AlternateContent>
-      <mc:AlternateContent xmlns:mc="http://schemas.openxmlformats.org/markup-compatibility/2006" xmlns:a14="http://schemas.microsoft.com/office/drawing/2010/main">
-        <mc:Choice Requires="a14">
-          <p:sp>
-            <p:nvSpPr>
-              <p:cNvPr id="129" name="TextBox 128">
-                <a:extLst>
-                  <a:ext uri="{FF2B5EF4-FFF2-40B4-BE49-F238E27FC236}">
-                    <a16:creationId xmlns:a16="http://schemas.microsoft.com/office/drawing/2014/main" id="{25B5B6C1-AF95-4AA0-9871-72800B2E4C32}"/>
-                  </a:ext>
-                </a:extLst>
-              </p:cNvPr>
-              <p:cNvSpPr txBox="1"/>
-              <p:nvPr/>
-            </p:nvSpPr>
-            <p:spPr>
-              <a:xfrm>
-                <a:off x="7956522" y="1445973"/>
-                <a:ext cx="194092" cy="472437"/>
-              </a:xfrm>
-              <a:prstGeom prst="rect">
-                <a:avLst/>
-              </a:prstGeom>
-              <a:noFill/>
-            </p:spPr>
-            <p:txBody>
-              <a:bodyPr wrap="none" lIns="0" tIns="0" rIns="0" bIns="0" rtlCol="0">
-                <a:spAutoFit/>
-              </a:bodyPr>
-              <a:lstStyle/>
-              <a:p>
-                <a:pPr/>
-                <a14:m>
-                  <m:oMathPara xmlns:m="http://schemas.openxmlformats.org/officeDocument/2006/math">
-                    <m:oMathParaPr>
-                      <m:jc m:val="centerGroup"/>
-                    </m:oMathParaPr>
-                    <m:oMath xmlns:m="http://schemas.openxmlformats.org/officeDocument/2006/math">
-                      <m:f>
-                        <m:fPr>
-                          <m:ctrlPr>
-                            <a:rPr lang="el-GR" i="1" smtClean="0">
-                              <a:latin typeface="Cambria Math" panose="02040503050406030204" pitchFamily="18" charset="0"/>
-                            </a:rPr>
-                          </m:ctrlPr>
-                        </m:fPr>
-                        <m:num>
-                          <m:r>
-                            <a:rPr lang="el-GR" i="1" smtClean="0">
-                              <a:latin typeface="Cambria Math" panose="02040503050406030204" pitchFamily="18" charset="0"/>
-                            </a:rPr>
-                            <m:t>𝜋</m:t>
-                          </m:r>
-                        </m:num>
-                        <m:den>
-                          <m:r>
-                            <a:rPr lang="en-CA" b="0" i="1" smtClean="0">
-                              <a:latin typeface="Cambria Math" panose="02040503050406030204" pitchFamily="18" charset="0"/>
-                            </a:rPr>
-                            <m:t>6</m:t>
-                          </m:r>
-                        </m:den>
-                      </m:f>
-                    </m:oMath>
-                  </m:oMathPara>
-                </a14:m>
-                <a:endParaRPr lang="en-US" dirty="0"/>
-              </a:p>
-            </p:txBody>
-          </p:sp>
-        </mc:Choice>
-        <mc:Fallback xmlns="">
-          <p:sp>
-            <p:nvSpPr>
-              <p:cNvPr id="129" name="TextBox 128">
-                <a:extLst>
-                  <a:ext uri="{FF2B5EF4-FFF2-40B4-BE49-F238E27FC236}">
-                    <a16:creationId xmlns:a16="http://schemas.microsoft.com/office/drawing/2014/main" id="{25B5B6C1-AF95-4AA0-9871-72800B2E4C32}"/>
-                  </a:ext>
-                </a:extLst>
-              </p:cNvPr>
-              <p:cNvSpPr txBox="1">
-                <a:spLocks noRot="1" noChangeAspect="1" noMove="1" noResize="1" noEditPoints="1" noAdjustHandles="1" noChangeArrowheads="1" noChangeShapeType="1" noTextEdit="1"/>
-              </p:cNvSpPr>
-              <p:nvPr/>
-            </p:nvSpPr>
-            <p:spPr>
-              <a:xfrm>
-                <a:off x="7956522" y="1445973"/>
-                <a:ext cx="194092" cy="472437"/>
-              </a:xfrm>
-              <a:prstGeom prst="rect">
-                <a:avLst/>
-              </a:prstGeom>
-              <a:blipFill>
-                <a:blip r:embed="rId15"/>
-                <a:stretch>
-                  <a:fillRect/>
-                </a:stretch>
-              </a:blipFill>
-            </p:spPr>
-            <p:txBody>
-              <a:bodyPr/>
-              <a:lstStyle/>
-              <a:p>
-                <a:r>
-                  <a:rPr lang="en-CA">
-                    <a:noFill/>
-                  </a:rPr>
-                  <a:t> </a:t>
-                </a:r>
-              </a:p>
-            </p:txBody>
-          </p:sp>
-        </mc:Fallback>
-      </mc:AlternateContent>
-      <mc:AlternateContent xmlns:mc="http://schemas.openxmlformats.org/markup-compatibility/2006" xmlns:a14="http://schemas.microsoft.com/office/drawing/2010/main">
-        <mc:Choice Requires="a14">
-          <p:sp>
-            <p:nvSpPr>
-              <p:cNvPr id="131" name="TextBox 130">
-                <a:extLst>
-                  <a:ext uri="{FF2B5EF4-FFF2-40B4-BE49-F238E27FC236}">
-                    <a16:creationId xmlns:a16="http://schemas.microsoft.com/office/drawing/2014/main" id="{CC76315E-6227-4998-801C-FD68019ED4F1}"/>
-                  </a:ext>
-                </a:extLst>
-              </p:cNvPr>
-              <p:cNvSpPr txBox="1"/>
-              <p:nvPr/>
-            </p:nvSpPr>
-            <p:spPr>
-              <a:xfrm>
-                <a:off x="11013112" y="1470514"/>
-                <a:ext cx="420521" cy="516745"/>
-              </a:xfrm>
-              <a:prstGeom prst="rect">
-                <a:avLst/>
-              </a:prstGeom>
-              <a:noFill/>
-            </p:spPr>
-            <p:txBody>
-              <a:bodyPr wrap="square" lIns="0" tIns="0" rIns="0" bIns="0" rtlCol="0">
-                <a:spAutoFit/>
-              </a:bodyPr>
-              <a:lstStyle/>
-              <a:p>
-                <a:pPr/>
-                <a14:m>
-                  <m:oMathPara xmlns:m="http://schemas.openxmlformats.org/officeDocument/2006/math">
-                    <m:oMathParaPr>
-                      <m:jc m:val="centerGroup"/>
-                    </m:oMathParaPr>
-                    <m:oMath xmlns:m="http://schemas.openxmlformats.org/officeDocument/2006/math">
-                      <m:f>
-                        <m:fPr>
-                          <m:ctrlPr>
-                            <a:rPr lang="en-US" i="1" smtClean="0">
-                              <a:latin typeface="Cambria Math" panose="02040503050406030204" pitchFamily="18" charset="0"/>
-                            </a:rPr>
-                          </m:ctrlPr>
-                        </m:fPr>
-                        <m:num>
-                          <m:r>
-                            <a:rPr lang="en-CA" b="0" i="1" smtClean="0">
-                              <a:latin typeface="Cambria Math" panose="02040503050406030204" pitchFamily="18" charset="0"/>
-                            </a:rPr>
-                            <m:t>𝐿</m:t>
-                          </m:r>
-                        </m:num>
-                        <m:den>
-                          <m:r>
-                            <a:rPr lang="en-CA" b="0" i="1" smtClean="0">
-                              <a:latin typeface="Cambria Math" panose="02040503050406030204" pitchFamily="18" charset="0"/>
-                            </a:rPr>
-                            <m:t>2</m:t>
-                          </m:r>
-                        </m:den>
-                      </m:f>
-                    </m:oMath>
-                  </m:oMathPara>
-                </a14:m>
-                <a:endParaRPr lang="en-US" dirty="0"/>
-              </a:p>
-            </p:txBody>
-          </p:sp>
-        </mc:Choice>
-        <mc:Fallback xmlns="">
-          <p:sp>
-            <p:nvSpPr>
-              <p:cNvPr id="131" name="TextBox 130">
-                <a:extLst>
-                  <a:ext uri="{FF2B5EF4-FFF2-40B4-BE49-F238E27FC236}">
-                    <a16:creationId xmlns:a16="http://schemas.microsoft.com/office/drawing/2014/main" id="{CC76315E-6227-4998-801C-FD68019ED4F1}"/>
-                  </a:ext>
-                </a:extLst>
-              </p:cNvPr>
-              <p:cNvSpPr txBox="1">
-                <a:spLocks noRot="1" noChangeAspect="1" noMove="1" noResize="1" noEditPoints="1" noAdjustHandles="1" noChangeArrowheads="1" noChangeShapeType="1" noTextEdit="1"/>
-              </p:cNvSpPr>
-              <p:nvPr/>
-            </p:nvSpPr>
-            <p:spPr>
-              <a:xfrm>
-                <a:off x="11013112" y="1470514"/>
-                <a:ext cx="420521" cy="516745"/>
-              </a:xfrm>
-              <a:prstGeom prst="rect">
-                <a:avLst/>
-              </a:prstGeom>
-              <a:blipFill>
-                <a:blip r:embed="rId16"/>
-                <a:stretch>
-                  <a:fillRect/>
-                </a:stretch>
-              </a:blipFill>
-            </p:spPr>
-            <p:txBody>
-              <a:bodyPr/>
-              <a:lstStyle/>
-              <a:p>
-                <a:r>
-                  <a:rPr lang="en-CA">
-                    <a:noFill/>
-                  </a:rPr>
-                  <a:t> </a:t>
-                </a:r>
-              </a:p>
-            </p:txBody>
-          </p:sp>
-        </mc:Fallback>
-      </mc:AlternateContent>
-      <p:cxnSp>
-        <p:nvCxnSpPr>
-          <p:cNvPr id="132" name="Straight Connector 131">
-            <a:extLst>
-              <a:ext uri="{FF2B5EF4-FFF2-40B4-BE49-F238E27FC236}">
-                <a16:creationId xmlns:a16="http://schemas.microsoft.com/office/drawing/2014/main" id="{1D5F0A0B-0512-46A6-8180-19263EA87406}"/>
-              </a:ext>
-            </a:extLst>
-          </p:cNvPr>
-          <p:cNvCxnSpPr>
-            <a:cxnSpLocks/>
-          </p:cNvCxnSpPr>
-          <p:nvPr/>
-        </p:nvCxnSpPr>
-        <p:spPr>
-          <a:xfrm flipV="1">
-            <a:off x="10111228" y="2898093"/>
-            <a:ext cx="1429228" cy="900120"/>
-          </a:xfrm>
-          <a:prstGeom prst="line">
-            <a:avLst/>
-          </a:prstGeom>
-          <a:ln w="38100">
-            <a:solidFill>
-              <a:schemeClr val="tx1"/>
-            </a:solidFill>
-          </a:ln>
-        </p:spPr>
-        <p:style>
-          <a:lnRef idx="1">
-            <a:schemeClr val="accent1"/>
-          </a:lnRef>
-          <a:fillRef idx="0">
-            <a:schemeClr val="accent1"/>
-          </a:fillRef>
-          <a:effectRef idx="0">
-            <a:schemeClr val="accent1"/>
-          </a:effectRef>
-          <a:fontRef idx="minor">
-            <a:schemeClr val="tx1"/>
-          </a:fontRef>
-        </p:style>
-      </p:cxnSp>
-      <p:cxnSp>
-        <p:nvCxnSpPr>
-          <p:cNvPr id="133" name="Straight Connector 132">
-            <a:extLst>
-              <a:ext uri="{FF2B5EF4-FFF2-40B4-BE49-F238E27FC236}">
-                <a16:creationId xmlns:a16="http://schemas.microsoft.com/office/drawing/2014/main" id="{D389E3BB-2C39-4173-9075-F35E301FDD7A}"/>
-              </a:ext>
-            </a:extLst>
-          </p:cNvPr>
-          <p:cNvCxnSpPr>
-            <a:cxnSpLocks/>
-          </p:cNvCxnSpPr>
-          <p:nvPr/>
-        </p:nvCxnSpPr>
-        <p:spPr>
-          <a:xfrm flipV="1">
-            <a:off x="10117060" y="869763"/>
-            <a:ext cx="0" cy="2939469"/>
-          </a:xfrm>
-          <a:prstGeom prst="line">
-            <a:avLst/>
-          </a:prstGeom>
-          <a:ln w="38100">
-            <a:solidFill>
-              <a:schemeClr val="tx1"/>
-            </a:solidFill>
-          </a:ln>
-        </p:spPr>
-        <p:style>
-          <a:lnRef idx="1">
-            <a:schemeClr val="accent1"/>
-          </a:lnRef>
-          <a:fillRef idx="0">
-            <a:schemeClr val="accent1"/>
-          </a:fillRef>
-          <a:effectRef idx="0">
-            <a:schemeClr val="accent1"/>
-          </a:effectRef>
-          <a:fontRef idx="minor">
-            <a:schemeClr val="tx1"/>
-          </a:fontRef>
-        </p:style>
-      </p:cxnSp>
-      <p:sp>
-        <p:nvSpPr>
-          <p:cNvPr id="136" name="Arc 135">
-            <a:extLst>
-              <a:ext uri="{FF2B5EF4-FFF2-40B4-BE49-F238E27FC236}">
-                <a16:creationId xmlns:a16="http://schemas.microsoft.com/office/drawing/2014/main" id="{877A6DD7-3738-4E57-B2C2-586209888F36}"/>
-              </a:ext>
-            </a:extLst>
-          </p:cNvPr>
-          <p:cNvSpPr/>
-          <p:nvPr/>
-        </p:nvSpPr>
-        <p:spPr>
-          <a:xfrm rot="7726137">
-            <a:off x="10038219" y="1100995"/>
-            <a:ext cx="453939" cy="370889"/>
-          </a:xfrm>
-          <a:prstGeom prst="arc">
-            <a:avLst/>
-          </a:prstGeom>
-          <a:ln w="38100">
-            <a:solidFill>
-              <a:schemeClr val="tx1"/>
-            </a:solidFill>
-          </a:ln>
-        </p:spPr>
-        <p:style>
-          <a:lnRef idx="1">
-            <a:schemeClr val="accent1"/>
-          </a:lnRef>
-          <a:fillRef idx="0">
-            <a:schemeClr val="accent1"/>
-          </a:fillRef>
-          <a:effectRef idx="0">
-            <a:schemeClr val="accent1"/>
-          </a:effectRef>
-          <a:fontRef idx="minor">
-            <a:schemeClr val="tx1"/>
-          </a:fontRef>
-        </p:style>
-        <p:txBody>
-          <a:bodyPr rtlCol="0" anchor="ctr"/>
-          <a:lstStyle/>
-          <a:p>
-            <a:pPr algn="ctr"/>
-            <a:endParaRPr lang="en-CA"/>
-          </a:p>
-        </p:txBody>
-      </p:sp>
-      <mc:AlternateContent xmlns:mc="http://schemas.openxmlformats.org/markup-compatibility/2006" xmlns:a14="http://schemas.microsoft.com/office/drawing/2010/main">
-        <mc:Choice Requires="a14">
-          <p:sp>
-            <p:nvSpPr>
-              <p:cNvPr id="138" name="TextBox 137">
-                <a:extLst>
-                  <a:ext uri="{FF2B5EF4-FFF2-40B4-BE49-F238E27FC236}">
-                    <a16:creationId xmlns:a16="http://schemas.microsoft.com/office/drawing/2014/main" id="{DE794D83-B8BA-43B8-BF50-1554189D72EC}"/>
-                  </a:ext>
-                </a:extLst>
-              </p:cNvPr>
-              <p:cNvSpPr txBox="1"/>
-              <p:nvPr/>
-            </p:nvSpPr>
-            <p:spPr>
-              <a:xfrm>
-                <a:off x="10188372" y="1536907"/>
-                <a:ext cx="318589" cy="754898"/>
-              </a:xfrm>
-              <a:prstGeom prst="rect">
-                <a:avLst/>
-              </a:prstGeom>
-              <a:noFill/>
-            </p:spPr>
-            <p:txBody>
-              <a:bodyPr wrap="square" lIns="0" tIns="0" rIns="0" bIns="0" rtlCol="0">
-                <a:spAutoFit/>
-              </a:bodyPr>
-              <a:lstStyle/>
-              <a:p>
-                <a:pPr/>
-                <a14:m>
-                  <m:oMathPara xmlns:m="http://schemas.openxmlformats.org/officeDocument/2006/math">
-                    <m:oMathParaPr>
-                      <m:jc m:val="centerGroup"/>
-                    </m:oMathParaPr>
-                    <m:oMath xmlns:m="http://schemas.openxmlformats.org/officeDocument/2006/math">
-                      <m:f>
-                        <m:fPr>
-                          <m:ctrlPr>
-                            <a:rPr lang="el-GR" i="1" smtClean="0">
-                              <a:latin typeface="Cambria Math" panose="02040503050406030204" pitchFamily="18" charset="0"/>
-                            </a:rPr>
-                          </m:ctrlPr>
-                        </m:fPr>
-                        <m:num>
-                          <m:r>
-                            <a:rPr lang="el-GR" i="1" smtClean="0">
-                              <a:latin typeface="Cambria Math" panose="02040503050406030204" pitchFamily="18" charset="0"/>
-                            </a:rPr>
-                            <m:t>𝜋</m:t>
-                          </m:r>
-                        </m:num>
-                        <m:den>
-                          <m:r>
-                            <a:rPr lang="en-CA" b="0" i="1" smtClean="0">
-                              <a:latin typeface="Cambria Math" panose="02040503050406030204" pitchFamily="18" charset="0"/>
-                            </a:rPr>
-                            <m:t>6</m:t>
-                          </m:r>
-                        </m:den>
-                      </m:f>
-                    </m:oMath>
-                  </m:oMathPara>
-                </a14:m>
-                <a:endParaRPr lang="en-US" dirty="0"/>
-              </a:p>
-            </p:txBody>
-          </p:sp>
-        </mc:Choice>
-        <mc:Fallback xmlns="">
-          <p:sp>
-            <p:nvSpPr>
-              <p:cNvPr id="138" name="TextBox 137">
-                <a:extLst>
-                  <a:ext uri="{FF2B5EF4-FFF2-40B4-BE49-F238E27FC236}">
-                    <a16:creationId xmlns:a16="http://schemas.microsoft.com/office/drawing/2014/main" id="{DE794D83-B8BA-43B8-BF50-1554189D72EC}"/>
-                  </a:ext>
-                </a:extLst>
-              </p:cNvPr>
-              <p:cNvSpPr txBox="1">
-                <a:spLocks noRot="1" noChangeAspect="1" noMove="1" noResize="1" noEditPoints="1" noAdjustHandles="1" noChangeArrowheads="1" noChangeShapeType="1" noTextEdit="1"/>
-              </p:cNvSpPr>
-              <p:nvPr/>
-            </p:nvSpPr>
-            <p:spPr>
-              <a:xfrm>
-                <a:off x="10188372" y="1536907"/>
-                <a:ext cx="318589" cy="754898"/>
-              </a:xfrm>
-              <a:prstGeom prst="rect">
-                <a:avLst/>
-              </a:prstGeom>
-              <a:blipFill>
-                <a:blip r:embed="rId17"/>
-                <a:stretch>
-                  <a:fillRect/>
-                </a:stretch>
-              </a:blipFill>
-            </p:spPr>
-            <p:txBody>
-              <a:bodyPr/>
-              <a:lstStyle/>
-              <a:p>
-                <a:r>
-                  <a:rPr lang="en-CA">
-                    <a:noFill/>
-                  </a:rPr>
-                  <a:t> </a:t>
-                </a:r>
-              </a:p>
-            </p:txBody>
-          </p:sp>
-        </mc:Fallback>
-      </mc:AlternateContent>
-      <mc:AlternateContent xmlns:mc="http://schemas.openxmlformats.org/markup-compatibility/2006" xmlns:a14="http://schemas.microsoft.com/office/drawing/2010/main">
-        <mc:Choice Requires="a14">
-          <p:sp>
-            <p:nvSpPr>
-              <p:cNvPr id="142" name="TextBox 141">
-                <a:extLst>
-                  <a:ext uri="{FF2B5EF4-FFF2-40B4-BE49-F238E27FC236}">
-                    <a16:creationId xmlns:a16="http://schemas.microsoft.com/office/drawing/2014/main" id="{62C8808F-9F86-42F6-8B7C-E00C3A998F71}"/>
-                  </a:ext>
-                </a:extLst>
-              </p:cNvPr>
-              <p:cNvSpPr txBox="1"/>
-              <p:nvPr/>
-            </p:nvSpPr>
-            <p:spPr>
-              <a:xfrm>
-                <a:off x="10619847" y="3495392"/>
-                <a:ext cx="420521" cy="582724"/>
-              </a:xfrm>
-              <a:prstGeom prst="rect">
-                <a:avLst/>
-              </a:prstGeom>
-              <a:noFill/>
-            </p:spPr>
-            <p:txBody>
-              <a:bodyPr wrap="square" lIns="0" tIns="0" rIns="0" bIns="0" rtlCol="0">
-                <a:spAutoFit/>
-              </a:bodyPr>
-              <a:lstStyle/>
-              <a:p>
-                <a:pPr/>
-                <a14:m>
-                  <m:oMathPara xmlns:m="http://schemas.openxmlformats.org/officeDocument/2006/math">
-                    <m:oMathParaPr>
-                      <m:jc m:val="centerGroup"/>
-                    </m:oMathParaPr>
-                    <m:oMath xmlns:m="http://schemas.openxmlformats.org/officeDocument/2006/math">
-                      <m:f>
-                        <m:fPr>
-                          <m:ctrlPr>
-                            <a:rPr lang="en-US" i="1" smtClean="0">
-                              <a:latin typeface="Cambria Math" panose="02040503050406030204" pitchFamily="18" charset="0"/>
-                            </a:rPr>
-                          </m:ctrlPr>
-                        </m:fPr>
-                        <m:num>
-                          <m:r>
-                            <a:rPr lang="en-CA" b="0" i="1" smtClean="0">
-                              <a:latin typeface="Cambria Math" panose="02040503050406030204" pitchFamily="18" charset="0"/>
-                            </a:rPr>
-                            <m:t>𝐿</m:t>
-                          </m:r>
-                          <m:rad>
-                            <m:radPr>
-                              <m:degHide m:val="on"/>
-                              <m:ctrlPr>
-                                <a:rPr lang="en-US" i="1">
-                                  <a:latin typeface="Cambria Math" panose="02040503050406030204" pitchFamily="18" charset="0"/>
-                                </a:rPr>
-                              </m:ctrlPr>
-                            </m:radPr>
-                            <m:deg/>
-                            <m:e>
-                              <m:r>
-                                <a:rPr lang="en-CA" i="1">
-                                  <a:latin typeface="Cambria Math" panose="02040503050406030204" pitchFamily="18" charset="0"/>
-                                </a:rPr>
-                                <m:t>3</m:t>
-                              </m:r>
-                            </m:e>
-                          </m:rad>
-                        </m:num>
-                        <m:den>
-                          <m:r>
-                            <a:rPr lang="en-CA" b="0" i="1" smtClean="0">
-                              <a:latin typeface="Cambria Math" panose="02040503050406030204" pitchFamily="18" charset="0"/>
-                            </a:rPr>
-                            <m:t>6</m:t>
-                          </m:r>
-                        </m:den>
-                      </m:f>
-                    </m:oMath>
-                  </m:oMathPara>
-                </a14:m>
-                <a:endParaRPr lang="en-US" dirty="0"/>
-              </a:p>
-            </p:txBody>
-          </p:sp>
-        </mc:Choice>
-        <mc:Fallback xmlns="">
-          <p:sp>
-            <p:nvSpPr>
-              <p:cNvPr id="142" name="TextBox 141">
-                <a:extLst>
-                  <a:ext uri="{FF2B5EF4-FFF2-40B4-BE49-F238E27FC236}">
-                    <a16:creationId xmlns:a16="http://schemas.microsoft.com/office/drawing/2014/main" id="{62C8808F-9F86-42F6-8B7C-E00C3A998F71}"/>
-                  </a:ext>
-                </a:extLst>
-              </p:cNvPr>
-              <p:cNvSpPr txBox="1">
-                <a:spLocks noRot="1" noChangeAspect="1" noMove="1" noResize="1" noEditPoints="1" noAdjustHandles="1" noChangeArrowheads="1" noChangeShapeType="1" noTextEdit="1"/>
-              </p:cNvSpPr>
-              <p:nvPr/>
-            </p:nvSpPr>
-            <p:spPr>
-              <a:xfrm>
-                <a:off x="10619847" y="3495392"/>
-                <a:ext cx="420521" cy="582724"/>
-              </a:xfrm>
-              <a:prstGeom prst="rect">
-                <a:avLst/>
-              </a:prstGeom>
-              <a:blipFill>
-                <a:blip r:embed="rId18"/>
-                <a:stretch>
-                  <a:fillRect/>
-                </a:stretch>
-              </a:blipFill>
-            </p:spPr>
-            <p:txBody>
-              <a:bodyPr/>
-              <a:lstStyle/>
-              <a:p>
-                <a:r>
-                  <a:rPr lang="en-CA">
-                    <a:noFill/>
-                  </a:rPr>
-                  <a:t> </a:t>
-                </a:r>
-              </a:p>
-            </p:txBody>
-          </p:sp>
-        </mc:Fallback>
-      </mc:AlternateContent>
       <p:sp>
         <p:nvSpPr>
           <p:cNvPr id="20" name="Isosceles Triangle 19">
@@ -41085,614 +39221,2500 @@
           </a:p>
         </p:txBody>
       </p:sp>
-      <p:sp>
-        <p:nvSpPr>
-          <p:cNvPr id="66" name="Isosceles Triangle 65">
-            <a:extLst>
-              <a:ext uri="{FF2B5EF4-FFF2-40B4-BE49-F238E27FC236}">
-                <a16:creationId xmlns:a16="http://schemas.microsoft.com/office/drawing/2014/main" id="{E6AE9EFB-900A-423C-8A82-27C5B82816C9}"/>
-              </a:ext>
-            </a:extLst>
-          </p:cNvPr>
-          <p:cNvSpPr/>
+      <p:grpSp>
+        <p:nvGrpSpPr>
+          <p:cNvPr id="2" name="Group 1"/>
+          <p:cNvGrpSpPr/>
           <p:nvPr/>
-        </p:nvSpPr>
-        <p:spPr>
+        </p:nvGrpSpPr>
+        <p:grpSpPr>
           <a:xfrm>
-            <a:off x="7841090" y="569814"/>
-            <a:ext cx="78977" cy="82281"/>
+            <a:off x="4870514" y="371047"/>
+            <a:ext cx="6669942" cy="4110887"/>
+            <a:chOff x="4870514" y="371047"/>
+            <a:chExt cx="6669942" cy="4110887"/>
           </a:xfrm>
-          <a:prstGeom prst="triangle">
-            <a:avLst/>
-          </a:prstGeom>
-          <a:solidFill>
-            <a:schemeClr val="bg2">
-              <a:lumMod val="90000"/>
-            </a:schemeClr>
-          </a:solidFill>
-          <a:ln w="38100">
+        </p:grpSpPr>
+        <p:sp>
+          <p:nvSpPr>
+            <p:cNvPr id="112" name="Isosceles Triangle 111">
+              <a:extLst>
+                <a:ext uri="{FF2B5EF4-FFF2-40B4-BE49-F238E27FC236}">
+                  <a16:creationId xmlns:a16="http://schemas.microsoft.com/office/drawing/2014/main" id="{CE0D49C3-1534-4E86-B45E-AF89581350B9}"/>
+                </a:ext>
+              </a:extLst>
+            </p:cNvPr>
+            <p:cNvSpPr/>
+            <p:nvPr/>
+          </p:nvSpPr>
+          <p:spPr>
+            <a:xfrm rot="5400000">
+              <a:off x="10018623" y="604281"/>
+              <a:ext cx="385452" cy="134985"/>
+            </a:xfrm>
+            <a:prstGeom prst="triangle">
+              <a:avLst/>
+            </a:prstGeom>
             <a:solidFill>
               <a:schemeClr val="bg2">
                 <a:lumMod val="90000"/>
               </a:schemeClr>
             </a:solidFill>
-          </a:ln>
-        </p:spPr>
-        <p:style>
-          <a:lnRef idx="2">
-            <a:schemeClr val="accent1">
-              <a:shade val="50000"/>
-            </a:schemeClr>
-          </a:lnRef>
-          <a:fillRef idx="1">
-            <a:schemeClr val="accent1"/>
-          </a:fillRef>
-          <a:effectRef idx="0">
-            <a:schemeClr val="accent1"/>
-          </a:effectRef>
-          <a:fontRef idx="minor">
-            <a:schemeClr val="lt1"/>
-          </a:fontRef>
-        </p:style>
-        <p:txBody>
-          <a:bodyPr rtlCol="0" anchor="ctr"/>
-          <a:lstStyle/>
-          <a:p>
-            <a:pPr algn="ctr"/>
-            <a:endParaRPr lang="en-CA"/>
-          </a:p>
-        </p:txBody>
-      </p:sp>
-      <p:sp>
-        <p:nvSpPr>
-          <p:cNvPr id="67" name="Rectangle 66">
-            <a:extLst>
-              <a:ext uri="{FF2B5EF4-FFF2-40B4-BE49-F238E27FC236}">
-                <a16:creationId xmlns:a16="http://schemas.microsoft.com/office/drawing/2014/main" id="{2A9757ED-9849-43D7-9653-5397A37F9A80}"/>
-              </a:ext>
-            </a:extLst>
-          </p:cNvPr>
-          <p:cNvSpPr/>
-          <p:nvPr/>
-        </p:nvSpPr>
-        <p:spPr>
-          <a:xfrm rot="17990140" flipH="1">
-            <a:off x="5322609" y="2099523"/>
-            <a:ext cx="3445235" cy="180000"/>
-          </a:xfrm>
-          <a:prstGeom prst="rect">
-            <a:avLst/>
-          </a:prstGeom>
-          <a:solidFill>
-            <a:schemeClr val="bg2">
-              <a:lumMod val="90000"/>
-            </a:schemeClr>
-          </a:solidFill>
-          <a:ln w="38100">
+            <a:ln w="38100">
+              <a:solidFill>
+                <a:schemeClr val="bg2">
+                  <a:lumMod val="90000"/>
+                </a:schemeClr>
+              </a:solidFill>
+            </a:ln>
+          </p:spPr>
+          <p:style>
+            <a:lnRef idx="2">
+              <a:schemeClr val="accent1">
+                <a:shade val="50000"/>
+              </a:schemeClr>
+            </a:lnRef>
+            <a:fillRef idx="1">
+              <a:schemeClr val="accent1"/>
+            </a:fillRef>
+            <a:effectRef idx="0">
+              <a:schemeClr val="accent1"/>
+            </a:effectRef>
+            <a:fontRef idx="minor">
+              <a:schemeClr val="lt1"/>
+            </a:fontRef>
+          </p:style>
+          <p:txBody>
+            <a:bodyPr rtlCol="0" anchor="ctr"/>
+            <a:lstStyle/>
+            <a:p>
+              <a:pPr algn="ctr"/>
+              <a:endParaRPr lang="en-CA"/>
+            </a:p>
+          </p:txBody>
+        </p:sp>
+        <p:sp>
+          <p:nvSpPr>
+            <p:cNvPr id="110" name="Isosceles Triangle 109">
+              <a:extLst>
+                <a:ext uri="{FF2B5EF4-FFF2-40B4-BE49-F238E27FC236}">
+                  <a16:creationId xmlns:a16="http://schemas.microsoft.com/office/drawing/2014/main" id="{0220EC51-D2AB-445B-AC1D-FC226B621533}"/>
+                </a:ext>
+              </a:extLst>
+            </p:cNvPr>
+            <p:cNvSpPr/>
+            <p:nvPr/>
+          </p:nvSpPr>
+          <p:spPr>
+            <a:xfrm rot="5692767">
+              <a:off x="10163859" y="695150"/>
+              <a:ext cx="189919" cy="92007"/>
+            </a:xfrm>
+            <a:prstGeom prst="triangle">
+              <a:avLst/>
+            </a:prstGeom>
             <a:solidFill>
               <a:schemeClr val="bg2">
                 <a:lumMod val="90000"/>
               </a:schemeClr>
             </a:solidFill>
-          </a:ln>
-        </p:spPr>
-        <p:style>
-          <a:lnRef idx="2">
-            <a:schemeClr val="accent1">
-              <a:shade val="50000"/>
-            </a:schemeClr>
-          </a:lnRef>
-          <a:fillRef idx="1">
-            <a:schemeClr val="accent1"/>
-          </a:fillRef>
-          <a:effectRef idx="0">
-            <a:schemeClr val="accent1"/>
-          </a:effectRef>
-          <a:fontRef idx="minor">
-            <a:schemeClr val="lt1"/>
-          </a:fontRef>
-        </p:style>
-        <p:txBody>
-          <a:bodyPr rtlCol="0" anchor="ctr"/>
-          <a:lstStyle/>
-          <a:p>
-            <a:pPr algn="ctr"/>
-            <a:endParaRPr lang="en-CA"/>
-          </a:p>
-        </p:txBody>
-      </p:sp>
-      <p:sp>
-        <p:nvSpPr>
-          <p:cNvPr id="68" name="Rectangle 67">
-            <a:extLst>
-              <a:ext uri="{FF2B5EF4-FFF2-40B4-BE49-F238E27FC236}">
-                <a16:creationId xmlns:a16="http://schemas.microsoft.com/office/drawing/2014/main" id="{655A85DB-6670-4B01-843E-B0AAEF410ABE}"/>
-              </a:ext>
-            </a:extLst>
-          </p:cNvPr>
-          <p:cNvSpPr/>
-          <p:nvPr/>
-        </p:nvSpPr>
-        <p:spPr>
-          <a:xfrm rot="3609860">
-            <a:off x="6999063" y="2117405"/>
-            <a:ext cx="3445235" cy="180000"/>
-          </a:xfrm>
-          <a:prstGeom prst="rect">
-            <a:avLst/>
-          </a:prstGeom>
-          <a:solidFill>
-            <a:schemeClr val="bg2">
-              <a:lumMod val="90000"/>
-            </a:schemeClr>
-          </a:solidFill>
-          <a:ln w="38100">
+            <a:ln w="38100">
+              <a:solidFill>
+                <a:schemeClr val="bg2">
+                  <a:lumMod val="90000"/>
+                </a:schemeClr>
+              </a:solidFill>
+            </a:ln>
+          </p:spPr>
+          <p:style>
+            <a:lnRef idx="2">
+              <a:schemeClr val="accent1">
+                <a:shade val="50000"/>
+              </a:schemeClr>
+            </a:lnRef>
+            <a:fillRef idx="1">
+              <a:schemeClr val="accent1"/>
+            </a:fillRef>
+            <a:effectRef idx="0">
+              <a:schemeClr val="accent1"/>
+            </a:effectRef>
+            <a:fontRef idx="minor">
+              <a:schemeClr val="lt1"/>
+            </a:fontRef>
+          </p:style>
+          <p:txBody>
+            <a:bodyPr rtlCol="0" anchor="ctr"/>
+            <a:lstStyle/>
+            <a:p>
+              <a:pPr algn="ctr"/>
+              <a:endParaRPr lang="en-CA"/>
+            </a:p>
+          </p:txBody>
+        </p:sp>
+        <p:sp>
+          <p:nvSpPr>
+            <p:cNvPr id="85" name="Rectangle 84">
+              <a:extLst>
+                <a:ext uri="{FF2B5EF4-FFF2-40B4-BE49-F238E27FC236}">
+                  <a16:creationId xmlns:a16="http://schemas.microsoft.com/office/drawing/2014/main" id="{D4BC4560-DAE4-48A4-9912-27F58D2394DB}"/>
+                </a:ext>
+              </a:extLst>
+            </p:cNvPr>
+            <p:cNvSpPr/>
+            <p:nvPr/>
+          </p:nvSpPr>
+          <p:spPr>
+            <a:xfrm rot="3672346">
+              <a:off x="9598851" y="1811686"/>
+              <a:ext cx="2462509" cy="180000"/>
+            </a:xfrm>
+            <a:prstGeom prst="rect">
+              <a:avLst/>
+            </a:prstGeom>
             <a:solidFill>
               <a:schemeClr val="bg2">
                 <a:lumMod val="90000"/>
               </a:schemeClr>
             </a:solidFill>
-          </a:ln>
-        </p:spPr>
-        <p:style>
-          <a:lnRef idx="2">
-            <a:schemeClr val="accent1">
-              <a:shade val="50000"/>
-            </a:schemeClr>
-          </a:lnRef>
-          <a:fillRef idx="1">
-            <a:schemeClr val="accent1"/>
-          </a:fillRef>
-          <a:effectRef idx="0">
-            <a:schemeClr val="accent1"/>
-          </a:effectRef>
-          <a:fontRef idx="minor">
-            <a:schemeClr val="lt1"/>
-          </a:fontRef>
-        </p:style>
-        <p:txBody>
-          <a:bodyPr rtlCol="0" anchor="ctr"/>
-          <a:lstStyle/>
-          <a:p>
-            <a:pPr algn="ctr"/>
-            <a:endParaRPr lang="en-CA"/>
-          </a:p>
-        </p:txBody>
-      </p:sp>
-      <p:sp>
-        <p:nvSpPr>
-          <p:cNvPr id="74" name="Isosceles Triangle 73">
-            <a:extLst>
-              <a:ext uri="{FF2B5EF4-FFF2-40B4-BE49-F238E27FC236}">
-                <a16:creationId xmlns:a16="http://schemas.microsoft.com/office/drawing/2014/main" id="{9E567ED4-066D-4C8B-B112-2DBD611780DE}"/>
-              </a:ext>
-            </a:extLst>
-          </p:cNvPr>
-          <p:cNvSpPr/>
-          <p:nvPr/>
-        </p:nvSpPr>
-        <p:spPr>
-          <a:xfrm>
-            <a:off x="5958307" y="512850"/>
-            <a:ext cx="3844545" cy="3314263"/>
-          </a:xfrm>
-          <a:prstGeom prst="triangle">
-            <a:avLst/>
-          </a:prstGeom>
-          <a:noFill/>
-          <a:ln w="38100">
+            <a:ln w="38100">
+              <a:solidFill>
+                <a:schemeClr val="bg2">
+                  <a:lumMod val="90000"/>
+                </a:schemeClr>
+              </a:solidFill>
+            </a:ln>
+          </p:spPr>
+          <p:style>
+            <a:lnRef idx="2">
+              <a:schemeClr val="accent1">
+                <a:shade val="50000"/>
+              </a:schemeClr>
+            </a:lnRef>
+            <a:fillRef idx="1">
+              <a:schemeClr val="accent1"/>
+            </a:fillRef>
+            <a:effectRef idx="0">
+              <a:schemeClr val="accent1"/>
+            </a:effectRef>
+            <a:fontRef idx="minor">
+              <a:schemeClr val="lt1"/>
+            </a:fontRef>
+          </p:style>
+          <p:txBody>
+            <a:bodyPr rtlCol="0" anchor="ctr"/>
+            <a:lstStyle/>
+            <a:p>
+              <a:pPr algn="ctr"/>
+              <a:endParaRPr lang="en-CA"/>
+            </a:p>
+          </p:txBody>
+        </p:sp>
+        <p:cxnSp>
+          <p:nvCxnSpPr>
+            <p:cNvPr id="7" name="Straight Arrow Connector 6">
+              <a:extLst>
+                <a:ext uri="{FF2B5EF4-FFF2-40B4-BE49-F238E27FC236}">
+                  <a16:creationId xmlns:a16="http://schemas.microsoft.com/office/drawing/2014/main" id="{46C2B726-0077-4C8B-9CD3-83A724AB945F}"/>
+                </a:ext>
+              </a:extLst>
+            </p:cNvPr>
+            <p:cNvCxnSpPr/>
+            <p:nvPr/>
+          </p:nvCxnSpPr>
+          <p:spPr>
+            <a:xfrm flipV="1">
+              <a:off x="5187894" y="3101478"/>
+              <a:ext cx="6616" cy="628374"/>
+            </a:xfrm>
+            <a:prstGeom prst="straightConnector1">
+              <a:avLst/>
+            </a:prstGeom>
+            <a:ln w="38100">
+              <a:solidFill>
+                <a:schemeClr val="tx1"/>
+              </a:solidFill>
+              <a:tailEnd type="triangle"/>
+            </a:ln>
+          </p:spPr>
+          <p:style>
+            <a:lnRef idx="1">
+              <a:schemeClr val="accent1"/>
+            </a:lnRef>
+            <a:fillRef idx="0">
+              <a:schemeClr val="accent1"/>
+            </a:fillRef>
+            <a:effectRef idx="0">
+              <a:schemeClr val="accent1"/>
+            </a:effectRef>
+            <a:fontRef idx="minor">
+              <a:schemeClr val="tx1"/>
+            </a:fontRef>
+          </p:style>
+        </p:cxnSp>
+        <p:cxnSp>
+          <p:nvCxnSpPr>
+            <p:cNvPr id="8" name="Straight Arrow Connector 7">
+              <a:extLst>
+                <a:ext uri="{FF2B5EF4-FFF2-40B4-BE49-F238E27FC236}">
+                  <a16:creationId xmlns:a16="http://schemas.microsoft.com/office/drawing/2014/main" id="{4DAAB046-6393-4359-9301-8640CB84D991}"/>
+                </a:ext>
+              </a:extLst>
+            </p:cNvPr>
+            <p:cNvCxnSpPr/>
+            <p:nvPr/>
+          </p:nvCxnSpPr>
+          <p:spPr>
+            <a:xfrm>
+              <a:off x="5181800" y="3717165"/>
+              <a:ext cx="641746" cy="2124"/>
+            </a:xfrm>
+            <a:prstGeom prst="straightConnector1">
+              <a:avLst/>
+            </a:prstGeom>
+            <a:ln w="38100">
+              <a:solidFill>
+                <a:schemeClr val="tx1"/>
+              </a:solidFill>
+              <a:tailEnd type="triangle"/>
+            </a:ln>
+          </p:spPr>
+          <p:style>
+            <a:lnRef idx="1">
+              <a:schemeClr val="accent1"/>
+            </a:lnRef>
+            <a:fillRef idx="0">
+              <a:schemeClr val="accent1"/>
+            </a:fillRef>
+            <a:effectRef idx="0">
+              <a:schemeClr val="accent1"/>
+            </a:effectRef>
+            <a:fontRef idx="minor">
+              <a:schemeClr val="tx1"/>
+            </a:fontRef>
+          </p:style>
+        </p:cxnSp>
+        <mc:AlternateContent xmlns:mc="http://schemas.openxmlformats.org/markup-compatibility/2006">
+          <mc:Choice xmlns:a14="http://schemas.microsoft.com/office/drawing/2010/main" Requires="a14">
+            <p:sp>
+              <p:nvSpPr>
+                <p:cNvPr id="9" name="Rectangle 8">
+                  <a:extLst>
+                    <a:ext uri="{FF2B5EF4-FFF2-40B4-BE49-F238E27FC236}">
+                      <a16:creationId xmlns:a16="http://schemas.microsoft.com/office/drawing/2014/main" id="{54FFE5C7-A59D-4426-B20D-A95CE2B860AD}"/>
+                    </a:ext>
+                  </a:extLst>
+                </p:cNvPr>
+                <p:cNvSpPr/>
+                <p:nvPr/>
+              </p:nvSpPr>
+              <p:spPr>
+                <a:xfrm>
+                  <a:off x="5572451" y="3701910"/>
+                  <a:ext cx="331428" cy="354113"/>
+                </a:xfrm>
+                <a:prstGeom prst="rect">
+                  <a:avLst/>
+                </a:prstGeom>
+              </p:spPr>
+              <p:txBody>
+                <a:bodyPr wrap="none">
+                  <a:spAutoFit/>
+                </a:bodyPr>
+                <a:lstStyle/>
+                <a:p>
+                  <a:pPr/>
+                  <a14:m>
+                    <m:oMathPara xmlns:m="http://schemas.openxmlformats.org/officeDocument/2006/math">
+                      <m:oMathParaPr>
+                        <m:jc m:val="centerGroup"/>
+                      </m:oMathParaPr>
+                      <m:oMath xmlns:m="http://schemas.openxmlformats.org/officeDocument/2006/math">
+                        <m:r>
+                          <a:rPr lang="en-US" i="1">
+                            <a:latin typeface="Cambria Math" panose="02040503050406030204" pitchFamily="18" charset="0"/>
+                            <a:cs typeface="Arial" panose="020B0604020202020204" pitchFamily="34" charset="0"/>
+                          </a:rPr>
+                          <m:t>𝑥</m:t>
+                        </m:r>
+                      </m:oMath>
+                    </m:oMathPara>
+                  </a14:m>
+                  <a:endParaRPr lang="en-CA" dirty="0"/>
+                </a:p>
+              </p:txBody>
+            </p:sp>
+          </mc:Choice>
+          <mc:Fallback>
+            <p:sp>
+              <p:nvSpPr>
+                <p:cNvPr id="9" name="Rectangle 8">
+                  <a:extLst>
+                    <a:ext uri="{FF2B5EF4-FFF2-40B4-BE49-F238E27FC236}">
+                      <a16:creationId xmlns:a16="http://schemas.microsoft.com/office/drawing/2014/main" id="{54FFE5C7-A59D-4426-B20D-A95CE2B860AD}"/>
+                    </a:ext>
+                  </a:extLst>
+                </p:cNvPr>
+                <p:cNvSpPr>
+                  <a:spLocks noRot="1" noChangeAspect="1" noMove="1" noResize="1" noEditPoints="1" noAdjustHandles="1" noChangeArrowheads="1" noChangeShapeType="1" noTextEdit="1"/>
+                </p:cNvSpPr>
+                <p:nvPr/>
+              </p:nvSpPr>
+              <p:spPr>
+                <a:xfrm>
+                  <a:off x="5572451" y="3701910"/>
+                  <a:ext cx="331428" cy="354113"/>
+                </a:xfrm>
+                <a:prstGeom prst="rect">
+                  <a:avLst/>
+                </a:prstGeom>
+                <a:blipFill>
+                  <a:blip r:embed="rId14"/>
+                  <a:stretch>
+                    <a:fillRect/>
+                  </a:stretch>
+                </a:blipFill>
+              </p:spPr>
+              <p:txBody>
+                <a:bodyPr/>
+                <a:lstStyle/>
+                <a:p>
+                  <a:r>
+                    <a:rPr lang="en-US">
+                      <a:noFill/>
+                    </a:rPr>
+                    <a:t> </a:t>
+                  </a:r>
+                </a:p>
+              </p:txBody>
+            </p:sp>
+          </mc:Fallback>
+        </mc:AlternateContent>
+        <mc:AlternateContent xmlns:mc="http://schemas.openxmlformats.org/markup-compatibility/2006">
+          <mc:Choice xmlns:a14="http://schemas.microsoft.com/office/drawing/2010/main" Requires="a14">
+            <p:sp>
+              <p:nvSpPr>
+                <p:cNvPr id="10" name="Rectangle 9">
+                  <a:extLst>
+                    <a:ext uri="{FF2B5EF4-FFF2-40B4-BE49-F238E27FC236}">
+                      <a16:creationId xmlns:a16="http://schemas.microsoft.com/office/drawing/2014/main" id="{5876853C-2ED3-43F7-806E-73113A2714B6}"/>
+                    </a:ext>
+                  </a:extLst>
+                </p:cNvPr>
+                <p:cNvSpPr/>
+                <p:nvPr/>
+              </p:nvSpPr>
+              <p:spPr>
+                <a:xfrm>
+                  <a:off x="4870514" y="3186087"/>
+                  <a:ext cx="334490" cy="354113"/>
+                </a:xfrm>
+                <a:prstGeom prst="rect">
+                  <a:avLst/>
+                </a:prstGeom>
+              </p:spPr>
+              <p:txBody>
+                <a:bodyPr wrap="none">
+                  <a:spAutoFit/>
+                </a:bodyPr>
+                <a:lstStyle/>
+                <a:p>
+                  <a:pPr/>
+                  <a14:m>
+                    <m:oMathPara xmlns:m="http://schemas.openxmlformats.org/officeDocument/2006/math">
+                      <m:oMathParaPr>
+                        <m:jc m:val="centerGroup"/>
+                      </m:oMathParaPr>
+                      <m:oMath xmlns:m="http://schemas.openxmlformats.org/officeDocument/2006/math">
+                        <m:r>
+                          <a:rPr lang="en-US" b="0" i="1" smtClean="0">
+                            <a:latin typeface="Cambria Math" panose="02040503050406030204" pitchFamily="18" charset="0"/>
+                          </a:rPr>
+                          <m:t>𝑦</m:t>
+                        </m:r>
+                      </m:oMath>
+                    </m:oMathPara>
+                  </a14:m>
+                  <a:endParaRPr lang="en-CA" dirty="0"/>
+                </a:p>
+              </p:txBody>
+            </p:sp>
+          </mc:Choice>
+          <mc:Fallback>
+            <p:sp>
+              <p:nvSpPr>
+                <p:cNvPr id="10" name="Rectangle 9">
+                  <a:extLst>
+                    <a:ext uri="{FF2B5EF4-FFF2-40B4-BE49-F238E27FC236}">
+                      <a16:creationId xmlns:a16="http://schemas.microsoft.com/office/drawing/2014/main" id="{5876853C-2ED3-43F7-806E-73113A2714B6}"/>
+                    </a:ext>
+                  </a:extLst>
+                </p:cNvPr>
+                <p:cNvSpPr>
+                  <a:spLocks noRot="1" noChangeAspect="1" noMove="1" noResize="1" noEditPoints="1" noAdjustHandles="1" noChangeArrowheads="1" noChangeShapeType="1" noTextEdit="1"/>
+                </p:cNvSpPr>
+                <p:nvPr/>
+              </p:nvSpPr>
+              <p:spPr>
+                <a:xfrm>
+                  <a:off x="4870514" y="3186087"/>
+                  <a:ext cx="334490" cy="354113"/>
+                </a:xfrm>
+                <a:prstGeom prst="rect">
+                  <a:avLst/>
+                </a:prstGeom>
+                <a:blipFill>
+                  <a:blip r:embed="rId15"/>
+                  <a:stretch>
+                    <a:fillRect b="-10345"/>
+                  </a:stretch>
+                </a:blipFill>
+              </p:spPr>
+              <p:txBody>
+                <a:bodyPr/>
+                <a:lstStyle/>
+                <a:p>
+                  <a:r>
+                    <a:rPr lang="en-US">
+                      <a:noFill/>
+                    </a:rPr>
+                    <a:t> </a:t>
+                  </a:r>
+                </a:p>
+              </p:txBody>
+            </p:sp>
+          </mc:Fallback>
+        </mc:AlternateContent>
+        <mc:AlternateContent xmlns:mc="http://schemas.openxmlformats.org/markup-compatibility/2006">
+          <mc:Choice xmlns:a14="http://schemas.microsoft.com/office/drawing/2010/main" Requires="a14">
+            <p:sp>
+              <p:nvSpPr>
+                <p:cNvPr id="11" name="Rectangle 10">
+                  <a:extLst>
+                    <a:ext uri="{FF2B5EF4-FFF2-40B4-BE49-F238E27FC236}">
+                      <a16:creationId xmlns:a16="http://schemas.microsoft.com/office/drawing/2014/main" id="{B1F5AFBE-D8BC-415B-9C2C-0A3F88696274}"/>
+                    </a:ext>
+                  </a:extLst>
+                </p:cNvPr>
+                <p:cNvSpPr/>
+                <p:nvPr/>
+              </p:nvSpPr>
+              <p:spPr>
+                <a:xfrm>
+                  <a:off x="4942015" y="3640435"/>
+                  <a:ext cx="331428" cy="354113"/>
+                </a:xfrm>
+                <a:prstGeom prst="rect">
+                  <a:avLst/>
+                </a:prstGeom>
+              </p:spPr>
+              <p:txBody>
+                <a:bodyPr wrap="none">
+                  <a:spAutoFit/>
+                </a:bodyPr>
+                <a:lstStyle/>
+                <a:p>
+                  <a:pPr/>
+                  <a14:m>
+                    <m:oMathPara xmlns:m="http://schemas.openxmlformats.org/officeDocument/2006/math">
+                      <m:oMathParaPr>
+                        <m:jc m:val="centerGroup"/>
+                      </m:oMathParaPr>
+                      <m:oMath xmlns:m="http://schemas.openxmlformats.org/officeDocument/2006/math">
+                        <m:r>
+                          <a:rPr lang="en-US" b="0" i="1" smtClean="0">
+                            <a:latin typeface="Cambria Math" panose="02040503050406030204" pitchFamily="18" charset="0"/>
+                            <a:cs typeface="Arial" panose="020B0604020202020204" pitchFamily="34" charset="0"/>
+                          </a:rPr>
+                          <m:t>0</m:t>
+                        </m:r>
+                      </m:oMath>
+                    </m:oMathPara>
+                  </a14:m>
+                  <a:endParaRPr lang="en-CA" dirty="0"/>
+                </a:p>
+              </p:txBody>
+            </p:sp>
+          </mc:Choice>
+          <mc:Fallback>
+            <p:sp>
+              <p:nvSpPr>
+                <p:cNvPr id="11" name="Rectangle 10">
+                  <a:extLst>
+                    <a:ext uri="{FF2B5EF4-FFF2-40B4-BE49-F238E27FC236}">
+                      <a16:creationId xmlns:a16="http://schemas.microsoft.com/office/drawing/2014/main" id="{B1F5AFBE-D8BC-415B-9C2C-0A3F88696274}"/>
+                    </a:ext>
+                  </a:extLst>
+                </p:cNvPr>
+                <p:cNvSpPr>
+                  <a:spLocks noRot="1" noChangeAspect="1" noMove="1" noResize="1" noEditPoints="1" noAdjustHandles="1" noChangeArrowheads="1" noChangeShapeType="1" noTextEdit="1"/>
+                </p:cNvSpPr>
+                <p:nvPr/>
+              </p:nvSpPr>
+              <p:spPr>
+                <a:xfrm>
+                  <a:off x="4942015" y="3640435"/>
+                  <a:ext cx="331428" cy="354113"/>
+                </a:xfrm>
+                <a:prstGeom prst="rect">
+                  <a:avLst/>
+                </a:prstGeom>
+                <a:blipFill>
+                  <a:blip r:embed="rId16"/>
+                  <a:stretch>
+                    <a:fillRect/>
+                  </a:stretch>
+                </a:blipFill>
+              </p:spPr>
+              <p:txBody>
+                <a:bodyPr/>
+                <a:lstStyle/>
+                <a:p>
+                  <a:r>
+                    <a:rPr lang="en-US">
+                      <a:noFill/>
+                    </a:rPr>
+                    <a:t> </a:t>
+                  </a:r>
+                </a:p>
+              </p:txBody>
+            </p:sp>
+          </mc:Fallback>
+        </mc:AlternateContent>
+        <p:sp>
+          <p:nvSpPr>
+            <p:cNvPr id="6" name="Rectangle 5">
+              <a:extLst>
+                <a:ext uri="{FF2B5EF4-FFF2-40B4-BE49-F238E27FC236}">
+                  <a16:creationId xmlns:a16="http://schemas.microsoft.com/office/drawing/2014/main" id="{5D1FA766-BA5F-4D25-A7F2-A64CE1337007}"/>
+                </a:ext>
+              </a:extLst>
+            </p:cNvPr>
+            <p:cNvSpPr/>
+            <p:nvPr/>
+          </p:nvSpPr>
+          <p:spPr>
+            <a:xfrm>
+              <a:off x="5033595" y="2830925"/>
+              <a:ext cx="166379" cy="354113"/>
+            </a:xfrm>
+            <a:prstGeom prst="rect">
+              <a:avLst/>
+            </a:prstGeom>
+          </p:spPr>
+          <p:txBody>
+            <a:bodyPr wrap="none">
+              <a:spAutoFit/>
+            </a:bodyPr>
+            <a:lstStyle/>
+            <a:p>
+              <a:endParaRPr lang="en-CA" dirty="0"/>
+            </a:p>
+          </p:txBody>
+        </p:sp>
+        <mc:AlternateContent xmlns:mc="http://schemas.openxmlformats.org/markup-compatibility/2006">
+          <mc:Choice xmlns:a14="http://schemas.microsoft.com/office/drawing/2010/main" Requires="a14">
+            <p:sp>
+              <p:nvSpPr>
+                <p:cNvPr id="105" name="TextBox 104">
+                  <a:extLst>
+                    <a:ext uri="{FF2B5EF4-FFF2-40B4-BE49-F238E27FC236}">
+                      <a16:creationId xmlns:a16="http://schemas.microsoft.com/office/drawing/2014/main" id="{B5C734B4-36D2-4E72-844D-B059B8365526}"/>
+                    </a:ext>
+                  </a:extLst>
+                </p:cNvPr>
+                <p:cNvSpPr txBox="1"/>
+                <p:nvPr/>
+              </p:nvSpPr>
+              <p:spPr>
+                <a:xfrm>
+                  <a:off x="8857918" y="2037526"/>
+                  <a:ext cx="256191" cy="391907"/>
+                </a:xfrm>
+                <a:prstGeom prst="rect">
+                  <a:avLst/>
+                </a:prstGeom>
+                <a:noFill/>
+              </p:spPr>
+              <p:txBody>
+                <a:bodyPr wrap="none" lIns="0" tIns="0" rIns="0" bIns="0" rtlCol="0">
+                  <a:spAutoFit/>
+                </a:bodyPr>
+                <a:lstStyle/>
+                <a:p>
+                  <a:pPr/>
+                  <a14:m>
+                    <m:oMathPara xmlns:m="http://schemas.openxmlformats.org/officeDocument/2006/math">
+                      <m:oMathParaPr>
+                        <m:jc m:val="centerGroup"/>
+                      </m:oMathParaPr>
+                      <m:oMath xmlns:m="http://schemas.openxmlformats.org/officeDocument/2006/math">
+                        <m:r>
+                          <a:rPr lang="en-CA" b="0" i="1" smtClean="0">
+                            <a:latin typeface="Cambria Math" panose="02040503050406030204" pitchFamily="18" charset="0"/>
+                          </a:rPr>
+                          <m:t>𝐿</m:t>
+                        </m:r>
+                      </m:oMath>
+                    </m:oMathPara>
+                  </a14:m>
+                  <a:endParaRPr lang="en-US" dirty="0"/>
+                </a:p>
+              </p:txBody>
+            </p:sp>
+          </mc:Choice>
+          <mc:Fallback>
+            <p:sp>
+              <p:nvSpPr>
+                <p:cNvPr id="105" name="TextBox 104">
+                  <a:extLst>
+                    <a:ext uri="{FF2B5EF4-FFF2-40B4-BE49-F238E27FC236}">
+                      <a16:creationId xmlns:a16="http://schemas.microsoft.com/office/drawing/2014/main" id="{B5C734B4-36D2-4E72-844D-B059B8365526}"/>
+                    </a:ext>
+                  </a:extLst>
+                </p:cNvPr>
+                <p:cNvSpPr txBox="1">
+                  <a:spLocks noRot="1" noChangeAspect="1" noMove="1" noResize="1" noEditPoints="1" noAdjustHandles="1" noChangeArrowheads="1" noChangeShapeType="1" noTextEdit="1"/>
+                </p:cNvSpPr>
+                <p:nvPr/>
+              </p:nvSpPr>
+              <p:spPr>
+                <a:xfrm>
+                  <a:off x="8857918" y="2037526"/>
+                  <a:ext cx="256191" cy="391907"/>
+                </a:xfrm>
+                <a:prstGeom prst="rect">
+                  <a:avLst/>
+                </a:prstGeom>
+                <a:blipFill>
+                  <a:blip r:embed="rId17"/>
+                  <a:stretch>
+                    <a:fillRect l="-4762" r="-7143"/>
+                  </a:stretch>
+                </a:blipFill>
+              </p:spPr>
+              <p:txBody>
+                <a:bodyPr/>
+                <a:lstStyle/>
+                <a:p>
+                  <a:r>
+                    <a:rPr lang="en-US">
+                      <a:noFill/>
+                    </a:rPr>
+                    <a:t> </a:t>
+                  </a:r>
+                </a:p>
+              </p:txBody>
+            </p:sp>
+          </mc:Fallback>
+        </mc:AlternateContent>
+        <mc:AlternateContent xmlns:mc="http://schemas.openxmlformats.org/markup-compatibility/2006">
+          <mc:Choice xmlns:a14="http://schemas.microsoft.com/office/drawing/2010/main" Requires="a14">
+            <p:sp>
+              <p:nvSpPr>
+                <p:cNvPr id="106" name="TextBox 105">
+                  <a:extLst>
+                    <a:ext uri="{FF2B5EF4-FFF2-40B4-BE49-F238E27FC236}">
+                      <a16:creationId xmlns:a16="http://schemas.microsoft.com/office/drawing/2014/main" id="{31667992-C4D7-495C-BAAD-74C14E657198}"/>
+                    </a:ext>
+                  </a:extLst>
+                </p:cNvPr>
+                <p:cNvSpPr txBox="1"/>
+                <p:nvPr/>
+              </p:nvSpPr>
+              <p:spPr>
+                <a:xfrm>
+                  <a:off x="6630003" y="2033346"/>
+                  <a:ext cx="256191" cy="391907"/>
+                </a:xfrm>
+                <a:prstGeom prst="rect">
+                  <a:avLst/>
+                </a:prstGeom>
+                <a:noFill/>
+              </p:spPr>
+              <p:txBody>
+                <a:bodyPr wrap="none" lIns="0" tIns="0" rIns="0" bIns="0" rtlCol="0">
+                  <a:spAutoFit/>
+                </a:bodyPr>
+                <a:lstStyle/>
+                <a:p>
+                  <a:pPr/>
+                  <a14:m>
+                    <m:oMathPara xmlns:m="http://schemas.openxmlformats.org/officeDocument/2006/math">
+                      <m:oMathParaPr>
+                        <m:jc m:val="centerGroup"/>
+                      </m:oMathParaPr>
+                      <m:oMath xmlns:m="http://schemas.openxmlformats.org/officeDocument/2006/math">
+                        <m:r>
+                          <a:rPr lang="en-CA" b="0" i="1" smtClean="0">
+                            <a:latin typeface="Cambria Math" panose="02040503050406030204" pitchFamily="18" charset="0"/>
+                          </a:rPr>
+                          <m:t>𝐿</m:t>
+                        </m:r>
+                      </m:oMath>
+                    </m:oMathPara>
+                  </a14:m>
+                  <a:endParaRPr lang="en-US" dirty="0"/>
+                </a:p>
+              </p:txBody>
+            </p:sp>
+          </mc:Choice>
+          <mc:Fallback>
+            <p:sp>
+              <p:nvSpPr>
+                <p:cNvPr id="106" name="TextBox 105">
+                  <a:extLst>
+                    <a:ext uri="{FF2B5EF4-FFF2-40B4-BE49-F238E27FC236}">
+                      <a16:creationId xmlns:a16="http://schemas.microsoft.com/office/drawing/2014/main" id="{31667992-C4D7-495C-BAAD-74C14E657198}"/>
+                    </a:ext>
+                  </a:extLst>
+                </p:cNvPr>
+                <p:cNvSpPr txBox="1">
+                  <a:spLocks noRot="1" noChangeAspect="1" noMove="1" noResize="1" noEditPoints="1" noAdjustHandles="1" noChangeArrowheads="1" noChangeShapeType="1" noTextEdit="1"/>
+                </p:cNvSpPr>
+                <p:nvPr/>
+              </p:nvSpPr>
+              <p:spPr>
+                <a:xfrm>
+                  <a:off x="6630003" y="2033346"/>
+                  <a:ext cx="256191" cy="391907"/>
+                </a:xfrm>
+                <a:prstGeom prst="rect">
+                  <a:avLst/>
+                </a:prstGeom>
+                <a:blipFill>
+                  <a:blip r:embed="rId18"/>
+                  <a:stretch>
+                    <a:fillRect l="-7143" r="-4762"/>
+                  </a:stretch>
+                </a:blipFill>
+              </p:spPr>
+              <p:txBody>
+                <a:bodyPr/>
+                <a:lstStyle/>
+                <a:p>
+                  <a:r>
+                    <a:rPr lang="en-US">
+                      <a:noFill/>
+                    </a:rPr>
+                    <a:t> </a:t>
+                  </a:r>
+                </a:p>
+              </p:txBody>
+            </p:sp>
+          </mc:Fallback>
+        </mc:AlternateContent>
+        <mc:AlternateContent xmlns:mc="http://schemas.openxmlformats.org/markup-compatibility/2006">
+          <mc:Choice xmlns:a14="http://schemas.microsoft.com/office/drawing/2010/main" Requires="a14">
+            <p:sp>
+              <p:nvSpPr>
+                <p:cNvPr id="107" name="TextBox 106">
+                  <a:extLst>
+                    <a:ext uri="{FF2B5EF4-FFF2-40B4-BE49-F238E27FC236}">
+                      <a16:creationId xmlns:a16="http://schemas.microsoft.com/office/drawing/2014/main" id="{7CD4256F-AAEE-4818-A5B7-510D74D9683B}"/>
+                    </a:ext>
+                  </a:extLst>
+                </p:cNvPr>
+                <p:cNvSpPr txBox="1"/>
+                <p:nvPr/>
+              </p:nvSpPr>
+              <p:spPr>
+                <a:xfrm>
+                  <a:off x="7709454" y="4090027"/>
+                  <a:ext cx="256191" cy="391907"/>
+                </a:xfrm>
+                <a:prstGeom prst="rect">
+                  <a:avLst/>
+                </a:prstGeom>
+                <a:noFill/>
+              </p:spPr>
+              <p:txBody>
+                <a:bodyPr wrap="none" lIns="0" tIns="0" rIns="0" bIns="0" rtlCol="0">
+                  <a:spAutoFit/>
+                </a:bodyPr>
+                <a:lstStyle/>
+                <a:p>
+                  <a:pPr/>
+                  <a14:m>
+                    <m:oMathPara xmlns:m="http://schemas.openxmlformats.org/officeDocument/2006/math">
+                      <m:oMathParaPr>
+                        <m:jc m:val="centerGroup"/>
+                      </m:oMathParaPr>
+                      <m:oMath xmlns:m="http://schemas.openxmlformats.org/officeDocument/2006/math">
+                        <m:r>
+                          <a:rPr lang="en-CA" b="0" i="1" smtClean="0">
+                            <a:latin typeface="Cambria Math" panose="02040503050406030204" pitchFamily="18" charset="0"/>
+                          </a:rPr>
+                          <m:t>𝐿</m:t>
+                        </m:r>
+                      </m:oMath>
+                    </m:oMathPara>
+                  </a14:m>
+                  <a:endParaRPr lang="en-US" dirty="0"/>
+                </a:p>
+              </p:txBody>
+            </p:sp>
+          </mc:Choice>
+          <mc:Fallback>
+            <p:sp>
+              <p:nvSpPr>
+                <p:cNvPr id="107" name="TextBox 106">
+                  <a:extLst>
+                    <a:ext uri="{FF2B5EF4-FFF2-40B4-BE49-F238E27FC236}">
+                      <a16:creationId xmlns:a16="http://schemas.microsoft.com/office/drawing/2014/main" id="{7CD4256F-AAEE-4818-A5B7-510D74D9683B}"/>
+                    </a:ext>
+                  </a:extLst>
+                </p:cNvPr>
+                <p:cNvSpPr txBox="1">
+                  <a:spLocks noRot="1" noChangeAspect="1" noMove="1" noResize="1" noEditPoints="1" noAdjustHandles="1" noChangeArrowheads="1" noChangeShapeType="1" noTextEdit="1"/>
+                </p:cNvSpPr>
+                <p:nvPr/>
+              </p:nvSpPr>
+              <p:spPr>
+                <a:xfrm>
+                  <a:off x="7709454" y="4090027"/>
+                  <a:ext cx="256191" cy="391907"/>
+                </a:xfrm>
+                <a:prstGeom prst="rect">
+                  <a:avLst/>
+                </a:prstGeom>
+                <a:blipFill>
+                  <a:blip r:embed="rId19"/>
+                  <a:stretch>
+                    <a:fillRect l="-7143" r="-4762"/>
+                  </a:stretch>
+                </a:blipFill>
+              </p:spPr>
+              <p:txBody>
+                <a:bodyPr/>
+                <a:lstStyle/>
+                <a:p>
+                  <a:r>
+                    <a:rPr lang="en-US">
+                      <a:noFill/>
+                    </a:rPr>
+                    <a:t> </a:t>
+                  </a:r>
+                </a:p>
+              </p:txBody>
+            </p:sp>
+          </mc:Fallback>
+        </mc:AlternateContent>
+        <p:cxnSp>
+          <p:nvCxnSpPr>
+            <p:cNvPr id="116" name="Straight Connector 115">
+              <a:extLst>
+                <a:ext uri="{FF2B5EF4-FFF2-40B4-BE49-F238E27FC236}">
+                  <a16:creationId xmlns:a16="http://schemas.microsoft.com/office/drawing/2014/main" id="{2414D0A8-7C32-485B-BF42-67873343ACB5}"/>
+                </a:ext>
+              </a:extLst>
+            </p:cNvPr>
+            <p:cNvCxnSpPr>
+              <a:cxnSpLocks/>
+              <a:endCxn id="75" idx="5"/>
+            </p:cNvCxnSpPr>
+            <p:nvPr/>
+          </p:nvCxnSpPr>
+          <p:spPr>
+            <a:xfrm flipV="1">
+              <a:off x="7895120" y="2283509"/>
+              <a:ext cx="759938" cy="542800"/>
+            </a:xfrm>
+            <a:prstGeom prst="line">
+              <a:avLst/>
+            </a:prstGeom>
+            <a:ln w="38100">
+              <a:solidFill>
+                <a:schemeClr val="tx1"/>
+              </a:solidFill>
+            </a:ln>
+          </p:spPr>
+          <p:style>
+            <a:lnRef idx="1">
+              <a:schemeClr val="accent1"/>
+            </a:lnRef>
+            <a:fillRef idx="0">
+              <a:schemeClr val="accent1"/>
+            </a:fillRef>
+            <a:effectRef idx="0">
+              <a:schemeClr val="accent1"/>
+            </a:effectRef>
+            <a:fontRef idx="minor">
+              <a:schemeClr val="tx1"/>
+            </a:fontRef>
+          </p:style>
+        </p:cxnSp>
+        <p:cxnSp>
+          <p:nvCxnSpPr>
+            <p:cNvPr id="119" name="Straight Connector 118">
+              <a:extLst>
+                <a:ext uri="{FF2B5EF4-FFF2-40B4-BE49-F238E27FC236}">
+                  <a16:creationId xmlns:a16="http://schemas.microsoft.com/office/drawing/2014/main" id="{6485B17C-5001-45E9-81DB-9BDAADD91F27}"/>
+                </a:ext>
+              </a:extLst>
+            </p:cNvPr>
+            <p:cNvCxnSpPr/>
+            <p:nvPr/>
+          </p:nvCxnSpPr>
+          <p:spPr>
+            <a:xfrm flipV="1">
+              <a:off x="7895120" y="994609"/>
+              <a:ext cx="0" cy="1828404"/>
+            </a:xfrm>
+            <a:prstGeom prst="line">
+              <a:avLst/>
+            </a:prstGeom>
+            <a:ln w="38100">
+              <a:solidFill>
+                <a:schemeClr val="tx1"/>
+              </a:solidFill>
+            </a:ln>
+          </p:spPr>
+          <p:style>
+            <a:lnRef idx="1">
+              <a:schemeClr val="accent1"/>
+            </a:lnRef>
+            <a:fillRef idx="0">
+              <a:schemeClr val="accent1"/>
+            </a:fillRef>
+            <a:effectRef idx="0">
+              <a:schemeClr val="accent1"/>
+            </a:effectRef>
+            <a:fontRef idx="minor">
+              <a:schemeClr val="tx1"/>
+            </a:fontRef>
+          </p:style>
+        </p:cxnSp>
+        <p:cxnSp>
+          <p:nvCxnSpPr>
+            <p:cNvPr id="121" name="Straight Connector 120">
+              <a:extLst>
+                <a:ext uri="{FF2B5EF4-FFF2-40B4-BE49-F238E27FC236}">
+                  <a16:creationId xmlns:a16="http://schemas.microsoft.com/office/drawing/2014/main" id="{DB59CCA2-B844-4307-8DE7-E8794AF82037}"/>
+                </a:ext>
+              </a:extLst>
+            </p:cNvPr>
+            <p:cNvCxnSpPr>
+              <a:cxnSpLocks/>
+            </p:cNvCxnSpPr>
+            <p:nvPr/>
+          </p:nvCxnSpPr>
+          <p:spPr>
+            <a:xfrm>
+              <a:off x="7895120" y="2823013"/>
+              <a:ext cx="1531672" cy="802556"/>
+            </a:xfrm>
+            <a:prstGeom prst="line">
+              <a:avLst/>
+            </a:prstGeom>
+            <a:ln w="38100">
+              <a:solidFill>
+                <a:schemeClr val="tx1"/>
+              </a:solidFill>
+            </a:ln>
+          </p:spPr>
+          <p:style>
+            <a:lnRef idx="1">
+              <a:schemeClr val="accent1"/>
+            </a:lnRef>
+            <a:fillRef idx="0">
+              <a:schemeClr val="accent1"/>
+            </a:fillRef>
+            <a:effectRef idx="0">
+              <a:schemeClr val="accent1"/>
+            </a:effectRef>
+            <a:fontRef idx="minor">
+              <a:schemeClr val="tx1"/>
+            </a:fontRef>
+          </p:style>
+        </p:cxnSp>
+        <p:cxnSp>
+          <p:nvCxnSpPr>
+            <p:cNvPr id="122" name="Straight Connector 121">
+              <a:extLst>
+                <a:ext uri="{FF2B5EF4-FFF2-40B4-BE49-F238E27FC236}">
+                  <a16:creationId xmlns:a16="http://schemas.microsoft.com/office/drawing/2014/main" id="{6B522297-CF4A-4FD2-8672-C403C021616A}"/>
+                </a:ext>
+              </a:extLst>
+            </p:cNvPr>
+            <p:cNvCxnSpPr>
+              <a:cxnSpLocks/>
+            </p:cNvCxnSpPr>
+            <p:nvPr/>
+          </p:nvCxnSpPr>
+          <p:spPr>
+            <a:xfrm flipV="1">
+              <a:off x="6277797" y="2832248"/>
+              <a:ext cx="1617322" cy="822792"/>
+            </a:xfrm>
+            <a:prstGeom prst="line">
+              <a:avLst/>
+            </a:prstGeom>
+            <a:ln w="38100">
+              <a:solidFill>
+                <a:schemeClr val="tx1"/>
+              </a:solidFill>
+            </a:ln>
+          </p:spPr>
+          <p:style>
+            <a:lnRef idx="1">
+              <a:schemeClr val="accent1"/>
+            </a:lnRef>
+            <a:fillRef idx="0">
+              <a:schemeClr val="accent1"/>
+            </a:fillRef>
+            <a:effectRef idx="0">
+              <a:schemeClr val="accent1"/>
+            </a:effectRef>
+            <a:fontRef idx="minor">
+              <a:schemeClr val="tx1"/>
+            </a:fontRef>
+          </p:style>
+        </p:cxnSp>
+        <p:sp>
+          <p:nvSpPr>
+            <p:cNvPr id="124" name="Arc 123">
+              <a:extLst>
+                <a:ext uri="{FF2B5EF4-FFF2-40B4-BE49-F238E27FC236}">
+                  <a16:creationId xmlns:a16="http://schemas.microsoft.com/office/drawing/2014/main" id="{65D1A517-7B74-452D-81AF-5B9F3426DB34}"/>
+                </a:ext>
+              </a:extLst>
+            </p:cNvPr>
+            <p:cNvSpPr/>
+            <p:nvPr/>
+          </p:nvSpPr>
+          <p:spPr>
+            <a:xfrm rot="7957126">
+              <a:off x="7663716" y="2541926"/>
+              <a:ext cx="462805" cy="464414"/>
+            </a:xfrm>
+            <a:prstGeom prst="arc">
+              <a:avLst>
+                <a:gd name="adj1" fmla="val 16200000"/>
+                <a:gd name="adj2" fmla="val 472363"/>
+              </a:avLst>
+            </a:prstGeom>
+            <a:ln w="38100">
+              <a:solidFill>
+                <a:schemeClr val="tx1"/>
+              </a:solidFill>
+            </a:ln>
+          </p:spPr>
+          <p:style>
+            <a:lnRef idx="1">
+              <a:schemeClr val="accent1"/>
+            </a:lnRef>
+            <a:fillRef idx="0">
+              <a:schemeClr val="accent1"/>
+            </a:fillRef>
+            <a:effectRef idx="0">
+              <a:schemeClr val="accent1"/>
+            </a:effectRef>
+            <a:fontRef idx="minor">
+              <a:schemeClr val="tx1"/>
+            </a:fontRef>
+          </p:style>
+          <p:txBody>
+            <a:bodyPr rtlCol="0" anchor="ctr"/>
+            <a:lstStyle/>
+            <a:p>
+              <a:pPr algn="ctr"/>
+              <a:endParaRPr lang="en-CA"/>
+            </a:p>
+          </p:txBody>
+        </p:sp>
+        <p:sp>
+          <p:nvSpPr>
+            <p:cNvPr id="126" name="Arc 125">
+              <a:extLst>
+                <a:ext uri="{FF2B5EF4-FFF2-40B4-BE49-F238E27FC236}">
+                  <a16:creationId xmlns:a16="http://schemas.microsoft.com/office/drawing/2014/main" id="{E38011B5-A22C-44D6-B75E-AF6C517658A8}"/>
+                </a:ext>
+              </a:extLst>
+            </p:cNvPr>
+            <p:cNvSpPr/>
+            <p:nvPr/>
+          </p:nvSpPr>
+          <p:spPr>
+            <a:xfrm rot="7744290">
+              <a:off x="7838366" y="1158602"/>
+              <a:ext cx="324141" cy="228672"/>
+            </a:xfrm>
+            <a:prstGeom prst="arc">
+              <a:avLst/>
+            </a:prstGeom>
+            <a:ln w="38100">
+              <a:solidFill>
+                <a:schemeClr val="tx1"/>
+              </a:solidFill>
+            </a:ln>
+          </p:spPr>
+          <p:style>
+            <a:lnRef idx="1">
+              <a:schemeClr val="accent1"/>
+            </a:lnRef>
+            <a:fillRef idx="0">
+              <a:schemeClr val="accent1"/>
+            </a:fillRef>
+            <a:effectRef idx="0">
+              <a:schemeClr val="accent1"/>
+            </a:effectRef>
+            <a:fontRef idx="minor">
+              <a:schemeClr val="tx1"/>
+            </a:fontRef>
+          </p:style>
+          <p:txBody>
+            <a:bodyPr rtlCol="0" anchor="ctr"/>
+            <a:lstStyle/>
+            <a:p>
+              <a:pPr algn="ctr"/>
+              <a:endParaRPr lang="en-CA"/>
+            </a:p>
+          </p:txBody>
+        </p:sp>
+        <mc:AlternateContent xmlns:mc="http://schemas.openxmlformats.org/markup-compatibility/2006">
+          <mc:Choice xmlns:a14="http://schemas.microsoft.com/office/drawing/2010/main" Requires="a14">
+            <p:sp>
+              <p:nvSpPr>
+                <p:cNvPr id="128" name="TextBox 127">
+                  <a:extLst>
+                    <a:ext uri="{FF2B5EF4-FFF2-40B4-BE49-F238E27FC236}">
+                      <a16:creationId xmlns:a16="http://schemas.microsoft.com/office/drawing/2014/main" id="{88DD39CD-C25B-483B-90E5-63A9605CA27D}"/>
+                    </a:ext>
+                  </a:extLst>
+                </p:cNvPr>
+                <p:cNvSpPr txBox="1"/>
+                <p:nvPr/>
+              </p:nvSpPr>
+              <p:spPr>
+                <a:xfrm>
+                  <a:off x="7786583" y="3059893"/>
+                  <a:ext cx="322332" cy="520399"/>
+                </a:xfrm>
+                <a:prstGeom prst="rect">
+                  <a:avLst/>
+                </a:prstGeom>
+                <a:noFill/>
+              </p:spPr>
+              <p:txBody>
+                <a:bodyPr wrap="none" lIns="0" tIns="0" rIns="0" bIns="0" rtlCol="0">
+                  <a:spAutoFit/>
+                </a:bodyPr>
+                <a:lstStyle/>
+                <a:p>
+                  <a:pPr/>
+                  <a14:m>
+                    <m:oMathPara xmlns:m="http://schemas.openxmlformats.org/officeDocument/2006/math">
+                      <m:oMathParaPr>
+                        <m:jc m:val="centerGroup"/>
+                      </m:oMathParaPr>
+                      <m:oMath xmlns:m="http://schemas.openxmlformats.org/officeDocument/2006/math">
+                        <m:f>
+                          <m:fPr>
+                            <m:ctrlPr>
+                              <a:rPr lang="el-GR" i="1" smtClean="0">
+                                <a:latin typeface="Cambria Math" panose="02040503050406030204" pitchFamily="18" charset="0"/>
+                              </a:rPr>
+                            </m:ctrlPr>
+                          </m:fPr>
+                          <m:num>
+                            <m:r>
+                              <a:rPr lang="en-US" b="0" i="1" smtClean="0">
+                                <a:latin typeface="Cambria Math" panose="02040503050406030204" pitchFamily="18" charset="0"/>
+                              </a:rPr>
+                              <m:t>2</m:t>
+                            </m:r>
+                            <m:r>
+                              <a:rPr lang="el-GR" i="1" smtClean="0">
+                                <a:latin typeface="Cambria Math" panose="02040503050406030204" pitchFamily="18" charset="0"/>
+                              </a:rPr>
+                              <m:t>𝜋</m:t>
+                            </m:r>
+                          </m:num>
+                          <m:den>
+                            <m:r>
+                              <a:rPr lang="en-CA" b="0" i="1" smtClean="0">
+                                <a:latin typeface="Cambria Math" panose="02040503050406030204" pitchFamily="18" charset="0"/>
+                              </a:rPr>
+                              <m:t>3</m:t>
+                            </m:r>
+                          </m:den>
+                        </m:f>
+                      </m:oMath>
+                    </m:oMathPara>
+                  </a14:m>
+                  <a:endParaRPr lang="en-US" dirty="0"/>
+                </a:p>
+              </p:txBody>
+            </p:sp>
+          </mc:Choice>
+          <mc:Fallback>
+            <p:sp>
+              <p:nvSpPr>
+                <p:cNvPr id="128" name="TextBox 127">
+                  <a:extLst>
+                    <a:ext uri="{FF2B5EF4-FFF2-40B4-BE49-F238E27FC236}">
+                      <a16:creationId xmlns:a16="http://schemas.microsoft.com/office/drawing/2014/main" id="{88DD39CD-C25B-483B-90E5-63A9605CA27D}"/>
+                    </a:ext>
+                  </a:extLst>
+                </p:cNvPr>
+                <p:cNvSpPr txBox="1">
+                  <a:spLocks noRot="1" noChangeAspect="1" noMove="1" noResize="1" noEditPoints="1" noAdjustHandles="1" noChangeArrowheads="1" noChangeShapeType="1" noTextEdit="1"/>
+                </p:cNvSpPr>
+                <p:nvPr/>
+              </p:nvSpPr>
+              <p:spPr>
+                <a:xfrm>
+                  <a:off x="7786583" y="3059893"/>
+                  <a:ext cx="322332" cy="520399"/>
+                </a:xfrm>
+                <a:prstGeom prst="rect">
+                  <a:avLst/>
+                </a:prstGeom>
+                <a:blipFill>
+                  <a:blip r:embed="rId20"/>
+                  <a:stretch>
+                    <a:fillRect/>
+                  </a:stretch>
+                </a:blipFill>
+              </p:spPr>
+              <p:txBody>
+                <a:bodyPr/>
+                <a:lstStyle/>
+                <a:p>
+                  <a:r>
+                    <a:rPr lang="en-US">
+                      <a:noFill/>
+                    </a:rPr>
+                    <a:t> </a:t>
+                  </a:r>
+                </a:p>
+              </p:txBody>
+            </p:sp>
+          </mc:Fallback>
+        </mc:AlternateContent>
+        <mc:AlternateContent xmlns:mc="http://schemas.openxmlformats.org/markup-compatibility/2006">
+          <mc:Choice xmlns:a14="http://schemas.microsoft.com/office/drawing/2010/main" Requires="a14">
+            <p:sp>
+              <p:nvSpPr>
+                <p:cNvPr id="129" name="TextBox 128">
+                  <a:extLst>
+                    <a:ext uri="{FF2B5EF4-FFF2-40B4-BE49-F238E27FC236}">
+                      <a16:creationId xmlns:a16="http://schemas.microsoft.com/office/drawing/2014/main" id="{25B5B6C1-AF95-4AA0-9871-72800B2E4C32}"/>
+                    </a:ext>
+                  </a:extLst>
+                </p:cNvPr>
+                <p:cNvSpPr txBox="1"/>
+                <p:nvPr/>
+              </p:nvSpPr>
+              <p:spPr>
+                <a:xfrm>
+                  <a:off x="7956522" y="1445973"/>
+                  <a:ext cx="194092" cy="472437"/>
+                </a:xfrm>
+                <a:prstGeom prst="rect">
+                  <a:avLst/>
+                </a:prstGeom>
+                <a:noFill/>
+              </p:spPr>
+              <p:txBody>
+                <a:bodyPr wrap="none" lIns="0" tIns="0" rIns="0" bIns="0" rtlCol="0">
+                  <a:spAutoFit/>
+                </a:bodyPr>
+                <a:lstStyle/>
+                <a:p>
+                  <a:pPr/>
+                  <a14:m>
+                    <m:oMathPara xmlns:m="http://schemas.openxmlformats.org/officeDocument/2006/math">
+                      <m:oMathParaPr>
+                        <m:jc m:val="centerGroup"/>
+                      </m:oMathParaPr>
+                      <m:oMath xmlns:m="http://schemas.openxmlformats.org/officeDocument/2006/math">
+                        <m:f>
+                          <m:fPr>
+                            <m:ctrlPr>
+                              <a:rPr lang="el-GR" i="1" smtClean="0">
+                                <a:latin typeface="Cambria Math" panose="02040503050406030204" pitchFamily="18" charset="0"/>
+                              </a:rPr>
+                            </m:ctrlPr>
+                          </m:fPr>
+                          <m:num>
+                            <m:r>
+                              <a:rPr lang="el-GR" i="1" smtClean="0">
+                                <a:latin typeface="Cambria Math" panose="02040503050406030204" pitchFamily="18" charset="0"/>
+                              </a:rPr>
+                              <m:t>𝜋</m:t>
+                            </m:r>
+                          </m:num>
+                          <m:den>
+                            <m:r>
+                              <a:rPr lang="en-CA" b="0" i="1" smtClean="0">
+                                <a:latin typeface="Cambria Math" panose="02040503050406030204" pitchFamily="18" charset="0"/>
+                              </a:rPr>
+                              <m:t>6</m:t>
+                            </m:r>
+                          </m:den>
+                        </m:f>
+                      </m:oMath>
+                    </m:oMathPara>
+                  </a14:m>
+                  <a:endParaRPr lang="en-US" dirty="0"/>
+                </a:p>
+              </p:txBody>
+            </p:sp>
+          </mc:Choice>
+          <mc:Fallback>
+            <p:sp>
+              <p:nvSpPr>
+                <p:cNvPr id="129" name="TextBox 128">
+                  <a:extLst>
+                    <a:ext uri="{FF2B5EF4-FFF2-40B4-BE49-F238E27FC236}">
+                      <a16:creationId xmlns:a16="http://schemas.microsoft.com/office/drawing/2014/main" id="{25B5B6C1-AF95-4AA0-9871-72800B2E4C32}"/>
+                    </a:ext>
+                  </a:extLst>
+                </p:cNvPr>
+                <p:cNvSpPr txBox="1">
+                  <a:spLocks noRot="1" noChangeAspect="1" noMove="1" noResize="1" noEditPoints="1" noAdjustHandles="1" noChangeArrowheads="1" noChangeShapeType="1" noTextEdit="1"/>
+                </p:cNvSpPr>
+                <p:nvPr/>
+              </p:nvSpPr>
+              <p:spPr>
+                <a:xfrm>
+                  <a:off x="7956522" y="1445973"/>
+                  <a:ext cx="194092" cy="472437"/>
+                </a:xfrm>
+                <a:prstGeom prst="rect">
+                  <a:avLst/>
+                </a:prstGeom>
+                <a:blipFill>
+                  <a:blip r:embed="rId21"/>
+                  <a:stretch>
+                    <a:fillRect/>
+                  </a:stretch>
+                </a:blipFill>
+              </p:spPr>
+              <p:txBody>
+                <a:bodyPr/>
+                <a:lstStyle/>
+                <a:p>
+                  <a:r>
+                    <a:rPr lang="en-US">
+                      <a:noFill/>
+                    </a:rPr>
+                    <a:t> </a:t>
+                  </a:r>
+                </a:p>
+              </p:txBody>
+            </p:sp>
+          </mc:Fallback>
+        </mc:AlternateContent>
+        <mc:AlternateContent xmlns:mc="http://schemas.openxmlformats.org/markup-compatibility/2006">
+          <mc:Choice xmlns:a14="http://schemas.microsoft.com/office/drawing/2010/main" Requires="a14">
+            <p:sp>
+              <p:nvSpPr>
+                <p:cNvPr id="131" name="TextBox 130">
+                  <a:extLst>
+                    <a:ext uri="{FF2B5EF4-FFF2-40B4-BE49-F238E27FC236}">
+                      <a16:creationId xmlns:a16="http://schemas.microsoft.com/office/drawing/2014/main" id="{CC76315E-6227-4998-801C-FD68019ED4F1}"/>
+                    </a:ext>
+                  </a:extLst>
+                </p:cNvPr>
+                <p:cNvSpPr txBox="1"/>
+                <p:nvPr/>
+              </p:nvSpPr>
+              <p:spPr>
+                <a:xfrm>
+                  <a:off x="11013112" y="1470514"/>
+                  <a:ext cx="420521" cy="516745"/>
+                </a:xfrm>
+                <a:prstGeom prst="rect">
+                  <a:avLst/>
+                </a:prstGeom>
+                <a:noFill/>
+              </p:spPr>
+              <p:txBody>
+                <a:bodyPr wrap="square" lIns="0" tIns="0" rIns="0" bIns="0" rtlCol="0">
+                  <a:spAutoFit/>
+                </a:bodyPr>
+                <a:lstStyle/>
+                <a:p>
+                  <a:pPr/>
+                  <a14:m>
+                    <m:oMathPara xmlns:m="http://schemas.openxmlformats.org/officeDocument/2006/math">
+                      <m:oMathParaPr>
+                        <m:jc m:val="centerGroup"/>
+                      </m:oMathParaPr>
+                      <m:oMath xmlns:m="http://schemas.openxmlformats.org/officeDocument/2006/math">
+                        <m:f>
+                          <m:fPr>
+                            <m:ctrlPr>
+                              <a:rPr lang="en-US" i="1" smtClean="0">
+                                <a:latin typeface="Cambria Math" panose="02040503050406030204" pitchFamily="18" charset="0"/>
+                              </a:rPr>
+                            </m:ctrlPr>
+                          </m:fPr>
+                          <m:num>
+                            <m:r>
+                              <a:rPr lang="en-CA" b="0" i="1" smtClean="0">
+                                <a:latin typeface="Cambria Math" panose="02040503050406030204" pitchFamily="18" charset="0"/>
+                              </a:rPr>
+                              <m:t>𝐿</m:t>
+                            </m:r>
+                          </m:num>
+                          <m:den>
+                            <m:r>
+                              <a:rPr lang="en-CA" b="0" i="1" smtClean="0">
+                                <a:latin typeface="Cambria Math" panose="02040503050406030204" pitchFamily="18" charset="0"/>
+                              </a:rPr>
+                              <m:t>2</m:t>
+                            </m:r>
+                          </m:den>
+                        </m:f>
+                      </m:oMath>
+                    </m:oMathPara>
+                  </a14:m>
+                  <a:endParaRPr lang="en-US" dirty="0"/>
+                </a:p>
+              </p:txBody>
+            </p:sp>
+          </mc:Choice>
+          <mc:Fallback>
+            <p:sp>
+              <p:nvSpPr>
+                <p:cNvPr id="131" name="TextBox 130">
+                  <a:extLst>
+                    <a:ext uri="{FF2B5EF4-FFF2-40B4-BE49-F238E27FC236}">
+                      <a16:creationId xmlns:a16="http://schemas.microsoft.com/office/drawing/2014/main" id="{CC76315E-6227-4998-801C-FD68019ED4F1}"/>
+                    </a:ext>
+                  </a:extLst>
+                </p:cNvPr>
+                <p:cNvSpPr txBox="1">
+                  <a:spLocks noRot="1" noChangeAspect="1" noMove="1" noResize="1" noEditPoints="1" noAdjustHandles="1" noChangeArrowheads="1" noChangeShapeType="1" noTextEdit="1"/>
+                </p:cNvSpPr>
+                <p:nvPr/>
+              </p:nvSpPr>
+              <p:spPr>
+                <a:xfrm>
+                  <a:off x="11013112" y="1470514"/>
+                  <a:ext cx="420521" cy="516745"/>
+                </a:xfrm>
+                <a:prstGeom prst="rect">
+                  <a:avLst/>
+                </a:prstGeom>
+                <a:blipFill>
+                  <a:blip r:embed="rId22"/>
+                  <a:stretch>
+                    <a:fillRect/>
+                  </a:stretch>
+                </a:blipFill>
+              </p:spPr>
+              <p:txBody>
+                <a:bodyPr/>
+                <a:lstStyle/>
+                <a:p>
+                  <a:r>
+                    <a:rPr lang="en-US">
+                      <a:noFill/>
+                    </a:rPr>
+                    <a:t> </a:t>
+                  </a:r>
+                </a:p>
+              </p:txBody>
+            </p:sp>
+          </mc:Fallback>
+        </mc:AlternateContent>
+        <p:cxnSp>
+          <p:nvCxnSpPr>
+            <p:cNvPr id="132" name="Straight Connector 131">
+              <a:extLst>
+                <a:ext uri="{FF2B5EF4-FFF2-40B4-BE49-F238E27FC236}">
+                  <a16:creationId xmlns:a16="http://schemas.microsoft.com/office/drawing/2014/main" id="{1D5F0A0B-0512-46A6-8180-19263EA87406}"/>
+                </a:ext>
+              </a:extLst>
+            </p:cNvPr>
+            <p:cNvCxnSpPr>
+              <a:cxnSpLocks/>
+            </p:cNvCxnSpPr>
+            <p:nvPr/>
+          </p:nvCxnSpPr>
+          <p:spPr>
+            <a:xfrm flipV="1">
+              <a:off x="10111228" y="2898093"/>
+              <a:ext cx="1429228" cy="900120"/>
+            </a:xfrm>
+            <a:prstGeom prst="line">
+              <a:avLst/>
+            </a:prstGeom>
+            <a:ln w="38100">
+              <a:solidFill>
+                <a:schemeClr val="tx1"/>
+              </a:solidFill>
+            </a:ln>
+          </p:spPr>
+          <p:style>
+            <a:lnRef idx="1">
+              <a:schemeClr val="accent1"/>
+            </a:lnRef>
+            <a:fillRef idx="0">
+              <a:schemeClr val="accent1"/>
+            </a:fillRef>
+            <a:effectRef idx="0">
+              <a:schemeClr val="accent1"/>
+            </a:effectRef>
+            <a:fontRef idx="minor">
+              <a:schemeClr val="tx1"/>
+            </a:fontRef>
+          </p:style>
+        </p:cxnSp>
+        <p:cxnSp>
+          <p:nvCxnSpPr>
+            <p:cNvPr id="133" name="Straight Connector 132">
+              <a:extLst>
+                <a:ext uri="{FF2B5EF4-FFF2-40B4-BE49-F238E27FC236}">
+                  <a16:creationId xmlns:a16="http://schemas.microsoft.com/office/drawing/2014/main" id="{D389E3BB-2C39-4173-9075-F35E301FDD7A}"/>
+                </a:ext>
+              </a:extLst>
+            </p:cNvPr>
+            <p:cNvCxnSpPr>
+              <a:cxnSpLocks/>
+            </p:cNvCxnSpPr>
+            <p:nvPr/>
+          </p:nvCxnSpPr>
+          <p:spPr>
+            <a:xfrm flipV="1">
+              <a:off x="10117060" y="869763"/>
+              <a:ext cx="0" cy="2939469"/>
+            </a:xfrm>
+            <a:prstGeom prst="line">
+              <a:avLst/>
+            </a:prstGeom>
+            <a:ln w="38100">
+              <a:solidFill>
+                <a:schemeClr val="tx1"/>
+              </a:solidFill>
+            </a:ln>
+          </p:spPr>
+          <p:style>
+            <a:lnRef idx="1">
+              <a:schemeClr val="accent1"/>
+            </a:lnRef>
+            <a:fillRef idx="0">
+              <a:schemeClr val="accent1"/>
+            </a:fillRef>
+            <a:effectRef idx="0">
+              <a:schemeClr val="accent1"/>
+            </a:effectRef>
+            <a:fontRef idx="minor">
+              <a:schemeClr val="tx1"/>
+            </a:fontRef>
+          </p:style>
+        </p:cxnSp>
+        <p:sp>
+          <p:nvSpPr>
+            <p:cNvPr id="136" name="Arc 135">
+              <a:extLst>
+                <a:ext uri="{FF2B5EF4-FFF2-40B4-BE49-F238E27FC236}">
+                  <a16:creationId xmlns:a16="http://schemas.microsoft.com/office/drawing/2014/main" id="{877A6DD7-3738-4E57-B2C2-586209888F36}"/>
+                </a:ext>
+              </a:extLst>
+            </p:cNvPr>
+            <p:cNvSpPr/>
+            <p:nvPr/>
+          </p:nvSpPr>
+          <p:spPr>
+            <a:xfrm rot="7726137">
+              <a:off x="10038219" y="1100995"/>
+              <a:ext cx="453939" cy="370889"/>
+            </a:xfrm>
+            <a:prstGeom prst="arc">
+              <a:avLst/>
+            </a:prstGeom>
+            <a:ln w="38100">
+              <a:solidFill>
+                <a:schemeClr val="tx1"/>
+              </a:solidFill>
+            </a:ln>
+          </p:spPr>
+          <p:style>
+            <a:lnRef idx="1">
+              <a:schemeClr val="accent1"/>
+            </a:lnRef>
+            <a:fillRef idx="0">
+              <a:schemeClr val="accent1"/>
+            </a:fillRef>
+            <a:effectRef idx="0">
+              <a:schemeClr val="accent1"/>
+            </a:effectRef>
+            <a:fontRef idx="minor">
+              <a:schemeClr val="tx1"/>
+            </a:fontRef>
+          </p:style>
+          <p:txBody>
+            <a:bodyPr rtlCol="0" anchor="ctr"/>
+            <a:lstStyle/>
+            <a:p>
+              <a:pPr algn="ctr"/>
+              <a:endParaRPr lang="en-CA"/>
+            </a:p>
+          </p:txBody>
+        </p:sp>
+        <mc:AlternateContent xmlns:mc="http://schemas.openxmlformats.org/markup-compatibility/2006">
+          <mc:Choice xmlns:a14="http://schemas.microsoft.com/office/drawing/2010/main" Requires="a14">
+            <p:sp>
+              <p:nvSpPr>
+                <p:cNvPr id="138" name="TextBox 137">
+                  <a:extLst>
+                    <a:ext uri="{FF2B5EF4-FFF2-40B4-BE49-F238E27FC236}">
+                      <a16:creationId xmlns:a16="http://schemas.microsoft.com/office/drawing/2014/main" id="{DE794D83-B8BA-43B8-BF50-1554189D72EC}"/>
+                    </a:ext>
+                  </a:extLst>
+                </p:cNvPr>
+                <p:cNvSpPr txBox="1"/>
+                <p:nvPr/>
+              </p:nvSpPr>
+              <p:spPr>
+                <a:xfrm>
+                  <a:off x="10188372" y="1536907"/>
+                  <a:ext cx="318589" cy="754898"/>
+                </a:xfrm>
+                <a:prstGeom prst="rect">
+                  <a:avLst/>
+                </a:prstGeom>
+                <a:noFill/>
+              </p:spPr>
+              <p:txBody>
+                <a:bodyPr wrap="square" lIns="0" tIns="0" rIns="0" bIns="0" rtlCol="0">
+                  <a:spAutoFit/>
+                </a:bodyPr>
+                <a:lstStyle/>
+                <a:p>
+                  <a:pPr/>
+                  <a14:m>
+                    <m:oMathPara xmlns:m="http://schemas.openxmlformats.org/officeDocument/2006/math">
+                      <m:oMathParaPr>
+                        <m:jc m:val="centerGroup"/>
+                      </m:oMathParaPr>
+                      <m:oMath xmlns:m="http://schemas.openxmlformats.org/officeDocument/2006/math">
+                        <m:f>
+                          <m:fPr>
+                            <m:ctrlPr>
+                              <a:rPr lang="el-GR" i="1" smtClean="0">
+                                <a:latin typeface="Cambria Math" panose="02040503050406030204" pitchFamily="18" charset="0"/>
+                              </a:rPr>
+                            </m:ctrlPr>
+                          </m:fPr>
+                          <m:num>
+                            <m:r>
+                              <a:rPr lang="el-GR" i="1" smtClean="0">
+                                <a:latin typeface="Cambria Math" panose="02040503050406030204" pitchFamily="18" charset="0"/>
+                              </a:rPr>
+                              <m:t>𝜋</m:t>
+                            </m:r>
+                          </m:num>
+                          <m:den>
+                            <m:r>
+                              <a:rPr lang="en-CA" b="0" i="1" smtClean="0">
+                                <a:latin typeface="Cambria Math" panose="02040503050406030204" pitchFamily="18" charset="0"/>
+                              </a:rPr>
+                              <m:t>6</m:t>
+                            </m:r>
+                          </m:den>
+                        </m:f>
+                      </m:oMath>
+                    </m:oMathPara>
+                  </a14:m>
+                  <a:endParaRPr lang="en-US" dirty="0"/>
+                </a:p>
+              </p:txBody>
+            </p:sp>
+          </mc:Choice>
+          <mc:Fallback>
+            <p:sp>
+              <p:nvSpPr>
+                <p:cNvPr id="138" name="TextBox 137">
+                  <a:extLst>
+                    <a:ext uri="{FF2B5EF4-FFF2-40B4-BE49-F238E27FC236}">
+                      <a16:creationId xmlns:a16="http://schemas.microsoft.com/office/drawing/2014/main" id="{DE794D83-B8BA-43B8-BF50-1554189D72EC}"/>
+                    </a:ext>
+                  </a:extLst>
+                </p:cNvPr>
+                <p:cNvSpPr txBox="1">
+                  <a:spLocks noRot="1" noChangeAspect="1" noMove="1" noResize="1" noEditPoints="1" noAdjustHandles="1" noChangeArrowheads="1" noChangeShapeType="1" noTextEdit="1"/>
+                </p:cNvSpPr>
+                <p:nvPr/>
+              </p:nvSpPr>
+              <p:spPr>
+                <a:xfrm>
+                  <a:off x="10188372" y="1536907"/>
+                  <a:ext cx="318589" cy="754898"/>
+                </a:xfrm>
+                <a:prstGeom prst="rect">
+                  <a:avLst/>
+                </a:prstGeom>
+                <a:blipFill>
+                  <a:blip r:embed="rId23"/>
+                  <a:stretch>
+                    <a:fillRect/>
+                  </a:stretch>
+                </a:blipFill>
+              </p:spPr>
+              <p:txBody>
+                <a:bodyPr/>
+                <a:lstStyle/>
+                <a:p>
+                  <a:r>
+                    <a:rPr lang="en-US">
+                      <a:noFill/>
+                    </a:rPr>
+                    <a:t> </a:t>
+                  </a:r>
+                </a:p>
+              </p:txBody>
+            </p:sp>
+          </mc:Fallback>
+        </mc:AlternateContent>
+        <mc:AlternateContent xmlns:mc="http://schemas.openxmlformats.org/markup-compatibility/2006">
+          <mc:Choice xmlns:a14="http://schemas.microsoft.com/office/drawing/2010/main" Requires="a14">
+            <p:sp>
+              <p:nvSpPr>
+                <p:cNvPr id="142" name="TextBox 141">
+                  <a:extLst>
+                    <a:ext uri="{FF2B5EF4-FFF2-40B4-BE49-F238E27FC236}">
+                      <a16:creationId xmlns:a16="http://schemas.microsoft.com/office/drawing/2014/main" id="{62C8808F-9F86-42F6-8B7C-E00C3A998F71}"/>
+                    </a:ext>
+                  </a:extLst>
+                </p:cNvPr>
+                <p:cNvSpPr txBox="1"/>
+                <p:nvPr/>
+              </p:nvSpPr>
+              <p:spPr>
+                <a:xfrm>
+                  <a:off x="10619847" y="3495392"/>
+                  <a:ext cx="420521" cy="582724"/>
+                </a:xfrm>
+                <a:prstGeom prst="rect">
+                  <a:avLst/>
+                </a:prstGeom>
+                <a:noFill/>
+              </p:spPr>
+              <p:txBody>
+                <a:bodyPr wrap="square" lIns="0" tIns="0" rIns="0" bIns="0" rtlCol="0">
+                  <a:spAutoFit/>
+                </a:bodyPr>
+                <a:lstStyle/>
+                <a:p>
+                  <a:pPr/>
+                  <a14:m>
+                    <m:oMathPara xmlns:m="http://schemas.openxmlformats.org/officeDocument/2006/math">
+                      <m:oMathParaPr>
+                        <m:jc m:val="centerGroup"/>
+                      </m:oMathParaPr>
+                      <m:oMath xmlns:m="http://schemas.openxmlformats.org/officeDocument/2006/math">
+                        <m:f>
+                          <m:fPr>
+                            <m:ctrlPr>
+                              <a:rPr lang="en-US" i="1" smtClean="0">
+                                <a:latin typeface="Cambria Math" panose="02040503050406030204" pitchFamily="18" charset="0"/>
+                              </a:rPr>
+                            </m:ctrlPr>
+                          </m:fPr>
+                          <m:num>
+                            <m:r>
+                              <a:rPr lang="en-CA" b="0" i="1" smtClean="0">
+                                <a:latin typeface="Cambria Math" panose="02040503050406030204" pitchFamily="18" charset="0"/>
+                              </a:rPr>
+                              <m:t>𝐿</m:t>
+                            </m:r>
+                            <m:rad>
+                              <m:radPr>
+                                <m:degHide m:val="on"/>
+                                <m:ctrlPr>
+                                  <a:rPr lang="en-US" i="1">
+                                    <a:latin typeface="Cambria Math" panose="02040503050406030204" pitchFamily="18" charset="0"/>
+                                  </a:rPr>
+                                </m:ctrlPr>
+                              </m:radPr>
+                              <m:deg/>
+                              <m:e>
+                                <m:r>
+                                  <a:rPr lang="en-CA" i="1">
+                                    <a:latin typeface="Cambria Math" panose="02040503050406030204" pitchFamily="18" charset="0"/>
+                                  </a:rPr>
+                                  <m:t>3</m:t>
+                                </m:r>
+                              </m:e>
+                            </m:rad>
+                          </m:num>
+                          <m:den>
+                            <m:r>
+                              <a:rPr lang="en-CA" b="0" i="1" smtClean="0">
+                                <a:latin typeface="Cambria Math" panose="02040503050406030204" pitchFamily="18" charset="0"/>
+                              </a:rPr>
+                              <m:t>6</m:t>
+                            </m:r>
+                          </m:den>
+                        </m:f>
+                      </m:oMath>
+                    </m:oMathPara>
+                  </a14:m>
+                  <a:endParaRPr lang="en-US" dirty="0"/>
+                </a:p>
+              </p:txBody>
+            </p:sp>
+          </mc:Choice>
+          <mc:Fallback>
+            <p:sp>
+              <p:nvSpPr>
+                <p:cNvPr id="142" name="TextBox 141">
+                  <a:extLst>
+                    <a:ext uri="{FF2B5EF4-FFF2-40B4-BE49-F238E27FC236}">
+                      <a16:creationId xmlns:a16="http://schemas.microsoft.com/office/drawing/2014/main" id="{62C8808F-9F86-42F6-8B7C-E00C3A998F71}"/>
+                    </a:ext>
+                  </a:extLst>
+                </p:cNvPr>
+                <p:cNvSpPr txBox="1">
+                  <a:spLocks noRot="1" noChangeAspect="1" noMove="1" noResize="1" noEditPoints="1" noAdjustHandles="1" noChangeArrowheads="1" noChangeShapeType="1" noTextEdit="1"/>
+                </p:cNvSpPr>
+                <p:nvPr/>
+              </p:nvSpPr>
+              <p:spPr>
+                <a:xfrm>
+                  <a:off x="10619847" y="3495392"/>
+                  <a:ext cx="420521" cy="582724"/>
+                </a:xfrm>
+                <a:prstGeom prst="rect">
+                  <a:avLst/>
+                </a:prstGeom>
+                <a:blipFill>
+                  <a:blip r:embed="rId24"/>
+                  <a:stretch>
+                    <a:fillRect/>
+                  </a:stretch>
+                </a:blipFill>
+              </p:spPr>
+              <p:txBody>
+                <a:bodyPr/>
+                <a:lstStyle/>
+                <a:p>
+                  <a:r>
+                    <a:rPr lang="en-US">
+                      <a:noFill/>
+                    </a:rPr>
+                    <a:t> </a:t>
+                  </a:r>
+                </a:p>
+              </p:txBody>
+            </p:sp>
+          </mc:Fallback>
+        </mc:AlternateContent>
+        <p:sp>
+          <p:nvSpPr>
+            <p:cNvPr id="66" name="Isosceles Triangle 65">
+              <a:extLst>
+                <a:ext uri="{FF2B5EF4-FFF2-40B4-BE49-F238E27FC236}">
+                  <a16:creationId xmlns:a16="http://schemas.microsoft.com/office/drawing/2014/main" id="{E6AE9EFB-900A-423C-8A82-27C5B82816C9}"/>
+                </a:ext>
+              </a:extLst>
+            </p:cNvPr>
+            <p:cNvSpPr/>
+            <p:nvPr/>
+          </p:nvSpPr>
+          <p:spPr>
+            <a:xfrm>
+              <a:off x="7841090" y="569814"/>
+              <a:ext cx="78977" cy="82281"/>
+            </a:xfrm>
+            <a:prstGeom prst="triangle">
+              <a:avLst/>
+            </a:prstGeom>
+            <a:solidFill>
+              <a:schemeClr val="bg2">
+                <a:lumMod val="90000"/>
+              </a:schemeClr>
+            </a:solidFill>
+            <a:ln w="38100">
+              <a:solidFill>
+                <a:schemeClr val="bg2">
+                  <a:lumMod val="90000"/>
+                </a:schemeClr>
+              </a:solidFill>
+            </a:ln>
+          </p:spPr>
+          <p:style>
+            <a:lnRef idx="2">
+              <a:schemeClr val="accent1">
+                <a:shade val="50000"/>
+              </a:schemeClr>
+            </a:lnRef>
+            <a:fillRef idx="1">
+              <a:schemeClr val="accent1"/>
+            </a:fillRef>
+            <a:effectRef idx="0">
+              <a:schemeClr val="accent1"/>
+            </a:effectRef>
+            <a:fontRef idx="minor">
+              <a:schemeClr val="lt1"/>
+            </a:fontRef>
+          </p:style>
+          <p:txBody>
+            <a:bodyPr rtlCol="0" anchor="ctr"/>
+            <a:lstStyle/>
+            <a:p>
+              <a:pPr algn="ctr"/>
+              <a:endParaRPr lang="en-CA"/>
+            </a:p>
+          </p:txBody>
+        </p:sp>
+        <p:sp>
+          <p:nvSpPr>
+            <p:cNvPr id="67" name="Rectangle 66">
+              <a:extLst>
+                <a:ext uri="{FF2B5EF4-FFF2-40B4-BE49-F238E27FC236}">
+                  <a16:creationId xmlns:a16="http://schemas.microsoft.com/office/drawing/2014/main" id="{2A9757ED-9849-43D7-9653-5397A37F9A80}"/>
+                </a:ext>
+              </a:extLst>
+            </p:cNvPr>
+            <p:cNvSpPr/>
+            <p:nvPr/>
+          </p:nvSpPr>
+          <p:spPr>
+            <a:xfrm rot="17990140" flipH="1">
+              <a:off x="5322609" y="2099523"/>
+              <a:ext cx="3445235" cy="180000"/>
+            </a:xfrm>
+            <a:prstGeom prst="rect">
+              <a:avLst/>
+            </a:prstGeom>
+            <a:solidFill>
+              <a:schemeClr val="bg2">
+                <a:lumMod val="90000"/>
+              </a:schemeClr>
+            </a:solidFill>
+            <a:ln w="38100">
+              <a:solidFill>
+                <a:schemeClr val="bg2">
+                  <a:lumMod val="90000"/>
+                </a:schemeClr>
+              </a:solidFill>
+            </a:ln>
+          </p:spPr>
+          <p:style>
+            <a:lnRef idx="2">
+              <a:schemeClr val="accent1">
+                <a:shade val="50000"/>
+              </a:schemeClr>
+            </a:lnRef>
+            <a:fillRef idx="1">
+              <a:schemeClr val="accent1"/>
+            </a:fillRef>
+            <a:effectRef idx="0">
+              <a:schemeClr val="accent1"/>
+            </a:effectRef>
+            <a:fontRef idx="minor">
+              <a:schemeClr val="lt1"/>
+            </a:fontRef>
+          </p:style>
+          <p:txBody>
+            <a:bodyPr rtlCol="0" anchor="ctr"/>
+            <a:lstStyle/>
+            <a:p>
+              <a:pPr algn="ctr"/>
+              <a:endParaRPr lang="en-CA"/>
+            </a:p>
+          </p:txBody>
+        </p:sp>
+        <p:sp>
+          <p:nvSpPr>
+            <p:cNvPr id="68" name="Rectangle 67">
+              <a:extLst>
+                <a:ext uri="{FF2B5EF4-FFF2-40B4-BE49-F238E27FC236}">
+                  <a16:creationId xmlns:a16="http://schemas.microsoft.com/office/drawing/2014/main" id="{655A85DB-6670-4B01-843E-B0AAEF410ABE}"/>
+                </a:ext>
+              </a:extLst>
+            </p:cNvPr>
+            <p:cNvSpPr/>
+            <p:nvPr/>
+          </p:nvSpPr>
+          <p:spPr>
+            <a:xfrm rot="3609860">
+              <a:off x="6999063" y="2117405"/>
+              <a:ext cx="3445235" cy="180000"/>
+            </a:xfrm>
+            <a:prstGeom prst="rect">
+              <a:avLst/>
+            </a:prstGeom>
+            <a:solidFill>
+              <a:schemeClr val="bg2">
+                <a:lumMod val="90000"/>
+              </a:schemeClr>
+            </a:solidFill>
+            <a:ln w="38100">
+              <a:solidFill>
+                <a:schemeClr val="bg2">
+                  <a:lumMod val="90000"/>
+                </a:schemeClr>
+              </a:solidFill>
+            </a:ln>
+          </p:spPr>
+          <p:style>
+            <a:lnRef idx="2">
+              <a:schemeClr val="accent1">
+                <a:shade val="50000"/>
+              </a:schemeClr>
+            </a:lnRef>
+            <a:fillRef idx="1">
+              <a:schemeClr val="accent1"/>
+            </a:fillRef>
+            <a:effectRef idx="0">
+              <a:schemeClr val="accent1"/>
+            </a:effectRef>
+            <a:fontRef idx="minor">
+              <a:schemeClr val="lt1"/>
+            </a:fontRef>
+          </p:style>
+          <p:txBody>
+            <a:bodyPr rtlCol="0" anchor="ctr"/>
+            <a:lstStyle/>
+            <a:p>
+              <a:pPr algn="ctr"/>
+              <a:endParaRPr lang="en-CA"/>
+            </a:p>
+          </p:txBody>
+        </p:sp>
+        <p:sp>
+          <p:nvSpPr>
+            <p:cNvPr id="74" name="Isosceles Triangle 73">
+              <a:extLst>
+                <a:ext uri="{FF2B5EF4-FFF2-40B4-BE49-F238E27FC236}">
+                  <a16:creationId xmlns:a16="http://schemas.microsoft.com/office/drawing/2014/main" id="{9E567ED4-066D-4C8B-B112-2DBD611780DE}"/>
+                </a:ext>
+              </a:extLst>
+            </p:cNvPr>
+            <p:cNvSpPr/>
+            <p:nvPr/>
+          </p:nvSpPr>
+          <p:spPr>
+            <a:xfrm>
+              <a:off x="5958307" y="512850"/>
+              <a:ext cx="3844545" cy="3314263"/>
+            </a:xfrm>
+            <a:prstGeom prst="triangle">
+              <a:avLst/>
+            </a:prstGeom>
+            <a:noFill/>
+            <a:ln w="38100">
+              <a:solidFill>
+                <a:schemeClr val="tx1"/>
+              </a:solidFill>
+            </a:ln>
+          </p:spPr>
+          <p:style>
+            <a:lnRef idx="2">
+              <a:schemeClr val="accent1">
+                <a:shade val="50000"/>
+              </a:schemeClr>
+            </a:lnRef>
+            <a:fillRef idx="1">
+              <a:schemeClr val="accent1"/>
+            </a:fillRef>
+            <a:effectRef idx="0">
+              <a:schemeClr val="accent1"/>
+            </a:effectRef>
+            <a:fontRef idx="minor">
+              <a:schemeClr val="lt1"/>
+            </a:fontRef>
+          </p:style>
+          <p:txBody>
+            <a:bodyPr rtlCol="0" anchor="ctr"/>
+            <a:lstStyle/>
+            <a:p>
+              <a:pPr algn="ctr"/>
+              <a:endParaRPr lang="en-CA"/>
+            </a:p>
+          </p:txBody>
+        </p:sp>
+        <p:sp>
+          <p:nvSpPr>
+            <p:cNvPr id="75" name="Isosceles Triangle 74">
+              <a:extLst>
+                <a:ext uri="{FF2B5EF4-FFF2-40B4-BE49-F238E27FC236}">
+                  <a16:creationId xmlns:a16="http://schemas.microsoft.com/office/drawing/2014/main" id="{14E47B6B-C39B-491B-A6AF-139CFA5528B0}"/>
+                </a:ext>
+              </a:extLst>
+            </p:cNvPr>
+            <p:cNvSpPr/>
+            <p:nvPr/>
+          </p:nvSpPr>
+          <p:spPr>
+            <a:xfrm>
+              <a:off x="6357355" y="962990"/>
+              <a:ext cx="3063604" cy="2641038"/>
+            </a:xfrm>
+            <a:prstGeom prst="triangle">
+              <a:avLst/>
+            </a:prstGeom>
+            <a:noFill/>
+            <a:ln w="38100">
+              <a:solidFill>
+                <a:schemeClr val="tx1"/>
+              </a:solidFill>
+            </a:ln>
+          </p:spPr>
+          <p:style>
+            <a:lnRef idx="2">
+              <a:schemeClr val="accent1">
+                <a:shade val="50000"/>
+              </a:schemeClr>
+            </a:lnRef>
+            <a:fillRef idx="1">
+              <a:schemeClr val="accent1"/>
+            </a:fillRef>
+            <a:effectRef idx="0">
+              <a:schemeClr val="accent1"/>
+            </a:effectRef>
+            <a:fontRef idx="minor">
+              <a:schemeClr val="lt1"/>
+            </a:fontRef>
+          </p:style>
+          <p:txBody>
+            <a:bodyPr rtlCol="0" anchor="ctr"/>
+            <a:lstStyle/>
+            <a:p>
+              <a:pPr algn="ctr"/>
+              <a:endParaRPr lang="en-CA"/>
+            </a:p>
+          </p:txBody>
+        </p:sp>
+        <p:sp>
+          <p:nvSpPr>
+            <p:cNvPr id="76" name="Rectangle 75">
+              <a:extLst>
+                <a:ext uri="{FF2B5EF4-FFF2-40B4-BE49-F238E27FC236}">
+                  <a16:creationId xmlns:a16="http://schemas.microsoft.com/office/drawing/2014/main" id="{BD808B38-C41C-4660-AE9F-EA5A373BE5EE}"/>
+                </a:ext>
+              </a:extLst>
+            </p:cNvPr>
+            <p:cNvSpPr/>
+            <p:nvPr/>
+          </p:nvSpPr>
+          <p:spPr>
+            <a:xfrm>
+              <a:off x="6106682" y="3625569"/>
+              <a:ext cx="3550096" cy="183663"/>
+            </a:xfrm>
+            <a:prstGeom prst="rect">
+              <a:avLst/>
+            </a:prstGeom>
             <a:solidFill>
               <a:schemeClr val="tx1"/>
             </a:solidFill>
-          </a:ln>
-        </p:spPr>
-        <p:style>
-          <a:lnRef idx="2">
-            <a:schemeClr val="accent1">
-              <a:shade val="50000"/>
-            </a:schemeClr>
-          </a:lnRef>
-          <a:fillRef idx="1">
-            <a:schemeClr val="accent1"/>
-          </a:fillRef>
-          <a:effectRef idx="0">
-            <a:schemeClr val="accent1"/>
-          </a:effectRef>
-          <a:fontRef idx="minor">
-            <a:schemeClr val="lt1"/>
-          </a:fontRef>
-        </p:style>
-        <p:txBody>
-          <a:bodyPr rtlCol="0" anchor="ctr"/>
-          <a:lstStyle/>
-          <a:p>
-            <a:pPr algn="ctr"/>
-            <a:endParaRPr lang="en-CA"/>
-          </a:p>
-        </p:txBody>
-      </p:sp>
-      <p:sp>
-        <p:nvSpPr>
-          <p:cNvPr id="75" name="Isosceles Triangle 74">
-            <a:extLst>
-              <a:ext uri="{FF2B5EF4-FFF2-40B4-BE49-F238E27FC236}">
-                <a16:creationId xmlns:a16="http://schemas.microsoft.com/office/drawing/2014/main" id="{14E47B6B-C39B-491B-A6AF-139CFA5528B0}"/>
-              </a:ext>
-            </a:extLst>
-          </p:cNvPr>
-          <p:cNvSpPr/>
-          <p:nvPr/>
-        </p:nvSpPr>
-        <p:spPr>
-          <a:xfrm>
-            <a:off x="6357355" y="962990"/>
-            <a:ext cx="3063604" cy="2641038"/>
-          </a:xfrm>
-          <a:prstGeom prst="triangle">
-            <a:avLst/>
-          </a:prstGeom>
-          <a:noFill/>
-          <a:ln w="38100">
+            <a:ln w="38100">
+              <a:solidFill>
+                <a:schemeClr val="tx1"/>
+              </a:solidFill>
+            </a:ln>
+          </p:spPr>
+          <p:style>
+            <a:lnRef idx="2">
+              <a:schemeClr val="accent1">
+                <a:shade val="50000"/>
+              </a:schemeClr>
+            </a:lnRef>
+            <a:fillRef idx="1">
+              <a:schemeClr val="accent1"/>
+            </a:fillRef>
+            <a:effectRef idx="0">
+              <a:schemeClr val="accent1"/>
+            </a:effectRef>
+            <a:fontRef idx="minor">
+              <a:schemeClr val="lt1"/>
+            </a:fontRef>
+          </p:style>
+          <p:txBody>
+            <a:bodyPr rtlCol="0" anchor="ctr"/>
+            <a:lstStyle/>
+            <a:p>
+              <a:pPr algn="ctr"/>
+              <a:endParaRPr lang="en-CA"/>
+            </a:p>
+          </p:txBody>
+        </p:sp>
+        <p:sp>
+          <p:nvSpPr>
+            <p:cNvPr id="77" name="Isosceles Triangle 76">
+              <a:extLst>
+                <a:ext uri="{FF2B5EF4-FFF2-40B4-BE49-F238E27FC236}">
+                  <a16:creationId xmlns:a16="http://schemas.microsoft.com/office/drawing/2014/main" id="{1D731752-2979-47CB-A24E-5B86CAC6221C}"/>
+                </a:ext>
+              </a:extLst>
+            </p:cNvPr>
+            <p:cNvSpPr/>
+            <p:nvPr/>
+          </p:nvSpPr>
+          <p:spPr>
+            <a:xfrm rot="14423507">
+              <a:off x="9569145" y="3704626"/>
+              <a:ext cx="181671" cy="116179"/>
+            </a:xfrm>
+            <a:prstGeom prst="triangle">
+              <a:avLst/>
+            </a:prstGeom>
             <a:solidFill>
               <a:schemeClr val="tx1"/>
             </a:solidFill>
-          </a:ln>
-        </p:spPr>
-        <p:style>
-          <a:lnRef idx="2">
-            <a:schemeClr val="accent1">
-              <a:shade val="50000"/>
-            </a:schemeClr>
-          </a:lnRef>
-          <a:fillRef idx="1">
-            <a:schemeClr val="accent1"/>
-          </a:fillRef>
-          <a:effectRef idx="0">
-            <a:schemeClr val="accent1"/>
-          </a:effectRef>
-          <a:fontRef idx="minor">
-            <a:schemeClr val="lt1"/>
-          </a:fontRef>
-        </p:style>
-        <p:txBody>
-          <a:bodyPr rtlCol="0" anchor="ctr"/>
-          <a:lstStyle/>
-          <a:p>
-            <a:pPr algn="ctr"/>
-            <a:endParaRPr lang="en-CA"/>
-          </a:p>
-        </p:txBody>
-      </p:sp>
-      <p:sp>
-        <p:nvSpPr>
-          <p:cNvPr id="76" name="Rectangle 75">
-            <a:extLst>
-              <a:ext uri="{FF2B5EF4-FFF2-40B4-BE49-F238E27FC236}">
-                <a16:creationId xmlns:a16="http://schemas.microsoft.com/office/drawing/2014/main" id="{BD808B38-C41C-4660-AE9F-EA5A373BE5EE}"/>
-              </a:ext>
-            </a:extLst>
-          </p:cNvPr>
-          <p:cNvSpPr/>
-          <p:nvPr/>
-        </p:nvSpPr>
-        <p:spPr>
-          <a:xfrm>
-            <a:off x="6106682" y="3625569"/>
-            <a:ext cx="3550096" cy="183663"/>
-          </a:xfrm>
-          <a:prstGeom prst="rect">
-            <a:avLst/>
-          </a:prstGeom>
-          <a:solidFill>
-            <a:schemeClr val="tx1"/>
-          </a:solidFill>
-          <a:ln w="38100">
+            <a:ln w="38100">
+              <a:solidFill>
+                <a:schemeClr val="tx1"/>
+              </a:solidFill>
+            </a:ln>
+          </p:spPr>
+          <p:style>
+            <a:lnRef idx="2">
+              <a:schemeClr val="accent1">
+                <a:shade val="50000"/>
+              </a:schemeClr>
+            </a:lnRef>
+            <a:fillRef idx="1">
+              <a:schemeClr val="accent1"/>
+            </a:fillRef>
+            <a:effectRef idx="0">
+              <a:schemeClr val="accent1"/>
+            </a:effectRef>
+            <a:fontRef idx="minor">
+              <a:schemeClr val="lt1"/>
+            </a:fontRef>
+          </p:style>
+          <p:txBody>
+            <a:bodyPr rtlCol="0" anchor="ctr"/>
+            <a:lstStyle/>
+            <a:p>
+              <a:pPr algn="ctr"/>
+              <a:endParaRPr lang="en-CA"/>
+            </a:p>
+          </p:txBody>
+        </p:sp>
+        <p:sp>
+          <p:nvSpPr>
+            <p:cNvPr id="78" name="Isosceles Triangle 77">
+              <a:extLst>
+                <a:ext uri="{FF2B5EF4-FFF2-40B4-BE49-F238E27FC236}">
+                  <a16:creationId xmlns:a16="http://schemas.microsoft.com/office/drawing/2014/main" id="{0D4A1CFB-1D0A-405B-BFAB-844D9F355662}"/>
+                </a:ext>
+              </a:extLst>
+            </p:cNvPr>
+            <p:cNvSpPr/>
+            <p:nvPr/>
+          </p:nvSpPr>
+          <p:spPr>
+            <a:xfrm rot="7039668">
+              <a:off x="6008270" y="3697594"/>
+              <a:ext cx="181671" cy="116179"/>
+            </a:xfrm>
+            <a:prstGeom prst="triangle">
+              <a:avLst/>
+            </a:prstGeom>
             <a:solidFill>
               <a:schemeClr val="tx1"/>
             </a:solidFill>
-          </a:ln>
-        </p:spPr>
-        <p:style>
-          <a:lnRef idx="2">
-            <a:schemeClr val="accent1">
-              <a:shade val="50000"/>
-            </a:schemeClr>
-          </a:lnRef>
-          <a:fillRef idx="1">
-            <a:schemeClr val="accent1"/>
-          </a:fillRef>
-          <a:effectRef idx="0">
-            <a:schemeClr val="accent1"/>
-          </a:effectRef>
-          <a:fontRef idx="minor">
-            <a:schemeClr val="lt1"/>
-          </a:fontRef>
-        </p:style>
-        <p:txBody>
-          <a:bodyPr rtlCol="0" anchor="ctr"/>
-          <a:lstStyle/>
-          <a:p>
-            <a:pPr algn="ctr"/>
-            <a:endParaRPr lang="en-CA"/>
-          </a:p>
-        </p:txBody>
-      </p:sp>
-      <p:sp>
-        <p:nvSpPr>
-          <p:cNvPr id="77" name="Isosceles Triangle 76">
-            <a:extLst>
-              <a:ext uri="{FF2B5EF4-FFF2-40B4-BE49-F238E27FC236}">
-                <a16:creationId xmlns:a16="http://schemas.microsoft.com/office/drawing/2014/main" id="{1D731752-2979-47CB-A24E-5B86CAC6221C}"/>
-              </a:ext>
-            </a:extLst>
-          </p:cNvPr>
-          <p:cNvSpPr/>
-          <p:nvPr/>
-        </p:nvSpPr>
-        <p:spPr>
-          <a:xfrm rot="14423507">
-            <a:off x="9569145" y="3704626"/>
-            <a:ext cx="181671" cy="116179"/>
-          </a:xfrm>
-          <a:prstGeom prst="triangle">
-            <a:avLst/>
-          </a:prstGeom>
-          <a:solidFill>
-            <a:schemeClr val="tx1"/>
-          </a:solidFill>
-          <a:ln w="38100">
-            <a:solidFill>
+            <a:ln w="38100">
+              <a:solidFill>
+                <a:schemeClr val="tx1"/>
+              </a:solidFill>
+            </a:ln>
+          </p:spPr>
+          <p:style>
+            <a:lnRef idx="2">
+              <a:schemeClr val="accent1">
+                <a:shade val="50000"/>
+              </a:schemeClr>
+            </a:lnRef>
+            <a:fillRef idx="1">
+              <a:schemeClr val="accent1"/>
+            </a:fillRef>
+            <a:effectRef idx="0">
+              <a:schemeClr val="accent1"/>
+            </a:effectRef>
+            <a:fontRef idx="minor">
+              <a:schemeClr val="lt1"/>
+            </a:fontRef>
+          </p:style>
+          <p:txBody>
+            <a:bodyPr rtlCol="0" anchor="ctr"/>
+            <a:lstStyle/>
+            <a:p>
+              <a:pPr algn="ctr"/>
+              <a:endParaRPr lang="en-CA"/>
+            </a:p>
+          </p:txBody>
+        </p:sp>
+        <p:cxnSp>
+          <p:nvCxnSpPr>
+            <p:cNvPr id="26" name="Straight Connector 25">
+              <a:extLst>
+                <a:ext uri="{FF2B5EF4-FFF2-40B4-BE49-F238E27FC236}">
+                  <a16:creationId xmlns:a16="http://schemas.microsoft.com/office/drawing/2014/main" id="{47325719-A6C5-497F-BC1A-8B10DEBC33C1}"/>
+                </a:ext>
+              </a:extLst>
+            </p:cNvPr>
+            <p:cNvCxnSpPr/>
+            <p:nvPr/>
+          </p:nvCxnSpPr>
+          <p:spPr>
+            <a:xfrm>
+              <a:off x="10117060" y="864498"/>
+              <a:ext cx="1210007" cy="2182785"/>
+            </a:xfrm>
+            <a:prstGeom prst="line">
+              <a:avLst/>
+            </a:prstGeom>
+            <a:ln w="38100">
+              <a:solidFill>
+                <a:schemeClr val="tx1"/>
+              </a:solidFill>
+            </a:ln>
+          </p:spPr>
+          <p:style>
+            <a:lnRef idx="1">
+              <a:schemeClr val="accent1"/>
+            </a:lnRef>
+            <a:fillRef idx="0">
+              <a:schemeClr val="accent1"/>
+            </a:fillRef>
+            <a:effectRef idx="0">
+              <a:schemeClr val="accent1"/>
+            </a:effectRef>
+            <a:fontRef idx="minor">
               <a:schemeClr val="tx1"/>
-            </a:solidFill>
-          </a:ln>
-        </p:spPr>
-        <p:style>
-          <a:lnRef idx="2">
-            <a:schemeClr val="accent1">
-              <a:shade val="50000"/>
-            </a:schemeClr>
-          </a:lnRef>
-          <a:fillRef idx="1">
-            <a:schemeClr val="accent1"/>
-          </a:fillRef>
-          <a:effectRef idx="0">
-            <a:schemeClr val="accent1"/>
-          </a:effectRef>
-          <a:fontRef idx="minor">
-            <a:schemeClr val="lt1"/>
-          </a:fontRef>
-        </p:style>
-        <p:txBody>
-          <a:bodyPr rtlCol="0" anchor="ctr"/>
-          <a:lstStyle/>
-          <a:p>
-            <a:pPr algn="ctr"/>
-            <a:endParaRPr lang="en-CA"/>
-          </a:p>
-        </p:txBody>
-      </p:sp>
-      <p:sp>
-        <p:nvSpPr>
-          <p:cNvPr id="78" name="Isosceles Triangle 77">
-            <a:extLst>
-              <a:ext uri="{FF2B5EF4-FFF2-40B4-BE49-F238E27FC236}">
-                <a16:creationId xmlns:a16="http://schemas.microsoft.com/office/drawing/2014/main" id="{0D4A1CFB-1D0A-405B-BFAB-844D9F355662}"/>
-              </a:ext>
-            </a:extLst>
-          </p:cNvPr>
-          <p:cNvSpPr/>
-          <p:nvPr/>
-        </p:nvSpPr>
-        <p:spPr>
-          <a:xfrm rot="7039668">
-            <a:off x="6008270" y="3697594"/>
-            <a:ext cx="181671" cy="116179"/>
-          </a:xfrm>
-          <a:prstGeom prst="triangle">
-            <a:avLst/>
-          </a:prstGeom>
-          <a:solidFill>
-            <a:schemeClr val="tx1"/>
-          </a:solidFill>
-          <a:ln w="38100">
-            <a:solidFill>
+            </a:fontRef>
+          </p:style>
+        </p:cxnSp>
+        <p:cxnSp>
+          <p:nvCxnSpPr>
+            <p:cNvPr id="84" name="Straight Connector 83">
+              <a:extLst>
+                <a:ext uri="{FF2B5EF4-FFF2-40B4-BE49-F238E27FC236}">
+                  <a16:creationId xmlns:a16="http://schemas.microsoft.com/office/drawing/2014/main" id="{D7D234E5-62BD-42BE-90A1-D76B3CADD98F}"/>
+                </a:ext>
+              </a:extLst>
+            </p:cNvPr>
+            <p:cNvCxnSpPr/>
+            <p:nvPr/>
+          </p:nvCxnSpPr>
+          <p:spPr>
+            <a:xfrm>
+              <a:off x="10324741" y="746477"/>
+              <a:ext cx="1210007" cy="2182785"/>
+            </a:xfrm>
+            <a:prstGeom prst="line">
+              <a:avLst/>
+            </a:prstGeom>
+            <a:ln w="38100">
+              <a:solidFill>
+                <a:schemeClr val="tx1"/>
+              </a:solidFill>
+            </a:ln>
+          </p:spPr>
+          <p:style>
+            <a:lnRef idx="1">
+              <a:schemeClr val="accent1"/>
+            </a:lnRef>
+            <a:fillRef idx="0">
+              <a:schemeClr val="accent1"/>
+            </a:fillRef>
+            <a:effectRef idx="0">
+              <a:schemeClr val="accent1"/>
+            </a:effectRef>
+            <a:fontRef idx="minor">
               <a:schemeClr val="tx1"/>
-            </a:solidFill>
-          </a:ln>
-        </p:spPr>
-        <p:style>
-          <a:lnRef idx="2">
-            <a:schemeClr val="accent1">
-              <a:shade val="50000"/>
-            </a:schemeClr>
-          </a:lnRef>
-          <a:fillRef idx="1">
-            <a:schemeClr val="accent1"/>
-          </a:fillRef>
-          <a:effectRef idx="0">
-            <a:schemeClr val="accent1"/>
-          </a:effectRef>
-          <a:fontRef idx="minor">
-            <a:schemeClr val="lt1"/>
-          </a:fontRef>
-        </p:style>
-        <p:txBody>
-          <a:bodyPr rtlCol="0" anchor="ctr"/>
-          <a:lstStyle/>
-          <a:p>
-            <a:pPr algn="ctr"/>
-            <a:endParaRPr lang="en-CA"/>
-          </a:p>
-        </p:txBody>
-      </p:sp>
-      <p:cxnSp>
-        <p:nvCxnSpPr>
-          <p:cNvPr id="26" name="Straight Connector 25">
-            <a:extLst>
-              <a:ext uri="{FF2B5EF4-FFF2-40B4-BE49-F238E27FC236}">
-                <a16:creationId xmlns:a16="http://schemas.microsoft.com/office/drawing/2014/main" id="{47325719-A6C5-497F-BC1A-8B10DEBC33C1}"/>
-              </a:ext>
-            </a:extLst>
-          </p:cNvPr>
-          <p:cNvCxnSpPr/>
-          <p:nvPr/>
-        </p:nvCxnSpPr>
-        <p:spPr>
-          <a:xfrm>
-            <a:off x="10117060" y="864498"/>
-            <a:ext cx="1210007" cy="2182785"/>
-          </a:xfrm>
-          <a:prstGeom prst="line">
-            <a:avLst/>
-          </a:prstGeom>
-          <a:ln w="38100">
-            <a:solidFill>
+            </a:fontRef>
+          </p:style>
+        </p:cxnSp>
+        <p:cxnSp>
+          <p:nvCxnSpPr>
+            <p:cNvPr id="90" name="Straight Connector 89">
+              <a:extLst>
+                <a:ext uri="{FF2B5EF4-FFF2-40B4-BE49-F238E27FC236}">
+                  <a16:creationId xmlns:a16="http://schemas.microsoft.com/office/drawing/2014/main" id="{841CD559-FA5D-48C9-A970-EBA91D6217D3}"/>
+                </a:ext>
+              </a:extLst>
+            </p:cNvPr>
+            <p:cNvCxnSpPr>
+              <a:cxnSpLocks/>
+            </p:cNvCxnSpPr>
+            <p:nvPr/>
+          </p:nvCxnSpPr>
+          <p:spPr>
+            <a:xfrm>
+              <a:off x="10124288" y="387066"/>
+              <a:ext cx="300866" cy="543553"/>
+            </a:xfrm>
+            <a:prstGeom prst="line">
+              <a:avLst/>
+            </a:prstGeom>
+            <a:ln w="38100">
+              <a:solidFill>
+                <a:schemeClr val="tx1"/>
+              </a:solidFill>
+            </a:ln>
+          </p:spPr>
+          <p:style>
+            <a:lnRef idx="1">
+              <a:schemeClr val="accent1"/>
+            </a:lnRef>
+            <a:fillRef idx="0">
+              <a:schemeClr val="accent1"/>
+            </a:fillRef>
+            <a:effectRef idx="0">
+              <a:schemeClr val="accent1"/>
+            </a:effectRef>
+            <a:fontRef idx="minor">
               <a:schemeClr val="tx1"/>
-            </a:solidFill>
-          </a:ln>
-        </p:spPr>
-        <p:style>
-          <a:lnRef idx="1">
-            <a:schemeClr val="accent1"/>
-          </a:lnRef>
-          <a:fillRef idx="0">
-            <a:schemeClr val="accent1"/>
-          </a:fillRef>
-          <a:effectRef idx="0">
-            <a:schemeClr val="accent1"/>
-          </a:effectRef>
-          <a:fontRef idx="minor">
-            <a:schemeClr val="tx1"/>
-          </a:fontRef>
-        </p:style>
-      </p:cxnSp>
-      <p:cxnSp>
-        <p:nvCxnSpPr>
-          <p:cNvPr id="84" name="Straight Connector 83">
-            <a:extLst>
-              <a:ext uri="{FF2B5EF4-FFF2-40B4-BE49-F238E27FC236}">
-                <a16:creationId xmlns:a16="http://schemas.microsoft.com/office/drawing/2014/main" id="{D7D234E5-62BD-42BE-90A1-D76B3CADD98F}"/>
-              </a:ext>
-            </a:extLst>
-          </p:cNvPr>
-          <p:cNvCxnSpPr/>
-          <p:nvPr/>
-        </p:nvCxnSpPr>
-        <p:spPr>
-          <a:xfrm>
-            <a:off x="10324741" y="746477"/>
-            <a:ext cx="1210007" cy="2182785"/>
-          </a:xfrm>
-          <a:prstGeom prst="line">
-            <a:avLst/>
-          </a:prstGeom>
-          <a:ln w="38100">
-            <a:solidFill>
+            </a:fontRef>
+          </p:style>
+        </p:cxnSp>
+        <p:cxnSp>
+          <p:nvCxnSpPr>
+            <p:cNvPr id="97" name="Straight Connector 96">
+              <a:extLst>
+                <a:ext uri="{FF2B5EF4-FFF2-40B4-BE49-F238E27FC236}">
+                  <a16:creationId xmlns:a16="http://schemas.microsoft.com/office/drawing/2014/main" id="{54CF51BD-C37C-4B58-A3AB-0E0AA1EE469F}"/>
+                </a:ext>
+              </a:extLst>
+            </p:cNvPr>
+            <p:cNvCxnSpPr>
+              <a:cxnSpLocks/>
+            </p:cNvCxnSpPr>
+            <p:nvPr/>
+          </p:nvCxnSpPr>
+          <p:spPr>
+            <a:xfrm>
+              <a:off x="10119755" y="371047"/>
+              <a:ext cx="148" cy="509471"/>
+            </a:xfrm>
+            <a:prstGeom prst="line">
+              <a:avLst/>
+            </a:prstGeom>
+            <a:ln w="38100">
+              <a:solidFill>
+                <a:schemeClr val="tx1"/>
+              </a:solidFill>
+            </a:ln>
+          </p:spPr>
+          <p:style>
+            <a:lnRef idx="1">
+              <a:schemeClr val="accent1"/>
+            </a:lnRef>
+            <a:fillRef idx="0">
+              <a:schemeClr val="accent1"/>
+            </a:fillRef>
+            <a:effectRef idx="0">
+              <a:schemeClr val="accent1"/>
+            </a:effectRef>
+            <a:fontRef idx="minor">
               <a:schemeClr val="tx1"/>
-            </a:solidFill>
-          </a:ln>
-        </p:spPr>
-        <p:style>
-          <a:lnRef idx="1">
-            <a:schemeClr val="accent1"/>
-          </a:lnRef>
-          <a:fillRef idx="0">
-            <a:schemeClr val="accent1"/>
-          </a:fillRef>
-          <a:effectRef idx="0">
-            <a:schemeClr val="accent1"/>
-          </a:effectRef>
-          <a:fontRef idx="minor">
-            <a:schemeClr val="tx1"/>
-          </a:fontRef>
-        </p:style>
-      </p:cxnSp>
-      <p:cxnSp>
-        <p:nvCxnSpPr>
-          <p:cNvPr id="90" name="Straight Connector 89">
-            <a:extLst>
-              <a:ext uri="{FF2B5EF4-FFF2-40B4-BE49-F238E27FC236}">
-                <a16:creationId xmlns:a16="http://schemas.microsoft.com/office/drawing/2014/main" id="{841CD559-FA5D-48C9-A970-EBA91D6217D3}"/>
-              </a:ext>
-            </a:extLst>
-          </p:cNvPr>
-          <p:cNvCxnSpPr>
-            <a:cxnSpLocks/>
-          </p:cNvCxnSpPr>
-          <p:nvPr/>
-        </p:nvCxnSpPr>
-        <p:spPr>
-          <a:xfrm>
-            <a:off x="10124288" y="387066"/>
-            <a:ext cx="300866" cy="543553"/>
-          </a:xfrm>
-          <a:prstGeom prst="line">
-            <a:avLst/>
-          </a:prstGeom>
-          <a:ln w="38100">
-            <a:solidFill>
-              <a:schemeClr val="tx1"/>
-            </a:solidFill>
-          </a:ln>
-        </p:spPr>
-        <p:style>
-          <a:lnRef idx="1">
-            <a:schemeClr val="accent1"/>
-          </a:lnRef>
-          <a:fillRef idx="0">
-            <a:schemeClr val="accent1"/>
-          </a:fillRef>
-          <a:effectRef idx="0">
-            <a:schemeClr val="accent1"/>
-          </a:effectRef>
-          <a:fontRef idx="minor">
-            <a:schemeClr val="tx1"/>
-          </a:fontRef>
-        </p:style>
-      </p:cxnSp>
-      <p:cxnSp>
-        <p:nvCxnSpPr>
-          <p:cNvPr id="97" name="Straight Connector 96">
-            <a:extLst>
-              <a:ext uri="{FF2B5EF4-FFF2-40B4-BE49-F238E27FC236}">
-                <a16:creationId xmlns:a16="http://schemas.microsoft.com/office/drawing/2014/main" id="{54CF51BD-C37C-4B58-A3AB-0E0AA1EE469F}"/>
-              </a:ext>
-            </a:extLst>
-          </p:cNvPr>
-          <p:cNvCxnSpPr>
-            <a:cxnSpLocks/>
-          </p:cNvCxnSpPr>
-          <p:nvPr/>
-        </p:nvCxnSpPr>
-        <p:spPr>
-          <a:xfrm>
-            <a:off x="10119755" y="371047"/>
-            <a:ext cx="148" cy="509471"/>
-          </a:xfrm>
-          <a:prstGeom prst="line">
-            <a:avLst/>
-          </a:prstGeom>
-          <a:ln w="38100">
-            <a:solidFill>
-              <a:schemeClr val="tx1"/>
-            </a:solidFill>
-          </a:ln>
-        </p:spPr>
-        <p:style>
-          <a:lnRef idx="1">
-            <a:schemeClr val="accent1"/>
-          </a:lnRef>
-          <a:fillRef idx="0">
-            <a:schemeClr val="accent1"/>
-          </a:fillRef>
-          <a:effectRef idx="0">
-            <a:schemeClr val="accent1"/>
-          </a:effectRef>
-          <a:fontRef idx="minor">
-            <a:schemeClr val="tx1"/>
-          </a:fontRef>
-        </p:style>
-      </p:cxnSp>
+            </a:fontRef>
+          </p:style>
+        </p:cxnSp>
+      </p:grpSp>
       <p:cxnSp>
         <p:nvCxnSpPr>
           <p:cNvPr id="113" name="Straight Arrow Connector 112">
@@ -41852,7 +41874,7 @@
                 <a:avLst/>
               </a:prstGeom>
               <a:blipFill>
-                <a:blip r:embed="rId19"/>
+                <a:blip r:embed="rId25"/>
                 <a:stretch>
                   <a:fillRect/>
                 </a:stretch>
@@ -41947,7 +41969,7 @@
                 <a:avLst/>
               </a:prstGeom>
               <a:blipFill>
-                <a:blip r:embed="rId20"/>
+                <a:blip r:embed="rId26"/>
                 <a:stretch>
                   <a:fillRect b="-12069"/>
                 </a:stretch>
@@ -42043,7 +42065,7 @@
                 <a:avLst/>
               </a:prstGeom>
               <a:blipFill>
-                <a:blip r:embed="rId21"/>
+                <a:blip r:embed="rId27"/>
                 <a:stretch>
                   <a:fillRect/>
                 </a:stretch>

--- a/tex/figures/ChargesFields/Figures.pptx
+++ b/tex/figures/ChargesFields/Figures.pptx
@@ -148,54 +148,6 @@
 <file path=ppt/changesInfos/changesInfo1.xml><?xml version="1.0" encoding="utf-8"?>
 <pc:chgInfo xmlns:a="http://schemas.openxmlformats.org/drawingml/2006/main" xmlns:r="http://schemas.openxmlformats.org/officeDocument/2006/relationships" xmlns:ac="http://schemas.microsoft.com/office/drawing/2013/main/command" xmlns:pc="http://schemas.microsoft.com/office/powerpoint/2013/main/command">
   <pc:docChgLst>
-    <pc:chgData name="Joshua Rinaldo" userId="eeaa994f99e4e508" providerId="LiveId" clId="{DAF5B6D8-91BD-400B-A4D5-187E1A57CCF2}"/>
-    <pc:docChg chg="custSel addSld modSld">
-      <pc:chgData name="Joshua Rinaldo" userId="eeaa994f99e4e508" providerId="LiveId" clId="{DAF5B6D8-91BD-400B-A4D5-187E1A57CCF2}" dt="2019-08-21T20:37:16.397" v="28" actId="1076"/>
-      <pc:docMkLst>
-        <pc:docMk/>
-      </pc:docMkLst>
-      <pc:sldChg chg="addSp delSp modSp add">
-        <pc:chgData name="Joshua Rinaldo" userId="eeaa994f99e4e508" providerId="LiveId" clId="{DAF5B6D8-91BD-400B-A4D5-187E1A57CCF2}" dt="2019-08-21T20:37:16.397" v="28" actId="1076"/>
-        <pc:sldMkLst>
-          <pc:docMk/>
-          <pc:sldMk cId="2294809351" sldId="281"/>
-        </pc:sldMkLst>
-        <pc:spChg chg="del">
-          <ac:chgData name="Joshua Rinaldo" userId="eeaa994f99e4e508" providerId="LiveId" clId="{DAF5B6D8-91BD-400B-A4D5-187E1A57CCF2}" dt="2019-08-21T20:36:26.007" v="1" actId="478"/>
-          <ac:spMkLst>
-            <pc:docMk/>
-            <pc:sldMk cId="2294809351" sldId="281"/>
-            <ac:spMk id="2" creationId="{1A39243C-CBB8-4B81-965A-0F4C2218B672}"/>
-          </ac:spMkLst>
-        </pc:spChg>
-        <pc:spChg chg="del">
-          <ac:chgData name="Joshua Rinaldo" userId="eeaa994f99e4e508" providerId="LiveId" clId="{DAF5B6D8-91BD-400B-A4D5-187E1A57CCF2}" dt="2019-08-21T20:36:27.539" v="2" actId="478"/>
-          <ac:spMkLst>
-            <pc:docMk/>
-            <pc:sldMk cId="2294809351" sldId="281"/>
-            <ac:spMk id="3" creationId="{60AD6C14-DB72-4D90-B8F7-55D12FEDA8AE}"/>
-          </ac:spMkLst>
-        </pc:spChg>
-        <pc:spChg chg="add mod">
-          <ac:chgData name="Joshua Rinaldo" userId="eeaa994f99e4e508" providerId="LiveId" clId="{DAF5B6D8-91BD-400B-A4D5-187E1A57CCF2}" dt="2019-08-21T20:37:16.397" v="28" actId="1076"/>
-          <ac:spMkLst>
-            <pc:docMk/>
-            <pc:sldMk cId="2294809351" sldId="281"/>
-            <ac:spMk id="6" creationId="{FFF79954-1D8D-4070-8D6E-0CF242104214}"/>
-          </ac:spMkLst>
-        </pc:spChg>
-        <pc:picChg chg="add mod">
-          <ac:chgData name="Joshua Rinaldo" userId="eeaa994f99e4e508" providerId="LiveId" clId="{DAF5B6D8-91BD-400B-A4D5-187E1A57CCF2}" dt="2019-08-21T20:36:39.902" v="9" actId="1076"/>
-          <ac:picMkLst>
-            <pc:docMk/>
-            <pc:sldMk cId="2294809351" sldId="281"/>
-            <ac:picMk id="5" creationId="{E76313F2-1DB6-4383-A748-7E9B1667D523}"/>
-          </ac:picMkLst>
-        </pc:picChg>
-      </pc:sldChg>
-    </pc:docChg>
-  </pc:docChgLst>
-  <pc:docChgLst>
     <pc:chgData name="Joshua Rinaldo" userId="eeaa994f99e4e508" providerId="LiveId" clId="{B1EA9506-D332-4B63-AD1B-F03AA899AA18}"/>
     <pc:docChg chg="undo custSel addSld modSld">
       <pc:chgData name="Joshua Rinaldo" userId="eeaa994f99e4e508" providerId="LiveId" clId="{B1EA9506-D332-4B63-AD1B-F03AA899AA18}" dt="2019-07-10T15:22:40.706" v="1259" actId="1076"/>
@@ -4704,6 +4656,54 @@
             <ac:cxnSpMk id="57" creationId="{9B72D3A8-E962-4D07-8284-10DB147CA21D}"/>
           </ac:cxnSpMkLst>
         </pc:cxnChg>
+      </pc:sldChg>
+    </pc:docChg>
+  </pc:docChgLst>
+  <pc:docChgLst>
+    <pc:chgData name="Joshua Rinaldo" userId="eeaa994f99e4e508" providerId="LiveId" clId="{DAF5B6D8-91BD-400B-A4D5-187E1A57CCF2}"/>
+    <pc:docChg chg="custSel addSld modSld">
+      <pc:chgData name="Joshua Rinaldo" userId="eeaa994f99e4e508" providerId="LiveId" clId="{DAF5B6D8-91BD-400B-A4D5-187E1A57CCF2}" dt="2019-08-21T20:37:16.397" v="28" actId="1076"/>
+      <pc:docMkLst>
+        <pc:docMk/>
+      </pc:docMkLst>
+      <pc:sldChg chg="addSp delSp modSp add">
+        <pc:chgData name="Joshua Rinaldo" userId="eeaa994f99e4e508" providerId="LiveId" clId="{DAF5B6D8-91BD-400B-A4D5-187E1A57CCF2}" dt="2019-08-21T20:37:16.397" v="28" actId="1076"/>
+        <pc:sldMkLst>
+          <pc:docMk/>
+          <pc:sldMk cId="2294809351" sldId="281"/>
+        </pc:sldMkLst>
+        <pc:spChg chg="del">
+          <ac:chgData name="Joshua Rinaldo" userId="eeaa994f99e4e508" providerId="LiveId" clId="{DAF5B6D8-91BD-400B-A4D5-187E1A57CCF2}" dt="2019-08-21T20:36:26.007" v="1" actId="478"/>
+          <ac:spMkLst>
+            <pc:docMk/>
+            <pc:sldMk cId="2294809351" sldId="281"/>
+            <ac:spMk id="2" creationId="{1A39243C-CBB8-4B81-965A-0F4C2218B672}"/>
+          </ac:spMkLst>
+        </pc:spChg>
+        <pc:spChg chg="del">
+          <ac:chgData name="Joshua Rinaldo" userId="eeaa994f99e4e508" providerId="LiveId" clId="{DAF5B6D8-91BD-400B-A4D5-187E1A57CCF2}" dt="2019-08-21T20:36:27.539" v="2" actId="478"/>
+          <ac:spMkLst>
+            <pc:docMk/>
+            <pc:sldMk cId="2294809351" sldId="281"/>
+            <ac:spMk id="3" creationId="{60AD6C14-DB72-4D90-B8F7-55D12FEDA8AE}"/>
+          </ac:spMkLst>
+        </pc:spChg>
+        <pc:spChg chg="add mod">
+          <ac:chgData name="Joshua Rinaldo" userId="eeaa994f99e4e508" providerId="LiveId" clId="{DAF5B6D8-91BD-400B-A4D5-187E1A57CCF2}" dt="2019-08-21T20:37:16.397" v="28" actId="1076"/>
+          <ac:spMkLst>
+            <pc:docMk/>
+            <pc:sldMk cId="2294809351" sldId="281"/>
+            <ac:spMk id="6" creationId="{FFF79954-1D8D-4070-8D6E-0CF242104214}"/>
+          </ac:spMkLst>
+        </pc:spChg>
+        <pc:picChg chg="add mod">
+          <ac:chgData name="Joshua Rinaldo" userId="eeaa994f99e4e508" providerId="LiveId" clId="{DAF5B6D8-91BD-400B-A4D5-187E1A57CCF2}" dt="2019-08-21T20:36:39.902" v="9" actId="1076"/>
+          <ac:picMkLst>
+            <pc:docMk/>
+            <pc:sldMk cId="2294809351" sldId="281"/>
+            <ac:picMk id="5" creationId="{E76313F2-1DB6-4383-A748-7E9B1667D523}"/>
+          </ac:picMkLst>
+        </pc:picChg>
       </pc:sldChg>
     </pc:docChg>
   </pc:docChgLst>
@@ -4792,7 +4792,7 @@
           <a:p>
             <a:fld id="{FA15A6B2-55AC-CD4B-A1E6-BB01091FE9DC}" type="datetimeFigureOut">
               <a:rPr lang="en-US" smtClean="0"/>
-              <a:t>5/25/2020</a:t>
+              <a:t>6/20/20</a:t>
             </a:fld>
             <a:endParaRPr lang="en-US"/>
           </a:p>
@@ -5274,7 +5274,7 @@
           <a:p>
             <a:fld id="{F7249F8D-641B-4CAF-BAE5-10524742F6F1}" type="datetimeFigureOut">
               <a:rPr lang="en-CA" smtClean="0"/>
-              <a:t>2020-05-25</a:t>
+              <a:t>2020-06-20</a:t>
             </a:fld>
             <a:endParaRPr lang="en-CA"/>
           </a:p>
@@ -5444,7 +5444,7 @@
           <a:p>
             <a:fld id="{F7249F8D-641B-4CAF-BAE5-10524742F6F1}" type="datetimeFigureOut">
               <a:rPr lang="en-CA" smtClean="0"/>
-              <a:t>2020-05-25</a:t>
+              <a:t>2020-06-20</a:t>
             </a:fld>
             <a:endParaRPr lang="en-CA"/>
           </a:p>
@@ -5624,7 +5624,7 @@
           <a:p>
             <a:fld id="{F7249F8D-641B-4CAF-BAE5-10524742F6F1}" type="datetimeFigureOut">
               <a:rPr lang="en-CA" smtClean="0"/>
-              <a:t>2020-05-25</a:t>
+              <a:t>2020-06-20</a:t>
             </a:fld>
             <a:endParaRPr lang="en-CA"/>
           </a:p>
@@ -5794,7 +5794,7 @@
           <a:p>
             <a:fld id="{F7249F8D-641B-4CAF-BAE5-10524742F6F1}" type="datetimeFigureOut">
               <a:rPr lang="en-CA" smtClean="0"/>
-              <a:t>2020-05-25</a:t>
+              <a:t>2020-06-20</a:t>
             </a:fld>
             <a:endParaRPr lang="en-CA"/>
           </a:p>
@@ -6040,7 +6040,7 @@
           <a:p>
             <a:fld id="{F7249F8D-641B-4CAF-BAE5-10524742F6F1}" type="datetimeFigureOut">
               <a:rPr lang="en-CA" smtClean="0"/>
-              <a:t>2020-05-25</a:t>
+              <a:t>2020-06-20</a:t>
             </a:fld>
             <a:endParaRPr lang="en-CA"/>
           </a:p>
@@ -6272,7 +6272,7 @@
           <a:p>
             <a:fld id="{F7249F8D-641B-4CAF-BAE5-10524742F6F1}" type="datetimeFigureOut">
               <a:rPr lang="en-CA" smtClean="0"/>
-              <a:t>2020-05-25</a:t>
+              <a:t>2020-06-20</a:t>
             </a:fld>
             <a:endParaRPr lang="en-CA"/>
           </a:p>
@@ -6639,7 +6639,7 @@
           <a:p>
             <a:fld id="{F7249F8D-641B-4CAF-BAE5-10524742F6F1}" type="datetimeFigureOut">
               <a:rPr lang="en-CA" smtClean="0"/>
-              <a:t>2020-05-25</a:t>
+              <a:t>2020-06-20</a:t>
             </a:fld>
             <a:endParaRPr lang="en-CA"/>
           </a:p>
@@ -6757,7 +6757,7 @@
           <a:p>
             <a:fld id="{F7249F8D-641B-4CAF-BAE5-10524742F6F1}" type="datetimeFigureOut">
               <a:rPr lang="en-CA" smtClean="0"/>
-              <a:t>2020-05-25</a:t>
+              <a:t>2020-06-20</a:t>
             </a:fld>
             <a:endParaRPr lang="en-CA"/>
           </a:p>
@@ -6852,7 +6852,7 @@
           <a:p>
             <a:fld id="{F7249F8D-641B-4CAF-BAE5-10524742F6F1}" type="datetimeFigureOut">
               <a:rPr lang="en-CA" smtClean="0"/>
-              <a:t>2020-05-25</a:t>
+              <a:t>2020-06-20</a:t>
             </a:fld>
             <a:endParaRPr lang="en-CA"/>
           </a:p>
@@ -7129,7 +7129,7 @@
           <a:p>
             <a:fld id="{F7249F8D-641B-4CAF-BAE5-10524742F6F1}" type="datetimeFigureOut">
               <a:rPr lang="en-CA" smtClean="0"/>
-              <a:t>2020-05-25</a:t>
+              <a:t>2020-06-20</a:t>
             </a:fld>
             <a:endParaRPr lang="en-CA"/>
           </a:p>
@@ -7382,7 +7382,7 @@
           <a:p>
             <a:fld id="{F7249F8D-641B-4CAF-BAE5-10524742F6F1}" type="datetimeFigureOut">
               <a:rPr lang="en-CA" smtClean="0"/>
-              <a:t>2020-05-25</a:t>
+              <a:t>2020-06-20</a:t>
             </a:fld>
             <a:endParaRPr lang="en-CA"/>
           </a:p>
@@ -7595,7 +7595,7 @@
           <a:p>
             <a:fld id="{F7249F8D-641B-4CAF-BAE5-10524742F6F1}" type="datetimeFigureOut">
               <a:rPr lang="en-CA" smtClean="0"/>
-              <a:t>2020-05-25</a:t>
+              <a:t>2020-06-20</a:t>
             </a:fld>
             <a:endParaRPr lang="en-CA"/>
           </a:p>
@@ -23849,7 +23849,7 @@
         </p:nvGrpSpPr>
         <p:grpSpPr>
           <a:xfrm>
-            <a:off x="244968" y="3323508"/>
+            <a:off x="-134385" y="2968753"/>
             <a:ext cx="4002984" cy="3071982"/>
             <a:chOff x="6275915" y="1267262"/>
             <a:chExt cx="4002984" cy="3071982"/>
@@ -25467,7 +25467,7 @@
         </p:nvGrpSpPr>
         <p:grpSpPr>
           <a:xfrm>
-            <a:off x="6616588" y="521662"/>
+            <a:off x="6095176" y="162372"/>
             <a:ext cx="2073729" cy="2451226"/>
             <a:chOff x="6616588" y="521662"/>
             <a:chExt cx="2073729" cy="2451226"/>
@@ -27547,7 +27547,7 @@
         </p:nvGrpSpPr>
         <p:grpSpPr>
           <a:xfrm>
-            <a:off x="5368755" y="3537071"/>
+            <a:off x="3666747" y="2771717"/>
             <a:ext cx="3724224" cy="1927233"/>
             <a:chOff x="5368755" y="3537071"/>
             <a:chExt cx="3724224" cy="1927233"/>
@@ -28458,6 +28458,2359 @@
             </p:sp>
           </mc:Fallback>
         </mc:AlternateContent>
+      </p:grpSp>
+      <p:grpSp>
+        <p:nvGrpSpPr>
+          <p:cNvPr id="261" name="Group 260">
+            <a:extLst>
+              <a:ext uri="{FF2B5EF4-FFF2-40B4-BE49-F238E27FC236}">
+                <a16:creationId xmlns:a16="http://schemas.microsoft.com/office/drawing/2014/main" id="{C7588C17-5364-EC46-80F5-2C500825A251}"/>
+              </a:ext>
+            </a:extLst>
+          </p:cNvPr>
+          <p:cNvGrpSpPr/>
+          <p:nvPr/>
+        </p:nvGrpSpPr>
+        <p:grpSpPr>
+          <a:xfrm>
+            <a:off x="7388126" y="3233156"/>
+            <a:ext cx="4818136" cy="2680375"/>
+            <a:chOff x="7388126" y="3233156"/>
+            <a:chExt cx="4818136" cy="2680375"/>
+          </a:xfrm>
+        </p:grpSpPr>
+        <p:grpSp>
+          <p:nvGrpSpPr>
+            <p:cNvPr id="195" name="Group 194">
+              <a:extLst>
+                <a:ext uri="{FF2B5EF4-FFF2-40B4-BE49-F238E27FC236}">
+                  <a16:creationId xmlns:a16="http://schemas.microsoft.com/office/drawing/2014/main" id="{2BFC2339-6213-144B-AB3E-554A5650AF77}"/>
+                </a:ext>
+              </a:extLst>
+            </p:cNvPr>
+            <p:cNvGrpSpPr/>
+            <p:nvPr/>
+          </p:nvGrpSpPr>
+          <p:grpSpPr>
+            <a:xfrm>
+              <a:off x="7388126" y="3233156"/>
+              <a:ext cx="2441515" cy="2680375"/>
+              <a:chOff x="9303300" y="3291840"/>
+              <a:chExt cx="2441515" cy="2680375"/>
+            </a:xfrm>
+          </p:grpSpPr>
+          <p:grpSp>
+            <p:nvGrpSpPr>
+              <p:cNvPr id="100" name="Group 99">
+                <a:extLst>
+                  <a:ext uri="{FF2B5EF4-FFF2-40B4-BE49-F238E27FC236}">
+                    <a16:creationId xmlns:a16="http://schemas.microsoft.com/office/drawing/2014/main" id="{9989A1DC-5FE4-464D-B291-9E9684221C92}"/>
+                  </a:ext>
+                </a:extLst>
+              </p:cNvPr>
+              <p:cNvGrpSpPr/>
+              <p:nvPr/>
+            </p:nvGrpSpPr>
+            <p:grpSpPr>
+              <a:xfrm>
+                <a:off x="9671086" y="3369473"/>
+                <a:ext cx="2073729" cy="2344246"/>
+                <a:chOff x="5412920" y="1786883"/>
+                <a:chExt cx="2073729" cy="2344246"/>
+              </a:xfrm>
+            </p:grpSpPr>
+            <p:sp>
+              <p:nvSpPr>
+                <p:cNvPr id="110" name="Arc 109">
+                  <a:extLst>
+                    <a:ext uri="{FF2B5EF4-FFF2-40B4-BE49-F238E27FC236}">
+                      <a16:creationId xmlns:a16="http://schemas.microsoft.com/office/drawing/2014/main" id="{4FA81BAA-6036-8E44-977B-310DAB02C7C4}"/>
+                    </a:ext>
+                  </a:extLst>
+                </p:cNvPr>
+                <p:cNvSpPr/>
+                <p:nvPr/>
+              </p:nvSpPr>
+              <p:spPr>
+                <a:xfrm rot="10800000">
+                  <a:off x="5412920" y="2049236"/>
+                  <a:ext cx="2073729" cy="2081893"/>
+                </a:xfrm>
+                <a:prstGeom prst="arc">
+                  <a:avLst>
+                    <a:gd name="adj1" fmla="val 16220217"/>
+                    <a:gd name="adj2" fmla="val 5373956"/>
+                  </a:avLst>
+                </a:prstGeom>
+                <a:ln w="76200">
+                  <a:solidFill>
+                    <a:schemeClr val="tx1"/>
+                  </a:solidFill>
+                </a:ln>
+              </p:spPr>
+              <p:style>
+                <a:lnRef idx="1">
+                  <a:schemeClr val="accent1"/>
+                </a:lnRef>
+                <a:fillRef idx="0">
+                  <a:schemeClr val="accent1"/>
+                </a:fillRef>
+                <a:effectRef idx="0">
+                  <a:schemeClr val="accent1"/>
+                </a:effectRef>
+                <a:fontRef idx="minor">
+                  <a:schemeClr val="tx1"/>
+                </a:fontRef>
+              </p:style>
+              <p:txBody>
+                <a:bodyPr rtlCol="0" anchor="ctr"/>
+                <a:lstStyle/>
+                <a:p>
+                  <a:pPr algn="ctr"/>
+                  <a:endParaRPr lang="en-US"/>
+                </a:p>
+              </p:txBody>
+            </p:sp>
+            <p:sp>
+              <p:nvSpPr>
+                <p:cNvPr id="114" name="Rectangle 113">
+                  <a:extLst>
+                    <a:ext uri="{FF2B5EF4-FFF2-40B4-BE49-F238E27FC236}">
+                      <a16:creationId xmlns:a16="http://schemas.microsoft.com/office/drawing/2014/main" id="{C68678B2-BC24-824E-82EB-7A71150C64D5}"/>
+                    </a:ext>
+                  </a:extLst>
+                </p:cNvPr>
+                <p:cNvSpPr/>
+                <p:nvPr/>
+              </p:nvSpPr>
+              <p:spPr>
+                <a:xfrm>
+                  <a:off x="6066191" y="2083894"/>
+                  <a:ext cx="184731" cy="369332"/>
+                </a:xfrm>
+                <a:prstGeom prst="rect">
+                  <a:avLst/>
+                </a:prstGeom>
+              </p:spPr>
+              <p:txBody>
+                <a:bodyPr wrap="none">
+                  <a:spAutoFit/>
+                </a:bodyPr>
+                <a:lstStyle/>
+                <a:p>
+                  <a:endParaRPr lang="en-CA" dirty="0"/>
+                </a:p>
+              </p:txBody>
+            </p:sp>
+            <mc:AlternateContent xmlns:mc="http://schemas.openxmlformats.org/markup-compatibility/2006">
+              <mc:Choice xmlns:a14="http://schemas.microsoft.com/office/drawing/2010/main" Requires="a14">
+                <p:sp>
+                  <p:nvSpPr>
+                    <p:cNvPr id="112" name="Rectangle 111">
+                      <a:extLst>
+                        <a:ext uri="{FF2B5EF4-FFF2-40B4-BE49-F238E27FC236}">
+                          <a16:creationId xmlns:a16="http://schemas.microsoft.com/office/drawing/2014/main" id="{C9D92205-3C73-9F48-BDA4-39790085C891}"/>
+                        </a:ext>
+                      </a:extLst>
+                    </p:cNvPr>
+                    <p:cNvSpPr/>
+                    <p:nvPr/>
+                  </p:nvSpPr>
+                  <p:spPr>
+                    <a:xfrm>
+                      <a:off x="6412290" y="1786883"/>
+                      <a:ext cx="572914" cy="369332"/>
+                    </a:xfrm>
+                    <a:prstGeom prst="rect">
+                      <a:avLst/>
+                    </a:prstGeom>
+                  </p:spPr>
+                  <p:txBody>
+                    <a:bodyPr wrap="none">
+                      <a:spAutoFit/>
+                    </a:bodyPr>
+                    <a:lstStyle/>
+                    <a:p>
+                      <a:pPr/>
+                      <a14:m>
+                        <m:oMathPara xmlns:m="http://schemas.openxmlformats.org/officeDocument/2006/math">
+                          <m:oMathParaPr>
+                            <m:jc m:val="centerGroup"/>
+                          </m:oMathParaPr>
+                          <m:oMath xmlns:m="http://schemas.openxmlformats.org/officeDocument/2006/math">
+                            <m:r>
+                              <a:rPr lang="en-US" b="0" i="1" smtClean="0">
+                                <a:latin typeface="Cambria Math" panose="02040503050406030204" pitchFamily="18" charset="0"/>
+                                <a:cs typeface="Arial" panose="020B0604020202020204" pitchFamily="34" charset="0"/>
+                              </a:rPr>
+                              <m:t>+</m:t>
+                            </m:r>
+                            <m:r>
+                              <a:rPr lang="en-CA" b="0" i="1" smtClean="0">
+                                <a:latin typeface="Cambria Math" panose="02040503050406030204" pitchFamily="18" charset="0"/>
+                                <a:cs typeface="Arial" panose="020B0604020202020204" pitchFamily="34" charset="0"/>
+                              </a:rPr>
+                              <m:t>𝑄</m:t>
+                            </m:r>
+                          </m:oMath>
+                        </m:oMathPara>
+                      </a14:m>
+                      <a:endParaRPr lang="en-CA" dirty="0"/>
+                    </a:p>
+                  </p:txBody>
+                </p:sp>
+              </mc:Choice>
+              <mc:Fallback>
+                <p:sp>
+                  <p:nvSpPr>
+                    <p:cNvPr id="112" name="Rectangle 111">
+                      <a:extLst>
+                        <a:ext uri="{FF2B5EF4-FFF2-40B4-BE49-F238E27FC236}">
+                          <a16:creationId xmlns:a16="http://schemas.microsoft.com/office/drawing/2014/main" id="{C9D92205-3C73-9F48-BDA4-39790085C891}"/>
+                        </a:ext>
+                      </a:extLst>
+                    </p:cNvPr>
+                    <p:cNvSpPr>
+                      <a:spLocks noRot="1" noChangeAspect="1" noMove="1" noResize="1" noEditPoints="1" noAdjustHandles="1" noChangeArrowheads="1" noChangeShapeType="1" noTextEdit="1"/>
+                    </p:cNvSpPr>
+                    <p:nvPr/>
+                  </p:nvSpPr>
+                  <p:spPr>
+                    <a:xfrm>
+                      <a:off x="6412290" y="1786883"/>
+                      <a:ext cx="572914" cy="369332"/>
+                    </a:xfrm>
+                    <a:prstGeom prst="rect">
+                      <a:avLst/>
+                    </a:prstGeom>
+                    <a:blipFill>
+                      <a:blip r:embed="rId51"/>
+                      <a:stretch>
+                        <a:fillRect b="-3333"/>
+                      </a:stretch>
+                    </a:blipFill>
+                  </p:spPr>
+                  <p:txBody>
+                    <a:bodyPr/>
+                    <a:lstStyle/>
+                    <a:p>
+                      <a:r>
+                        <a:rPr lang="en-US">
+                          <a:noFill/>
+                        </a:rPr>
+                        <a:t> </a:t>
+                      </a:r>
+                    </a:p>
+                  </p:txBody>
+                </p:sp>
+              </mc:Fallback>
+            </mc:AlternateContent>
+          </p:grpSp>
+          <p:cxnSp>
+            <p:nvCxnSpPr>
+              <p:cNvPr id="169" name="Straight Connector 168">
+                <a:extLst>
+                  <a:ext uri="{FF2B5EF4-FFF2-40B4-BE49-F238E27FC236}">
+                    <a16:creationId xmlns:a16="http://schemas.microsoft.com/office/drawing/2014/main" id="{4F91F26D-DD79-724B-B6A6-8292EEE09A2C}"/>
+                  </a:ext>
+                </a:extLst>
+              </p:cNvPr>
+              <p:cNvCxnSpPr>
+                <a:cxnSpLocks/>
+              </p:cNvCxnSpPr>
+              <p:nvPr/>
+            </p:nvCxnSpPr>
+            <p:spPr>
+              <a:xfrm>
+                <a:off x="9333767" y="4649730"/>
+                <a:ext cx="564783" cy="11286"/>
+              </a:xfrm>
+              <a:prstGeom prst="line">
+                <a:avLst/>
+              </a:prstGeom>
+              <a:ln w="28575">
+                <a:solidFill>
+                  <a:schemeClr val="tx1"/>
+                </a:solidFill>
+                <a:prstDash val="sysDot"/>
+              </a:ln>
+            </p:spPr>
+            <p:style>
+              <a:lnRef idx="1">
+                <a:schemeClr val="accent1"/>
+              </a:lnRef>
+              <a:fillRef idx="0">
+                <a:schemeClr val="accent1"/>
+              </a:fillRef>
+              <a:effectRef idx="0">
+                <a:schemeClr val="accent1"/>
+              </a:effectRef>
+              <a:fontRef idx="minor">
+                <a:schemeClr val="tx1"/>
+              </a:fontRef>
+            </p:style>
+          </p:cxnSp>
+          <p:cxnSp>
+            <p:nvCxnSpPr>
+              <p:cNvPr id="177" name="Straight Connector 176">
+                <a:extLst>
+                  <a:ext uri="{FF2B5EF4-FFF2-40B4-BE49-F238E27FC236}">
+                    <a16:creationId xmlns:a16="http://schemas.microsoft.com/office/drawing/2014/main" id="{38A32CF3-31D2-E246-B870-CED9E6FDEF4F}"/>
+                  </a:ext>
+                </a:extLst>
+              </p:cNvPr>
+              <p:cNvCxnSpPr>
+                <a:cxnSpLocks/>
+              </p:cNvCxnSpPr>
+              <p:nvPr/>
+            </p:nvCxnSpPr>
+            <p:spPr>
+              <a:xfrm flipH="1" flipV="1">
+                <a:off x="10698028" y="3291840"/>
+                <a:ext cx="16401" cy="604126"/>
+              </a:xfrm>
+              <a:prstGeom prst="line">
+                <a:avLst/>
+              </a:prstGeom>
+              <a:ln w="28575">
+                <a:solidFill>
+                  <a:schemeClr val="tx1"/>
+                </a:solidFill>
+                <a:prstDash val="sysDot"/>
+              </a:ln>
+            </p:spPr>
+            <p:style>
+              <a:lnRef idx="1">
+                <a:schemeClr val="accent1"/>
+              </a:lnRef>
+              <a:fillRef idx="0">
+                <a:schemeClr val="accent1"/>
+              </a:fillRef>
+              <a:effectRef idx="0">
+                <a:schemeClr val="accent1"/>
+              </a:effectRef>
+              <a:fontRef idx="minor">
+                <a:schemeClr val="tx1"/>
+              </a:fontRef>
+            </p:style>
+          </p:cxnSp>
+          <p:cxnSp>
+            <p:nvCxnSpPr>
+              <p:cNvPr id="178" name="Straight Connector 177">
+                <a:extLst>
+                  <a:ext uri="{FF2B5EF4-FFF2-40B4-BE49-F238E27FC236}">
+                    <a16:creationId xmlns:a16="http://schemas.microsoft.com/office/drawing/2014/main" id="{B68FBA41-29DF-024E-A40D-2BAEE27C8309}"/>
+                  </a:ext>
+                </a:extLst>
+              </p:cNvPr>
+              <p:cNvCxnSpPr>
+                <a:cxnSpLocks/>
+              </p:cNvCxnSpPr>
+              <p:nvPr/>
+            </p:nvCxnSpPr>
+            <p:spPr>
+              <a:xfrm flipH="1" flipV="1">
+                <a:off x="9680441" y="3652483"/>
+                <a:ext cx="420689" cy="383333"/>
+              </a:xfrm>
+              <a:prstGeom prst="line">
+                <a:avLst/>
+              </a:prstGeom>
+              <a:ln w="28575">
+                <a:solidFill>
+                  <a:schemeClr val="tx1"/>
+                </a:solidFill>
+                <a:prstDash val="sysDot"/>
+              </a:ln>
+            </p:spPr>
+            <p:style>
+              <a:lnRef idx="1">
+                <a:schemeClr val="accent1"/>
+              </a:lnRef>
+              <a:fillRef idx="0">
+                <a:schemeClr val="accent1"/>
+              </a:fillRef>
+              <a:effectRef idx="0">
+                <a:schemeClr val="accent1"/>
+              </a:effectRef>
+              <a:fontRef idx="minor">
+                <a:schemeClr val="tx1"/>
+              </a:fontRef>
+            </p:style>
+          </p:cxnSp>
+          <p:cxnSp>
+            <p:nvCxnSpPr>
+              <p:cNvPr id="179" name="Straight Connector 178">
+                <a:extLst>
+                  <a:ext uri="{FF2B5EF4-FFF2-40B4-BE49-F238E27FC236}">
+                    <a16:creationId xmlns:a16="http://schemas.microsoft.com/office/drawing/2014/main" id="{367518AD-B731-A34E-A14D-C737C4AEECD5}"/>
+                  </a:ext>
+                </a:extLst>
+              </p:cNvPr>
+              <p:cNvCxnSpPr>
+                <a:cxnSpLocks/>
+              </p:cNvCxnSpPr>
+              <p:nvPr/>
+            </p:nvCxnSpPr>
+            <p:spPr>
+              <a:xfrm flipH="1">
+                <a:off x="9722620" y="5241594"/>
+                <a:ext cx="378511" cy="320554"/>
+              </a:xfrm>
+              <a:prstGeom prst="line">
+                <a:avLst/>
+              </a:prstGeom>
+              <a:ln w="28575">
+                <a:solidFill>
+                  <a:schemeClr val="tx1"/>
+                </a:solidFill>
+                <a:prstDash val="sysDot"/>
+              </a:ln>
+            </p:spPr>
+            <p:style>
+              <a:lnRef idx="1">
+                <a:schemeClr val="accent1"/>
+              </a:lnRef>
+              <a:fillRef idx="0">
+                <a:schemeClr val="accent1"/>
+              </a:fillRef>
+              <a:effectRef idx="0">
+                <a:schemeClr val="accent1"/>
+              </a:effectRef>
+              <a:fontRef idx="minor">
+                <a:schemeClr val="tx1"/>
+              </a:fontRef>
+            </p:style>
+          </p:cxnSp>
+          <p:cxnSp>
+            <p:nvCxnSpPr>
+              <p:cNvPr id="180" name="Straight Connector 179">
+                <a:extLst>
+                  <a:ext uri="{FF2B5EF4-FFF2-40B4-BE49-F238E27FC236}">
+                    <a16:creationId xmlns:a16="http://schemas.microsoft.com/office/drawing/2014/main" id="{6BBF3D50-8580-4C45-A454-9F86428E84BA}"/>
+                  </a:ext>
+                </a:extLst>
+              </p:cNvPr>
+              <p:cNvCxnSpPr>
+                <a:cxnSpLocks/>
+              </p:cNvCxnSpPr>
+              <p:nvPr/>
+            </p:nvCxnSpPr>
+            <p:spPr>
+              <a:xfrm flipH="1">
+                <a:off x="10204441" y="5415271"/>
+                <a:ext cx="184951" cy="465049"/>
+              </a:xfrm>
+              <a:prstGeom prst="line">
+                <a:avLst/>
+              </a:prstGeom>
+              <a:ln w="28575">
+                <a:solidFill>
+                  <a:schemeClr val="tx1"/>
+                </a:solidFill>
+                <a:prstDash val="sysDot"/>
+              </a:ln>
+            </p:spPr>
+            <p:style>
+              <a:lnRef idx="1">
+                <a:schemeClr val="accent1"/>
+              </a:lnRef>
+              <a:fillRef idx="0">
+                <a:schemeClr val="accent1"/>
+              </a:fillRef>
+              <a:effectRef idx="0">
+                <a:schemeClr val="accent1"/>
+              </a:effectRef>
+              <a:fontRef idx="minor">
+                <a:schemeClr val="tx1"/>
+              </a:fontRef>
+            </p:style>
+          </p:cxnSp>
+          <p:cxnSp>
+            <p:nvCxnSpPr>
+              <p:cNvPr id="181" name="Straight Connector 180">
+                <a:extLst>
+                  <a:ext uri="{FF2B5EF4-FFF2-40B4-BE49-F238E27FC236}">
+                    <a16:creationId xmlns:a16="http://schemas.microsoft.com/office/drawing/2014/main" id="{9CF11E88-30FA-CC4F-A2C4-B688EF3D45CD}"/>
+                  </a:ext>
+                </a:extLst>
+              </p:cNvPr>
+              <p:cNvCxnSpPr>
+                <a:cxnSpLocks/>
+              </p:cNvCxnSpPr>
+              <p:nvPr/>
+            </p:nvCxnSpPr>
+            <p:spPr>
+              <a:xfrm flipH="1">
+                <a:off x="9465745" y="4922421"/>
+                <a:ext cx="514644" cy="209131"/>
+              </a:xfrm>
+              <a:prstGeom prst="line">
+                <a:avLst/>
+              </a:prstGeom>
+              <a:ln w="28575">
+                <a:solidFill>
+                  <a:schemeClr val="tx1"/>
+                </a:solidFill>
+                <a:prstDash val="sysDot"/>
+              </a:ln>
+            </p:spPr>
+            <p:style>
+              <a:lnRef idx="1">
+                <a:schemeClr val="accent1"/>
+              </a:lnRef>
+              <a:fillRef idx="0">
+                <a:schemeClr val="accent1"/>
+              </a:fillRef>
+              <a:effectRef idx="0">
+                <a:schemeClr val="accent1"/>
+              </a:effectRef>
+              <a:fontRef idx="minor">
+                <a:schemeClr val="tx1"/>
+              </a:fontRef>
+            </p:style>
+          </p:cxnSp>
+          <p:cxnSp>
+            <p:nvCxnSpPr>
+              <p:cNvPr id="182" name="Straight Connector 181">
+                <a:extLst>
+                  <a:ext uri="{FF2B5EF4-FFF2-40B4-BE49-F238E27FC236}">
+                    <a16:creationId xmlns:a16="http://schemas.microsoft.com/office/drawing/2014/main" id="{7830F97C-1424-1141-AA1D-98C0BA070257}"/>
+                  </a:ext>
+                </a:extLst>
+              </p:cNvPr>
+              <p:cNvCxnSpPr>
+                <a:cxnSpLocks/>
+              </p:cNvCxnSpPr>
+              <p:nvPr/>
+            </p:nvCxnSpPr>
+            <p:spPr>
+              <a:xfrm flipH="1" flipV="1">
+                <a:off x="9427818" y="4137988"/>
+                <a:ext cx="522748" cy="196566"/>
+              </a:xfrm>
+              <a:prstGeom prst="line">
+                <a:avLst/>
+              </a:prstGeom>
+              <a:ln w="28575">
+                <a:solidFill>
+                  <a:schemeClr val="tx1"/>
+                </a:solidFill>
+                <a:prstDash val="sysDot"/>
+              </a:ln>
+            </p:spPr>
+            <p:style>
+              <a:lnRef idx="1">
+                <a:schemeClr val="accent1"/>
+              </a:lnRef>
+              <a:fillRef idx="0">
+                <a:schemeClr val="accent1"/>
+              </a:fillRef>
+              <a:effectRef idx="0">
+                <a:schemeClr val="accent1"/>
+              </a:effectRef>
+              <a:fontRef idx="minor">
+                <a:schemeClr val="tx1"/>
+              </a:fontRef>
+            </p:style>
+          </p:cxnSp>
+          <p:cxnSp>
+            <p:nvCxnSpPr>
+              <p:cNvPr id="183" name="Straight Connector 182">
+                <a:extLst>
+                  <a:ext uri="{FF2B5EF4-FFF2-40B4-BE49-F238E27FC236}">
+                    <a16:creationId xmlns:a16="http://schemas.microsoft.com/office/drawing/2014/main" id="{FF5448FB-B531-4B43-BE2E-22D3F577A347}"/>
+                  </a:ext>
+                </a:extLst>
+              </p:cNvPr>
+              <p:cNvCxnSpPr>
+                <a:cxnSpLocks/>
+              </p:cNvCxnSpPr>
+              <p:nvPr/>
+            </p:nvCxnSpPr>
+            <p:spPr>
+              <a:xfrm flipH="1" flipV="1">
+                <a:off x="10205403" y="3412146"/>
+                <a:ext cx="211319" cy="502177"/>
+              </a:xfrm>
+              <a:prstGeom prst="line">
+                <a:avLst/>
+              </a:prstGeom>
+              <a:ln w="28575">
+                <a:solidFill>
+                  <a:schemeClr val="tx1"/>
+                </a:solidFill>
+                <a:prstDash val="sysDot"/>
+              </a:ln>
+            </p:spPr>
+            <p:style>
+              <a:lnRef idx="1">
+                <a:schemeClr val="accent1"/>
+              </a:lnRef>
+              <a:fillRef idx="0">
+                <a:schemeClr val="accent1"/>
+              </a:fillRef>
+              <a:effectRef idx="0">
+                <a:schemeClr val="accent1"/>
+              </a:effectRef>
+              <a:fontRef idx="minor">
+                <a:schemeClr val="tx1"/>
+              </a:fontRef>
+            </p:style>
+          </p:cxnSp>
+          <p:cxnSp>
+            <p:nvCxnSpPr>
+              <p:cNvPr id="184" name="Straight Connector 183">
+                <a:extLst>
+                  <a:ext uri="{FF2B5EF4-FFF2-40B4-BE49-F238E27FC236}">
+                    <a16:creationId xmlns:a16="http://schemas.microsoft.com/office/drawing/2014/main" id="{984CDA77-CA1A-3549-89CC-649B80C62C98}"/>
+                  </a:ext>
+                </a:extLst>
+              </p:cNvPr>
+              <p:cNvCxnSpPr>
+                <a:cxnSpLocks/>
+              </p:cNvCxnSpPr>
+              <p:nvPr/>
+            </p:nvCxnSpPr>
+            <p:spPr>
+              <a:xfrm flipH="1" flipV="1">
+                <a:off x="10698028" y="5512194"/>
+                <a:ext cx="12172" cy="460021"/>
+              </a:xfrm>
+              <a:prstGeom prst="line">
+                <a:avLst/>
+              </a:prstGeom>
+              <a:ln w="28575">
+                <a:solidFill>
+                  <a:schemeClr val="tx1"/>
+                </a:solidFill>
+                <a:prstDash val="sysDot"/>
+              </a:ln>
+            </p:spPr>
+            <p:style>
+              <a:lnRef idx="1">
+                <a:schemeClr val="accent1"/>
+              </a:lnRef>
+              <a:fillRef idx="0">
+                <a:schemeClr val="accent1"/>
+              </a:fillRef>
+              <a:effectRef idx="0">
+                <a:schemeClr val="accent1"/>
+              </a:effectRef>
+              <a:fontRef idx="minor">
+                <a:schemeClr val="tx1"/>
+              </a:fontRef>
+            </p:style>
+          </p:cxnSp>
+          <p:sp>
+            <p:nvSpPr>
+              <p:cNvPr id="185" name="Arc 184">
+                <a:extLst>
+                  <a:ext uri="{FF2B5EF4-FFF2-40B4-BE49-F238E27FC236}">
+                    <a16:creationId xmlns:a16="http://schemas.microsoft.com/office/drawing/2014/main" id="{18857C18-3A7B-DA45-8275-EF03C1854BB4}"/>
+                  </a:ext>
+                </a:extLst>
+              </p:cNvPr>
+              <p:cNvSpPr/>
+              <p:nvPr/>
+            </p:nvSpPr>
+            <p:spPr>
+              <a:xfrm rot="10800000">
+                <a:off x="9670841" y="3636211"/>
+                <a:ext cx="2073729" cy="2081893"/>
+              </a:xfrm>
+              <a:prstGeom prst="arc">
+                <a:avLst>
+                  <a:gd name="adj1" fmla="val 1497270"/>
+                  <a:gd name="adj2" fmla="val 2683173"/>
+                </a:avLst>
+              </a:prstGeom>
+              <a:ln w="76200">
+                <a:solidFill>
+                  <a:srgbClr val="FF0000"/>
+                </a:solidFill>
+              </a:ln>
+            </p:spPr>
+            <p:style>
+              <a:lnRef idx="1">
+                <a:schemeClr val="accent1"/>
+              </a:lnRef>
+              <a:fillRef idx="0">
+                <a:schemeClr val="accent1"/>
+              </a:fillRef>
+              <a:effectRef idx="0">
+                <a:schemeClr val="accent1"/>
+              </a:effectRef>
+              <a:fontRef idx="minor">
+                <a:schemeClr val="tx1"/>
+              </a:fontRef>
+            </p:style>
+            <p:txBody>
+              <a:bodyPr rtlCol="0" anchor="ctr"/>
+              <a:lstStyle/>
+              <a:p>
+                <a:pPr algn="ctr"/>
+                <a:endParaRPr lang="en-US"/>
+              </a:p>
+            </p:txBody>
+          </p:sp>
+          <mc:AlternateContent xmlns:mc="http://schemas.openxmlformats.org/markup-compatibility/2006">
+            <mc:Choice xmlns:a14="http://schemas.microsoft.com/office/drawing/2010/main" Requires="a14">
+              <p:sp>
+                <p:nvSpPr>
+                  <p:cNvPr id="186" name="Rectangle 185">
+                    <a:extLst>
+                      <a:ext uri="{FF2B5EF4-FFF2-40B4-BE49-F238E27FC236}">
+                        <a16:creationId xmlns:a16="http://schemas.microsoft.com/office/drawing/2014/main" id="{E6FC3F51-5FD8-274B-ACC6-0C34C41003A3}"/>
+                      </a:ext>
+                    </a:extLst>
+                  </p:cNvPr>
+                  <p:cNvSpPr/>
+                  <p:nvPr/>
+                </p:nvSpPr>
+                <p:spPr>
+                  <a:xfrm>
+                    <a:off x="9859166" y="4024690"/>
+                    <a:ext cx="502638" cy="369332"/>
+                  </a:xfrm>
+                  <a:prstGeom prst="rect">
+                    <a:avLst/>
+                  </a:prstGeom>
+                </p:spPr>
+                <p:txBody>
+                  <a:bodyPr wrap="none">
+                    <a:spAutoFit/>
+                  </a:bodyPr>
+                  <a:lstStyle/>
+                  <a:p>
+                    <a:pPr/>
+                    <a14:m>
+                      <m:oMathPara xmlns:m="http://schemas.openxmlformats.org/officeDocument/2006/math">
+                        <m:oMathParaPr>
+                          <m:jc m:val="centerGroup"/>
+                        </m:oMathParaPr>
+                        <m:oMath xmlns:m="http://schemas.openxmlformats.org/officeDocument/2006/math">
+                          <m:r>
+                            <a:rPr lang="en-US" b="0" i="1" smtClean="0">
+                              <a:solidFill>
+                                <a:srgbClr val="FF0000"/>
+                              </a:solidFill>
+                              <a:latin typeface="Cambria Math" panose="02040503050406030204" pitchFamily="18" charset="0"/>
+                              <a:cs typeface="Arial" panose="020B0604020202020204" pitchFamily="34" charset="0"/>
+                            </a:rPr>
+                            <m:t>𝑑𝑞</m:t>
+                          </m:r>
+                        </m:oMath>
+                      </m:oMathPara>
+                    </a14:m>
+                    <a:endParaRPr lang="en-CA" dirty="0">
+                      <a:solidFill>
+                        <a:srgbClr val="FF0000"/>
+                      </a:solidFill>
+                    </a:endParaRPr>
+                  </a:p>
+                </p:txBody>
+              </p:sp>
+            </mc:Choice>
+            <mc:Fallback>
+              <p:sp>
+                <p:nvSpPr>
+                  <p:cNvPr id="186" name="Rectangle 185">
+                    <a:extLst>
+                      <a:ext uri="{FF2B5EF4-FFF2-40B4-BE49-F238E27FC236}">
+                        <a16:creationId xmlns:a16="http://schemas.microsoft.com/office/drawing/2014/main" id="{E6FC3F51-5FD8-274B-ACC6-0C34C41003A3}"/>
+                      </a:ext>
+                    </a:extLst>
+                  </p:cNvPr>
+                  <p:cNvSpPr>
+                    <a:spLocks noRot="1" noChangeAspect="1" noMove="1" noResize="1" noEditPoints="1" noAdjustHandles="1" noChangeArrowheads="1" noChangeShapeType="1" noTextEdit="1"/>
+                  </p:cNvSpPr>
+                  <p:nvPr/>
+                </p:nvSpPr>
+                <p:spPr>
+                  <a:xfrm>
+                    <a:off x="9859166" y="4024690"/>
+                    <a:ext cx="502638" cy="369332"/>
+                  </a:xfrm>
+                  <a:prstGeom prst="rect">
+                    <a:avLst/>
+                  </a:prstGeom>
+                  <a:blipFill>
+                    <a:blip r:embed="rId52"/>
+                    <a:stretch>
+                      <a:fillRect b="-13793"/>
+                    </a:stretch>
+                  </a:blipFill>
+                </p:spPr>
+                <p:txBody>
+                  <a:bodyPr/>
+                  <a:lstStyle/>
+                  <a:p>
+                    <a:r>
+                      <a:rPr lang="en-US">
+                        <a:noFill/>
+                      </a:rPr>
+                      <a:t> </a:t>
+                    </a:r>
+                  </a:p>
+                </p:txBody>
+              </p:sp>
+            </mc:Fallback>
+          </mc:AlternateContent>
+          <mc:AlternateContent xmlns:mc="http://schemas.openxmlformats.org/markup-compatibility/2006">
+            <mc:Choice xmlns:a14="http://schemas.microsoft.com/office/drawing/2010/main" Requires="a14">
+              <p:sp>
+                <p:nvSpPr>
+                  <p:cNvPr id="191" name="Rectangle 190">
+                    <a:extLst>
+                      <a:ext uri="{FF2B5EF4-FFF2-40B4-BE49-F238E27FC236}">
+                        <a16:creationId xmlns:a16="http://schemas.microsoft.com/office/drawing/2014/main" id="{014CCFBB-6722-6A4F-8A77-22D7DA29FC49}"/>
+                      </a:ext>
+                    </a:extLst>
+                  </p:cNvPr>
+                  <p:cNvSpPr/>
+                  <p:nvPr/>
+                </p:nvSpPr>
+                <p:spPr>
+                  <a:xfrm>
+                    <a:off x="9303300" y="3691245"/>
+                    <a:ext cx="481157" cy="369332"/>
+                  </a:xfrm>
+                  <a:prstGeom prst="rect">
+                    <a:avLst/>
+                  </a:prstGeom>
+                </p:spPr>
+                <p:txBody>
+                  <a:bodyPr wrap="none">
+                    <a:spAutoFit/>
+                  </a:bodyPr>
+                  <a:lstStyle/>
+                  <a:p>
+                    <a:pPr/>
+                    <a14:m>
+                      <m:oMathPara xmlns:m="http://schemas.openxmlformats.org/officeDocument/2006/math">
+                        <m:oMathParaPr>
+                          <m:jc m:val="centerGroup"/>
+                        </m:oMathParaPr>
+                        <m:oMath xmlns:m="http://schemas.openxmlformats.org/officeDocument/2006/math">
+                          <m:r>
+                            <a:rPr lang="en-US" b="0" i="1" smtClean="0">
+                              <a:solidFill>
+                                <a:sysClr val="windowText" lastClr="000000"/>
+                              </a:solidFill>
+                              <a:latin typeface="Cambria Math" panose="02040503050406030204" pitchFamily="18" charset="0"/>
+                              <a:cs typeface="Arial" panose="020B0604020202020204" pitchFamily="34" charset="0"/>
+                            </a:rPr>
+                            <m:t>𝑑</m:t>
+                          </m:r>
+                          <m:r>
+                            <a:rPr lang="en-CA" b="0" i="1" smtClean="0">
+                              <a:solidFill>
+                                <a:sysClr val="windowText" lastClr="000000"/>
+                              </a:solidFill>
+                              <a:latin typeface="Cambria Math" panose="02040503050406030204" pitchFamily="18" charset="0"/>
+                              <a:cs typeface="Arial" panose="020B0604020202020204" pitchFamily="34" charset="0"/>
+                            </a:rPr>
+                            <m:t>𝑠</m:t>
+                          </m:r>
+                        </m:oMath>
+                      </m:oMathPara>
+                    </a14:m>
+                    <a:endParaRPr lang="en-CA" dirty="0">
+                      <a:solidFill>
+                        <a:sysClr val="windowText" lastClr="000000"/>
+                      </a:solidFill>
+                    </a:endParaRPr>
+                  </a:p>
+                </p:txBody>
+              </p:sp>
+            </mc:Choice>
+            <mc:Fallback>
+              <p:sp>
+                <p:nvSpPr>
+                  <p:cNvPr id="191" name="Rectangle 190">
+                    <a:extLst>
+                      <a:ext uri="{FF2B5EF4-FFF2-40B4-BE49-F238E27FC236}">
+                        <a16:creationId xmlns:a16="http://schemas.microsoft.com/office/drawing/2014/main" id="{014CCFBB-6722-6A4F-8A77-22D7DA29FC49}"/>
+                      </a:ext>
+                    </a:extLst>
+                  </p:cNvPr>
+                  <p:cNvSpPr>
+                    <a:spLocks noRot="1" noChangeAspect="1" noMove="1" noResize="1" noEditPoints="1" noAdjustHandles="1" noChangeArrowheads="1" noChangeShapeType="1" noTextEdit="1"/>
+                  </p:cNvSpPr>
+                  <p:nvPr/>
+                </p:nvSpPr>
+                <p:spPr>
+                  <a:xfrm>
+                    <a:off x="9303300" y="3691245"/>
+                    <a:ext cx="481157" cy="369332"/>
+                  </a:xfrm>
+                  <a:prstGeom prst="rect">
+                    <a:avLst/>
+                  </a:prstGeom>
+                  <a:blipFill>
+                    <a:blip r:embed="rId53"/>
+                    <a:stretch>
+                      <a:fillRect/>
+                    </a:stretch>
+                  </a:blipFill>
+                </p:spPr>
+                <p:txBody>
+                  <a:bodyPr/>
+                  <a:lstStyle/>
+                  <a:p>
+                    <a:r>
+                      <a:rPr lang="en-US">
+                        <a:noFill/>
+                      </a:rPr>
+                      <a:t> </a:t>
+                    </a:r>
+                  </a:p>
+                </p:txBody>
+              </p:sp>
+            </mc:Fallback>
+          </mc:AlternateContent>
+          <p:sp>
+            <p:nvSpPr>
+              <p:cNvPr id="192" name="Arc 191">
+                <a:extLst>
+                  <a:ext uri="{FF2B5EF4-FFF2-40B4-BE49-F238E27FC236}">
+                    <a16:creationId xmlns:a16="http://schemas.microsoft.com/office/drawing/2014/main" id="{B266F71F-8768-354D-B310-40B194CC3E44}"/>
+                  </a:ext>
+                </a:extLst>
+              </p:cNvPr>
+              <p:cNvSpPr/>
+              <p:nvPr/>
+            </p:nvSpPr>
+            <p:spPr>
+              <a:xfrm rot="10800000">
+                <a:off x="9548728" y="3500043"/>
+                <a:ext cx="2073729" cy="2081893"/>
+              </a:xfrm>
+              <a:prstGeom prst="arc">
+                <a:avLst>
+                  <a:gd name="adj1" fmla="val 1126946"/>
+                  <a:gd name="adj2" fmla="val 2683173"/>
+                </a:avLst>
+              </a:prstGeom>
+              <a:ln>
+                <a:headEnd type="triangle" w="med" len="med"/>
+                <a:tailEnd type="triangle" w="med" len="med"/>
+              </a:ln>
+            </p:spPr>
+            <p:style>
+              <a:lnRef idx="1">
+                <a:schemeClr val="dk1"/>
+              </a:lnRef>
+              <a:fillRef idx="0">
+                <a:schemeClr val="dk1"/>
+              </a:fillRef>
+              <a:effectRef idx="0">
+                <a:schemeClr val="dk1"/>
+              </a:effectRef>
+              <a:fontRef idx="minor">
+                <a:schemeClr val="tx1"/>
+              </a:fontRef>
+            </p:style>
+            <p:txBody>
+              <a:bodyPr rtlCol="0" anchor="ctr"/>
+              <a:lstStyle/>
+              <a:p>
+                <a:pPr algn="ctr"/>
+                <a:endParaRPr lang="en-US" dirty="0"/>
+              </a:p>
+            </p:txBody>
+          </p:sp>
+        </p:grpSp>
+        <p:grpSp>
+          <p:nvGrpSpPr>
+            <p:cNvPr id="258" name="Group 257">
+              <a:extLst>
+                <a:ext uri="{FF2B5EF4-FFF2-40B4-BE49-F238E27FC236}">
+                  <a16:creationId xmlns:a16="http://schemas.microsoft.com/office/drawing/2014/main" id="{E3B36A3F-17B4-914E-A5AF-CC25A7D64F2D}"/>
+                </a:ext>
+              </a:extLst>
+            </p:cNvPr>
+            <p:cNvGrpSpPr/>
+            <p:nvPr/>
+          </p:nvGrpSpPr>
+          <p:grpSpPr>
+            <a:xfrm>
+              <a:off x="10160654" y="3520782"/>
+              <a:ext cx="2045608" cy="2317972"/>
+              <a:chOff x="10136902" y="3520782"/>
+              <a:chExt cx="2045608" cy="2317972"/>
+            </a:xfrm>
+          </p:grpSpPr>
+          <p:grpSp>
+            <p:nvGrpSpPr>
+              <p:cNvPr id="222" name="Group 221">
+                <a:extLst>
+                  <a:ext uri="{FF2B5EF4-FFF2-40B4-BE49-F238E27FC236}">
+                    <a16:creationId xmlns:a16="http://schemas.microsoft.com/office/drawing/2014/main" id="{E5638698-39A1-B341-BC3C-08A670FCB314}"/>
+                  </a:ext>
+                </a:extLst>
+              </p:cNvPr>
+              <p:cNvGrpSpPr/>
+              <p:nvPr/>
+            </p:nvGrpSpPr>
+            <p:grpSpPr>
+              <a:xfrm>
+                <a:off x="10136902" y="3520782"/>
+                <a:ext cx="1164217" cy="2317972"/>
+                <a:chOff x="10448191" y="3397305"/>
+                <a:chExt cx="1164217" cy="2317972"/>
+              </a:xfrm>
+            </p:grpSpPr>
+            <p:sp>
+              <p:nvSpPr>
+                <p:cNvPr id="214" name="Oval 213">
+                  <a:extLst>
+                    <a:ext uri="{FF2B5EF4-FFF2-40B4-BE49-F238E27FC236}">
+                      <a16:creationId xmlns:a16="http://schemas.microsoft.com/office/drawing/2014/main" id="{D4B62D77-C78B-6645-B5D5-10C3ACBDDA9E}"/>
+                    </a:ext>
+                  </a:extLst>
+                </p:cNvPr>
+                <p:cNvSpPr/>
+                <p:nvPr/>
+              </p:nvSpPr>
+              <p:spPr>
+                <a:xfrm>
+                  <a:off x="11252408" y="3397305"/>
+                  <a:ext cx="360000" cy="360000"/>
+                </a:xfrm>
+                <a:prstGeom prst="ellipse">
+                  <a:avLst/>
+                </a:prstGeom>
+                <a:solidFill>
+                  <a:schemeClr val="bg2">
+                    <a:lumMod val="90000"/>
+                  </a:schemeClr>
+                </a:solidFill>
+                <a:ln w="38100">
+                  <a:solidFill>
+                    <a:schemeClr val="tx1"/>
+                  </a:solidFill>
+                </a:ln>
+              </p:spPr>
+              <p:style>
+                <a:lnRef idx="2">
+                  <a:schemeClr val="accent1">
+                    <a:shade val="50000"/>
+                  </a:schemeClr>
+                </a:lnRef>
+                <a:fillRef idx="1">
+                  <a:schemeClr val="accent1"/>
+                </a:fillRef>
+                <a:effectRef idx="0">
+                  <a:schemeClr val="accent1"/>
+                </a:effectRef>
+                <a:fontRef idx="minor">
+                  <a:schemeClr val="lt1"/>
+                </a:fontRef>
+              </p:style>
+              <p:txBody>
+                <a:bodyPr rtlCol="0" anchor="ctr"/>
+                <a:lstStyle/>
+                <a:p>
+                  <a:pPr algn="ctr"/>
+                  <a:endParaRPr lang="en-US"/>
+                </a:p>
+              </p:txBody>
+            </p:sp>
+            <p:sp>
+              <p:nvSpPr>
+                <p:cNvPr id="215" name="Oval 214">
+                  <a:extLst>
+                    <a:ext uri="{FF2B5EF4-FFF2-40B4-BE49-F238E27FC236}">
+                      <a16:creationId xmlns:a16="http://schemas.microsoft.com/office/drawing/2014/main" id="{12D7DD06-328A-0047-9F91-805568295E5B}"/>
+                    </a:ext>
+                  </a:extLst>
+                </p:cNvPr>
+                <p:cNvSpPr/>
+                <p:nvPr/>
+              </p:nvSpPr>
+              <p:spPr>
+                <a:xfrm>
+                  <a:off x="10882877" y="3533266"/>
+                  <a:ext cx="360000" cy="360000"/>
+                </a:xfrm>
+                <a:prstGeom prst="ellipse">
+                  <a:avLst/>
+                </a:prstGeom>
+                <a:solidFill>
+                  <a:schemeClr val="bg2">
+                    <a:lumMod val="90000"/>
+                  </a:schemeClr>
+                </a:solidFill>
+                <a:ln w="38100">
+                  <a:solidFill>
+                    <a:schemeClr val="tx1"/>
+                  </a:solidFill>
+                </a:ln>
+              </p:spPr>
+              <p:style>
+                <a:lnRef idx="2">
+                  <a:schemeClr val="accent1">
+                    <a:shade val="50000"/>
+                  </a:schemeClr>
+                </a:lnRef>
+                <a:fillRef idx="1">
+                  <a:schemeClr val="accent1"/>
+                </a:fillRef>
+                <a:effectRef idx="0">
+                  <a:schemeClr val="accent1"/>
+                </a:effectRef>
+                <a:fontRef idx="minor">
+                  <a:schemeClr val="lt1"/>
+                </a:fontRef>
+              </p:style>
+              <p:txBody>
+                <a:bodyPr rtlCol="0" anchor="ctr"/>
+                <a:lstStyle/>
+                <a:p>
+                  <a:pPr algn="ctr"/>
+                  <a:endParaRPr lang="en-US"/>
+                </a:p>
+              </p:txBody>
+            </p:sp>
+            <p:sp>
+              <p:nvSpPr>
+                <p:cNvPr id="216" name="Oval 215">
+                  <a:extLst>
+                    <a:ext uri="{FF2B5EF4-FFF2-40B4-BE49-F238E27FC236}">
+                      <a16:creationId xmlns:a16="http://schemas.microsoft.com/office/drawing/2014/main" id="{26931EDA-2391-3C49-9683-83690145B980}"/>
+                    </a:ext>
+                  </a:extLst>
+                </p:cNvPr>
+                <p:cNvSpPr/>
+                <p:nvPr/>
+              </p:nvSpPr>
+              <p:spPr>
+                <a:xfrm>
+                  <a:off x="10610837" y="3812696"/>
+                  <a:ext cx="360000" cy="360000"/>
+                </a:xfrm>
+                <a:prstGeom prst="ellipse">
+                  <a:avLst/>
+                </a:prstGeom>
+                <a:solidFill>
+                  <a:srgbClr val="FF0000"/>
+                </a:solidFill>
+                <a:ln w="38100">
+                  <a:solidFill>
+                    <a:schemeClr val="tx1"/>
+                  </a:solidFill>
+                </a:ln>
+              </p:spPr>
+              <p:style>
+                <a:lnRef idx="2">
+                  <a:schemeClr val="accent1">
+                    <a:shade val="50000"/>
+                  </a:schemeClr>
+                </a:lnRef>
+                <a:fillRef idx="1">
+                  <a:schemeClr val="accent1"/>
+                </a:fillRef>
+                <a:effectRef idx="0">
+                  <a:schemeClr val="accent1"/>
+                </a:effectRef>
+                <a:fontRef idx="minor">
+                  <a:schemeClr val="lt1"/>
+                </a:fontRef>
+              </p:style>
+              <p:txBody>
+                <a:bodyPr rtlCol="0" anchor="ctr"/>
+                <a:lstStyle/>
+                <a:p>
+                  <a:pPr algn="ctr"/>
+                  <a:endParaRPr lang="en-US"/>
+                </a:p>
+              </p:txBody>
+            </p:sp>
+            <p:sp>
+              <p:nvSpPr>
+                <p:cNvPr id="217" name="Oval 216">
+                  <a:extLst>
+                    <a:ext uri="{FF2B5EF4-FFF2-40B4-BE49-F238E27FC236}">
+                      <a16:creationId xmlns:a16="http://schemas.microsoft.com/office/drawing/2014/main" id="{911151A9-26C2-474E-9558-00FAA16798E3}"/>
+                    </a:ext>
+                  </a:extLst>
+                </p:cNvPr>
+                <p:cNvSpPr/>
+                <p:nvPr/>
+              </p:nvSpPr>
+              <p:spPr>
+                <a:xfrm>
+                  <a:off x="10448529" y="4166758"/>
+                  <a:ext cx="360000" cy="360000"/>
+                </a:xfrm>
+                <a:prstGeom prst="ellipse">
+                  <a:avLst/>
+                </a:prstGeom>
+                <a:solidFill>
+                  <a:schemeClr val="bg2">
+                    <a:lumMod val="90000"/>
+                  </a:schemeClr>
+                </a:solidFill>
+                <a:ln w="38100">
+                  <a:solidFill>
+                    <a:schemeClr val="tx1"/>
+                  </a:solidFill>
+                </a:ln>
+              </p:spPr>
+              <p:style>
+                <a:lnRef idx="2">
+                  <a:schemeClr val="accent1">
+                    <a:shade val="50000"/>
+                  </a:schemeClr>
+                </a:lnRef>
+                <a:fillRef idx="1">
+                  <a:schemeClr val="accent1"/>
+                </a:fillRef>
+                <a:effectRef idx="0">
+                  <a:schemeClr val="accent1"/>
+                </a:effectRef>
+                <a:fontRef idx="minor">
+                  <a:schemeClr val="lt1"/>
+                </a:fontRef>
+              </p:style>
+              <p:txBody>
+                <a:bodyPr rtlCol="0" anchor="ctr"/>
+                <a:lstStyle/>
+                <a:p>
+                  <a:pPr algn="ctr"/>
+                  <a:endParaRPr lang="en-US"/>
+                </a:p>
+              </p:txBody>
+            </p:sp>
+            <p:sp>
+              <p:nvSpPr>
+                <p:cNvPr id="218" name="Oval 217">
+                  <a:extLst>
+                    <a:ext uri="{FF2B5EF4-FFF2-40B4-BE49-F238E27FC236}">
+                      <a16:creationId xmlns:a16="http://schemas.microsoft.com/office/drawing/2014/main" id="{A6260E0C-B4B0-0B47-9486-B825E09782C3}"/>
+                    </a:ext>
+                  </a:extLst>
+                </p:cNvPr>
+                <p:cNvSpPr/>
+                <p:nvPr/>
+              </p:nvSpPr>
+              <p:spPr>
+                <a:xfrm>
+                  <a:off x="10448191" y="4549331"/>
+                  <a:ext cx="360000" cy="360000"/>
+                </a:xfrm>
+                <a:prstGeom prst="ellipse">
+                  <a:avLst/>
+                </a:prstGeom>
+                <a:solidFill>
+                  <a:schemeClr val="bg2">
+                    <a:lumMod val="90000"/>
+                  </a:schemeClr>
+                </a:solidFill>
+                <a:ln w="38100">
+                  <a:solidFill>
+                    <a:schemeClr val="tx1"/>
+                  </a:solidFill>
+                </a:ln>
+              </p:spPr>
+              <p:style>
+                <a:lnRef idx="2">
+                  <a:schemeClr val="accent1">
+                    <a:shade val="50000"/>
+                  </a:schemeClr>
+                </a:lnRef>
+                <a:fillRef idx="1">
+                  <a:schemeClr val="accent1"/>
+                </a:fillRef>
+                <a:effectRef idx="0">
+                  <a:schemeClr val="accent1"/>
+                </a:effectRef>
+                <a:fontRef idx="minor">
+                  <a:schemeClr val="lt1"/>
+                </a:fontRef>
+              </p:style>
+              <p:txBody>
+                <a:bodyPr rtlCol="0" anchor="ctr"/>
+                <a:lstStyle/>
+                <a:p>
+                  <a:pPr algn="ctr"/>
+                  <a:endParaRPr lang="en-US"/>
+                </a:p>
+              </p:txBody>
+            </p:sp>
+            <p:sp>
+              <p:nvSpPr>
+                <p:cNvPr id="219" name="Oval 218">
+                  <a:extLst>
+                    <a:ext uri="{FF2B5EF4-FFF2-40B4-BE49-F238E27FC236}">
+                      <a16:creationId xmlns:a16="http://schemas.microsoft.com/office/drawing/2014/main" id="{0AB75E57-D9A6-9047-B797-6E8D60F1E171}"/>
+                    </a:ext>
+                  </a:extLst>
+                </p:cNvPr>
+                <p:cNvSpPr/>
+                <p:nvPr/>
+              </p:nvSpPr>
+              <p:spPr>
+                <a:xfrm>
+                  <a:off x="11207249" y="5355277"/>
+                  <a:ext cx="360000" cy="360000"/>
+                </a:xfrm>
+                <a:prstGeom prst="ellipse">
+                  <a:avLst/>
+                </a:prstGeom>
+                <a:solidFill>
+                  <a:schemeClr val="bg2">
+                    <a:lumMod val="90000"/>
+                  </a:schemeClr>
+                </a:solidFill>
+                <a:ln w="38100">
+                  <a:solidFill>
+                    <a:schemeClr val="tx1"/>
+                  </a:solidFill>
+                </a:ln>
+              </p:spPr>
+              <p:style>
+                <a:lnRef idx="2">
+                  <a:schemeClr val="accent1">
+                    <a:shade val="50000"/>
+                  </a:schemeClr>
+                </a:lnRef>
+                <a:fillRef idx="1">
+                  <a:schemeClr val="accent1"/>
+                </a:fillRef>
+                <a:effectRef idx="0">
+                  <a:schemeClr val="accent1"/>
+                </a:effectRef>
+                <a:fontRef idx="minor">
+                  <a:schemeClr val="lt1"/>
+                </a:fontRef>
+              </p:style>
+              <p:txBody>
+                <a:bodyPr rtlCol="0" anchor="ctr"/>
+                <a:lstStyle/>
+                <a:p>
+                  <a:pPr algn="ctr"/>
+                  <a:endParaRPr lang="en-US"/>
+                </a:p>
+              </p:txBody>
+            </p:sp>
+            <p:sp>
+              <p:nvSpPr>
+                <p:cNvPr id="220" name="Oval 219">
+                  <a:extLst>
+                    <a:ext uri="{FF2B5EF4-FFF2-40B4-BE49-F238E27FC236}">
+                      <a16:creationId xmlns:a16="http://schemas.microsoft.com/office/drawing/2014/main" id="{21E09330-09F5-8E4C-80CC-B2F15A3E774B}"/>
+                    </a:ext>
+                  </a:extLst>
+                </p:cNvPr>
+                <p:cNvSpPr/>
+                <p:nvPr/>
+              </p:nvSpPr>
+              <p:spPr>
+                <a:xfrm>
+                  <a:off x="10581652" y="4916004"/>
+                  <a:ext cx="360000" cy="360000"/>
+                </a:xfrm>
+                <a:prstGeom prst="ellipse">
+                  <a:avLst/>
+                </a:prstGeom>
+                <a:solidFill>
+                  <a:schemeClr val="bg2">
+                    <a:lumMod val="90000"/>
+                  </a:schemeClr>
+                </a:solidFill>
+                <a:ln w="38100">
+                  <a:solidFill>
+                    <a:schemeClr val="tx1"/>
+                  </a:solidFill>
+                </a:ln>
+              </p:spPr>
+              <p:style>
+                <a:lnRef idx="2">
+                  <a:schemeClr val="accent1">
+                    <a:shade val="50000"/>
+                  </a:schemeClr>
+                </a:lnRef>
+                <a:fillRef idx="1">
+                  <a:schemeClr val="accent1"/>
+                </a:fillRef>
+                <a:effectRef idx="0">
+                  <a:schemeClr val="accent1"/>
+                </a:effectRef>
+                <a:fontRef idx="minor">
+                  <a:schemeClr val="lt1"/>
+                </a:fontRef>
+              </p:style>
+              <p:txBody>
+                <a:bodyPr rtlCol="0" anchor="ctr"/>
+                <a:lstStyle/>
+                <a:p>
+                  <a:pPr algn="ctr"/>
+                  <a:endParaRPr lang="en-US"/>
+                </a:p>
+              </p:txBody>
+            </p:sp>
+            <p:sp>
+              <p:nvSpPr>
+                <p:cNvPr id="221" name="Oval 220">
+                  <a:extLst>
+                    <a:ext uri="{FF2B5EF4-FFF2-40B4-BE49-F238E27FC236}">
+                      <a16:creationId xmlns:a16="http://schemas.microsoft.com/office/drawing/2014/main" id="{FCB1BEB8-3C03-CE43-841E-6A22D5F3011B}"/>
+                    </a:ext>
+                  </a:extLst>
+                </p:cNvPr>
+                <p:cNvSpPr/>
+                <p:nvPr/>
+              </p:nvSpPr>
+              <p:spPr>
+                <a:xfrm>
+                  <a:off x="10852377" y="5192159"/>
+                  <a:ext cx="360000" cy="360000"/>
+                </a:xfrm>
+                <a:prstGeom prst="ellipse">
+                  <a:avLst/>
+                </a:prstGeom>
+                <a:solidFill>
+                  <a:schemeClr val="bg2">
+                    <a:lumMod val="90000"/>
+                  </a:schemeClr>
+                </a:solidFill>
+                <a:ln w="38100">
+                  <a:solidFill>
+                    <a:schemeClr val="tx1"/>
+                  </a:solidFill>
+                </a:ln>
+              </p:spPr>
+              <p:style>
+                <a:lnRef idx="2">
+                  <a:schemeClr val="accent1">
+                    <a:shade val="50000"/>
+                  </a:schemeClr>
+                </a:lnRef>
+                <a:fillRef idx="1">
+                  <a:schemeClr val="accent1"/>
+                </a:fillRef>
+                <a:effectRef idx="0">
+                  <a:schemeClr val="accent1"/>
+                </a:effectRef>
+                <a:fontRef idx="minor">
+                  <a:schemeClr val="lt1"/>
+                </a:fontRef>
+              </p:style>
+              <p:txBody>
+                <a:bodyPr rtlCol="0" anchor="ctr"/>
+                <a:lstStyle/>
+                <a:p>
+                  <a:pPr algn="ctr"/>
+                  <a:endParaRPr lang="en-US"/>
+                </a:p>
+              </p:txBody>
+            </p:sp>
+          </p:grpSp>
+          <mc:AlternateContent xmlns:mc="http://schemas.openxmlformats.org/markup-compatibility/2006">
+            <mc:Choice xmlns:a14="http://schemas.microsoft.com/office/drawing/2010/main" Requires="a14">
+              <p:sp>
+                <p:nvSpPr>
+                  <p:cNvPr id="223" name="Rectangle 222">
+                    <a:extLst>
+                      <a:ext uri="{FF2B5EF4-FFF2-40B4-BE49-F238E27FC236}">
+                        <a16:creationId xmlns:a16="http://schemas.microsoft.com/office/drawing/2014/main" id="{03060D8D-8F00-6046-AB36-F0B285C1E2AB}"/>
+                      </a:ext>
+                    </a:extLst>
+                  </p:cNvPr>
+                  <p:cNvSpPr/>
+                  <p:nvPr/>
+                </p:nvSpPr>
+                <p:spPr>
+                  <a:xfrm>
+                    <a:off x="10227081" y="3912386"/>
+                    <a:ext cx="502638" cy="369332"/>
+                  </a:xfrm>
+                  <a:prstGeom prst="rect">
+                    <a:avLst/>
+                  </a:prstGeom>
+                </p:spPr>
+                <p:txBody>
+                  <a:bodyPr wrap="none">
+                    <a:spAutoFit/>
+                  </a:bodyPr>
+                  <a:lstStyle/>
+                  <a:p>
+                    <a:pPr/>
+                    <a14:m>
+                      <m:oMathPara xmlns:m="http://schemas.openxmlformats.org/officeDocument/2006/math">
+                        <m:oMathParaPr>
+                          <m:jc m:val="centerGroup"/>
+                        </m:oMathParaPr>
+                        <m:oMath xmlns:m="http://schemas.openxmlformats.org/officeDocument/2006/math">
+                          <m:r>
+                            <a:rPr lang="en-US" b="0" i="1" smtClean="0">
+                              <a:solidFill>
+                                <a:sysClr val="windowText" lastClr="000000"/>
+                              </a:solidFill>
+                              <a:latin typeface="Cambria Math" panose="02040503050406030204" pitchFamily="18" charset="0"/>
+                              <a:cs typeface="Arial" panose="020B0604020202020204" pitchFamily="34" charset="0"/>
+                            </a:rPr>
+                            <m:t>𝑑𝑞</m:t>
+                          </m:r>
+                        </m:oMath>
+                      </m:oMathPara>
+                    </a14:m>
+                    <a:endParaRPr lang="en-CA" dirty="0">
+                      <a:solidFill>
+                        <a:sysClr val="windowText" lastClr="000000"/>
+                      </a:solidFill>
+                    </a:endParaRPr>
+                  </a:p>
+                </p:txBody>
+              </p:sp>
+            </mc:Choice>
+            <mc:Fallback>
+              <p:sp>
+                <p:nvSpPr>
+                  <p:cNvPr id="223" name="Rectangle 222">
+                    <a:extLst>
+                      <a:ext uri="{FF2B5EF4-FFF2-40B4-BE49-F238E27FC236}">
+                        <a16:creationId xmlns:a16="http://schemas.microsoft.com/office/drawing/2014/main" id="{03060D8D-8F00-6046-AB36-F0B285C1E2AB}"/>
+                      </a:ext>
+                    </a:extLst>
+                  </p:cNvPr>
+                  <p:cNvSpPr>
+                    <a:spLocks noRot="1" noChangeAspect="1" noMove="1" noResize="1" noEditPoints="1" noAdjustHandles="1" noChangeArrowheads="1" noChangeShapeType="1" noTextEdit="1"/>
+                  </p:cNvSpPr>
+                  <p:nvPr/>
+                </p:nvSpPr>
+                <p:spPr>
+                  <a:xfrm>
+                    <a:off x="10227081" y="3912386"/>
+                    <a:ext cx="502638" cy="369332"/>
+                  </a:xfrm>
+                  <a:prstGeom prst="rect">
+                    <a:avLst/>
+                  </a:prstGeom>
+                  <a:blipFill>
+                    <a:blip r:embed="rId54"/>
+                    <a:stretch>
+                      <a:fillRect b="-13333"/>
+                    </a:stretch>
+                  </a:blipFill>
+                </p:spPr>
+                <p:txBody>
+                  <a:bodyPr/>
+                  <a:lstStyle/>
+                  <a:p>
+                    <a:r>
+                      <a:rPr lang="en-US">
+                        <a:noFill/>
+                      </a:rPr>
+                      <a:t> </a:t>
+                    </a:r>
+                  </a:p>
+                </p:txBody>
+              </p:sp>
+            </mc:Fallback>
+          </mc:AlternateContent>
+          <p:grpSp>
+            <p:nvGrpSpPr>
+              <p:cNvPr id="224" name="Group 223">
+                <a:extLst>
+                  <a:ext uri="{FF2B5EF4-FFF2-40B4-BE49-F238E27FC236}">
+                    <a16:creationId xmlns:a16="http://schemas.microsoft.com/office/drawing/2014/main" id="{BCBB2C23-A70D-7E4B-AFEF-43A8F726762E}"/>
+                  </a:ext>
+                </a:extLst>
+              </p:cNvPr>
+              <p:cNvGrpSpPr/>
+              <p:nvPr/>
+            </p:nvGrpSpPr>
+            <p:grpSpPr>
+              <a:xfrm>
+                <a:off x="10594337" y="3718185"/>
+                <a:ext cx="1588173" cy="1246577"/>
+                <a:chOff x="6859080" y="925653"/>
+                <a:chExt cx="1588173" cy="1246577"/>
+              </a:xfrm>
+            </p:grpSpPr>
+            <p:grpSp>
+              <p:nvGrpSpPr>
+                <p:cNvPr id="229" name="Group 228">
+                  <a:extLst>
+                    <a:ext uri="{FF2B5EF4-FFF2-40B4-BE49-F238E27FC236}">
+                      <a16:creationId xmlns:a16="http://schemas.microsoft.com/office/drawing/2014/main" id="{C31410D3-4DF3-1F45-9FA1-2D4CDEFCBF84}"/>
+                    </a:ext>
+                  </a:extLst>
+                </p:cNvPr>
+                <p:cNvGrpSpPr/>
+                <p:nvPr/>
+              </p:nvGrpSpPr>
+              <p:grpSpPr>
+                <a:xfrm>
+                  <a:off x="7269859" y="925653"/>
+                  <a:ext cx="1177394" cy="1246577"/>
+                  <a:chOff x="1129904" y="1614682"/>
+                  <a:chExt cx="1177394" cy="1246577"/>
+                </a:xfrm>
+              </p:grpSpPr>
+              <p:grpSp>
+                <p:nvGrpSpPr>
+                  <p:cNvPr id="231" name="Group 230">
+                    <a:extLst>
+                      <a:ext uri="{FF2B5EF4-FFF2-40B4-BE49-F238E27FC236}">
+                        <a16:creationId xmlns:a16="http://schemas.microsoft.com/office/drawing/2014/main" id="{3841CE85-BB99-A043-9C43-6A8F322FE869}"/>
+                      </a:ext>
+                    </a:extLst>
+                  </p:cNvPr>
+                  <p:cNvGrpSpPr/>
+                  <p:nvPr/>
+                </p:nvGrpSpPr>
+                <p:grpSpPr>
+                  <a:xfrm>
+                    <a:off x="1136901" y="1912196"/>
+                    <a:ext cx="1170397" cy="949063"/>
+                    <a:chOff x="1164196" y="1884900"/>
+                    <a:chExt cx="1170397" cy="949063"/>
+                  </a:xfrm>
+                </p:grpSpPr>
+                <p:cxnSp>
+                  <p:nvCxnSpPr>
+                    <p:cNvPr id="233" name="Straight Arrow Connector 232">
+                      <a:extLst>
+                        <a:ext uri="{FF2B5EF4-FFF2-40B4-BE49-F238E27FC236}">
+                          <a16:creationId xmlns:a16="http://schemas.microsoft.com/office/drawing/2014/main" id="{19909298-340F-5447-B7A2-DF67481FB267}"/>
+                        </a:ext>
+                      </a:extLst>
+                    </p:cNvPr>
+                    <p:cNvCxnSpPr/>
+                    <p:nvPr/>
+                  </p:nvCxnSpPr>
+                  <p:spPr>
+                    <a:xfrm flipV="1">
+                      <a:off x="1516583" y="1884900"/>
+                      <a:ext cx="7346" cy="655380"/>
+                    </a:xfrm>
+                    <a:prstGeom prst="straightConnector1">
+                      <a:avLst/>
+                    </a:prstGeom>
+                    <a:ln w="38100">
+                      <a:solidFill>
+                        <a:schemeClr val="tx1"/>
+                      </a:solidFill>
+                      <a:tailEnd type="triangle"/>
+                    </a:ln>
+                  </p:spPr>
+                  <p:style>
+                    <a:lnRef idx="1">
+                      <a:schemeClr val="accent1"/>
+                    </a:lnRef>
+                    <a:fillRef idx="0">
+                      <a:schemeClr val="accent1"/>
+                    </a:fillRef>
+                    <a:effectRef idx="0">
+                      <a:schemeClr val="accent1"/>
+                    </a:effectRef>
+                    <a:fontRef idx="minor">
+                      <a:schemeClr val="tx1"/>
+                    </a:fontRef>
+                  </p:style>
+                </p:cxnSp>
+                <p:cxnSp>
+                  <p:nvCxnSpPr>
+                    <p:cNvPr id="234" name="Straight Arrow Connector 233">
+                      <a:extLst>
+                        <a:ext uri="{FF2B5EF4-FFF2-40B4-BE49-F238E27FC236}">
+                          <a16:creationId xmlns:a16="http://schemas.microsoft.com/office/drawing/2014/main" id="{530203B1-6371-814C-BB13-24D171C5799A}"/>
+                        </a:ext>
+                      </a:extLst>
+                    </p:cNvPr>
+                    <p:cNvCxnSpPr/>
+                    <p:nvPr/>
+                  </p:nvCxnSpPr>
+                  <p:spPr>
+                    <a:xfrm>
+                      <a:off x="1509817" y="2538065"/>
+                      <a:ext cx="712531" cy="2215"/>
+                    </a:xfrm>
+                    <a:prstGeom prst="straightConnector1">
+                      <a:avLst/>
+                    </a:prstGeom>
+                    <a:ln w="38100">
+                      <a:solidFill>
+                        <a:schemeClr val="tx1"/>
+                      </a:solidFill>
+                      <a:tailEnd type="triangle"/>
+                    </a:ln>
+                  </p:spPr>
+                  <p:style>
+                    <a:lnRef idx="1">
+                      <a:schemeClr val="accent1"/>
+                    </a:lnRef>
+                    <a:fillRef idx="0">
+                      <a:schemeClr val="accent1"/>
+                    </a:fillRef>
+                    <a:effectRef idx="0">
+                      <a:schemeClr val="accent1"/>
+                    </a:effectRef>
+                    <a:fontRef idx="minor">
+                      <a:schemeClr val="tx1"/>
+                    </a:fontRef>
+                  </p:style>
+                </p:cxnSp>
+                <mc:AlternateContent xmlns:mc="http://schemas.openxmlformats.org/markup-compatibility/2006" xmlns:a14="http://schemas.microsoft.com/office/drawing/2010/main">
+                  <mc:Choice Requires="a14">
+                    <p:sp>
+                      <p:nvSpPr>
+                        <p:cNvPr id="235" name="Rectangle 234">
+                          <a:extLst>
+                            <a:ext uri="{FF2B5EF4-FFF2-40B4-BE49-F238E27FC236}">
+                              <a16:creationId xmlns:a16="http://schemas.microsoft.com/office/drawing/2014/main" id="{0AE86D2A-A7B9-854A-B4CD-EA009C808A9B}"/>
+                            </a:ext>
+                          </a:extLst>
+                        </p:cNvPr>
+                        <p:cNvSpPr/>
+                        <p:nvPr/>
+                      </p:nvSpPr>
+                      <p:spPr>
+                        <a:xfrm>
+                          <a:off x="1966608" y="2464631"/>
+                          <a:ext cx="367985" cy="369332"/>
+                        </a:xfrm>
+                        <a:prstGeom prst="rect">
+                          <a:avLst/>
+                        </a:prstGeom>
+                      </p:spPr>
+                      <p:txBody>
+                        <a:bodyPr wrap="none">
+                          <a:spAutoFit/>
+                        </a:bodyPr>
+                        <a:lstStyle/>
+                        <a:p>
+                          <a:pPr/>
+                          <a14:m>
+                            <m:oMathPara xmlns:m="http://schemas.openxmlformats.org/officeDocument/2006/math">
+                              <m:oMathParaPr>
+                                <m:jc m:val="centerGroup"/>
+                              </m:oMathParaPr>
+                              <m:oMath xmlns:m="http://schemas.openxmlformats.org/officeDocument/2006/math">
+                                <m:r>
+                                  <a:rPr lang="en-US" i="1">
+                                    <a:latin typeface="Cambria Math" panose="02040503050406030204" pitchFamily="18" charset="0"/>
+                                    <a:cs typeface="Arial" panose="020B0604020202020204" pitchFamily="34" charset="0"/>
+                                  </a:rPr>
+                                  <m:t>𝑥</m:t>
+                                </m:r>
+                              </m:oMath>
+                            </m:oMathPara>
+                          </a14:m>
+                          <a:endParaRPr lang="en-CA" dirty="0"/>
+                        </a:p>
+                      </p:txBody>
+                    </p:sp>
+                  </mc:Choice>
+                  <mc:Fallback xmlns="">
+                    <p:sp>
+                      <p:nvSpPr>
+                        <p:cNvPr id="18" name="Rectangle 17"/>
+                        <p:cNvSpPr>
+                          <a:spLocks noRot="1" noChangeAspect="1" noMove="1" noResize="1" noEditPoints="1" noAdjustHandles="1" noChangeArrowheads="1" noChangeShapeType="1" noTextEdit="1"/>
+                        </p:cNvSpPr>
+                        <p:nvPr/>
+                      </p:nvSpPr>
+                      <p:spPr>
+                        <a:xfrm>
+                          <a:off x="1966608" y="2464631"/>
+                          <a:ext cx="367985" cy="369332"/>
+                        </a:xfrm>
+                        <a:prstGeom prst="rect">
+                          <a:avLst/>
+                        </a:prstGeom>
+                        <a:blipFill rotWithShape="0">
+                          <a:blip r:embed="rId36"/>
+                          <a:stretch>
+                            <a:fillRect/>
+                          </a:stretch>
+                        </a:blipFill>
+                      </p:spPr>
+                      <p:txBody>
+                        <a:bodyPr/>
+                        <a:lstStyle/>
+                        <a:p>
+                          <a:r>
+                            <a:rPr lang="en-CA">
+                              <a:noFill/>
+                            </a:rPr>
+                            <a:t> </a:t>
+                          </a:r>
+                        </a:p>
+                      </p:txBody>
+                    </p:sp>
+                  </mc:Fallback>
+                </mc:AlternateContent>
+                <mc:AlternateContent xmlns:mc="http://schemas.openxmlformats.org/markup-compatibility/2006" xmlns:a14="http://schemas.microsoft.com/office/drawing/2010/main">
+                  <mc:Choice Requires="a14">
+                    <p:sp>
+                      <p:nvSpPr>
+                        <p:cNvPr id="236" name="Rectangle 235">
+                          <a:extLst>
+                            <a:ext uri="{FF2B5EF4-FFF2-40B4-BE49-F238E27FC236}">
+                              <a16:creationId xmlns:a16="http://schemas.microsoft.com/office/drawing/2014/main" id="{69AEE039-DC37-0C42-90B1-177CB1623A1B}"/>
+                            </a:ext>
+                          </a:extLst>
+                        </p:cNvPr>
+                        <p:cNvSpPr/>
+                        <p:nvPr/>
+                      </p:nvSpPr>
+                      <p:spPr>
+                        <a:xfrm>
+                          <a:off x="1164196" y="1973145"/>
+                          <a:ext cx="371384" cy="369332"/>
+                        </a:xfrm>
+                        <a:prstGeom prst="rect">
+                          <a:avLst/>
+                        </a:prstGeom>
+                      </p:spPr>
+                      <p:txBody>
+                        <a:bodyPr wrap="none">
+                          <a:spAutoFit/>
+                        </a:bodyPr>
+                        <a:lstStyle/>
+                        <a:p>
+                          <a:pPr/>
+                          <a14:m>
+                            <m:oMathPara xmlns:m="http://schemas.openxmlformats.org/officeDocument/2006/math">
+                              <m:oMathParaPr>
+                                <m:jc m:val="centerGroup"/>
+                              </m:oMathParaPr>
+                              <m:oMath xmlns:m="http://schemas.openxmlformats.org/officeDocument/2006/math">
+                                <m:r>
+                                  <a:rPr lang="en-US" b="0" i="1" smtClean="0">
+                                    <a:latin typeface="Cambria Math" panose="02040503050406030204" pitchFamily="18" charset="0"/>
+                                  </a:rPr>
+                                  <m:t>𝑦</m:t>
+                                </m:r>
+                              </m:oMath>
+                            </m:oMathPara>
+                          </a14:m>
+                          <a:endParaRPr lang="en-CA" dirty="0"/>
+                        </a:p>
+                      </p:txBody>
+                    </p:sp>
+                  </mc:Choice>
+                  <mc:Fallback xmlns="">
+                    <p:sp>
+                      <p:nvSpPr>
+                        <p:cNvPr id="64" name="Rectangle 63"/>
+                        <p:cNvSpPr>
+                          <a:spLocks noRot="1" noChangeAspect="1" noMove="1" noResize="1" noEditPoints="1" noAdjustHandles="1" noChangeArrowheads="1" noChangeShapeType="1" noTextEdit="1"/>
+                        </p:cNvSpPr>
+                        <p:nvPr/>
+                      </p:nvSpPr>
+                      <p:spPr>
+                        <a:xfrm>
+                          <a:off x="1164196" y="1973145"/>
+                          <a:ext cx="371384" cy="369332"/>
+                        </a:xfrm>
+                        <a:prstGeom prst="rect">
+                          <a:avLst/>
+                        </a:prstGeom>
+                        <a:blipFill rotWithShape="0">
+                          <a:blip r:embed="rId10"/>
+                          <a:stretch>
+                            <a:fillRect b="-6667"/>
+                          </a:stretch>
+                        </a:blipFill>
+                      </p:spPr>
+                      <p:txBody>
+                        <a:bodyPr/>
+                        <a:lstStyle/>
+                        <a:p>
+                          <a:r>
+                            <a:rPr lang="en-CA">
+                              <a:noFill/>
+                            </a:rPr>
+                            <a:t> </a:t>
+                          </a:r>
+                        </a:p>
+                      </p:txBody>
+                    </p:sp>
+                  </mc:Fallback>
+                </mc:AlternateContent>
+                <mc:AlternateContent xmlns:mc="http://schemas.openxmlformats.org/markup-compatibility/2006" xmlns:a14="http://schemas.microsoft.com/office/drawing/2010/main">
+                  <mc:Choice Requires="a14">
+                    <p:sp>
+                      <p:nvSpPr>
+                        <p:cNvPr id="237" name="Rectangle 236">
+                          <a:extLst>
+                            <a:ext uri="{FF2B5EF4-FFF2-40B4-BE49-F238E27FC236}">
+                              <a16:creationId xmlns:a16="http://schemas.microsoft.com/office/drawing/2014/main" id="{16E0F214-4B17-9F42-88E1-617004BCC4A7}"/>
+                            </a:ext>
+                          </a:extLst>
+                        </p:cNvPr>
+                        <p:cNvSpPr/>
+                        <p:nvPr/>
+                      </p:nvSpPr>
+                      <p:spPr>
+                        <a:xfrm>
+                          <a:off x="1243583" y="2447020"/>
+                          <a:ext cx="367985" cy="369332"/>
+                        </a:xfrm>
+                        <a:prstGeom prst="rect">
+                          <a:avLst/>
+                        </a:prstGeom>
+                      </p:spPr>
+                      <p:txBody>
+                        <a:bodyPr wrap="none">
+                          <a:spAutoFit/>
+                        </a:bodyPr>
+                        <a:lstStyle/>
+                        <a:p>
+                          <a:pPr/>
+                          <a14:m>
+                            <m:oMathPara xmlns:m="http://schemas.openxmlformats.org/officeDocument/2006/math">
+                              <m:oMathParaPr>
+                                <m:jc m:val="centerGroup"/>
+                              </m:oMathParaPr>
+                              <m:oMath xmlns:m="http://schemas.openxmlformats.org/officeDocument/2006/math">
+                                <m:r>
+                                  <a:rPr lang="en-US" b="0" i="1" smtClean="0">
+                                    <a:latin typeface="Cambria Math" panose="02040503050406030204" pitchFamily="18" charset="0"/>
+                                    <a:cs typeface="Arial" panose="020B0604020202020204" pitchFamily="34" charset="0"/>
+                                  </a:rPr>
+                                  <m:t>0</m:t>
+                                </m:r>
+                              </m:oMath>
+                            </m:oMathPara>
+                          </a14:m>
+                          <a:endParaRPr lang="en-CA" dirty="0"/>
+                        </a:p>
+                      </p:txBody>
+                    </p:sp>
+                  </mc:Choice>
+                  <mc:Fallback xmlns="">
+                    <p:sp>
+                      <p:nvSpPr>
+                        <p:cNvPr id="65" name="Rectangle 64"/>
+                        <p:cNvSpPr>
+                          <a:spLocks noRot="1" noChangeAspect="1" noMove="1" noResize="1" noEditPoints="1" noAdjustHandles="1" noChangeArrowheads="1" noChangeShapeType="1" noTextEdit="1"/>
+                        </p:cNvSpPr>
+                        <p:nvPr/>
+                      </p:nvSpPr>
+                      <p:spPr>
+                        <a:xfrm>
+                          <a:off x="1243583" y="2447020"/>
+                          <a:ext cx="367985" cy="369332"/>
+                        </a:xfrm>
+                        <a:prstGeom prst="rect">
+                          <a:avLst/>
+                        </a:prstGeom>
+                        <a:blipFill rotWithShape="0">
+                          <a:blip r:embed="rId11"/>
+                          <a:stretch>
+                            <a:fillRect/>
+                          </a:stretch>
+                        </a:blipFill>
+                      </p:spPr>
+                      <p:txBody>
+                        <a:bodyPr/>
+                        <a:lstStyle/>
+                        <a:p>
+                          <a:r>
+                            <a:rPr lang="en-CA">
+                              <a:noFill/>
+                            </a:rPr>
+                            <a:t> </a:t>
+                          </a:r>
+                        </a:p>
+                      </p:txBody>
+                    </p:sp>
+                  </mc:Fallback>
+                </mc:AlternateContent>
+              </p:grpSp>
+              <p:sp>
+                <p:nvSpPr>
+                  <p:cNvPr id="232" name="Rectangle 231">
+                    <a:extLst>
+                      <a:ext uri="{FF2B5EF4-FFF2-40B4-BE49-F238E27FC236}">
+                        <a16:creationId xmlns:a16="http://schemas.microsoft.com/office/drawing/2014/main" id="{EC9F338D-D7BA-5741-969A-1FCC35E0B9E9}"/>
+                      </a:ext>
+                    </a:extLst>
+                  </p:cNvPr>
+                  <p:cNvSpPr/>
+                  <p:nvPr/>
+                </p:nvSpPr>
+                <p:spPr>
+                  <a:xfrm>
+                    <a:off x="1129904" y="1614682"/>
+                    <a:ext cx="184731" cy="369332"/>
+                  </a:xfrm>
+                  <a:prstGeom prst="rect">
+                    <a:avLst/>
+                  </a:prstGeom>
+                </p:spPr>
+                <p:txBody>
+                  <a:bodyPr wrap="none">
+                    <a:spAutoFit/>
+                  </a:bodyPr>
+                  <a:lstStyle/>
+                  <a:p>
+                    <a:endParaRPr lang="en-CA" dirty="0"/>
+                  </a:p>
+                </p:txBody>
+              </p:sp>
+            </p:grpSp>
+            <p:cxnSp>
+              <p:nvCxnSpPr>
+                <p:cNvPr id="226" name="Straight Connector 225">
+                  <a:extLst>
+                    <a:ext uri="{FF2B5EF4-FFF2-40B4-BE49-F238E27FC236}">
+                      <a16:creationId xmlns:a16="http://schemas.microsoft.com/office/drawing/2014/main" id="{30737523-4292-AF45-9DF4-9DACB8F73E2F}"/>
+                    </a:ext>
+                  </a:extLst>
+                </p:cNvPr>
+                <p:cNvCxnSpPr>
+                  <a:cxnSpLocks/>
+                  <a:stCxn id="216" idx="5"/>
+                </p:cNvCxnSpPr>
+                <p:nvPr/>
+              </p:nvCxnSpPr>
+              <p:spPr>
+                <a:xfrm>
+                  <a:off x="6871570" y="1450920"/>
+                  <a:ext cx="776670" cy="441967"/>
+                </a:xfrm>
+                <a:prstGeom prst="line">
+                  <a:avLst/>
+                </a:prstGeom>
+                <a:ln w="28575">
+                  <a:solidFill>
+                    <a:schemeClr val="tx1"/>
+                  </a:solidFill>
+                  <a:prstDash val="sysDot"/>
+                </a:ln>
+              </p:spPr>
+              <p:style>
+                <a:lnRef idx="1">
+                  <a:schemeClr val="accent1"/>
+                </a:lnRef>
+                <a:fillRef idx="0">
+                  <a:schemeClr val="accent1"/>
+                </a:fillRef>
+                <a:effectRef idx="0">
+                  <a:schemeClr val="accent1"/>
+                </a:effectRef>
+                <a:fontRef idx="minor">
+                  <a:schemeClr val="tx1"/>
+                </a:fontRef>
+              </p:style>
+            </p:cxnSp>
+            <mc:AlternateContent xmlns:mc="http://schemas.openxmlformats.org/markup-compatibility/2006" xmlns:a14="http://schemas.microsoft.com/office/drawing/2010/main">
+              <mc:Choice Requires="a14">
+                <p:sp>
+                  <p:nvSpPr>
+                    <p:cNvPr id="227" name="Rectangle 226">
+                      <a:extLst>
+                        <a:ext uri="{FF2B5EF4-FFF2-40B4-BE49-F238E27FC236}">
+                          <a16:creationId xmlns:a16="http://schemas.microsoft.com/office/drawing/2014/main" id="{4CF91009-60D7-BD47-8E0F-E5AE92E2625F}"/>
+                        </a:ext>
+                      </a:extLst>
+                    </p:cNvPr>
+                    <p:cNvSpPr/>
+                    <p:nvPr/>
+                  </p:nvSpPr>
+                  <p:spPr>
+                    <a:xfrm>
+                      <a:off x="6859080" y="1207863"/>
+                      <a:ext cx="391774" cy="369332"/>
+                    </a:xfrm>
+                    <a:prstGeom prst="rect">
+                      <a:avLst/>
+                    </a:prstGeom>
+                  </p:spPr>
+                  <p:txBody>
+                    <a:bodyPr wrap="none">
+                      <a:spAutoFit/>
+                    </a:bodyPr>
+                    <a:lstStyle/>
+                    <a:p>
+                      <a:pPr/>
+                      <a14:m>
+                        <m:oMathPara xmlns:m="http://schemas.openxmlformats.org/officeDocument/2006/math">
+                          <m:oMathParaPr>
+                            <m:jc m:val="centerGroup"/>
+                          </m:oMathParaPr>
+                          <m:oMath xmlns:m="http://schemas.openxmlformats.org/officeDocument/2006/math">
+                            <m:r>
+                              <a:rPr lang="en-US" b="0" i="1" smtClean="0">
+                                <a:solidFill>
+                                  <a:schemeClr val="tx1"/>
+                                </a:solidFill>
+                                <a:latin typeface="Cambria Math" panose="02040503050406030204" pitchFamily="18" charset="0"/>
+                                <a:cs typeface="Arial" panose="020B0604020202020204" pitchFamily="34" charset="0"/>
+                              </a:rPr>
+                              <m:t>𝑅</m:t>
+                            </m:r>
+                          </m:oMath>
+                        </m:oMathPara>
+                      </a14:m>
+                      <a:endParaRPr lang="en-CA" dirty="0">
+                        <a:solidFill>
+                          <a:schemeClr val="tx1"/>
+                        </a:solidFill>
+                      </a:endParaRPr>
+                    </a:p>
+                  </p:txBody>
+                </p:sp>
+              </mc:Choice>
+              <mc:Fallback xmlns="">
+                <p:sp>
+                  <p:nvSpPr>
+                    <p:cNvPr id="154" name="Rectangle 153"/>
+                    <p:cNvSpPr>
+                      <a:spLocks noRot="1" noChangeAspect="1" noMove="1" noResize="1" noEditPoints="1" noAdjustHandles="1" noChangeArrowheads="1" noChangeShapeType="1" noTextEdit="1"/>
+                    </p:cNvSpPr>
+                    <p:nvPr/>
+                  </p:nvSpPr>
+                  <p:spPr>
+                    <a:xfrm>
+                      <a:off x="6859080" y="1207863"/>
+                      <a:ext cx="391774" cy="369332"/>
+                    </a:xfrm>
+                    <a:prstGeom prst="rect">
+                      <a:avLst/>
+                    </a:prstGeom>
+                    <a:blipFill>
+                      <a:blip r:embed="rId38"/>
+                      <a:stretch>
+                        <a:fillRect/>
+                      </a:stretch>
+                    </a:blipFill>
+                  </p:spPr>
+                  <p:txBody>
+                    <a:bodyPr/>
+                    <a:lstStyle/>
+                    <a:p>
+                      <a:r>
+                        <a:rPr lang="en-US">
+                          <a:noFill/>
+                        </a:rPr>
+                        <a:t> </a:t>
+                      </a:r>
+                    </a:p>
+                  </p:txBody>
+                </p:sp>
+              </mc:Fallback>
+            </mc:AlternateContent>
+          </p:grpSp>
+          <p:cxnSp>
+            <p:nvCxnSpPr>
+              <p:cNvPr id="253" name="Straight Arrow Connector 252">
+                <a:extLst>
+                  <a:ext uri="{FF2B5EF4-FFF2-40B4-BE49-F238E27FC236}">
+                    <a16:creationId xmlns:a16="http://schemas.microsoft.com/office/drawing/2014/main" id="{A84A374D-CF84-BA4D-A245-5924A3143468}"/>
+                  </a:ext>
+                </a:extLst>
+              </p:cNvPr>
+              <p:cNvCxnSpPr/>
+              <p:nvPr/>
+            </p:nvCxnSpPr>
+            <p:spPr>
+              <a:xfrm>
+                <a:off x="11376121" y="4665657"/>
+                <a:ext cx="628234" cy="396159"/>
+              </a:xfrm>
+              <a:prstGeom prst="straightConnector1">
+                <a:avLst/>
+              </a:prstGeom>
+              <a:ln w="57150">
+                <a:solidFill>
+                  <a:srgbClr val="FF0000"/>
+                </a:solidFill>
+                <a:tailEnd type="triangle"/>
+              </a:ln>
+            </p:spPr>
+            <p:style>
+              <a:lnRef idx="1">
+                <a:schemeClr val="accent1"/>
+              </a:lnRef>
+              <a:fillRef idx="0">
+                <a:schemeClr val="accent1"/>
+              </a:fillRef>
+              <a:effectRef idx="0">
+                <a:schemeClr val="accent1"/>
+              </a:effectRef>
+              <a:fontRef idx="minor">
+                <a:schemeClr val="tx1"/>
+              </a:fontRef>
+            </p:style>
+          </p:cxnSp>
+          <mc:AlternateContent xmlns:mc="http://schemas.openxmlformats.org/markup-compatibility/2006">
+            <mc:Choice xmlns:a14="http://schemas.microsoft.com/office/drawing/2010/main" Requires="a14">
+              <p:sp>
+                <p:nvSpPr>
+                  <p:cNvPr id="255" name="Rectangle 254">
+                    <a:extLst>
+                      <a:ext uri="{FF2B5EF4-FFF2-40B4-BE49-F238E27FC236}">
+                        <a16:creationId xmlns:a16="http://schemas.microsoft.com/office/drawing/2014/main" id="{2D374B11-BF89-3F48-A96E-E643CE3312AC}"/>
+                      </a:ext>
+                    </a:extLst>
+                  </p:cNvPr>
+                  <p:cNvSpPr/>
+                  <p:nvPr/>
+                </p:nvSpPr>
+                <p:spPr>
+                  <a:xfrm>
+                    <a:off x="11264353" y="4807643"/>
+                    <a:ext cx="531235" cy="402931"/>
+                  </a:xfrm>
+                  <a:prstGeom prst="rect">
+                    <a:avLst/>
+                  </a:prstGeom>
+                </p:spPr>
+                <p:txBody>
+                  <a:bodyPr wrap="none">
+                    <a:spAutoFit/>
+                  </a:bodyPr>
+                  <a:lstStyle/>
+                  <a:p>
+                    <a:pPr/>
+                    <a14:m>
+                      <m:oMathPara xmlns:m="http://schemas.openxmlformats.org/officeDocument/2006/math">
+                        <m:oMathParaPr>
+                          <m:jc m:val="centerGroup"/>
+                        </m:oMathParaPr>
+                        <m:oMath xmlns:m="http://schemas.openxmlformats.org/officeDocument/2006/math">
+                          <m:r>
+                            <a:rPr lang="en-US" i="1" smtClean="0">
+                              <a:solidFill>
+                                <a:srgbClr val="FF0000"/>
+                              </a:solidFill>
+                              <a:latin typeface="Cambria Math" panose="02040503050406030204" pitchFamily="18" charset="0"/>
+                              <a:cs typeface="Arial" panose="020B0604020202020204" pitchFamily="34" charset="0"/>
+                            </a:rPr>
+                            <m:t>𝑑</m:t>
+                          </m:r>
+                          <m:acc>
+                            <m:accPr>
+                              <m:chr m:val="⃗"/>
+                              <m:ctrlPr>
+                                <a:rPr lang="en-US" b="0" i="1" smtClean="0">
+                                  <a:solidFill>
+                                    <a:srgbClr val="FF0000"/>
+                                  </a:solidFill>
+                                  <a:latin typeface="Cambria Math" panose="02040503050406030204" pitchFamily="18" charset="0"/>
+                                  <a:cs typeface="Arial" panose="020B0604020202020204" pitchFamily="34" charset="0"/>
+                                </a:rPr>
+                              </m:ctrlPr>
+                            </m:accPr>
+                            <m:e>
+                              <m:r>
+                                <a:rPr lang="en-US" i="1" smtClean="0">
+                                  <a:solidFill>
+                                    <a:srgbClr val="FF0000"/>
+                                  </a:solidFill>
+                                  <a:latin typeface="Cambria Math" panose="02040503050406030204" pitchFamily="18" charset="0"/>
+                                  <a:cs typeface="Arial" panose="020B0604020202020204" pitchFamily="34" charset="0"/>
+                                </a:rPr>
+                                <m:t>𝐸</m:t>
+                              </m:r>
+                            </m:e>
+                          </m:acc>
+                        </m:oMath>
+                      </m:oMathPara>
+                    </a14:m>
+                    <a:endParaRPr lang="en-CA" dirty="0"/>
+                  </a:p>
+                </p:txBody>
+              </p:sp>
+            </mc:Choice>
+            <mc:Fallback>
+              <p:sp>
+                <p:nvSpPr>
+                  <p:cNvPr id="255" name="Rectangle 254">
+                    <a:extLst>
+                      <a:ext uri="{FF2B5EF4-FFF2-40B4-BE49-F238E27FC236}">
+                        <a16:creationId xmlns:a16="http://schemas.microsoft.com/office/drawing/2014/main" id="{2D374B11-BF89-3F48-A96E-E643CE3312AC}"/>
+                      </a:ext>
+                    </a:extLst>
+                  </p:cNvPr>
+                  <p:cNvSpPr>
+                    <a:spLocks noRot="1" noChangeAspect="1" noMove="1" noResize="1" noEditPoints="1" noAdjustHandles="1" noChangeArrowheads="1" noChangeShapeType="1" noTextEdit="1"/>
+                  </p:cNvSpPr>
+                  <p:nvPr/>
+                </p:nvSpPr>
+                <p:spPr>
+                  <a:xfrm>
+                    <a:off x="11264353" y="4807643"/>
+                    <a:ext cx="531235" cy="402931"/>
+                  </a:xfrm>
+                  <a:prstGeom prst="rect">
+                    <a:avLst/>
+                  </a:prstGeom>
+                  <a:blipFill>
+                    <a:blip r:embed="rId55"/>
+                    <a:stretch>
+                      <a:fillRect/>
+                    </a:stretch>
+                  </a:blipFill>
+                </p:spPr>
+                <p:txBody>
+                  <a:bodyPr/>
+                  <a:lstStyle/>
+                  <a:p>
+                    <a:r>
+                      <a:rPr lang="en-US">
+                        <a:noFill/>
+                      </a:rPr>
+                      <a:t> </a:t>
+                    </a:r>
+                  </a:p>
+                </p:txBody>
+              </p:sp>
+            </mc:Fallback>
+          </mc:AlternateContent>
+        </p:grpSp>
+        <p:cxnSp>
+          <p:nvCxnSpPr>
+            <p:cNvPr id="260" name="Straight Arrow Connector 259">
+              <a:extLst>
+                <a:ext uri="{FF2B5EF4-FFF2-40B4-BE49-F238E27FC236}">
+                  <a16:creationId xmlns:a16="http://schemas.microsoft.com/office/drawing/2014/main" id="{B6FEB149-9261-414B-8471-56DD9F1B18B2}"/>
+                </a:ext>
+              </a:extLst>
+            </p:cNvPr>
+            <p:cNvCxnSpPr/>
+            <p:nvPr/>
+          </p:nvCxnSpPr>
+          <p:spPr>
+            <a:xfrm>
+              <a:off x="9235556" y="4602332"/>
+              <a:ext cx="717417" cy="0"/>
+            </a:xfrm>
+            <a:prstGeom prst="straightConnector1">
+              <a:avLst/>
+            </a:prstGeom>
+            <a:ln w="76200">
+              <a:solidFill>
+                <a:schemeClr val="tx1"/>
+              </a:solidFill>
+              <a:tailEnd type="triangle"/>
+            </a:ln>
+          </p:spPr>
+          <p:style>
+            <a:lnRef idx="1">
+              <a:schemeClr val="accent1"/>
+            </a:lnRef>
+            <a:fillRef idx="0">
+              <a:schemeClr val="accent1"/>
+            </a:fillRef>
+            <a:effectRef idx="0">
+              <a:schemeClr val="accent1"/>
+            </a:effectRef>
+            <a:fontRef idx="minor">
+              <a:schemeClr val="tx1"/>
+            </a:fontRef>
+          </p:style>
+        </p:cxnSp>
       </p:grpSp>
     </p:spTree>
     <p:extLst>
@@ -39493,8 +41846,8 @@
             </a:fontRef>
           </p:style>
         </p:cxnSp>
-        <mc:AlternateContent xmlns:mc="http://schemas.openxmlformats.org/markup-compatibility/2006">
-          <mc:Choice xmlns:a14="http://schemas.microsoft.com/office/drawing/2010/main" Requires="a14">
+        <mc:AlternateContent xmlns:mc="http://schemas.openxmlformats.org/markup-compatibility/2006" xmlns:a14="http://schemas.microsoft.com/office/drawing/2010/main">
+          <mc:Choice Requires="a14">
             <p:sp>
               <p:nvSpPr>
                 <p:cNvPr id="9" name="Rectangle 8">
@@ -39544,7 +41897,7 @@
               </p:txBody>
             </p:sp>
           </mc:Choice>
-          <mc:Fallback>
+          <mc:Fallback xmlns="">
             <p:sp>
               <p:nvSpPr>
                 <p:cNvPr id="9" name="Rectangle 8">
@@ -39589,8 +41942,8 @@
             </p:sp>
           </mc:Fallback>
         </mc:AlternateContent>
-        <mc:AlternateContent xmlns:mc="http://schemas.openxmlformats.org/markup-compatibility/2006">
-          <mc:Choice xmlns:a14="http://schemas.microsoft.com/office/drawing/2010/main" Requires="a14">
+        <mc:AlternateContent xmlns:mc="http://schemas.openxmlformats.org/markup-compatibility/2006" xmlns:a14="http://schemas.microsoft.com/office/drawing/2010/main">
+          <mc:Choice Requires="a14">
             <p:sp>
               <p:nvSpPr>
                 <p:cNvPr id="10" name="Rectangle 9">
@@ -39639,7 +41992,7 @@
               </p:txBody>
             </p:sp>
           </mc:Choice>
-          <mc:Fallback>
+          <mc:Fallback xmlns="">
             <p:sp>
               <p:nvSpPr>
                 <p:cNvPr id="10" name="Rectangle 9">
@@ -39684,8 +42037,8 @@
             </p:sp>
           </mc:Fallback>
         </mc:AlternateContent>
-        <mc:AlternateContent xmlns:mc="http://schemas.openxmlformats.org/markup-compatibility/2006">
-          <mc:Choice xmlns:a14="http://schemas.microsoft.com/office/drawing/2010/main" Requires="a14">
+        <mc:AlternateContent xmlns:mc="http://schemas.openxmlformats.org/markup-compatibility/2006" xmlns:a14="http://schemas.microsoft.com/office/drawing/2010/main">
+          <mc:Choice Requires="a14">
             <p:sp>
               <p:nvSpPr>
                 <p:cNvPr id="11" name="Rectangle 10">
@@ -39735,7 +42088,7 @@
               </p:txBody>
             </p:sp>
           </mc:Choice>
-          <mc:Fallback>
+          <mc:Fallback xmlns="">
             <p:sp>
               <p:nvSpPr>
                 <p:cNvPr id="11" name="Rectangle 10">
@@ -39811,8 +42164,8 @@
             </a:p>
           </p:txBody>
         </p:sp>
-        <mc:AlternateContent xmlns:mc="http://schemas.openxmlformats.org/markup-compatibility/2006">
-          <mc:Choice xmlns:a14="http://schemas.microsoft.com/office/drawing/2010/main" Requires="a14">
+        <mc:AlternateContent xmlns:mc="http://schemas.openxmlformats.org/markup-compatibility/2006" xmlns:a14="http://schemas.microsoft.com/office/drawing/2010/main">
+          <mc:Choice Requires="a14">
             <p:sp>
               <p:nvSpPr>
                 <p:cNvPr id="105" name="TextBox 104">
@@ -39862,7 +42215,7 @@
               </p:txBody>
             </p:sp>
           </mc:Choice>
-          <mc:Fallback>
+          <mc:Fallback xmlns="">
             <p:sp>
               <p:nvSpPr>
                 <p:cNvPr id="105" name="TextBox 104">
@@ -39907,8 +42260,8 @@
             </p:sp>
           </mc:Fallback>
         </mc:AlternateContent>
-        <mc:AlternateContent xmlns:mc="http://schemas.openxmlformats.org/markup-compatibility/2006">
-          <mc:Choice xmlns:a14="http://schemas.microsoft.com/office/drawing/2010/main" Requires="a14">
+        <mc:AlternateContent xmlns:mc="http://schemas.openxmlformats.org/markup-compatibility/2006" xmlns:a14="http://schemas.microsoft.com/office/drawing/2010/main">
+          <mc:Choice Requires="a14">
             <p:sp>
               <p:nvSpPr>
                 <p:cNvPr id="106" name="TextBox 105">
@@ -39958,7 +42311,7 @@
               </p:txBody>
             </p:sp>
           </mc:Choice>
-          <mc:Fallback>
+          <mc:Fallback xmlns="">
             <p:sp>
               <p:nvSpPr>
                 <p:cNvPr id="106" name="TextBox 105">
@@ -40003,8 +42356,8 @@
             </p:sp>
           </mc:Fallback>
         </mc:AlternateContent>
-        <mc:AlternateContent xmlns:mc="http://schemas.openxmlformats.org/markup-compatibility/2006">
-          <mc:Choice xmlns:a14="http://schemas.microsoft.com/office/drawing/2010/main" Requires="a14">
+        <mc:AlternateContent xmlns:mc="http://schemas.openxmlformats.org/markup-compatibility/2006" xmlns:a14="http://schemas.microsoft.com/office/drawing/2010/main">
+          <mc:Choice Requires="a14">
             <p:sp>
               <p:nvSpPr>
                 <p:cNvPr id="107" name="TextBox 106">
@@ -40054,7 +42407,7 @@
               </p:txBody>
             </p:sp>
           </mc:Choice>
-          <mc:Fallback>
+          <mc:Fallback xmlns="">
             <p:sp>
               <p:nvSpPr>
                 <p:cNvPr id="107" name="TextBox 106">
@@ -40371,8 +42724,8 @@
             </a:p>
           </p:txBody>
         </p:sp>
-        <mc:AlternateContent xmlns:mc="http://schemas.openxmlformats.org/markup-compatibility/2006">
-          <mc:Choice xmlns:a14="http://schemas.microsoft.com/office/drawing/2010/main" Requires="a14">
+        <mc:AlternateContent xmlns:mc="http://schemas.openxmlformats.org/markup-compatibility/2006" xmlns:a14="http://schemas.microsoft.com/office/drawing/2010/main">
+          <mc:Choice Requires="a14">
             <p:sp>
               <p:nvSpPr>
                 <p:cNvPr id="128" name="TextBox 127">
@@ -40447,7 +42800,7 @@
               </p:txBody>
             </p:sp>
           </mc:Choice>
-          <mc:Fallback>
+          <mc:Fallback xmlns="">
             <p:sp>
               <p:nvSpPr>
                 <p:cNvPr id="128" name="TextBox 127">
@@ -40492,8 +42845,8 @@
             </p:sp>
           </mc:Fallback>
         </mc:AlternateContent>
-        <mc:AlternateContent xmlns:mc="http://schemas.openxmlformats.org/markup-compatibility/2006">
-          <mc:Choice xmlns:a14="http://schemas.microsoft.com/office/drawing/2010/main" Requires="a14">
+        <mc:AlternateContent xmlns:mc="http://schemas.openxmlformats.org/markup-compatibility/2006" xmlns:a14="http://schemas.microsoft.com/office/drawing/2010/main">
+          <mc:Choice Requires="a14">
             <p:sp>
               <p:nvSpPr>
                 <p:cNvPr id="129" name="TextBox 128">
@@ -40562,7 +42915,7 @@
               </p:txBody>
             </p:sp>
           </mc:Choice>
-          <mc:Fallback>
+          <mc:Fallback xmlns="">
             <p:sp>
               <p:nvSpPr>
                 <p:cNvPr id="129" name="TextBox 128">
@@ -40607,8 +42960,8 @@
             </p:sp>
           </mc:Fallback>
         </mc:AlternateContent>
-        <mc:AlternateContent xmlns:mc="http://schemas.openxmlformats.org/markup-compatibility/2006">
-          <mc:Choice xmlns:a14="http://schemas.microsoft.com/office/drawing/2010/main" Requires="a14">
+        <mc:AlternateContent xmlns:mc="http://schemas.openxmlformats.org/markup-compatibility/2006" xmlns:a14="http://schemas.microsoft.com/office/drawing/2010/main">
+          <mc:Choice Requires="a14">
             <p:sp>
               <p:nvSpPr>
                 <p:cNvPr id="131" name="TextBox 130">
@@ -40677,7 +43030,7 @@
               </p:txBody>
             </p:sp>
           </mc:Choice>
-          <mc:Fallback>
+          <mc:Fallback xmlns="">
             <p:sp>
               <p:nvSpPr>
                 <p:cNvPr id="131" name="TextBox 130">
@@ -40857,8 +43210,8 @@
             </a:p>
           </p:txBody>
         </p:sp>
-        <mc:AlternateContent xmlns:mc="http://schemas.openxmlformats.org/markup-compatibility/2006">
-          <mc:Choice xmlns:a14="http://schemas.microsoft.com/office/drawing/2010/main" Requires="a14">
+        <mc:AlternateContent xmlns:mc="http://schemas.openxmlformats.org/markup-compatibility/2006" xmlns:a14="http://schemas.microsoft.com/office/drawing/2010/main">
+          <mc:Choice Requires="a14">
             <p:sp>
               <p:nvSpPr>
                 <p:cNvPr id="138" name="TextBox 137">
@@ -40927,7 +43280,7 @@
               </p:txBody>
             </p:sp>
           </mc:Choice>
-          <mc:Fallback>
+          <mc:Fallback xmlns="">
             <p:sp>
               <p:nvSpPr>
                 <p:cNvPr id="138" name="TextBox 137">
@@ -40972,8 +43325,8 @@
             </p:sp>
           </mc:Fallback>
         </mc:AlternateContent>
-        <mc:AlternateContent xmlns:mc="http://schemas.openxmlformats.org/markup-compatibility/2006">
-          <mc:Choice xmlns:a14="http://schemas.microsoft.com/office/drawing/2010/main" Requires="a14">
+        <mc:AlternateContent xmlns:mc="http://schemas.openxmlformats.org/markup-compatibility/2006" xmlns:a14="http://schemas.microsoft.com/office/drawing/2010/main">
+          <mc:Choice Requires="a14">
             <p:sp>
               <p:nvSpPr>
                 <p:cNvPr id="142" name="TextBox 141">
@@ -41061,7 +43414,7 @@
               </p:txBody>
             </p:sp>
           </mc:Choice>
-          <mc:Fallback>
+          <mc:Fallback xmlns="">
             <p:sp>
               <p:nvSpPr>
                 <p:cNvPr id="142" name="TextBox 141">

--- a/tex/figures/ChargesFields/Figures.pptx
+++ b/tex/figures/ChargesFields/Figures.pptx
@@ -4792,7 +4792,7 @@
           <a:p>
             <a:fld id="{FA15A6B2-55AC-CD4B-A1E6-BB01091FE9DC}" type="datetimeFigureOut">
               <a:rPr lang="en-US" smtClean="0"/>
-              <a:t>6/20/20</a:t>
+              <a:t>8/17/20</a:t>
             </a:fld>
             <a:endParaRPr lang="en-US"/>
           </a:p>
@@ -5143,6 +5143,90 @@
 </p:notes>
 </file>
 
+<file path=ppt/notesSlides/notesSlide2.xml><?xml version="1.0" encoding="utf-8"?>
+<p:notes xmlns:a="http://schemas.openxmlformats.org/drawingml/2006/main" xmlns:r="http://schemas.openxmlformats.org/officeDocument/2006/relationships" xmlns:p="http://schemas.openxmlformats.org/presentationml/2006/main">
+  <p:cSld>
+    <p:spTree>
+      <p:nvGrpSpPr>
+        <p:cNvPr id="1" name=""/>
+        <p:cNvGrpSpPr/>
+        <p:nvPr/>
+      </p:nvGrpSpPr>
+      <p:grpSpPr>
+        <a:xfrm>
+          <a:off x="0" y="0"/>
+          <a:ext cx="0" cy="0"/>
+          <a:chOff x="0" y="0"/>
+          <a:chExt cx="0" cy="0"/>
+        </a:xfrm>
+      </p:grpSpPr>
+      <p:sp>
+        <p:nvSpPr>
+          <p:cNvPr id="2" name="Slide Image Placeholder 1"/>
+          <p:cNvSpPr>
+            <a:spLocks noGrp="1" noRot="1" noChangeAspect="1"/>
+          </p:cNvSpPr>
+          <p:nvPr>
+            <p:ph type="sldImg"/>
+          </p:nvPr>
+        </p:nvSpPr>
+        <p:spPr/>
+      </p:sp>
+      <p:sp>
+        <p:nvSpPr>
+          <p:cNvPr id="3" name="Notes Placeholder 2"/>
+          <p:cNvSpPr>
+            <a:spLocks noGrp="1"/>
+          </p:cNvSpPr>
+          <p:nvPr>
+            <p:ph type="body" idx="1"/>
+          </p:nvPr>
+        </p:nvSpPr>
+        <p:spPr/>
+        <p:txBody>
+          <a:bodyPr/>
+          <a:lstStyle/>
+          <a:p>
+            <a:endParaRPr lang="en-US" dirty="0"/>
+          </a:p>
+        </p:txBody>
+      </p:sp>
+      <p:sp>
+        <p:nvSpPr>
+          <p:cNvPr id="4" name="Slide Number Placeholder 3"/>
+          <p:cNvSpPr>
+            <a:spLocks noGrp="1"/>
+          </p:cNvSpPr>
+          <p:nvPr>
+            <p:ph type="sldNum" sz="quarter" idx="5"/>
+          </p:nvPr>
+        </p:nvSpPr>
+        <p:spPr/>
+        <p:txBody>
+          <a:bodyPr/>
+          <a:lstStyle/>
+          <a:p>
+            <a:fld id="{2837E6EB-45E0-614E-8893-FF8AD648B34C}" type="slidenum">
+              <a:rPr lang="en-US" smtClean="0"/>
+              <a:t>4</a:t>
+            </a:fld>
+            <a:endParaRPr lang="en-US"/>
+          </a:p>
+        </p:txBody>
+      </p:sp>
+    </p:spTree>
+    <p:extLst>
+      <p:ext uri="{BB962C8B-B14F-4D97-AF65-F5344CB8AC3E}">
+        <p14:creationId xmlns:p14="http://schemas.microsoft.com/office/powerpoint/2010/main" val="3294649117"/>
+      </p:ext>
+    </p:extLst>
+  </p:cSld>
+  <p:clrMapOvr>
+    <a:masterClrMapping/>
+  </p:clrMapOvr>
+</p:notes>
+</file>
+
 <file path=ppt/slideLayouts/slideLayout1.xml><?xml version="1.0" encoding="utf-8"?>
 <p:sldLayout xmlns:a="http://schemas.openxmlformats.org/drawingml/2006/main" xmlns:r="http://schemas.openxmlformats.org/officeDocument/2006/relationships" xmlns:p="http://schemas.openxmlformats.org/presentationml/2006/main" type="title" preserve="1">
   <p:cSld name="Title Slide">
@@ -5274,7 +5358,7 @@
           <a:p>
             <a:fld id="{F7249F8D-641B-4CAF-BAE5-10524742F6F1}" type="datetimeFigureOut">
               <a:rPr lang="en-CA" smtClean="0"/>
-              <a:t>2020-06-20</a:t>
+              <a:t>2020-08-17</a:t>
             </a:fld>
             <a:endParaRPr lang="en-CA"/>
           </a:p>
@@ -5444,7 +5528,7 @@
           <a:p>
             <a:fld id="{F7249F8D-641B-4CAF-BAE5-10524742F6F1}" type="datetimeFigureOut">
               <a:rPr lang="en-CA" smtClean="0"/>
-              <a:t>2020-06-20</a:t>
+              <a:t>2020-08-17</a:t>
             </a:fld>
             <a:endParaRPr lang="en-CA"/>
           </a:p>
@@ -5624,7 +5708,7 @@
           <a:p>
             <a:fld id="{F7249F8D-641B-4CAF-BAE5-10524742F6F1}" type="datetimeFigureOut">
               <a:rPr lang="en-CA" smtClean="0"/>
-              <a:t>2020-06-20</a:t>
+              <a:t>2020-08-17</a:t>
             </a:fld>
             <a:endParaRPr lang="en-CA"/>
           </a:p>
@@ -5794,7 +5878,7 @@
           <a:p>
             <a:fld id="{F7249F8D-641B-4CAF-BAE5-10524742F6F1}" type="datetimeFigureOut">
               <a:rPr lang="en-CA" smtClean="0"/>
-              <a:t>2020-06-20</a:t>
+              <a:t>2020-08-17</a:t>
             </a:fld>
             <a:endParaRPr lang="en-CA"/>
           </a:p>
@@ -6040,7 +6124,7 @@
           <a:p>
             <a:fld id="{F7249F8D-641B-4CAF-BAE5-10524742F6F1}" type="datetimeFigureOut">
               <a:rPr lang="en-CA" smtClean="0"/>
-              <a:t>2020-06-20</a:t>
+              <a:t>2020-08-17</a:t>
             </a:fld>
             <a:endParaRPr lang="en-CA"/>
           </a:p>
@@ -6272,7 +6356,7 @@
           <a:p>
             <a:fld id="{F7249F8D-641B-4CAF-BAE5-10524742F6F1}" type="datetimeFigureOut">
               <a:rPr lang="en-CA" smtClean="0"/>
-              <a:t>2020-06-20</a:t>
+              <a:t>2020-08-17</a:t>
             </a:fld>
             <a:endParaRPr lang="en-CA"/>
           </a:p>
@@ -6639,7 +6723,7 @@
           <a:p>
             <a:fld id="{F7249F8D-641B-4CAF-BAE5-10524742F6F1}" type="datetimeFigureOut">
               <a:rPr lang="en-CA" smtClean="0"/>
-              <a:t>2020-06-20</a:t>
+              <a:t>2020-08-17</a:t>
             </a:fld>
             <a:endParaRPr lang="en-CA"/>
           </a:p>
@@ -6757,7 +6841,7 @@
           <a:p>
             <a:fld id="{F7249F8D-641B-4CAF-BAE5-10524742F6F1}" type="datetimeFigureOut">
               <a:rPr lang="en-CA" smtClean="0"/>
-              <a:t>2020-06-20</a:t>
+              <a:t>2020-08-17</a:t>
             </a:fld>
             <a:endParaRPr lang="en-CA"/>
           </a:p>
@@ -6852,7 +6936,7 @@
           <a:p>
             <a:fld id="{F7249F8D-641B-4CAF-BAE5-10524742F6F1}" type="datetimeFigureOut">
               <a:rPr lang="en-CA" smtClean="0"/>
-              <a:t>2020-06-20</a:t>
+              <a:t>2020-08-17</a:t>
             </a:fld>
             <a:endParaRPr lang="en-CA"/>
           </a:p>
@@ -7129,7 +7213,7 @@
           <a:p>
             <a:fld id="{F7249F8D-641B-4CAF-BAE5-10524742F6F1}" type="datetimeFigureOut">
               <a:rPr lang="en-CA" smtClean="0"/>
-              <a:t>2020-06-20</a:t>
+              <a:t>2020-08-17</a:t>
             </a:fld>
             <a:endParaRPr lang="en-CA"/>
           </a:p>
@@ -7382,7 +7466,7 @@
           <a:p>
             <a:fld id="{F7249F8D-641B-4CAF-BAE5-10524742F6F1}" type="datetimeFigureOut">
               <a:rPr lang="en-CA" smtClean="0"/>
-              <a:t>2020-06-20</a:t>
+              <a:t>2020-08-17</a:t>
             </a:fld>
             <a:endParaRPr lang="en-CA"/>
           </a:p>
@@ -7595,7 +7679,7 @@
           <a:p>
             <a:fld id="{F7249F8D-641B-4CAF-BAE5-10524742F6F1}" type="datetimeFigureOut">
               <a:rPr lang="en-CA" smtClean="0"/>
-              <a:t>2020-06-20</a:t>
+              <a:t>2020-08-17</a:t>
             </a:fld>
             <a:endParaRPr lang="en-CA"/>
           </a:p>
@@ -23104,7 +23188,7 @@
                     <a:avLst/>
                   </a:prstGeom>
                   <a:blipFill>
-                    <a:blip r:embed="rId2"/>
+                    <a:blip r:embed="rId3"/>
                     <a:stretch>
                       <a:fillRect b="-4762"/>
                     </a:stretch>
@@ -23223,7 +23307,7 @@
                     <a:avLst/>
                   </a:prstGeom>
                   <a:blipFill>
-                    <a:blip r:embed="rId3"/>
+                    <a:blip r:embed="rId4"/>
                     <a:stretch>
                       <a:fillRect b="-6349"/>
                     </a:stretch>
@@ -23440,7 +23524,7 @@
                     <a:avLst/>
                   </a:prstGeom>
                   <a:blipFill>
-                    <a:blip r:embed="rId4"/>
+                    <a:blip r:embed="rId5"/>
                     <a:stretch>
                       <a:fillRect l="-2353" r="-4118" b="-5660"/>
                     </a:stretch>
@@ -28461,10 +28545,10 @@
       </p:grpSp>
       <p:grpSp>
         <p:nvGrpSpPr>
-          <p:cNvPr id="261" name="Group 260">
+          <p:cNvPr id="23" name="Group 22">
             <a:extLst>
               <a:ext uri="{FF2B5EF4-FFF2-40B4-BE49-F238E27FC236}">
-                <a16:creationId xmlns:a16="http://schemas.microsoft.com/office/drawing/2014/main" id="{C7588C17-5364-EC46-80F5-2C500825A251}"/>
+                <a16:creationId xmlns:a16="http://schemas.microsoft.com/office/drawing/2014/main" id="{A346010E-BAA9-5D40-B741-1AA9DB4C56E9}"/>
               </a:ext>
             </a:extLst>
           </p:cNvPr>
@@ -28479,12 +28563,56 @@
             <a:chExt cx="4818136" cy="2680375"/>
           </a:xfrm>
         </p:grpSpPr>
+        <p:cxnSp>
+          <p:nvCxnSpPr>
+            <p:cNvPr id="155" name="Straight Connector 154">
+              <a:extLst>
+                <a:ext uri="{FF2B5EF4-FFF2-40B4-BE49-F238E27FC236}">
+                  <a16:creationId xmlns:a16="http://schemas.microsoft.com/office/drawing/2014/main" id="{D21B7F1D-C767-4A4C-A78D-7A43AF7F479F}"/>
+                </a:ext>
+              </a:extLst>
+            </p:cNvPr>
+            <p:cNvCxnSpPr>
+              <a:cxnSpLocks/>
+            </p:cNvCxnSpPr>
+            <p:nvPr/>
+          </p:nvCxnSpPr>
+          <p:spPr>
+            <a:xfrm>
+              <a:off x="10340654" y="4663664"/>
+              <a:ext cx="1040832" cy="0"/>
+            </a:xfrm>
+            <a:prstGeom prst="line">
+              <a:avLst/>
+            </a:prstGeom>
+            <a:ln w="28575">
+              <a:solidFill>
+                <a:schemeClr val="tx1"/>
+              </a:solidFill>
+              <a:prstDash val="sysDot"/>
+            </a:ln>
+          </p:spPr>
+          <p:style>
+            <a:lnRef idx="1">
+              <a:schemeClr val="accent1"/>
+            </a:lnRef>
+            <a:fillRef idx="0">
+              <a:schemeClr val="accent1"/>
+            </a:fillRef>
+            <a:effectRef idx="0">
+              <a:schemeClr val="accent1"/>
+            </a:effectRef>
+            <a:fontRef idx="minor">
+              <a:schemeClr val="tx1"/>
+            </a:fontRef>
+          </p:style>
+        </p:cxnSp>
         <p:grpSp>
           <p:nvGrpSpPr>
-            <p:cNvPr id="195" name="Group 194">
+            <p:cNvPr id="22" name="Group 21">
               <a:extLst>
                 <a:ext uri="{FF2B5EF4-FFF2-40B4-BE49-F238E27FC236}">
-                  <a16:creationId xmlns:a16="http://schemas.microsoft.com/office/drawing/2014/main" id="{2BFC2339-6213-144B-AB3E-554A5650AF77}"/>
+                  <a16:creationId xmlns:a16="http://schemas.microsoft.com/office/drawing/2014/main" id="{938FFF33-26E0-9946-9556-E74F5E07F8E2}"/>
                 </a:ext>
               </a:extLst>
             </p:cNvPr>
@@ -28494,17 +28622,17 @@
           <p:grpSpPr>
             <a:xfrm>
               <a:off x="7388126" y="3233156"/>
-              <a:ext cx="2441515" cy="2680375"/>
-              <a:chOff x="9303300" y="3291840"/>
-              <a:chExt cx="2441515" cy="2680375"/>
+              <a:ext cx="4818136" cy="2680375"/>
+              <a:chOff x="7388126" y="3233156"/>
+              <a:chExt cx="4818136" cy="2680375"/>
             </a:xfrm>
           </p:grpSpPr>
           <p:grpSp>
             <p:nvGrpSpPr>
-              <p:cNvPr id="100" name="Group 99">
+              <p:cNvPr id="261" name="Group 260">
                 <a:extLst>
                   <a:ext uri="{FF2B5EF4-FFF2-40B4-BE49-F238E27FC236}">
-                    <a16:creationId xmlns:a16="http://schemas.microsoft.com/office/drawing/2014/main" id="{9989A1DC-5FE4-464D-B291-9E9684221C92}"/>
+                    <a16:creationId xmlns:a16="http://schemas.microsoft.com/office/drawing/2014/main" id="{C7588C17-5364-EC46-80F5-2C500825A251}"/>
                   </a:ext>
                 </a:extLst>
               </p:cNvPr>
@@ -28513,39 +28641,2332 @@
             </p:nvGrpSpPr>
             <p:grpSpPr>
               <a:xfrm>
-                <a:off x="9671086" y="3369473"/>
-                <a:ext cx="2073729" cy="2344246"/>
-                <a:chOff x="5412920" y="1786883"/>
-                <a:chExt cx="2073729" cy="2344246"/>
+                <a:off x="7388126" y="3233156"/>
+                <a:ext cx="4818136" cy="2680375"/>
+                <a:chOff x="7388126" y="3233156"/>
+                <a:chExt cx="4818136" cy="2680375"/>
               </a:xfrm>
             </p:grpSpPr>
-            <p:sp>
-              <p:nvSpPr>
-                <p:cNvPr id="110" name="Arc 109">
+            <p:grpSp>
+              <p:nvGrpSpPr>
+                <p:cNvPr id="195" name="Group 194">
                   <a:extLst>
                     <a:ext uri="{FF2B5EF4-FFF2-40B4-BE49-F238E27FC236}">
-                      <a16:creationId xmlns:a16="http://schemas.microsoft.com/office/drawing/2014/main" id="{4FA81BAA-6036-8E44-977B-310DAB02C7C4}"/>
+                      <a16:creationId xmlns:a16="http://schemas.microsoft.com/office/drawing/2014/main" id="{2BFC2339-6213-144B-AB3E-554A5650AF77}"/>
                     </a:ext>
                   </a:extLst>
                 </p:cNvPr>
-                <p:cNvSpPr/>
+                <p:cNvGrpSpPr/>
                 <p:nvPr/>
-              </p:nvSpPr>
+              </p:nvGrpSpPr>
+              <p:grpSpPr>
+                <a:xfrm>
+                  <a:off x="7388126" y="3233156"/>
+                  <a:ext cx="2441515" cy="2680375"/>
+                  <a:chOff x="9303300" y="3291840"/>
+                  <a:chExt cx="2441515" cy="2680375"/>
+                </a:xfrm>
+              </p:grpSpPr>
+              <p:grpSp>
+                <p:nvGrpSpPr>
+                  <p:cNvPr id="100" name="Group 99">
+                    <a:extLst>
+                      <a:ext uri="{FF2B5EF4-FFF2-40B4-BE49-F238E27FC236}">
+                        <a16:creationId xmlns:a16="http://schemas.microsoft.com/office/drawing/2014/main" id="{9989A1DC-5FE4-464D-B291-9E9684221C92}"/>
+                      </a:ext>
+                    </a:extLst>
+                  </p:cNvPr>
+                  <p:cNvGrpSpPr/>
+                  <p:nvPr/>
+                </p:nvGrpSpPr>
+                <p:grpSpPr>
+                  <a:xfrm>
+                    <a:off x="9671086" y="3369473"/>
+                    <a:ext cx="2073729" cy="2344246"/>
+                    <a:chOff x="5412920" y="1786883"/>
+                    <a:chExt cx="2073729" cy="2344246"/>
+                  </a:xfrm>
+                </p:grpSpPr>
+                <p:sp>
+                  <p:nvSpPr>
+                    <p:cNvPr id="110" name="Arc 109">
+                      <a:extLst>
+                        <a:ext uri="{FF2B5EF4-FFF2-40B4-BE49-F238E27FC236}">
+                          <a16:creationId xmlns:a16="http://schemas.microsoft.com/office/drawing/2014/main" id="{4FA81BAA-6036-8E44-977B-310DAB02C7C4}"/>
+                        </a:ext>
+                      </a:extLst>
+                    </p:cNvPr>
+                    <p:cNvSpPr/>
+                    <p:nvPr/>
+                  </p:nvSpPr>
+                  <p:spPr>
+                    <a:xfrm rot="10800000">
+                      <a:off x="5412920" y="2049236"/>
+                      <a:ext cx="2073729" cy="2081893"/>
+                    </a:xfrm>
+                    <a:prstGeom prst="arc">
+                      <a:avLst>
+                        <a:gd name="adj1" fmla="val 16220217"/>
+                        <a:gd name="adj2" fmla="val 5373956"/>
+                      </a:avLst>
+                    </a:prstGeom>
+                    <a:ln w="76200">
+                      <a:solidFill>
+                        <a:schemeClr val="tx1"/>
+                      </a:solidFill>
+                    </a:ln>
+                  </p:spPr>
+                  <p:style>
+                    <a:lnRef idx="1">
+                      <a:schemeClr val="accent1"/>
+                    </a:lnRef>
+                    <a:fillRef idx="0">
+                      <a:schemeClr val="accent1"/>
+                    </a:fillRef>
+                    <a:effectRef idx="0">
+                      <a:schemeClr val="accent1"/>
+                    </a:effectRef>
+                    <a:fontRef idx="minor">
+                      <a:schemeClr val="tx1"/>
+                    </a:fontRef>
+                  </p:style>
+                  <p:txBody>
+                    <a:bodyPr rtlCol="0" anchor="ctr"/>
+                    <a:lstStyle/>
+                    <a:p>
+                      <a:pPr algn="ctr"/>
+                      <a:endParaRPr lang="en-US"/>
+                    </a:p>
+                  </p:txBody>
+                </p:sp>
+                <p:sp>
+                  <p:nvSpPr>
+                    <p:cNvPr id="114" name="Rectangle 113">
+                      <a:extLst>
+                        <a:ext uri="{FF2B5EF4-FFF2-40B4-BE49-F238E27FC236}">
+                          <a16:creationId xmlns:a16="http://schemas.microsoft.com/office/drawing/2014/main" id="{C68678B2-BC24-824E-82EB-7A71150C64D5}"/>
+                        </a:ext>
+                      </a:extLst>
+                    </p:cNvPr>
+                    <p:cNvSpPr/>
+                    <p:nvPr/>
+                  </p:nvSpPr>
+                  <p:spPr>
+                    <a:xfrm>
+                      <a:off x="6066191" y="2083894"/>
+                      <a:ext cx="184731" cy="369332"/>
+                    </a:xfrm>
+                    <a:prstGeom prst="rect">
+                      <a:avLst/>
+                    </a:prstGeom>
+                  </p:spPr>
+                  <p:txBody>
+                    <a:bodyPr wrap="none">
+                      <a:spAutoFit/>
+                    </a:bodyPr>
+                    <a:lstStyle/>
+                    <a:p>
+                      <a:endParaRPr lang="en-CA" dirty="0"/>
+                    </a:p>
+                  </p:txBody>
+                </p:sp>
+                <mc:AlternateContent xmlns:mc="http://schemas.openxmlformats.org/markup-compatibility/2006" xmlns:a14="http://schemas.microsoft.com/office/drawing/2010/main">
+                  <mc:Choice Requires="a14">
+                    <p:sp>
+                      <p:nvSpPr>
+                        <p:cNvPr id="112" name="Rectangle 111">
+                          <a:extLst>
+                            <a:ext uri="{FF2B5EF4-FFF2-40B4-BE49-F238E27FC236}">
+                              <a16:creationId xmlns:a16="http://schemas.microsoft.com/office/drawing/2014/main" id="{C9D92205-3C73-9F48-BDA4-39790085C891}"/>
+                            </a:ext>
+                          </a:extLst>
+                        </p:cNvPr>
+                        <p:cNvSpPr/>
+                        <p:nvPr/>
+                      </p:nvSpPr>
+                      <p:spPr>
+                        <a:xfrm>
+                          <a:off x="6412290" y="1786883"/>
+                          <a:ext cx="572914" cy="369332"/>
+                        </a:xfrm>
+                        <a:prstGeom prst="rect">
+                          <a:avLst/>
+                        </a:prstGeom>
+                      </p:spPr>
+                      <p:txBody>
+                        <a:bodyPr wrap="none">
+                          <a:spAutoFit/>
+                        </a:bodyPr>
+                        <a:lstStyle/>
+                        <a:p>
+                          <a:pPr/>
+                          <a14:m>
+                            <m:oMathPara xmlns:m="http://schemas.openxmlformats.org/officeDocument/2006/math">
+                              <m:oMathParaPr>
+                                <m:jc m:val="centerGroup"/>
+                              </m:oMathParaPr>
+                              <m:oMath xmlns:m="http://schemas.openxmlformats.org/officeDocument/2006/math">
+                                <m:r>
+                                  <a:rPr lang="en-US" b="0" i="1" smtClean="0">
+                                    <a:latin typeface="Cambria Math" panose="02040503050406030204" pitchFamily="18" charset="0"/>
+                                    <a:cs typeface="Arial" panose="020B0604020202020204" pitchFamily="34" charset="0"/>
+                                  </a:rPr>
+                                  <m:t>+</m:t>
+                                </m:r>
+                                <m:r>
+                                  <a:rPr lang="en-CA" b="0" i="1" smtClean="0">
+                                    <a:latin typeface="Cambria Math" panose="02040503050406030204" pitchFamily="18" charset="0"/>
+                                    <a:cs typeface="Arial" panose="020B0604020202020204" pitchFamily="34" charset="0"/>
+                                  </a:rPr>
+                                  <m:t>𝑄</m:t>
+                                </m:r>
+                              </m:oMath>
+                            </m:oMathPara>
+                          </a14:m>
+                          <a:endParaRPr lang="en-CA" dirty="0"/>
+                        </a:p>
+                      </p:txBody>
+                    </p:sp>
+                  </mc:Choice>
+                  <mc:Fallback xmlns="">
+                    <p:sp>
+                      <p:nvSpPr>
+                        <p:cNvPr id="112" name="Rectangle 111">
+                          <a:extLst>
+                            <a:ext uri="{FF2B5EF4-FFF2-40B4-BE49-F238E27FC236}">
+                              <a16:creationId xmlns:a16="http://schemas.microsoft.com/office/drawing/2014/main" id="{C9D92205-3C73-9F48-BDA4-39790085C891}"/>
+                            </a:ext>
+                          </a:extLst>
+                        </p:cNvPr>
+                        <p:cNvSpPr>
+                          <a:spLocks noRot="1" noChangeAspect="1" noMove="1" noResize="1" noEditPoints="1" noAdjustHandles="1" noChangeArrowheads="1" noChangeShapeType="1" noTextEdit="1"/>
+                        </p:cNvSpPr>
+                        <p:nvPr/>
+                      </p:nvSpPr>
+                      <p:spPr>
+                        <a:xfrm>
+                          <a:off x="6412290" y="1786883"/>
+                          <a:ext cx="572914" cy="369332"/>
+                        </a:xfrm>
+                        <a:prstGeom prst="rect">
+                          <a:avLst/>
+                        </a:prstGeom>
+                        <a:blipFill>
+                          <a:blip r:embed="rId51"/>
+                          <a:stretch>
+                            <a:fillRect b="-3333"/>
+                          </a:stretch>
+                        </a:blipFill>
+                      </p:spPr>
+                      <p:txBody>
+                        <a:bodyPr/>
+                        <a:lstStyle/>
+                        <a:p>
+                          <a:r>
+                            <a:rPr lang="en-US">
+                              <a:noFill/>
+                            </a:rPr>
+                            <a:t> </a:t>
+                          </a:r>
+                        </a:p>
+                      </p:txBody>
+                    </p:sp>
+                  </mc:Fallback>
+                </mc:AlternateContent>
+              </p:grpSp>
+              <p:cxnSp>
+                <p:nvCxnSpPr>
+                  <p:cNvPr id="169" name="Straight Connector 168">
+                    <a:extLst>
+                      <a:ext uri="{FF2B5EF4-FFF2-40B4-BE49-F238E27FC236}">
+                        <a16:creationId xmlns:a16="http://schemas.microsoft.com/office/drawing/2014/main" id="{4F91F26D-DD79-724B-B6A6-8292EEE09A2C}"/>
+                      </a:ext>
+                    </a:extLst>
+                  </p:cNvPr>
+                  <p:cNvCxnSpPr>
+                    <a:cxnSpLocks/>
+                  </p:cNvCxnSpPr>
+                  <p:nvPr/>
+                </p:nvCxnSpPr>
+                <p:spPr>
+                  <a:xfrm>
+                    <a:off x="9333767" y="4649730"/>
+                    <a:ext cx="564783" cy="11286"/>
+                  </a:xfrm>
+                  <a:prstGeom prst="line">
+                    <a:avLst/>
+                  </a:prstGeom>
+                  <a:ln w="28575">
+                    <a:solidFill>
+                      <a:schemeClr val="tx1"/>
+                    </a:solidFill>
+                    <a:prstDash val="sysDot"/>
+                  </a:ln>
+                </p:spPr>
+                <p:style>
+                  <a:lnRef idx="1">
+                    <a:schemeClr val="accent1"/>
+                  </a:lnRef>
+                  <a:fillRef idx="0">
+                    <a:schemeClr val="accent1"/>
+                  </a:fillRef>
+                  <a:effectRef idx="0">
+                    <a:schemeClr val="accent1"/>
+                  </a:effectRef>
+                  <a:fontRef idx="minor">
+                    <a:schemeClr val="tx1"/>
+                  </a:fontRef>
+                </p:style>
+              </p:cxnSp>
+              <p:cxnSp>
+                <p:nvCxnSpPr>
+                  <p:cNvPr id="177" name="Straight Connector 176">
+                    <a:extLst>
+                      <a:ext uri="{FF2B5EF4-FFF2-40B4-BE49-F238E27FC236}">
+                        <a16:creationId xmlns:a16="http://schemas.microsoft.com/office/drawing/2014/main" id="{38A32CF3-31D2-E246-B870-CED9E6FDEF4F}"/>
+                      </a:ext>
+                    </a:extLst>
+                  </p:cNvPr>
+                  <p:cNvCxnSpPr>
+                    <a:cxnSpLocks/>
+                  </p:cNvCxnSpPr>
+                  <p:nvPr/>
+                </p:nvCxnSpPr>
+                <p:spPr>
+                  <a:xfrm flipH="1" flipV="1">
+                    <a:off x="10698028" y="3291840"/>
+                    <a:ext cx="16401" cy="604126"/>
+                  </a:xfrm>
+                  <a:prstGeom prst="line">
+                    <a:avLst/>
+                  </a:prstGeom>
+                  <a:ln w="28575">
+                    <a:solidFill>
+                      <a:schemeClr val="tx1"/>
+                    </a:solidFill>
+                    <a:prstDash val="sysDot"/>
+                  </a:ln>
+                </p:spPr>
+                <p:style>
+                  <a:lnRef idx="1">
+                    <a:schemeClr val="accent1"/>
+                  </a:lnRef>
+                  <a:fillRef idx="0">
+                    <a:schemeClr val="accent1"/>
+                  </a:fillRef>
+                  <a:effectRef idx="0">
+                    <a:schemeClr val="accent1"/>
+                  </a:effectRef>
+                  <a:fontRef idx="minor">
+                    <a:schemeClr val="tx1"/>
+                  </a:fontRef>
+                </p:style>
+              </p:cxnSp>
+              <p:cxnSp>
+                <p:nvCxnSpPr>
+                  <p:cNvPr id="178" name="Straight Connector 177">
+                    <a:extLst>
+                      <a:ext uri="{FF2B5EF4-FFF2-40B4-BE49-F238E27FC236}">
+                        <a16:creationId xmlns:a16="http://schemas.microsoft.com/office/drawing/2014/main" id="{B68FBA41-29DF-024E-A40D-2BAEE27C8309}"/>
+                      </a:ext>
+                    </a:extLst>
+                  </p:cNvPr>
+                  <p:cNvCxnSpPr>
+                    <a:cxnSpLocks/>
+                  </p:cNvCxnSpPr>
+                  <p:nvPr/>
+                </p:nvCxnSpPr>
+                <p:spPr>
+                  <a:xfrm flipH="1" flipV="1">
+                    <a:off x="9680441" y="3652483"/>
+                    <a:ext cx="420689" cy="383333"/>
+                  </a:xfrm>
+                  <a:prstGeom prst="line">
+                    <a:avLst/>
+                  </a:prstGeom>
+                  <a:ln w="28575">
+                    <a:solidFill>
+                      <a:schemeClr val="tx1"/>
+                    </a:solidFill>
+                    <a:prstDash val="sysDot"/>
+                  </a:ln>
+                </p:spPr>
+                <p:style>
+                  <a:lnRef idx="1">
+                    <a:schemeClr val="accent1"/>
+                  </a:lnRef>
+                  <a:fillRef idx="0">
+                    <a:schemeClr val="accent1"/>
+                  </a:fillRef>
+                  <a:effectRef idx="0">
+                    <a:schemeClr val="accent1"/>
+                  </a:effectRef>
+                  <a:fontRef idx="minor">
+                    <a:schemeClr val="tx1"/>
+                  </a:fontRef>
+                </p:style>
+              </p:cxnSp>
+              <p:cxnSp>
+                <p:nvCxnSpPr>
+                  <p:cNvPr id="179" name="Straight Connector 178">
+                    <a:extLst>
+                      <a:ext uri="{FF2B5EF4-FFF2-40B4-BE49-F238E27FC236}">
+                        <a16:creationId xmlns:a16="http://schemas.microsoft.com/office/drawing/2014/main" id="{367518AD-B731-A34E-A14D-C737C4AEECD5}"/>
+                      </a:ext>
+                    </a:extLst>
+                  </p:cNvPr>
+                  <p:cNvCxnSpPr>
+                    <a:cxnSpLocks/>
+                  </p:cNvCxnSpPr>
+                  <p:nvPr/>
+                </p:nvCxnSpPr>
+                <p:spPr>
+                  <a:xfrm flipH="1">
+                    <a:off x="9722620" y="5241594"/>
+                    <a:ext cx="378511" cy="320554"/>
+                  </a:xfrm>
+                  <a:prstGeom prst="line">
+                    <a:avLst/>
+                  </a:prstGeom>
+                  <a:ln w="28575">
+                    <a:solidFill>
+                      <a:schemeClr val="tx1"/>
+                    </a:solidFill>
+                    <a:prstDash val="sysDot"/>
+                  </a:ln>
+                </p:spPr>
+                <p:style>
+                  <a:lnRef idx="1">
+                    <a:schemeClr val="accent1"/>
+                  </a:lnRef>
+                  <a:fillRef idx="0">
+                    <a:schemeClr val="accent1"/>
+                  </a:fillRef>
+                  <a:effectRef idx="0">
+                    <a:schemeClr val="accent1"/>
+                  </a:effectRef>
+                  <a:fontRef idx="minor">
+                    <a:schemeClr val="tx1"/>
+                  </a:fontRef>
+                </p:style>
+              </p:cxnSp>
+              <p:cxnSp>
+                <p:nvCxnSpPr>
+                  <p:cNvPr id="180" name="Straight Connector 179">
+                    <a:extLst>
+                      <a:ext uri="{FF2B5EF4-FFF2-40B4-BE49-F238E27FC236}">
+                        <a16:creationId xmlns:a16="http://schemas.microsoft.com/office/drawing/2014/main" id="{6BBF3D50-8580-4C45-A454-9F86428E84BA}"/>
+                      </a:ext>
+                    </a:extLst>
+                  </p:cNvPr>
+                  <p:cNvCxnSpPr>
+                    <a:cxnSpLocks/>
+                  </p:cNvCxnSpPr>
+                  <p:nvPr/>
+                </p:nvCxnSpPr>
+                <p:spPr>
+                  <a:xfrm flipH="1">
+                    <a:off x="10204441" y="5415271"/>
+                    <a:ext cx="184951" cy="465049"/>
+                  </a:xfrm>
+                  <a:prstGeom prst="line">
+                    <a:avLst/>
+                  </a:prstGeom>
+                  <a:ln w="28575">
+                    <a:solidFill>
+                      <a:schemeClr val="tx1"/>
+                    </a:solidFill>
+                    <a:prstDash val="sysDot"/>
+                  </a:ln>
+                </p:spPr>
+                <p:style>
+                  <a:lnRef idx="1">
+                    <a:schemeClr val="accent1"/>
+                  </a:lnRef>
+                  <a:fillRef idx="0">
+                    <a:schemeClr val="accent1"/>
+                  </a:fillRef>
+                  <a:effectRef idx="0">
+                    <a:schemeClr val="accent1"/>
+                  </a:effectRef>
+                  <a:fontRef idx="minor">
+                    <a:schemeClr val="tx1"/>
+                  </a:fontRef>
+                </p:style>
+              </p:cxnSp>
+              <p:cxnSp>
+                <p:nvCxnSpPr>
+                  <p:cNvPr id="181" name="Straight Connector 180">
+                    <a:extLst>
+                      <a:ext uri="{FF2B5EF4-FFF2-40B4-BE49-F238E27FC236}">
+                        <a16:creationId xmlns:a16="http://schemas.microsoft.com/office/drawing/2014/main" id="{9CF11E88-30FA-CC4F-A2C4-B688EF3D45CD}"/>
+                      </a:ext>
+                    </a:extLst>
+                  </p:cNvPr>
+                  <p:cNvCxnSpPr>
+                    <a:cxnSpLocks/>
+                  </p:cNvCxnSpPr>
+                  <p:nvPr/>
+                </p:nvCxnSpPr>
+                <p:spPr>
+                  <a:xfrm flipH="1">
+                    <a:off x="9465745" y="4922421"/>
+                    <a:ext cx="514644" cy="209131"/>
+                  </a:xfrm>
+                  <a:prstGeom prst="line">
+                    <a:avLst/>
+                  </a:prstGeom>
+                  <a:ln w="28575">
+                    <a:solidFill>
+                      <a:schemeClr val="tx1"/>
+                    </a:solidFill>
+                    <a:prstDash val="sysDot"/>
+                  </a:ln>
+                </p:spPr>
+                <p:style>
+                  <a:lnRef idx="1">
+                    <a:schemeClr val="accent1"/>
+                  </a:lnRef>
+                  <a:fillRef idx="0">
+                    <a:schemeClr val="accent1"/>
+                  </a:fillRef>
+                  <a:effectRef idx="0">
+                    <a:schemeClr val="accent1"/>
+                  </a:effectRef>
+                  <a:fontRef idx="minor">
+                    <a:schemeClr val="tx1"/>
+                  </a:fontRef>
+                </p:style>
+              </p:cxnSp>
+              <p:cxnSp>
+                <p:nvCxnSpPr>
+                  <p:cNvPr id="182" name="Straight Connector 181">
+                    <a:extLst>
+                      <a:ext uri="{FF2B5EF4-FFF2-40B4-BE49-F238E27FC236}">
+                        <a16:creationId xmlns:a16="http://schemas.microsoft.com/office/drawing/2014/main" id="{7830F97C-1424-1141-AA1D-98C0BA070257}"/>
+                      </a:ext>
+                    </a:extLst>
+                  </p:cNvPr>
+                  <p:cNvCxnSpPr>
+                    <a:cxnSpLocks/>
+                  </p:cNvCxnSpPr>
+                  <p:nvPr/>
+                </p:nvCxnSpPr>
+                <p:spPr>
+                  <a:xfrm flipH="1" flipV="1">
+                    <a:off x="9427818" y="4137988"/>
+                    <a:ext cx="522748" cy="196566"/>
+                  </a:xfrm>
+                  <a:prstGeom prst="line">
+                    <a:avLst/>
+                  </a:prstGeom>
+                  <a:ln w="28575">
+                    <a:solidFill>
+                      <a:schemeClr val="tx1"/>
+                    </a:solidFill>
+                    <a:prstDash val="sysDot"/>
+                  </a:ln>
+                </p:spPr>
+                <p:style>
+                  <a:lnRef idx="1">
+                    <a:schemeClr val="accent1"/>
+                  </a:lnRef>
+                  <a:fillRef idx="0">
+                    <a:schemeClr val="accent1"/>
+                  </a:fillRef>
+                  <a:effectRef idx="0">
+                    <a:schemeClr val="accent1"/>
+                  </a:effectRef>
+                  <a:fontRef idx="minor">
+                    <a:schemeClr val="tx1"/>
+                  </a:fontRef>
+                </p:style>
+              </p:cxnSp>
+              <p:cxnSp>
+                <p:nvCxnSpPr>
+                  <p:cNvPr id="183" name="Straight Connector 182">
+                    <a:extLst>
+                      <a:ext uri="{FF2B5EF4-FFF2-40B4-BE49-F238E27FC236}">
+                        <a16:creationId xmlns:a16="http://schemas.microsoft.com/office/drawing/2014/main" id="{FF5448FB-B531-4B43-BE2E-22D3F577A347}"/>
+                      </a:ext>
+                    </a:extLst>
+                  </p:cNvPr>
+                  <p:cNvCxnSpPr>
+                    <a:cxnSpLocks/>
+                  </p:cNvCxnSpPr>
+                  <p:nvPr/>
+                </p:nvCxnSpPr>
+                <p:spPr>
+                  <a:xfrm flipH="1" flipV="1">
+                    <a:off x="10205403" y="3412146"/>
+                    <a:ext cx="211319" cy="502177"/>
+                  </a:xfrm>
+                  <a:prstGeom prst="line">
+                    <a:avLst/>
+                  </a:prstGeom>
+                  <a:ln w="28575">
+                    <a:solidFill>
+                      <a:schemeClr val="tx1"/>
+                    </a:solidFill>
+                    <a:prstDash val="sysDot"/>
+                  </a:ln>
+                </p:spPr>
+                <p:style>
+                  <a:lnRef idx="1">
+                    <a:schemeClr val="accent1"/>
+                  </a:lnRef>
+                  <a:fillRef idx="0">
+                    <a:schemeClr val="accent1"/>
+                  </a:fillRef>
+                  <a:effectRef idx="0">
+                    <a:schemeClr val="accent1"/>
+                  </a:effectRef>
+                  <a:fontRef idx="minor">
+                    <a:schemeClr val="tx1"/>
+                  </a:fontRef>
+                </p:style>
+              </p:cxnSp>
+              <p:cxnSp>
+                <p:nvCxnSpPr>
+                  <p:cNvPr id="184" name="Straight Connector 183">
+                    <a:extLst>
+                      <a:ext uri="{FF2B5EF4-FFF2-40B4-BE49-F238E27FC236}">
+                        <a16:creationId xmlns:a16="http://schemas.microsoft.com/office/drawing/2014/main" id="{984CDA77-CA1A-3549-89CC-649B80C62C98}"/>
+                      </a:ext>
+                    </a:extLst>
+                  </p:cNvPr>
+                  <p:cNvCxnSpPr>
+                    <a:cxnSpLocks/>
+                  </p:cNvCxnSpPr>
+                  <p:nvPr/>
+                </p:nvCxnSpPr>
+                <p:spPr>
+                  <a:xfrm flipH="1" flipV="1">
+                    <a:off x="10698028" y="5512194"/>
+                    <a:ext cx="12172" cy="460021"/>
+                  </a:xfrm>
+                  <a:prstGeom prst="line">
+                    <a:avLst/>
+                  </a:prstGeom>
+                  <a:ln w="28575">
+                    <a:solidFill>
+                      <a:schemeClr val="tx1"/>
+                    </a:solidFill>
+                    <a:prstDash val="sysDot"/>
+                  </a:ln>
+                </p:spPr>
+                <p:style>
+                  <a:lnRef idx="1">
+                    <a:schemeClr val="accent1"/>
+                  </a:lnRef>
+                  <a:fillRef idx="0">
+                    <a:schemeClr val="accent1"/>
+                  </a:fillRef>
+                  <a:effectRef idx="0">
+                    <a:schemeClr val="accent1"/>
+                  </a:effectRef>
+                  <a:fontRef idx="minor">
+                    <a:schemeClr val="tx1"/>
+                  </a:fontRef>
+                </p:style>
+              </p:cxnSp>
+              <p:sp>
+                <p:nvSpPr>
+                  <p:cNvPr id="185" name="Arc 184">
+                    <a:extLst>
+                      <a:ext uri="{FF2B5EF4-FFF2-40B4-BE49-F238E27FC236}">
+                        <a16:creationId xmlns:a16="http://schemas.microsoft.com/office/drawing/2014/main" id="{18857C18-3A7B-DA45-8275-EF03C1854BB4}"/>
+                      </a:ext>
+                    </a:extLst>
+                  </p:cNvPr>
+                  <p:cNvSpPr/>
+                  <p:nvPr/>
+                </p:nvSpPr>
+                <p:spPr>
+                  <a:xfrm rot="10800000">
+                    <a:off x="9670841" y="3636211"/>
+                    <a:ext cx="2073729" cy="2081893"/>
+                  </a:xfrm>
+                  <a:prstGeom prst="arc">
+                    <a:avLst>
+                      <a:gd name="adj1" fmla="val 1497270"/>
+                      <a:gd name="adj2" fmla="val 2683173"/>
+                    </a:avLst>
+                  </a:prstGeom>
+                  <a:ln w="76200">
+                    <a:solidFill>
+                      <a:srgbClr val="FF0000"/>
+                    </a:solidFill>
+                  </a:ln>
+                </p:spPr>
+                <p:style>
+                  <a:lnRef idx="1">
+                    <a:schemeClr val="accent1"/>
+                  </a:lnRef>
+                  <a:fillRef idx="0">
+                    <a:schemeClr val="accent1"/>
+                  </a:fillRef>
+                  <a:effectRef idx="0">
+                    <a:schemeClr val="accent1"/>
+                  </a:effectRef>
+                  <a:fontRef idx="minor">
+                    <a:schemeClr val="tx1"/>
+                  </a:fontRef>
+                </p:style>
+                <p:txBody>
+                  <a:bodyPr rtlCol="0" anchor="ctr"/>
+                  <a:lstStyle/>
+                  <a:p>
+                    <a:pPr algn="ctr"/>
+                    <a:endParaRPr lang="en-US"/>
+                  </a:p>
+                </p:txBody>
+              </p:sp>
+              <mc:AlternateContent xmlns:mc="http://schemas.openxmlformats.org/markup-compatibility/2006" xmlns:a14="http://schemas.microsoft.com/office/drawing/2010/main">
+                <mc:Choice Requires="a14">
+                  <p:sp>
+                    <p:nvSpPr>
+                      <p:cNvPr id="186" name="Rectangle 185">
+                        <a:extLst>
+                          <a:ext uri="{FF2B5EF4-FFF2-40B4-BE49-F238E27FC236}">
+                            <a16:creationId xmlns:a16="http://schemas.microsoft.com/office/drawing/2014/main" id="{E6FC3F51-5FD8-274B-ACC6-0C34C41003A3}"/>
+                          </a:ext>
+                        </a:extLst>
+                      </p:cNvPr>
+                      <p:cNvSpPr/>
+                      <p:nvPr/>
+                    </p:nvSpPr>
+                    <p:spPr>
+                      <a:xfrm>
+                        <a:off x="9859166" y="4024690"/>
+                        <a:ext cx="502638" cy="369332"/>
+                      </a:xfrm>
+                      <a:prstGeom prst="rect">
+                        <a:avLst/>
+                      </a:prstGeom>
+                    </p:spPr>
+                    <p:txBody>
+                      <a:bodyPr wrap="none">
+                        <a:spAutoFit/>
+                      </a:bodyPr>
+                      <a:lstStyle/>
+                      <a:p>
+                        <a:pPr/>
+                        <a14:m>
+                          <m:oMathPara xmlns:m="http://schemas.openxmlformats.org/officeDocument/2006/math">
+                            <m:oMathParaPr>
+                              <m:jc m:val="centerGroup"/>
+                            </m:oMathParaPr>
+                            <m:oMath xmlns:m="http://schemas.openxmlformats.org/officeDocument/2006/math">
+                              <m:r>
+                                <a:rPr lang="en-US" b="0" i="1" smtClean="0">
+                                  <a:solidFill>
+                                    <a:srgbClr val="FF0000"/>
+                                  </a:solidFill>
+                                  <a:latin typeface="Cambria Math" panose="02040503050406030204" pitchFamily="18" charset="0"/>
+                                  <a:cs typeface="Arial" panose="020B0604020202020204" pitchFamily="34" charset="0"/>
+                                </a:rPr>
+                                <m:t>𝑑𝑞</m:t>
+                              </m:r>
+                            </m:oMath>
+                          </m:oMathPara>
+                        </a14:m>
+                        <a:endParaRPr lang="en-CA" dirty="0">
+                          <a:solidFill>
+                            <a:srgbClr val="FF0000"/>
+                          </a:solidFill>
+                        </a:endParaRPr>
+                      </a:p>
+                    </p:txBody>
+                  </p:sp>
+                </mc:Choice>
+                <mc:Fallback xmlns="">
+                  <p:sp>
+                    <p:nvSpPr>
+                      <p:cNvPr id="186" name="Rectangle 185">
+                        <a:extLst>
+                          <a:ext uri="{FF2B5EF4-FFF2-40B4-BE49-F238E27FC236}">
+                            <a16:creationId xmlns:a16="http://schemas.microsoft.com/office/drawing/2014/main" id="{E6FC3F51-5FD8-274B-ACC6-0C34C41003A3}"/>
+                          </a:ext>
+                        </a:extLst>
+                      </p:cNvPr>
+                      <p:cNvSpPr>
+                        <a:spLocks noRot="1" noChangeAspect="1" noMove="1" noResize="1" noEditPoints="1" noAdjustHandles="1" noChangeArrowheads="1" noChangeShapeType="1" noTextEdit="1"/>
+                      </p:cNvSpPr>
+                      <p:nvPr/>
+                    </p:nvSpPr>
+                    <p:spPr>
+                      <a:xfrm>
+                        <a:off x="9859166" y="4024690"/>
+                        <a:ext cx="502638" cy="369332"/>
+                      </a:xfrm>
+                      <a:prstGeom prst="rect">
+                        <a:avLst/>
+                      </a:prstGeom>
+                      <a:blipFill>
+                        <a:blip r:embed="rId52"/>
+                        <a:stretch>
+                          <a:fillRect b="-13793"/>
+                        </a:stretch>
+                      </a:blipFill>
+                    </p:spPr>
+                    <p:txBody>
+                      <a:bodyPr/>
+                      <a:lstStyle/>
+                      <a:p>
+                        <a:r>
+                          <a:rPr lang="en-US">
+                            <a:noFill/>
+                          </a:rPr>
+                          <a:t> </a:t>
+                        </a:r>
+                      </a:p>
+                    </p:txBody>
+                  </p:sp>
+                </mc:Fallback>
+              </mc:AlternateContent>
+              <mc:AlternateContent xmlns:mc="http://schemas.openxmlformats.org/markup-compatibility/2006" xmlns:a14="http://schemas.microsoft.com/office/drawing/2010/main">
+                <mc:Choice Requires="a14">
+                  <p:sp>
+                    <p:nvSpPr>
+                      <p:cNvPr id="191" name="Rectangle 190">
+                        <a:extLst>
+                          <a:ext uri="{FF2B5EF4-FFF2-40B4-BE49-F238E27FC236}">
+                            <a16:creationId xmlns:a16="http://schemas.microsoft.com/office/drawing/2014/main" id="{014CCFBB-6722-6A4F-8A77-22D7DA29FC49}"/>
+                          </a:ext>
+                        </a:extLst>
+                      </p:cNvPr>
+                      <p:cNvSpPr/>
+                      <p:nvPr/>
+                    </p:nvSpPr>
+                    <p:spPr>
+                      <a:xfrm>
+                        <a:off x="9303300" y="3691245"/>
+                        <a:ext cx="481157" cy="369332"/>
+                      </a:xfrm>
+                      <a:prstGeom prst="rect">
+                        <a:avLst/>
+                      </a:prstGeom>
+                    </p:spPr>
+                    <p:txBody>
+                      <a:bodyPr wrap="none">
+                        <a:spAutoFit/>
+                      </a:bodyPr>
+                      <a:lstStyle/>
+                      <a:p>
+                        <a:pPr/>
+                        <a14:m>
+                          <m:oMathPara xmlns:m="http://schemas.openxmlformats.org/officeDocument/2006/math">
+                            <m:oMathParaPr>
+                              <m:jc m:val="centerGroup"/>
+                            </m:oMathParaPr>
+                            <m:oMath xmlns:m="http://schemas.openxmlformats.org/officeDocument/2006/math">
+                              <m:r>
+                                <a:rPr lang="en-US" b="0" i="1" smtClean="0">
+                                  <a:solidFill>
+                                    <a:sysClr val="windowText" lastClr="000000"/>
+                                  </a:solidFill>
+                                  <a:latin typeface="Cambria Math" panose="02040503050406030204" pitchFamily="18" charset="0"/>
+                                  <a:cs typeface="Arial" panose="020B0604020202020204" pitchFamily="34" charset="0"/>
+                                </a:rPr>
+                                <m:t>𝑑</m:t>
+                              </m:r>
+                              <m:r>
+                                <a:rPr lang="en-CA" b="0" i="1" smtClean="0">
+                                  <a:solidFill>
+                                    <a:sysClr val="windowText" lastClr="000000"/>
+                                  </a:solidFill>
+                                  <a:latin typeface="Cambria Math" panose="02040503050406030204" pitchFamily="18" charset="0"/>
+                                  <a:cs typeface="Arial" panose="020B0604020202020204" pitchFamily="34" charset="0"/>
+                                </a:rPr>
+                                <m:t>𝑠</m:t>
+                              </m:r>
+                            </m:oMath>
+                          </m:oMathPara>
+                        </a14:m>
+                        <a:endParaRPr lang="en-CA" dirty="0">
+                          <a:solidFill>
+                            <a:sysClr val="windowText" lastClr="000000"/>
+                          </a:solidFill>
+                        </a:endParaRPr>
+                      </a:p>
+                    </p:txBody>
+                  </p:sp>
+                </mc:Choice>
+                <mc:Fallback xmlns="">
+                  <p:sp>
+                    <p:nvSpPr>
+                      <p:cNvPr id="191" name="Rectangle 190">
+                        <a:extLst>
+                          <a:ext uri="{FF2B5EF4-FFF2-40B4-BE49-F238E27FC236}">
+                            <a16:creationId xmlns:a16="http://schemas.microsoft.com/office/drawing/2014/main" id="{014CCFBB-6722-6A4F-8A77-22D7DA29FC49}"/>
+                          </a:ext>
+                        </a:extLst>
+                      </p:cNvPr>
+                      <p:cNvSpPr>
+                        <a:spLocks noRot="1" noChangeAspect="1" noMove="1" noResize="1" noEditPoints="1" noAdjustHandles="1" noChangeArrowheads="1" noChangeShapeType="1" noTextEdit="1"/>
+                      </p:cNvSpPr>
+                      <p:nvPr/>
+                    </p:nvSpPr>
+                    <p:spPr>
+                      <a:xfrm>
+                        <a:off x="9303300" y="3691245"/>
+                        <a:ext cx="481157" cy="369332"/>
+                      </a:xfrm>
+                      <a:prstGeom prst="rect">
+                        <a:avLst/>
+                      </a:prstGeom>
+                      <a:blipFill>
+                        <a:blip r:embed="rId53"/>
+                        <a:stretch>
+                          <a:fillRect/>
+                        </a:stretch>
+                      </a:blipFill>
+                    </p:spPr>
+                    <p:txBody>
+                      <a:bodyPr/>
+                      <a:lstStyle/>
+                      <a:p>
+                        <a:r>
+                          <a:rPr lang="en-US">
+                            <a:noFill/>
+                          </a:rPr>
+                          <a:t> </a:t>
+                        </a:r>
+                      </a:p>
+                    </p:txBody>
+                  </p:sp>
+                </mc:Fallback>
+              </mc:AlternateContent>
+              <p:sp>
+                <p:nvSpPr>
+                  <p:cNvPr id="192" name="Arc 191">
+                    <a:extLst>
+                      <a:ext uri="{FF2B5EF4-FFF2-40B4-BE49-F238E27FC236}">
+                        <a16:creationId xmlns:a16="http://schemas.microsoft.com/office/drawing/2014/main" id="{B266F71F-8768-354D-B310-40B194CC3E44}"/>
+                      </a:ext>
+                    </a:extLst>
+                  </p:cNvPr>
+                  <p:cNvSpPr/>
+                  <p:nvPr/>
+                </p:nvSpPr>
+                <p:spPr>
+                  <a:xfrm rot="10800000">
+                    <a:off x="9548728" y="3500043"/>
+                    <a:ext cx="2073729" cy="2081893"/>
+                  </a:xfrm>
+                  <a:prstGeom prst="arc">
+                    <a:avLst>
+                      <a:gd name="adj1" fmla="val 1126946"/>
+                      <a:gd name="adj2" fmla="val 2683173"/>
+                    </a:avLst>
+                  </a:prstGeom>
+                  <a:ln>
+                    <a:headEnd type="triangle" w="med" len="med"/>
+                    <a:tailEnd type="triangle" w="med" len="med"/>
+                  </a:ln>
+                </p:spPr>
+                <p:style>
+                  <a:lnRef idx="1">
+                    <a:schemeClr val="dk1"/>
+                  </a:lnRef>
+                  <a:fillRef idx="0">
+                    <a:schemeClr val="dk1"/>
+                  </a:fillRef>
+                  <a:effectRef idx="0">
+                    <a:schemeClr val="dk1"/>
+                  </a:effectRef>
+                  <a:fontRef idx="minor">
+                    <a:schemeClr val="tx1"/>
+                  </a:fontRef>
+                </p:style>
+                <p:txBody>
+                  <a:bodyPr rtlCol="0" anchor="ctr"/>
+                  <a:lstStyle/>
+                  <a:p>
+                    <a:pPr algn="ctr"/>
+                    <a:endParaRPr lang="en-US" dirty="0"/>
+                  </a:p>
+                </p:txBody>
+              </p:sp>
+            </p:grpSp>
+            <p:grpSp>
+              <p:nvGrpSpPr>
+                <p:cNvPr id="258" name="Group 257">
+                  <a:extLst>
+                    <a:ext uri="{FF2B5EF4-FFF2-40B4-BE49-F238E27FC236}">
+                      <a16:creationId xmlns:a16="http://schemas.microsoft.com/office/drawing/2014/main" id="{E3B36A3F-17B4-914E-A5AF-CC25A7D64F2D}"/>
+                    </a:ext>
+                  </a:extLst>
+                </p:cNvPr>
+                <p:cNvGrpSpPr/>
+                <p:nvPr/>
+              </p:nvGrpSpPr>
+              <p:grpSpPr>
+                <a:xfrm>
+                  <a:off x="10160654" y="3520782"/>
+                  <a:ext cx="2045608" cy="2317972"/>
+                  <a:chOff x="10136902" y="3520782"/>
+                  <a:chExt cx="2045608" cy="2317972"/>
+                </a:xfrm>
+              </p:grpSpPr>
+              <p:grpSp>
+                <p:nvGrpSpPr>
+                  <p:cNvPr id="222" name="Group 221">
+                    <a:extLst>
+                      <a:ext uri="{FF2B5EF4-FFF2-40B4-BE49-F238E27FC236}">
+                        <a16:creationId xmlns:a16="http://schemas.microsoft.com/office/drawing/2014/main" id="{E5638698-39A1-B341-BC3C-08A670FCB314}"/>
+                      </a:ext>
+                    </a:extLst>
+                  </p:cNvPr>
+                  <p:cNvGrpSpPr/>
+                  <p:nvPr/>
+                </p:nvGrpSpPr>
+                <p:grpSpPr>
+                  <a:xfrm>
+                    <a:off x="10136902" y="3520782"/>
+                    <a:ext cx="1164217" cy="2317972"/>
+                    <a:chOff x="10448191" y="3397305"/>
+                    <a:chExt cx="1164217" cy="2317972"/>
+                  </a:xfrm>
+                </p:grpSpPr>
+                <p:sp>
+                  <p:nvSpPr>
+                    <p:cNvPr id="214" name="Oval 213">
+                      <a:extLst>
+                        <a:ext uri="{FF2B5EF4-FFF2-40B4-BE49-F238E27FC236}">
+                          <a16:creationId xmlns:a16="http://schemas.microsoft.com/office/drawing/2014/main" id="{D4B62D77-C78B-6645-B5D5-10C3ACBDDA9E}"/>
+                        </a:ext>
+                      </a:extLst>
+                    </p:cNvPr>
+                    <p:cNvSpPr/>
+                    <p:nvPr/>
+                  </p:nvSpPr>
+                  <p:spPr>
+                    <a:xfrm>
+                      <a:off x="11252408" y="3397305"/>
+                      <a:ext cx="360000" cy="360000"/>
+                    </a:xfrm>
+                    <a:prstGeom prst="ellipse">
+                      <a:avLst/>
+                    </a:prstGeom>
+                    <a:solidFill>
+                      <a:schemeClr val="bg2">
+                        <a:lumMod val="90000"/>
+                      </a:schemeClr>
+                    </a:solidFill>
+                    <a:ln w="38100">
+                      <a:solidFill>
+                        <a:schemeClr val="tx1"/>
+                      </a:solidFill>
+                    </a:ln>
+                  </p:spPr>
+                  <p:style>
+                    <a:lnRef idx="2">
+                      <a:schemeClr val="accent1">
+                        <a:shade val="50000"/>
+                      </a:schemeClr>
+                    </a:lnRef>
+                    <a:fillRef idx="1">
+                      <a:schemeClr val="accent1"/>
+                    </a:fillRef>
+                    <a:effectRef idx="0">
+                      <a:schemeClr val="accent1"/>
+                    </a:effectRef>
+                    <a:fontRef idx="minor">
+                      <a:schemeClr val="lt1"/>
+                    </a:fontRef>
+                  </p:style>
+                  <p:txBody>
+                    <a:bodyPr rtlCol="0" anchor="ctr"/>
+                    <a:lstStyle/>
+                    <a:p>
+                      <a:pPr algn="ctr"/>
+                      <a:endParaRPr lang="en-US"/>
+                    </a:p>
+                  </p:txBody>
+                </p:sp>
+                <p:sp>
+                  <p:nvSpPr>
+                    <p:cNvPr id="215" name="Oval 214">
+                      <a:extLst>
+                        <a:ext uri="{FF2B5EF4-FFF2-40B4-BE49-F238E27FC236}">
+                          <a16:creationId xmlns:a16="http://schemas.microsoft.com/office/drawing/2014/main" id="{12D7DD06-328A-0047-9F91-805568295E5B}"/>
+                        </a:ext>
+                      </a:extLst>
+                    </p:cNvPr>
+                    <p:cNvSpPr/>
+                    <p:nvPr/>
+                  </p:nvSpPr>
+                  <p:spPr>
+                    <a:xfrm>
+                      <a:off x="10882877" y="3533266"/>
+                      <a:ext cx="360000" cy="360000"/>
+                    </a:xfrm>
+                    <a:prstGeom prst="ellipse">
+                      <a:avLst/>
+                    </a:prstGeom>
+                    <a:solidFill>
+                      <a:schemeClr val="bg2">
+                        <a:lumMod val="90000"/>
+                      </a:schemeClr>
+                    </a:solidFill>
+                    <a:ln w="38100">
+                      <a:solidFill>
+                        <a:schemeClr val="tx1"/>
+                      </a:solidFill>
+                    </a:ln>
+                  </p:spPr>
+                  <p:style>
+                    <a:lnRef idx="2">
+                      <a:schemeClr val="accent1">
+                        <a:shade val="50000"/>
+                      </a:schemeClr>
+                    </a:lnRef>
+                    <a:fillRef idx="1">
+                      <a:schemeClr val="accent1"/>
+                    </a:fillRef>
+                    <a:effectRef idx="0">
+                      <a:schemeClr val="accent1"/>
+                    </a:effectRef>
+                    <a:fontRef idx="minor">
+                      <a:schemeClr val="lt1"/>
+                    </a:fontRef>
+                  </p:style>
+                  <p:txBody>
+                    <a:bodyPr rtlCol="0" anchor="ctr"/>
+                    <a:lstStyle/>
+                    <a:p>
+                      <a:pPr algn="ctr"/>
+                      <a:endParaRPr lang="en-US"/>
+                    </a:p>
+                  </p:txBody>
+                </p:sp>
+                <p:sp>
+                  <p:nvSpPr>
+                    <p:cNvPr id="216" name="Oval 215">
+                      <a:extLst>
+                        <a:ext uri="{FF2B5EF4-FFF2-40B4-BE49-F238E27FC236}">
+                          <a16:creationId xmlns:a16="http://schemas.microsoft.com/office/drawing/2014/main" id="{26931EDA-2391-3C49-9683-83690145B980}"/>
+                        </a:ext>
+                      </a:extLst>
+                    </p:cNvPr>
+                    <p:cNvSpPr/>
+                    <p:nvPr/>
+                  </p:nvSpPr>
+                  <p:spPr>
+                    <a:xfrm>
+                      <a:off x="10610837" y="3812696"/>
+                      <a:ext cx="360000" cy="360000"/>
+                    </a:xfrm>
+                    <a:prstGeom prst="ellipse">
+                      <a:avLst/>
+                    </a:prstGeom>
+                    <a:solidFill>
+                      <a:srgbClr val="FF0000"/>
+                    </a:solidFill>
+                    <a:ln w="38100">
+                      <a:solidFill>
+                        <a:schemeClr val="tx1"/>
+                      </a:solidFill>
+                    </a:ln>
+                  </p:spPr>
+                  <p:style>
+                    <a:lnRef idx="2">
+                      <a:schemeClr val="accent1">
+                        <a:shade val="50000"/>
+                      </a:schemeClr>
+                    </a:lnRef>
+                    <a:fillRef idx="1">
+                      <a:schemeClr val="accent1"/>
+                    </a:fillRef>
+                    <a:effectRef idx="0">
+                      <a:schemeClr val="accent1"/>
+                    </a:effectRef>
+                    <a:fontRef idx="minor">
+                      <a:schemeClr val="lt1"/>
+                    </a:fontRef>
+                  </p:style>
+                  <p:txBody>
+                    <a:bodyPr rtlCol="0" anchor="ctr"/>
+                    <a:lstStyle/>
+                    <a:p>
+                      <a:pPr algn="ctr"/>
+                      <a:endParaRPr lang="en-US"/>
+                    </a:p>
+                  </p:txBody>
+                </p:sp>
+                <p:sp>
+                  <p:nvSpPr>
+                    <p:cNvPr id="217" name="Oval 216">
+                      <a:extLst>
+                        <a:ext uri="{FF2B5EF4-FFF2-40B4-BE49-F238E27FC236}">
+                          <a16:creationId xmlns:a16="http://schemas.microsoft.com/office/drawing/2014/main" id="{911151A9-26C2-474E-9558-00FAA16798E3}"/>
+                        </a:ext>
+                      </a:extLst>
+                    </p:cNvPr>
+                    <p:cNvSpPr/>
+                    <p:nvPr/>
+                  </p:nvSpPr>
+                  <p:spPr>
+                    <a:xfrm>
+                      <a:off x="10448529" y="4166758"/>
+                      <a:ext cx="360000" cy="360000"/>
+                    </a:xfrm>
+                    <a:prstGeom prst="ellipse">
+                      <a:avLst/>
+                    </a:prstGeom>
+                    <a:solidFill>
+                      <a:schemeClr val="bg2">
+                        <a:lumMod val="90000"/>
+                      </a:schemeClr>
+                    </a:solidFill>
+                    <a:ln w="38100">
+                      <a:solidFill>
+                        <a:schemeClr val="tx1"/>
+                      </a:solidFill>
+                    </a:ln>
+                  </p:spPr>
+                  <p:style>
+                    <a:lnRef idx="2">
+                      <a:schemeClr val="accent1">
+                        <a:shade val="50000"/>
+                      </a:schemeClr>
+                    </a:lnRef>
+                    <a:fillRef idx="1">
+                      <a:schemeClr val="accent1"/>
+                    </a:fillRef>
+                    <a:effectRef idx="0">
+                      <a:schemeClr val="accent1"/>
+                    </a:effectRef>
+                    <a:fontRef idx="minor">
+                      <a:schemeClr val="lt1"/>
+                    </a:fontRef>
+                  </p:style>
+                  <p:txBody>
+                    <a:bodyPr rtlCol="0" anchor="ctr"/>
+                    <a:lstStyle/>
+                    <a:p>
+                      <a:pPr algn="ctr"/>
+                      <a:endParaRPr lang="en-US"/>
+                    </a:p>
+                  </p:txBody>
+                </p:sp>
+                <p:sp>
+                  <p:nvSpPr>
+                    <p:cNvPr id="218" name="Oval 217">
+                      <a:extLst>
+                        <a:ext uri="{FF2B5EF4-FFF2-40B4-BE49-F238E27FC236}">
+                          <a16:creationId xmlns:a16="http://schemas.microsoft.com/office/drawing/2014/main" id="{A6260E0C-B4B0-0B47-9486-B825E09782C3}"/>
+                        </a:ext>
+                      </a:extLst>
+                    </p:cNvPr>
+                    <p:cNvSpPr/>
+                    <p:nvPr/>
+                  </p:nvSpPr>
+                  <p:spPr>
+                    <a:xfrm>
+                      <a:off x="10448191" y="4549331"/>
+                      <a:ext cx="360000" cy="360000"/>
+                    </a:xfrm>
+                    <a:prstGeom prst="ellipse">
+                      <a:avLst/>
+                    </a:prstGeom>
+                    <a:solidFill>
+                      <a:schemeClr val="bg2">
+                        <a:lumMod val="90000"/>
+                      </a:schemeClr>
+                    </a:solidFill>
+                    <a:ln w="38100">
+                      <a:solidFill>
+                        <a:schemeClr val="tx1"/>
+                      </a:solidFill>
+                    </a:ln>
+                  </p:spPr>
+                  <p:style>
+                    <a:lnRef idx="2">
+                      <a:schemeClr val="accent1">
+                        <a:shade val="50000"/>
+                      </a:schemeClr>
+                    </a:lnRef>
+                    <a:fillRef idx="1">
+                      <a:schemeClr val="accent1"/>
+                    </a:fillRef>
+                    <a:effectRef idx="0">
+                      <a:schemeClr val="accent1"/>
+                    </a:effectRef>
+                    <a:fontRef idx="minor">
+                      <a:schemeClr val="lt1"/>
+                    </a:fontRef>
+                  </p:style>
+                  <p:txBody>
+                    <a:bodyPr rtlCol="0" anchor="ctr"/>
+                    <a:lstStyle/>
+                    <a:p>
+                      <a:pPr algn="ctr"/>
+                      <a:endParaRPr lang="en-US"/>
+                    </a:p>
+                  </p:txBody>
+                </p:sp>
+                <p:sp>
+                  <p:nvSpPr>
+                    <p:cNvPr id="219" name="Oval 218">
+                      <a:extLst>
+                        <a:ext uri="{FF2B5EF4-FFF2-40B4-BE49-F238E27FC236}">
+                          <a16:creationId xmlns:a16="http://schemas.microsoft.com/office/drawing/2014/main" id="{0AB75E57-D9A6-9047-B797-6E8D60F1E171}"/>
+                        </a:ext>
+                      </a:extLst>
+                    </p:cNvPr>
+                    <p:cNvSpPr/>
+                    <p:nvPr/>
+                  </p:nvSpPr>
+                  <p:spPr>
+                    <a:xfrm>
+                      <a:off x="11207249" y="5355277"/>
+                      <a:ext cx="360000" cy="360000"/>
+                    </a:xfrm>
+                    <a:prstGeom prst="ellipse">
+                      <a:avLst/>
+                    </a:prstGeom>
+                    <a:solidFill>
+                      <a:schemeClr val="bg2">
+                        <a:lumMod val="90000"/>
+                      </a:schemeClr>
+                    </a:solidFill>
+                    <a:ln w="38100">
+                      <a:solidFill>
+                        <a:schemeClr val="tx1"/>
+                      </a:solidFill>
+                    </a:ln>
+                  </p:spPr>
+                  <p:style>
+                    <a:lnRef idx="2">
+                      <a:schemeClr val="accent1">
+                        <a:shade val="50000"/>
+                      </a:schemeClr>
+                    </a:lnRef>
+                    <a:fillRef idx="1">
+                      <a:schemeClr val="accent1"/>
+                    </a:fillRef>
+                    <a:effectRef idx="0">
+                      <a:schemeClr val="accent1"/>
+                    </a:effectRef>
+                    <a:fontRef idx="minor">
+                      <a:schemeClr val="lt1"/>
+                    </a:fontRef>
+                  </p:style>
+                  <p:txBody>
+                    <a:bodyPr rtlCol="0" anchor="ctr"/>
+                    <a:lstStyle/>
+                    <a:p>
+                      <a:pPr algn="ctr"/>
+                      <a:endParaRPr lang="en-US"/>
+                    </a:p>
+                  </p:txBody>
+                </p:sp>
+                <p:sp>
+                  <p:nvSpPr>
+                    <p:cNvPr id="220" name="Oval 219">
+                      <a:extLst>
+                        <a:ext uri="{FF2B5EF4-FFF2-40B4-BE49-F238E27FC236}">
+                          <a16:creationId xmlns:a16="http://schemas.microsoft.com/office/drawing/2014/main" id="{21E09330-09F5-8E4C-80CC-B2F15A3E774B}"/>
+                        </a:ext>
+                      </a:extLst>
+                    </p:cNvPr>
+                    <p:cNvSpPr/>
+                    <p:nvPr/>
+                  </p:nvSpPr>
+                  <p:spPr>
+                    <a:xfrm>
+                      <a:off x="10581652" y="4916004"/>
+                      <a:ext cx="360000" cy="360000"/>
+                    </a:xfrm>
+                    <a:prstGeom prst="ellipse">
+                      <a:avLst/>
+                    </a:prstGeom>
+                    <a:solidFill>
+                      <a:schemeClr val="bg2">
+                        <a:lumMod val="90000"/>
+                      </a:schemeClr>
+                    </a:solidFill>
+                    <a:ln w="38100">
+                      <a:solidFill>
+                        <a:schemeClr val="tx1"/>
+                      </a:solidFill>
+                    </a:ln>
+                  </p:spPr>
+                  <p:style>
+                    <a:lnRef idx="2">
+                      <a:schemeClr val="accent1">
+                        <a:shade val="50000"/>
+                      </a:schemeClr>
+                    </a:lnRef>
+                    <a:fillRef idx="1">
+                      <a:schemeClr val="accent1"/>
+                    </a:fillRef>
+                    <a:effectRef idx="0">
+                      <a:schemeClr val="accent1"/>
+                    </a:effectRef>
+                    <a:fontRef idx="minor">
+                      <a:schemeClr val="lt1"/>
+                    </a:fontRef>
+                  </p:style>
+                  <p:txBody>
+                    <a:bodyPr rtlCol="0" anchor="ctr"/>
+                    <a:lstStyle/>
+                    <a:p>
+                      <a:pPr algn="ctr"/>
+                      <a:endParaRPr lang="en-US"/>
+                    </a:p>
+                  </p:txBody>
+                </p:sp>
+                <p:sp>
+                  <p:nvSpPr>
+                    <p:cNvPr id="221" name="Oval 220">
+                      <a:extLst>
+                        <a:ext uri="{FF2B5EF4-FFF2-40B4-BE49-F238E27FC236}">
+                          <a16:creationId xmlns:a16="http://schemas.microsoft.com/office/drawing/2014/main" id="{FCB1BEB8-3C03-CE43-841E-6A22D5F3011B}"/>
+                        </a:ext>
+                      </a:extLst>
+                    </p:cNvPr>
+                    <p:cNvSpPr/>
+                    <p:nvPr/>
+                  </p:nvSpPr>
+                  <p:spPr>
+                    <a:xfrm>
+                      <a:off x="10852377" y="5192159"/>
+                      <a:ext cx="360000" cy="360000"/>
+                    </a:xfrm>
+                    <a:prstGeom prst="ellipse">
+                      <a:avLst/>
+                    </a:prstGeom>
+                    <a:solidFill>
+                      <a:schemeClr val="bg2">
+                        <a:lumMod val="90000"/>
+                      </a:schemeClr>
+                    </a:solidFill>
+                    <a:ln w="38100">
+                      <a:solidFill>
+                        <a:schemeClr val="tx1"/>
+                      </a:solidFill>
+                    </a:ln>
+                  </p:spPr>
+                  <p:style>
+                    <a:lnRef idx="2">
+                      <a:schemeClr val="accent1">
+                        <a:shade val="50000"/>
+                      </a:schemeClr>
+                    </a:lnRef>
+                    <a:fillRef idx="1">
+                      <a:schemeClr val="accent1"/>
+                    </a:fillRef>
+                    <a:effectRef idx="0">
+                      <a:schemeClr val="accent1"/>
+                    </a:effectRef>
+                    <a:fontRef idx="minor">
+                      <a:schemeClr val="lt1"/>
+                    </a:fontRef>
+                  </p:style>
+                  <p:txBody>
+                    <a:bodyPr rtlCol="0" anchor="ctr"/>
+                    <a:lstStyle/>
+                    <a:p>
+                      <a:pPr algn="ctr"/>
+                      <a:endParaRPr lang="en-US"/>
+                    </a:p>
+                  </p:txBody>
+                </p:sp>
+              </p:grpSp>
+              <mc:AlternateContent xmlns:mc="http://schemas.openxmlformats.org/markup-compatibility/2006">
+                <mc:Choice xmlns:a14="http://schemas.microsoft.com/office/drawing/2010/main" Requires="a14">
+                  <p:sp>
+                    <p:nvSpPr>
+                      <p:cNvPr id="223" name="Rectangle 222">
+                        <a:extLst>
+                          <a:ext uri="{FF2B5EF4-FFF2-40B4-BE49-F238E27FC236}">
+                            <a16:creationId xmlns:a16="http://schemas.microsoft.com/office/drawing/2014/main" id="{03060D8D-8F00-6046-AB36-F0B285C1E2AB}"/>
+                          </a:ext>
+                        </a:extLst>
+                      </p:cNvPr>
+                      <p:cNvSpPr/>
+                      <p:nvPr/>
+                    </p:nvSpPr>
+                    <p:spPr>
+                      <a:xfrm>
+                        <a:off x="10227081" y="3912386"/>
+                        <a:ext cx="502638" cy="369332"/>
+                      </a:xfrm>
+                      <a:prstGeom prst="rect">
+                        <a:avLst/>
+                      </a:prstGeom>
+                    </p:spPr>
+                    <p:txBody>
+                      <a:bodyPr wrap="none">
+                        <a:spAutoFit/>
+                      </a:bodyPr>
+                      <a:lstStyle/>
+                      <a:p>
+                        <a:pPr/>
+                        <a14:m>
+                          <m:oMathPara xmlns:m="http://schemas.openxmlformats.org/officeDocument/2006/math">
+                            <m:oMathParaPr>
+                              <m:jc m:val="centerGroup"/>
+                            </m:oMathParaPr>
+                            <m:oMath xmlns:m="http://schemas.openxmlformats.org/officeDocument/2006/math">
+                              <m:r>
+                                <a:rPr lang="en-US" b="0" i="1" smtClean="0">
+                                  <a:solidFill>
+                                    <a:schemeClr val="tx1"/>
+                                  </a:solidFill>
+                                  <a:latin typeface="Cambria Math" panose="02040503050406030204" pitchFamily="18" charset="0"/>
+                                  <a:cs typeface="Arial" panose="020B0604020202020204" pitchFamily="34" charset="0"/>
+                                </a:rPr>
+                                <m:t>𝑑𝑞</m:t>
+                              </m:r>
+                            </m:oMath>
+                          </m:oMathPara>
+                        </a14:m>
+                        <a:endParaRPr lang="en-CA" dirty="0">
+                          <a:solidFill>
+                            <a:sysClr val="windowText" lastClr="000000"/>
+                          </a:solidFill>
+                        </a:endParaRPr>
+                      </a:p>
+                    </p:txBody>
+                  </p:sp>
+                </mc:Choice>
+                <mc:Fallback>
+                  <p:sp>
+                    <p:nvSpPr>
+                      <p:cNvPr id="223" name="Rectangle 222">
+                        <a:extLst>
+                          <a:ext uri="{FF2B5EF4-FFF2-40B4-BE49-F238E27FC236}">
+                            <a16:creationId xmlns:a16="http://schemas.microsoft.com/office/drawing/2014/main" id="{03060D8D-8F00-6046-AB36-F0B285C1E2AB}"/>
+                          </a:ext>
+                        </a:extLst>
+                      </p:cNvPr>
+                      <p:cNvSpPr>
+                        <a:spLocks noRot="1" noChangeAspect="1" noMove="1" noResize="1" noEditPoints="1" noAdjustHandles="1" noChangeArrowheads="1" noChangeShapeType="1" noTextEdit="1"/>
+                      </p:cNvSpPr>
+                      <p:nvPr/>
+                    </p:nvSpPr>
+                    <p:spPr>
+                      <a:xfrm>
+                        <a:off x="10227081" y="3912386"/>
+                        <a:ext cx="502638" cy="369332"/>
+                      </a:xfrm>
+                      <a:prstGeom prst="rect">
+                        <a:avLst/>
+                      </a:prstGeom>
+                      <a:blipFill>
+                        <a:blip r:embed="rId54"/>
+                        <a:stretch>
+                          <a:fillRect b="-13333"/>
+                        </a:stretch>
+                      </a:blipFill>
+                    </p:spPr>
+                    <p:txBody>
+                      <a:bodyPr/>
+                      <a:lstStyle/>
+                      <a:p>
+                        <a:r>
+                          <a:rPr lang="en-US">
+                            <a:noFill/>
+                          </a:rPr>
+                          <a:t> </a:t>
+                        </a:r>
+                      </a:p>
+                    </p:txBody>
+                  </p:sp>
+                </mc:Fallback>
+              </mc:AlternateContent>
+              <p:grpSp>
+                <p:nvGrpSpPr>
+                  <p:cNvPr id="224" name="Group 223">
+                    <a:extLst>
+                      <a:ext uri="{FF2B5EF4-FFF2-40B4-BE49-F238E27FC236}">
+                        <a16:creationId xmlns:a16="http://schemas.microsoft.com/office/drawing/2014/main" id="{BCBB2C23-A70D-7E4B-AFEF-43A8F726762E}"/>
+                      </a:ext>
+                    </a:extLst>
+                  </p:cNvPr>
+                  <p:cNvGrpSpPr/>
+                  <p:nvPr/>
+                </p:nvGrpSpPr>
+                <p:grpSpPr>
+                  <a:xfrm>
+                    <a:off x="10594337" y="3718185"/>
+                    <a:ext cx="1588173" cy="1246577"/>
+                    <a:chOff x="6859080" y="925653"/>
+                    <a:chExt cx="1588173" cy="1246577"/>
+                  </a:xfrm>
+                </p:grpSpPr>
+                <p:grpSp>
+                  <p:nvGrpSpPr>
+                    <p:cNvPr id="229" name="Group 228">
+                      <a:extLst>
+                        <a:ext uri="{FF2B5EF4-FFF2-40B4-BE49-F238E27FC236}">
+                          <a16:creationId xmlns:a16="http://schemas.microsoft.com/office/drawing/2014/main" id="{C31410D3-4DF3-1F45-9FA1-2D4CDEFCBF84}"/>
+                        </a:ext>
+                      </a:extLst>
+                    </p:cNvPr>
+                    <p:cNvGrpSpPr/>
+                    <p:nvPr/>
+                  </p:nvGrpSpPr>
+                  <p:grpSpPr>
+                    <a:xfrm>
+                      <a:off x="6944871" y="925653"/>
+                      <a:ext cx="1502382" cy="1246577"/>
+                      <a:chOff x="804916" y="1614682"/>
+                      <a:chExt cx="1502382" cy="1246577"/>
+                    </a:xfrm>
+                  </p:grpSpPr>
+                  <p:grpSp>
+                    <p:nvGrpSpPr>
+                      <p:cNvPr id="231" name="Group 230">
+                        <a:extLst>
+                          <a:ext uri="{FF2B5EF4-FFF2-40B4-BE49-F238E27FC236}">
+                            <a16:creationId xmlns:a16="http://schemas.microsoft.com/office/drawing/2014/main" id="{3841CE85-BB99-A043-9C43-6A8F322FE869}"/>
+                          </a:ext>
+                        </a:extLst>
+                      </p:cNvPr>
+                      <p:cNvGrpSpPr/>
+                      <p:nvPr/>
+                    </p:nvGrpSpPr>
+                    <p:grpSpPr>
+                      <a:xfrm>
+                        <a:off x="804916" y="1912196"/>
+                        <a:ext cx="1502382" cy="949063"/>
+                        <a:chOff x="832211" y="1884900"/>
+                        <a:chExt cx="1502382" cy="949063"/>
+                      </a:xfrm>
+                    </p:grpSpPr>
+                    <p:cxnSp>
+                      <p:nvCxnSpPr>
+                        <p:cNvPr id="233" name="Straight Arrow Connector 232">
+                          <a:extLst>
+                            <a:ext uri="{FF2B5EF4-FFF2-40B4-BE49-F238E27FC236}">
+                              <a16:creationId xmlns:a16="http://schemas.microsoft.com/office/drawing/2014/main" id="{19909298-340F-5447-B7A2-DF67481FB267}"/>
+                            </a:ext>
+                          </a:extLst>
+                        </p:cNvPr>
+                        <p:cNvCxnSpPr/>
+                        <p:nvPr/>
+                      </p:nvCxnSpPr>
+                      <p:spPr>
+                        <a:xfrm flipV="1">
+                          <a:off x="1516583" y="1884900"/>
+                          <a:ext cx="7346" cy="655380"/>
+                        </a:xfrm>
+                        <a:prstGeom prst="straightConnector1">
+                          <a:avLst/>
+                        </a:prstGeom>
+                        <a:ln w="38100">
+                          <a:solidFill>
+                            <a:schemeClr val="tx1"/>
+                          </a:solidFill>
+                          <a:tailEnd type="triangle"/>
+                        </a:ln>
+                      </p:spPr>
+                      <p:style>
+                        <a:lnRef idx="1">
+                          <a:schemeClr val="accent1"/>
+                        </a:lnRef>
+                        <a:fillRef idx="0">
+                          <a:schemeClr val="accent1"/>
+                        </a:fillRef>
+                        <a:effectRef idx="0">
+                          <a:schemeClr val="accent1"/>
+                        </a:effectRef>
+                        <a:fontRef idx="minor">
+                          <a:schemeClr val="tx1"/>
+                        </a:fontRef>
+                      </p:style>
+                    </p:cxnSp>
+                    <p:cxnSp>
+                      <p:nvCxnSpPr>
+                        <p:cNvPr id="234" name="Straight Arrow Connector 233">
+                          <a:extLst>
+                            <a:ext uri="{FF2B5EF4-FFF2-40B4-BE49-F238E27FC236}">
+                              <a16:creationId xmlns:a16="http://schemas.microsoft.com/office/drawing/2014/main" id="{530203B1-6371-814C-BB13-24D171C5799A}"/>
+                            </a:ext>
+                          </a:extLst>
+                        </p:cNvPr>
+                        <p:cNvCxnSpPr/>
+                        <p:nvPr/>
+                      </p:nvCxnSpPr>
+                      <p:spPr>
+                        <a:xfrm>
+                          <a:off x="1509817" y="2538065"/>
+                          <a:ext cx="712531" cy="2215"/>
+                        </a:xfrm>
+                        <a:prstGeom prst="straightConnector1">
+                          <a:avLst/>
+                        </a:prstGeom>
+                        <a:ln w="38100">
+                          <a:solidFill>
+                            <a:schemeClr val="tx1"/>
+                          </a:solidFill>
+                          <a:tailEnd type="triangle"/>
+                        </a:ln>
+                      </p:spPr>
+                      <p:style>
+                        <a:lnRef idx="1">
+                          <a:schemeClr val="accent1"/>
+                        </a:lnRef>
+                        <a:fillRef idx="0">
+                          <a:schemeClr val="accent1"/>
+                        </a:fillRef>
+                        <a:effectRef idx="0">
+                          <a:schemeClr val="accent1"/>
+                        </a:effectRef>
+                        <a:fontRef idx="minor">
+                          <a:schemeClr val="tx1"/>
+                        </a:fontRef>
+                      </p:style>
+                    </p:cxnSp>
+                    <mc:AlternateContent xmlns:mc="http://schemas.openxmlformats.org/markup-compatibility/2006" xmlns:a14="http://schemas.microsoft.com/office/drawing/2010/main">
+                      <mc:Choice Requires="a14">
+                        <p:sp>
+                          <p:nvSpPr>
+                            <p:cNvPr id="235" name="Rectangle 234">
+                              <a:extLst>
+                                <a:ext uri="{FF2B5EF4-FFF2-40B4-BE49-F238E27FC236}">
+                                  <a16:creationId xmlns:a16="http://schemas.microsoft.com/office/drawing/2014/main" id="{0AE86D2A-A7B9-854A-B4CD-EA009C808A9B}"/>
+                                </a:ext>
+                              </a:extLst>
+                            </p:cNvPr>
+                            <p:cNvSpPr/>
+                            <p:nvPr/>
+                          </p:nvSpPr>
+                          <p:spPr>
+                            <a:xfrm>
+                              <a:off x="1966608" y="2464631"/>
+                              <a:ext cx="367985" cy="369332"/>
+                            </a:xfrm>
+                            <a:prstGeom prst="rect">
+                              <a:avLst/>
+                            </a:prstGeom>
+                          </p:spPr>
+                          <p:txBody>
+                            <a:bodyPr wrap="none">
+                              <a:spAutoFit/>
+                            </a:bodyPr>
+                            <a:lstStyle/>
+                            <a:p>
+                              <a:pPr/>
+                              <a14:m>
+                                <m:oMathPara xmlns:m="http://schemas.openxmlformats.org/officeDocument/2006/math">
+                                  <m:oMathParaPr>
+                                    <m:jc m:val="centerGroup"/>
+                                  </m:oMathParaPr>
+                                  <m:oMath xmlns:m="http://schemas.openxmlformats.org/officeDocument/2006/math">
+                                    <m:r>
+                                      <a:rPr lang="en-US" i="1">
+                                        <a:latin typeface="Cambria Math" panose="02040503050406030204" pitchFamily="18" charset="0"/>
+                                        <a:cs typeface="Arial" panose="020B0604020202020204" pitchFamily="34" charset="0"/>
+                                      </a:rPr>
+                                      <m:t>𝑥</m:t>
+                                    </m:r>
+                                  </m:oMath>
+                                </m:oMathPara>
+                              </a14:m>
+                              <a:endParaRPr lang="en-CA" dirty="0"/>
+                            </a:p>
+                          </p:txBody>
+                        </p:sp>
+                      </mc:Choice>
+                      <mc:Fallback xmlns="">
+                        <p:sp>
+                          <p:nvSpPr>
+                            <p:cNvPr id="18" name="Rectangle 17"/>
+                            <p:cNvSpPr>
+                              <a:spLocks noRot="1" noChangeAspect="1" noMove="1" noResize="1" noEditPoints="1" noAdjustHandles="1" noChangeArrowheads="1" noChangeShapeType="1" noTextEdit="1"/>
+                            </p:cNvSpPr>
+                            <p:nvPr/>
+                          </p:nvSpPr>
+                          <p:spPr>
+                            <a:xfrm>
+                              <a:off x="1966608" y="2464631"/>
+                              <a:ext cx="367985" cy="369332"/>
+                            </a:xfrm>
+                            <a:prstGeom prst="rect">
+                              <a:avLst/>
+                            </a:prstGeom>
+                            <a:blipFill rotWithShape="0">
+                              <a:blip r:embed="rId36"/>
+                              <a:stretch>
+                                <a:fillRect/>
+                              </a:stretch>
+                            </a:blipFill>
+                          </p:spPr>
+                          <p:txBody>
+                            <a:bodyPr/>
+                            <a:lstStyle/>
+                            <a:p>
+                              <a:r>
+                                <a:rPr lang="en-CA">
+                                  <a:noFill/>
+                                </a:rPr>
+                                <a:t> </a:t>
+                              </a:r>
+                            </a:p>
+                          </p:txBody>
+                        </p:sp>
+                      </mc:Fallback>
+                    </mc:AlternateContent>
+                    <mc:AlternateContent xmlns:mc="http://schemas.openxmlformats.org/markup-compatibility/2006" xmlns:a14="http://schemas.microsoft.com/office/drawing/2010/main">
+                      <mc:Choice Requires="a14">
+                        <p:sp>
+                          <p:nvSpPr>
+                            <p:cNvPr id="236" name="Rectangle 235">
+                              <a:extLst>
+                                <a:ext uri="{FF2B5EF4-FFF2-40B4-BE49-F238E27FC236}">
+                                  <a16:creationId xmlns:a16="http://schemas.microsoft.com/office/drawing/2014/main" id="{69AEE039-DC37-0C42-90B1-177CB1623A1B}"/>
+                                </a:ext>
+                              </a:extLst>
+                            </p:cNvPr>
+                            <p:cNvSpPr/>
+                            <p:nvPr/>
+                          </p:nvSpPr>
+                          <p:spPr>
+                            <a:xfrm>
+                              <a:off x="1164196" y="1973145"/>
+                              <a:ext cx="371384" cy="369332"/>
+                            </a:xfrm>
+                            <a:prstGeom prst="rect">
+                              <a:avLst/>
+                            </a:prstGeom>
+                          </p:spPr>
+                          <p:txBody>
+                            <a:bodyPr wrap="none">
+                              <a:spAutoFit/>
+                            </a:bodyPr>
+                            <a:lstStyle/>
+                            <a:p>
+                              <a:pPr/>
+                              <a14:m>
+                                <m:oMathPara xmlns:m="http://schemas.openxmlformats.org/officeDocument/2006/math">
+                                  <m:oMathParaPr>
+                                    <m:jc m:val="centerGroup"/>
+                                  </m:oMathParaPr>
+                                  <m:oMath xmlns:m="http://schemas.openxmlformats.org/officeDocument/2006/math">
+                                    <m:r>
+                                      <a:rPr lang="en-US" b="0" i="1" smtClean="0">
+                                        <a:latin typeface="Cambria Math" panose="02040503050406030204" pitchFamily="18" charset="0"/>
+                                      </a:rPr>
+                                      <m:t>𝑦</m:t>
+                                    </m:r>
+                                  </m:oMath>
+                                </m:oMathPara>
+                              </a14:m>
+                              <a:endParaRPr lang="en-CA" dirty="0"/>
+                            </a:p>
+                          </p:txBody>
+                        </p:sp>
+                      </mc:Choice>
+                      <mc:Fallback xmlns="">
+                        <p:sp>
+                          <p:nvSpPr>
+                            <p:cNvPr id="64" name="Rectangle 63"/>
+                            <p:cNvSpPr>
+                              <a:spLocks noRot="1" noChangeAspect="1" noMove="1" noResize="1" noEditPoints="1" noAdjustHandles="1" noChangeArrowheads="1" noChangeShapeType="1" noTextEdit="1"/>
+                            </p:cNvSpPr>
+                            <p:nvPr/>
+                          </p:nvSpPr>
+                          <p:spPr>
+                            <a:xfrm>
+                              <a:off x="1164196" y="1973145"/>
+                              <a:ext cx="371384" cy="369332"/>
+                            </a:xfrm>
+                            <a:prstGeom prst="rect">
+                              <a:avLst/>
+                            </a:prstGeom>
+                            <a:blipFill rotWithShape="0">
+                              <a:blip r:embed="rId10"/>
+                              <a:stretch>
+                                <a:fillRect b="-6667"/>
+                              </a:stretch>
+                            </a:blipFill>
+                          </p:spPr>
+                          <p:txBody>
+                            <a:bodyPr/>
+                            <a:lstStyle/>
+                            <a:p>
+                              <a:r>
+                                <a:rPr lang="en-CA">
+                                  <a:noFill/>
+                                </a:rPr>
+                                <a:t> </a:t>
+                              </a:r>
+                            </a:p>
+                          </p:txBody>
+                        </p:sp>
+                      </mc:Fallback>
+                    </mc:AlternateContent>
+                    <mc:AlternateContent xmlns:mc="http://schemas.openxmlformats.org/markup-compatibility/2006">
+                      <mc:Choice xmlns:a14="http://schemas.microsoft.com/office/drawing/2010/main" Requires="a14">
+                        <p:sp>
+                          <p:nvSpPr>
+                            <p:cNvPr id="237" name="Rectangle 236">
+                              <a:extLst>
+                                <a:ext uri="{FF2B5EF4-FFF2-40B4-BE49-F238E27FC236}">
+                                  <a16:creationId xmlns:a16="http://schemas.microsoft.com/office/drawing/2014/main" id="{16E0F214-4B17-9F42-88E1-617004BCC4A7}"/>
+                                </a:ext>
+                              </a:extLst>
+                            </p:cNvPr>
+                            <p:cNvSpPr/>
+                            <p:nvPr/>
+                          </p:nvSpPr>
+                          <p:spPr>
+                            <a:xfrm>
+                              <a:off x="832211" y="2229596"/>
+                              <a:ext cx="374141" cy="369332"/>
+                            </a:xfrm>
+                            <a:prstGeom prst="rect">
+                              <a:avLst/>
+                            </a:prstGeom>
+                          </p:spPr>
+                          <p:txBody>
+                            <a:bodyPr wrap="none">
+                              <a:spAutoFit/>
+                            </a:bodyPr>
+                            <a:lstStyle/>
+                            <a:p>
+                              <a:pPr/>
+                              <a14:m>
+                                <m:oMathPara xmlns:m="http://schemas.openxmlformats.org/officeDocument/2006/math">
+                                  <m:oMathParaPr>
+                                    <m:jc m:val="centerGroup"/>
+                                  </m:oMathParaPr>
+                                  <m:oMath xmlns:m="http://schemas.openxmlformats.org/officeDocument/2006/math">
+                                    <m:r>
+                                      <a:rPr lang="en-CA" b="0" i="1" smtClean="0">
+                                        <a:latin typeface="Cambria Math" panose="02040503050406030204" pitchFamily="18" charset="0"/>
+                                      </a:rPr>
+                                      <m:t>𝜃</m:t>
+                                    </m:r>
+                                  </m:oMath>
+                                </m:oMathPara>
+                              </a14:m>
+                              <a:endParaRPr lang="en-CA" dirty="0"/>
+                            </a:p>
+                          </p:txBody>
+                        </p:sp>
+                      </mc:Choice>
+                      <mc:Fallback>
+                        <p:sp>
+                          <p:nvSpPr>
+                            <p:cNvPr id="237" name="Rectangle 236">
+                              <a:extLst>
+                                <a:ext uri="{FF2B5EF4-FFF2-40B4-BE49-F238E27FC236}">
+                                  <a16:creationId xmlns:a16="http://schemas.microsoft.com/office/drawing/2014/main" id="{16E0F214-4B17-9F42-88E1-617004BCC4A7}"/>
+                                </a:ext>
+                              </a:extLst>
+                            </p:cNvPr>
+                            <p:cNvSpPr>
+                              <a:spLocks noRot="1" noChangeAspect="1" noMove="1" noResize="1" noEditPoints="1" noAdjustHandles="1" noChangeArrowheads="1" noChangeShapeType="1" noTextEdit="1"/>
+                            </p:cNvSpPr>
+                            <p:nvPr/>
+                          </p:nvSpPr>
+                          <p:spPr>
+                            <a:xfrm>
+                              <a:off x="832211" y="2229596"/>
+                              <a:ext cx="374141" cy="369332"/>
+                            </a:xfrm>
+                            <a:prstGeom prst="rect">
+                              <a:avLst/>
+                            </a:prstGeom>
+                            <a:blipFill>
+                              <a:blip r:embed="rId55"/>
+                              <a:stretch>
+                                <a:fillRect/>
+                              </a:stretch>
+                            </a:blipFill>
+                          </p:spPr>
+                          <p:txBody>
+                            <a:bodyPr/>
+                            <a:lstStyle/>
+                            <a:p>
+                              <a:r>
+                                <a:rPr lang="en-US">
+                                  <a:noFill/>
+                                </a:rPr>
+                                <a:t> </a:t>
+                              </a:r>
+                            </a:p>
+                          </p:txBody>
+                        </p:sp>
+                      </mc:Fallback>
+                    </mc:AlternateContent>
+                  </p:grpSp>
+                  <p:sp>
+                    <p:nvSpPr>
+                      <p:cNvPr id="232" name="Rectangle 231">
+                        <a:extLst>
+                          <a:ext uri="{FF2B5EF4-FFF2-40B4-BE49-F238E27FC236}">
+                            <a16:creationId xmlns:a16="http://schemas.microsoft.com/office/drawing/2014/main" id="{EC9F338D-D7BA-5741-969A-1FCC35E0B9E9}"/>
+                          </a:ext>
+                        </a:extLst>
+                      </p:cNvPr>
+                      <p:cNvSpPr/>
+                      <p:nvPr/>
+                    </p:nvSpPr>
+                    <p:spPr>
+                      <a:xfrm>
+                        <a:off x="1129904" y="1614682"/>
+                        <a:ext cx="184731" cy="369332"/>
+                      </a:xfrm>
+                      <a:prstGeom prst="rect">
+                        <a:avLst/>
+                      </a:prstGeom>
+                    </p:spPr>
+                    <p:txBody>
+                      <a:bodyPr wrap="none">
+                        <a:spAutoFit/>
+                      </a:bodyPr>
+                      <a:lstStyle/>
+                      <a:p>
+                        <a:endParaRPr lang="en-CA" dirty="0"/>
+                      </a:p>
+                    </p:txBody>
+                  </p:sp>
+                </p:grpSp>
+                <p:cxnSp>
+                  <p:nvCxnSpPr>
+                    <p:cNvPr id="226" name="Straight Connector 225">
+                      <a:extLst>
+                        <a:ext uri="{FF2B5EF4-FFF2-40B4-BE49-F238E27FC236}">
+                          <a16:creationId xmlns:a16="http://schemas.microsoft.com/office/drawing/2014/main" id="{30737523-4292-AF45-9DF4-9DACB8F73E2F}"/>
+                        </a:ext>
+                      </a:extLst>
+                    </p:cNvPr>
+                    <p:cNvCxnSpPr>
+                      <a:cxnSpLocks/>
+                      <a:stCxn id="216" idx="5"/>
+                    </p:cNvCxnSpPr>
+                    <p:nvPr/>
+                  </p:nvCxnSpPr>
+                  <p:spPr>
+                    <a:xfrm>
+                      <a:off x="6871570" y="1450920"/>
+                      <a:ext cx="776670" cy="441967"/>
+                    </a:xfrm>
+                    <a:prstGeom prst="line">
+                      <a:avLst/>
+                    </a:prstGeom>
+                    <a:ln w="28575">
+                      <a:solidFill>
+                        <a:schemeClr val="tx1"/>
+                      </a:solidFill>
+                      <a:prstDash val="sysDot"/>
+                    </a:ln>
+                  </p:spPr>
+                  <p:style>
+                    <a:lnRef idx="1">
+                      <a:schemeClr val="accent1"/>
+                    </a:lnRef>
+                    <a:fillRef idx="0">
+                      <a:schemeClr val="accent1"/>
+                    </a:fillRef>
+                    <a:effectRef idx="0">
+                      <a:schemeClr val="accent1"/>
+                    </a:effectRef>
+                    <a:fontRef idx="minor">
+                      <a:schemeClr val="tx1"/>
+                    </a:fontRef>
+                  </p:style>
+                </p:cxnSp>
+                <mc:AlternateContent xmlns:mc="http://schemas.openxmlformats.org/markup-compatibility/2006" xmlns:a14="http://schemas.microsoft.com/office/drawing/2010/main">
+                  <mc:Choice Requires="a14">
+                    <p:sp>
+                      <p:nvSpPr>
+                        <p:cNvPr id="227" name="Rectangle 226">
+                          <a:extLst>
+                            <a:ext uri="{FF2B5EF4-FFF2-40B4-BE49-F238E27FC236}">
+                              <a16:creationId xmlns:a16="http://schemas.microsoft.com/office/drawing/2014/main" id="{4CF91009-60D7-BD47-8E0F-E5AE92E2625F}"/>
+                            </a:ext>
+                          </a:extLst>
+                        </p:cNvPr>
+                        <p:cNvSpPr/>
+                        <p:nvPr/>
+                      </p:nvSpPr>
+                      <p:spPr>
+                        <a:xfrm>
+                          <a:off x="6859080" y="1207863"/>
+                          <a:ext cx="391774" cy="369332"/>
+                        </a:xfrm>
+                        <a:prstGeom prst="rect">
+                          <a:avLst/>
+                        </a:prstGeom>
+                      </p:spPr>
+                      <p:txBody>
+                        <a:bodyPr wrap="none">
+                          <a:spAutoFit/>
+                        </a:bodyPr>
+                        <a:lstStyle/>
+                        <a:p>
+                          <a:pPr/>
+                          <a14:m>
+                            <m:oMathPara xmlns:m="http://schemas.openxmlformats.org/officeDocument/2006/math">
+                              <m:oMathParaPr>
+                                <m:jc m:val="centerGroup"/>
+                              </m:oMathParaPr>
+                              <m:oMath xmlns:m="http://schemas.openxmlformats.org/officeDocument/2006/math">
+                                <m:r>
+                                  <a:rPr lang="en-US" b="0" i="1" smtClean="0">
+                                    <a:solidFill>
+                                      <a:schemeClr val="tx1"/>
+                                    </a:solidFill>
+                                    <a:latin typeface="Cambria Math" panose="02040503050406030204" pitchFamily="18" charset="0"/>
+                                    <a:cs typeface="Arial" panose="020B0604020202020204" pitchFamily="34" charset="0"/>
+                                  </a:rPr>
+                                  <m:t>𝑅</m:t>
+                                </m:r>
+                              </m:oMath>
+                            </m:oMathPara>
+                          </a14:m>
+                          <a:endParaRPr lang="en-CA" dirty="0">
+                            <a:solidFill>
+                              <a:schemeClr val="tx1"/>
+                            </a:solidFill>
+                          </a:endParaRPr>
+                        </a:p>
+                      </p:txBody>
+                    </p:sp>
+                  </mc:Choice>
+                  <mc:Fallback xmlns="">
+                    <p:sp>
+                      <p:nvSpPr>
+                        <p:cNvPr id="154" name="Rectangle 153"/>
+                        <p:cNvSpPr>
+                          <a:spLocks noRot="1" noChangeAspect="1" noMove="1" noResize="1" noEditPoints="1" noAdjustHandles="1" noChangeArrowheads="1" noChangeShapeType="1" noTextEdit="1"/>
+                        </p:cNvSpPr>
+                        <p:nvPr/>
+                      </p:nvSpPr>
+                      <p:spPr>
+                        <a:xfrm>
+                          <a:off x="6859080" y="1207863"/>
+                          <a:ext cx="391774" cy="369332"/>
+                        </a:xfrm>
+                        <a:prstGeom prst="rect">
+                          <a:avLst/>
+                        </a:prstGeom>
+                        <a:blipFill>
+                          <a:blip r:embed="rId38"/>
+                          <a:stretch>
+                            <a:fillRect/>
+                          </a:stretch>
+                        </a:blipFill>
+                      </p:spPr>
+                      <p:txBody>
+                        <a:bodyPr/>
+                        <a:lstStyle/>
+                        <a:p>
+                          <a:r>
+                            <a:rPr lang="en-US">
+                              <a:noFill/>
+                            </a:rPr>
+                            <a:t> </a:t>
+                          </a:r>
+                        </a:p>
+                      </p:txBody>
+                    </p:sp>
+                  </mc:Fallback>
+                </mc:AlternateContent>
+              </p:grpSp>
+              <p:cxnSp>
+                <p:nvCxnSpPr>
+                  <p:cNvPr id="253" name="Straight Arrow Connector 252">
+                    <a:extLst>
+                      <a:ext uri="{FF2B5EF4-FFF2-40B4-BE49-F238E27FC236}">
+                        <a16:creationId xmlns:a16="http://schemas.microsoft.com/office/drawing/2014/main" id="{A84A374D-CF84-BA4D-A245-5924A3143468}"/>
+                      </a:ext>
+                    </a:extLst>
+                  </p:cNvPr>
+                  <p:cNvCxnSpPr/>
+                  <p:nvPr/>
+                </p:nvCxnSpPr>
+                <p:spPr>
+                  <a:xfrm>
+                    <a:off x="11376121" y="4665657"/>
+                    <a:ext cx="628234" cy="396159"/>
+                  </a:xfrm>
+                  <a:prstGeom prst="straightConnector1">
+                    <a:avLst/>
+                  </a:prstGeom>
+                  <a:ln w="57150">
+                    <a:solidFill>
+                      <a:srgbClr val="FF0000"/>
+                    </a:solidFill>
+                    <a:tailEnd type="triangle"/>
+                  </a:ln>
+                </p:spPr>
+                <p:style>
+                  <a:lnRef idx="1">
+                    <a:schemeClr val="accent1"/>
+                  </a:lnRef>
+                  <a:fillRef idx="0">
+                    <a:schemeClr val="accent1"/>
+                  </a:fillRef>
+                  <a:effectRef idx="0">
+                    <a:schemeClr val="accent1"/>
+                  </a:effectRef>
+                  <a:fontRef idx="minor">
+                    <a:schemeClr val="tx1"/>
+                  </a:fontRef>
+                </p:style>
+              </p:cxnSp>
+              <mc:AlternateContent xmlns:mc="http://schemas.openxmlformats.org/markup-compatibility/2006" xmlns:a14="http://schemas.microsoft.com/office/drawing/2010/main">
+                <mc:Choice Requires="a14">
+                  <p:sp>
+                    <p:nvSpPr>
+                      <p:cNvPr id="255" name="Rectangle 254">
+                        <a:extLst>
+                          <a:ext uri="{FF2B5EF4-FFF2-40B4-BE49-F238E27FC236}">
+                            <a16:creationId xmlns:a16="http://schemas.microsoft.com/office/drawing/2014/main" id="{2D374B11-BF89-3F48-A96E-E643CE3312AC}"/>
+                          </a:ext>
+                        </a:extLst>
+                      </p:cNvPr>
+                      <p:cNvSpPr/>
+                      <p:nvPr/>
+                    </p:nvSpPr>
+                    <p:spPr>
+                      <a:xfrm>
+                        <a:off x="11264353" y="4807643"/>
+                        <a:ext cx="531235" cy="402931"/>
+                      </a:xfrm>
+                      <a:prstGeom prst="rect">
+                        <a:avLst/>
+                      </a:prstGeom>
+                    </p:spPr>
+                    <p:txBody>
+                      <a:bodyPr wrap="none">
+                        <a:spAutoFit/>
+                      </a:bodyPr>
+                      <a:lstStyle/>
+                      <a:p>
+                        <a:pPr/>
+                        <a14:m>
+                          <m:oMathPara xmlns:m="http://schemas.openxmlformats.org/officeDocument/2006/math">
+                            <m:oMathParaPr>
+                              <m:jc m:val="centerGroup"/>
+                            </m:oMathParaPr>
+                            <m:oMath xmlns:m="http://schemas.openxmlformats.org/officeDocument/2006/math">
+                              <m:r>
+                                <a:rPr lang="en-US" i="1" smtClean="0">
+                                  <a:solidFill>
+                                    <a:srgbClr val="FF0000"/>
+                                  </a:solidFill>
+                                  <a:latin typeface="Cambria Math" panose="02040503050406030204" pitchFamily="18" charset="0"/>
+                                  <a:cs typeface="Arial" panose="020B0604020202020204" pitchFamily="34" charset="0"/>
+                                </a:rPr>
+                                <m:t>𝑑</m:t>
+                              </m:r>
+                              <m:acc>
+                                <m:accPr>
+                                  <m:chr m:val="⃗"/>
+                                  <m:ctrlPr>
+                                    <a:rPr lang="en-US" b="0" i="1" smtClean="0">
+                                      <a:solidFill>
+                                        <a:srgbClr val="FF0000"/>
+                                      </a:solidFill>
+                                      <a:latin typeface="Cambria Math" panose="02040503050406030204" pitchFamily="18" charset="0"/>
+                                      <a:cs typeface="Arial" panose="020B0604020202020204" pitchFamily="34" charset="0"/>
+                                    </a:rPr>
+                                  </m:ctrlPr>
+                                </m:accPr>
+                                <m:e>
+                                  <m:r>
+                                    <a:rPr lang="en-US" i="1" smtClean="0">
+                                      <a:solidFill>
+                                        <a:srgbClr val="FF0000"/>
+                                      </a:solidFill>
+                                      <a:latin typeface="Cambria Math" panose="02040503050406030204" pitchFamily="18" charset="0"/>
+                                      <a:cs typeface="Arial" panose="020B0604020202020204" pitchFamily="34" charset="0"/>
+                                    </a:rPr>
+                                    <m:t>𝐸</m:t>
+                                  </m:r>
+                                </m:e>
+                              </m:acc>
+                            </m:oMath>
+                          </m:oMathPara>
+                        </a14:m>
+                        <a:endParaRPr lang="en-CA" dirty="0"/>
+                      </a:p>
+                    </p:txBody>
+                  </p:sp>
+                </mc:Choice>
+                <mc:Fallback xmlns="">
+                  <p:sp>
+                    <p:nvSpPr>
+                      <p:cNvPr id="255" name="Rectangle 254">
+                        <a:extLst>
+                          <a:ext uri="{FF2B5EF4-FFF2-40B4-BE49-F238E27FC236}">
+                            <a16:creationId xmlns:a16="http://schemas.microsoft.com/office/drawing/2014/main" id="{2D374B11-BF89-3F48-A96E-E643CE3312AC}"/>
+                          </a:ext>
+                        </a:extLst>
+                      </p:cNvPr>
+                      <p:cNvSpPr>
+                        <a:spLocks noRot="1" noChangeAspect="1" noMove="1" noResize="1" noEditPoints="1" noAdjustHandles="1" noChangeArrowheads="1" noChangeShapeType="1" noTextEdit="1"/>
+                      </p:cNvSpPr>
+                      <p:nvPr/>
+                    </p:nvSpPr>
+                    <p:spPr>
+                      <a:xfrm>
+                        <a:off x="11264353" y="4807643"/>
+                        <a:ext cx="531235" cy="402931"/>
+                      </a:xfrm>
+                      <a:prstGeom prst="rect">
+                        <a:avLst/>
+                      </a:prstGeom>
+                      <a:blipFill>
+                        <a:blip r:embed="rId56"/>
+                        <a:stretch>
+                          <a:fillRect/>
+                        </a:stretch>
+                      </a:blipFill>
+                    </p:spPr>
+                    <p:txBody>
+                      <a:bodyPr/>
+                      <a:lstStyle/>
+                      <a:p>
+                        <a:r>
+                          <a:rPr lang="en-US">
+                            <a:noFill/>
+                          </a:rPr>
+                          <a:t> </a:t>
+                        </a:r>
+                      </a:p>
+                    </p:txBody>
+                  </p:sp>
+                </mc:Fallback>
+              </mc:AlternateContent>
+            </p:grpSp>
+            <p:cxnSp>
+              <p:nvCxnSpPr>
+                <p:cNvPr id="260" name="Straight Arrow Connector 259">
+                  <a:extLst>
+                    <a:ext uri="{FF2B5EF4-FFF2-40B4-BE49-F238E27FC236}">
+                      <a16:creationId xmlns:a16="http://schemas.microsoft.com/office/drawing/2014/main" id="{B6FEB149-9261-414B-8471-56DD9F1B18B2}"/>
+                    </a:ext>
+                  </a:extLst>
+                </p:cNvPr>
+                <p:cNvCxnSpPr/>
+                <p:nvPr/>
+              </p:nvCxnSpPr>
               <p:spPr>
-                <a:xfrm rot="10800000">
-                  <a:off x="5412920" y="2049236"/>
-                  <a:ext cx="2073729" cy="2081893"/>
+                <a:xfrm>
+                  <a:off x="9235556" y="4602332"/>
+                  <a:ext cx="717417" cy="0"/>
                 </a:xfrm>
-                <a:prstGeom prst="arc">
-                  <a:avLst>
-                    <a:gd name="adj1" fmla="val 16220217"/>
-                    <a:gd name="adj2" fmla="val 5373956"/>
-                  </a:avLst>
+                <a:prstGeom prst="straightConnector1">
+                  <a:avLst/>
                 </a:prstGeom>
                 <a:ln w="76200">
                   <a:solidFill>
                     <a:schemeClr val="tx1"/>
                   </a:solidFill>
+                  <a:tailEnd type="triangle"/>
                 </a:ln>
               </p:spPr>
               <p:style>
@@ -28562,552 +30983,14 @@
                   <a:schemeClr val="tx1"/>
                 </a:fontRef>
               </p:style>
-              <p:txBody>
-                <a:bodyPr rtlCol="0" anchor="ctr"/>
-                <a:lstStyle/>
-                <a:p>
-                  <a:pPr algn="ctr"/>
-                  <a:endParaRPr lang="en-US"/>
-                </a:p>
-              </p:txBody>
-            </p:sp>
-            <p:sp>
-              <p:nvSpPr>
-                <p:cNvPr id="114" name="Rectangle 113">
-                  <a:extLst>
-                    <a:ext uri="{FF2B5EF4-FFF2-40B4-BE49-F238E27FC236}">
-                      <a16:creationId xmlns:a16="http://schemas.microsoft.com/office/drawing/2014/main" id="{C68678B2-BC24-824E-82EB-7A71150C64D5}"/>
-                    </a:ext>
-                  </a:extLst>
-                </p:cNvPr>
-                <p:cNvSpPr/>
-                <p:nvPr/>
-              </p:nvSpPr>
-              <p:spPr>
-                <a:xfrm>
-                  <a:off x="6066191" y="2083894"/>
-                  <a:ext cx="184731" cy="369332"/>
-                </a:xfrm>
-                <a:prstGeom prst="rect">
-                  <a:avLst/>
-                </a:prstGeom>
-              </p:spPr>
-              <p:txBody>
-                <a:bodyPr wrap="none">
-                  <a:spAutoFit/>
-                </a:bodyPr>
-                <a:lstStyle/>
-                <a:p>
-                  <a:endParaRPr lang="en-CA" dirty="0"/>
-                </a:p>
-              </p:txBody>
-            </p:sp>
-            <mc:AlternateContent xmlns:mc="http://schemas.openxmlformats.org/markup-compatibility/2006">
-              <mc:Choice xmlns:a14="http://schemas.microsoft.com/office/drawing/2010/main" Requires="a14">
-                <p:sp>
-                  <p:nvSpPr>
-                    <p:cNvPr id="112" name="Rectangle 111">
-                      <a:extLst>
-                        <a:ext uri="{FF2B5EF4-FFF2-40B4-BE49-F238E27FC236}">
-                          <a16:creationId xmlns:a16="http://schemas.microsoft.com/office/drawing/2014/main" id="{C9D92205-3C73-9F48-BDA4-39790085C891}"/>
-                        </a:ext>
-                      </a:extLst>
-                    </p:cNvPr>
-                    <p:cNvSpPr/>
-                    <p:nvPr/>
-                  </p:nvSpPr>
-                  <p:spPr>
-                    <a:xfrm>
-                      <a:off x="6412290" y="1786883"/>
-                      <a:ext cx="572914" cy="369332"/>
-                    </a:xfrm>
-                    <a:prstGeom prst="rect">
-                      <a:avLst/>
-                    </a:prstGeom>
-                  </p:spPr>
-                  <p:txBody>
-                    <a:bodyPr wrap="none">
-                      <a:spAutoFit/>
-                    </a:bodyPr>
-                    <a:lstStyle/>
-                    <a:p>
-                      <a:pPr/>
-                      <a14:m>
-                        <m:oMathPara xmlns:m="http://schemas.openxmlformats.org/officeDocument/2006/math">
-                          <m:oMathParaPr>
-                            <m:jc m:val="centerGroup"/>
-                          </m:oMathParaPr>
-                          <m:oMath xmlns:m="http://schemas.openxmlformats.org/officeDocument/2006/math">
-                            <m:r>
-                              <a:rPr lang="en-US" b="0" i="1" smtClean="0">
-                                <a:latin typeface="Cambria Math" panose="02040503050406030204" pitchFamily="18" charset="0"/>
-                                <a:cs typeface="Arial" panose="020B0604020202020204" pitchFamily="34" charset="0"/>
-                              </a:rPr>
-                              <m:t>+</m:t>
-                            </m:r>
-                            <m:r>
-                              <a:rPr lang="en-CA" b="0" i="1" smtClean="0">
-                                <a:latin typeface="Cambria Math" panose="02040503050406030204" pitchFamily="18" charset="0"/>
-                                <a:cs typeface="Arial" panose="020B0604020202020204" pitchFamily="34" charset="0"/>
-                              </a:rPr>
-                              <m:t>𝑄</m:t>
-                            </m:r>
-                          </m:oMath>
-                        </m:oMathPara>
-                      </a14:m>
-                      <a:endParaRPr lang="en-CA" dirty="0"/>
-                    </a:p>
-                  </p:txBody>
-                </p:sp>
-              </mc:Choice>
-              <mc:Fallback>
-                <p:sp>
-                  <p:nvSpPr>
-                    <p:cNvPr id="112" name="Rectangle 111">
-                      <a:extLst>
-                        <a:ext uri="{FF2B5EF4-FFF2-40B4-BE49-F238E27FC236}">
-                          <a16:creationId xmlns:a16="http://schemas.microsoft.com/office/drawing/2014/main" id="{C9D92205-3C73-9F48-BDA4-39790085C891}"/>
-                        </a:ext>
-                      </a:extLst>
-                    </p:cNvPr>
-                    <p:cNvSpPr>
-                      <a:spLocks noRot="1" noChangeAspect="1" noMove="1" noResize="1" noEditPoints="1" noAdjustHandles="1" noChangeArrowheads="1" noChangeShapeType="1" noTextEdit="1"/>
-                    </p:cNvSpPr>
-                    <p:nvPr/>
-                  </p:nvSpPr>
-                  <p:spPr>
-                    <a:xfrm>
-                      <a:off x="6412290" y="1786883"/>
-                      <a:ext cx="572914" cy="369332"/>
-                    </a:xfrm>
-                    <a:prstGeom prst="rect">
-                      <a:avLst/>
-                    </a:prstGeom>
-                    <a:blipFill>
-                      <a:blip r:embed="rId51"/>
-                      <a:stretch>
-                        <a:fillRect b="-3333"/>
-                      </a:stretch>
-                    </a:blipFill>
-                  </p:spPr>
-                  <p:txBody>
-                    <a:bodyPr/>
-                    <a:lstStyle/>
-                    <a:p>
-                      <a:r>
-                        <a:rPr lang="en-US">
-                          <a:noFill/>
-                        </a:rPr>
-                        <a:t> </a:t>
-                      </a:r>
-                    </a:p>
-                  </p:txBody>
-                </p:sp>
-              </mc:Fallback>
-            </mc:AlternateContent>
+            </p:cxnSp>
           </p:grpSp>
-          <p:cxnSp>
-            <p:nvCxnSpPr>
-              <p:cNvPr id="169" name="Straight Connector 168">
+          <p:sp>
+            <p:nvSpPr>
+              <p:cNvPr id="156" name="Arc 155">
                 <a:extLst>
                   <a:ext uri="{FF2B5EF4-FFF2-40B4-BE49-F238E27FC236}">
-                    <a16:creationId xmlns:a16="http://schemas.microsoft.com/office/drawing/2014/main" id="{4F91F26D-DD79-724B-B6A6-8292EEE09A2C}"/>
-                  </a:ext>
-                </a:extLst>
-              </p:cNvPr>
-              <p:cNvCxnSpPr>
-                <a:cxnSpLocks/>
-              </p:cNvCxnSpPr>
-              <p:nvPr/>
-            </p:nvCxnSpPr>
-            <p:spPr>
-              <a:xfrm>
-                <a:off x="9333767" y="4649730"/>
-                <a:ext cx="564783" cy="11286"/>
-              </a:xfrm>
-              <a:prstGeom prst="line">
-                <a:avLst/>
-              </a:prstGeom>
-              <a:ln w="28575">
-                <a:solidFill>
-                  <a:schemeClr val="tx1"/>
-                </a:solidFill>
-                <a:prstDash val="sysDot"/>
-              </a:ln>
-            </p:spPr>
-            <p:style>
-              <a:lnRef idx="1">
-                <a:schemeClr val="accent1"/>
-              </a:lnRef>
-              <a:fillRef idx="0">
-                <a:schemeClr val="accent1"/>
-              </a:fillRef>
-              <a:effectRef idx="0">
-                <a:schemeClr val="accent1"/>
-              </a:effectRef>
-              <a:fontRef idx="minor">
-                <a:schemeClr val="tx1"/>
-              </a:fontRef>
-            </p:style>
-          </p:cxnSp>
-          <p:cxnSp>
-            <p:nvCxnSpPr>
-              <p:cNvPr id="177" name="Straight Connector 176">
-                <a:extLst>
-                  <a:ext uri="{FF2B5EF4-FFF2-40B4-BE49-F238E27FC236}">
-                    <a16:creationId xmlns:a16="http://schemas.microsoft.com/office/drawing/2014/main" id="{38A32CF3-31D2-E246-B870-CED9E6FDEF4F}"/>
-                  </a:ext>
-                </a:extLst>
-              </p:cNvPr>
-              <p:cNvCxnSpPr>
-                <a:cxnSpLocks/>
-              </p:cNvCxnSpPr>
-              <p:nvPr/>
-            </p:nvCxnSpPr>
-            <p:spPr>
-              <a:xfrm flipH="1" flipV="1">
-                <a:off x="10698028" y="3291840"/>
-                <a:ext cx="16401" cy="604126"/>
-              </a:xfrm>
-              <a:prstGeom prst="line">
-                <a:avLst/>
-              </a:prstGeom>
-              <a:ln w="28575">
-                <a:solidFill>
-                  <a:schemeClr val="tx1"/>
-                </a:solidFill>
-                <a:prstDash val="sysDot"/>
-              </a:ln>
-            </p:spPr>
-            <p:style>
-              <a:lnRef idx="1">
-                <a:schemeClr val="accent1"/>
-              </a:lnRef>
-              <a:fillRef idx="0">
-                <a:schemeClr val="accent1"/>
-              </a:fillRef>
-              <a:effectRef idx="0">
-                <a:schemeClr val="accent1"/>
-              </a:effectRef>
-              <a:fontRef idx="minor">
-                <a:schemeClr val="tx1"/>
-              </a:fontRef>
-            </p:style>
-          </p:cxnSp>
-          <p:cxnSp>
-            <p:nvCxnSpPr>
-              <p:cNvPr id="178" name="Straight Connector 177">
-                <a:extLst>
-                  <a:ext uri="{FF2B5EF4-FFF2-40B4-BE49-F238E27FC236}">
-                    <a16:creationId xmlns:a16="http://schemas.microsoft.com/office/drawing/2014/main" id="{B68FBA41-29DF-024E-A40D-2BAEE27C8309}"/>
-                  </a:ext>
-                </a:extLst>
-              </p:cNvPr>
-              <p:cNvCxnSpPr>
-                <a:cxnSpLocks/>
-              </p:cNvCxnSpPr>
-              <p:nvPr/>
-            </p:nvCxnSpPr>
-            <p:spPr>
-              <a:xfrm flipH="1" flipV="1">
-                <a:off x="9680441" y="3652483"/>
-                <a:ext cx="420689" cy="383333"/>
-              </a:xfrm>
-              <a:prstGeom prst="line">
-                <a:avLst/>
-              </a:prstGeom>
-              <a:ln w="28575">
-                <a:solidFill>
-                  <a:schemeClr val="tx1"/>
-                </a:solidFill>
-                <a:prstDash val="sysDot"/>
-              </a:ln>
-            </p:spPr>
-            <p:style>
-              <a:lnRef idx="1">
-                <a:schemeClr val="accent1"/>
-              </a:lnRef>
-              <a:fillRef idx="0">
-                <a:schemeClr val="accent1"/>
-              </a:fillRef>
-              <a:effectRef idx="0">
-                <a:schemeClr val="accent1"/>
-              </a:effectRef>
-              <a:fontRef idx="minor">
-                <a:schemeClr val="tx1"/>
-              </a:fontRef>
-            </p:style>
-          </p:cxnSp>
-          <p:cxnSp>
-            <p:nvCxnSpPr>
-              <p:cNvPr id="179" name="Straight Connector 178">
-                <a:extLst>
-                  <a:ext uri="{FF2B5EF4-FFF2-40B4-BE49-F238E27FC236}">
-                    <a16:creationId xmlns:a16="http://schemas.microsoft.com/office/drawing/2014/main" id="{367518AD-B731-A34E-A14D-C737C4AEECD5}"/>
-                  </a:ext>
-                </a:extLst>
-              </p:cNvPr>
-              <p:cNvCxnSpPr>
-                <a:cxnSpLocks/>
-              </p:cNvCxnSpPr>
-              <p:nvPr/>
-            </p:nvCxnSpPr>
-            <p:spPr>
-              <a:xfrm flipH="1">
-                <a:off x="9722620" y="5241594"/>
-                <a:ext cx="378511" cy="320554"/>
-              </a:xfrm>
-              <a:prstGeom prst="line">
-                <a:avLst/>
-              </a:prstGeom>
-              <a:ln w="28575">
-                <a:solidFill>
-                  <a:schemeClr val="tx1"/>
-                </a:solidFill>
-                <a:prstDash val="sysDot"/>
-              </a:ln>
-            </p:spPr>
-            <p:style>
-              <a:lnRef idx="1">
-                <a:schemeClr val="accent1"/>
-              </a:lnRef>
-              <a:fillRef idx="0">
-                <a:schemeClr val="accent1"/>
-              </a:fillRef>
-              <a:effectRef idx="0">
-                <a:schemeClr val="accent1"/>
-              </a:effectRef>
-              <a:fontRef idx="minor">
-                <a:schemeClr val="tx1"/>
-              </a:fontRef>
-            </p:style>
-          </p:cxnSp>
-          <p:cxnSp>
-            <p:nvCxnSpPr>
-              <p:cNvPr id="180" name="Straight Connector 179">
-                <a:extLst>
-                  <a:ext uri="{FF2B5EF4-FFF2-40B4-BE49-F238E27FC236}">
-                    <a16:creationId xmlns:a16="http://schemas.microsoft.com/office/drawing/2014/main" id="{6BBF3D50-8580-4C45-A454-9F86428E84BA}"/>
-                  </a:ext>
-                </a:extLst>
-              </p:cNvPr>
-              <p:cNvCxnSpPr>
-                <a:cxnSpLocks/>
-              </p:cNvCxnSpPr>
-              <p:nvPr/>
-            </p:nvCxnSpPr>
-            <p:spPr>
-              <a:xfrm flipH="1">
-                <a:off x="10204441" y="5415271"/>
-                <a:ext cx="184951" cy="465049"/>
-              </a:xfrm>
-              <a:prstGeom prst="line">
-                <a:avLst/>
-              </a:prstGeom>
-              <a:ln w="28575">
-                <a:solidFill>
-                  <a:schemeClr val="tx1"/>
-                </a:solidFill>
-                <a:prstDash val="sysDot"/>
-              </a:ln>
-            </p:spPr>
-            <p:style>
-              <a:lnRef idx="1">
-                <a:schemeClr val="accent1"/>
-              </a:lnRef>
-              <a:fillRef idx="0">
-                <a:schemeClr val="accent1"/>
-              </a:fillRef>
-              <a:effectRef idx="0">
-                <a:schemeClr val="accent1"/>
-              </a:effectRef>
-              <a:fontRef idx="minor">
-                <a:schemeClr val="tx1"/>
-              </a:fontRef>
-            </p:style>
-          </p:cxnSp>
-          <p:cxnSp>
-            <p:nvCxnSpPr>
-              <p:cNvPr id="181" name="Straight Connector 180">
-                <a:extLst>
-                  <a:ext uri="{FF2B5EF4-FFF2-40B4-BE49-F238E27FC236}">
-                    <a16:creationId xmlns:a16="http://schemas.microsoft.com/office/drawing/2014/main" id="{9CF11E88-30FA-CC4F-A2C4-B688EF3D45CD}"/>
-                  </a:ext>
-                </a:extLst>
-              </p:cNvPr>
-              <p:cNvCxnSpPr>
-                <a:cxnSpLocks/>
-              </p:cNvCxnSpPr>
-              <p:nvPr/>
-            </p:nvCxnSpPr>
-            <p:spPr>
-              <a:xfrm flipH="1">
-                <a:off x="9465745" y="4922421"/>
-                <a:ext cx="514644" cy="209131"/>
-              </a:xfrm>
-              <a:prstGeom prst="line">
-                <a:avLst/>
-              </a:prstGeom>
-              <a:ln w="28575">
-                <a:solidFill>
-                  <a:schemeClr val="tx1"/>
-                </a:solidFill>
-                <a:prstDash val="sysDot"/>
-              </a:ln>
-            </p:spPr>
-            <p:style>
-              <a:lnRef idx="1">
-                <a:schemeClr val="accent1"/>
-              </a:lnRef>
-              <a:fillRef idx="0">
-                <a:schemeClr val="accent1"/>
-              </a:fillRef>
-              <a:effectRef idx="0">
-                <a:schemeClr val="accent1"/>
-              </a:effectRef>
-              <a:fontRef idx="minor">
-                <a:schemeClr val="tx1"/>
-              </a:fontRef>
-            </p:style>
-          </p:cxnSp>
-          <p:cxnSp>
-            <p:nvCxnSpPr>
-              <p:cNvPr id="182" name="Straight Connector 181">
-                <a:extLst>
-                  <a:ext uri="{FF2B5EF4-FFF2-40B4-BE49-F238E27FC236}">
-                    <a16:creationId xmlns:a16="http://schemas.microsoft.com/office/drawing/2014/main" id="{7830F97C-1424-1141-AA1D-98C0BA070257}"/>
-                  </a:ext>
-                </a:extLst>
-              </p:cNvPr>
-              <p:cNvCxnSpPr>
-                <a:cxnSpLocks/>
-              </p:cNvCxnSpPr>
-              <p:nvPr/>
-            </p:nvCxnSpPr>
-            <p:spPr>
-              <a:xfrm flipH="1" flipV="1">
-                <a:off x="9427818" y="4137988"/>
-                <a:ext cx="522748" cy="196566"/>
-              </a:xfrm>
-              <a:prstGeom prst="line">
-                <a:avLst/>
-              </a:prstGeom>
-              <a:ln w="28575">
-                <a:solidFill>
-                  <a:schemeClr val="tx1"/>
-                </a:solidFill>
-                <a:prstDash val="sysDot"/>
-              </a:ln>
-            </p:spPr>
-            <p:style>
-              <a:lnRef idx="1">
-                <a:schemeClr val="accent1"/>
-              </a:lnRef>
-              <a:fillRef idx="0">
-                <a:schemeClr val="accent1"/>
-              </a:fillRef>
-              <a:effectRef idx="0">
-                <a:schemeClr val="accent1"/>
-              </a:effectRef>
-              <a:fontRef idx="minor">
-                <a:schemeClr val="tx1"/>
-              </a:fontRef>
-            </p:style>
-          </p:cxnSp>
-          <p:cxnSp>
-            <p:nvCxnSpPr>
-              <p:cNvPr id="183" name="Straight Connector 182">
-                <a:extLst>
-                  <a:ext uri="{FF2B5EF4-FFF2-40B4-BE49-F238E27FC236}">
-                    <a16:creationId xmlns:a16="http://schemas.microsoft.com/office/drawing/2014/main" id="{FF5448FB-B531-4B43-BE2E-22D3F577A347}"/>
-                  </a:ext>
-                </a:extLst>
-              </p:cNvPr>
-              <p:cNvCxnSpPr>
-                <a:cxnSpLocks/>
-              </p:cNvCxnSpPr>
-              <p:nvPr/>
-            </p:nvCxnSpPr>
-            <p:spPr>
-              <a:xfrm flipH="1" flipV="1">
-                <a:off x="10205403" y="3412146"/>
-                <a:ext cx="211319" cy="502177"/>
-              </a:xfrm>
-              <a:prstGeom prst="line">
-                <a:avLst/>
-              </a:prstGeom>
-              <a:ln w="28575">
-                <a:solidFill>
-                  <a:schemeClr val="tx1"/>
-                </a:solidFill>
-                <a:prstDash val="sysDot"/>
-              </a:ln>
-            </p:spPr>
-            <p:style>
-              <a:lnRef idx="1">
-                <a:schemeClr val="accent1"/>
-              </a:lnRef>
-              <a:fillRef idx="0">
-                <a:schemeClr val="accent1"/>
-              </a:fillRef>
-              <a:effectRef idx="0">
-                <a:schemeClr val="accent1"/>
-              </a:effectRef>
-              <a:fontRef idx="minor">
-                <a:schemeClr val="tx1"/>
-              </a:fontRef>
-            </p:style>
-          </p:cxnSp>
-          <p:cxnSp>
-            <p:nvCxnSpPr>
-              <p:cNvPr id="184" name="Straight Connector 183">
-                <a:extLst>
-                  <a:ext uri="{FF2B5EF4-FFF2-40B4-BE49-F238E27FC236}">
-                    <a16:creationId xmlns:a16="http://schemas.microsoft.com/office/drawing/2014/main" id="{984CDA77-CA1A-3549-89CC-649B80C62C98}"/>
-                  </a:ext>
-                </a:extLst>
-              </p:cNvPr>
-              <p:cNvCxnSpPr>
-                <a:cxnSpLocks/>
-              </p:cNvCxnSpPr>
-              <p:nvPr/>
-            </p:nvCxnSpPr>
-            <p:spPr>
-              <a:xfrm flipH="1" flipV="1">
-                <a:off x="10698028" y="5512194"/>
-                <a:ext cx="12172" cy="460021"/>
-              </a:xfrm>
-              <a:prstGeom prst="line">
-                <a:avLst/>
-              </a:prstGeom>
-              <a:ln w="28575">
-                <a:solidFill>
-                  <a:schemeClr val="tx1"/>
-                </a:solidFill>
-                <a:prstDash val="sysDot"/>
-              </a:ln>
-            </p:spPr>
-            <p:style>
-              <a:lnRef idx="1">
-                <a:schemeClr val="accent1"/>
-              </a:lnRef>
-              <a:fillRef idx="0">
-                <a:schemeClr val="accent1"/>
-              </a:fillRef>
-              <a:effectRef idx="0">
-                <a:schemeClr val="accent1"/>
-              </a:effectRef>
-              <a:fontRef idx="minor">
-                <a:schemeClr val="tx1"/>
-              </a:fontRef>
-            </p:style>
-          </p:cxnSp>
-          <p:sp>
-            <p:nvSpPr>
-              <p:cNvPr id="185" name="Arc 184">
-                <a:extLst>
-                  <a:ext uri="{FF2B5EF4-FFF2-40B4-BE49-F238E27FC236}">
-                    <a16:creationId xmlns:a16="http://schemas.microsoft.com/office/drawing/2014/main" id="{18857C18-3A7B-DA45-8275-EF03C1854BB4}"/>
+                    <a16:creationId xmlns:a16="http://schemas.microsoft.com/office/drawing/2014/main" id="{BE813244-8014-CA4C-AF6E-35D24338417E}"/>
                   </a:ext>
                 </a:extLst>
               </p:cNvPr>
@@ -29116,286 +30999,18 @@
             </p:nvSpPr>
             <p:spPr>
               <a:xfrm rot="10800000">
-                <a:off x="9670841" y="3636211"/>
-                <a:ext cx="2073729" cy="2081893"/>
+                <a:off x="11013899" y="4317802"/>
+                <a:ext cx="720000" cy="720000"/>
               </a:xfrm>
               <a:prstGeom prst="arc">
                 <a:avLst>
-                  <a:gd name="adj1" fmla="val 1497270"/>
-                  <a:gd name="adj2" fmla="val 2683173"/>
-                </a:avLst>
-              </a:prstGeom>
-              <a:ln w="76200">
-                <a:solidFill>
-                  <a:srgbClr val="FF0000"/>
-                </a:solidFill>
-              </a:ln>
-            </p:spPr>
-            <p:style>
-              <a:lnRef idx="1">
-                <a:schemeClr val="accent1"/>
-              </a:lnRef>
-              <a:fillRef idx="0">
-                <a:schemeClr val="accent1"/>
-              </a:fillRef>
-              <a:effectRef idx="0">
-                <a:schemeClr val="accent1"/>
-              </a:effectRef>
-              <a:fontRef idx="minor">
-                <a:schemeClr val="tx1"/>
-              </a:fontRef>
-            </p:style>
-            <p:txBody>
-              <a:bodyPr rtlCol="0" anchor="ctr"/>
-              <a:lstStyle/>
-              <a:p>
-                <a:pPr algn="ctr"/>
-                <a:endParaRPr lang="en-US"/>
-              </a:p>
-            </p:txBody>
-          </p:sp>
-          <mc:AlternateContent xmlns:mc="http://schemas.openxmlformats.org/markup-compatibility/2006">
-            <mc:Choice xmlns:a14="http://schemas.microsoft.com/office/drawing/2010/main" Requires="a14">
-              <p:sp>
-                <p:nvSpPr>
-                  <p:cNvPr id="186" name="Rectangle 185">
-                    <a:extLst>
-                      <a:ext uri="{FF2B5EF4-FFF2-40B4-BE49-F238E27FC236}">
-                        <a16:creationId xmlns:a16="http://schemas.microsoft.com/office/drawing/2014/main" id="{E6FC3F51-5FD8-274B-ACC6-0C34C41003A3}"/>
-                      </a:ext>
-                    </a:extLst>
-                  </p:cNvPr>
-                  <p:cNvSpPr/>
-                  <p:nvPr/>
-                </p:nvSpPr>
-                <p:spPr>
-                  <a:xfrm>
-                    <a:off x="9859166" y="4024690"/>
-                    <a:ext cx="502638" cy="369332"/>
-                  </a:xfrm>
-                  <a:prstGeom prst="rect">
-                    <a:avLst/>
-                  </a:prstGeom>
-                </p:spPr>
-                <p:txBody>
-                  <a:bodyPr wrap="none">
-                    <a:spAutoFit/>
-                  </a:bodyPr>
-                  <a:lstStyle/>
-                  <a:p>
-                    <a:pPr/>
-                    <a14:m>
-                      <m:oMathPara xmlns:m="http://schemas.openxmlformats.org/officeDocument/2006/math">
-                        <m:oMathParaPr>
-                          <m:jc m:val="centerGroup"/>
-                        </m:oMathParaPr>
-                        <m:oMath xmlns:m="http://schemas.openxmlformats.org/officeDocument/2006/math">
-                          <m:r>
-                            <a:rPr lang="en-US" b="0" i="1" smtClean="0">
-                              <a:solidFill>
-                                <a:srgbClr val="FF0000"/>
-                              </a:solidFill>
-                              <a:latin typeface="Cambria Math" panose="02040503050406030204" pitchFamily="18" charset="0"/>
-                              <a:cs typeface="Arial" panose="020B0604020202020204" pitchFamily="34" charset="0"/>
-                            </a:rPr>
-                            <m:t>𝑑𝑞</m:t>
-                          </m:r>
-                        </m:oMath>
-                      </m:oMathPara>
-                    </a14:m>
-                    <a:endParaRPr lang="en-CA" dirty="0">
-                      <a:solidFill>
-                        <a:srgbClr val="FF0000"/>
-                      </a:solidFill>
-                    </a:endParaRPr>
-                  </a:p>
-                </p:txBody>
-              </p:sp>
-            </mc:Choice>
-            <mc:Fallback>
-              <p:sp>
-                <p:nvSpPr>
-                  <p:cNvPr id="186" name="Rectangle 185">
-                    <a:extLst>
-                      <a:ext uri="{FF2B5EF4-FFF2-40B4-BE49-F238E27FC236}">
-                        <a16:creationId xmlns:a16="http://schemas.microsoft.com/office/drawing/2014/main" id="{E6FC3F51-5FD8-274B-ACC6-0C34C41003A3}"/>
-                      </a:ext>
-                    </a:extLst>
-                  </p:cNvPr>
-                  <p:cNvSpPr>
-                    <a:spLocks noRot="1" noChangeAspect="1" noMove="1" noResize="1" noEditPoints="1" noAdjustHandles="1" noChangeArrowheads="1" noChangeShapeType="1" noTextEdit="1"/>
-                  </p:cNvSpPr>
-                  <p:nvPr/>
-                </p:nvSpPr>
-                <p:spPr>
-                  <a:xfrm>
-                    <a:off x="9859166" y="4024690"/>
-                    <a:ext cx="502638" cy="369332"/>
-                  </a:xfrm>
-                  <a:prstGeom prst="rect">
-                    <a:avLst/>
-                  </a:prstGeom>
-                  <a:blipFill>
-                    <a:blip r:embed="rId52"/>
-                    <a:stretch>
-                      <a:fillRect b="-13793"/>
-                    </a:stretch>
-                  </a:blipFill>
-                </p:spPr>
-                <p:txBody>
-                  <a:bodyPr/>
-                  <a:lstStyle/>
-                  <a:p>
-                    <a:r>
-                      <a:rPr lang="en-US">
-                        <a:noFill/>
-                      </a:rPr>
-                      <a:t> </a:t>
-                    </a:r>
-                  </a:p>
-                </p:txBody>
-              </p:sp>
-            </mc:Fallback>
-          </mc:AlternateContent>
-          <mc:AlternateContent xmlns:mc="http://schemas.openxmlformats.org/markup-compatibility/2006">
-            <mc:Choice xmlns:a14="http://schemas.microsoft.com/office/drawing/2010/main" Requires="a14">
-              <p:sp>
-                <p:nvSpPr>
-                  <p:cNvPr id="191" name="Rectangle 190">
-                    <a:extLst>
-                      <a:ext uri="{FF2B5EF4-FFF2-40B4-BE49-F238E27FC236}">
-                        <a16:creationId xmlns:a16="http://schemas.microsoft.com/office/drawing/2014/main" id="{014CCFBB-6722-6A4F-8A77-22D7DA29FC49}"/>
-                      </a:ext>
-                    </a:extLst>
-                  </p:cNvPr>
-                  <p:cNvSpPr/>
-                  <p:nvPr/>
-                </p:nvSpPr>
-                <p:spPr>
-                  <a:xfrm>
-                    <a:off x="9303300" y="3691245"/>
-                    <a:ext cx="481157" cy="369332"/>
-                  </a:xfrm>
-                  <a:prstGeom prst="rect">
-                    <a:avLst/>
-                  </a:prstGeom>
-                </p:spPr>
-                <p:txBody>
-                  <a:bodyPr wrap="none">
-                    <a:spAutoFit/>
-                  </a:bodyPr>
-                  <a:lstStyle/>
-                  <a:p>
-                    <a:pPr/>
-                    <a14:m>
-                      <m:oMathPara xmlns:m="http://schemas.openxmlformats.org/officeDocument/2006/math">
-                        <m:oMathParaPr>
-                          <m:jc m:val="centerGroup"/>
-                        </m:oMathParaPr>
-                        <m:oMath xmlns:m="http://schemas.openxmlformats.org/officeDocument/2006/math">
-                          <m:r>
-                            <a:rPr lang="en-US" b="0" i="1" smtClean="0">
-                              <a:solidFill>
-                                <a:sysClr val="windowText" lastClr="000000"/>
-                              </a:solidFill>
-                              <a:latin typeface="Cambria Math" panose="02040503050406030204" pitchFamily="18" charset="0"/>
-                              <a:cs typeface="Arial" panose="020B0604020202020204" pitchFamily="34" charset="0"/>
-                            </a:rPr>
-                            <m:t>𝑑</m:t>
-                          </m:r>
-                          <m:r>
-                            <a:rPr lang="en-CA" b="0" i="1" smtClean="0">
-                              <a:solidFill>
-                                <a:sysClr val="windowText" lastClr="000000"/>
-                              </a:solidFill>
-                              <a:latin typeface="Cambria Math" panose="02040503050406030204" pitchFamily="18" charset="0"/>
-                              <a:cs typeface="Arial" panose="020B0604020202020204" pitchFamily="34" charset="0"/>
-                            </a:rPr>
-                            <m:t>𝑠</m:t>
-                          </m:r>
-                        </m:oMath>
-                      </m:oMathPara>
-                    </a14:m>
-                    <a:endParaRPr lang="en-CA" dirty="0">
-                      <a:solidFill>
-                        <a:sysClr val="windowText" lastClr="000000"/>
-                      </a:solidFill>
-                    </a:endParaRPr>
-                  </a:p>
-                </p:txBody>
-              </p:sp>
-            </mc:Choice>
-            <mc:Fallback>
-              <p:sp>
-                <p:nvSpPr>
-                  <p:cNvPr id="191" name="Rectangle 190">
-                    <a:extLst>
-                      <a:ext uri="{FF2B5EF4-FFF2-40B4-BE49-F238E27FC236}">
-                        <a16:creationId xmlns:a16="http://schemas.microsoft.com/office/drawing/2014/main" id="{014CCFBB-6722-6A4F-8A77-22D7DA29FC49}"/>
-                      </a:ext>
-                    </a:extLst>
-                  </p:cNvPr>
-                  <p:cNvSpPr>
-                    <a:spLocks noRot="1" noChangeAspect="1" noMove="1" noResize="1" noEditPoints="1" noAdjustHandles="1" noChangeArrowheads="1" noChangeShapeType="1" noTextEdit="1"/>
-                  </p:cNvSpPr>
-                  <p:nvPr/>
-                </p:nvSpPr>
-                <p:spPr>
-                  <a:xfrm>
-                    <a:off x="9303300" y="3691245"/>
-                    <a:ext cx="481157" cy="369332"/>
-                  </a:xfrm>
-                  <a:prstGeom prst="rect">
-                    <a:avLst/>
-                  </a:prstGeom>
-                  <a:blipFill>
-                    <a:blip r:embed="rId53"/>
-                    <a:stretch>
-                      <a:fillRect/>
-                    </a:stretch>
-                  </a:blipFill>
-                </p:spPr>
-                <p:txBody>
-                  <a:bodyPr/>
-                  <a:lstStyle/>
-                  <a:p>
-                    <a:r>
-                      <a:rPr lang="en-US">
-                        <a:noFill/>
-                      </a:rPr>
-                      <a:t> </a:t>
-                    </a:r>
-                  </a:p>
-                </p:txBody>
-              </p:sp>
-            </mc:Fallback>
-          </mc:AlternateContent>
-          <p:sp>
-            <p:nvSpPr>
-              <p:cNvPr id="192" name="Arc 191">
-                <a:extLst>
-                  <a:ext uri="{FF2B5EF4-FFF2-40B4-BE49-F238E27FC236}">
-                    <a16:creationId xmlns:a16="http://schemas.microsoft.com/office/drawing/2014/main" id="{B266F71F-8768-354D-B310-40B194CC3E44}"/>
-                  </a:ext>
-                </a:extLst>
-              </p:cNvPr>
-              <p:cNvSpPr/>
-              <p:nvPr/>
-            </p:nvSpPr>
-            <p:spPr>
-              <a:xfrm rot="10800000">
-                <a:off x="9548728" y="3500043"/>
-                <a:ext cx="2073729" cy="2081893"/>
-              </a:xfrm>
-              <a:prstGeom prst="arc">
-                <a:avLst>
-                  <a:gd name="adj1" fmla="val 1126946"/>
-                  <a:gd name="adj2" fmla="val 2683173"/>
+                  <a:gd name="adj1" fmla="val 21597372"/>
+                  <a:gd name="adj2" fmla="val 2046838"/>
                 </a:avLst>
               </a:prstGeom>
               <a:ln>
-                <a:headEnd type="triangle" w="med" len="med"/>
-                <a:tailEnd type="triangle" w="med" len="med"/>
+                <a:headEnd type="none" w="med" len="med"/>
+                <a:tailEnd type="none" w="med" len="med"/>
               </a:ln>
             </p:spPr>
             <p:style>
@@ -29422,1395 +31037,6 @@
             </p:txBody>
           </p:sp>
         </p:grpSp>
-        <p:grpSp>
-          <p:nvGrpSpPr>
-            <p:cNvPr id="258" name="Group 257">
-              <a:extLst>
-                <a:ext uri="{FF2B5EF4-FFF2-40B4-BE49-F238E27FC236}">
-                  <a16:creationId xmlns:a16="http://schemas.microsoft.com/office/drawing/2014/main" id="{E3B36A3F-17B4-914E-A5AF-CC25A7D64F2D}"/>
-                </a:ext>
-              </a:extLst>
-            </p:cNvPr>
-            <p:cNvGrpSpPr/>
-            <p:nvPr/>
-          </p:nvGrpSpPr>
-          <p:grpSpPr>
-            <a:xfrm>
-              <a:off x="10160654" y="3520782"/>
-              <a:ext cx="2045608" cy="2317972"/>
-              <a:chOff x="10136902" y="3520782"/>
-              <a:chExt cx="2045608" cy="2317972"/>
-            </a:xfrm>
-          </p:grpSpPr>
-          <p:grpSp>
-            <p:nvGrpSpPr>
-              <p:cNvPr id="222" name="Group 221">
-                <a:extLst>
-                  <a:ext uri="{FF2B5EF4-FFF2-40B4-BE49-F238E27FC236}">
-                    <a16:creationId xmlns:a16="http://schemas.microsoft.com/office/drawing/2014/main" id="{E5638698-39A1-B341-BC3C-08A670FCB314}"/>
-                  </a:ext>
-                </a:extLst>
-              </p:cNvPr>
-              <p:cNvGrpSpPr/>
-              <p:nvPr/>
-            </p:nvGrpSpPr>
-            <p:grpSpPr>
-              <a:xfrm>
-                <a:off x="10136902" y="3520782"/>
-                <a:ext cx="1164217" cy="2317972"/>
-                <a:chOff x="10448191" y="3397305"/>
-                <a:chExt cx="1164217" cy="2317972"/>
-              </a:xfrm>
-            </p:grpSpPr>
-            <p:sp>
-              <p:nvSpPr>
-                <p:cNvPr id="214" name="Oval 213">
-                  <a:extLst>
-                    <a:ext uri="{FF2B5EF4-FFF2-40B4-BE49-F238E27FC236}">
-                      <a16:creationId xmlns:a16="http://schemas.microsoft.com/office/drawing/2014/main" id="{D4B62D77-C78B-6645-B5D5-10C3ACBDDA9E}"/>
-                    </a:ext>
-                  </a:extLst>
-                </p:cNvPr>
-                <p:cNvSpPr/>
-                <p:nvPr/>
-              </p:nvSpPr>
-              <p:spPr>
-                <a:xfrm>
-                  <a:off x="11252408" y="3397305"/>
-                  <a:ext cx="360000" cy="360000"/>
-                </a:xfrm>
-                <a:prstGeom prst="ellipse">
-                  <a:avLst/>
-                </a:prstGeom>
-                <a:solidFill>
-                  <a:schemeClr val="bg2">
-                    <a:lumMod val="90000"/>
-                  </a:schemeClr>
-                </a:solidFill>
-                <a:ln w="38100">
-                  <a:solidFill>
-                    <a:schemeClr val="tx1"/>
-                  </a:solidFill>
-                </a:ln>
-              </p:spPr>
-              <p:style>
-                <a:lnRef idx="2">
-                  <a:schemeClr val="accent1">
-                    <a:shade val="50000"/>
-                  </a:schemeClr>
-                </a:lnRef>
-                <a:fillRef idx="1">
-                  <a:schemeClr val="accent1"/>
-                </a:fillRef>
-                <a:effectRef idx="0">
-                  <a:schemeClr val="accent1"/>
-                </a:effectRef>
-                <a:fontRef idx="minor">
-                  <a:schemeClr val="lt1"/>
-                </a:fontRef>
-              </p:style>
-              <p:txBody>
-                <a:bodyPr rtlCol="0" anchor="ctr"/>
-                <a:lstStyle/>
-                <a:p>
-                  <a:pPr algn="ctr"/>
-                  <a:endParaRPr lang="en-US"/>
-                </a:p>
-              </p:txBody>
-            </p:sp>
-            <p:sp>
-              <p:nvSpPr>
-                <p:cNvPr id="215" name="Oval 214">
-                  <a:extLst>
-                    <a:ext uri="{FF2B5EF4-FFF2-40B4-BE49-F238E27FC236}">
-                      <a16:creationId xmlns:a16="http://schemas.microsoft.com/office/drawing/2014/main" id="{12D7DD06-328A-0047-9F91-805568295E5B}"/>
-                    </a:ext>
-                  </a:extLst>
-                </p:cNvPr>
-                <p:cNvSpPr/>
-                <p:nvPr/>
-              </p:nvSpPr>
-              <p:spPr>
-                <a:xfrm>
-                  <a:off x="10882877" y="3533266"/>
-                  <a:ext cx="360000" cy="360000"/>
-                </a:xfrm>
-                <a:prstGeom prst="ellipse">
-                  <a:avLst/>
-                </a:prstGeom>
-                <a:solidFill>
-                  <a:schemeClr val="bg2">
-                    <a:lumMod val="90000"/>
-                  </a:schemeClr>
-                </a:solidFill>
-                <a:ln w="38100">
-                  <a:solidFill>
-                    <a:schemeClr val="tx1"/>
-                  </a:solidFill>
-                </a:ln>
-              </p:spPr>
-              <p:style>
-                <a:lnRef idx="2">
-                  <a:schemeClr val="accent1">
-                    <a:shade val="50000"/>
-                  </a:schemeClr>
-                </a:lnRef>
-                <a:fillRef idx="1">
-                  <a:schemeClr val="accent1"/>
-                </a:fillRef>
-                <a:effectRef idx="0">
-                  <a:schemeClr val="accent1"/>
-                </a:effectRef>
-                <a:fontRef idx="minor">
-                  <a:schemeClr val="lt1"/>
-                </a:fontRef>
-              </p:style>
-              <p:txBody>
-                <a:bodyPr rtlCol="0" anchor="ctr"/>
-                <a:lstStyle/>
-                <a:p>
-                  <a:pPr algn="ctr"/>
-                  <a:endParaRPr lang="en-US"/>
-                </a:p>
-              </p:txBody>
-            </p:sp>
-            <p:sp>
-              <p:nvSpPr>
-                <p:cNvPr id="216" name="Oval 215">
-                  <a:extLst>
-                    <a:ext uri="{FF2B5EF4-FFF2-40B4-BE49-F238E27FC236}">
-                      <a16:creationId xmlns:a16="http://schemas.microsoft.com/office/drawing/2014/main" id="{26931EDA-2391-3C49-9683-83690145B980}"/>
-                    </a:ext>
-                  </a:extLst>
-                </p:cNvPr>
-                <p:cNvSpPr/>
-                <p:nvPr/>
-              </p:nvSpPr>
-              <p:spPr>
-                <a:xfrm>
-                  <a:off x="10610837" y="3812696"/>
-                  <a:ext cx="360000" cy="360000"/>
-                </a:xfrm>
-                <a:prstGeom prst="ellipse">
-                  <a:avLst/>
-                </a:prstGeom>
-                <a:solidFill>
-                  <a:srgbClr val="FF0000"/>
-                </a:solidFill>
-                <a:ln w="38100">
-                  <a:solidFill>
-                    <a:schemeClr val="tx1"/>
-                  </a:solidFill>
-                </a:ln>
-              </p:spPr>
-              <p:style>
-                <a:lnRef idx="2">
-                  <a:schemeClr val="accent1">
-                    <a:shade val="50000"/>
-                  </a:schemeClr>
-                </a:lnRef>
-                <a:fillRef idx="1">
-                  <a:schemeClr val="accent1"/>
-                </a:fillRef>
-                <a:effectRef idx="0">
-                  <a:schemeClr val="accent1"/>
-                </a:effectRef>
-                <a:fontRef idx="minor">
-                  <a:schemeClr val="lt1"/>
-                </a:fontRef>
-              </p:style>
-              <p:txBody>
-                <a:bodyPr rtlCol="0" anchor="ctr"/>
-                <a:lstStyle/>
-                <a:p>
-                  <a:pPr algn="ctr"/>
-                  <a:endParaRPr lang="en-US"/>
-                </a:p>
-              </p:txBody>
-            </p:sp>
-            <p:sp>
-              <p:nvSpPr>
-                <p:cNvPr id="217" name="Oval 216">
-                  <a:extLst>
-                    <a:ext uri="{FF2B5EF4-FFF2-40B4-BE49-F238E27FC236}">
-                      <a16:creationId xmlns:a16="http://schemas.microsoft.com/office/drawing/2014/main" id="{911151A9-26C2-474E-9558-00FAA16798E3}"/>
-                    </a:ext>
-                  </a:extLst>
-                </p:cNvPr>
-                <p:cNvSpPr/>
-                <p:nvPr/>
-              </p:nvSpPr>
-              <p:spPr>
-                <a:xfrm>
-                  <a:off x="10448529" y="4166758"/>
-                  <a:ext cx="360000" cy="360000"/>
-                </a:xfrm>
-                <a:prstGeom prst="ellipse">
-                  <a:avLst/>
-                </a:prstGeom>
-                <a:solidFill>
-                  <a:schemeClr val="bg2">
-                    <a:lumMod val="90000"/>
-                  </a:schemeClr>
-                </a:solidFill>
-                <a:ln w="38100">
-                  <a:solidFill>
-                    <a:schemeClr val="tx1"/>
-                  </a:solidFill>
-                </a:ln>
-              </p:spPr>
-              <p:style>
-                <a:lnRef idx="2">
-                  <a:schemeClr val="accent1">
-                    <a:shade val="50000"/>
-                  </a:schemeClr>
-                </a:lnRef>
-                <a:fillRef idx="1">
-                  <a:schemeClr val="accent1"/>
-                </a:fillRef>
-                <a:effectRef idx="0">
-                  <a:schemeClr val="accent1"/>
-                </a:effectRef>
-                <a:fontRef idx="minor">
-                  <a:schemeClr val="lt1"/>
-                </a:fontRef>
-              </p:style>
-              <p:txBody>
-                <a:bodyPr rtlCol="0" anchor="ctr"/>
-                <a:lstStyle/>
-                <a:p>
-                  <a:pPr algn="ctr"/>
-                  <a:endParaRPr lang="en-US"/>
-                </a:p>
-              </p:txBody>
-            </p:sp>
-            <p:sp>
-              <p:nvSpPr>
-                <p:cNvPr id="218" name="Oval 217">
-                  <a:extLst>
-                    <a:ext uri="{FF2B5EF4-FFF2-40B4-BE49-F238E27FC236}">
-                      <a16:creationId xmlns:a16="http://schemas.microsoft.com/office/drawing/2014/main" id="{A6260E0C-B4B0-0B47-9486-B825E09782C3}"/>
-                    </a:ext>
-                  </a:extLst>
-                </p:cNvPr>
-                <p:cNvSpPr/>
-                <p:nvPr/>
-              </p:nvSpPr>
-              <p:spPr>
-                <a:xfrm>
-                  <a:off x="10448191" y="4549331"/>
-                  <a:ext cx="360000" cy="360000"/>
-                </a:xfrm>
-                <a:prstGeom prst="ellipse">
-                  <a:avLst/>
-                </a:prstGeom>
-                <a:solidFill>
-                  <a:schemeClr val="bg2">
-                    <a:lumMod val="90000"/>
-                  </a:schemeClr>
-                </a:solidFill>
-                <a:ln w="38100">
-                  <a:solidFill>
-                    <a:schemeClr val="tx1"/>
-                  </a:solidFill>
-                </a:ln>
-              </p:spPr>
-              <p:style>
-                <a:lnRef idx="2">
-                  <a:schemeClr val="accent1">
-                    <a:shade val="50000"/>
-                  </a:schemeClr>
-                </a:lnRef>
-                <a:fillRef idx="1">
-                  <a:schemeClr val="accent1"/>
-                </a:fillRef>
-                <a:effectRef idx="0">
-                  <a:schemeClr val="accent1"/>
-                </a:effectRef>
-                <a:fontRef idx="minor">
-                  <a:schemeClr val="lt1"/>
-                </a:fontRef>
-              </p:style>
-              <p:txBody>
-                <a:bodyPr rtlCol="0" anchor="ctr"/>
-                <a:lstStyle/>
-                <a:p>
-                  <a:pPr algn="ctr"/>
-                  <a:endParaRPr lang="en-US"/>
-                </a:p>
-              </p:txBody>
-            </p:sp>
-            <p:sp>
-              <p:nvSpPr>
-                <p:cNvPr id="219" name="Oval 218">
-                  <a:extLst>
-                    <a:ext uri="{FF2B5EF4-FFF2-40B4-BE49-F238E27FC236}">
-                      <a16:creationId xmlns:a16="http://schemas.microsoft.com/office/drawing/2014/main" id="{0AB75E57-D9A6-9047-B797-6E8D60F1E171}"/>
-                    </a:ext>
-                  </a:extLst>
-                </p:cNvPr>
-                <p:cNvSpPr/>
-                <p:nvPr/>
-              </p:nvSpPr>
-              <p:spPr>
-                <a:xfrm>
-                  <a:off x="11207249" y="5355277"/>
-                  <a:ext cx="360000" cy="360000"/>
-                </a:xfrm>
-                <a:prstGeom prst="ellipse">
-                  <a:avLst/>
-                </a:prstGeom>
-                <a:solidFill>
-                  <a:schemeClr val="bg2">
-                    <a:lumMod val="90000"/>
-                  </a:schemeClr>
-                </a:solidFill>
-                <a:ln w="38100">
-                  <a:solidFill>
-                    <a:schemeClr val="tx1"/>
-                  </a:solidFill>
-                </a:ln>
-              </p:spPr>
-              <p:style>
-                <a:lnRef idx="2">
-                  <a:schemeClr val="accent1">
-                    <a:shade val="50000"/>
-                  </a:schemeClr>
-                </a:lnRef>
-                <a:fillRef idx="1">
-                  <a:schemeClr val="accent1"/>
-                </a:fillRef>
-                <a:effectRef idx="0">
-                  <a:schemeClr val="accent1"/>
-                </a:effectRef>
-                <a:fontRef idx="minor">
-                  <a:schemeClr val="lt1"/>
-                </a:fontRef>
-              </p:style>
-              <p:txBody>
-                <a:bodyPr rtlCol="0" anchor="ctr"/>
-                <a:lstStyle/>
-                <a:p>
-                  <a:pPr algn="ctr"/>
-                  <a:endParaRPr lang="en-US"/>
-                </a:p>
-              </p:txBody>
-            </p:sp>
-            <p:sp>
-              <p:nvSpPr>
-                <p:cNvPr id="220" name="Oval 219">
-                  <a:extLst>
-                    <a:ext uri="{FF2B5EF4-FFF2-40B4-BE49-F238E27FC236}">
-                      <a16:creationId xmlns:a16="http://schemas.microsoft.com/office/drawing/2014/main" id="{21E09330-09F5-8E4C-80CC-B2F15A3E774B}"/>
-                    </a:ext>
-                  </a:extLst>
-                </p:cNvPr>
-                <p:cNvSpPr/>
-                <p:nvPr/>
-              </p:nvSpPr>
-              <p:spPr>
-                <a:xfrm>
-                  <a:off x="10581652" y="4916004"/>
-                  <a:ext cx="360000" cy="360000"/>
-                </a:xfrm>
-                <a:prstGeom prst="ellipse">
-                  <a:avLst/>
-                </a:prstGeom>
-                <a:solidFill>
-                  <a:schemeClr val="bg2">
-                    <a:lumMod val="90000"/>
-                  </a:schemeClr>
-                </a:solidFill>
-                <a:ln w="38100">
-                  <a:solidFill>
-                    <a:schemeClr val="tx1"/>
-                  </a:solidFill>
-                </a:ln>
-              </p:spPr>
-              <p:style>
-                <a:lnRef idx="2">
-                  <a:schemeClr val="accent1">
-                    <a:shade val="50000"/>
-                  </a:schemeClr>
-                </a:lnRef>
-                <a:fillRef idx="1">
-                  <a:schemeClr val="accent1"/>
-                </a:fillRef>
-                <a:effectRef idx="0">
-                  <a:schemeClr val="accent1"/>
-                </a:effectRef>
-                <a:fontRef idx="minor">
-                  <a:schemeClr val="lt1"/>
-                </a:fontRef>
-              </p:style>
-              <p:txBody>
-                <a:bodyPr rtlCol="0" anchor="ctr"/>
-                <a:lstStyle/>
-                <a:p>
-                  <a:pPr algn="ctr"/>
-                  <a:endParaRPr lang="en-US"/>
-                </a:p>
-              </p:txBody>
-            </p:sp>
-            <p:sp>
-              <p:nvSpPr>
-                <p:cNvPr id="221" name="Oval 220">
-                  <a:extLst>
-                    <a:ext uri="{FF2B5EF4-FFF2-40B4-BE49-F238E27FC236}">
-                      <a16:creationId xmlns:a16="http://schemas.microsoft.com/office/drawing/2014/main" id="{FCB1BEB8-3C03-CE43-841E-6A22D5F3011B}"/>
-                    </a:ext>
-                  </a:extLst>
-                </p:cNvPr>
-                <p:cNvSpPr/>
-                <p:nvPr/>
-              </p:nvSpPr>
-              <p:spPr>
-                <a:xfrm>
-                  <a:off x="10852377" y="5192159"/>
-                  <a:ext cx="360000" cy="360000"/>
-                </a:xfrm>
-                <a:prstGeom prst="ellipse">
-                  <a:avLst/>
-                </a:prstGeom>
-                <a:solidFill>
-                  <a:schemeClr val="bg2">
-                    <a:lumMod val="90000"/>
-                  </a:schemeClr>
-                </a:solidFill>
-                <a:ln w="38100">
-                  <a:solidFill>
-                    <a:schemeClr val="tx1"/>
-                  </a:solidFill>
-                </a:ln>
-              </p:spPr>
-              <p:style>
-                <a:lnRef idx="2">
-                  <a:schemeClr val="accent1">
-                    <a:shade val="50000"/>
-                  </a:schemeClr>
-                </a:lnRef>
-                <a:fillRef idx="1">
-                  <a:schemeClr val="accent1"/>
-                </a:fillRef>
-                <a:effectRef idx="0">
-                  <a:schemeClr val="accent1"/>
-                </a:effectRef>
-                <a:fontRef idx="minor">
-                  <a:schemeClr val="lt1"/>
-                </a:fontRef>
-              </p:style>
-              <p:txBody>
-                <a:bodyPr rtlCol="0" anchor="ctr"/>
-                <a:lstStyle/>
-                <a:p>
-                  <a:pPr algn="ctr"/>
-                  <a:endParaRPr lang="en-US"/>
-                </a:p>
-              </p:txBody>
-            </p:sp>
-          </p:grpSp>
-          <mc:AlternateContent xmlns:mc="http://schemas.openxmlformats.org/markup-compatibility/2006">
-            <mc:Choice xmlns:a14="http://schemas.microsoft.com/office/drawing/2010/main" Requires="a14">
-              <p:sp>
-                <p:nvSpPr>
-                  <p:cNvPr id="223" name="Rectangle 222">
-                    <a:extLst>
-                      <a:ext uri="{FF2B5EF4-FFF2-40B4-BE49-F238E27FC236}">
-                        <a16:creationId xmlns:a16="http://schemas.microsoft.com/office/drawing/2014/main" id="{03060D8D-8F00-6046-AB36-F0B285C1E2AB}"/>
-                      </a:ext>
-                    </a:extLst>
-                  </p:cNvPr>
-                  <p:cNvSpPr/>
-                  <p:nvPr/>
-                </p:nvSpPr>
-                <p:spPr>
-                  <a:xfrm>
-                    <a:off x="10227081" y="3912386"/>
-                    <a:ext cx="502638" cy="369332"/>
-                  </a:xfrm>
-                  <a:prstGeom prst="rect">
-                    <a:avLst/>
-                  </a:prstGeom>
-                </p:spPr>
-                <p:txBody>
-                  <a:bodyPr wrap="none">
-                    <a:spAutoFit/>
-                  </a:bodyPr>
-                  <a:lstStyle/>
-                  <a:p>
-                    <a:pPr/>
-                    <a14:m>
-                      <m:oMathPara xmlns:m="http://schemas.openxmlformats.org/officeDocument/2006/math">
-                        <m:oMathParaPr>
-                          <m:jc m:val="centerGroup"/>
-                        </m:oMathParaPr>
-                        <m:oMath xmlns:m="http://schemas.openxmlformats.org/officeDocument/2006/math">
-                          <m:r>
-                            <a:rPr lang="en-US" b="0" i="1" smtClean="0">
-                              <a:solidFill>
-                                <a:sysClr val="windowText" lastClr="000000"/>
-                              </a:solidFill>
-                              <a:latin typeface="Cambria Math" panose="02040503050406030204" pitchFamily="18" charset="0"/>
-                              <a:cs typeface="Arial" panose="020B0604020202020204" pitchFamily="34" charset="0"/>
-                            </a:rPr>
-                            <m:t>𝑑𝑞</m:t>
-                          </m:r>
-                        </m:oMath>
-                      </m:oMathPara>
-                    </a14:m>
-                    <a:endParaRPr lang="en-CA" dirty="0">
-                      <a:solidFill>
-                        <a:sysClr val="windowText" lastClr="000000"/>
-                      </a:solidFill>
-                    </a:endParaRPr>
-                  </a:p>
-                </p:txBody>
-              </p:sp>
-            </mc:Choice>
-            <mc:Fallback>
-              <p:sp>
-                <p:nvSpPr>
-                  <p:cNvPr id="223" name="Rectangle 222">
-                    <a:extLst>
-                      <a:ext uri="{FF2B5EF4-FFF2-40B4-BE49-F238E27FC236}">
-                        <a16:creationId xmlns:a16="http://schemas.microsoft.com/office/drawing/2014/main" id="{03060D8D-8F00-6046-AB36-F0B285C1E2AB}"/>
-                      </a:ext>
-                    </a:extLst>
-                  </p:cNvPr>
-                  <p:cNvSpPr>
-                    <a:spLocks noRot="1" noChangeAspect="1" noMove="1" noResize="1" noEditPoints="1" noAdjustHandles="1" noChangeArrowheads="1" noChangeShapeType="1" noTextEdit="1"/>
-                  </p:cNvSpPr>
-                  <p:nvPr/>
-                </p:nvSpPr>
-                <p:spPr>
-                  <a:xfrm>
-                    <a:off x="10227081" y="3912386"/>
-                    <a:ext cx="502638" cy="369332"/>
-                  </a:xfrm>
-                  <a:prstGeom prst="rect">
-                    <a:avLst/>
-                  </a:prstGeom>
-                  <a:blipFill>
-                    <a:blip r:embed="rId54"/>
-                    <a:stretch>
-                      <a:fillRect b="-13333"/>
-                    </a:stretch>
-                  </a:blipFill>
-                </p:spPr>
-                <p:txBody>
-                  <a:bodyPr/>
-                  <a:lstStyle/>
-                  <a:p>
-                    <a:r>
-                      <a:rPr lang="en-US">
-                        <a:noFill/>
-                      </a:rPr>
-                      <a:t> </a:t>
-                    </a:r>
-                  </a:p>
-                </p:txBody>
-              </p:sp>
-            </mc:Fallback>
-          </mc:AlternateContent>
-          <p:grpSp>
-            <p:nvGrpSpPr>
-              <p:cNvPr id="224" name="Group 223">
-                <a:extLst>
-                  <a:ext uri="{FF2B5EF4-FFF2-40B4-BE49-F238E27FC236}">
-                    <a16:creationId xmlns:a16="http://schemas.microsoft.com/office/drawing/2014/main" id="{BCBB2C23-A70D-7E4B-AFEF-43A8F726762E}"/>
-                  </a:ext>
-                </a:extLst>
-              </p:cNvPr>
-              <p:cNvGrpSpPr/>
-              <p:nvPr/>
-            </p:nvGrpSpPr>
-            <p:grpSpPr>
-              <a:xfrm>
-                <a:off x="10594337" y="3718185"/>
-                <a:ext cx="1588173" cy="1246577"/>
-                <a:chOff x="6859080" y="925653"/>
-                <a:chExt cx="1588173" cy="1246577"/>
-              </a:xfrm>
-            </p:grpSpPr>
-            <p:grpSp>
-              <p:nvGrpSpPr>
-                <p:cNvPr id="229" name="Group 228">
-                  <a:extLst>
-                    <a:ext uri="{FF2B5EF4-FFF2-40B4-BE49-F238E27FC236}">
-                      <a16:creationId xmlns:a16="http://schemas.microsoft.com/office/drawing/2014/main" id="{C31410D3-4DF3-1F45-9FA1-2D4CDEFCBF84}"/>
-                    </a:ext>
-                  </a:extLst>
-                </p:cNvPr>
-                <p:cNvGrpSpPr/>
-                <p:nvPr/>
-              </p:nvGrpSpPr>
-              <p:grpSpPr>
-                <a:xfrm>
-                  <a:off x="7269859" y="925653"/>
-                  <a:ext cx="1177394" cy="1246577"/>
-                  <a:chOff x="1129904" y="1614682"/>
-                  <a:chExt cx="1177394" cy="1246577"/>
-                </a:xfrm>
-              </p:grpSpPr>
-              <p:grpSp>
-                <p:nvGrpSpPr>
-                  <p:cNvPr id="231" name="Group 230">
-                    <a:extLst>
-                      <a:ext uri="{FF2B5EF4-FFF2-40B4-BE49-F238E27FC236}">
-                        <a16:creationId xmlns:a16="http://schemas.microsoft.com/office/drawing/2014/main" id="{3841CE85-BB99-A043-9C43-6A8F322FE869}"/>
-                      </a:ext>
-                    </a:extLst>
-                  </p:cNvPr>
-                  <p:cNvGrpSpPr/>
-                  <p:nvPr/>
-                </p:nvGrpSpPr>
-                <p:grpSpPr>
-                  <a:xfrm>
-                    <a:off x="1136901" y="1912196"/>
-                    <a:ext cx="1170397" cy="949063"/>
-                    <a:chOff x="1164196" y="1884900"/>
-                    <a:chExt cx="1170397" cy="949063"/>
-                  </a:xfrm>
-                </p:grpSpPr>
-                <p:cxnSp>
-                  <p:nvCxnSpPr>
-                    <p:cNvPr id="233" name="Straight Arrow Connector 232">
-                      <a:extLst>
-                        <a:ext uri="{FF2B5EF4-FFF2-40B4-BE49-F238E27FC236}">
-                          <a16:creationId xmlns:a16="http://schemas.microsoft.com/office/drawing/2014/main" id="{19909298-340F-5447-B7A2-DF67481FB267}"/>
-                        </a:ext>
-                      </a:extLst>
-                    </p:cNvPr>
-                    <p:cNvCxnSpPr/>
-                    <p:nvPr/>
-                  </p:nvCxnSpPr>
-                  <p:spPr>
-                    <a:xfrm flipV="1">
-                      <a:off x="1516583" y="1884900"/>
-                      <a:ext cx="7346" cy="655380"/>
-                    </a:xfrm>
-                    <a:prstGeom prst="straightConnector1">
-                      <a:avLst/>
-                    </a:prstGeom>
-                    <a:ln w="38100">
-                      <a:solidFill>
-                        <a:schemeClr val="tx1"/>
-                      </a:solidFill>
-                      <a:tailEnd type="triangle"/>
-                    </a:ln>
-                  </p:spPr>
-                  <p:style>
-                    <a:lnRef idx="1">
-                      <a:schemeClr val="accent1"/>
-                    </a:lnRef>
-                    <a:fillRef idx="0">
-                      <a:schemeClr val="accent1"/>
-                    </a:fillRef>
-                    <a:effectRef idx="0">
-                      <a:schemeClr val="accent1"/>
-                    </a:effectRef>
-                    <a:fontRef idx="minor">
-                      <a:schemeClr val="tx1"/>
-                    </a:fontRef>
-                  </p:style>
-                </p:cxnSp>
-                <p:cxnSp>
-                  <p:nvCxnSpPr>
-                    <p:cNvPr id="234" name="Straight Arrow Connector 233">
-                      <a:extLst>
-                        <a:ext uri="{FF2B5EF4-FFF2-40B4-BE49-F238E27FC236}">
-                          <a16:creationId xmlns:a16="http://schemas.microsoft.com/office/drawing/2014/main" id="{530203B1-6371-814C-BB13-24D171C5799A}"/>
-                        </a:ext>
-                      </a:extLst>
-                    </p:cNvPr>
-                    <p:cNvCxnSpPr/>
-                    <p:nvPr/>
-                  </p:nvCxnSpPr>
-                  <p:spPr>
-                    <a:xfrm>
-                      <a:off x="1509817" y="2538065"/>
-                      <a:ext cx="712531" cy="2215"/>
-                    </a:xfrm>
-                    <a:prstGeom prst="straightConnector1">
-                      <a:avLst/>
-                    </a:prstGeom>
-                    <a:ln w="38100">
-                      <a:solidFill>
-                        <a:schemeClr val="tx1"/>
-                      </a:solidFill>
-                      <a:tailEnd type="triangle"/>
-                    </a:ln>
-                  </p:spPr>
-                  <p:style>
-                    <a:lnRef idx="1">
-                      <a:schemeClr val="accent1"/>
-                    </a:lnRef>
-                    <a:fillRef idx="0">
-                      <a:schemeClr val="accent1"/>
-                    </a:fillRef>
-                    <a:effectRef idx="0">
-                      <a:schemeClr val="accent1"/>
-                    </a:effectRef>
-                    <a:fontRef idx="minor">
-                      <a:schemeClr val="tx1"/>
-                    </a:fontRef>
-                  </p:style>
-                </p:cxnSp>
-                <mc:AlternateContent xmlns:mc="http://schemas.openxmlformats.org/markup-compatibility/2006" xmlns:a14="http://schemas.microsoft.com/office/drawing/2010/main">
-                  <mc:Choice Requires="a14">
-                    <p:sp>
-                      <p:nvSpPr>
-                        <p:cNvPr id="235" name="Rectangle 234">
-                          <a:extLst>
-                            <a:ext uri="{FF2B5EF4-FFF2-40B4-BE49-F238E27FC236}">
-                              <a16:creationId xmlns:a16="http://schemas.microsoft.com/office/drawing/2014/main" id="{0AE86D2A-A7B9-854A-B4CD-EA009C808A9B}"/>
-                            </a:ext>
-                          </a:extLst>
-                        </p:cNvPr>
-                        <p:cNvSpPr/>
-                        <p:nvPr/>
-                      </p:nvSpPr>
-                      <p:spPr>
-                        <a:xfrm>
-                          <a:off x="1966608" y="2464631"/>
-                          <a:ext cx="367985" cy="369332"/>
-                        </a:xfrm>
-                        <a:prstGeom prst="rect">
-                          <a:avLst/>
-                        </a:prstGeom>
-                      </p:spPr>
-                      <p:txBody>
-                        <a:bodyPr wrap="none">
-                          <a:spAutoFit/>
-                        </a:bodyPr>
-                        <a:lstStyle/>
-                        <a:p>
-                          <a:pPr/>
-                          <a14:m>
-                            <m:oMathPara xmlns:m="http://schemas.openxmlformats.org/officeDocument/2006/math">
-                              <m:oMathParaPr>
-                                <m:jc m:val="centerGroup"/>
-                              </m:oMathParaPr>
-                              <m:oMath xmlns:m="http://schemas.openxmlformats.org/officeDocument/2006/math">
-                                <m:r>
-                                  <a:rPr lang="en-US" i="1">
-                                    <a:latin typeface="Cambria Math" panose="02040503050406030204" pitchFamily="18" charset="0"/>
-                                    <a:cs typeface="Arial" panose="020B0604020202020204" pitchFamily="34" charset="0"/>
-                                  </a:rPr>
-                                  <m:t>𝑥</m:t>
-                                </m:r>
-                              </m:oMath>
-                            </m:oMathPara>
-                          </a14:m>
-                          <a:endParaRPr lang="en-CA" dirty="0"/>
-                        </a:p>
-                      </p:txBody>
-                    </p:sp>
-                  </mc:Choice>
-                  <mc:Fallback xmlns="">
-                    <p:sp>
-                      <p:nvSpPr>
-                        <p:cNvPr id="18" name="Rectangle 17"/>
-                        <p:cNvSpPr>
-                          <a:spLocks noRot="1" noChangeAspect="1" noMove="1" noResize="1" noEditPoints="1" noAdjustHandles="1" noChangeArrowheads="1" noChangeShapeType="1" noTextEdit="1"/>
-                        </p:cNvSpPr>
-                        <p:nvPr/>
-                      </p:nvSpPr>
-                      <p:spPr>
-                        <a:xfrm>
-                          <a:off x="1966608" y="2464631"/>
-                          <a:ext cx="367985" cy="369332"/>
-                        </a:xfrm>
-                        <a:prstGeom prst="rect">
-                          <a:avLst/>
-                        </a:prstGeom>
-                        <a:blipFill rotWithShape="0">
-                          <a:blip r:embed="rId36"/>
-                          <a:stretch>
-                            <a:fillRect/>
-                          </a:stretch>
-                        </a:blipFill>
-                      </p:spPr>
-                      <p:txBody>
-                        <a:bodyPr/>
-                        <a:lstStyle/>
-                        <a:p>
-                          <a:r>
-                            <a:rPr lang="en-CA">
-                              <a:noFill/>
-                            </a:rPr>
-                            <a:t> </a:t>
-                          </a:r>
-                        </a:p>
-                      </p:txBody>
-                    </p:sp>
-                  </mc:Fallback>
-                </mc:AlternateContent>
-                <mc:AlternateContent xmlns:mc="http://schemas.openxmlformats.org/markup-compatibility/2006" xmlns:a14="http://schemas.microsoft.com/office/drawing/2010/main">
-                  <mc:Choice Requires="a14">
-                    <p:sp>
-                      <p:nvSpPr>
-                        <p:cNvPr id="236" name="Rectangle 235">
-                          <a:extLst>
-                            <a:ext uri="{FF2B5EF4-FFF2-40B4-BE49-F238E27FC236}">
-                              <a16:creationId xmlns:a16="http://schemas.microsoft.com/office/drawing/2014/main" id="{69AEE039-DC37-0C42-90B1-177CB1623A1B}"/>
-                            </a:ext>
-                          </a:extLst>
-                        </p:cNvPr>
-                        <p:cNvSpPr/>
-                        <p:nvPr/>
-                      </p:nvSpPr>
-                      <p:spPr>
-                        <a:xfrm>
-                          <a:off x="1164196" y="1973145"/>
-                          <a:ext cx="371384" cy="369332"/>
-                        </a:xfrm>
-                        <a:prstGeom prst="rect">
-                          <a:avLst/>
-                        </a:prstGeom>
-                      </p:spPr>
-                      <p:txBody>
-                        <a:bodyPr wrap="none">
-                          <a:spAutoFit/>
-                        </a:bodyPr>
-                        <a:lstStyle/>
-                        <a:p>
-                          <a:pPr/>
-                          <a14:m>
-                            <m:oMathPara xmlns:m="http://schemas.openxmlformats.org/officeDocument/2006/math">
-                              <m:oMathParaPr>
-                                <m:jc m:val="centerGroup"/>
-                              </m:oMathParaPr>
-                              <m:oMath xmlns:m="http://schemas.openxmlformats.org/officeDocument/2006/math">
-                                <m:r>
-                                  <a:rPr lang="en-US" b="0" i="1" smtClean="0">
-                                    <a:latin typeface="Cambria Math" panose="02040503050406030204" pitchFamily="18" charset="0"/>
-                                  </a:rPr>
-                                  <m:t>𝑦</m:t>
-                                </m:r>
-                              </m:oMath>
-                            </m:oMathPara>
-                          </a14:m>
-                          <a:endParaRPr lang="en-CA" dirty="0"/>
-                        </a:p>
-                      </p:txBody>
-                    </p:sp>
-                  </mc:Choice>
-                  <mc:Fallback xmlns="">
-                    <p:sp>
-                      <p:nvSpPr>
-                        <p:cNvPr id="64" name="Rectangle 63"/>
-                        <p:cNvSpPr>
-                          <a:spLocks noRot="1" noChangeAspect="1" noMove="1" noResize="1" noEditPoints="1" noAdjustHandles="1" noChangeArrowheads="1" noChangeShapeType="1" noTextEdit="1"/>
-                        </p:cNvSpPr>
-                        <p:nvPr/>
-                      </p:nvSpPr>
-                      <p:spPr>
-                        <a:xfrm>
-                          <a:off x="1164196" y="1973145"/>
-                          <a:ext cx="371384" cy="369332"/>
-                        </a:xfrm>
-                        <a:prstGeom prst="rect">
-                          <a:avLst/>
-                        </a:prstGeom>
-                        <a:blipFill rotWithShape="0">
-                          <a:blip r:embed="rId10"/>
-                          <a:stretch>
-                            <a:fillRect b="-6667"/>
-                          </a:stretch>
-                        </a:blipFill>
-                      </p:spPr>
-                      <p:txBody>
-                        <a:bodyPr/>
-                        <a:lstStyle/>
-                        <a:p>
-                          <a:r>
-                            <a:rPr lang="en-CA">
-                              <a:noFill/>
-                            </a:rPr>
-                            <a:t> </a:t>
-                          </a:r>
-                        </a:p>
-                      </p:txBody>
-                    </p:sp>
-                  </mc:Fallback>
-                </mc:AlternateContent>
-                <mc:AlternateContent xmlns:mc="http://schemas.openxmlformats.org/markup-compatibility/2006" xmlns:a14="http://schemas.microsoft.com/office/drawing/2010/main">
-                  <mc:Choice Requires="a14">
-                    <p:sp>
-                      <p:nvSpPr>
-                        <p:cNvPr id="237" name="Rectangle 236">
-                          <a:extLst>
-                            <a:ext uri="{FF2B5EF4-FFF2-40B4-BE49-F238E27FC236}">
-                              <a16:creationId xmlns:a16="http://schemas.microsoft.com/office/drawing/2014/main" id="{16E0F214-4B17-9F42-88E1-617004BCC4A7}"/>
-                            </a:ext>
-                          </a:extLst>
-                        </p:cNvPr>
-                        <p:cNvSpPr/>
-                        <p:nvPr/>
-                      </p:nvSpPr>
-                      <p:spPr>
-                        <a:xfrm>
-                          <a:off x="1243583" y="2447020"/>
-                          <a:ext cx="367985" cy="369332"/>
-                        </a:xfrm>
-                        <a:prstGeom prst="rect">
-                          <a:avLst/>
-                        </a:prstGeom>
-                      </p:spPr>
-                      <p:txBody>
-                        <a:bodyPr wrap="none">
-                          <a:spAutoFit/>
-                        </a:bodyPr>
-                        <a:lstStyle/>
-                        <a:p>
-                          <a:pPr/>
-                          <a14:m>
-                            <m:oMathPara xmlns:m="http://schemas.openxmlformats.org/officeDocument/2006/math">
-                              <m:oMathParaPr>
-                                <m:jc m:val="centerGroup"/>
-                              </m:oMathParaPr>
-                              <m:oMath xmlns:m="http://schemas.openxmlformats.org/officeDocument/2006/math">
-                                <m:r>
-                                  <a:rPr lang="en-US" b="0" i="1" smtClean="0">
-                                    <a:latin typeface="Cambria Math" panose="02040503050406030204" pitchFamily="18" charset="0"/>
-                                    <a:cs typeface="Arial" panose="020B0604020202020204" pitchFamily="34" charset="0"/>
-                                  </a:rPr>
-                                  <m:t>0</m:t>
-                                </m:r>
-                              </m:oMath>
-                            </m:oMathPara>
-                          </a14:m>
-                          <a:endParaRPr lang="en-CA" dirty="0"/>
-                        </a:p>
-                      </p:txBody>
-                    </p:sp>
-                  </mc:Choice>
-                  <mc:Fallback xmlns="">
-                    <p:sp>
-                      <p:nvSpPr>
-                        <p:cNvPr id="65" name="Rectangle 64"/>
-                        <p:cNvSpPr>
-                          <a:spLocks noRot="1" noChangeAspect="1" noMove="1" noResize="1" noEditPoints="1" noAdjustHandles="1" noChangeArrowheads="1" noChangeShapeType="1" noTextEdit="1"/>
-                        </p:cNvSpPr>
-                        <p:nvPr/>
-                      </p:nvSpPr>
-                      <p:spPr>
-                        <a:xfrm>
-                          <a:off x="1243583" y="2447020"/>
-                          <a:ext cx="367985" cy="369332"/>
-                        </a:xfrm>
-                        <a:prstGeom prst="rect">
-                          <a:avLst/>
-                        </a:prstGeom>
-                        <a:blipFill rotWithShape="0">
-                          <a:blip r:embed="rId11"/>
-                          <a:stretch>
-                            <a:fillRect/>
-                          </a:stretch>
-                        </a:blipFill>
-                      </p:spPr>
-                      <p:txBody>
-                        <a:bodyPr/>
-                        <a:lstStyle/>
-                        <a:p>
-                          <a:r>
-                            <a:rPr lang="en-CA">
-                              <a:noFill/>
-                            </a:rPr>
-                            <a:t> </a:t>
-                          </a:r>
-                        </a:p>
-                      </p:txBody>
-                    </p:sp>
-                  </mc:Fallback>
-                </mc:AlternateContent>
-              </p:grpSp>
-              <p:sp>
-                <p:nvSpPr>
-                  <p:cNvPr id="232" name="Rectangle 231">
-                    <a:extLst>
-                      <a:ext uri="{FF2B5EF4-FFF2-40B4-BE49-F238E27FC236}">
-                        <a16:creationId xmlns:a16="http://schemas.microsoft.com/office/drawing/2014/main" id="{EC9F338D-D7BA-5741-969A-1FCC35E0B9E9}"/>
-                      </a:ext>
-                    </a:extLst>
-                  </p:cNvPr>
-                  <p:cNvSpPr/>
-                  <p:nvPr/>
-                </p:nvSpPr>
-                <p:spPr>
-                  <a:xfrm>
-                    <a:off x="1129904" y="1614682"/>
-                    <a:ext cx="184731" cy="369332"/>
-                  </a:xfrm>
-                  <a:prstGeom prst="rect">
-                    <a:avLst/>
-                  </a:prstGeom>
-                </p:spPr>
-                <p:txBody>
-                  <a:bodyPr wrap="none">
-                    <a:spAutoFit/>
-                  </a:bodyPr>
-                  <a:lstStyle/>
-                  <a:p>
-                    <a:endParaRPr lang="en-CA" dirty="0"/>
-                  </a:p>
-                </p:txBody>
-              </p:sp>
-            </p:grpSp>
-            <p:cxnSp>
-              <p:nvCxnSpPr>
-                <p:cNvPr id="226" name="Straight Connector 225">
-                  <a:extLst>
-                    <a:ext uri="{FF2B5EF4-FFF2-40B4-BE49-F238E27FC236}">
-                      <a16:creationId xmlns:a16="http://schemas.microsoft.com/office/drawing/2014/main" id="{30737523-4292-AF45-9DF4-9DACB8F73E2F}"/>
-                    </a:ext>
-                  </a:extLst>
-                </p:cNvPr>
-                <p:cNvCxnSpPr>
-                  <a:cxnSpLocks/>
-                  <a:stCxn id="216" idx="5"/>
-                </p:cNvCxnSpPr>
-                <p:nvPr/>
-              </p:nvCxnSpPr>
-              <p:spPr>
-                <a:xfrm>
-                  <a:off x="6871570" y="1450920"/>
-                  <a:ext cx="776670" cy="441967"/>
-                </a:xfrm>
-                <a:prstGeom prst="line">
-                  <a:avLst/>
-                </a:prstGeom>
-                <a:ln w="28575">
-                  <a:solidFill>
-                    <a:schemeClr val="tx1"/>
-                  </a:solidFill>
-                  <a:prstDash val="sysDot"/>
-                </a:ln>
-              </p:spPr>
-              <p:style>
-                <a:lnRef idx="1">
-                  <a:schemeClr val="accent1"/>
-                </a:lnRef>
-                <a:fillRef idx="0">
-                  <a:schemeClr val="accent1"/>
-                </a:fillRef>
-                <a:effectRef idx="0">
-                  <a:schemeClr val="accent1"/>
-                </a:effectRef>
-                <a:fontRef idx="minor">
-                  <a:schemeClr val="tx1"/>
-                </a:fontRef>
-              </p:style>
-            </p:cxnSp>
-            <mc:AlternateContent xmlns:mc="http://schemas.openxmlformats.org/markup-compatibility/2006" xmlns:a14="http://schemas.microsoft.com/office/drawing/2010/main">
-              <mc:Choice Requires="a14">
-                <p:sp>
-                  <p:nvSpPr>
-                    <p:cNvPr id="227" name="Rectangle 226">
-                      <a:extLst>
-                        <a:ext uri="{FF2B5EF4-FFF2-40B4-BE49-F238E27FC236}">
-                          <a16:creationId xmlns:a16="http://schemas.microsoft.com/office/drawing/2014/main" id="{4CF91009-60D7-BD47-8E0F-E5AE92E2625F}"/>
-                        </a:ext>
-                      </a:extLst>
-                    </p:cNvPr>
-                    <p:cNvSpPr/>
-                    <p:nvPr/>
-                  </p:nvSpPr>
-                  <p:spPr>
-                    <a:xfrm>
-                      <a:off x="6859080" y="1207863"/>
-                      <a:ext cx="391774" cy="369332"/>
-                    </a:xfrm>
-                    <a:prstGeom prst="rect">
-                      <a:avLst/>
-                    </a:prstGeom>
-                  </p:spPr>
-                  <p:txBody>
-                    <a:bodyPr wrap="none">
-                      <a:spAutoFit/>
-                    </a:bodyPr>
-                    <a:lstStyle/>
-                    <a:p>
-                      <a:pPr/>
-                      <a14:m>
-                        <m:oMathPara xmlns:m="http://schemas.openxmlformats.org/officeDocument/2006/math">
-                          <m:oMathParaPr>
-                            <m:jc m:val="centerGroup"/>
-                          </m:oMathParaPr>
-                          <m:oMath xmlns:m="http://schemas.openxmlformats.org/officeDocument/2006/math">
-                            <m:r>
-                              <a:rPr lang="en-US" b="0" i="1" smtClean="0">
-                                <a:solidFill>
-                                  <a:schemeClr val="tx1"/>
-                                </a:solidFill>
-                                <a:latin typeface="Cambria Math" panose="02040503050406030204" pitchFamily="18" charset="0"/>
-                                <a:cs typeface="Arial" panose="020B0604020202020204" pitchFamily="34" charset="0"/>
-                              </a:rPr>
-                              <m:t>𝑅</m:t>
-                            </m:r>
-                          </m:oMath>
-                        </m:oMathPara>
-                      </a14:m>
-                      <a:endParaRPr lang="en-CA" dirty="0">
-                        <a:solidFill>
-                          <a:schemeClr val="tx1"/>
-                        </a:solidFill>
-                      </a:endParaRPr>
-                    </a:p>
-                  </p:txBody>
-                </p:sp>
-              </mc:Choice>
-              <mc:Fallback xmlns="">
-                <p:sp>
-                  <p:nvSpPr>
-                    <p:cNvPr id="154" name="Rectangle 153"/>
-                    <p:cNvSpPr>
-                      <a:spLocks noRot="1" noChangeAspect="1" noMove="1" noResize="1" noEditPoints="1" noAdjustHandles="1" noChangeArrowheads="1" noChangeShapeType="1" noTextEdit="1"/>
-                    </p:cNvSpPr>
-                    <p:nvPr/>
-                  </p:nvSpPr>
-                  <p:spPr>
-                    <a:xfrm>
-                      <a:off x="6859080" y="1207863"/>
-                      <a:ext cx="391774" cy="369332"/>
-                    </a:xfrm>
-                    <a:prstGeom prst="rect">
-                      <a:avLst/>
-                    </a:prstGeom>
-                    <a:blipFill>
-                      <a:blip r:embed="rId38"/>
-                      <a:stretch>
-                        <a:fillRect/>
-                      </a:stretch>
-                    </a:blipFill>
-                  </p:spPr>
-                  <p:txBody>
-                    <a:bodyPr/>
-                    <a:lstStyle/>
-                    <a:p>
-                      <a:r>
-                        <a:rPr lang="en-US">
-                          <a:noFill/>
-                        </a:rPr>
-                        <a:t> </a:t>
-                      </a:r>
-                    </a:p>
-                  </p:txBody>
-                </p:sp>
-              </mc:Fallback>
-            </mc:AlternateContent>
-          </p:grpSp>
-          <p:cxnSp>
-            <p:nvCxnSpPr>
-              <p:cNvPr id="253" name="Straight Arrow Connector 252">
-                <a:extLst>
-                  <a:ext uri="{FF2B5EF4-FFF2-40B4-BE49-F238E27FC236}">
-                    <a16:creationId xmlns:a16="http://schemas.microsoft.com/office/drawing/2014/main" id="{A84A374D-CF84-BA4D-A245-5924A3143468}"/>
-                  </a:ext>
-                </a:extLst>
-              </p:cNvPr>
-              <p:cNvCxnSpPr/>
-              <p:nvPr/>
-            </p:nvCxnSpPr>
-            <p:spPr>
-              <a:xfrm>
-                <a:off x="11376121" y="4665657"/>
-                <a:ext cx="628234" cy="396159"/>
-              </a:xfrm>
-              <a:prstGeom prst="straightConnector1">
-                <a:avLst/>
-              </a:prstGeom>
-              <a:ln w="57150">
-                <a:solidFill>
-                  <a:srgbClr val="FF0000"/>
-                </a:solidFill>
-                <a:tailEnd type="triangle"/>
-              </a:ln>
-            </p:spPr>
-            <p:style>
-              <a:lnRef idx="1">
-                <a:schemeClr val="accent1"/>
-              </a:lnRef>
-              <a:fillRef idx="0">
-                <a:schemeClr val="accent1"/>
-              </a:fillRef>
-              <a:effectRef idx="0">
-                <a:schemeClr val="accent1"/>
-              </a:effectRef>
-              <a:fontRef idx="minor">
-                <a:schemeClr val="tx1"/>
-              </a:fontRef>
-            </p:style>
-          </p:cxnSp>
-          <mc:AlternateContent xmlns:mc="http://schemas.openxmlformats.org/markup-compatibility/2006">
-            <mc:Choice xmlns:a14="http://schemas.microsoft.com/office/drawing/2010/main" Requires="a14">
-              <p:sp>
-                <p:nvSpPr>
-                  <p:cNvPr id="255" name="Rectangle 254">
-                    <a:extLst>
-                      <a:ext uri="{FF2B5EF4-FFF2-40B4-BE49-F238E27FC236}">
-                        <a16:creationId xmlns:a16="http://schemas.microsoft.com/office/drawing/2014/main" id="{2D374B11-BF89-3F48-A96E-E643CE3312AC}"/>
-                      </a:ext>
-                    </a:extLst>
-                  </p:cNvPr>
-                  <p:cNvSpPr/>
-                  <p:nvPr/>
-                </p:nvSpPr>
-                <p:spPr>
-                  <a:xfrm>
-                    <a:off x="11264353" y="4807643"/>
-                    <a:ext cx="531235" cy="402931"/>
-                  </a:xfrm>
-                  <a:prstGeom prst="rect">
-                    <a:avLst/>
-                  </a:prstGeom>
-                </p:spPr>
-                <p:txBody>
-                  <a:bodyPr wrap="none">
-                    <a:spAutoFit/>
-                  </a:bodyPr>
-                  <a:lstStyle/>
-                  <a:p>
-                    <a:pPr/>
-                    <a14:m>
-                      <m:oMathPara xmlns:m="http://schemas.openxmlformats.org/officeDocument/2006/math">
-                        <m:oMathParaPr>
-                          <m:jc m:val="centerGroup"/>
-                        </m:oMathParaPr>
-                        <m:oMath xmlns:m="http://schemas.openxmlformats.org/officeDocument/2006/math">
-                          <m:r>
-                            <a:rPr lang="en-US" i="1" smtClean="0">
-                              <a:solidFill>
-                                <a:srgbClr val="FF0000"/>
-                              </a:solidFill>
-                              <a:latin typeface="Cambria Math" panose="02040503050406030204" pitchFamily="18" charset="0"/>
-                              <a:cs typeface="Arial" panose="020B0604020202020204" pitchFamily="34" charset="0"/>
-                            </a:rPr>
-                            <m:t>𝑑</m:t>
-                          </m:r>
-                          <m:acc>
-                            <m:accPr>
-                              <m:chr m:val="⃗"/>
-                              <m:ctrlPr>
-                                <a:rPr lang="en-US" b="0" i="1" smtClean="0">
-                                  <a:solidFill>
-                                    <a:srgbClr val="FF0000"/>
-                                  </a:solidFill>
-                                  <a:latin typeface="Cambria Math" panose="02040503050406030204" pitchFamily="18" charset="0"/>
-                                  <a:cs typeface="Arial" panose="020B0604020202020204" pitchFamily="34" charset="0"/>
-                                </a:rPr>
-                              </m:ctrlPr>
-                            </m:accPr>
-                            <m:e>
-                              <m:r>
-                                <a:rPr lang="en-US" i="1" smtClean="0">
-                                  <a:solidFill>
-                                    <a:srgbClr val="FF0000"/>
-                                  </a:solidFill>
-                                  <a:latin typeface="Cambria Math" panose="02040503050406030204" pitchFamily="18" charset="0"/>
-                                  <a:cs typeface="Arial" panose="020B0604020202020204" pitchFamily="34" charset="0"/>
-                                </a:rPr>
-                                <m:t>𝐸</m:t>
-                              </m:r>
-                            </m:e>
-                          </m:acc>
-                        </m:oMath>
-                      </m:oMathPara>
-                    </a14:m>
-                    <a:endParaRPr lang="en-CA" dirty="0"/>
-                  </a:p>
-                </p:txBody>
-              </p:sp>
-            </mc:Choice>
-            <mc:Fallback>
-              <p:sp>
-                <p:nvSpPr>
-                  <p:cNvPr id="255" name="Rectangle 254">
-                    <a:extLst>
-                      <a:ext uri="{FF2B5EF4-FFF2-40B4-BE49-F238E27FC236}">
-                        <a16:creationId xmlns:a16="http://schemas.microsoft.com/office/drawing/2014/main" id="{2D374B11-BF89-3F48-A96E-E643CE3312AC}"/>
-                      </a:ext>
-                    </a:extLst>
-                  </p:cNvPr>
-                  <p:cNvSpPr>
-                    <a:spLocks noRot="1" noChangeAspect="1" noMove="1" noResize="1" noEditPoints="1" noAdjustHandles="1" noChangeArrowheads="1" noChangeShapeType="1" noTextEdit="1"/>
-                  </p:cNvSpPr>
-                  <p:nvPr/>
-                </p:nvSpPr>
-                <p:spPr>
-                  <a:xfrm>
-                    <a:off x="11264353" y="4807643"/>
-                    <a:ext cx="531235" cy="402931"/>
-                  </a:xfrm>
-                  <a:prstGeom prst="rect">
-                    <a:avLst/>
-                  </a:prstGeom>
-                  <a:blipFill>
-                    <a:blip r:embed="rId55"/>
-                    <a:stretch>
-                      <a:fillRect/>
-                    </a:stretch>
-                  </a:blipFill>
-                </p:spPr>
-                <p:txBody>
-                  <a:bodyPr/>
-                  <a:lstStyle/>
-                  <a:p>
-                    <a:r>
-                      <a:rPr lang="en-US">
-                        <a:noFill/>
-                      </a:rPr>
-                      <a:t> </a:t>
-                    </a:r>
-                  </a:p>
-                </p:txBody>
-              </p:sp>
-            </mc:Fallback>
-          </mc:AlternateContent>
-        </p:grpSp>
-        <p:cxnSp>
-          <p:nvCxnSpPr>
-            <p:cNvPr id="260" name="Straight Arrow Connector 259">
-              <a:extLst>
-                <a:ext uri="{FF2B5EF4-FFF2-40B4-BE49-F238E27FC236}">
-                  <a16:creationId xmlns:a16="http://schemas.microsoft.com/office/drawing/2014/main" id="{B6FEB149-9261-414B-8471-56DD9F1B18B2}"/>
-                </a:ext>
-              </a:extLst>
-            </p:cNvPr>
-            <p:cNvCxnSpPr/>
-            <p:nvPr/>
-          </p:nvCxnSpPr>
-          <p:spPr>
-            <a:xfrm>
-              <a:off x="9235556" y="4602332"/>
-              <a:ext cx="717417" cy="0"/>
-            </a:xfrm>
-            <a:prstGeom prst="straightConnector1">
-              <a:avLst/>
-            </a:prstGeom>
-            <a:ln w="76200">
-              <a:solidFill>
-                <a:schemeClr val="tx1"/>
-              </a:solidFill>
-              <a:tailEnd type="triangle"/>
-            </a:ln>
-          </p:spPr>
-          <p:style>
-            <a:lnRef idx="1">
-              <a:schemeClr val="accent1"/>
-            </a:lnRef>
-            <a:fillRef idx="0">
-              <a:schemeClr val="accent1"/>
-            </a:fillRef>
-            <a:effectRef idx="0">
-              <a:schemeClr val="accent1"/>
-            </a:effectRef>
-            <a:fontRef idx="minor">
-              <a:schemeClr val="tx1"/>
-            </a:fontRef>
-          </p:style>
-        </p:cxnSp>
       </p:grpSp>
     </p:spTree>
     <p:extLst>
